--- a/apps/data_processing/aruco_marker/aruco_marker_creation/marker_img/integration_marker.pptx
+++ b/apps/data_processing/aruco_marker/aruco_marker_creation/marker_img/integration_marker.pptx
@@ -2,13 +2,14 @@
 <file path=ppt/presentation.xml><?xml version="1.0" encoding="utf-8"?>
 <p:presentation xmlns:a="http://schemas.openxmlformats.org/drawingml/2006/main" xmlns:r="http://schemas.openxmlformats.org/officeDocument/2006/relationships" xmlns:p="http://schemas.openxmlformats.org/presentationml/2006/main" saveSubsetFonts="1">
   <p:sldMasterIdLst>
-    <p:sldMasterId id="2147483660" r:id="rId1"/>
+    <p:sldMasterId id="2147483672" r:id="rId1"/>
   </p:sldMasterIdLst>
   <p:sldIdLst>
     <p:sldId id="256" r:id="rId2"/>
     <p:sldId id="257" r:id="rId3"/>
+    <p:sldId id="258" r:id="rId4"/>
   </p:sldIdLst>
-  <p:sldSz cx="30275213" cy="42803763"/>
+  <p:sldSz cx="43200638" cy="43200638"/>
   <p:notesSz cx="6858000" cy="9144000"/>
   <p:defaultTextStyle>
     <a:defPPr>
@@ -142,15 +143,15 @@
         </p:nvSpPr>
         <p:spPr>
           <a:xfrm>
-            <a:off x="2270641" y="7005156"/>
-            <a:ext cx="25733931" cy="14902051"/>
+            <a:off x="3240048" y="7070130"/>
+            <a:ext cx="36720542" cy="15040222"/>
           </a:xfrm>
         </p:spPr>
         <p:txBody>
           <a:bodyPr anchor="b"/>
           <a:lstStyle>
             <a:lvl1pPr algn="ctr">
-              <a:defRPr sz="19865"/>
+              <a:defRPr sz="28341"/>
             </a:lvl1pPr>
           </a:lstStyle>
           <a:p>
@@ -174,8 +175,8 @@
         </p:nvSpPr>
         <p:spPr>
           <a:xfrm>
-            <a:off x="3784402" y="22481887"/>
-            <a:ext cx="22706410" cy="10334331"/>
+            <a:off x="5400087" y="22690359"/>
+            <a:ext cx="32400479" cy="10430154"/>
           </a:xfrm>
         </p:spPr>
         <p:txBody>
@@ -183,39 +184,39 @@
           <a:lstStyle>
             <a:lvl1pPr marL="0" indent="0" algn="ctr">
               <a:buNone/>
-              <a:defRPr sz="7946"/>
+              <a:defRPr sz="11335"/>
             </a:lvl1pPr>
-            <a:lvl2pPr marL="1513743" indent="0" algn="ctr">
-              <a:buNone/>
-              <a:defRPr sz="6622"/>
+            <a:lvl2pPr marL="2159784" indent="0" algn="ctr">
+              <a:buNone/>
+              <a:defRPr sz="9447"/>
             </a:lvl2pPr>
-            <a:lvl3pPr marL="3027487" indent="0" algn="ctr">
-              <a:buNone/>
-              <a:defRPr sz="5960"/>
+            <a:lvl3pPr marL="4319569" indent="0" algn="ctr">
+              <a:buNone/>
+              <a:defRPr sz="8503"/>
             </a:lvl3pPr>
-            <a:lvl4pPr marL="4541230" indent="0" algn="ctr">
-              <a:buNone/>
-              <a:defRPr sz="5297"/>
+            <a:lvl4pPr marL="6479362" indent="0" algn="ctr">
+              <a:buNone/>
+              <a:defRPr sz="7559"/>
             </a:lvl4pPr>
-            <a:lvl5pPr marL="6054974" indent="0" algn="ctr">
-              <a:buNone/>
-              <a:defRPr sz="5297"/>
+            <a:lvl5pPr marL="8639146" indent="0" algn="ctr">
+              <a:buNone/>
+              <a:defRPr sz="7559"/>
             </a:lvl5pPr>
-            <a:lvl6pPr marL="7568717" indent="0" algn="ctr">
-              <a:buNone/>
-              <a:defRPr sz="5297"/>
+            <a:lvl6pPr marL="10798931" indent="0" algn="ctr">
+              <a:buNone/>
+              <a:defRPr sz="7559"/>
             </a:lvl6pPr>
-            <a:lvl7pPr marL="9082461" indent="0" algn="ctr">
-              <a:buNone/>
-              <a:defRPr sz="5297"/>
+            <a:lvl7pPr marL="12958715" indent="0" algn="ctr">
+              <a:buNone/>
+              <a:defRPr sz="7559"/>
             </a:lvl7pPr>
-            <a:lvl8pPr marL="10596204" indent="0" algn="ctr">
-              <a:buNone/>
-              <a:defRPr sz="5297"/>
+            <a:lvl8pPr marL="15118499" indent="0" algn="ctr">
+              <a:buNone/>
+              <a:defRPr sz="7559"/>
             </a:lvl8pPr>
-            <a:lvl9pPr marL="12109948" indent="0" algn="ctr">
-              <a:buNone/>
-              <a:defRPr sz="5297"/>
+            <a:lvl9pPr marL="17278284" indent="0" algn="ctr">
+              <a:buNone/>
+              <a:defRPr sz="7559"/>
             </a:lvl9pPr>
           </a:lstStyle>
           <a:p>
@@ -244,7 +245,7 @@
           <a:p>
             <a:fld id="{C8A4090B-3ADF-4090-9EE5-2E9D826556F2}" type="datetimeFigureOut">
               <a:rPr lang="en-US" smtClean="0"/>
-              <a:t>7/7/2021</a:t>
+              <a:t>10/7/2021</a:t>
             </a:fld>
             <a:endParaRPr lang="en-US"/>
           </a:p>
@@ -295,7 +296,7 @@
     </p:spTree>
     <p:extLst>
       <p:ext uri="{BB962C8B-B14F-4D97-AF65-F5344CB8AC3E}">
-        <p14:creationId xmlns:p14="http://schemas.microsoft.com/office/powerpoint/2010/main" val="3314845852"/>
+        <p14:creationId xmlns:p14="http://schemas.microsoft.com/office/powerpoint/2010/main" val="3307929859"/>
       </p:ext>
     </p:extLst>
   </p:cSld>
@@ -414,7 +415,7 @@
           <a:p>
             <a:fld id="{C8A4090B-3ADF-4090-9EE5-2E9D826556F2}" type="datetimeFigureOut">
               <a:rPr lang="en-US" smtClean="0"/>
-              <a:t>7/7/2021</a:t>
+              <a:t>10/7/2021</a:t>
             </a:fld>
             <a:endParaRPr lang="en-US"/>
           </a:p>
@@ -465,7 +466,7 @@
     </p:spTree>
     <p:extLst>
       <p:ext uri="{BB962C8B-B14F-4D97-AF65-F5344CB8AC3E}">
-        <p14:creationId xmlns:p14="http://schemas.microsoft.com/office/powerpoint/2010/main" val="1535591716"/>
+        <p14:creationId xmlns:p14="http://schemas.microsoft.com/office/powerpoint/2010/main" val="285050302"/>
       </p:ext>
     </p:extLst>
   </p:cSld>
@@ -504,8 +505,8 @@
         </p:nvSpPr>
         <p:spPr>
           <a:xfrm>
-            <a:off x="21665701" y="2278904"/>
-            <a:ext cx="6528093" cy="36274211"/>
+            <a:off x="30915459" y="2300035"/>
+            <a:ext cx="9315138" cy="36610540"/>
           </a:xfrm>
         </p:spPr>
         <p:txBody>
@@ -532,8 +533,8 @@
         </p:nvSpPr>
         <p:spPr>
           <a:xfrm>
-            <a:off x="2081423" y="2278904"/>
-            <a:ext cx="19205838" cy="36274211"/>
+            <a:off x="2970047" y="2300035"/>
+            <a:ext cx="27405405" cy="36610540"/>
           </a:xfrm>
         </p:spPr>
         <p:txBody>
@@ -594,7 +595,7 @@
           <a:p>
             <a:fld id="{C8A4090B-3ADF-4090-9EE5-2E9D826556F2}" type="datetimeFigureOut">
               <a:rPr lang="en-US" smtClean="0"/>
-              <a:t>7/7/2021</a:t>
+              <a:t>10/7/2021</a:t>
             </a:fld>
             <a:endParaRPr lang="en-US"/>
           </a:p>
@@ -645,7 +646,7 @@
     </p:spTree>
     <p:extLst>
       <p:ext uri="{BB962C8B-B14F-4D97-AF65-F5344CB8AC3E}">
-        <p14:creationId xmlns:p14="http://schemas.microsoft.com/office/powerpoint/2010/main" val="2039305081"/>
+        <p14:creationId xmlns:p14="http://schemas.microsoft.com/office/powerpoint/2010/main" val="728777166"/>
       </p:ext>
     </p:extLst>
   </p:cSld>
@@ -764,7 +765,7 @@
           <a:p>
             <a:fld id="{C8A4090B-3ADF-4090-9EE5-2E9D826556F2}" type="datetimeFigureOut">
               <a:rPr lang="en-US" smtClean="0"/>
-              <a:t>7/7/2021</a:t>
+              <a:t>10/7/2021</a:t>
             </a:fld>
             <a:endParaRPr lang="en-US"/>
           </a:p>
@@ -815,7 +816,7 @@
     </p:spTree>
     <p:extLst>
       <p:ext uri="{BB962C8B-B14F-4D97-AF65-F5344CB8AC3E}">
-        <p14:creationId xmlns:p14="http://schemas.microsoft.com/office/powerpoint/2010/main" val="3450824392"/>
+        <p14:creationId xmlns:p14="http://schemas.microsoft.com/office/powerpoint/2010/main" val="3741835959"/>
       </p:ext>
     </p:extLst>
   </p:cSld>
@@ -854,15 +855,15 @@
         </p:nvSpPr>
         <p:spPr>
           <a:xfrm>
-            <a:off x="2065654" y="10671229"/>
-            <a:ext cx="26112371" cy="17805173"/>
+            <a:off x="2947546" y="10770174"/>
+            <a:ext cx="37260550" cy="17970259"/>
           </a:xfrm>
         </p:spPr>
         <p:txBody>
           <a:bodyPr anchor="b"/>
           <a:lstStyle>
             <a:lvl1pPr>
-              <a:defRPr sz="19865"/>
+              <a:defRPr sz="28341"/>
             </a:lvl1pPr>
           </a:lstStyle>
           <a:p>
@@ -886,8 +887,8 @@
         </p:nvSpPr>
         <p:spPr>
           <a:xfrm>
-            <a:off x="2065654" y="28644846"/>
-            <a:ext cx="26112371" cy="9363320"/>
+            <a:off x="2947546" y="28910441"/>
+            <a:ext cx="37260550" cy="9450134"/>
           </a:xfrm>
         </p:spPr>
         <p:txBody>
@@ -895,15 +896,15 @@
           <a:lstStyle>
             <a:lvl1pPr marL="0" indent="0">
               <a:buNone/>
-              <a:defRPr sz="7946">
+              <a:defRPr sz="11335">
                 <a:solidFill>
                   <a:schemeClr val="tx1"/>
                 </a:solidFill>
               </a:defRPr>
             </a:lvl1pPr>
-            <a:lvl2pPr marL="1513743" indent="0">
-              <a:buNone/>
-              <a:defRPr sz="6622">
+            <a:lvl2pPr marL="2159784" indent="0">
+              <a:buNone/>
+              <a:defRPr sz="9447">
                 <a:solidFill>
                   <a:schemeClr val="tx1">
                     <a:tint val="75000"/>
@@ -911,9 +912,9 @@
                 </a:solidFill>
               </a:defRPr>
             </a:lvl2pPr>
-            <a:lvl3pPr marL="3027487" indent="0">
-              <a:buNone/>
-              <a:defRPr sz="5960">
+            <a:lvl3pPr marL="4319569" indent="0">
+              <a:buNone/>
+              <a:defRPr sz="8503">
                 <a:solidFill>
                   <a:schemeClr val="tx1">
                     <a:tint val="75000"/>
@@ -921,9 +922,9 @@
                 </a:solidFill>
               </a:defRPr>
             </a:lvl3pPr>
-            <a:lvl4pPr marL="4541230" indent="0">
-              <a:buNone/>
-              <a:defRPr sz="5297">
+            <a:lvl4pPr marL="6479362" indent="0">
+              <a:buNone/>
+              <a:defRPr sz="7559">
                 <a:solidFill>
                   <a:schemeClr val="tx1">
                     <a:tint val="75000"/>
@@ -931,9 +932,9 @@
                 </a:solidFill>
               </a:defRPr>
             </a:lvl4pPr>
-            <a:lvl5pPr marL="6054974" indent="0">
-              <a:buNone/>
-              <a:defRPr sz="5297">
+            <a:lvl5pPr marL="8639146" indent="0">
+              <a:buNone/>
+              <a:defRPr sz="7559">
                 <a:solidFill>
                   <a:schemeClr val="tx1">
                     <a:tint val="75000"/>
@@ -941,9 +942,9 @@
                 </a:solidFill>
               </a:defRPr>
             </a:lvl5pPr>
-            <a:lvl6pPr marL="7568717" indent="0">
-              <a:buNone/>
-              <a:defRPr sz="5297">
+            <a:lvl6pPr marL="10798931" indent="0">
+              <a:buNone/>
+              <a:defRPr sz="7559">
                 <a:solidFill>
                   <a:schemeClr val="tx1">
                     <a:tint val="75000"/>
@@ -951,9 +952,9 @@
                 </a:solidFill>
               </a:defRPr>
             </a:lvl6pPr>
-            <a:lvl7pPr marL="9082461" indent="0">
-              <a:buNone/>
-              <a:defRPr sz="5297">
+            <a:lvl7pPr marL="12958715" indent="0">
+              <a:buNone/>
+              <a:defRPr sz="7559">
                 <a:solidFill>
                   <a:schemeClr val="tx1">
                     <a:tint val="75000"/>
@@ -961,9 +962,9 @@
                 </a:solidFill>
               </a:defRPr>
             </a:lvl7pPr>
-            <a:lvl8pPr marL="10596204" indent="0">
-              <a:buNone/>
-              <a:defRPr sz="5297">
+            <a:lvl8pPr marL="15118499" indent="0">
+              <a:buNone/>
+              <a:defRPr sz="7559">
                 <a:solidFill>
                   <a:schemeClr val="tx1">
                     <a:tint val="75000"/>
@@ -971,9 +972,9 @@
                 </a:solidFill>
               </a:defRPr>
             </a:lvl8pPr>
-            <a:lvl9pPr marL="12109948" indent="0">
-              <a:buNone/>
-              <a:defRPr sz="5297">
+            <a:lvl9pPr marL="17278284" indent="0">
+              <a:buNone/>
+              <a:defRPr sz="7559">
                 <a:solidFill>
                   <a:schemeClr val="tx1">
                     <a:tint val="75000"/>
@@ -1008,7 +1009,7 @@
           <a:p>
             <a:fld id="{C8A4090B-3ADF-4090-9EE5-2E9D826556F2}" type="datetimeFigureOut">
               <a:rPr lang="en-US" smtClean="0"/>
-              <a:t>7/7/2021</a:t>
+              <a:t>10/7/2021</a:t>
             </a:fld>
             <a:endParaRPr lang="en-US"/>
           </a:p>
@@ -1059,7 +1060,7 @@
     </p:spTree>
     <p:extLst>
       <p:ext uri="{BB962C8B-B14F-4D97-AF65-F5344CB8AC3E}">
-        <p14:creationId xmlns:p14="http://schemas.microsoft.com/office/powerpoint/2010/main" val="1871109783"/>
+        <p14:creationId xmlns:p14="http://schemas.microsoft.com/office/powerpoint/2010/main" val="548068433"/>
       </p:ext>
     </p:extLst>
   </p:cSld>
@@ -1121,8 +1122,8 @@
         </p:nvSpPr>
         <p:spPr>
           <a:xfrm>
-            <a:off x="2081421" y="11394520"/>
-            <a:ext cx="12866966" cy="27158594"/>
+            <a:off x="2970052" y="11500193"/>
+            <a:ext cx="18360271" cy="27410411"/>
           </a:xfrm>
         </p:spPr>
         <p:txBody>
@@ -1178,8 +1179,8 @@
         </p:nvSpPr>
         <p:spPr>
           <a:xfrm>
-            <a:off x="15326826" y="11394520"/>
-            <a:ext cx="12866966" cy="27158594"/>
+            <a:off x="21870325" y="11500193"/>
+            <a:ext cx="18360271" cy="27410411"/>
           </a:xfrm>
         </p:spPr>
         <p:txBody>
@@ -1240,7 +1241,7 @@
           <a:p>
             <a:fld id="{C8A4090B-3ADF-4090-9EE5-2E9D826556F2}" type="datetimeFigureOut">
               <a:rPr lang="en-US" smtClean="0"/>
-              <a:t>7/7/2021</a:t>
+              <a:t>10/7/2021</a:t>
             </a:fld>
             <a:endParaRPr lang="en-US"/>
           </a:p>
@@ -1291,7 +1292,7 @@
     </p:spTree>
     <p:extLst>
       <p:ext uri="{BB962C8B-B14F-4D97-AF65-F5344CB8AC3E}">
-        <p14:creationId xmlns:p14="http://schemas.microsoft.com/office/powerpoint/2010/main" val="1022005536"/>
+        <p14:creationId xmlns:p14="http://schemas.microsoft.com/office/powerpoint/2010/main" val="2197818852"/>
       </p:ext>
     </p:extLst>
   </p:cSld>
@@ -1330,8 +1331,8 @@
         </p:nvSpPr>
         <p:spPr>
           <a:xfrm>
-            <a:off x="2085364" y="2278913"/>
-            <a:ext cx="26112371" cy="8273416"/>
+            <a:off x="2975671" y="2300046"/>
+            <a:ext cx="37260550" cy="8350128"/>
           </a:xfrm>
         </p:spPr>
         <p:txBody>
@@ -1358,8 +1359,8 @@
         </p:nvSpPr>
         <p:spPr>
           <a:xfrm>
-            <a:off x="2085368" y="10492870"/>
-            <a:ext cx="12807832" cy="5142393"/>
+            <a:off x="2975675" y="10590181"/>
+            <a:ext cx="18275892" cy="5190076"/>
           </a:xfrm>
         </p:spPr>
         <p:txBody>
@@ -1367,39 +1368,39 @@
           <a:lstStyle>
             <a:lvl1pPr marL="0" indent="0">
               <a:buNone/>
-              <a:defRPr sz="7946" b="1"/>
+              <a:defRPr sz="11335" b="1"/>
             </a:lvl1pPr>
-            <a:lvl2pPr marL="1513743" indent="0">
-              <a:buNone/>
-              <a:defRPr sz="6622" b="1"/>
+            <a:lvl2pPr marL="2159784" indent="0">
+              <a:buNone/>
+              <a:defRPr sz="9447" b="1"/>
             </a:lvl2pPr>
-            <a:lvl3pPr marL="3027487" indent="0">
-              <a:buNone/>
-              <a:defRPr sz="5960" b="1"/>
+            <a:lvl3pPr marL="4319569" indent="0">
+              <a:buNone/>
+              <a:defRPr sz="8503" b="1"/>
             </a:lvl3pPr>
-            <a:lvl4pPr marL="4541230" indent="0">
-              <a:buNone/>
-              <a:defRPr sz="5297" b="1"/>
+            <a:lvl4pPr marL="6479362" indent="0">
+              <a:buNone/>
+              <a:defRPr sz="7559" b="1"/>
             </a:lvl4pPr>
-            <a:lvl5pPr marL="6054974" indent="0">
-              <a:buNone/>
-              <a:defRPr sz="5297" b="1"/>
+            <a:lvl5pPr marL="8639146" indent="0">
+              <a:buNone/>
+              <a:defRPr sz="7559" b="1"/>
             </a:lvl5pPr>
-            <a:lvl6pPr marL="7568717" indent="0">
-              <a:buNone/>
-              <a:defRPr sz="5297" b="1"/>
+            <a:lvl6pPr marL="10798931" indent="0">
+              <a:buNone/>
+              <a:defRPr sz="7559" b="1"/>
             </a:lvl6pPr>
-            <a:lvl7pPr marL="9082461" indent="0">
-              <a:buNone/>
-              <a:defRPr sz="5297" b="1"/>
+            <a:lvl7pPr marL="12958715" indent="0">
+              <a:buNone/>
+              <a:defRPr sz="7559" b="1"/>
             </a:lvl7pPr>
-            <a:lvl8pPr marL="10596204" indent="0">
-              <a:buNone/>
-              <a:defRPr sz="5297" b="1"/>
+            <a:lvl8pPr marL="15118499" indent="0">
+              <a:buNone/>
+              <a:defRPr sz="7559" b="1"/>
             </a:lvl8pPr>
-            <a:lvl9pPr marL="12109948" indent="0">
-              <a:buNone/>
-              <a:defRPr sz="5297" b="1"/>
+            <a:lvl9pPr marL="17278284" indent="0">
+              <a:buNone/>
+              <a:defRPr sz="7559" b="1"/>
             </a:lvl9pPr>
           </a:lstStyle>
           <a:p>
@@ -1423,8 +1424,8 @@
         </p:nvSpPr>
         <p:spPr>
           <a:xfrm>
-            <a:off x="2085368" y="15635264"/>
-            <a:ext cx="12807832" cy="22997117"/>
+            <a:off x="2975675" y="15780240"/>
+            <a:ext cx="18275892" cy="23210346"/>
           </a:xfrm>
         </p:spPr>
         <p:txBody>
@@ -1480,8 +1481,8 @@
         </p:nvSpPr>
         <p:spPr>
           <a:xfrm>
-            <a:off x="15326828" y="10492870"/>
-            <a:ext cx="12870909" cy="5142393"/>
+            <a:off x="21870325" y="10590181"/>
+            <a:ext cx="18365898" cy="5190076"/>
           </a:xfrm>
         </p:spPr>
         <p:txBody>
@@ -1489,39 +1490,39 @@
           <a:lstStyle>
             <a:lvl1pPr marL="0" indent="0">
               <a:buNone/>
-              <a:defRPr sz="7946" b="1"/>
+              <a:defRPr sz="11335" b="1"/>
             </a:lvl1pPr>
-            <a:lvl2pPr marL="1513743" indent="0">
-              <a:buNone/>
-              <a:defRPr sz="6622" b="1"/>
+            <a:lvl2pPr marL="2159784" indent="0">
+              <a:buNone/>
+              <a:defRPr sz="9447" b="1"/>
             </a:lvl2pPr>
-            <a:lvl3pPr marL="3027487" indent="0">
-              <a:buNone/>
-              <a:defRPr sz="5960" b="1"/>
+            <a:lvl3pPr marL="4319569" indent="0">
+              <a:buNone/>
+              <a:defRPr sz="8503" b="1"/>
             </a:lvl3pPr>
-            <a:lvl4pPr marL="4541230" indent="0">
-              <a:buNone/>
-              <a:defRPr sz="5297" b="1"/>
+            <a:lvl4pPr marL="6479362" indent="0">
+              <a:buNone/>
+              <a:defRPr sz="7559" b="1"/>
             </a:lvl4pPr>
-            <a:lvl5pPr marL="6054974" indent="0">
-              <a:buNone/>
-              <a:defRPr sz="5297" b="1"/>
+            <a:lvl5pPr marL="8639146" indent="0">
+              <a:buNone/>
+              <a:defRPr sz="7559" b="1"/>
             </a:lvl5pPr>
-            <a:lvl6pPr marL="7568717" indent="0">
-              <a:buNone/>
-              <a:defRPr sz="5297" b="1"/>
+            <a:lvl6pPr marL="10798931" indent="0">
+              <a:buNone/>
+              <a:defRPr sz="7559" b="1"/>
             </a:lvl6pPr>
-            <a:lvl7pPr marL="9082461" indent="0">
-              <a:buNone/>
-              <a:defRPr sz="5297" b="1"/>
+            <a:lvl7pPr marL="12958715" indent="0">
+              <a:buNone/>
+              <a:defRPr sz="7559" b="1"/>
             </a:lvl7pPr>
-            <a:lvl8pPr marL="10596204" indent="0">
-              <a:buNone/>
-              <a:defRPr sz="5297" b="1"/>
+            <a:lvl8pPr marL="15118499" indent="0">
+              <a:buNone/>
+              <a:defRPr sz="7559" b="1"/>
             </a:lvl8pPr>
-            <a:lvl9pPr marL="12109948" indent="0">
-              <a:buNone/>
-              <a:defRPr sz="5297" b="1"/>
+            <a:lvl9pPr marL="17278284" indent="0">
+              <a:buNone/>
+              <a:defRPr sz="7559" b="1"/>
             </a:lvl9pPr>
           </a:lstStyle>
           <a:p>
@@ -1545,8 +1546,8 @@
         </p:nvSpPr>
         <p:spPr>
           <a:xfrm>
-            <a:off x="15326828" y="15635264"/>
-            <a:ext cx="12870909" cy="22997117"/>
+            <a:off x="21870325" y="15780240"/>
+            <a:ext cx="18365898" cy="23210346"/>
           </a:xfrm>
         </p:spPr>
         <p:txBody>
@@ -1607,7 +1608,7 @@
           <a:p>
             <a:fld id="{C8A4090B-3ADF-4090-9EE5-2E9D826556F2}" type="datetimeFigureOut">
               <a:rPr lang="en-US" smtClean="0"/>
-              <a:t>7/7/2021</a:t>
+              <a:t>10/7/2021</a:t>
             </a:fld>
             <a:endParaRPr lang="en-US"/>
           </a:p>
@@ -1658,7 +1659,7 @@
     </p:spTree>
     <p:extLst>
       <p:ext uri="{BB962C8B-B14F-4D97-AF65-F5344CB8AC3E}">
-        <p14:creationId xmlns:p14="http://schemas.microsoft.com/office/powerpoint/2010/main" val="723580618"/>
+        <p14:creationId xmlns:p14="http://schemas.microsoft.com/office/powerpoint/2010/main" val="597908966"/>
       </p:ext>
     </p:extLst>
   </p:cSld>
@@ -1725,7 +1726,7 @@
           <a:p>
             <a:fld id="{C8A4090B-3ADF-4090-9EE5-2E9D826556F2}" type="datetimeFigureOut">
               <a:rPr lang="en-US" smtClean="0"/>
-              <a:t>7/7/2021</a:t>
+              <a:t>10/7/2021</a:t>
             </a:fld>
             <a:endParaRPr lang="en-US"/>
           </a:p>
@@ -1776,7 +1777,7 @@
     </p:spTree>
     <p:extLst>
       <p:ext uri="{BB962C8B-B14F-4D97-AF65-F5344CB8AC3E}">
-        <p14:creationId xmlns:p14="http://schemas.microsoft.com/office/powerpoint/2010/main" val="4215394254"/>
+        <p14:creationId xmlns:p14="http://schemas.microsoft.com/office/powerpoint/2010/main" val="2031223852"/>
       </p:ext>
     </p:extLst>
   </p:cSld>
@@ -1820,7 +1821,7 @@
           <a:p>
             <a:fld id="{C8A4090B-3ADF-4090-9EE5-2E9D826556F2}" type="datetimeFigureOut">
               <a:rPr lang="en-US" smtClean="0"/>
-              <a:t>7/7/2021</a:t>
+              <a:t>10/7/2021</a:t>
             </a:fld>
             <a:endParaRPr lang="en-US"/>
           </a:p>
@@ -1871,7 +1872,7 @@
     </p:spTree>
     <p:extLst>
       <p:ext uri="{BB962C8B-B14F-4D97-AF65-F5344CB8AC3E}">
-        <p14:creationId xmlns:p14="http://schemas.microsoft.com/office/powerpoint/2010/main" val="4205017505"/>
+        <p14:creationId xmlns:p14="http://schemas.microsoft.com/office/powerpoint/2010/main" val="3682578128"/>
       </p:ext>
     </p:extLst>
   </p:cSld>
@@ -1910,15 +1911,15 @@
         </p:nvSpPr>
         <p:spPr>
           <a:xfrm>
-            <a:off x="2085364" y="2853584"/>
-            <a:ext cx="9764544" cy="9987545"/>
+            <a:off x="2975671" y="2880043"/>
+            <a:ext cx="13933330" cy="10080153"/>
           </a:xfrm>
         </p:spPr>
         <p:txBody>
           <a:bodyPr anchor="b"/>
           <a:lstStyle>
             <a:lvl1pPr>
-              <a:defRPr sz="10595"/>
+              <a:defRPr sz="15118"/>
             </a:lvl1pPr>
           </a:lstStyle>
           <a:p>
@@ -1942,39 +1943,39 @@
         </p:nvSpPr>
         <p:spPr>
           <a:xfrm>
-            <a:off x="12870909" y="6162959"/>
-            <a:ext cx="15326827" cy="30418415"/>
+            <a:off x="18365900" y="6220099"/>
+            <a:ext cx="21870323" cy="30700456"/>
           </a:xfrm>
         </p:spPr>
         <p:txBody>
           <a:bodyPr/>
           <a:lstStyle>
             <a:lvl1pPr>
-              <a:defRPr sz="10595"/>
+              <a:defRPr sz="15118"/>
             </a:lvl1pPr>
             <a:lvl2pPr>
-              <a:defRPr sz="9271"/>
+              <a:defRPr sz="13231"/>
             </a:lvl2pPr>
             <a:lvl3pPr>
-              <a:defRPr sz="7946"/>
+              <a:defRPr sz="11335"/>
             </a:lvl3pPr>
             <a:lvl4pPr>
-              <a:defRPr sz="6622"/>
+              <a:defRPr sz="9447"/>
             </a:lvl4pPr>
             <a:lvl5pPr>
-              <a:defRPr sz="6622"/>
+              <a:defRPr sz="9447"/>
             </a:lvl5pPr>
             <a:lvl6pPr>
-              <a:defRPr sz="6622"/>
+              <a:defRPr sz="9447"/>
             </a:lvl6pPr>
             <a:lvl7pPr>
-              <a:defRPr sz="6622"/>
+              <a:defRPr sz="9447"/>
             </a:lvl7pPr>
             <a:lvl8pPr>
-              <a:defRPr sz="6622"/>
+              <a:defRPr sz="9447"/>
             </a:lvl8pPr>
             <a:lvl9pPr>
-              <a:defRPr sz="6622"/>
+              <a:defRPr sz="9447"/>
             </a:lvl9pPr>
           </a:lstStyle>
           <a:p>
@@ -2027,8 +2028,8 @@
         </p:nvSpPr>
         <p:spPr>
           <a:xfrm>
-            <a:off x="2085364" y="12841129"/>
-            <a:ext cx="9764544" cy="23789780"/>
+            <a:off x="2975671" y="12960188"/>
+            <a:ext cx="13933330" cy="24010361"/>
           </a:xfrm>
         </p:spPr>
         <p:txBody>
@@ -2036,39 +2037,39 @@
           <a:lstStyle>
             <a:lvl1pPr marL="0" indent="0">
               <a:buNone/>
-              <a:defRPr sz="5297"/>
+              <a:defRPr sz="7559"/>
             </a:lvl1pPr>
-            <a:lvl2pPr marL="1513743" indent="0">
-              <a:buNone/>
-              <a:defRPr sz="4635"/>
+            <a:lvl2pPr marL="2159784" indent="0">
+              <a:buNone/>
+              <a:defRPr sz="6615"/>
             </a:lvl2pPr>
-            <a:lvl3pPr marL="3027487" indent="0">
-              <a:buNone/>
-              <a:defRPr sz="3973"/>
+            <a:lvl3pPr marL="4319569" indent="0">
+              <a:buNone/>
+              <a:defRPr sz="5671"/>
             </a:lvl3pPr>
-            <a:lvl4pPr marL="4541230" indent="0">
-              <a:buNone/>
-              <a:defRPr sz="3311"/>
+            <a:lvl4pPr marL="6479362" indent="0">
+              <a:buNone/>
+              <a:defRPr sz="4727"/>
             </a:lvl4pPr>
-            <a:lvl5pPr marL="6054974" indent="0">
-              <a:buNone/>
-              <a:defRPr sz="3311"/>
+            <a:lvl5pPr marL="8639146" indent="0">
+              <a:buNone/>
+              <a:defRPr sz="4727"/>
             </a:lvl5pPr>
-            <a:lvl6pPr marL="7568717" indent="0">
-              <a:buNone/>
-              <a:defRPr sz="3311"/>
+            <a:lvl6pPr marL="10798931" indent="0">
+              <a:buNone/>
+              <a:defRPr sz="4727"/>
             </a:lvl6pPr>
-            <a:lvl7pPr marL="9082461" indent="0">
-              <a:buNone/>
-              <a:defRPr sz="3311"/>
+            <a:lvl7pPr marL="12958715" indent="0">
+              <a:buNone/>
+              <a:defRPr sz="4727"/>
             </a:lvl7pPr>
-            <a:lvl8pPr marL="10596204" indent="0">
-              <a:buNone/>
-              <a:defRPr sz="3311"/>
+            <a:lvl8pPr marL="15118499" indent="0">
+              <a:buNone/>
+              <a:defRPr sz="4727"/>
             </a:lvl8pPr>
-            <a:lvl9pPr marL="12109948" indent="0">
-              <a:buNone/>
-              <a:defRPr sz="3311"/>
+            <a:lvl9pPr marL="17278284" indent="0">
+              <a:buNone/>
+              <a:defRPr sz="4727"/>
             </a:lvl9pPr>
           </a:lstStyle>
           <a:p>
@@ -2097,7 +2098,7 @@
           <a:p>
             <a:fld id="{C8A4090B-3ADF-4090-9EE5-2E9D826556F2}" type="datetimeFigureOut">
               <a:rPr lang="en-US" smtClean="0"/>
-              <a:t>7/7/2021</a:t>
+              <a:t>10/7/2021</a:t>
             </a:fld>
             <a:endParaRPr lang="en-US"/>
           </a:p>
@@ -2148,7 +2149,7 @@
     </p:spTree>
     <p:extLst>
       <p:ext uri="{BB962C8B-B14F-4D97-AF65-F5344CB8AC3E}">
-        <p14:creationId xmlns:p14="http://schemas.microsoft.com/office/powerpoint/2010/main" val="600044764"/>
+        <p14:creationId xmlns:p14="http://schemas.microsoft.com/office/powerpoint/2010/main" val="3210350357"/>
       </p:ext>
     </p:extLst>
   </p:cSld>
@@ -2187,15 +2188,15 @@
         </p:nvSpPr>
         <p:spPr>
           <a:xfrm>
-            <a:off x="2085364" y="2853584"/>
-            <a:ext cx="9764544" cy="9987545"/>
+            <a:off x="2975671" y="2880043"/>
+            <a:ext cx="13933330" cy="10080153"/>
           </a:xfrm>
         </p:spPr>
         <p:txBody>
           <a:bodyPr anchor="b"/>
           <a:lstStyle>
             <a:lvl1pPr>
-              <a:defRPr sz="10595"/>
+              <a:defRPr sz="15118"/>
             </a:lvl1pPr>
           </a:lstStyle>
           <a:p>
@@ -2219,8 +2220,8 @@
         </p:nvSpPr>
         <p:spPr>
           <a:xfrm>
-            <a:off x="12870909" y="6162959"/>
-            <a:ext cx="15326827" cy="30418415"/>
+            <a:off x="18365900" y="6220099"/>
+            <a:ext cx="21870323" cy="30700456"/>
           </a:xfrm>
         </p:spPr>
         <p:txBody>
@@ -2228,39 +2229,39 @@
           <a:lstStyle>
             <a:lvl1pPr marL="0" indent="0">
               <a:buNone/>
-              <a:defRPr sz="10595"/>
+              <a:defRPr sz="15118"/>
             </a:lvl1pPr>
-            <a:lvl2pPr marL="1513743" indent="0">
-              <a:buNone/>
-              <a:defRPr sz="9271"/>
+            <a:lvl2pPr marL="2159784" indent="0">
+              <a:buNone/>
+              <a:defRPr sz="13231"/>
             </a:lvl2pPr>
-            <a:lvl3pPr marL="3027487" indent="0">
-              <a:buNone/>
-              <a:defRPr sz="7946"/>
+            <a:lvl3pPr marL="4319569" indent="0">
+              <a:buNone/>
+              <a:defRPr sz="11335"/>
             </a:lvl3pPr>
-            <a:lvl4pPr marL="4541230" indent="0">
-              <a:buNone/>
-              <a:defRPr sz="6622"/>
+            <a:lvl4pPr marL="6479362" indent="0">
+              <a:buNone/>
+              <a:defRPr sz="9447"/>
             </a:lvl4pPr>
-            <a:lvl5pPr marL="6054974" indent="0">
-              <a:buNone/>
-              <a:defRPr sz="6622"/>
+            <a:lvl5pPr marL="8639146" indent="0">
+              <a:buNone/>
+              <a:defRPr sz="9447"/>
             </a:lvl5pPr>
-            <a:lvl6pPr marL="7568717" indent="0">
-              <a:buNone/>
-              <a:defRPr sz="6622"/>
+            <a:lvl6pPr marL="10798931" indent="0">
+              <a:buNone/>
+              <a:defRPr sz="9447"/>
             </a:lvl6pPr>
-            <a:lvl7pPr marL="9082461" indent="0">
-              <a:buNone/>
-              <a:defRPr sz="6622"/>
+            <a:lvl7pPr marL="12958715" indent="0">
+              <a:buNone/>
+              <a:defRPr sz="9447"/>
             </a:lvl7pPr>
-            <a:lvl8pPr marL="10596204" indent="0">
-              <a:buNone/>
-              <a:defRPr sz="6622"/>
+            <a:lvl8pPr marL="15118499" indent="0">
+              <a:buNone/>
+              <a:defRPr sz="9447"/>
             </a:lvl8pPr>
-            <a:lvl9pPr marL="12109948" indent="0">
-              <a:buNone/>
-              <a:defRPr sz="6622"/>
+            <a:lvl9pPr marL="17278284" indent="0">
+              <a:buNone/>
+              <a:defRPr sz="9447"/>
             </a:lvl9pPr>
           </a:lstStyle>
           <a:p>
@@ -2284,8 +2285,8 @@
         </p:nvSpPr>
         <p:spPr>
           <a:xfrm>
-            <a:off x="2085364" y="12841129"/>
-            <a:ext cx="9764544" cy="23789780"/>
+            <a:off x="2975671" y="12960188"/>
+            <a:ext cx="13933330" cy="24010361"/>
           </a:xfrm>
         </p:spPr>
         <p:txBody>
@@ -2293,39 +2294,39 @@
           <a:lstStyle>
             <a:lvl1pPr marL="0" indent="0">
               <a:buNone/>
-              <a:defRPr sz="5297"/>
+              <a:defRPr sz="7559"/>
             </a:lvl1pPr>
-            <a:lvl2pPr marL="1513743" indent="0">
-              <a:buNone/>
-              <a:defRPr sz="4635"/>
+            <a:lvl2pPr marL="2159784" indent="0">
+              <a:buNone/>
+              <a:defRPr sz="6615"/>
             </a:lvl2pPr>
-            <a:lvl3pPr marL="3027487" indent="0">
-              <a:buNone/>
-              <a:defRPr sz="3973"/>
+            <a:lvl3pPr marL="4319569" indent="0">
+              <a:buNone/>
+              <a:defRPr sz="5671"/>
             </a:lvl3pPr>
-            <a:lvl4pPr marL="4541230" indent="0">
-              <a:buNone/>
-              <a:defRPr sz="3311"/>
+            <a:lvl4pPr marL="6479362" indent="0">
+              <a:buNone/>
+              <a:defRPr sz="4727"/>
             </a:lvl4pPr>
-            <a:lvl5pPr marL="6054974" indent="0">
-              <a:buNone/>
-              <a:defRPr sz="3311"/>
+            <a:lvl5pPr marL="8639146" indent="0">
+              <a:buNone/>
+              <a:defRPr sz="4727"/>
             </a:lvl5pPr>
-            <a:lvl6pPr marL="7568717" indent="0">
-              <a:buNone/>
-              <a:defRPr sz="3311"/>
+            <a:lvl6pPr marL="10798931" indent="0">
+              <a:buNone/>
+              <a:defRPr sz="4727"/>
             </a:lvl6pPr>
-            <a:lvl7pPr marL="9082461" indent="0">
-              <a:buNone/>
-              <a:defRPr sz="3311"/>
+            <a:lvl7pPr marL="12958715" indent="0">
+              <a:buNone/>
+              <a:defRPr sz="4727"/>
             </a:lvl7pPr>
-            <a:lvl8pPr marL="10596204" indent="0">
-              <a:buNone/>
-              <a:defRPr sz="3311"/>
+            <a:lvl8pPr marL="15118499" indent="0">
+              <a:buNone/>
+              <a:defRPr sz="4727"/>
             </a:lvl8pPr>
-            <a:lvl9pPr marL="12109948" indent="0">
-              <a:buNone/>
-              <a:defRPr sz="3311"/>
+            <a:lvl9pPr marL="17278284" indent="0">
+              <a:buNone/>
+              <a:defRPr sz="4727"/>
             </a:lvl9pPr>
           </a:lstStyle>
           <a:p>
@@ -2354,7 +2355,7 @@
           <a:p>
             <a:fld id="{C8A4090B-3ADF-4090-9EE5-2E9D826556F2}" type="datetimeFigureOut">
               <a:rPr lang="en-US" smtClean="0"/>
-              <a:t>7/7/2021</a:t>
+              <a:t>10/7/2021</a:t>
             </a:fld>
             <a:endParaRPr lang="en-US"/>
           </a:p>
@@ -2405,7 +2406,7 @@
     </p:spTree>
     <p:extLst>
       <p:ext uri="{BB962C8B-B14F-4D97-AF65-F5344CB8AC3E}">
-        <p14:creationId xmlns:p14="http://schemas.microsoft.com/office/powerpoint/2010/main" val="1636729123"/>
+        <p14:creationId xmlns:p14="http://schemas.microsoft.com/office/powerpoint/2010/main" val="496035143"/>
       </p:ext>
     </p:extLst>
   </p:cSld>
@@ -2449,8 +2450,8 @@
         </p:nvSpPr>
         <p:spPr>
           <a:xfrm>
-            <a:off x="2081421" y="2278913"/>
-            <a:ext cx="26112371" cy="8273416"/>
+            <a:off x="2970044" y="2300046"/>
+            <a:ext cx="37260550" cy="8350128"/>
           </a:xfrm>
           <a:prstGeom prst="rect">
             <a:avLst/>
@@ -2482,8 +2483,8 @@
         </p:nvSpPr>
         <p:spPr>
           <a:xfrm>
-            <a:off x="2081421" y="11394520"/>
-            <a:ext cx="26112371" cy="27158594"/>
+            <a:off x="2970044" y="11500193"/>
+            <a:ext cx="37260550" cy="27410411"/>
           </a:xfrm>
           <a:prstGeom prst="rect">
             <a:avLst/>
@@ -2544,8 +2545,8 @@
         </p:nvSpPr>
         <p:spPr>
           <a:xfrm>
-            <a:off x="2081421" y="39672756"/>
-            <a:ext cx="6811923" cy="2278904"/>
+            <a:off x="2970044" y="40040603"/>
+            <a:ext cx="9720144" cy="2300034"/>
           </a:xfrm>
           <a:prstGeom prst="rect">
             <a:avLst/>
@@ -2555,7 +2556,7 @@
           <a:bodyPr vert="horz" lIns="91440" tIns="45720" rIns="91440" bIns="45720" rtlCol="0" anchor="ctr"/>
           <a:lstStyle>
             <a:lvl1pPr algn="l">
-              <a:defRPr sz="3973">
+              <a:defRPr sz="5671">
                 <a:solidFill>
                   <a:schemeClr val="tx1">
                     <a:tint val="75000"/>
@@ -2567,7 +2568,7 @@
           <a:p>
             <a:fld id="{C8A4090B-3ADF-4090-9EE5-2E9D826556F2}" type="datetimeFigureOut">
               <a:rPr lang="en-US" smtClean="0"/>
-              <a:t>7/7/2021</a:t>
+              <a:t>10/7/2021</a:t>
             </a:fld>
             <a:endParaRPr lang="en-US"/>
           </a:p>
@@ -2585,8 +2586,8 @@
         </p:nvSpPr>
         <p:spPr>
           <a:xfrm>
-            <a:off x="10028665" y="39672756"/>
-            <a:ext cx="10217884" cy="2278904"/>
+            <a:off x="14310219" y="40040603"/>
+            <a:ext cx="14580215" cy="2300034"/>
           </a:xfrm>
           <a:prstGeom prst="rect">
             <a:avLst/>
@@ -2596,7 +2597,7 @@
           <a:bodyPr vert="horz" lIns="91440" tIns="45720" rIns="91440" bIns="45720" rtlCol="0" anchor="ctr"/>
           <a:lstStyle>
             <a:lvl1pPr algn="ctr">
-              <a:defRPr sz="3973">
+              <a:defRPr sz="5671">
                 <a:solidFill>
                   <a:schemeClr val="tx1">
                     <a:tint val="75000"/>
@@ -2622,8 +2623,8 @@
         </p:nvSpPr>
         <p:spPr>
           <a:xfrm>
-            <a:off x="21381869" y="39672756"/>
-            <a:ext cx="6811923" cy="2278904"/>
+            <a:off x="30510450" y="40040603"/>
+            <a:ext cx="9720144" cy="2300034"/>
           </a:xfrm>
           <a:prstGeom prst="rect">
             <a:avLst/>
@@ -2633,7 +2634,7 @@
           <a:bodyPr vert="horz" lIns="91440" tIns="45720" rIns="91440" bIns="45720" rtlCol="0" anchor="ctr"/>
           <a:lstStyle>
             <a:lvl1pPr algn="r">
-              <a:defRPr sz="3973">
+              <a:defRPr sz="5671">
                 <a:solidFill>
                   <a:schemeClr val="tx1">
                     <a:tint val="75000"/>
@@ -2654,27 +2655,27 @@
     </p:spTree>
     <p:extLst>
       <p:ext uri="{BB962C8B-B14F-4D97-AF65-F5344CB8AC3E}">
-        <p14:creationId xmlns:p14="http://schemas.microsoft.com/office/powerpoint/2010/main" val="1323769968"/>
+        <p14:creationId xmlns:p14="http://schemas.microsoft.com/office/powerpoint/2010/main" val="3892097522"/>
       </p:ext>
     </p:extLst>
   </p:cSld>
   <p:clrMap bg1="lt1" tx1="dk1" bg2="lt2" tx2="dk2" accent1="accent1" accent2="accent2" accent3="accent3" accent4="accent4" accent5="accent5" accent6="accent6" hlink="hlink" folHlink="folHlink"/>
   <p:sldLayoutIdLst>
-    <p:sldLayoutId id="2147483661" r:id="rId1"/>
-    <p:sldLayoutId id="2147483662" r:id="rId2"/>
-    <p:sldLayoutId id="2147483663" r:id="rId3"/>
-    <p:sldLayoutId id="2147483664" r:id="rId4"/>
-    <p:sldLayoutId id="2147483665" r:id="rId5"/>
-    <p:sldLayoutId id="2147483666" r:id="rId6"/>
-    <p:sldLayoutId id="2147483667" r:id="rId7"/>
-    <p:sldLayoutId id="2147483668" r:id="rId8"/>
-    <p:sldLayoutId id="2147483669" r:id="rId9"/>
-    <p:sldLayoutId id="2147483670" r:id="rId10"/>
-    <p:sldLayoutId id="2147483671" r:id="rId11"/>
+    <p:sldLayoutId id="2147483673" r:id="rId1"/>
+    <p:sldLayoutId id="2147483674" r:id="rId2"/>
+    <p:sldLayoutId id="2147483675" r:id="rId3"/>
+    <p:sldLayoutId id="2147483676" r:id="rId4"/>
+    <p:sldLayoutId id="2147483677" r:id="rId5"/>
+    <p:sldLayoutId id="2147483678" r:id="rId6"/>
+    <p:sldLayoutId id="2147483679" r:id="rId7"/>
+    <p:sldLayoutId id="2147483680" r:id="rId8"/>
+    <p:sldLayoutId id="2147483681" r:id="rId9"/>
+    <p:sldLayoutId id="2147483682" r:id="rId10"/>
+    <p:sldLayoutId id="2147483683" r:id="rId11"/>
   </p:sldLayoutIdLst>
   <p:txStyles>
     <p:titleStyle>
-      <a:lvl1pPr algn="l" defTabSz="3027487" rtl="0" eaLnBrk="1" latinLnBrk="0" hangingPunct="1">
+      <a:lvl1pPr algn="l" defTabSz="4319569" rtl="0" eaLnBrk="1" latinLnBrk="0" hangingPunct="1">
         <a:lnSpc>
           <a:spcPct val="90000"/>
         </a:lnSpc>
@@ -2682,7 +2683,7 @@
           <a:spcPct val="0"/>
         </a:spcBef>
         <a:buNone/>
-        <a:defRPr sz="14568" kern="1200">
+        <a:defRPr sz="20790" kern="1200">
           <a:solidFill>
             <a:schemeClr val="tx1"/>
           </a:solidFill>
@@ -2693,16 +2694,16 @@
       </a:lvl1pPr>
     </p:titleStyle>
     <p:bodyStyle>
-      <a:lvl1pPr marL="756872" indent="-756872" algn="l" defTabSz="3027487" rtl="0" eaLnBrk="1" latinLnBrk="0" hangingPunct="1">
+      <a:lvl1pPr marL="1079896" indent="-1079896" algn="l" defTabSz="4319569" rtl="0" eaLnBrk="1" latinLnBrk="0" hangingPunct="1">
         <a:lnSpc>
           <a:spcPct val="90000"/>
         </a:lnSpc>
         <a:spcBef>
-          <a:spcPts val="3311"/>
+          <a:spcPts val="4727"/>
         </a:spcBef>
         <a:buFont typeface="Arial" panose="020B0604020202020204" pitchFamily="34" charset="0"/>
         <a:buChar char="•"/>
-        <a:defRPr sz="9271" kern="1200">
+        <a:defRPr sz="13231" kern="1200">
           <a:solidFill>
             <a:schemeClr val="tx1"/>
           </a:solidFill>
@@ -2711,16 +2712,16 @@
           <a:cs typeface="+mn-cs"/>
         </a:defRPr>
       </a:lvl1pPr>
-      <a:lvl2pPr marL="2270615" indent="-756872" algn="l" defTabSz="3027487" rtl="0" eaLnBrk="1" latinLnBrk="0" hangingPunct="1">
+      <a:lvl2pPr marL="3239680" indent="-1079896" algn="l" defTabSz="4319569" rtl="0" eaLnBrk="1" latinLnBrk="0" hangingPunct="1">
         <a:lnSpc>
           <a:spcPct val="90000"/>
         </a:lnSpc>
         <a:spcBef>
-          <a:spcPts val="1655"/>
+          <a:spcPts val="2360"/>
         </a:spcBef>
         <a:buFont typeface="Arial" panose="020B0604020202020204" pitchFamily="34" charset="0"/>
         <a:buChar char="•"/>
-        <a:defRPr sz="7946" kern="1200">
+        <a:defRPr sz="11335" kern="1200">
           <a:solidFill>
             <a:schemeClr val="tx1"/>
           </a:solidFill>
@@ -2729,16 +2730,16 @@
           <a:cs typeface="+mn-cs"/>
         </a:defRPr>
       </a:lvl2pPr>
-      <a:lvl3pPr marL="3784359" indent="-756872" algn="l" defTabSz="3027487" rtl="0" eaLnBrk="1" latinLnBrk="0" hangingPunct="1">
+      <a:lvl3pPr marL="5399465" indent="-1079896" algn="l" defTabSz="4319569" rtl="0" eaLnBrk="1" latinLnBrk="0" hangingPunct="1">
         <a:lnSpc>
           <a:spcPct val="90000"/>
         </a:lnSpc>
         <a:spcBef>
-          <a:spcPts val="1655"/>
+          <a:spcPts val="2360"/>
         </a:spcBef>
         <a:buFont typeface="Arial" panose="020B0604020202020204" pitchFamily="34" charset="0"/>
         <a:buChar char="•"/>
-        <a:defRPr sz="6622" kern="1200">
+        <a:defRPr sz="9447" kern="1200">
           <a:solidFill>
             <a:schemeClr val="tx1"/>
           </a:solidFill>
@@ -2747,16 +2748,16 @@
           <a:cs typeface="+mn-cs"/>
         </a:defRPr>
       </a:lvl3pPr>
-      <a:lvl4pPr marL="5298102" indent="-756872" algn="l" defTabSz="3027487" rtl="0" eaLnBrk="1" latinLnBrk="0" hangingPunct="1">
+      <a:lvl4pPr marL="7559249" indent="-1079896" algn="l" defTabSz="4319569" rtl="0" eaLnBrk="1" latinLnBrk="0" hangingPunct="1">
         <a:lnSpc>
           <a:spcPct val="90000"/>
         </a:lnSpc>
         <a:spcBef>
-          <a:spcPts val="1655"/>
+          <a:spcPts val="2360"/>
         </a:spcBef>
         <a:buFont typeface="Arial" panose="020B0604020202020204" pitchFamily="34" charset="0"/>
         <a:buChar char="•"/>
-        <a:defRPr sz="5960" kern="1200">
+        <a:defRPr sz="8503" kern="1200">
           <a:solidFill>
             <a:schemeClr val="tx1"/>
           </a:solidFill>
@@ -2765,16 +2766,16 @@
           <a:cs typeface="+mn-cs"/>
         </a:defRPr>
       </a:lvl4pPr>
-      <a:lvl5pPr marL="6811846" indent="-756872" algn="l" defTabSz="3027487" rtl="0" eaLnBrk="1" latinLnBrk="0" hangingPunct="1">
+      <a:lvl5pPr marL="9719034" indent="-1079896" algn="l" defTabSz="4319569" rtl="0" eaLnBrk="1" latinLnBrk="0" hangingPunct="1">
         <a:lnSpc>
           <a:spcPct val="90000"/>
         </a:lnSpc>
         <a:spcBef>
-          <a:spcPts val="1655"/>
+          <a:spcPts val="2360"/>
         </a:spcBef>
         <a:buFont typeface="Arial" panose="020B0604020202020204" pitchFamily="34" charset="0"/>
         <a:buChar char="•"/>
-        <a:defRPr sz="5960" kern="1200">
+        <a:defRPr sz="8503" kern="1200">
           <a:solidFill>
             <a:schemeClr val="tx1"/>
           </a:solidFill>
@@ -2783,16 +2784,16 @@
           <a:cs typeface="+mn-cs"/>
         </a:defRPr>
       </a:lvl5pPr>
-      <a:lvl6pPr marL="8325589" indent="-756872" algn="l" defTabSz="3027487" rtl="0" eaLnBrk="1" latinLnBrk="0" hangingPunct="1">
+      <a:lvl6pPr marL="11878827" indent="-1079896" algn="l" defTabSz="4319569" rtl="0" eaLnBrk="1" latinLnBrk="0" hangingPunct="1">
         <a:lnSpc>
           <a:spcPct val="90000"/>
         </a:lnSpc>
         <a:spcBef>
-          <a:spcPts val="1655"/>
+          <a:spcPts val="2360"/>
         </a:spcBef>
         <a:buFont typeface="Arial" panose="020B0604020202020204" pitchFamily="34" charset="0"/>
         <a:buChar char="•"/>
-        <a:defRPr sz="5960" kern="1200">
+        <a:defRPr sz="8503" kern="1200">
           <a:solidFill>
             <a:schemeClr val="tx1"/>
           </a:solidFill>
@@ -2801,16 +2802,16 @@
           <a:cs typeface="+mn-cs"/>
         </a:defRPr>
       </a:lvl6pPr>
-      <a:lvl7pPr marL="9839333" indent="-756872" algn="l" defTabSz="3027487" rtl="0" eaLnBrk="1" latinLnBrk="0" hangingPunct="1">
+      <a:lvl7pPr marL="14038611" indent="-1079896" algn="l" defTabSz="4319569" rtl="0" eaLnBrk="1" latinLnBrk="0" hangingPunct="1">
         <a:lnSpc>
           <a:spcPct val="90000"/>
         </a:lnSpc>
         <a:spcBef>
-          <a:spcPts val="1655"/>
+          <a:spcPts val="2360"/>
         </a:spcBef>
         <a:buFont typeface="Arial" panose="020B0604020202020204" pitchFamily="34" charset="0"/>
         <a:buChar char="•"/>
-        <a:defRPr sz="5960" kern="1200">
+        <a:defRPr sz="8503" kern="1200">
           <a:solidFill>
             <a:schemeClr val="tx1"/>
           </a:solidFill>
@@ -2819,16 +2820,16 @@
           <a:cs typeface="+mn-cs"/>
         </a:defRPr>
       </a:lvl7pPr>
-      <a:lvl8pPr marL="11353076" indent="-756872" algn="l" defTabSz="3027487" rtl="0" eaLnBrk="1" latinLnBrk="0" hangingPunct="1">
+      <a:lvl8pPr marL="16198395" indent="-1079896" algn="l" defTabSz="4319569" rtl="0" eaLnBrk="1" latinLnBrk="0" hangingPunct="1">
         <a:lnSpc>
           <a:spcPct val="90000"/>
         </a:lnSpc>
         <a:spcBef>
-          <a:spcPts val="1655"/>
+          <a:spcPts val="2360"/>
         </a:spcBef>
         <a:buFont typeface="Arial" panose="020B0604020202020204" pitchFamily="34" charset="0"/>
         <a:buChar char="•"/>
-        <a:defRPr sz="5960" kern="1200">
+        <a:defRPr sz="8503" kern="1200">
           <a:solidFill>
             <a:schemeClr val="tx1"/>
           </a:solidFill>
@@ -2837,16 +2838,16 @@
           <a:cs typeface="+mn-cs"/>
         </a:defRPr>
       </a:lvl8pPr>
-      <a:lvl9pPr marL="12866820" indent="-756872" algn="l" defTabSz="3027487" rtl="0" eaLnBrk="1" latinLnBrk="0" hangingPunct="1">
+      <a:lvl9pPr marL="18358180" indent="-1079896" algn="l" defTabSz="4319569" rtl="0" eaLnBrk="1" latinLnBrk="0" hangingPunct="1">
         <a:lnSpc>
           <a:spcPct val="90000"/>
         </a:lnSpc>
         <a:spcBef>
-          <a:spcPts val="1655"/>
+          <a:spcPts val="2360"/>
         </a:spcBef>
         <a:buFont typeface="Arial" panose="020B0604020202020204" pitchFamily="34" charset="0"/>
         <a:buChar char="•"/>
-        <a:defRPr sz="5960" kern="1200">
+        <a:defRPr sz="8503" kern="1200">
           <a:solidFill>
             <a:schemeClr val="tx1"/>
           </a:solidFill>
@@ -2860,8 +2861,8 @@
       <a:defPPr>
         <a:defRPr lang="en-US"/>
       </a:defPPr>
-      <a:lvl1pPr marL="0" algn="l" defTabSz="3027487" rtl="0" eaLnBrk="1" latinLnBrk="0" hangingPunct="1">
-        <a:defRPr sz="5960" kern="1200">
+      <a:lvl1pPr marL="0" algn="l" defTabSz="4319569" rtl="0" eaLnBrk="1" latinLnBrk="0" hangingPunct="1">
+        <a:defRPr sz="8503" kern="1200">
           <a:solidFill>
             <a:schemeClr val="tx1"/>
           </a:solidFill>
@@ -2870,8 +2871,8 @@
           <a:cs typeface="+mn-cs"/>
         </a:defRPr>
       </a:lvl1pPr>
-      <a:lvl2pPr marL="1513743" algn="l" defTabSz="3027487" rtl="0" eaLnBrk="1" latinLnBrk="0" hangingPunct="1">
-        <a:defRPr sz="5960" kern="1200">
+      <a:lvl2pPr marL="2159784" algn="l" defTabSz="4319569" rtl="0" eaLnBrk="1" latinLnBrk="0" hangingPunct="1">
+        <a:defRPr sz="8503" kern="1200">
           <a:solidFill>
             <a:schemeClr val="tx1"/>
           </a:solidFill>
@@ -2880,8 +2881,8 @@
           <a:cs typeface="+mn-cs"/>
         </a:defRPr>
       </a:lvl2pPr>
-      <a:lvl3pPr marL="3027487" algn="l" defTabSz="3027487" rtl="0" eaLnBrk="1" latinLnBrk="0" hangingPunct="1">
-        <a:defRPr sz="5960" kern="1200">
+      <a:lvl3pPr marL="4319569" algn="l" defTabSz="4319569" rtl="0" eaLnBrk="1" latinLnBrk="0" hangingPunct="1">
+        <a:defRPr sz="8503" kern="1200">
           <a:solidFill>
             <a:schemeClr val="tx1"/>
           </a:solidFill>
@@ -2890,8 +2891,8 @@
           <a:cs typeface="+mn-cs"/>
         </a:defRPr>
       </a:lvl3pPr>
-      <a:lvl4pPr marL="4541230" algn="l" defTabSz="3027487" rtl="0" eaLnBrk="1" latinLnBrk="0" hangingPunct="1">
-        <a:defRPr sz="5960" kern="1200">
+      <a:lvl4pPr marL="6479362" algn="l" defTabSz="4319569" rtl="0" eaLnBrk="1" latinLnBrk="0" hangingPunct="1">
+        <a:defRPr sz="8503" kern="1200">
           <a:solidFill>
             <a:schemeClr val="tx1"/>
           </a:solidFill>
@@ -2900,8 +2901,8 @@
           <a:cs typeface="+mn-cs"/>
         </a:defRPr>
       </a:lvl4pPr>
-      <a:lvl5pPr marL="6054974" algn="l" defTabSz="3027487" rtl="0" eaLnBrk="1" latinLnBrk="0" hangingPunct="1">
-        <a:defRPr sz="5960" kern="1200">
+      <a:lvl5pPr marL="8639146" algn="l" defTabSz="4319569" rtl="0" eaLnBrk="1" latinLnBrk="0" hangingPunct="1">
+        <a:defRPr sz="8503" kern="1200">
           <a:solidFill>
             <a:schemeClr val="tx1"/>
           </a:solidFill>
@@ -2910,8 +2911,8 @@
           <a:cs typeface="+mn-cs"/>
         </a:defRPr>
       </a:lvl5pPr>
-      <a:lvl6pPr marL="7568717" algn="l" defTabSz="3027487" rtl="0" eaLnBrk="1" latinLnBrk="0" hangingPunct="1">
-        <a:defRPr sz="5960" kern="1200">
+      <a:lvl6pPr marL="10798931" algn="l" defTabSz="4319569" rtl="0" eaLnBrk="1" latinLnBrk="0" hangingPunct="1">
+        <a:defRPr sz="8503" kern="1200">
           <a:solidFill>
             <a:schemeClr val="tx1"/>
           </a:solidFill>
@@ -2920,8 +2921,8 @@
           <a:cs typeface="+mn-cs"/>
         </a:defRPr>
       </a:lvl6pPr>
-      <a:lvl7pPr marL="9082461" algn="l" defTabSz="3027487" rtl="0" eaLnBrk="1" latinLnBrk="0" hangingPunct="1">
-        <a:defRPr sz="5960" kern="1200">
+      <a:lvl7pPr marL="12958715" algn="l" defTabSz="4319569" rtl="0" eaLnBrk="1" latinLnBrk="0" hangingPunct="1">
+        <a:defRPr sz="8503" kern="1200">
           <a:solidFill>
             <a:schemeClr val="tx1"/>
           </a:solidFill>
@@ -2930,8 +2931,8 @@
           <a:cs typeface="+mn-cs"/>
         </a:defRPr>
       </a:lvl7pPr>
-      <a:lvl8pPr marL="10596204" algn="l" defTabSz="3027487" rtl="0" eaLnBrk="1" latinLnBrk="0" hangingPunct="1">
-        <a:defRPr sz="5960" kern="1200">
+      <a:lvl8pPr marL="15118499" algn="l" defTabSz="4319569" rtl="0" eaLnBrk="1" latinLnBrk="0" hangingPunct="1">
+        <a:defRPr sz="8503" kern="1200">
           <a:solidFill>
             <a:schemeClr val="tx1"/>
           </a:solidFill>
@@ -2940,8 +2941,8 @@
           <a:cs typeface="+mn-cs"/>
         </a:defRPr>
       </a:lvl8pPr>
-      <a:lvl9pPr marL="12109948" algn="l" defTabSz="3027487" rtl="0" eaLnBrk="1" latinLnBrk="0" hangingPunct="1">
-        <a:defRPr sz="5960" kern="1200">
+      <a:lvl9pPr marL="17278284" algn="l" defTabSz="4319569" rtl="0" eaLnBrk="1" latinLnBrk="0" hangingPunct="1">
+        <a:defRPr sz="8503" kern="1200">
           <a:solidFill>
             <a:schemeClr val="tx1"/>
           </a:solidFill>
@@ -2986,8 +2987,8 @@
         </p:nvGrpSpPr>
         <p:grpSpPr>
           <a:xfrm>
-            <a:off x="2537606" y="8801881"/>
-            <a:ext cx="25200000" cy="25200000"/>
+            <a:off x="8883501" y="8883501"/>
+            <a:ext cx="25433652" cy="25433652"/>
             <a:chOff x="3293455" y="5459540"/>
             <a:chExt cx="25200000" cy="25200000"/>
           </a:xfrm>
@@ -3060,7 +3061,7 @@
               <a:lstStyle/>
               <a:p>
                 <a:pPr algn="ctr"/>
-                <a:endParaRPr lang="en-US"/>
+                <a:endParaRPr lang="en-US" sz="2152"/>
               </a:p>
             </p:txBody>
           </p:sp>
@@ -3275,7 +3276,7 @@
               <a:lstStyle/>
               <a:p>
                 <a:pPr algn="ctr"/>
-                <a:endParaRPr lang="en-US"/>
+                <a:endParaRPr lang="en-US" sz="2152"/>
               </a:p>
             </p:txBody>
           </p:sp>
@@ -3475,8 +3476,8 @@
         </p:nvSpPr>
         <p:spPr>
           <a:xfrm>
-            <a:off x="7953588" y="1327171"/>
-            <a:ext cx="14368036" cy="1862048"/>
+            <a:off x="14349694" y="1339481"/>
+            <a:ext cx="14488262" cy="1878528"/>
           </a:xfrm>
           <a:prstGeom prst="rect">
             <a:avLst/>
@@ -3490,7 +3491,7 @@
           <a:lstStyle/>
           <a:p>
             <a:r>
-              <a:rPr lang="en-US" sz="11500" b="1" dirty="0">
+              <a:rPr lang="en-US" sz="11607" b="1" dirty="0">
                 <a:latin typeface="Arial" panose="020B0604020202020204" pitchFamily="34" charset="0"/>
               </a:rPr>
               <a:t>Integration marker 0</a:t>
@@ -3542,8 +3543,8 @@
         </p:nvGrpSpPr>
         <p:grpSpPr>
           <a:xfrm>
-            <a:off x="2537606" y="8801881"/>
-            <a:ext cx="25200000" cy="25200000"/>
+            <a:off x="8883501" y="8883501"/>
+            <a:ext cx="25433652" cy="25433652"/>
             <a:chOff x="2537606" y="8801881"/>
             <a:chExt cx="25200000" cy="25200000"/>
           </a:xfrm>
@@ -3636,7 +3637,7 @@
                 <a:lstStyle/>
                 <a:p>
                   <a:pPr algn="ctr"/>
-                  <a:endParaRPr lang="en-US"/>
+                  <a:endParaRPr lang="en-US" sz="2152"/>
                 </a:p>
               </p:txBody>
             </p:sp>
@@ -3851,7 +3852,7 @@
                 <a:lstStyle/>
                 <a:p>
                   <a:pPr algn="ctr"/>
-                  <a:endParaRPr lang="en-US"/>
+                  <a:endParaRPr lang="en-US" sz="2152"/>
                 </a:p>
               </p:txBody>
             </p:sp>
@@ -4105,7 +4106,7 @@
               <a:lstStyle/>
               <a:p>
                 <a:pPr algn="ctr"/>
-                <a:endParaRPr lang="en-US"/>
+                <a:endParaRPr lang="en-US" sz="2152"/>
               </a:p>
             </p:txBody>
           </p:sp>
@@ -4269,8 +4270,8 @@
         </p:nvSpPr>
         <p:spPr>
           <a:xfrm>
-            <a:off x="7953588" y="1327171"/>
-            <a:ext cx="14368036" cy="1862048"/>
+            <a:off x="14349694" y="1339481"/>
+            <a:ext cx="14488262" cy="1878528"/>
           </a:xfrm>
           <a:prstGeom prst="rect">
             <a:avLst/>
@@ -4284,7 +4285,7 @@
           <a:lstStyle/>
           <a:p>
             <a:r>
-              <a:rPr lang="en-US" sz="11500" b="1" dirty="0">
+              <a:rPr lang="en-US" sz="11607" b="1" dirty="0">
                 <a:latin typeface="Arial" panose="020B0604020202020204" pitchFamily="34" charset="0"/>
               </a:rPr>
               <a:t>Integration marker 1</a:t>
@@ -4296,6 +4297,879 @@
     <p:extLst>
       <p:ext uri="{BB962C8B-B14F-4D97-AF65-F5344CB8AC3E}">
         <p14:creationId xmlns:p14="http://schemas.microsoft.com/office/powerpoint/2010/main" val="3542145129"/>
+      </p:ext>
+    </p:extLst>
+  </p:cSld>
+  <p:clrMapOvr>
+    <a:masterClrMapping/>
+  </p:clrMapOvr>
+</p:sld>
+</file>
+
+<file path=ppt/slides/slide3.xml><?xml version="1.0" encoding="utf-8"?>
+<p:sld xmlns:a="http://schemas.openxmlformats.org/drawingml/2006/main" xmlns:r="http://schemas.openxmlformats.org/officeDocument/2006/relationships" xmlns:p="http://schemas.openxmlformats.org/presentationml/2006/main">
+  <p:cSld>
+    <p:spTree>
+      <p:nvGrpSpPr>
+        <p:cNvPr id="1" name=""/>
+        <p:cNvGrpSpPr/>
+        <p:nvPr/>
+      </p:nvGrpSpPr>
+      <p:grpSpPr>
+        <a:xfrm>
+          <a:off x="0" y="0"/>
+          <a:ext cx="0" cy="0"/>
+          <a:chOff x="0" y="0"/>
+          <a:chExt cx="0" cy="0"/>
+        </a:xfrm>
+      </p:grpSpPr>
+      <p:sp>
+        <p:nvSpPr>
+          <p:cNvPr id="25" name="TextBox 24">
+            <a:extLst>
+              <a:ext uri="{FF2B5EF4-FFF2-40B4-BE49-F238E27FC236}">
+                <a16:creationId xmlns:a16="http://schemas.microsoft.com/office/drawing/2014/main" id="{87900024-C425-48D4-8434-19D57474403D}"/>
+              </a:ext>
+            </a:extLst>
+          </p:cNvPr>
+          <p:cNvSpPr txBox="1"/>
+          <p:nvPr/>
+        </p:nvSpPr>
+        <p:spPr>
+          <a:xfrm>
+            <a:off x="14349694" y="1339481"/>
+            <a:ext cx="14488262" cy="1878528"/>
+          </a:xfrm>
+          <a:prstGeom prst="rect">
+            <a:avLst/>
+          </a:prstGeom>
+          <a:noFill/>
+        </p:spPr>
+        <p:txBody>
+          <a:bodyPr wrap="none" rtlCol="0">
+            <a:spAutoFit/>
+          </a:bodyPr>
+          <a:lstStyle/>
+          <a:p>
+            <a:r>
+              <a:rPr lang="en-US" sz="11607" b="1" dirty="0">
+                <a:latin typeface="Arial" panose="020B0604020202020204" pitchFamily="34" charset="0"/>
+              </a:rPr>
+              <a:t>Integration marker 2</a:t>
+            </a:r>
+          </a:p>
+        </p:txBody>
+      </p:sp>
+      <p:grpSp>
+        <p:nvGrpSpPr>
+          <p:cNvPr id="61" name="그룹 60">
+            <a:extLst>
+              <a:ext uri="{FF2B5EF4-FFF2-40B4-BE49-F238E27FC236}">
+                <a16:creationId xmlns:a16="http://schemas.microsoft.com/office/drawing/2014/main" id="{DF9C9F2A-9F74-445D-86C8-49E069ABF53D}"/>
+              </a:ext>
+            </a:extLst>
+          </p:cNvPr>
+          <p:cNvGrpSpPr>
+            <a:grpSpLocks noChangeAspect="1"/>
+          </p:cNvGrpSpPr>
+          <p:nvPr/>
+        </p:nvGrpSpPr>
+        <p:grpSpPr>
+          <a:xfrm>
+            <a:off x="3600319" y="5124319"/>
+            <a:ext cx="36000000" cy="36000000"/>
+            <a:chOff x="3433432" y="5587153"/>
+            <a:chExt cx="36000000" cy="36000000"/>
+          </a:xfrm>
+        </p:grpSpPr>
+        <p:grpSp>
+          <p:nvGrpSpPr>
+            <p:cNvPr id="56" name="그룹 55">
+              <a:extLst>
+                <a:ext uri="{FF2B5EF4-FFF2-40B4-BE49-F238E27FC236}">
+                  <a16:creationId xmlns:a16="http://schemas.microsoft.com/office/drawing/2014/main" id="{15ECBC04-5E82-49BE-A1E6-5106DE12D8CE}"/>
+                </a:ext>
+              </a:extLst>
+            </p:cNvPr>
+            <p:cNvGrpSpPr/>
+            <p:nvPr/>
+          </p:nvGrpSpPr>
+          <p:grpSpPr>
+            <a:xfrm>
+              <a:off x="3433432" y="5587153"/>
+              <a:ext cx="36000000" cy="36000000"/>
+              <a:chOff x="3433423" y="5587152"/>
+              <a:chExt cx="36333791" cy="36333791"/>
+            </a:xfrm>
+          </p:grpSpPr>
+          <p:sp>
+            <p:nvSpPr>
+              <p:cNvPr id="55" name="직사각형 54">
+                <a:extLst>
+                  <a:ext uri="{FF2B5EF4-FFF2-40B4-BE49-F238E27FC236}">
+                    <a16:creationId xmlns:a16="http://schemas.microsoft.com/office/drawing/2014/main" id="{8C6FC87C-902E-4E17-9D5D-F3FA89C47B02}"/>
+                  </a:ext>
+                </a:extLst>
+              </p:cNvPr>
+              <p:cNvSpPr/>
+              <p:nvPr/>
+            </p:nvSpPr>
+            <p:spPr>
+              <a:xfrm>
+                <a:off x="3433423" y="5587152"/>
+                <a:ext cx="36333791" cy="36333791"/>
+              </a:xfrm>
+              <a:prstGeom prst="rect">
+                <a:avLst/>
+              </a:prstGeom>
+              <a:solidFill>
+                <a:schemeClr val="bg1"/>
+              </a:solidFill>
+              <a:ln>
+                <a:noFill/>
+              </a:ln>
+            </p:spPr>
+            <p:style>
+              <a:lnRef idx="2">
+                <a:schemeClr val="accent1">
+                  <a:shade val="50000"/>
+                </a:schemeClr>
+              </a:lnRef>
+              <a:fillRef idx="1">
+                <a:schemeClr val="accent1"/>
+              </a:fillRef>
+              <a:effectRef idx="0">
+                <a:schemeClr val="accent1"/>
+              </a:effectRef>
+              <a:fontRef idx="minor">
+                <a:schemeClr val="lt1"/>
+              </a:fontRef>
+            </p:style>
+            <p:txBody>
+              <a:bodyPr rtlCol="0" anchor="ctr"/>
+              <a:lstStyle/>
+              <a:p>
+                <a:pPr algn="ctr"/>
+                <a:endParaRPr lang="en-US" sz="2152"/>
+              </a:p>
+            </p:txBody>
+          </p:sp>
+          <p:pic>
+            <p:nvPicPr>
+              <p:cNvPr id="21" name="그림 20">
+                <a:extLst>
+                  <a:ext uri="{FF2B5EF4-FFF2-40B4-BE49-F238E27FC236}">
+                    <a16:creationId xmlns:a16="http://schemas.microsoft.com/office/drawing/2014/main" id="{7EEB59A8-FF04-4915-9207-10A1C8FD7086}"/>
+                  </a:ext>
+                </a:extLst>
+              </p:cNvPr>
+              <p:cNvPicPr>
+                <a:picLocks noChangeAspect="1"/>
+              </p:cNvPicPr>
+              <p:nvPr/>
+            </p:nvPicPr>
+            <p:blipFill>
+              <a:blip r:embed="rId2">
+                <a:extLst>
+                  <a:ext uri="{28A0092B-C50C-407E-A947-70E740481C1C}">
+                    <a14:useLocalDpi xmlns:a14="http://schemas.microsoft.com/office/drawing/2010/main" val="0"/>
+                  </a:ext>
+                </a:extLst>
+              </a:blip>
+              <a:stretch>
+                <a:fillRect/>
+              </a:stretch>
+            </p:blipFill>
+            <p:spPr>
+              <a:xfrm>
+                <a:off x="3433424" y="5587153"/>
+                <a:ext cx="7266758" cy="7266758"/>
+              </a:xfrm>
+              <a:prstGeom prst="rect">
+                <a:avLst/>
+              </a:prstGeom>
+            </p:spPr>
+          </p:pic>
+          <p:pic>
+            <p:nvPicPr>
+              <p:cNvPr id="22" name="그림 21">
+                <a:extLst>
+                  <a:ext uri="{FF2B5EF4-FFF2-40B4-BE49-F238E27FC236}">
+                    <a16:creationId xmlns:a16="http://schemas.microsoft.com/office/drawing/2014/main" id="{7EBD7A37-8E94-40D0-A92A-1E0D3145A8A9}"/>
+                  </a:ext>
+                </a:extLst>
+              </p:cNvPr>
+              <p:cNvPicPr>
+                <a:picLocks noChangeAspect="1"/>
+              </p:cNvPicPr>
+              <p:nvPr/>
+            </p:nvPicPr>
+            <p:blipFill>
+              <a:blip r:embed="rId3">
+                <a:extLst>
+                  <a:ext uri="{28A0092B-C50C-407E-A947-70E740481C1C}">
+                    <a14:useLocalDpi xmlns:a14="http://schemas.microsoft.com/office/drawing/2010/main" val="0"/>
+                  </a:ext>
+                </a:extLst>
+              </a:blip>
+              <a:stretch>
+                <a:fillRect/>
+              </a:stretch>
+            </p:blipFill>
+            <p:spPr>
+              <a:xfrm>
+                <a:off x="17966940" y="5587153"/>
+                <a:ext cx="7266758" cy="7266758"/>
+              </a:xfrm>
+              <a:prstGeom prst="rect">
+                <a:avLst/>
+              </a:prstGeom>
+            </p:spPr>
+          </p:pic>
+          <p:pic>
+            <p:nvPicPr>
+              <p:cNvPr id="23" name="그림 22">
+                <a:extLst>
+                  <a:ext uri="{FF2B5EF4-FFF2-40B4-BE49-F238E27FC236}">
+                    <a16:creationId xmlns:a16="http://schemas.microsoft.com/office/drawing/2014/main" id="{9DA5EAAA-1DB6-4EED-85F5-77577B5263F4}"/>
+                  </a:ext>
+                </a:extLst>
+              </p:cNvPr>
+              <p:cNvPicPr>
+                <a:picLocks noChangeAspect="1"/>
+              </p:cNvPicPr>
+              <p:nvPr/>
+            </p:nvPicPr>
+            <p:blipFill>
+              <a:blip r:embed="rId4">
+                <a:extLst>
+                  <a:ext uri="{28A0092B-C50C-407E-A947-70E740481C1C}">
+                    <a14:useLocalDpi xmlns:a14="http://schemas.microsoft.com/office/drawing/2010/main" val="0"/>
+                  </a:ext>
+                </a:extLst>
+              </a:blip>
+              <a:stretch>
+                <a:fillRect/>
+              </a:stretch>
+            </p:blipFill>
+            <p:spPr>
+              <a:xfrm>
+                <a:off x="32500456" y="20120669"/>
+                <a:ext cx="7266758" cy="7266758"/>
+              </a:xfrm>
+              <a:prstGeom prst="rect">
+                <a:avLst/>
+              </a:prstGeom>
+            </p:spPr>
+          </p:pic>
+          <p:pic>
+            <p:nvPicPr>
+              <p:cNvPr id="24" name="그림 23">
+                <a:extLst>
+                  <a:ext uri="{FF2B5EF4-FFF2-40B4-BE49-F238E27FC236}">
+                    <a16:creationId xmlns:a16="http://schemas.microsoft.com/office/drawing/2014/main" id="{E0E1BF56-3BFA-4FC1-BD2F-CB012B356025}"/>
+                  </a:ext>
+                </a:extLst>
+              </p:cNvPr>
+              <p:cNvPicPr>
+                <a:picLocks noChangeAspect="1"/>
+              </p:cNvPicPr>
+              <p:nvPr/>
+            </p:nvPicPr>
+            <p:blipFill>
+              <a:blip r:embed="rId5">
+                <a:extLst>
+                  <a:ext uri="{28A0092B-C50C-407E-A947-70E740481C1C}">
+                    <a14:useLocalDpi xmlns:a14="http://schemas.microsoft.com/office/drawing/2010/main" val="0"/>
+                  </a:ext>
+                </a:extLst>
+              </a:blip>
+              <a:stretch>
+                <a:fillRect/>
+              </a:stretch>
+            </p:blipFill>
+            <p:spPr>
+              <a:xfrm>
+                <a:off x="32500456" y="5587153"/>
+                <a:ext cx="7266758" cy="7266758"/>
+              </a:xfrm>
+              <a:prstGeom prst="rect">
+                <a:avLst/>
+              </a:prstGeom>
+            </p:spPr>
+          </p:pic>
+          <p:pic>
+            <p:nvPicPr>
+              <p:cNvPr id="3" name="그림 2">
+                <a:extLst>
+                  <a:ext uri="{FF2B5EF4-FFF2-40B4-BE49-F238E27FC236}">
+                    <a16:creationId xmlns:a16="http://schemas.microsoft.com/office/drawing/2014/main" id="{DD4FA6AC-295E-4178-AD52-C9BB972BC06F}"/>
+                  </a:ext>
+                </a:extLst>
+              </p:cNvPr>
+              <p:cNvPicPr>
+                <a:picLocks noChangeAspect="1"/>
+              </p:cNvPicPr>
+              <p:nvPr/>
+            </p:nvPicPr>
+            <p:blipFill>
+              <a:blip r:embed="rId6">
+                <a:extLst>
+                  <a:ext uri="{28A0092B-C50C-407E-A947-70E740481C1C}">
+                    <a14:useLocalDpi xmlns:a14="http://schemas.microsoft.com/office/drawing/2010/main" val="0"/>
+                  </a:ext>
+                </a:extLst>
+              </a:blip>
+              <a:stretch>
+                <a:fillRect/>
+              </a:stretch>
+            </p:blipFill>
+            <p:spPr>
+              <a:xfrm>
+                <a:off x="32500456" y="34654185"/>
+                <a:ext cx="7266758" cy="7266758"/>
+              </a:xfrm>
+              <a:prstGeom prst="rect">
+                <a:avLst/>
+              </a:prstGeom>
+            </p:spPr>
+          </p:pic>
+          <p:pic>
+            <p:nvPicPr>
+              <p:cNvPr id="29" name="그림 28">
+                <a:extLst>
+                  <a:ext uri="{FF2B5EF4-FFF2-40B4-BE49-F238E27FC236}">
+                    <a16:creationId xmlns:a16="http://schemas.microsoft.com/office/drawing/2014/main" id="{982EA5FD-40E7-4D14-80DF-6624B5980BD3}"/>
+                  </a:ext>
+                </a:extLst>
+              </p:cNvPr>
+              <p:cNvPicPr>
+                <a:picLocks noChangeAspect="1"/>
+              </p:cNvPicPr>
+              <p:nvPr/>
+            </p:nvPicPr>
+            <p:blipFill>
+              <a:blip r:embed="rId7">
+                <a:extLst>
+                  <a:ext uri="{28A0092B-C50C-407E-A947-70E740481C1C}">
+                    <a14:useLocalDpi xmlns:a14="http://schemas.microsoft.com/office/drawing/2010/main" val="0"/>
+                  </a:ext>
+                </a:extLst>
+              </a:blip>
+              <a:stretch>
+                <a:fillRect/>
+              </a:stretch>
+            </p:blipFill>
+            <p:spPr>
+              <a:xfrm>
+                <a:off x="17966940" y="34654185"/>
+                <a:ext cx="7266758" cy="7266758"/>
+              </a:xfrm>
+              <a:prstGeom prst="rect">
+                <a:avLst/>
+              </a:prstGeom>
+            </p:spPr>
+          </p:pic>
+          <p:pic>
+            <p:nvPicPr>
+              <p:cNvPr id="31" name="그림 30">
+                <a:extLst>
+                  <a:ext uri="{FF2B5EF4-FFF2-40B4-BE49-F238E27FC236}">
+                    <a16:creationId xmlns:a16="http://schemas.microsoft.com/office/drawing/2014/main" id="{8E1D0A1A-9B41-441C-A8F5-E6C91F8D8C5C}"/>
+                  </a:ext>
+                </a:extLst>
+              </p:cNvPr>
+              <p:cNvPicPr>
+                <a:picLocks noChangeAspect="1"/>
+              </p:cNvPicPr>
+              <p:nvPr/>
+            </p:nvPicPr>
+            <p:blipFill>
+              <a:blip r:embed="rId8">
+                <a:extLst>
+                  <a:ext uri="{28A0092B-C50C-407E-A947-70E740481C1C}">
+                    <a14:useLocalDpi xmlns:a14="http://schemas.microsoft.com/office/drawing/2010/main" val="0"/>
+                  </a:ext>
+                </a:extLst>
+              </a:blip>
+              <a:stretch>
+                <a:fillRect/>
+              </a:stretch>
+            </p:blipFill>
+            <p:spPr>
+              <a:xfrm>
+                <a:off x="3433424" y="34654185"/>
+                <a:ext cx="7266758" cy="7266758"/>
+              </a:xfrm>
+              <a:prstGeom prst="rect">
+                <a:avLst/>
+              </a:prstGeom>
+            </p:spPr>
+          </p:pic>
+          <p:pic>
+            <p:nvPicPr>
+              <p:cNvPr id="33" name="그림 32">
+                <a:extLst>
+                  <a:ext uri="{FF2B5EF4-FFF2-40B4-BE49-F238E27FC236}">
+                    <a16:creationId xmlns:a16="http://schemas.microsoft.com/office/drawing/2014/main" id="{56370C09-F8B7-4C9C-832B-E102446AB15F}"/>
+                  </a:ext>
+                </a:extLst>
+              </p:cNvPr>
+              <p:cNvPicPr>
+                <a:picLocks noChangeAspect="1"/>
+              </p:cNvPicPr>
+              <p:nvPr/>
+            </p:nvPicPr>
+            <p:blipFill>
+              <a:blip r:embed="rId9">
+                <a:extLst>
+                  <a:ext uri="{28A0092B-C50C-407E-A947-70E740481C1C}">
+                    <a14:useLocalDpi xmlns:a14="http://schemas.microsoft.com/office/drawing/2010/main" val="0"/>
+                  </a:ext>
+                </a:extLst>
+              </a:blip>
+              <a:stretch>
+                <a:fillRect/>
+              </a:stretch>
+            </p:blipFill>
+            <p:spPr>
+              <a:xfrm>
+                <a:off x="3433424" y="20120669"/>
+                <a:ext cx="7266758" cy="7266758"/>
+              </a:xfrm>
+              <a:prstGeom prst="rect">
+                <a:avLst/>
+              </a:prstGeom>
+            </p:spPr>
+          </p:pic>
+        </p:grpSp>
+        <p:grpSp>
+          <p:nvGrpSpPr>
+            <p:cNvPr id="57" name="그룹 56">
+              <a:extLst>
+                <a:ext uri="{FF2B5EF4-FFF2-40B4-BE49-F238E27FC236}">
+                  <a16:creationId xmlns:a16="http://schemas.microsoft.com/office/drawing/2014/main" id="{4F956931-B1D4-4031-973D-13A558B013AF}"/>
+                </a:ext>
+              </a:extLst>
+            </p:cNvPr>
+            <p:cNvGrpSpPr>
+              <a:grpSpLocks noChangeAspect="1"/>
+            </p:cNvGrpSpPr>
+            <p:nvPr/>
+          </p:nvGrpSpPr>
+          <p:grpSpPr>
+            <a:xfrm>
+              <a:off x="14413432" y="16567153"/>
+              <a:ext cx="14040000" cy="14040000"/>
+              <a:chOff x="14580318" y="16734047"/>
+              <a:chExt cx="14040000" cy="14040000"/>
+            </a:xfrm>
+          </p:grpSpPr>
+          <p:grpSp>
+            <p:nvGrpSpPr>
+              <p:cNvPr id="54" name="그룹 53">
+                <a:extLst>
+                  <a:ext uri="{FF2B5EF4-FFF2-40B4-BE49-F238E27FC236}">
+                    <a16:creationId xmlns:a16="http://schemas.microsoft.com/office/drawing/2014/main" id="{98C839DD-3B29-4D61-AF91-533862BC19B4}"/>
+                  </a:ext>
+                </a:extLst>
+              </p:cNvPr>
+              <p:cNvGrpSpPr/>
+              <p:nvPr/>
+            </p:nvGrpSpPr>
+            <p:grpSpPr>
+              <a:xfrm>
+                <a:off x="14580318" y="16734047"/>
+                <a:ext cx="14040000" cy="14040000"/>
+                <a:chOff x="14580318" y="16734047"/>
+                <a:chExt cx="14040000" cy="14040000"/>
+              </a:xfrm>
+            </p:grpSpPr>
+            <p:sp>
+              <p:nvSpPr>
+                <p:cNvPr id="14" name="직사각형 13">
+                  <a:extLst>
+                    <a:ext uri="{FF2B5EF4-FFF2-40B4-BE49-F238E27FC236}">
+                      <a16:creationId xmlns:a16="http://schemas.microsoft.com/office/drawing/2014/main" id="{EB82289C-B3FF-42BF-BCD0-0E85F7901C15}"/>
+                    </a:ext>
+                  </a:extLst>
+                </p:cNvPr>
+                <p:cNvSpPr>
+                  <a:spLocks noChangeAspect="1"/>
+                </p:cNvSpPr>
+                <p:nvPr/>
+              </p:nvSpPr>
+              <p:spPr>
+                <a:xfrm>
+                  <a:off x="14580318" y="16734047"/>
+                  <a:ext cx="14040000" cy="14040000"/>
+                </a:xfrm>
+                <a:prstGeom prst="rect">
+                  <a:avLst/>
+                </a:prstGeom>
+                <a:solidFill>
+                  <a:schemeClr val="bg1"/>
+                </a:solidFill>
+                <a:ln>
+                  <a:noFill/>
+                </a:ln>
+              </p:spPr>
+              <p:style>
+                <a:lnRef idx="2">
+                  <a:schemeClr val="accent1">
+                    <a:shade val="50000"/>
+                  </a:schemeClr>
+                </a:lnRef>
+                <a:fillRef idx="1">
+                  <a:schemeClr val="accent1"/>
+                </a:fillRef>
+                <a:effectRef idx="0">
+                  <a:schemeClr val="accent1"/>
+                </a:effectRef>
+                <a:fontRef idx="minor">
+                  <a:schemeClr val="lt1"/>
+                </a:fontRef>
+              </p:style>
+              <p:txBody>
+                <a:bodyPr rtlCol="0" anchor="ctr"/>
+                <a:lstStyle/>
+                <a:p>
+                  <a:pPr algn="ctr"/>
+                  <a:endParaRPr lang="en-US" sz="2152"/>
+                </a:p>
+              </p:txBody>
+            </p:sp>
+            <p:pic>
+              <p:nvPicPr>
+                <p:cNvPr id="37" name="그림 36">
+                  <a:extLst>
+                    <a:ext uri="{FF2B5EF4-FFF2-40B4-BE49-F238E27FC236}">
+                      <a16:creationId xmlns:a16="http://schemas.microsoft.com/office/drawing/2014/main" id="{757220ED-3FB8-499F-A115-753735506A11}"/>
+                    </a:ext>
+                  </a:extLst>
+                </p:cNvPr>
+                <p:cNvPicPr>
+                  <a:picLocks noChangeAspect="1"/>
+                </p:cNvPicPr>
+                <p:nvPr/>
+              </p:nvPicPr>
+              <p:blipFill>
+                <a:blip r:embed="rId10">
+                  <a:extLst>
+                    <a:ext uri="{28A0092B-C50C-407E-A947-70E740481C1C}">
+                      <a14:useLocalDpi xmlns:a14="http://schemas.microsoft.com/office/drawing/2010/main" val="0"/>
+                    </a:ext>
+                  </a:extLst>
+                </a:blip>
+                <a:stretch>
+                  <a:fillRect/>
+                </a:stretch>
+              </p:blipFill>
+              <p:spPr>
+                <a:xfrm>
+                  <a:off x="14580318" y="16734047"/>
+                  <a:ext cx="2880000" cy="2880000"/>
+                </a:xfrm>
+                <a:prstGeom prst="rect">
+                  <a:avLst/>
+                </a:prstGeom>
+              </p:spPr>
+            </p:pic>
+            <p:pic>
+              <p:nvPicPr>
+                <p:cNvPr id="39" name="그림 38">
+                  <a:extLst>
+                    <a:ext uri="{FF2B5EF4-FFF2-40B4-BE49-F238E27FC236}">
+                      <a16:creationId xmlns:a16="http://schemas.microsoft.com/office/drawing/2014/main" id="{70B05AC8-BD0B-4258-BBDD-CD3E57862488}"/>
+                    </a:ext>
+                  </a:extLst>
+                </p:cNvPr>
+                <p:cNvPicPr>
+                  <a:picLocks noChangeAspect="1"/>
+                </p:cNvPicPr>
+                <p:nvPr/>
+              </p:nvPicPr>
+              <p:blipFill>
+                <a:blip r:embed="rId11">
+                  <a:extLst>
+                    <a:ext uri="{28A0092B-C50C-407E-A947-70E740481C1C}">
+                      <a14:useLocalDpi xmlns:a14="http://schemas.microsoft.com/office/drawing/2010/main" val="0"/>
+                    </a:ext>
+                  </a:extLst>
+                </a:blip>
+                <a:stretch>
+                  <a:fillRect/>
+                </a:stretch>
+              </p:blipFill>
+              <p:spPr>
+                <a:xfrm>
+                  <a:off x="20160318" y="16734047"/>
+                  <a:ext cx="2880000" cy="2880000"/>
+                </a:xfrm>
+                <a:prstGeom prst="rect">
+                  <a:avLst/>
+                </a:prstGeom>
+              </p:spPr>
+            </p:pic>
+            <p:pic>
+              <p:nvPicPr>
+                <p:cNvPr id="41" name="그림 40">
+                  <a:extLst>
+                    <a:ext uri="{FF2B5EF4-FFF2-40B4-BE49-F238E27FC236}">
+                      <a16:creationId xmlns:a16="http://schemas.microsoft.com/office/drawing/2014/main" id="{788E18D8-CE55-4CB0-A970-AC82AC582205}"/>
+                    </a:ext>
+                  </a:extLst>
+                </p:cNvPr>
+                <p:cNvPicPr>
+                  <a:picLocks noChangeAspect="1"/>
+                </p:cNvPicPr>
+                <p:nvPr/>
+              </p:nvPicPr>
+              <p:blipFill>
+                <a:blip r:embed="rId12">
+                  <a:extLst>
+                    <a:ext uri="{28A0092B-C50C-407E-A947-70E740481C1C}">
+                      <a14:useLocalDpi xmlns:a14="http://schemas.microsoft.com/office/drawing/2010/main" val="0"/>
+                    </a:ext>
+                  </a:extLst>
+                </a:blip>
+                <a:stretch>
+                  <a:fillRect/>
+                </a:stretch>
+              </p:blipFill>
+              <p:spPr>
+                <a:xfrm>
+                  <a:off x="25740318" y="16734047"/>
+                  <a:ext cx="2880000" cy="2880000"/>
+                </a:xfrm>
+                <a:prstGeom prst="rect">
+                  <a:avLst/>
+                </a:prstGeom>
+              </p:spPr>
+            </p:pic>
+            <p:pic>
+              <p:nvPicPr>
+                <p:cNvPr id="43" name="그림 42">
+                  <a:extLst>
+                    <a:ext uri="{FF2B5EF4-FFF2-40B4-BE49-F238E27FC236}">
+                      <a16:creationId xmlns:a16="http://schemas.microsoft.com/office/drawing/2014/main" id="{2C3946A2-96D5-40E8-B70B-26D28D49FCA8}"/>
+                    </a:ext>
+                  </a:extLst>
+                </p:cNvPr>
+                <p:cNvPicPr>
+                  <a:picLocks noChangeAspect="1"/>
+                </p:cNvPicPr>
+                <p:nvPr/>
+              </p:nvPicPr>
+              <p:blipFill>
+                <a:blip r:embed="rId13">
+                  <a:extLst>
+                    <a:ext uri="{28A0092B-C50C-407E-A947-70E740481C1C}">
+                      <a14:useLocalDpi xmlns:a14="http://schemas.microsoft.com/office/drawing/2010/main" val="0"/>
+                    </a:ext>
+                  </a:extLst>
+                </a:blip>
+                <a:stretch>
+                  <a:fillRect/>
+                </a:stretch>
+              </p:blipFill>
+              <p:spPr>
+                <a:xfrm>
+                  <a:off x="25740318" y="22314047"/>
+                  <a:ext cx="2880000" cy="2880000"/>
+                </a:xfrm>
+                <a:prstGeom prst="rect">
+                  <a:avLst/>
+                </a:prstGeom>
+              </p:spPr>
+            </p:pic>
+            <p:pic>
+              <p:nvPicPr>
+                <p:cNvPr id="45" name="그림 44">
+                  <a:extLst>
+                    <a:ext uri="{FF2B5EF4-FFF2-40B4-BE49-F238E27FC236}">
+                      <a16:creationId xmlns:a16="http://schemas.microsoft.com/office/drawing/2014/main" id="{E758D147-9DE0-42E6-9AA5-053B952A7C63}"/>
+                    </a:ext>
+                  </a:extLst>
+                </p:cNvPr>
+                <p:cNvPicPr>
+                  <a:picLocks noChangeAspect="1"/>
+                </p:cNvPicPr>
+                <p:nvPr/>
+              </p:nvPicPr>
+              <p:blipFill>
+                <a:blip r:embed="rId14">
+                  <a:extLst>
+                    <a:ext uri="{28A0092B-C50C-407E-A947-70E740481C1C}">
+                      <a14:useLocalDpi xmlns:a14="http://schemas.microsoft.com/office/drawing/2010/main" val="0"/>
+                    </a:ext>
+                  </a:extLst>
+                </a:blip>
+                <a:stretch>
+                  <a:fillRect/>
+                </a:stretch>
+              </p:blipFill>
+              <p:spPr>
+                <a:xfrm>
+                  <a:off x="25740318" y="27894047"/>
+                  <a:ext cx="2880000" cy="2880000"/>
+                </a:xfrm>
+                <a:prstGeom prst="rect">
+                  <a:avLst/>
+                </a:prstGeom>
+              </p:spPr>
+            </p:pic>
+            <p:pic>
+              <p:nvPicPr>
+                <p:cNvPr id="47" name="그림 46">
+                  <a:extLst>
+                    <a:ext uri="{FF2B5EF4-FFF2-40B4-BE49-F238E27FC236}">
+                      <a16:creationId xmlns:a16="http://schemas.microsoft.com/office/drawing/2014/main" id="{C59C4C96-FEB0-400B-8854-45E459D0B170}"/>
+                    </a:ext>
+                  </a:extLst>
+                </p:cNvPr>
+                <p:cNvPicPr>
+                  <a:picLocks noChangeAspect="1"/>
+                </p:cNvPicPr>
+                <p:nvPr/>
+              </p:nvPicPr>
+              <p:blipFill>
+                <a:blip r:embed="rId15">
+                  <a:extLst>
+                    <a:ext uri="{28A0092B-C50C-407E-A947-70E740481C1C}">
+                      <a14:useLocalDpi xmlns:a14="http://schemas.microsoft.com/office/drawing/2010/main" val="0"/>
+                    </a:ext>
+                  </a:extLst>
+                </a:blip>
+                <a:stretch>
+                  <a:fillRect/>
+                </a:stretch>
+              </p:blipFill>
+              <p:spPr>
+                <a:xfrm>
+                  <a:off x="20160318" y="27894047"/>
+                  <a:ext cx="2880000" cy="2880000"/>
+                </a:xfrm>
+                <a:prstGeom prst="rect">
+                  <a:avLst/>
+                </a:prstGeom>
+              </p:spPr>
+            </p:pic>
+            <p:pic>
+              <p:nvPicPr>
+                <p:cNvPr id="49" name="그림 48">
+                  <a:extLst>
+                    <a:ext uri="{FF2B5EF4-FFF2-40B4-BE49-F238E27FC236}">
+                      <a16:creationId xmlns:a16="http://schemas.microsoft.com/office/drawing/2014/main" id="{49ACD768-EF8D-4286-801D-56CD8C01528A}"/>
+                    </a:ext>
+                  </a:extLst>
+                </p:cNvPr>
+                <p:cNvPicPr>
+                  <a:picLocks noChangeAspect="1"/>
+                </p:cNvPicPr>
+                <p:nvPr/>
+              </p:nvPicPr>
+              <p:blipFill>
+                <a:blip r:embed="rId16">
+                  <a:extLst>
+                    <a:ext uri="{28A0092B-C50C-407E-A947-70E740481C1C}">
+                      <a14:useLocalDpi xmlns:a14="http://schemas.microsoft.com/office/drawing/2010/main" val="0"/>
+                    </a:ext>
+                  </a:extLst>
+                </a:blip>
+                <a:stretch>
+                  <a:fillRect/>
+                </a:stretch>
+              </p:blipFill>
+              <p:spPr>
+                <a:xfrm>
+                  <a:off x="14580318" y="27894047"/>
+                  <a:ext cx="2880000" cy="2880000"/>
+                </a:xfrm>
+                <a:prstGeom prst="rect">
+                  <a:avLst/>
+                </a:prstGeom>
+              </p:spPr>
+            </p:pic>
+            <p:pic>
+              <p:nvPicPr>
+                <p:cNvPr id="51" name="그림 50">
+                  <a:extLst>
+                    <a:ext uri="{FF2B5EF4-FFF2-40B4-BE49-F238E27FC236}">
+                      <a16:creationId xmlns:a16="http://schemas.microsoft.com/office/drawing/2014/main" id="{C9220B98-1DC7-4808-95BA-7FF3D20473CA}"/>
+                    </a:ext>
+                  </a:extLst>
+                </p:cNvPr>
+                <p:cNvPicPr>
+                  <a:picLocks noChangeAspect="1"/>
+                </p:cNvPicPr>
+                <p:nvPr/>
+              </p:nvPicPr>
+              <p:blipFill>
+                <a:blip r:embed="rId17">
+                  <a:extLst>
+                    <a:ext uri="{28A0092B-C50C-407E-A947-70E740481C1C}">
+                      <a14:useLocalDpi xmlns:a14="http://schemas.microsoft.com/office/drawing/2010/main" val="0"/>
+                    </a:ext>
+                  </a:extLst>
+                </a:blip>
+                <a:stretch>
+                  <a:fillRect/>
+                </a:stretch>
+              </p:blipFill>
+              <p:spPr>
+                <a:xfrm>
+                  <a:off x="14580318" y="22314047"/>
+                  <a:ext cx="2880000" cy="2880000"/>
+                </a:xfrm>
+                <a:prstGeom prst="rect">
+                  <a:avLst/>
+                </a:prstGeom>
+              </p:spPr>
+            </p:pic>
+          </p:grpSp>
+          <p:pic>
+            <p:nvPicPr>
+              <p:cNvPr id="53" name="그림 52">
+                <a:extLst>
+                  <a:ext uri="{FF2B5EF4-FFF2-40B4-BE49-F238E27FC236}">
+                    <a16:creationId xmlns:a16="http://schemas.microsoft.com/office/drawing/2014/main" id="{67307BCD-9054-4CC7-AA0D-84D71BE70E09}"/>
+                  </a:ext>
+                </a:extLst>
+              </p:cNvPr>
+              <p:cNvPicPr>
+                <a:picLocks noChangeAspect="1"/>
+              </p:cNvPicPr>
+              <p:nvPr/>
+            </p:nvPicPr>
+            <p:blipFill>
+              <a:blip r:embed="rId18">
+                <a:extLst>
+                  <a:ext uri="{28A0092B-C50C-407E-A947-70E740481C1C}">
+                    <a14:useLocalDpi xmlns:a14="http://schemas.microsoft.com/office/drawing/2010/main" val="0"/>
+                  </a:ext>
+                </a:extLst>
+              </a:blip>
+              <a:stretch>
+                <a:fillRect/>
+              </a:stretch>
+            </p:blipFill>
+            <p:spPr>
+              <a:xfrm>
+                <a:off x="20880318" y="23034047"/>
+                <a:ext cx="1440000" cy="1440000"/>
+              </a:xfrm>
+              <a:prstGeom prst="rect">
+                <a:avLst/>
+              </a:prstGeom>
+            </p:spPr>
+          </p:pic>
+        </p:grpSp>
+      </p:grpSp>
+    </p:spTree>
+    <p:extLst>
+      <p:ext uri="{BB962C8B-B14F-4D97-AF65-F5344CB8AC3E}">
+        <p14:creationId xmlns:p14="http://schemas.microsoft.com/office/powerpoint/2010/main" val="3377748036"/>
       </p:ext>
     </p:extLst>
   </p:cSld>

--- a/apps/data_processing/aruco_marker/aruco_marker_creation/marker_img/integration_marker.pptx
+++ b/apps/data_processing/aruco_marker/aruco_marker_creation/marker_img/integration_marker.pptx
@@ -8,6 +8,9 @@
     <p:sldId id="256" r:id="rId2"/>
     <p:sldId id="257" r:id="rId3"/>
     <p:sldId id="258" r:id="rId4"/>
+    <p:sldId id="259" r:id="rId5"/>
+    <p:sldId id="261" r:id="rId6"/>
+    <p:sldId id="260" r:id="rId7"/>
   </p:sldIdLst>
   <p:sldSz cx="43200638" cy="43200638"/>
   <p:notesSz cx="6858000" cy="9144000"/>
@@ -245,7 +248,7 @@
           <a:p>
             <a:fld id="{C8A4090B-3ADF-4090-9EE5-2E9D826556F2}" type="datetimeFigureOut">
               <a:rPr lang="en-US" smtClean="0"/>
-              <a:t>10/7/2021</a:t>
+              <a:t>10/11/2021</a:t>
             </a:fld>
             <a:endParaRPr lang="en-US"/>
           </a:p>
@@ -415,7 +418,7 @@
           <a:p>
             <a:fld id="{C8A4090B-3ADF-4090-9EE5-2E9D826556F2}" type="datetimeFigureOut">
               <a:rPr lang="en-US" smtClean="0"/>
-              <a:t>10/7/2021</a:t>
+              <a:t>10/11/2021</a:t>
             </a:fld>
             <a:endParaRPr lang="en-US"/>
           </a:p>
@@ -595,7 +598,7 @@
           <a:p>
             <a:fld id="{C8A4090B-3ADF-4090-9EE5-2E9D826556F2}" type="datetimeFigureOut">
               <a:rPr lang="en-US" smtClean="0"/>
-              <a:t>10/7/2021</a:t>
+              <a:t>10/11/2021</a:t>
             </a:fld>
             <a:endParaRPr lang="en-US"/>
           </a:p>
@@ -765,7 +768,7 @@
           <a:p>
             <a:fld id="{C8A4090B-3ADF-4090-9EE5-2E9D826556F2}" type="datetimeFigureOut">
               <a:rPr lang="en-US" smtClean="0"/>
-              <a:t>10/7/2021</a:t>
+              <a:t>10/11/2021</a:t>
             </a:fld>
             <a:endParaRPr lang="en-US"/>
           </a:p>
@@ -1009,7 +1012,7 @@
           <a:p>
             <a:fld id="{C8A4090B-3ADF-4090-9EE5-2E9D826556F2}" type="datetimeFigureOut">
               <a:rPr lang="en-US" smtClean="0"/>
-              <a:t>10/7/2021</a:t>
+              <a:t>10/11/2021</a:t>
             </a:fld>
             <a:endParaRPr lang="en-US"/>
           </a:p>
@@ -1241,7 +1244,7 @@
           <a:p>
             <a:fld id="{C8A4090B-3ADF-4090-9EE5-2E9D826556F2}" type="datetimeFigureOut">
               <a:rPr lang="en-US" smtClean="0"/>
-              <a:t>10/7/2021</a:t>
+              <a:t>10/11/2021</a:t>
             </a:fld>
             <a:endParaRPr lang="en-US"/>
           </a:p>
@@ -1608,7 +1611,7 @@
           <a:p>
             <a:fld id="{C8A4090B-3ADF-4090-9EE5-2E9D826556F2}" type="datetimeFigureOut">
               <a:rPr lang="en-US" smtClean="0"/>
-              <a:t>10/7/2021</a:t>
+              <a:t>10/11/2021</a:t>
             </a:fld>
             <a:endParaRPr lang="en-US"/>
           </a:p>
@@ -1726,7 +1729,7 @@
           <a:p>
             <a:fld id="{C8A4090B-3ADF-4090-9EE5-2E9D826556F2}" type="datetimeFigureOut">
               <a:rPr lang="en-US" smtClean="0"/>
-              <a:t>10/7/2021</a:t>
+              <a:t>10/11/2021</a:t>
             </a:fld>
             <a:endParaRPr lang="en-US"/>
           </a:p>
@@ -1821,7 +1824,7 @@
           <a:p>
             <a:fld id="{C8A4090B-3ADF-4090-9EE5-2E9D826556F2}" type="datetimeFigureOut">
               <a:rPr lang="en-US" smtClean="0"/>
-              <a:t>10/7/2021</a:t>
+              <a:t>10/11/2021</a:t>
             </a:fld>
             <a:endParaRPr lang="en-US"/>
           </a:p>
@@ -2098,7 +2101,7 @@
           <a:p>
             <a:fld id="{C8A4090B-3ADF-4090-9EE5-2E9D826556F2}" type="datetimeFigureOut">
               <a:rPr lang="en-US" smtClean="0"/>
-              <a:t>10/7/2021</a:t>
+              <a:t>10/11/2021</a:t>
             </a:fld>
             <a:endParaRPr lang="en-US"/>
           </a:p>
@@ -2355,7 +2358,7 @@
           <a:p>
             <a:fld id="{C8A4090B-3ADF-4090-9EE5-2E9D826556F2}" type="datetimeFigureOut">
               <a:rPr lang="en-US" smtClean="0"/>
-              <a:t>10/7/2021</a:t>
+              <a:t>10/11/2021</a:t>
             </a:fld>
             <a:endParaRPr lang="en-US"/>
           </a:p>
@@ -2568,7 +2571,7 @@
           <a:p>
             <a:fld id="{C8A4090B-3ADF-4090-9EE5-2E9D826556F2}" type="datetimeFigureOut">
               <a:rPr lang="en-US" smtClean="0"/>
-              <a:t>10/7/2021</a:t>
+              <a:t>10/11/2021</a:t>
             </a:fld>
             <a:endParaRPr lang="en-US"/>
           </a:p>
@@ -5179,6 +5182,3545 @@
 </p:sld>
 </file>
 
+<file path=ppt/slides/slide4.xml><?xml version="1.0" encoding="utf-8"?>
+<p:sld xmlns:a="http://schemas.openxmlformats.org/drawingml/2006/main" xmlns:r="http://schemas.openxmlformats.org/officeDocument/2006/relationships" xmlns:p="http://schemas.openxmlformats.org/presentationml/2006/main">
+  <p:cSld>
+    <p:spTree>
+      <p:nvGrpSpPr>
+        <p:cNvPr id="1" name=""/>
+        <p:cNvGrpSpPr/>
+        <p:nvPr/>
+      </p:nvGrpSpPr>
+      <p:grpSpPr>
+        <a:xfrm>
+          <a:off x="0" y="0"/>
+          <a:ext cx="0" cy="0"/>
+          <a:chOff x="0" y="0"/>
+          <a:chExt cx="0" cy="0"/>
+        </a:xfrm>
+      </p:grpSpPr>
+      <p:sp>
+        <p:nvSpPr>
+          <p:cNvPr id="25" name="TextBox 24">
+            <a:extLst>
+              <a:ext uri="{FF2B5EF4-FFF2-40B4-BE49-F238E27FC236}">
+                <a16:creationId xmlns:a16="http://schemas.microsoft.com/office/drawing/2014/main" id="{87900024-C425-48D4-8434-19D57474403D}"/>
+              </a:ext>
+            </a:extLst>
+          </p:cNvPr>
+          <p:cNvSpPr txBox="1"/>
+          <p:nvPr/>
+        </p:nvSpPr>
+        <p:spPr>
+          <a:xfrm>
+            <a:off x="9974380" y="425083"/>
+            <a:ext cx="23251878" cy="1878528"/>
+          </a:xfrm>
+          <a:prstGeom prst="rect">
+            <a:avLst/>
+          </a:prstGeom>
+          <a:noFill/>
+        </p:spPr>
+        <p:txBody>
+          <a:bodyPr wrap="none" rtlCol="0">
+            <a:spAutoFit/>
+          </a:bodyPr>
+          <a:lstStyle/>
+          <a:p>
+            <a:r>
+              <a:rPr lang="en-US" sz="11607" b="1" dirty="0">
+                <a:latin typeface="Arial" panose="020B0604020202020204" pitchFamily="34" charset="0"/>
+              </a:rPr>
+              <a:t>Integration marker 2 with margin</a:t>
+            </a:r>
+          </a:p>
+        </p:txBody>
+      </p:sp>
+      <p:grpSp>
+        <p:nvGrpSpPr>
+          <p:cNvPr id="2" name="그룹 1">
+            <a:extLst>
+              <a:ext uri="{FF2B5EF4-FFF2-40B4-BE49-F238E27FC236}">
+                <a16:creationId xmlns:a16="http://schemas.microsoft.com/office/drawing/2014/main" id="{E9008A22-8EFD-49C4-833B-4E9C724D76D2}"/>
+              </a:ext>
+            </a:extLst>
+          </p:cNvPr>
+          <p:cNvGrpSpPr/>
+          <p:nvPr/>
+        </p:nvGrpSpPr>
+        <p:grpSpPr>
+          <a:xfrm>
+            <a:off x="1800319" y="2733917"/>
+            <a:ext cx="39600000" cy="39600000"/>
+            <a:chOff x="1800319" y="3218009"/>
+            <a:chExt cx="39600000" cy="39600000"/>
+          </a:xfrm>
+        </p:grpSpPr>
+        <p:sp>
+          <p:nvSpPr>
+            <p:cNvPr id="26" name="직사각형 25">
+              <a:extLst>
+                <a:ext uri="{FF2B5EF4-FFF2-40B4-BE49-F238E27FC236}">
+                  <a16:creationId xmlns:a16="http://schemas.microsoft.com/office/drawing/2014/main" id="{07502786-20F5-4F43-A0DF-DBE8280E1BBA}"/>
+                </a:ext>
+              </a:extLst>
+            </p:cNvPr>
+            <p:cNvSpPr>
+              <a:spLocks noChangeAspect="1"/>
+            </p:cNvSpPr>
+            <p:nvPr/>
+          </p:nvSpPr>
+          <p:spPr>
+            <a:xfrm>
+              <a:off x="1800319" y="3218009"/>
+              <a:ext cx="39600000" cy="39600000"/>
+            </a:xfrm>
+            <a:prstGeom prst="rect">
+              <a:avLst/>
+            </a:prstGeom>
+            <a:solidFill>
+              <a:schemeClr val="bg1"/>
+            </a:solidFill>
+            <a:ln>
+              <a:noFill/>
+            </a:ln>
+          </p:spPr>
+          <p:style>
+            <a:lnRef idx="2">
+              <a:schemeClr val="accent1">
+                <a:shade val="50000"/>
+              </a:schemeClr>
+            </a:lnRef>
+            <a:fillRef idx="1">
+              <a:schemeClr val="accent1"/>
+            </a:fillRef>
+            <a:effectRef idx="0">
+              <a:schemeClr val="accent1"/>
+            </a:effectRef>
+            <a:fontRef idx="minor">
+              <a:schemeClr val="lt1"/>
+            </a:fontRef>
+          </p:style>
+          <p:txBody>
+            <a:bodyPr rtlCol="0" anchor="ctr"/>
+            <a:lstStyle/>
+            <a:p>
+              <a:pPr algn="ctr"/>
+              <a:endParaRPr lang="en-US" sz="2152"/>
+            </a:p>
+          </p:txBody>
+        </p:sp>
+        <p:grpSp>
+          <p:nvGrpSpPr>
+            <p:cNvPr id="61" name="그룹 60">
+              <a:extLst>
+                <a:ext uri="{FF2B5EF4-FFF2-40B4-BE49-F238E27FC236}">
+                  <a16:creationId xmlns:a16="http://schemas.microsoft.com/office/drawing/2014/main" id="{DF9C9F2A-9F74-445D-86C8-49E069ABF53D}"/>
+                </a:ext>
+              </a:extLst>
+            </p:cNvPr>
+            <p:cNvGrpSpPr>
+              <a:grpSpLocks noChangeAspect="1"/>
+            </p:cNvGrpSpPr>
+            <p:nvPr/>
+          </p:nvGrpSpPr>
+          <p:grpSpPr>
+            <a:xfrm>
+              <a:off x="3600319" y="5018009"/>
+              <a:ext cx="36000000" cy="36000000"/>
+              <a:chOff x="3433432" y="5587153"/>
+              <a:chExt cx="36000000" cy="36000000"/>
+            </a:xfrm>
+          </p:grpSpPr>
+          <p:grpSp>
+            <p:nvGrpSpPr>
+              <p:cNvPr id="56" name="그룹 55">
+                <a:extLst>
+                  <a:ext uri="{FF2B5EF4-FFF2-40B4-BE49-F238E27FC236}">
+                    <a16:creationId xmlns:a16="http://schemas.microsoft.com/office/drawing/2014/main" id="{15ECBC04-5E82-49BE-A1E6-5106DE12D8CE}"/>
+                  </a:ext>
+                </a:extLst>
+              </p:cNvPr>
+              <p:cNvGrpSpPr/>
+              <p:nvPr/>
+            </p:nvGrpSpPr>
+            <p:grpSpPr>
+              <a:xfrm>
+                <a:off x="3433432" y="5587153"/>
+                <a:ext cx="36000000" cy="36000000"/>
+                <a:chOff x="3433423" y="5587152"/>
+                <a:chExt cx="36333791" cy="36333791"/>
+              </a:xfrm>
+            </p:grpSpPr>
+            <p:sp>
+              <p:nvSpPr>
+                <p:cNvPr id="55" name="직사각형 54">
+                  <a:extLst>
+                    <a:ext uri="{FF2B5EF4-FFF2-40B4-BE49-F238E27FC236}">
+                      <a16:creationId xmlns:a16="http://schemas.microsoft.com/office/drawing/2014/main" id="{8C6FC87C-902E-4E17-9D5D-F3FA89C47B02}"/>
+                    </a:ext>
+                  </a:extLst>
+                </p:cNvPr>
+                <p:cNvSpPr/>
+                <p:nvPr/>
+              </p:nvSpPr>
+              <p:spPr>
+                <a:xfrm>
+                  <a:off x="3433423" y="5587152"/>
+                  <a:ext cx="36333791" cy="36333791"/>
+                </a:xfrm>
+                <a:prstGeom prst="rect">
+                  <a:avLst/>
+                </a:prstGeom>
+                <a:solidFill>
+                  <a:schemeClr val="bg1"/>
+                </a:solidFill>
+                <a:ln>
+                  <a:noFill/>
+                </a:ln>
+              </p:spPr>
+              <p:style>
+                <a:lnRef idx="2">
+                  <a:schemeClr val="accent1">
+                    <a:shade val="50000"/>
+                  </a:schemeClr>
+                </a:lnRef>
+                <a:fillRef idx="1">
+                  <a:schemeClr val="accent1"/>
+                </a:fillRef>
+                <a:effectRef idx="0">
+                  <a:schemeClr val="accent1"/>
+                </a:effectRef>
+                <a:fontRef idx="minor">
+                  <a:schemeClr val="lt1"/>
+                </a:fontRef>
+              </p:style>
+              <p:txBody>
+                <a:bodyPr rtlCol="0" anchor="ctr"/>
+                <a:lstStyle/>
+                <a:p>
+                  <a:pPr algn="ctr"/>
+                  <a:endParaRPr lang="en-US" sz="2152"/>
+                </a:p>
+              </p:txBody>
+            </p:sp>
+            <p:pic>
+              <p:nvPicPr>
+                <p:cNvPr id="21" name="그림 20">
+                  <a:extLst>
+                    <a:ext uri="{FF2B5EF4-FFF2-40B4-BE49-F238E27FC236}">
+                      <a16:creationId xmlns:a16="http://schemas.microsoft.com/office/drawing/2014/main" id="{7EEB59A8-FF04-4915-9207-10A1C8FD7086}"/>
+                    </a:ext>
+                  </a:extLst>
+                </p:cNvPr>
+                <p:cNvPicPr>
+                  <a:picLocks noChangeAspect="1"/>
+                </p:cNvPicPr>
+                <p:nvPr/>
+              </p:nvPicPr>
+              <p:blipFill>
+                <a:blip r:embed="rId2">
+                  <a:extLst>
+                    <a:ext uri="{28A0092B-C50C-407E-A947-70E740481C1C}">
+                      <a14:useLocalDpi xmlns:a14="http://schemas.microsoft.com/office/drawing/2010/main" val="0"/>
+                    </a:ext>
+                  </a:extLst>
+                </a:blip>
+                <a:stretch>
+                  <a:fillRect/>
+                </a:stretch>
+              </p:blipFill>
+              <p:spPr>
+                <a:xfrm>
+                  <a:off x="3433424" y="5587153"/>
+                  <a:ext cx="7266758" cy="7266758"/>
+                </a:xfrm>
+                <a:prstGeom prst="rect">
+                  <a:avLst/>
+                </a:prstGeom>
+              </p:spPr>
+            </p:pic>
+            <p:pic>
+              <p:nvPicPr>
+                <p:cNvPr id="22" name="그림 21">
+                  <a:extLst>
+                    <a:ext uri="{FF2B5EF4-FFF2-40B4-BE49-F238E27FC236}">
+                      <a16:creationId xmlns:a16="http://schemas.microsoft.com/office/drawing/2014/main" id="{7EBD7A37-8E94-40D0-A92A-1E0D3145A8A9}"/>
+                    </a:ext>
+                  </a:extLst>
+                </p:cNvPr>
+                <p:cNvPicPr>
+                  <a:picLocks noChangeAspect="1"/>
+                </p:cNvPicPr>
+                <p:nvPr/>
+              </p:nvPicPr>
+              <p:blipFill>
+                <a:blip r:embed="rId3">
+                  <a:extLst>
+                    <a:ext uri="{28A0092B-C50C-407E-A947-70E740481C1C}">
+                      <a14:useLocalDpi xmlns:a14="http://schemas.microsoft.com/office/drawing/2010/main" val="0"/>
+                    </a:ext>
+                  </a:extLst>
+                </a:blip>
+                <a:stretch>
+                  <a:fillRect/>
+                </a:stretch>
+              </p:blipFill>
+              <p:spPr>
+                <a:xfrm>
+                  <a:off x="17966940" y="5587153"/>
+                  <a:ext cx="7266758" cy="7266758"/>
+                </a:xfrm>
+                <a:prstGeom prst="rect">
+                  <a:avLst/>
+                </a:prstGeom>
+              </p:spPr>
+            </p:pic>
+            <p:pic>
+              <p:nvPicPr>
+                <p:cNvPr id="23" name="그림 22">
+                  <a:extLst>
+                    <a:ext uri="{FF2B5EF4-FFF2-40B4-BE49-F238E27FC236}">
+                      <a16:creationId xmlns:a16="http://schemas.microsoft.com/office/drawing/2014/main" id="{9DA5EAAA-1DB6-4EED-85F5-77577B5263F4}"/>
+                    </a:ext>
+                  </a:extLst>
+                </p:cNvPr>
+                <p:cNvPicPr>
+                  <a:picLocks noChangeAspect="1"/>
+                </p:cNvPicPr>
+                <p:nvPr/>
+              </p:nvPicPr>
+              <p:blipFill>
+                <a:blip r:embed="rId4">
+                  <a:extLst>
+                    <a:ext uri="{28A0092B-C50C-407E-A947-70E740481C1C}">
+                      <a14:useLocalDpi xmlns:a14="http://schemas.microsoft.com/office/drawing/2010/main" val="0"/>
+                    </a:ext>
+                  </a:extLst>
+                </a:blip>
+                <a:stretch>
+                  <a:fillRect/>
+                </a:stretch>
+              </p:blipFill>
+              <p:spPr>
+                <a:xfrm>
+                  <a:off x="32500456" y="20120669"/>
+                  <a:ext cx="7266758" cy="7266758"/>
+                </a:xfrm>
+                <a:prstGeom prst="rect">
+                  <a:avLst/>
+                </a:prstGeom>
+              </p:spPr>
+            </p:pic>
+            <p:pic>
+              <p:nvPicPr>
+                <p:cNvPr id="24" name="그림 23">
+                  <a:extLst>
+                    <a:ext uri="{FF2B5EF4-FFF2-40B4-BE49-F238E27FC236}">
+                      <a16:creationId xmlns:a16="http://schemas.microsoft.com/office/drawing/2014/main" id="{E0E1BF56-3BFA-4FC1-BD2F-CB012B356025}"/>
+                    </a:ext>
+                  </a:extLst>
+                </p:cNvPr>
+                <p:cNvPicPr>
+                  <a:picLocks noChangeAspect="1"/>
+                </p:cNvPicPr>
+                <p:nvPr/>
+              </p:nvPicPr>
+              <p:blipFill>
+                <a:blip r:embed="rId5">
+                  <a:extLst>
+                    <a:ext uri="{28A0092B-C50C-407E-A947-70E740481C1C}">
+                      <a14:useLocalDpi xmlns:a14="http://schemas.microsoft.com/office/drawing/2010/main" val="0"/>
+                    </a:ext>
+                  </a:extLst>
+                </a:blip>
+                <a:stretch>
+                  <a:fillRect/>
+                </a:stretch>
+              </p:blipFill>
+              <p:spPr>
+                <a:xfrm>
+                  <a:off x="32500456" y="5587153"/>
+                  <a:ext cx="7266758" cy="7266758"/>
+                </a:xfrm>
+                <a:prstGeom prst="rect">
+                  <a:avLst/>
+                </a:prstGeom>
+              </p:spPr>
+            </p:pic>
+            <p:pic>
+              <p:nvPicPr>
+                <p:cNvPr id="3" name="그림 2">
+                  <a:extLst>
+                    <a:ext uri="{FF2B5EF4-FFF2-40B4-BE49-F238E27FC236}">
+                      <a16:creationId xmlns:a16="http://schemas.microsoft.com/office/drawing/2014/main" id="{DD4FA6AC-295E-4178-AD52-C9BB972BC06F}"/>
+                    </a:ext>
+                  </a:extLst>
+                </p:cNvPr>
+                <p:cNvPicPr>
+                  <a:picLocks noChangeAspect="1"/>
+                </p:cNvPicPr>
+                <p:nvPr/>
+              </p:nvPicPr>
+              <p:blipFill>
+                <a:blip r:embed="rId6">
+                  <a:extLst>
+                    <a:ext uri="{28A0092B-C50C-407E-A947-70E740481C1C}">
+                      <a14:useLocalDpi xmlns:a14="http://schemas.microsoft.com/office/drawing/2010/main" val="0"/>
+                    </a:ext>
+                  </a:extLst>
+                </a:blip>
+                <a:stretch>
+                  <a:fillRect/>
+                </a:stretch>
+              </p:blipFill>
+              <p:spPr>
+                <a:xfrm>
+                  <a:off x="32500456" y="34654185"/>
+                  <a:ext cx="7266758" cy="7266758"/>
+                </a:xfrm>
+                <a:prstGeom prst="rect">
+                  <a:avLst/>
+                </a:prstGeom>
+              </p:spPr>
+            </p:pic>
+            <p:pic>
+              <p:nvPicPr>
+                <p:cNvPr id="29" name="그림 28">
+                  <a:extLst>
+                    <a:ext uri="{FF2B5EF4-FFF2-40B4-BE49-F238E27FC236}">
+                      <a16:creationId xmlns:a16="http://schemas.microsoft.com/office/drawing/2014/main" id="{982EA5FD-40E7-4D14-80DF-6624B5980BD3}"/>
+                    </a:ext>
+                  </a:extLst>
+                </p:cNvPr>
+                <p:cNvPicPr>
+                  <a:picLocks noChangeAspect="1"/>
+                </p:cNvPicPr>
+                <p:nvPr/>
+              </p:nvPicPr>
+              <p:blipFill>
+                <a:blip r:embed="rId7">
+                  <a:extLst>
+                    <a:ext uri="{28A0092B-C50C-407E-A947-70E740481C1C}">
+                      <a14:useLocalDpi xmlns:a14="http://schemas.microsoft.com/office/drawing/2010/main" val="0"/>
+                    </a:ext>
+                  </a:extLst>
+                </a:blip>
+                <a:stretch>
+                  <a:fillRect/>
+                </a:stretch>
+              </p:blipFill>
+              <p:spPr>
+                <a:xfrm>
+                  <a:off x="17966940" y="34654185"/>
+                  <a:ext cx="7266758" cy="7266758"/>
+                </a:xfrm>
+                <a:prstGeom prst="rect">
+                  <a:avLst/>
+                </a:prstGeom>
+              </p:spPr>
+            </p:pic>
+            <p:pic>
+              <p:nvPicPr>
+                <p:cNvPr id="31" name="그림 30">
+                  <a:extLst>
+                    <a:ext uri="{FF2B5EF4-FFF2-40B4-BE49-F238E27FC236}">
+                      <a16:creationId xmlns:a16="http://schemas.microsoft.com/office/drawing/2014/main" id="{8E1D0A1A-9B41-441C-A8F5-E6C91F8D8C5C}"/>
+                    </a:ext>
+                  </a:extLst>
+                </p:cNvPr>
+                <p:cNvPicPr>
+                  <a:picLocks noChangeAspect="1"/>
+                </p:cNvPicPr>
+                <p:nvPr/>
+              </p:nvPicPr>
+              <p:blipFill>
+                <a:blip r:embed="rId8">
+                  <a:extLst>
+                    <a:ext uri="{28A0092B-C50C-407E-A947-70E740481C1C}">
+                      <a14:useLocalDpi xmlns:a14="http://schemas.microsoft.com/office/drawing/2010/main" val="0"/>
+                    </a:ext>
+                  </a:extLst>
+                </a:blip>
+                <a:stretch>
+                  <a:fillRect/>
+                </a:stretch>
+              </p:blipFill>
+              <p:spPr>
+                <a:xfrm>
+                  <a:off x="3433424" y="34654185"/>
+                  <a:ext cx="7266758" cy="7266758"/>
+                </a:xfrm>
+                <a:prstGeom prst="rect">
+                  <a:avLst/>
+                </a:prstGeom>
+              </p:spPr>
+            </p:pic>
+            <p:pic>
+              <p:nvPicPr>
+                <p:cNvPr id="33" name="그림 32">
+                  <a:extLst>
+                    <a:ext uri="{FF2B5EF4-FFF2-40B4-BE49-F238E27FC236}">
+                      <a16:creationId xmlns:a16="http://schemas.microsoft.com/office/drawing/2014/main" id="{56370C09-F8B7-4C9C-832B-E102446AB15F}"/>
+                    </a:ext>
+                  </a:extLst>
+                </p:cNvPr>
+                <p:cNvPicPr>
+                  <a:picLocks noChangeAspect="1"/>
+                </p:cNvPicPr>
+                <p:nvPr/>
+              </p:nvPicPr>
+              <p:blipFill>
+                <a:blip r:embed="rId9">
+                  <a:extLst>
+                    <a:ext uri="{28A0092B-C50C-407E-A947-70E740481C1C}">
+                      <a14:useLocalDpi xmlns:a14="http://schemas.microsoft.com/office/drawing/2010/main" val="0"/>
+                    </a:ext>
+                  </a:extLst>
+                </a:blip>
+                <a:stretch>
+                  <a:fillRect/>
+                </a:stretch>
+              </p:blipFill>
+              <p:spPr>
+                <a:xfrm>
+                  <a:off x="3433424" y="20120669"/>
+                  <a:ext cx="7266758" cy="7266758"/>
+                </a:xfrm>
+                <a:prstGeom prst="rect">
+                  <a:avLst/>
+                </a:prstGeom>
+              </p:spPr>
+            </p:pic>
+          </p:grpSp>
+          <p:grpSp>
+            <p:nvGrpSpPr>
+              <p:cNvPr id="57" name="그룹 56">
+                <a:extLst>
+                  <a:ext uri="{FF2B5EF4-FFF2-40B4-BE49-F238E27FC236}">
+                    <a16:creationId xmlns:a16="http://schemas.microsoft.com/office/drawing/2014/main" id="{4F956931-B1D4-4031-973D-13A558B013AF}"/>
+                  </a:ext>
+                </a:extLst>
+              </p:cNvPr>
+              <p:cNvGrpSpPr>
+                <a:grpSpLocks noChangeAspect="1"/>
+              </p:cNvGrpSpPr>
+              <p:nvPr/>
+            </p:nvGrpSpPr>
+            <p:grpSpPr>
+              <a:xfrm>
+                <a:off x="14413432" y="16567153"/>
+                <a:ext cx="14040000" cy="14040000"/>
+                <a:chOff x="14580318" y="16734047"/>
+                <a:chExt cx="14040000" cy="14040000"/>
+              </a:xfrm>
+            </p:grpSpPr>
+            <p:grpSp>
+              <p:nvGrpSpPr>
+                <p:cNvPr id="54" name="그룹 53">
+                  <a:extLst>
+                    <a:ext uri="{FF2B5EF4-FFF2-40B4-BE49-F238E27FC236}">
+                      <a16:creationId xmlns:a16="http://schemas.microsoft.com/office/drawing/2014/main" id="{98C839DD-3B29-4D61-AF91-533862BC19B4}"/>
+                    </a:ext>
+                  </a:extLst>
+                </p:cNvPr>
+                <p:cNvGrpSpPr/>
+                <p:nvPr/>
+              </p:nvGrpSpPr>
+              <p:grpSpPr>
+                <a:xfrm>
+                  <a:off x="14580318" y="16734047"/>
+                  <a:ext cx="14040000" cy="14040000"/>
+                  <a:chOff x="14580318" y="16734047"/>
+                  <a:chExt cx="14040000" cy="14040000"/>
+                </a:xfrm>
+              </p:grpSpPr>
+              <p:sp>
+                <p:nvSpPr>
+                  <p:cNvPr id="14" name="직사각형 13">
+                    <a:extLst>
+                      <a:ext uri="{FF2B5EF4-FFF2-40B4-BE49-F238E27FC236}">
+                        <a16:creationId xmlns:a16="http://schemas.microsoft.com/office/drawing/2014/main" id="{EB82289C-B3FF-42BF-BCD0-0E85F7901C15}"/>
+                      </a:ext>
+                    </a:extLst>
+                  </p:cNvPr>
+                  <p:cNvSpPr>
+                    <a:spLocks noChangeAspect="1"/>
+                  </p:cNvSpPr>
+                  <p:nvPr/>
+                </p:nvSpPr>
+                <p:spPr>
+                  <a:xfrm>
+                    <a:off x="14580318" y="16734047"/>
+                    <a:ext cx="14040000" cy="14040000"/>
+                  </a:xfrm>
+                  <a:prstGeom prst="rect">
+                    <a:avLst/>
+                  </a:prstGeom>
+                  <a:solidFill>
+                    <a:schemeClr val="bg1"/>
+                  </a:solidFill>
+                  <a:ln>
+                    <a:noFill/>
+                  </a:ln>
+                </p:spPr>
+                <p:style>
+                  <a:lnRef idx="2">
+                    <a:schemeClr val="accent1">
+                      <a:shade val="50000"/>
+                    </a:schemeClr>
+                  </a:lnRef>
+                  <a:fillRef idx="1">
+                    <a:schemeClr val="accent1"/>
+                  </a:fillRef>
+                  <a:effectRef idx="0">
+                    <a:schemeClr val="accent1"/>
+                  </a:effectRef>
+                  <a:fontRef idx="minor">
+                    <a:schemeClr val="lt1"/>
+                  </a:fontRef>
+                </p:style>
+                <p:txBody>
+                  <a:bodyPr rtlCol="0" anchor="ctr"/>
+                  <a:lstStyle/>
+                  <a:p>
+                    <a:pPr algn="ctr"/>
+                    <a:endParaRPr lang="en-US" sz="2152"/>
+                  </a:p>
+                </p:txBody>
+              </p:sp>
+              <p:pic>
+                <p:nvPicPr>
+                  <p:cNvPr id="37" name="그림 36">
+                    <a:extLst>
+                      <a:ext uri="{FF2B5EF4-FFF2-40B4-BE49-F238E27FC236}">
+                        <a16:creationId xmlns:a16="http://schemas.microsoft.com/office/drawing/2014/main" id="{757220ED-3FB8-499F-A115-753735506A11}"/>
+                      </a:ext>
+                    </a:extLst>
+                  </p:cNvPr>
+                  <p:cNvPicPr>
+                    <a:picLocks noChangeAspect="1"/>
+                  </p:cNvPicPr>
+                  <p:nvPr/>
+                </p:nvPicPr>
+                <p:blipFill>
+                  <a:blip r:embed="rId10">
+                    <a:extLst>
+                      <a:ext uri="{28A0092B-C50C-407E-A947-70E740481C1C}">
+                        <a14:useLocalDpi xmlns:a14="http://schemas.microsoft.com/office/drawing/2010/main" val="0"/>
+                      </a:ext>
+                    </a:extLst>
+                  </a:blip>
+                  <a:stretch>
+                    <a:fillRect/>
+                  </a:stretch>
+                </p:blipFill>
+                <p:spPr>
+                  <a:xfrm>
+                    <a:off x="14580318" y="16734047"/>
+                    <a:ext cx="2880000" cy="2880000"/>
+                  </a:xfrm>
+                  <a:prstGeom prst="rect">
+                    <a:avLst/>
+                  </a:prstGeom>
+                </p:spPr>
+              </p:pic>
+              <p:pic>
+                <p:nvPicPr>
+                  <p:cNvPr id="39" name="그림 38">
+                    <a:extLst>
+                      <a:ext uri="{FF2B5EF4-FFF2-40B4-BE49-F238E27FC236}">
+                        <a16:creationId xmlns:a16="http://schemas.microsoft.com/office/drawing/2014/main" id="{70B05AC8-BD0B-4258-BBDD-CD3E57862488}"/>
+                      </a:ext>
+                    </a:extLst>
+                  </p:cNvPr>
+                  <p:cNvPicPr>
+                    <a:picLocks noChangeAspect="1"/>
+                  </p:cNvPicPr>
+                  <p:nvPr/>
+                </p:nvPicPr>
+                <p:blipFill>
+                  <a:blip r:embed="rId11">
+                    <a:extLst>
+                      <a:ext uri="{28A0092B-C50C-407E-A947-70E740481C1C}">
+                        <a14:useLocalDpi xmlns:a14="http://schemas.microsoft.com/office/drawing/2010/main" val="0"/>
+                      </a:ext>
+                    </a:extLst>
+                  </a:blip>
+                  <a:stretch>
+                    <a:fillRect/>
+                  </a:stretch>
+                </p:blipFill>
+                <p:spPr>
+                  <a:xfrm>
+                    <a:off x="20160318" y="16734047"/>
+                    <a:ext cx="2880000" cy="2880000"/>
+                  </a:xfrm>
+                  <a:prstGeom prst="rect">
+                    <a:avLst/>
+                  </a:prstGeom>
+                </p:spPr>
+              </p:pic>
+              <p:pic>
+                <p:nvPicPr>
+                  <p:cNvPr id="41" name="그림 40">
+                    <a:extLst>
+                      <a:ext uri="{FF2B5EF4-FFF2-40B4-BE49-F238E27FC236}">
+                        <a16:creationId xmlns:a16="http://schemas.microsoft.com/office/drawing/2014/main" id="{788E18D8-CE55-4CB0-A970-AC82AC582205}"/>
+                      </a:ext>
+                    </a:extLst>
+                  </p:cNvPr>
+                  <p:cNvPicPr>
+                    <a:picLocks noChangeAspect="1"/>
+                  </p:cNvPicPr>
+                  <p:nvPr/>
+                </p:nvPicPr>
+                <p:blipFill>
+                  <a:blip r:embed="rId12">
+                    <a:extLst>
+                      <a:ext uri="{28A0092B-C50C-407E-A947-70E740481C1C}">
+                        <a14:useLocalDpi xmlns:a14="http://schemas.microsoft.com/office/drawing/2010/main" val="0"/>
+                      </a:ext>
+                    </a:extLst>
+                  </a:blip>
+                  <a:stretch>
+                    <a:fillRect/>
+                  </a:stretch>
+                </p:blipFill>
+                <p:spPr>
+                  <a:xfrm>
+                    <a:off x="25740318" y="16734047"/>
+                    <a:ext cx="2880000" cy="2880000"/>
+                  </a:xfrm>
+                  <a:prstGeom prst="rect">
+                    <a:avLst/>
+                  </a:prstGeom>
+                </p:spPr>
+              </p:pic>
+              <p:pic>
+                <p:nvPicPr>
+                  <p:cNvPr id="43" name="그림 42">
+                    <a:extLst>
+                      <a:ext uri="{FF2B5EF4-FFF2-40B4-BE49-F238E27FC236}">
+                        <a16:creationId xmlns:a16="http://schemas.microsoft.com/office/drawing/2014/main" id="{2C3946A2-96D5-40E8-B70B-26D28D49FCA8}"/>
+                      </a:ext>
+                    </a:extLst>
+                  </p:cNvPr>
+                  <p:cNvPicPr>
+                    <a:picLocks noChangeAspect="1"/>
+                  </p:cNvPicPr>
+                  <p:nvPr/>
+                </p:nvPicPr>
+                <p:blipFill>
+                  <a:blip r:embed="rId13">
+                    <a:extLst>
+                      <a:ext uri="{28A0092B-C50C-407E-A947-70E740481C1C}">
+                        <a14:useLocalDpi xmlns:a14="http://schemas.microsoft.com/office/drawing/2010/main" val="0"/>
+                      </a:ext>
+                    </a:extLst>
+                  </a:blip>
+                  <a:stretch>
+                    <a:fillRect/>
+                  </a:stretch>
+                </p:blipFill>
+                <p:spPr>
+                  <a:xfrm>
+                    <a:off x="25740318" y="22314047"/>
+                    <a:ext cx="2880000" cy="2880000"/>
+                  </a:xfrm>
+                  <a:prstGeom prst="rect">
+                    <a:avLst/>
+                  </a:prstGeom>
+                </p:spPr>
+              </p:pic>
+              <p:pic>
+                <p:nvPicPr>
+                  <p:cNvPr id="45" name="그림 44">
+                    <a:extLst>
+                      <a:ext uri="{FF2B5EF4-FFF2-40B4-BE49-F238E27FC236}">
+                        <a16:creationId xmlns:a16="http://schemas.microsoft.com/office/drawing/2014/main" id="{E758D147-9DE0-42E6-9AA5-053B952A7C63}"/>
+                      </a:ext>
+                    </a:extLst>
+                  </p:cNvPr>
+                  <p:cNvPicPr>
+                    <a:picLocks noChangeAspect="1"/>
+                  </p:cNvPicPr>
+                  <p:nvPr/>
+                </p:nvPicPr>
+                <p:blipFill>
+                  <a:blip r:embed="rId14">
+                    <a:extLst>
+                      <a:ext uri="{28A0092B-C50C-407E-A947-70E740481C1C}">
+                        <a14:useLocalDpi xmlns:a14="http://schemas.microsoft.com/office/drawing/2010/main" val="0"/>
+                      </a:ext>
+                    </a:extLst>
+                  </a:blip>
+                  <a:stretch>
+                    <a:fillRect/>
+                  </a:stretch>
+                </p:blipFill>
+                <p:spPr>
+                  <a:xfrm>
+                    <a:off x="25740318" y="27894047"/>
+                    <a:ext cx="2880000" cy="2880000"/>
+                  </a:xfrm>
+                  <a:prstGeom prst="rect">
+                    <a:avLst/>
+                  </a:prstGeom>
+                </p:spPr>
+              </p:pic>
+              <p:pic>
+                <p:nvPicPr>
+                  <p:cNvPr id="47" name="그림 46">
+                    <a:extLst>
+                      <a:ext uri="{FF2B5EF4-FFF2-40B4-BE49-F238E27FC236}">
+                        <a16:creationId xmlns:a16="http://schemas.microsoft.com/office/drawing/2014/main" id="{C59C4C96-FEB0-400B-8854-45E459D0B170}"/>
+                      </a:ext>
+                    </a:extLst>
+                  </p:cNvPr>
+                  <p:cNvPicPr>
+                    <a:picLocks noChangeAspect="1"/>
+                  </p:cNvPicPr>
+                  <p:nvPr/>
+                </p:nvPicPr>
+                <p:blipFill>
+                  <a:blip r:embed="rId15">
+                    <a:extLst>
+                      <a:ext uri="{28A0092B-C50C-407E-A947-70E740481C1C}">
+                        <a14:useLocalDpi xmlns:a14="http://schemas.microsoft.com/office/drawing/2010/main" val="0"/>
+                      </a:ext>
+                    </a:extLst>
+                  </a:blip>
+                  <a:stretch>
+                    <a:fillRect/>
+                  </a:stretch>
+                </p:blipFill>
+                <p:spPr>
+                  <a:xfrm>
+                    <a:off x="20160318" y="27894047"/>
+                    <a:ext cx="2880000" cy="2880000"/>
+                  </a:xfrm>
+                  <a:prstGeom prst="rect">
+                    <a:avLst/>
+                  </a:prstGeom>
+                </p:spPr>
+              </p:pic>
+              <p:pic>
+                <p:nvPicPr>
+                  <p:cNvPr id="49" name="그림 48">
+                    <a:extLst>
+                      <a:ext uri="{FF2B5EF4-FFF2-40B4-BE49-F238E27FC236}">
+                        <a16:creationId xmlns:a16="http://schemas.microsoft.com/office/drawing/2014/main" id="{49ACD768-EF8D-4286-801D-56CD8C01528A}"/>
+                      </a:ext>
+                    </a:extLst>
+                  </p:cNvPr>
+                  <p:cNvPicPr>
+                    <a:picLocks noChangeAspect="1"/>
+                  </p:cNvPicPr>
+                  <p:nvPr/>
+                </p:nvPicPr>
+                <p:blipFill>
+                  <a:blip r:embed="rId16">
+                    <a:extLst>
+                      <a:ext uri="{28A0092B-C50C-407E-A947-70E740481C1C}">
+                        <a14:useLocalDpi xmlns:a14="http://schemas.microsoft.com/office/drawing/2010/main" val="0"/>
+                      </a:ext>
+                    </a:extLst>
+                  </a:blip>
+                  <a:stretch>
+                    <a:fillRect/>
+                  </a:stretch>
+                </p:blipFill>
+                <p:spPr>
+                  <a:xfrm>
+                    <a:off x="14580318" y="27894047"/>
+                    <a:ext cx="2880000" cy="2880000"/>
+                  </a:xfrm>
+                  <a:prstGeom prst="rect">
+                    <a:avLst/>
+                  </a:prstGeom>
+                </p:spPr>
+              </p:pic>
+              <p:pic>
+                <p:nvPicPr>
+                  <p:cNvPr id="51" name="그림 50">
+                    <a:extLst>
+                      <a:ext uri="{FF2B5EF4-FFF2-40B4-BE49-F238E27FC236}">
+                        <a16:creationId xmlns:a16="http://schemas.microsoft.com/office/drawing/2014/main" id="{C9220B98-1DC7-4808-95BA-7FF3D20473CA}"/>
+                      </a:ext>
+                    </a:extLst>
+                  </p:cNvPr>
+                  <p:cNvPicPr>
+                    <a:picLocks noChangeAspect="1"/>
+                  </p:cNvPicPr>
+                  <p:nvPr/>
+                </p:nvPicPr>
+                <p:blipFill>
+                  <a:blip r:embed="rId17">
+                    <a:extLst>
+                      <a:ext uri="{28A0092B-C50C-407E-A947-70E740481C1C}">
+                        <a14:useLocalDpi xmlns:a14="http://schemas.microsoft.com/office/drawing/2010/main" val="0"/>
+                      </a:ext>
+                    </a:extLst>
+                  </a:blip>
+                  <a:stretch>
+                    <a:fillRect/>
+                  </a:stretch>
+                </p:blipFill>
+                <p:spPr>
+                  <a:xfrm>
+                    <a:off x="14580318" y="22314047"/>
+                    <a:ext cx="2880000" cy="2880000"/>
+                  </a:xfrm>
+                  <a:prstGeom prst="rect">
+                    <a:avLst/>
+                  </a:prstGeom>
+                </p:spPr>
+              </p:pic>
+            </p:grpSp>
+            <p:pic>
+              <p:nvPicPr>
+                <p:cNvPr id="53" name="그림 52">
+                  <a:extLst>
+                    <a:ext uri="{FF2B5EF4-FFF2-40B4-BE49-F238E27FC236}">
+                      <a16:creationId xmlns:a16="http://schemas.microsoft.com/office/drawing/2014/main" id="{67307BCD-9054-4CC7-AA0D-84D71BE70E09}"/>
+                    </a:ext>
+                  </a:extLst>
+                </p:cNvPr>
+                <p:cNvPicPr>
+                  <a:picLocks noChangeAspect="1"/>
+                </p:cNvPicPr>
+                <p:nvPr/>
+              </p:nvPicPr>
+              <p:blipFill>
+                <a:blip r:embed="rId18">
+                  <a:extLst>
+                    <a:ext uri="{28A0092B-C50C-407E-A947-70E740481C1C}">
+                      <a14:useLocalDpi xmlns:a14="http://schemas.microsoft.com/office/drawing/2010/main" val="0"/>
+                    </a:ext>
+                  </a:extLst>
+                </a:blip>
+                <a:stretch>
+                  <a:fillRect/>
+                </a:stretch>
+              </p:blipFill>
+              <p:spPr>
+                <a:xfrm>
+                  <a:off x="20880318" y="23034047"/>
+                  <a:ext cx="1440000" cy="1440000"/>
+                </a:xfrm>
+                <a:prstGeom prst="rect">
+                  <a:avLst/>
+                </a:prstGeom>
+              </p:spPr>
+            </p:pic>
+          </p:grpSp>
+        </p:grpSp>
+      </p:grpSp>
+    </p:spTree>
+    <p:extLst>
+      <p:ext uri="{BB962C8B-B14F-4D97-AF65-F5344CB8AC3E}">
+        <p14:creationId xmlns:p14="http://schemas.microsoft.com/office/powerpoint/2010/main" val="3472710171"/>
+      </p:ext>
+    </p:extLst>
+  </p:cSld>
+  <p:clrMapOvr>
+    <a:masterClrMapping/>
+  </p:clrMapOvr>
+</p:sld>
+</file>
+
+<file path=ppt/slides/slide5.xml><?xml version="1.0" encoding="utf-8"?>
+<p:sld xmlns:a="http://schemas.openxmlformats.org/drawingml/2006/main" xmlns:r="http://schemas.openxmlformats.org/officeDocument/2006/relationships" xmlns:p="http://schemas.openxmlformats.org/presentationml/2006/main">
+  <p:cSld>
+    <p:spTree>
+      <p:nvGrpSpPr>
+        <p:cNvPr id="1" name=""/>
+        <p:cNvGrpSpPr/>
+        <p:nvPr/>
+      </p:nvGrpSpPr>
+      <p:grpSpPr>
+        <a:xfrm>
+          <a:off x="0" y="0"/>
+          <a:ext cx="0" cy="0"/>
+          <a:chOff x="0" y="0"/>
+          <a:chExt cx="0" cy="0"/>
+        </a:xfrm>
+      </p:grpSpPr>
+      <p:sp>
+        <p:nvSpPr>
+          <p:cNvPr id="25" name="TextBox 24">
+            <a:extLst>
+              <a:ext uri="{FF2B5EF4-FFF2-40B4-BE49-F238E27FC236}">
+                <a16:creationId xmlns:a16="http://schemas.microsoft.com/office/drawing/2014/main" id="{87900024-C425-48D4-8434-19D57474403D}"/>
+              </a:ext>
+            </a:extLst>
+          </p:cNvPr>
+          <p:cNvSpPr txBox="1"/>
+          <p:nvPr/>
+        </p:nvSpPr>
+        <p:spPr>
+          <a:xfrm>
+            <a:off x="9974380" y="425083"/>
+            <a:ext cx="23251878" cy="1878528"/>
+          </a:xfrm>
+          <a:prstGeom prst="rect">
+            <a:avLst/>
+          </a:prstGeom>
+          <a:noFill/>
+        </p:spPr>
+        <p:txBody>
+          <a:bodyPr wrap="none" rtlCol="0">
+            <a:spAutoFit/>
+          </a:bodyPr>
+          <a:lstStyle/>
+          <a:p>
+            <a:r>
+              <a:rPr lang="en-US" sz="11607" b="1" dirty="0">
+                <a:latin typeface="Arial" panose="020B0604020202020204" pitchFamily="34" charset="0"/>
+              </a:rPr>
+              <a:t>Integration marker 3 with margin</a:t>
+            </a:r>
+          </a:p>
+        </p:txBody>
+      </p:sp>
+      <p:grpSp>
+        <p:nvGrpSpPr>
+          <p:cNvPr id="7" name="그룹 6">
+            <a:extLst>
+              <a:ext uri="{FF2B5EF4-FFF2-40B4-BE49-F238E27FC236}">
+                <a16:creationId xmlns:a16="http://schemas.microsoft.com/office/drawing/2014/main" id="{01C21C13-1343-44B7-87EC-4A4835B7449D}"/>
+              </a:ext>
+            </a:extLst>
+          </p:cNvPr>
+          <p:cNvGrpSpPr>
+            <a:grpSpLocks noChangeAspect="1"/>
+          </p:cNvGrpSpPr>
+          <p:nvPr/>
+        </p:nvGrpSpPr>
+        <p:grpSpPr>
+          <a:xfrm>
+            <a:off x="3600319" y="4514719"/>
+            <a:ext cx="36000000" cy="36000000"/>
+            <a:chOff x="26473126" y="4533917"/>
+            <a:chExt cx="36000000" cy="36000000"/>
+          </a:xfrm>
+        </p:grpSpPr>
+        <p:grpSp>
+          <p:nvGrpSpPr>
+            <p:cNvPr id="4" name="그룹 3">
+              <a:extLst>
+                <a:ext uri="{FF2B5EF4-FFF2-40B4-BE49-F238E27FC236}">
+                  <a16:creationId xmlns:a16="http://schemas.microsoft.com/office/drawing/2014/main" id="{E12C1B46-A8C3-4505-8A3E-EBEB3475B7F9}"/>
+                </a:ext>
+              </a:extLst>
+            </p:cNvPr>
+            <p:cNvGrpSpPr/>
+            <p:nvPr/>
+          </p:nvGrpSpPr>
+          <p:grpSpPr>
+            <a:xfrm>
+              <a:off x="26473126" y="4533917"/>
+              <a:ext cx="36000000" cy="36000000"/>
+              <a:chOff x="3600319" y="4533917"/>
+              <a:chExt cx="36000000" cy="36000000"/>
+            </a:xfrm>
+          </p:grpSpPr>
+          <p:sp>
+            <p:nvSpPr>
+              <p:cNvPr id="55" name="직사각형 54">
+                <a:extLst>
+                  <a:ext uri="{FF2B5EF4-FFF2-40B4-BE49-F238E27FC236}">
+                    <a16:creationId xmlns:a16="http://schemas.microsoft.com/office/drawing/2014/main" id="{8C6FC87C-902E-4E17-9D5D-F3FA89C47B02}"/>
+                  </a:ext>
+                </a:extLst>
+              </p:cNvPr>
+              <p:cNvSpPr/>
+              <p:nvPr/>
+            </p:nvSpPr>
+            <p:spPr>
+              <a:xfrm>
+                <a:off x="3600319" y="4533917"/>
+                <a:ext cx="36000000" cy="36000000"/>
+              </a:xfrm>
+              <a:prstGeom prst="rect">
+                <a:avLst/>
+              </a:prstGeom>
+              <a:solidFill>
+                <a:schemeClr val="bg1"/>
+              </a:solidFill>
+              <a:ln>
+                <a:noFill/>
+              </a:ln>
+            </p:spPr>
+            <p:style>
+              <a:lnRef idx="2">
+                <a:schemeClr val="accent1">
+                  <a:shade val="50000"/>
+                </a:schemeClr>
+              </a:lnRef>
+              <a:fillRef idx="1">
+                <a:schemeClr val="accent1"/>
+              </a:fillRef>
+              <a:effectRef idx="0">
+                <a:schemeClr val="accent1"/>
+              </a:effectRef>
+              <a:fontRef idx="minor">
+                <a:schemeClr val="lt1"/>
+              </a:fontRef>
+            </p:style>
+            <p:txBody>
+              <a:bodyPr rtlCol="0" anchor="ctr"/>
+              <a:lstStyle/>
+              <a:p>
+                <a:pPr algn="ctr"/>
+                <a:endParaRPr lang="en-US" sz="2152"/>
+              </a:p>
+            </p:txBody>
+          </p:sp>
+          <p:pic>
+            <p:nvPicPr>
+              <p:cNvPr id="21" name="그림 20">
+                <a:extLst>
+                  <a:ext uri="{FF2B5EF4-FFF2-40B4-BE49-F238E27FC236}">
+                    <a16:creationId xmlns:a16="http://schemas.microsoft.com/office/drawing/2014/main" id="{7EEB59A8-FF04-4915-9207-10A1C8FD7086}"/>
+                  </a:ext>
+                </a:extLst>
+              </p:cNvPr>
+              <p:cNvPicPr>
+                <a:picLocks noChangeAspect="1"/>
+              </p:cNvPicPr>
+              <p:nvPr/>
+            </p:nvPicPr>
+            <p:blipFill>
+              <a:blip r:embed="rId2">
+                <a:extLst>
+                  <a:ext uri="{28A0092B-C50C-407E-A947-70E740481C1C}">
+                    <a14:useLocalDpi xmlns:a14="http://schemas.microsoft.com/office/drawing/2010/main" val="0"/>
+                  </a:ext>
+                </a:extLst>
+              </a:blip>
+              <a:stretch>
+                <a:fillRect/>
+              </a:stretch>
+            </p:blipFill>
+            <p:spPr>
+              <a:xfrm>
+                <a:off x="3600320" y="4533917"/>
+                <a:ext cx="10800000" cy="10800000"/>
+              </a:xfrm>
+              <a:prstGeom prst="rect">
+                <a:avLst/>
+              </a:prstGeom>
+            </p:spPr>
+          </p:pic>
+          <p:pic>
+            <p:nvPicPr>
+              <p:cNvPr id="22" name="그림 21">
+                <a:extLst>
+                  <a:ext uri="{FF2B5EF4-FFF2-40B4-BE49-F238E27FC236}">
+                    <a16:creationId xmlns:a16="http://schemas.microsoft.com/office/drawing/2014/main" id="{7EBD7A37-8E94-40D0-A92A-1E0D3145A8A9}"/>
+                  </a:ext>
+                </a:extLst>
+              </p:cNvPr>
+              <p:cNvPicPr>
+                <a:picLocks noChangeAspect="1"/>
+              </p:cNvPicPr>
+              <p:nvPr/>
+            </p:nvPicPr>
+            <p:blipFill>
+              <a:blip r:embed="rId3">
+                <a:extLst>
+                  <a:ext uri="{28A0092B-C50C-407E-A947-70E740481C1C}">
+                    <a14:useLocalDpi xmlns:a14="http://schemas.microsoft.com/office/drawing/2010/main" val="0"/>
+                  </a:ext>
+                </a:extLst>
+              </a:blip>
+              <a:stretch>
+                <a:fillRect/>
+              </a:stretch>
+            </p:blipFill>
+            <p:spPr>
+              <a:xfrm>
+                <a:off x="16200319" y="4533917"/>
+                <a:ext cx="10800000" cy="10800000"/>
+              </a:xfrm>
+              <a:prstGeom prst="rect">
+                <a:avLst/>
+              </a:prstGeom>
+            </p:spPr>
+          </p:pic>
+          <p:pic>
+            <p:nvPicPr>
+              <p:cNvPr id="23" name="그림 22">
+                <a:extLst>
+                  <a:ext uri="{FF2B5EF4-FFF2-40B4-BE49-F238E27FC236}">
+                    <a16:creationId xmlns:a16="http://schemas.microsoft.com/office/drawing/2014/main" id="{9DA5EAAA-1DB6-4EED-85F5-77577B5263F4}"/>
+                  </a:ext>
+                </a:extLst>
+              </p:cNvPr>
+              <p:cNvPicPr>
+                <a:picLocks noChangeAspect="1"/>
+              </p:cNvPicPr>
+              <p:nvPr/>
+            </p:nvPicPr>
+            <p:blipFill>
+              <a:blip r:embed="rId4">
+                <a:extLst>
+                  <a:ext uri="{28A0092B-C50C-407E-A947-70E740481C1C}">
+                    <a14:useLocalDpi xmlns:a14="http://schemas.microsoft.com/office/drawing/2010/main" val="0"/>
+                  </a:ext>
+                </a:extLst>
+              </a:blip>
+              <a:stretch>
+                <a:fillRect/>
+              </a:stretch>
+            </p:blipFill>
+            <p:spPr>
+              <a:xfrm>
+                <a:off x="28800319" y="17133917"/>
+                <a:ext cx="10800000" cy="10800000"/>
+              </a:xfrm>
+              <a:prstGeom prst="rect">
+                <a:avLst/>
+              </a:prstGeom>
+            </p:spPr>
+          </p:pic>
+          <p:pic>
+            <p:nvPicPr>
+              <p:cNvPr id="24" name="그림 23">
+                <a:extLst>
+                  <a:ext uri="{FF2B5EF4-FFF2-40B4-BE49-F238E27FC236}">
+                    <a16:creationId xmlns:a16="http://schemas.microsoft.com/office/drawing/2014/main" id="{E0E1BF56-3BFA-4FC1-BD2F-CB012B356025}"/>
+                  </a:ext>
+                </a:extLst>
+              </p:cNvPr>
+              <p:cNvPicPr>
+                <a:picLocks noChangeAspect="1"/>
+              </p:cNvPicPr>
+              <p:nvPr/>
+            </p:nvPicPr>
+            <p:blipFill>
+              <a:blip r:embed="rId5">
+                <a:extLst>
+                  <a:ext uri="{28A0092B-C50C-407E-A947-70E740481C1C}">
+                    <a14:useLocalDpi xmlns:a14="http://schemas.microsoft.com/office/drawing/2010/main" val="0"/>
+                  </a:ext>
+                </a:extLst>
+              </a:blip>
+              <a:stretch>
+                <a:fillRect/>
+              </a:stretch>
+            </p:blipFill>
+            <p:spPr>
+              <a:xfrm>
+                <a:off x="28800319" y="4533917"/>
+                <a:ext cx="10800000" cy="10800000"/>
+              </a:xfrm>
+              <a:prstGeom prst="rect">
+                <a:avLst/>
+              </a:prstGeom>
+            </p:spPr>
+          </p:pic>
+          <p:pic>
+            <p:nvPicPr>
+              <p:cNvPr id="3" name="그림 2">
+                <a:extLst>
+                  <a:ext uri="{FF2B5EF4-FFF2-40B4-BE49-F238E27FC236}">
+                    <a16:creationId xmlns:a16="http://schemas.microsoft.com/office/drawing/2014/main" id="{DD4FA6AC-295E-4178-AD52-C9BB972BC06F}"/>
+                  </a:ext>
+                </a:extLst>
+              </p:cNvPr>
+              <p:cNvPicPr>
+                <a:picLocks noChangeAspect="1"/>
+              </p:cNvPicPr>
+              <p:nvPr/>
+            </p:nvPicPr>
+            <p:blipFill>
+              <a:blip r:embed="rId6">
+                <a:extLst>
+                  <a:ext uri="{28A0092B-C50C-407E-A947-70E740481C1C}">
+                    <a14:useLocalDpi xmlns:a14="http://schemas.microsoft.com/office/drawing/2010/main" val="0"/>
+                  </a:ext>
+                </a:extLst>
+              </a:blip>
+              <a:stretch>
+                <a:fillRect/>
+              </a:stretch>
+            </p:blipFill>
+            <p:spPr>
+              <a:xfrm>
+                <a:off x="28800319" y="29733917"/>
+                <a:ext cx="10800000" cy="10800000"/>
+              </a:xfrm>
+              <a:prstGeom prst="rect">
+                <a:avLst/>
+              </a:prstGeom>
+            </p:spPr>
+          </p:pic>
+          <p:pic>
+            <p:nvPicPr>
+              <p:cNvPr id="29" name="그림 28">
+                <a:extLst>
+                  <a:ext uri="{FF2B5EF4-FFF2-40B4-BE49-F238E27FC236}">
+                    <a16:creationId xmlns:a16="http://schemas.microsoft.com/office/drawing/2014/main" id="{982EA5FD-40E7-4D14-80DF-6624B5980BD3}"/>
+                  </a:ext>
+                </a:extLst>
+              </p:cNvPr>
+              <p:cNvPicPr>
+                <a:picLocks noChangeAspect="1"/>
+              </p:cNvPicPr>
+              <p:nvPr/>
+            </p:nvPicPr>
+            <p:blipFill>
+              <a:blip r:embed="rId7">
+                <a:extLst>
+                  <a:ext uri="{28A0092B-C50C-407E-A947-70E740481C1C}">
+                    <a14:useLocalDpi xmlns:a14="http://schemas.microsoft.com/office/drawing/2010/main" val="0"/>
+                  </a:ext>
+                </a:extLst>
+              </a:blip>
+              <a:stretch>
+                <a:fillRect/>
+              </a:stretch>
+            </p:blipFill>
+            <p:spPr>
+              <a:xfrm>
+                <a:off x="16200319" y="29733917"/>
+                <a:ext cx="10800000" cy="10800000"/>
+              </a:xfrm>
+              <a:prstGeom prst="rect">
+                <a:avLst/>
+              </a:prstGeom>
+            </p:spPr>
+          </p:pic>
+          <p:pic>
+            <p:nvPicPr>
+              <p:cNvPr id="31" name="그림 30">
+                <a:extLst>
+                  <a:ext uri="{FF2B5EF4-FFF2-40B4-BE49-F238E27FC236}">
+                    <a16:creationId xmlns:a16="http://schemas.microsoft.com/office/drawing/2014/main" id="{8E1D0A1A-9B41-441C-A8F5-E6C91F8D8C5C}"/>
+                  </a:ext>
+                </a:extLst>
+              </p:cNvPr>
+              <p:cNvPicPr>
+                <a:picLocks noChangeAspect="1"/>
+              </p:cNvPicPr>
+              <p:nvPr/>
+            </p:nvPicPr>
+            <p:blipFill>
+              <a:blip r:embed="rId8">
+                <a:extLst>
+                  <a:ext uri="{28A0092B-C50C-407E-A947-70E740481C1C}">
+                    <a14:useLocalDpi xmlns:a14="http://schemas.microsoft.com/office/drawing/2010/main" val="0"/>
+                  </a:ext>
+                </a:extLst>
+              </a:blip>
+              <a:stretch>
+                <a:fillRect/>
+              </a:stretch>
+            </p:blipFill>
+            <p:spPr>
+              <a:xfrm>
+                <a:off x="3600320" y="29733917"/>
+                <a:ext cx="10800000" cy="10800000"/>
+              </a:xfrm>
+              <a:prstGeom prst="rect">
+                <a:avLst/>
+              </a:prstGeom>
+            </p:spPr>
+          </p:pic>
+          <p:pic>
+            <p:nvPicPr>
+              <p:cNvPr id="33" name="그림 32">
+                <a:extLst>
+                  <a:ext uri="{FF2B5EF4-FFF2-40B4-BE49-F238E27FC236}">
+                    <a16:creationId xmlns:a16="http://schemas.microsoft.com/office/drawing/2014/main" id="{56370C09-F8B7-4C9C-832B-E102446AB15F}"/>
+                  </a:ext>
+                </a:extLst>
+              </p:cNvPr>
+              <p:cNvPicPr>
+                <a:picLocks noChangeAspect="1"/>
+              </p:cNvPicPr>
+              <p:nvPr/>
+            </p:nvPicPr>
+            <p:blipFill>
+              <a:blip r:embed="rId9">
+                <a:extLst>
+                  <a:ext uri="{28A0092B-C50C-407E-A947-70E740481C1C}">
+                    <a14:useLocalDpi xmlns:a14="http://schemas.microsoft.com/office/drawing/2010/main" val="0"/>
+                  </a:ext>
+                </a:extLst>
+              </a:blip>
+              <a:stretch>
+                <a:fillRect/>
+              </a:stretch>
+            </p:blipFill>
+            <p:spPr>
+              <a:xfrm>
+                <a:off x="3600320" y="17133917"/>
+                <a:ext cx="10800000" cy="10800000"/>
+              </a:xfrm>
+              <a:prstGeom prst="rect">
+                <a:avLst/>
+              </a:prstGeom>
+            </p:spPr>
+          </p:pic>
+        </p:grpSp>
+        <p:grpSp>
+          <p:nvGrpSpPr>
+            <p:cNvPr id="6" name="그룹 5">
+              <a:extLst>
+                <a:ext uri="{FF2B5EF4-FFF2-40B4-BE49-F238E27FC236}">
+                  <a16:creationId xmlns:a16="http://schemas.microsoft.com/office/drawing/2014/main" id="{27F75F6F-5438-4889-81EC-8627D5E22E58}"/>
+                </a:ext>
+              </a:extLst>
+            </p:cNvPr>
+            <p:cNvGrpSpPr>
+              <a:grpSpLocks noChangeAspect="1"/>
+            </p:cNvGrpSpPr>
+            <p:nvPr/>
+          </p:nvGrpSpPr>
+          <p:grpSpPr>
+            <a:xfrm>
+              <a:off x="39073126" y="17133917"/>
+              <a:ext cx="10800001" cy="10800000"/>
+              <a:chOff x="16200318" y="17133917"/>
+              <a:chExt cx="10800001" cy="10800000"/>
+            </a:xfrm>
+          </p:grpSpPr>
+          <p:grpSp>
+            <p:nvGrpSpPr>
+              <p:cNvPr id="5" name="그룹 4">
+                <a:extLst>
+                  <a:ext uri="{FF2B5EF4-FFF2-40B4-BE49-F238E27FC236}">
+                    <a16:creationId xmlns:a16="http://schemas.microsoft.com/office/drawing/2014/main" id="{3A5151D6-F1A8-4C68-BE1E-6D6EEFEC9678}"/>
+                  </a:ext>
+                </a:extLst>
+              </p:cNvPr>
+              <p:cNvGrpSpPr>
+                <a:grpSpLocks noChangeAspect="1"/>
+              </p:cNvGrpSpPr>
+              <p:nvPr/>
+            </p:nvGrpSpPr>
+            <p:grpSpPr>
+              <a:xfrm>
+                <a:off x="16200318" y="17133917"/>
+                <a:ext cx="10800001" cy="10800000"/>
+                <a:chOff x="16200318" y="17133917"/>
+                <a:chExt cx="10800001" cy="10800000"/>
+              </a:xfrm>
+            </p:grpSpPr>
+            <p:sp>
+              <p:nvSpPr>
+                <p:cNvPr id="14" name="직사각형 13">
+                  <a:extLst>
+                    <a:ext uri="{FF2B5EF4-FFF2-40B4-BE49-F238E27FC236}">
+                      <a16:creationId xmlns:a16="http://schemas.microsoft.com/office/drawing/2014/main" id="{EB82289C-B3FF-42BF-BCD0-0E85F7901C15}"/>
+                    </a:ext>
+                  </a:extLst>
+                </p:cNvPr>
+                <p:cNvSpPr>
+                  <a:spLocks noChangeAspect="1"/>
+                </p:cNvSpPr>
+                <p:nvPr/>
+              </p:nvSpPr>
+              <p:spPr>
+                <a:xfrm>
+                  <a:off x="16200318" y="17133917"/>
+                  <a:ext cx="10800000" cy="10800000"/>
+                </a:xfrm>
+                <a:prstGeom prst="rect">
+                  <a:avLst/>
+                </a:prstGeom>
+                <a:solidFill>
+                  <a:schemeClr val="bg1"/>
+                </a:solidFill>
+                <a:ln>
+                  <a:noFill/>
+                </a:ln>
+              </p:spPr>
+              <p:style>
+                <a:lnRef idx="2">
+                  <a:schemeClr val="accent1">
+                    <a:shade val="50000"/>
+                  </a:schemeClr>
+                </a:lnRef>
+                <a:fillRef idx="1">
+                  <a:schemeClr val="accent1"/>
+                </a:fillRef>
+                <a:effectRef idx="0">
+                  <a:schemeClr val="accent1"/>
+                </a:effectRef>
+                <a:fontRef idx="minor">
+                  <a:schemeClr val="lt1"/>
+                </a:fontRef>
+              </p:style>
+              <p:txBody>
+                <a:bodyPr rtlCol="0" anchor="ctr"/>
+                <a:lstStyle/>
+                <a:p>
+                  <a:pPr algn="ctr"/>
+                  <a:endParaRPr lang="en-US" sz="2152"/>
+                </a:p>
+              </p:txBody>
+            </p:sp>
+            <p:pic>
+              <p:nvPicPr>
+                <p:cNvPr id="37" name="그림 36">
+                  <a:extLst>
+                    <a:ext uri="{FF2B5EF4-FFF2-40B4-BE49-F238E27FC236}">
+                      <a16:creationId xmlns:a16="http://schemas.microsoft.com/office/drawing/2014/main" id="{757220ED-3FB8-499F-A115-753735506A11}"/>
+                    </a:ext>
+                  </a:extLst>
+                </p:cNvPr>
+                <p:cNvPicPr>
+                  <a:picLocks noChangeAspect="1"/>
+                </p:cNvPicPr>
+                <p:nvPr/>
+              </p:nvPicPr>
+              <p:blipFill>
+                <a:blip r:embed="rId10">
+                  <a:extLst>
+                    <a:ext uri="{28A0092B-C50C-407E-A947-70E740481C1C}">
+                      <a14:useLocalDpi xmlns:a14="http://schemas.microsoft.com/office/drawing/2010/main" val="0"/>
+                    </a:ext>
+                  </a:extLst>
+                </a:blip>
+                <a:stretch>
+                  <a:fillRect/>
+                </a:stretch>
+              </p:blipFill>
+              <p:spPr>
+                <a:xfrm>
+                  <a:off x="16200318" y="17133917"/>
+                  <a:ext cx="3240000" cy="3240000"/>
+                </a:xfrm>
+                <a:prstGeom prst="rect">
+                  <a:avLst/>
+                </a:prstGeom>
+              </p:spPr>
+            </p:pic>
+            <p:pic>
+              <p:nvPicPr>
+                <p:cNvPr id="39" name="그림 38">
+                  <a:extLst>
+                    <a:ext uri="{FF2B5EF4-FFF2-40B4-BE49-F238E27FC236}">
+                      <a16:creationId xmlns:a16="http://schemas.microsoft.com/office/drawing/2014/main" id="{70B05AC8-BD0B-4258-BBDD-CD3E57862488}"/>
+                    </a:ext>
+                  </a:extLst>
+                </p:cNvPr>
+                <p:cNvPicPr>
+                  <a:picLocks noChangeAspect="1"/>
+                </p:cNvPicPr>
+                <p:nvPr/>
+              </p:nvPicPr>
+              <p:blipFill>
+                <a:blip r:embed="rId11">
+                  <a:extLst>
+                    <a:ext uri="{28A0092B-C50C-407E-A947-70E740481C1C}">
+                      <a14:useLocalDpi xmlns:a14="http://schemas.microsoft.com/office/drawing/2010/main" val="0"/>
+                    </a:ext>
+                  </a:extLst>
+                </a:blip>
+                <a:stretch>
+                  <a:fillRect/>
+                </a:stretch>
+              </p:blipFill>
+              <p:spPr>
+                <a:xfrm>
+                  <a:off x="19980318" y="17133917"/>
+                  <a:ext cx="3240000" cy="3240000"/>
+                </a:xfrm>
+                <a:prstGeom prst="rect">
+                  <a:avLst/>
+                </a:prstGeom>
+              </p:spPr>
+            </p:pic>
+            <p:pic>
+              <p:nvPicPr>
+                <p:cNvPr id="41" name="그림 40">
+                  <a:extLst>
+                    <a:ext uri="{FF2B5EF4-FFF2-40B4-BE49-F238E27FC236}">
+                      <a16:creationId xmlns:a16="http://schemas.microsoft.com/office/drawing/2014/main" id="{788E18D8-CE55-4CB0-A970-AC82AC582205}"/>
+                    </a:ext>
+                  </a:extLst>
+                </p:cNvPr>
+                <p:cNvPicPr>
+                  <a:picLocks noChangeAspect="1"/>
+                </p:cNvPicPr>
+                <p:nvPr/>
+              </p:nvPicPr>
+              <p:blipFill>
+                <a:blip r:embed="rId12">
+                  <a:extLst>
+                    <a:ext uri="{28A0092B-C50C-407E-A947-70E740481C1C}">
+                      <a14:useLocalDpi xmlns:a14="http://schemas.microsoft.com/office/drawing/2010/main" val="0"/>
+                    </a:ext>
+                  </a:extLst>
+                </a:blip>
+                <a:stretch>
+                  <a:fillRect/>
+                </a:stretch>
+              </p:blipFill>
+              <p:spPr>
+                <a:xfrm>
+                  <a:off x="23760319" y="17133917"/>
+                  <a:ext cx="3240000" cy="3240000"/>
+                </a:xfrm>
+                <a:prstGeom prst="rect">
+                  <a:avLst/>
+                </a:prstGeom>
+              </p:spPr>
+            </p:pic>
+            <p:pic>
+              <p:nvPicPr>
+                <p:cNvPr id="43" name="그림 42">
+                  <a:extLst>
+                    <a:ext uri="{FF2B5EF4-FFF2-40B4-BE49-F238E27FC236}">
+                      <a16:creationId xmlns:a16="http://schemas.microsoft.com/office/drawing/2014/main" id="{2C3946A2-96D5-40E8-B70B-26D28D49FCA8}"/>
+                    </a:ext>
+                  </a:extLst>
+                </p:cNvPr>
+                <p:cNvPicPr>
+                  <a:picLocks noChangeAspect="1"/>
+                </p:cNvPicPr>
+                <p:nvPr/>
+              </p:nvPicPr>
+              <p:blipFill>
+                <a:blip r:embed="rId13">
+                  <a:extLst>
+                    <a:ext uri="{28A0092B-C50C-407E-A947-70E740481C1C}">
+                      <a14:useLocalDpi xmlns:a14="http://schemas.microsoft.com/office/drawing/2010/main" val="0"/>
+                    </a:ext>
+                  </a:extLst>
+                </a:blip>
+                <a:stretch>
+                  <a:fillRect/>
+                </a:stretch>
+              </p:blipFill>
+              <p:spPr>
+                <a:xfrm>
+                  <a:off x="23760319" y="20913917"/>
+                  <a:ext cx="3240000" cy="3240000"/>
+                </a:xfrm>
+                <a:prstGeom prst="rect">
+                  <a:avLst/>
+                </a:prstGeom>
+              </p:spPr>
+            </p:pic>
+            <p:pic>
+              <p:nvPicPr>
+                <p:cNvPr id="45" name="그림 44">
+                  <a:extLst>
+                    <a:ext uri="{FF2B5EF4-FFF2-40B4-BE49-F238E27FC236}">
+                      <a16:creationId xmlns:a16="http://schemas.microsoft.com/office/drawing/2014/main" id="{E758D147-9DE0-42E6-9AA5-053B952A7C63}"/>
+                    </a:ext>
+                  </a:extLst>
+                </p:cNvPr>
+                <p:cNvPicPr>
+                  <a:picLocks noChangeAspect="1"/>
+                </p:cNvPicPr>
+                <p:nvPr/>
+              </p:nvPicPr>
+              <p:blipFill>
+                <a:blip r:embed="rId14">
+                  <a:extLst>
+                    <a:ext uri="{28A0092B-C50C-407E-A947-70E740481C1C}">
+                      <a14:useLocalDpi xmlns:a14="http://schemas.microsoft.com/office/drawing/2010/main" val="0"/>
+                    </a:ext>
+                  </a:extLst>
+                </a:blip>
+                <a:stretch>
+                  <a:fillRect/>
+                </a:stretch>
+              </p:blipFill>
+              <p:spPr>
+                <a:xfrm>
+                  <a:off x="23760319" y="24693917"/>
+                  <a:ext cx="3240000" cy="3240000"/>
+                </a:xfrm>
+                <a:prstGeom prst="rect">
+                  <a:avLst/>
+                </a:prstGeom>
+              </p:spPr>
+            </p:pic>
+            <p:pic>
+              <p:nvPicPr>
+                <p:cNvPr id="47" name="그림 46">
+                  <a:extLst>
+                    <a:ext uri="{FF2B5EF4-FFF2-40B4-BE49-F238E27FC236}">
+                      <a16:creationId xmlns:a16="http://schemas.microsoft.com/office/drawing/2014/main" id="{C59C4C96-FEB0-400B-8854-45E459D0B170}"/>
+                    </a:ext>
+                  </a:extLst>
+                </p:cNvPr>
+                <p:cNvPicPr>
+                  <a:picLocks noChangeAspect="1"/>
+                </p:cNvPicPr>
+                <p:nvPr/>
+              </p:nvPicPr>
+              <p:blipFill>
+                <a:blip r:embed="rId15">
+                  <a:extLst>
+                    <a:ext uri="{28A0092B-C50C-407E-A947-70E740481C1C}">
+                      <a14:useLocalDpi xmlns:a14="http://schemas.microsoft.com/office/drawing/2010/main" val="0"/>
+                    </a:ext>
+                  </a:extLst>
+                </a:blip>
+                <a:stretch>
+                  <a:fillRect/>
+                </a:stretch>
+              </p:blipFill>
+              <p:spPr>
+                <a:xfrm>
+                  <a:off x="19980318" y="24693917"/>
+                  <a:ext cx="3240000" cy="3240000"/>
+                </a:xfrm>
+                <a:prstGeom prst="rect">
+                  <a:avLst/>
+                </a:prstGeom>
+              </p:spPr>
+            </p:pic>
+            <p:pic>
+              <p:nvPicPr>
+                <p:cNvPr id="49" name="그림 48">
+                  <a:extLst>
+                    <a:ext uri="{FF2B5EF4-FFF2-40B4-BE49-F238E27FC236}">
+                      <a16:creationId xmlns:a16="http://schemas.microsoft.com/office/drawing/2014/main" id="{49ACD768-EF8D-4286-801D-56CD8C01528A}"/>
+                    </a:ext>
+                  </a:extLst>
+                </p:cNvPr>
+                <p:cNvPicPr>
+                  <a:picLocks noChangeAspect="1"/>
+                </p:cNvPicPr>
+                <p:nvPr/>
+              </p:nvPicPr>
+              <p:blipFill>
+                <a:blip r:embed="rId16">
+                  <a:extLst>
+                    <a:ext uri="{28A0092B-C50C-407E-A947-70E740481C1C}">
+                      <a14:useLocalDpi xmlns:a14="http://schemas.microsoft.com/office/drawing/2010/main" val="0"/>
+                    </a:ext>
+                  </a:extLst>
+                </a:blip>
+                <a:stretch>
+                  <a:fillRect/>
+                </a:stretch>
+              </p:blipFill>
+              <p:spPr>
+                <a:xfrm>
+                  <a:off x="16200318" y="24693917"/>
+                  <a:ext cx="3240000" cy="3240000"/>
+                </a:xfrm>
+                <a:prstGeom prst="rect">
+                  <a:avLst/>
+                </a:prstGeom>
+              </p:spPr>
+            </p:pic>
+            <p:pic>
+              <p:nvPicPr>
+                <p:cNvPr id="51" name="그림 50">
+                  <a:extLst>
+                    <a:ext uri="{FF2B5EF4-FFF2-40B4-BE49-F238E27FC236}">
+                      <a16:creationId xmlns:a16="http://schemas.microsoft.com/office/drawing/2014/main" id="{C9220B98-1DC7-4808-95BA-7FF3D20473CA}"/>
+                    </a:ext>
+                  </a:extLst>
+                </p:cNvPr>
+                <p:cNvPicPr>
+                  <a:picLocks noChangeAspect="1"/>
+                </p:cNvPicPr>
+                <p:nvPr/>
+              </p:nvPicPr>
+              <p:blipFill>
+                <a:blip r:embed="rId17">
+                  <a:extLst>
+                    <a:ext uri="{28A0092B-C50C-407E-A947-70E740481C1C}">
+                      <a14:useLocalDpi xmlns:a14="http://schemas.microsoft.com/office/drawing/2010/main" val="0"/>
+                    </a:ext>
+                  </a:extLst>
+                </a:blip>
+                <a:stretch>
+                  <a:fillRect/>
+                </a:stretch>
+              </p:blipFill>
+              <p:spPr>
+                <a:xfrm>
+                  <a:off x="16200318" y="20913917"/>
+                  <a:ext cx="3240000" cy="3240000"/>
+                </a:xfrm>
+                <a:prstGeom prst="rect">
+                  <a:avLst/>
+                </a:prstGeom>
+              </p:spPr>
+            </p:pic>
+          </p:grpSp>
+          <p:pic>
+            <p:nvPicPr>
+              <p:cNvPr id="53" name="그림 52">
+                <a:extLst>
+                  <a:ext uri="{FF2B5EF4-FFF2-40B4-BE49-F238E27FC236}">
+                    <a16:creationId xmlns:a16="http://schemas.microsoft.com/office/drawing/2014/main" id="{67307BCD-9054-4CC7-AA0D-84D71BE70E09}"/>
+                  </a:ext>
+                </a:extLst>
+              </p:cNvPr>
+              <p:cNvPicPr>
+                <a:picLocks noChangeAspect="1"/>
+              </p:cNvPicPr>
+              <p:nvPr/>
+            </p:nvPicPr>
+            <p:blipFill>
+              <a:blip r:embed="rId18">
+                <a:extLst>
+                  <a:ext uri="{28A0092B-C50C-407E-A947-70E740481C1C}">
+                    <a14:useLocalDpi xmlns:a14="http://schemas.microsoft.com/office/drawing/2010/main" val="0"/>
+                  </a:ext>
+                </a:extLst>
+              </a:blip>
+              <a:stretch>
+                <a:fillRect/>
+              </a:stretch>
+            </p:blipFill>
+            <p:spPr>
+              <a:xfrm>
+                <a:off x="20880318" y="21813917"/>
+                <a:ext cx="1440000" cy="1440000"/>
+              </a:xfrm>
+              <a:prstGeom prst="rect">
+                <a:avLst/>
+              </a:prstGeom>
+            </p:spPr>
+          </p:pic>
+        </p:grpSp>
+      </p:grpSp>
+    </p:spTree>
+    <p:extLst>
+      <p:ext uri="{BB962C8B-B14F-4D97-AF65-F5344CB8AC3E}">
+        <p14:creationId xmlns:p14="http://schemas.microsoft.com/office/powerpoint/2010/main" val="1223534049"/>
+      </p:ext>
+    </p:extLst>
+  </p:cSld>
+  <p:clrMapOvr>
+    <a:masterClrMapping/>
+  </p:clrMapOvr>
+</p:sld>
+</file>
+
+<file path=ppt/slides/slide6.xml><?xml version="1.0" encoding="utf-8"?>
+<p:sld xmlns:a="http://schemas.openxmlformats.org/drawingml/2006/main" xmlns:r="http://schemas.openxmlformats.org/officeDocument/2006/relationships" xmlns:p="http://schemas.openxmlformats.org/presentationml/2006/main">
+  <p:cSld>
+    <p:spTree>
+      <p:nvGrpSpPr>
+        <p:cNvPr id="1" name=""/>
+        <p:cNvGrpSpPr/>
+        <p:nvPr/>
+      </p:nvGrpSpPr>
+      <p:grpSpPr>
+        <a:xfrm>
+          <a:off x="0" y="0"/>
+          <a:ext cx="0" cy="0"/>
+          <a:chOff x="0" y="0"/>
+          <a:chExt cx="0" cy="0"/>
+        </a:xfrm>
+      </p:grpSpPr>
+      <p:sp>
+        <p:nvSpPr>
+          <p:cNvPr id="25" name="TextBox 24">
+            <a:extLst>
+              <a:ext uri="{FF2B5EF4-FFF2-40B4-BE49-F238E27FC236}">
+                <a16:creationId xmlns:a16="http://schemas.microsoft.com/office/drawing/2014/main" id="{87900024-C425-48D4-8434-19D57474403D}"/>
+              </a:ext>
+            </a:extLst>
+          </p:cNvPr>
+          <p:cNvSpPr txBox="1"/>
+          <p:nvPr/>
+        </p:nvSpPr>
+        <p:spPr>
+          <a:xfrm>
+            <a:off x="9974380" y="425083"/>
+            <a:ext cx="23251878" cy="1878528"/>
+          </a:xfrm>
+          <a:prstGeom prst="rect">
+            <a:avLst/>
+          </a:prstGeom>
+          <a:noFill/>
+        </p:spPr>
+        <p:txBody>
+          <a:bodyPr wrap="none" rtlCol="0">
+            <a:spAutoFit/>
+          </a:bodyPr>
+          <a:lstStyle/>
+          <a:p>
+            <a:r>
+              <a:rPr lang="en-US" sz="11607" b="1" dirty="0">
+                <a:latin typeface="Arial" panose="020B0604020202020204" pitchFamily="34" charset="0"/>
+              </a:rPr>
+              <a:t>Integration marker 3 with margin</a:t>
+            </a:r>
+          </a:p>
+        </p:txBody>
+      </p:sp>
+      <p:grpSp>
+        <p:nvGrpSpPr>
+          <p:cNvPr id="8" name="그룹 7">
+            <a:extLst>
+              <a:ext uri="{FF2B5EF4-FFF2-40B4-BE49-F238E27FC236}">
+                <a16:creationId xmlns:a16="http://schemas.microsoft.com/office/drawing/2014/main" id="{BCCDCEC1-8155-4DE2-BD9D-EFCAA980748F}"/>
+              </a:ext>
+            </a:extLst>
+          </p:cNvPr>
+          <p:cNvGrpSpPr>
+            <a:grpSpLocks noChangeAspect="1"/>
+          </p:cNvGrpSpPr>
+          <p:nvPr/>
+        </p:nvGrpSpPr>
+        <p:grpSpPr>
+          <a:xfrm>
+            <a:off x="1800319" y="2714719"/>
+            <a:ext cx="39600000" cy="39600000"/>
+            <a:chOff x="1800319" y="2733917"/>
+            <a:chExt cx="39600000" cy="39600000"/>
+          </a:xfrm>
+        </p:grpSpPr>
+        <p:sp>
+          <p:nvSpPr>
+            <p:cNvPr id="26" name="직사각형 25">
+              <a:extLst>
+                <a:ext uri="{FF2B5EF4-FFF2-40B4-BE49-F238E27FC236}">
+                  <a16:creationId xmlns:a16="http://schemas.microsoft.com/office/drawing/2014/main" id="{07502786-20F5-4F43-A0DF-DBE8280E1BBA}"/>
+                </a:ext>
+              </a:extLst>
+            </p:cNvPr>
+            <p:cNvSpPr>
+              <a:spLocks noChangeAspect="1"/>
+            </p:cNvSpPr>
+            <p:nvPr/>
+          </p:nvSpPr>
+          <p:spPr>
+            <a:xfrm>
+              <a:off x="1800319" y="2733917"/>
+              <a:ext cx="39600000" cy="39600000"/>
+            </a:xfrm>
+            <a:prstGeom prst="rect">
+              <a:avLst/>
+            </a:prstGeom>
+            <a:solidFill>
+              <a:schemeClr val="bg1"/>
+            </a:solidFill>
+            <a:ln>
+              <a:noFill/>
+            </a:ln>
+          </p:spPr>
+          <p:style>
+            <a:lnRef idx="2">
+              <a:schemeClr val="accent1">
+                <a:shade val="50000"/>
+              </a:schemeClr>
+            </a:lnRef>
+            <a:fillRef idx="1">
+              <a:schemeClr val="accent1"/>
+            </a:fillRef>
+            <a:effectRef idx="0">
+              <a:schemeClr val="accent1"/>
+            </a:effectRef>
+            <a:fontRef idx="minor">
+              <a:schemeClr val="lt1"/>
+            </a:fontRef>
+          </p:style>
+          <p:txBody>
+            <a:bodyPr rtlCol="0" anchor="ctr"/>
+            <a:lstStyle/>
+            <a:p>
+              <a:pPr algn="ctr"/>
+              <a:endParaRPr lang="en-US" sz="2152"/>
+            </a:p>
+          </p:txBody>
+        </p:sp>
+        <p:grpSp>
+          <p:nvGrpSpPr>
+            <p:cNvPr id="7" name="그룹 6">
+              <a:extLst>
+                <a:ext uri="{FF2B5EF4-FFF2-40B4-BE49-F238E27FC236}">
+                  <a16:creationId xmlns:a16="http://schemas.microsoft.com/office/drawing/2014/main" id="{01C21C13-1343-44B7-87EC-4A4835B7449D}"/>
+                </a:ext>
+              </a:extLst>
+            </p:cNvPr>
+            <p:cNvGrpSpPr>
+              <a:grpSpLocks noChangeAspect="1"/>
+            </p:cNvGrpSpPr>
+            <p:nvPr/>
+          </p:nvGrpSpPr>
+          <p:grpSpPr>
+            <a:xfrm>
+              <a:off x="3600319" y="4533917"/>
+              <a:ext cx="36000000" cy="36000000"/>
+              <a:chOff x="26473126" y="4533917"/>
+              <a:chExt cx="36000000" cy="36000000"/>
+            </a:xfrm>
+          </p:grpSpPr>
+          <p:grpSp>
+            <p:nvGrpSpPr>
+              <p:cNvPr id="4" name="그룹 3">
+                <a:extLst>
+                  <a:ext uri="{FF2B5EF4-FFF2-40B4-BE49-F238E27FC236}">
+                    <a16:creationId xmlns:a16="http://schemas.microsoft.com/office/drawing/2014/main" id="{E12C1B46-A8C3-4505-8A3E-EBEB3475B7F9}"/>
+                  </a:ext>
+                </a:extLst>
+              </p:cNvPr>
+              <p:cNvGrpSpPr/>
+              <p:nvPr/>
+            </p:nvGrpSpPr>
+            <p:grpSpPr>
+              <a:xfrm>
+                <a:off x="26473126" y="4533917"/>
+                <a:ext cx="36000000" cy="36000000"/>
+                <a:chOff x="3600319" y="4533917"/>
+                <a:chExt cx="36000000" cy="36000000"/>
+              </a:xfrm>
+            </p:grpSpPr>
+            <p:sp>
+              <p:nvSpPr>
+                <p:cNvPr id="55" name="직사각형 54">
+                  <a:extLst>
+                    <a:ext uri="{FF2B5EF4-FFF2-40B4-BE49-F238E27FC236}">
+                      <a16:creationId xmlns:a16="http://schemas.microsoft.com/office/drawing/2014/main" id="{8C6FC87C-902E-4E17-9D5D-F3FA89C47B02}"/>
+                    </a:ext>
+                  </a:extLst>
+                </p:cNvPr>
+                <p:cNvSpPr/>
+                <p:nvPr/>
+              </p:nvSpPr>
+              <p:spPr>
+                <a:xfrm>
+                  <a:off x="3600319" y="4533917"/>
+                  <a:ext cx="36000000" cy="36000000"/>
+                </a:xfrm>
+                <a:prstGeom prst="rect">
+                  <a:avLst/>
+                </a:prstGeom>
+                <a:solidFill>
+                  <a:schemeClr val="bg1"/>
+                </a:solidFill>
+                <a:ln>
+                  <a:noFill/>
+                </a:ln>
+              </p:spPr>
+              <p:style>
+                <a:lnRef idx="2">
+                  <a:schemeClr val="accent1">
+                    <a:shade val="50000"/>
+                  </a:schemeClr>
+                </a:lnRef>
+                <a:fillRef idx="1">
+                  <a:schemeClr val="accent1"/>
+                </a:fillRef>
+                <a:effectRef idx="0">
+                  <a:schemeClr val="accent1"/>
+                </a:effectRef>
+                <a:fontRef idx="minor">
+                  <a:schemeClr val="lt1"/>
+                </a:fontRef>
+              </p:style>
+              <p:txBody>
+                <a:bodyPr rtlCol="0" anchor="ctr"/>
+                <a:lstStyle/>
+                <a:p>
+                  <a:pPr algn="ctr"/>
+                  <a:endParaRPr lang="en-US" sz="2152"/>
+                </a:p>
+              </p:txBody>
+            </p:sp>
+            <p:pic>
+              <p:nvPicPr>
+                <p:cNvPr id="21" name="그림 20">
+                  <a:extLst>
+                    <a:ext uri="{FF2B5EF4-FFF2-40B4-BE49-F238E27FC236}">
+                      <a16:creationId xmlns:a16="http://schemas.microsoft.com/office/drawing/2014/main" id="{7EEB59A8-FF04-4915-9207-10A1C8FD7086}"/>
+                    </a:ext>
+                  </a:extLst>
+                </p:cNvPr>
+                <p:cNvPicPr>
+                  <a:picLocks noChangeAspect="1"/>
+                </p:cNvPicPr>
+                <p:nvPr/>
+              </p:nvPicPr>
+              <p:blipFill>
+                <a:blip r:embed="rId2">
+                  <a:extLst>
+                    <a:ext uri="{28A0092B-C50C-407E-A947-70E740481C1C}">
+                      <a14:useLocalDpi xmlns:a14="http://schemas.microsoft.com/office/drawing/2010/main" val="0"/>
+                    </a:ext>
+                  </a:extLst>
+                </a:blip>
+                <a:stretch>
+                  <a:fillRect/>
+                </a:stretch>
+              </p:blipFill>
+              <p:spPr>
+                <a:xfrm>
+                  <a:off x="3600320" y="4533917"/>
+                  <a:ext cx="10800000" cy="10800000"/>
+                </a:xfrm>
+                <a:prstGeom prst="rect">
+                  <a:avLst/>
+                </a:prstGeom>
+              </p:spPr>
+            </p:pic>
+            <p:pic>
+              <p:nvPicPr>
+                <p:cNvPr id="22" name="그림 21">
+                  <a:extLst>
+                    <a:ext uri="{FF2B5EF4-FFF2-40B4-BE49-F238E27FC236}">
+                      <a16:creationId xmlns:a16="http://schemas.microsoft.com/office/drawing/2014/main" id="{7EBD7A37-8E94-40D0-A92A-1E0D3145A8A9}"/>
+                    </a:ext>
+                  </a:extLst>
+                </p:cNvPr>
+                <p:cNvPicPr>
+                  <a:picLocks noChangeAspect="1"/>
+                </p:cNvPicPr>
+                <p:nvPr/>
+              </p:nvPicPr>
+              <p:blipFill>
+                <a:blip r:embed="rId3">
+                  <a:extLst>
+                    <a:ext uri="{28A0092B-C50C-407E-A947-70E740481C1C}">
+                      <a14:useLocalDpi xmlns:a14="http://schemas.microsoft.com/office/drawing/2010/main" val="0"/>
+                    </a:ext>
+                  </a:extLst>
+                </a:blip>
+                <a:stretch>
+                  <a:fillRect/>
+                </a:stretch>
+              </p:blipFill>
+              <p:spPr>
+                <a:xfrm>
+                  <a:off x="16200319" y="4533917"/>
+                  <a:ext cx="10800000" cy="10800000"/>
+                </a:xfrm>
+                <a:prstGeom prst="rect">
+                  <a:avLst/>
+                </a:prstGeom>
+              </p:spPr>
+            </p:pic>
+            <p:pic>
+              <p:nvPicPr>
+                <p:cNvPr id="23" name="그림 22">
+                  <a:extLst>
+                    <a:ext uri="{FF2B5EF4-FFF2-40B4-BE49-F238E27FC236}">
+                      <a16:creationId xmlns:a16="http://schemas.microsoft.com/office/drawing/2014/main" id="{9DA5EAAA-1DB6-4EED-85F5-77577B5263F4}"/>
+                    </a:ext>
+                  </a:extLst>
+                </p:cNvPr>
+                <p:cNvPicPr>
+                  <a:picLocks noChangeAspect="1"/>
+                </p:cNvPicPr>
+                <p:nvPr/>
+              </p:nvPicPr>
+              <p:blipFill>
+                <a:blip r:embed="rId4">
+                  <a:extLst>
+                    <a:ext uri="{28A0092B-C50C-407E-A947-70E740481C1C}">
+                      <a14:useLocalDpi xmlns:a14="http://schemas.microsoft.com/office/drawing/2010/main" val="0"/>
+                    </a:ext>
+                  </a:extLst>
+                </a:blip>
+                <a:stretch>
+                  <a:fillRect/>
+                </a:stretch>
+              </p:blipFill>
+              <p:spPr>
+                <a:xfrm>
+                  <a:off x="28800319" y="17133917"/>
+                  <a:ext cx="10800000" cy="10800000"/>
+                </a:xfrm>
+                <a:prstGeom prst="rect">
+                  <a:avLst/>
+                </a:prstGeom>
+              </p:spPr>
+            </p:pic>
+            <p:pic>
+              <p:nvPicPr>
+                <p:cNvPr id="24" name="그림 23">
+                  <a:extLst>
+                    <a:ext uri="{FF2B5EF4-FFF2-40B4-BE49-F238E27FC236}">
+                      <a16:creationId xmlns:a16="http://schemas.microsoft.com/office/drawing/2014/main" id="{E0E1BF56-3BFA-4FC1-BD2F-CB012B356025}"/>
+                    </a:ext>
+                  </a:extLst>
+                </p:cNvPr>
+                <p:cNvPicPr>
+                  <a:picLocks noChangeAspect="1"/>
+                </p:cNvPicPr>
+                <p:nvPr/>
+              </p:nvPicPr>
+              <p:blipFill>
+                <a:blip r:embed="rId5">
+                  <a:extLst>
+                    <a:ext uri="{28A0092B-C50C-407E-A947-70E740481C1C}">
+                      <a14:useLocalDpi xmlns:a14="http://schemas.microsoft.com/office/drawing/2010/main" val="0"/>
+                    </a:ext>
+                  </a:extLst>
+                </a:blip>
+                <a:stretch>
+                  <a:fillRect/>
+                </a:stretch>
+              </p:blipFill>
+              <p:spPr>
+                <a:xfrm>
+                  <a:off x="28800319" y="4533917"/>
+                  <a:ext cx="10800000" cy="10800000"/>
+                </a:xfrm>
+                <a:prstGeom prst="rect">
+                  <a:avLst/>
+                </a:prstGeom>
+              </p:spPr>
+            </p:pic>
+            <p:pic>
+              <p:nvPicPr>
+                <p:cNvPr id="3" name="그림 2">
+                  <a:extLst>
+                    <a:ext uri="{FF2B5EF4-FFF2-40B4-BE49-F238E27FC236}">
+                      <a16:creationId xmlns:a16="http://schemas.microsoft.com/office/drawing/2014/main" id="{DD4FA6AC-295E-4178-AD52-C9BB972BC06F}"/>
+                    </a:ext>
+                  </a:extLst>
+                </p:cNvPr>
+                <p:cNvPicPr>
+                  <a:picLocks noChangeAspect="1"/>
+                </p:cNvPicPr>
+                <p:nvPr/>
+              </p:nvPicPr>
+              <p:blipFill>
+                <a:blip r:embed="rId6">
+                  <a:extLst>
+                    <a:ext uri="{28A0092B-C50C-407E-A947-70E740481C1C}">
+                      <a14:useLocalDpi xmlns:a14="http://schemas.microsoft.com/office/drawing/2010/main" val="0"/>
+                    </a:ext>
+                  </a:extLst>
+                </a:blip>
+                <a:stretch>
+                  <a:fillRect/>
+                </a:stretch>
+              </p:blipFill>
+              <p:spPr>
+                <a:xfrm>
+                  <a:off x="28800319" y="29733917"/>
+                  <a:ext cx="10800000" cy="10800000"/>
+                </a:xfrm>
+                <a:prstGeom prst="rect">
+                  <a:avLst/>
+                </a:prstGeom>
+              </p:spPr>
+            </p:pic>
+            <p:pic>
+              <p:nvPicPr>
+                <p:cNvPr id="29" name="그림 28">
+                  <a:extLst>
+                    <a:ext uri="{FF2B5EF4-FFF2-40B4-BE49-F238E27FC236}">
+                      <a16:creationId xmlns:a16="http://schemas.microsoft.com/office/drawing/2014/main" id="{982EA5FD-40E7-4D14-80DF-6624B5980BD3}"/>
+                    </a:ext>
+                  </a:extLst>
+                </p:cNvPr>
+                <p:cNvPicPr>
+                  <a:picLocks noChangeAspect="1"/>
+                </p:cNvPicPr>
+                <p:nvPr/>
+              </p:nvPicPr>
+              <p:blipFill>
+                <a:blip r:embed="rId7">
+                  <a:extLst>
+                    <a:ext uri="{28A0092B-C50C-407E-A947-70E740481C1C}">
+                      <a14:useLocalDpi xmlns:a14="http://schemas.microsoft.com/office/drawing/2010/main" val="0"/>
+                    </a:ext>
+                  </a:extLst>
+                </a:blip>
+                <a:stretch>
+                  <a:fillRect/>
+                </a:stretch>
+              </p:blipFill>
+              <p:spPr>
+                <a:xfrm>
+                  <a:off x="16200319" y="29733917"/>
+                  <a:ext cx="10800000" cy="10800000"/>
+                </a:xfrm>
+                <a:prstGeom prst="rect">
+                  <a:avLst/>
+                </a:prstGeom>
+              </p:spPr>
+            </p:pic>
+            <p:pic>
+              <p:nvPicPr>
+                <p:cNvPr id="31" name="그림 30">
+                  <a:extLst>
+                    <a:ext uri="{FF2B5EF4-FFF2-40B4-BE49-F238E27FC236}">
+                      <a16:creationId xmlns:a16="http://schemas.microsoft.com/office/drawing/2014/main" id="{8E1D0A1A-9B41-441C-A8F5-E6C91F8D8C5C}"/>
+                    </a:ext>
+                  </a:extLst>
+                </p:cNvPr>
+                <p:cNvPicPr>
+                  <a:picLocks noChangeAspect="1"/>
+                </p:cNvPicPr>
+                <p:nvPr/>
+              </p:nvPicPr>
+              <p:blipFill>
+                <a:blip r:embed="rId8">
+                  <a:extLst>
+                    <a:ext uri="{28A0092B-C50C-407E-A947-70E740481C1C}">
+                      <a14:useLocalDpi xmlns:a14="http://schemas.microsoft.com/office/drawing/2010/main" val="0"/>
+                    </a:ext>
+                  </a:extLst>
+                </a:blip>
+                <a:stretch>
+                  <a:fillRect/>
+                </a:stretch>
+              </p:blipFill>
+              <p:spPr>
+                <a:xfrm>
+                  <a:off x="3600320" y="29733917"/>
+                  <a:ext cx="10800000" cy="10800000"/>
+                </a:xfrm>
+                <a:prstGeom prst="rect">
+                  <a:avLst/>
+                </a:prstGeom>
+              </p:spPr>
+            </p:pic>
+            <p:pic>
+              <p:nvPicPr>
+                <p:cNvPr id="33" name="그림 32">
+                  <a:extLst>
+                    <a:ext uri="{FF2B5EF4-FFF2-40B4-BE49-F238E27FC236}">
+                      <a16:creationId xmlns:a16="http://schemas.microsoft.com/office/drawing/2014/main" id="{56370C09-F8B7-4C9C-832B-E102446AB15F}"/>
+                    </a:ext>
+                  </a:extLst>
+                </p:cNvPr>
+                <p:cNvPicPr>
+                  <a:picLocks noChangeAspect="1"/>
+                </p:cNvPicPr>
+                <p:nvPr/>
+              </p:nvPicPr>
+              <p:blipFill>
+                <a:blip r:embed="rId9">
+                  <a:extLst>
+                    <a:ext uri="{28A0092B-C50C-407E-A947-70E740481C1C}">
+                      <a14:useLocalDpi xmlns:a14="http://schemas.microsoft.com/office/drawing/2010/main" val="0"/>
+                    </a:ext>
+                  </a:extLst>
+                </a:blip>
+                <a:stretch>
+                  <a:fillRect/>
+                </a:stretch>
+              </p:blipFill>
+              <p:spPr>
+                <a:xfrm>
+                  <a:off x="3600320" y="17133917"/>
+                  <a:ext cx="10800000" cy="10800000"/>
+                </a:xfrm>
+                <a:prstGeom prst="rect">
+                  <a:avLst/>
+                </a:prstGeom>
+              </p:spPr>
+            </p:pic>
+          </p:grpSp>
+          <p:grpSp>
+            <p:nvGrpSpPr>
+              <p:cNvPr id="6" name="그룹 5">
+                <a:extLst>
+                  <a:ext uri="{FF2B5EF4-FFF2-40B4-BE49-F238E27FC236}">
+                    <a16:creationId xmlns:a16="http://schemas.microsoft.com/office/drawing/2014/main" id="{27F75F6F-5438-4889-81EC-8627D5E22E58}"/>
+                  </a:ext>
+                </a:extLst>
+              </p:cNvPr>
+              <p:cNvGrpSpPr>
+                <a:grpSpLocks noChangeAspect="1"/>
+              </p:cNvGrpSpPr>
+              <p:nvPr/>
+            </p:nvGrpSpPr>
+            <p:grpSpPr>
+              <a:xfrm>
+                <a:off x="39073126" y="17133917"/>
+                <a:ext cx="10800001" cy="10800000"/>
+                <a:chOff x="16200318" y="17133917"/>
+                <a:chExt cx="10800001" cy="10800000"/>
+              </a:xfrm>
+            </p:grpSpPr>
+            <p:grpSp>
+              <p:nvGrpSpPr>
+                <p:cNvPr id="5" name="그룹 4">
+                  <a:extLst>
+                    <a:ext uri="{FF2B5EF4-FFF2-40B4-BE49-F238E27FC236}">
+                      <a16:creationId xmlns:a16="http://schemas.microsoft.com/office/drawing/2014/main" id="{3A5151D6-F1A8-4C68-BE1E-6D6EEFEC9678}"/>
+                    </a:ext>
+                  </a:extLst>
+                </p:cNvPr>
+                <p:cNvGrpSpPr>
+                  <a:grpSpLocks noChangeAspect="1"/>
+                </p:cNvGrpSpPr>
+                <p:nvPr/>
+              </p:nvGrpSpPr>
+              <p:grpSpPr>
+                <a:xfrm>
+                  <a:off x="16200318" y="17133917"/>
+                  <a:ext cx="10800001" cy="10800000"/>
+                  <a:chOff x="16200318" y="17133917"/>
+                  <a:chExt cx="10800001" cy="10800000"/>
+                </a:xfrm>
+              </p:grpSpPr>
+              <p:sp>
+                <p:nvSpPr>
+                  <p:cNvPr id="14" name="직사각형 13">
+                    <a:extLst>
+                      <a:ext uri="{FF2B5EF4-FFF2-40B4-BE49-F238E27FC236}">
+                        <a16:creationId xmlns:a16="http://schemas.microsoft.com/office/drawing/2014/main" id="{EB82289C-B3FF-42BF-BCD0-0E85F7901C15}"/>
+                      </a:ext>
+                    </a:extLst>
+                  </p:cNvPr>
+                  <p:cNvSpPr>
+                    <a:spLocks noChangeAspect="1"/>
+                  </p:cNvSpPr>
+                  <p:nvPr/>
+                </p:nvSpPr>
+                <p:spPr>
+                  <a:xfrm>
+                    <a:off x="16200318" y="17133917"/>
+                    <a:ext cx="10800000" cy="10800000"/>
+                  </a:xfrm>
+                  <a:prstGeom prst="rect">
+                    <a:avLst/>
+                  </a:prstGeom>
+                  <a:solidFill>
+                    <a:schemeClr val="bg1"/>
+                  </a:solidFill>
+                  <a:ln>
+                    <a:noFill/>
+                  </a:ln>
+                </p:spPr>
+                <p:style>
+                  <a:lnRef idx="2">
+                    <a:schemeClr val="accent1">
+                      <a:shade val="50000"/>
+                    </a:schemeClr>
+                  </a:lnRef>
+                  <a:fillRef idx="1">
+                    <a:schemeClr val="accent1"/>
+                  </a:fillRef>
+                  <a:effectRef idx="0">
+                    <a:schemeClr val="accent1"/>
+                  </a:effectRef>
+                  <a:fontRef idx="minor">
+                    <a:schemeClr val="lt1"/>
+                  </a:fontRef>
+                </p:style>
+                <p:txBody>
+                  <a:bodyPr rtlCol="0" anchor="ctr"/>
+                  <a:lstStyle/>
+                  <a:p>
+                    <a:pPr algn="ctr"/>
+                    <a:endParaRPr lang="en-US" sz="2152"/>
+                  </a:p>
+                </p:txBody>
+              </p:sp>
+              <p:pic>
+                <p:nvPicPr>
+                  <p:cNvPr id="37" name="그림 36">
+                    <a:extLst>
+                      <a:ext uri="{FF2B5EF4-FFF2-40B4-BE49-F238E27FC236}">
+                        <a16:creationId xmlns:a16="http://schemas.microsoft.com/office/drawing/2014/main" id="{757220ED-3FB8-499F-A115-753735506A11}"/>
+                      </a:ext>
+                    </a:extLst>
+                  </p:cNvPr>
+                  <p:cNvPicPr>
+                    <a:picLocks noChangeAspect="1"/>
+                  </p:cNvPicPr>
+                  <p:nvPr/>
+                </p:nvPicPr>
+                <p:blipFill>
+                  <a:blip r:embed="rId10">
+                    <a:extLst>
+                      <a:ext uri="{28A0092B-C50C-407E-A947-70E740481C1C}">
+                        <a14:useLocalDpi xmlns:a14="http://schemas.microsoft.com/office/drawing/2010/main" val="0"/>
+                      </a:ext>
+                    </a:extLst>
+                  </a:blip>
+                  <a:stretch>
+                    <a:fillRect/>
+                  </a:stretch>
+                </p:blipFill>
+                <p:spPr>
+                  <a:xfrm>
+                    <a:off x="16200318" y="17133917"/>
+                    <a:ext cx="3240000" cy="3240000"/>
+                  </a:xfrm>
+                  <a:prstGeom prst="rect">
+                    <a:avLst/>
+                  </a:prstGeom>
+                </p:spPr>
+              </p:pic>
+              <p:pic>
+                <p:nvPicPr>
+                  <p:cNvPr id="39" name="그림 38">
+                    <a:extLst>
+                      <a:ext uri="{FF2B5EF4-FFF2-40B4-BE49-F238E27FC236}">
+                        <a16:creationId xmlns:a16="http://schemas.microsoft.com/office/drawing/2014/main" id="{70B05AC8-BD0B-4258-BBDD-CD3E57862488}"/>
+                      </a:ext>
+                    </a:extLst>
+                  </p:cNvPr>
+                  <p:cNvPicPr>
+                    <a:picLocks noChangeAspect="1"/>
+                  </p:cNvPicPr>
+                  <p:nvPr/>
+                </p:nvPicPr>
+                <p:blipFill>
+                  <a:blip r:embed="rId11">
+                    <a:extLst>
+                      <a:ext uri="{28A0092B-C50C-407E-A947-70E740481C1C}">
+                        <a14:useLocalDpi xmlns:a14="http://schemas.microsoft.com/office/drawing/2010/main" val="0"/>
+                      </a:ext>
+                    </a:extLst>
+                  </a:blip>
+                  <a:stretch>
+                    <a:fillRect/>
+                  </a:stretch>
+                </p:blipFill>
+                <p:spPr>
+                  <a:xfrm>
+                    <a:off x="19980318" y="17133917"/>
+                    <a:ext cx="3240000" cy="3240000"/>
+                  </a:xfrm>
+                  <a:prstGeom prst="rect">
+                    <a:avLst/>
+                  </a:prstGeom>
+                </p:spPr>
+              </p:pic>
+              <p:pic>
+                <p:nvPicPr>
+                  <p:cNvPr id="41" name="그림 40">
+                    <a:extLst>
+                      <a:ext uri="{FF2B5EF4-FFF2-40B4-BE49-F238E27FC236}">
+                        <a16:creationId xmlns:a16="http://schemas.microsoft.com/office/drawing/2014/main" id="{788E18D8-CE55-4CB0-A970-AC82AC582205}"/>
+                      </a:ext>
+                    </a:extLst>
+                  </p:cNvPr>
+                  <p:cNvPicPr>
+                    <a:picLocks noChangeAspect="1"/>
+                  </p:cNvPicPr>
+                  <p:nvPr/>
+                </p:nvPicPr>
+                <p:blipFill>
+                  <a:blip r:embed="rId12">
+                    <a:extLst>
+                      <a:ext uri="{28A0092B-C50C-407E-A947-70E740481C1C}">
+                        <a14:useLocalDpi xmlns:a14="http://schemas.microsoft.com/office/drawing/2010/main" val="0"/>
+                      </a:ext>
+                    </a:extLst>
+                  </a:blip>
+                  <a:stretch>
+                    <a:fillRect/>
+                  </a:stretch>
+                </p:blipFill>
+                <p:spPr>
+                  <a:xfrm>
+                    <a:off x="23760319" y="17133917"/>
+                    <a:ext cx="3240000" cy="3240000"/>
+                  </a:xfrm>
+                  <a:prstGeom prst="rect">
+                    <a:avLst/>
+                  </a:prstGeom>
+                </p:spPr>
+              </p:pic>
+              <p:pic>
+                <p:nvPicPr>
+                  <p:cNvPr id="43" name="그림 42">
+                    <a:extLst>
+                      <a:ext uri="{FF2B5EF4-FFF2-40B4-BE49-F238E27FC236}">
+                        <a16:creationId xmlns:a16="http://schemas.microsoft.com/office/drawing/2014/main" id="{2C3946A2-96D5-40E8-B70B-26D28D49FCA8}"/>
+                      </a:ext>
+                    </a:extLst>
+                  </p:cNvPr>
+                  <p:cNvPicPr>
+                    <a:picLocks noChangeAspect="1"/>
+                  </p:cNvPicPr>
+                  <p:nvPr/>
+                </p:nvPicPr>
+                <p:blipFill>
+                  <a:blip r:embed="rId13">
+                    <a:extLst>
+                      <a:ext uri="{28A0092B-C50C-407E-A947-70E740481C1C}">
+                        <a14:useLocalDpi xmlns:a14="http://schemas.microsoft.com/office/drawing/2010/main" val="0"/>
+                      </a:ext>
+                    </a:extLst>
+                  </a:blip>
+                  <a:stretch>
+                    <a:fillRect/>
+                  </a:stretch>
+                </p:blipFill>
+                <p:spPr>
+                  <a:xfrm>
+                    <a:off x="23760319" y="20913917"/>
+                    <a:ext cx="3240000" cy="3240000"/>
+                  </a:xfrm>
+                  <a:prstGeom prst="rect">
+                    <a:avLst/>
+                  </a:prstGeom>
+                </p:spPr>
+              </p:pic>
+              <p:pic>
+                <p:nvPicPr>
+                  <p:cNvPr id="45" name="그림 44">
+                    <a:extLst>
+                      <a:ext uri="{FF2B5EF4-FFF2-40B4-BE49-F238E27FC236}">
+                        <a16:creationId xmlns:a16="http://schemas.microsoft.com/office/drawing/2014/main" id="{E758D147-9DE0-42E6-9AA5-053B952A7C63}"/>
+                      </a:ext>
+                    </a:extLst>
+                  </p:cNvPr>
+                  <p:cNvPicPr>
+                    <a:picLocks noChangeAspect="1"/>
+                  </p:cNvPicPr>
+                  <p:nvPr/>
+                </p:nvPicPr>
+                <p:blipFill>
+                  <a:blip r:embed="rId14">
+                    <a:extLst>
+                      <a:ext uri="{28A0092B-C50C-407E-A947-70E740481C1C}">
+                        <a14:useLocalDpi xmlns:a14="http://schemas.microsoft.com/office/drawing/2010/main" val="0"/>
+                      </a:ext>
+                    </a:extLst>
+                  </a:blip>
+                  <a:stretch>
+                    <a:fillRect/>
+                  </a:stretch>
+                </p:blipFill>
+                <p:spPr>
+                  <a:xfrm>
+                    <a:off x="23760319" y="24693917"/>
+                    <a:ext cx="3240000" cy="3240000"/>
+                  </a:xfrm>
+                  <a:prstGeom prst="rect">
+                    <a:avLst/>
+                  </a:prstGeom>
+                </p:spPr>
+              </p:pic>
+              <p:pic>
+                <p:nvPicPr>
+                  <p:cNvPr id="47" name="그림 46">
+                    <a:extLst>
+                      <a:ext uri="{FF2B5EF4-FFF2-40B4-BE49-F238E27FC236}">
+                        <a16:creationId xmlns:a16="http://schemas.microsoft.com/office/drawing/2014/main" id="{C59C4C96-FEB0-400B-8854-45E459D0B170}"/>
+                      </a:ext>
+                    </a:extLst>
+                  </p:cNvPr>
+                  <p:cNvPicPr>
+                    <a:picLocks noChangeAspect="1"/>
+                  </p:cNvPicPr>
+                  <p:nvPr/>
+                </p:nvPicPr>
+                <p:blipFill>
+                  <a:blip r:embed="rId15">
+                    <a:extLst>
+                      <a:ext uri="{28A0092B-C50C-407E-A947-70E740481C1C}">
+                        <a14:useLocalDpi xmlns:a14="http://schemas.microsoft.com/office/drawing/2010/main" val="0"/>
+                      </a:ext>
+                    </a:extLst>
+                  </a:blip>
+                  <a:stretch>
+                    <a:fillRect/>
+                  </a:stretch>
+                </p:blipFill>
+                <p:spPr>
+                  <a:xfrm>
+                    <a:off x="19980318" y="24693917"/>
+                    <a:ext cx="3240000" cy="3240000"/>
+                  </a:xfrm>
+                  <a:prstGeom prst="rect">
+                    <a:avLst/>
+                  </a:prstGeom>
+                </p:spPr>
+              </p:pic>
+              <p:pic>
+                <p:nvPicPr>
+                  <p:cNvPr id="49" name="그림 48">
+                    <a:extLst>
+                      <a:ext uri="{FF2B5EF4-FFF2-40B4-BE49-F238E27FC236}">
+                        <a16:creationId xmlns:a16="http://schemas.microsoft.com/office/drawing/2014/main" id="{49ACD768-EF8D-4286-801D-56CD8C01528A}"/>
+                      </a:ext>
+                    </a:extLst>
+                  </p:cNvPr>
+                  <p:cNvPicPr>
+                    <a:picLocks noChangeAspect="1"/>
+                  </p:cNvPicPr>
+                  <p:nvPr/>
+                </p:nvPicPr>
+                <p:blipFill>
+                  <a:blip r:embed="rId16">
+                    <a:extLst>
+                      <a:ext uri="{28A0092B-C50C-407E-A947-70E740481C1C}">
+                        <a14:useLocalDpi xmlns:a14="http://schemas.microsoft.com/office/drawing/2010/main" val="0"/>
+                      </a:ext>
+                    </a:extLst>
+                  </a:blip>
+                  <a:stretch>
+                    <a:fillRect/>
+                  </a:stretch>
+                </p:blipFill>
+                <p:spPr>
+                  <a:xfrm>
+                    <a:off x="16200318" y="24693917"/>
+                    <a:ext cx="3240000" cy="3240000"/>
+                  </a:xfrm>
+                  <a:prstGeom prst="rect">
+                    <a:avLst/>
+                  </a:prstGeom>
+                </p:spPr>
+              </p:pic>
+              <p:pic>
+                <p:nvPicPr>
+                  <p:cNvPr id="51" name="그림 50">
+                    <a:extLst>
+                      <a:ext uri="{FF2B5EF4-FFF2-40B4-BE49-F238E27FC236}">
+                        <a16:creationId xmlns:a16="http://schemas.microsoft.com/office/drawing/2014/main" id="{C9220B98-1DC7-4808-95BA-7FF3D20473CA}"/>
+                      </a:ext>
+                    </a:extLst>
+                  </p:cNvPr>
+                  <p:cNvPicPr>
+                    <a:picLocks noChangeAspect="1"/>
+                  </p:cNvPicPr>
+                  <p:nvPr/>
+                </p:nvPicPr>
+                <p:blipFill>
+                  <a:blip r:embed="rId17">
+                    <a:extLst>
+                      <a:ext uri="{28A0092B-C50C-407E-A947-70E740481C1C}">
+                        <a14:useLocalDpi xmlns:a14="http://schemas.microsoft.com/office/drawing/2010/main" val="0"/>
+                      </a:ext>
+                    </a:extLst>
+                  </a:blip>
+                  <a:stretch>
+                    <a:fillRect/>
+                  </a:stretch>
+                </p:blipFill>
+                <p:spPr>
+                  <a:xfrm>
+                    <a:off x="16200318" y="20913917"/>
+                    <a:ext cx="3240000" cy="3240000"/>
+                  </a:xfrm>
+                  <a:prstGeom prst="rect">
+                    <a:avLst/>
+                  </a:prstGeom>
+                </p:spPr>
+              </p:pic>
+            </p:grpSp>
+            <p:pic>
+              <p:nvPicPr>
+                <p:cNvPr id="53" name="그림 52">
+                  <a:extLst>
+                    <a:ext uri="{FF2B5EF4-FFF2-40B4-BE49-F238E27FC236}">
+                      <a16:creationId xmlns:a16="http://schemas.microsoft.com/office/drawing/2014/main" id="{67307BCD-9054-4CC7-AA0D-84D71BE70E09}"/>
+                    </a:ext>
+                  </a:extLst>
+                </p:cNvPr>
+                <p:cNvPicPr>
+                  <a:picLocks noChangeAspect="1"/>
+                </p:cNvPicPr>
+                <p:nvPr/>
+              </p:nvPicPr>
+              <p:blipFill>
+                <a:blip r:embed="rId18">
+                  <a:extLst>
+                    <a:ext uri="{28A0092B-C50C-407E-A947-70E740481C1C}">
+                      <a14:useLocalDpi xmlns:a14="http://schemas.microsoft.com/office/drawing/2010/main" val="0"/>
+                    </a:ext>
+                  </a:extLst>
+                </a:blip>
+                <a:stretch>
+                  <a:fillRect/>
+                </a:stretch>
+              </p:blipFill>
+              <p:spPr>
+                <a:xfrm>
+                  <a:off x="20880318" y="21813917"/>
+                  <a:ext cx="1440000" cy="1440000"/>
+                </a:xfrm>
+                <a:prstGeom prst="rect">
+                  <a:avLst/>
+                </a:prstGeom>
+              </p:spPr>
+            </p:pic>
+          </p:grpSp>
+        </p:grpSp>
+      </p:grpSp>
+      <p:cxnSp>
+        <p:nvCxnSpPr>
+          <p:cNvPr id="10" name="직선 연결선 9">
+            <a:extLst>
+              <a:ext uri="{FF2B5EF4-FFF2-40B4-BE49-F238E27FC236}">
+                <a16:creationId xmlns:a16="http://schemas.microsoft.com/office/drawing/2014/main" id="{0BE3E279-2044-48E3-BBE3-8FE5F3348BD3}"/>
+              </a:ext>
+            </a:extLst>
+          </p:cNvPr>
+          <p:cNvCxnSpPr>
+            <a:cxnSpLocks/>
+          </p:cNvCxnSpPr>
+          <p:nvPr/>
+        </p:nvCxnSpPr>
+        <p:spPr>
+          <a:xfrm>
+            <a:off x="21600319" y="47506723"/>
+            <a:ext cx="18000000" cy="0"/>
+          </a:xfrm>
+          <a:prstGeom prst="line">
+            <a:avLst/>
+          </a:prstGeom>
+          <a:ln>
+            <a:solidFill>
+              <a:srgbClr val="FF0000"/>
+            </a:solidFill>
+          </a:ln>
+        </p:spPr>
+        <p:style>
+          <a:lnRef idx="1">
+            <a:schemeClr val="accent2"/>
+          </a:lnRef>
+          <a:fillRef idx="0">
+            <a:schemeClr val="accent2"/>
+          </a:fillRef>
+          <a:effectRef idx="0">
+            <a:schemeClr val="accent2"/>
+          </a:effectRef>
+          <a:fontRef idx="minor">
+            <a:schemeClr val="tx1"/>
+          </a:fontRef>
+        </p:style>
+      </p:cxnSp>
+      <p:sp>
+        <p:nvSpPr>
+          <p:cNvPr id="11" name="TextBox 10">
+            <a:extLst>
+              <a:ext uri="{FF2B5EF4-FFF2-40B4-BE49-F238E27FC236}">
+                <a16:creationId xmlns:a16="http://schemas.microsoft.com/office/drawing/2014/main" id="{5DC37CF1-FE6E-4DEF-9A0F-7A3126E20D6A}"/>
+              </a:ext>
+            </a:extLst>
+          </p:cNvPr>
+          <p:cNvSpPr txBox="1"/>
+          <p:nvPr/>
+        </p:nvSpPr>
+        <p:spPr>
+          <a:xfrm>
+            <a:off x="26109139" y="47900229"/>
+            <a:ext cx="8982360" cy="1446550"/>
+          </a:xfrm>
+          <a:prstGeom prst="rect">
+            <a:avLst/>
+          </a:prstGeom>
+          <a:noFill/>
+        </p:spPr>
+        <p:txBody>
+          <a:bodyPr wrap="square" rtlCol="0" anchor="ctr" anchorCtr="1">
+            <a:spAutoFit/>
+          </a:bodyPr>
+          <a:lstStyle/>
+          <a:p>
+            <a:pPr algn="ctr"/>
+            <a:r>
+              <a:rPr lang="en-US" sz="8800" dirty="0">
+                <a:latin typeface="Arial" panose="020B0604020202020204" pitchFamily="34" charset="0"/>
+              </a:rPr>
+              <a:t>50 cm</a:t>
+            </a:r>
+          </a:p>
+        </p:txBody>
+      </p:sp>
+      <p:cxnSp>
+        <p:nvCxnSpPr>
+          <p:cNvPr id="15" name="직선 연결선 14">
+            <a:extLst>
+              <a:ext uri="{FF2B5EF4-FFF2-40B4-BE49-F238E27FC236}">
+                <a16:creationId xmlns:a16="http://schemas.microsoft.com/office/drawing/2014/main" id="{340EAD5E-F702-4C7F-B5AC-65EA2EDC5A95}"/>
+              </a:ext>
+            </a:extLst>
+          </p:cNvPr>
+          <p:cNvCxnSpPr>
+            <a:cxnSpLocks/>
+          </p:cNvCxnSpPr>
+          <p:nvPr/>
+        </p:nvCxnSpPr>
+        <p:spPr>
+          <a:xfrm>
+            <a:off x="21600319" y="-7416800"/>
+            <a:ext cx="0" cy="56896000"/>
+          </a:xfrm>
+          <a:prstGeom prst="line">
+            <a:avLst/>
+          </a:prstGeom>
+        </p:spPr>
+        <p:style>
+          <a:lnRef idx="1">
+            <a:schemeClr val="accent1"/>
+          </a:lnRef>
+          <a:fillRef idx="0">
+            <a:schemeClr val="accent1"/>
+          </a:fillRef>
+          <a:effectRef idx="0">
+            <a:schemeClr val="accent1"/>
+          </a:effectRef>
+          <a:fontRef idx="minor">
+            <a:schemeClr val="tx1"/>
+          </a:fontRef>
+        </p:style>
+      </p:cxnSp>
+      <p:cxnSp>
+        <p:nvCxnSpPr>
+          <p:cNvPr id="40" name="직선 연결선 39">
+            <a:extLst>
+              <a:ext uri="{FF2B5EF4-FFF2-40B4-BE49-F238E27FC236}">
+                <a16:creationId xmlns:a16="http://schemas.microsoft.com/office/drawing/2014/main" id="{465C0D3A-12C8-4660-9083-FEC00BEB5816}"/>
+              </a:ext>
+            </a:extLst>
+          </p:cNvPr>
+          <p:cNvCxnSpPr>
+            <a:cxnSpLocks/>
+          </p:cNvCxnSpPr>
+          <p:nvPr/>
+        </p:nvCxnSpPr>
+        <p:spPr>
+          <a:xfrm>
+            <a:off x="39600319" y="-7416800"/>
+            <a:ext cx="0" cy="56896000"/>
+          </a:xfrm>
+          <a:prstGeom prst="line">
+            <a:avLst/>
+          </a:prstGeom>
+        </p:spPr>
+        <p:style>
+          <a:lnRef idx="1">
+            <a:schemeClr val="accent1"/>
+          </a:lnRef>
+          <a:fillRef idx="0">
+            <a:schemeClr val="accent1"/>
+          </a:fillRef>
+          <a:effectRef idx="0">
+            <a:schemeClr val="accent1"/>
+          </a:effectRef>
+          <a:fontRef idx="minor">
+            <a:schemeClr val="tx1"/>
+          </a:fontRef>
+        </p:style>
+      </p:cxnSp>
+      <p:cxnSp>
+        <p:nvCxnSpPr>
+          <p:cNvPr id="42" name="직선 연결선 41">
+            <a:extLst>
+              <a:ext uri="{FF2B5EF4-FFF2-40B4-BE49-F238E27FC236}">
+                <a16:creationId xmlns:a16="http://schemas.microsoft.com/office/drawing/2014/main" id="{2DFF93E5-F7B6-472F-B933-055DB018AF1F}"/>
+              </a:ext>
+            </a:extLst>
+          </p:cNvPr>
+          <p:cNvCxnSpPr>
+            <a:cxnSpLocks/>
+          </p:cNvCxnSpPr>
+          <p:nvPr/>
+        </p:nvCxnSpPr>
+        <p:spPr>
+          <a:xfrm>
+            <a:off x="34200319" y="42854719"/>
+            <a:ext cx="5400000" cy="0"/>
+          </a:xfrm>
+          <a:prstGeom prst="line">
+            <a:avLst/>
+          </a:prstGeom>
+          <a:ln>
+            <a:solidFill>
+              <a:srgbClr val="FF0000"/>
+            </a:solidFill>
+          </a:ln>
+        </p:spPr>
+        <p:style>
+          <a:lnRef idx="1">
+            <a:schemeClr val="accent2"/>
+          </a:lnRef>
+          <a:fillRef idx="0">
+            <a:schemeClr val="accent2"/>
+          </a:fillRef>
+          <a:effectRef idx="0">
+            <a:schemeClr val="accent2"/>
+          </a:effectRef>
+          <a:fontRef idx="minor">
+            <a:schemeClr val="tx1"/>
+          </a:fontRef>
+        </p:style>
+      </p:cxnSp>
+      <p:sp>
+        <p:nvSpPr>
+          <p:cNvPr id="44" name="TextBox 43">
+            <a:extLst>
+              <a:ext uri="{FF2B5EF4-FFF2-40B4-BE49-F238E27FC236}">
+                <a16:creationId xmlns:a16="http://schemas.microsoft.com/office/drawing/2014/main" id="{BAE7BC1C-9C2D-4243-9CA5-F27555BF7C5E}"/>
+              </a:ext>
+            </a:extLst>
+          </p:cNvPr>
+          <p:cNvSpPr txBox="1"/>
+          <p:nvPr/>
+        </p:nvSpPr>
+        <p:spPr>
+          <a:xfrm>
+            <a:off x="35126439" y="43184279"/>
+            <a:ext cx="3547760" cy="1446550"/>
+          </a:xfrm>
+          <a:prstGeom prst="rect">
+            <a:avLst/>
+          </a:prstGeom>
+          <a:noFill/>
+        </p:spPr>
+        <p:txBody>
+          <a:bodyPr wrap="square" rtlCol="0" anchor="ctr" anchorCtr="1">
+            <a:spAutoFit/>
+          </a:bodyPr>
+          <a:lstStyle/>
+          <a:p>
+            <a:pPr algn="ctr"/>
+            <a:r>
+              <a:rPr lang="en-US" sz="8800" dirty="0">
+                <a:latin typeface="Arial" panose="020B0604020202020204" pitchFamily="34" charset="0"/>
+              </a:rPr>
+              <a:t>15 cm</a:t>
+            </a:r>
+          </a:p>
+        </p:txBody>
+      </p:sp>
+      <p:cxnSp>
+        <p:nvCxnSpPr>
+          <p:cNvPr id="46" name="직선 연결선 45">
+            <a:extLst>
+              <a:ext uri="{FF2B5EF4-FFF2-40B4-BE49-F238E27FC236}">
+                <a16:creationId xmlns:a16="http://schemas.microsoft.com/office/drawing/2014/main" id="{62507DBD-882C-43D5-9509-E5601FCADCD3}"/>
+              </a:ext>
+            </a:extLst>
+          </p:cNvPr>
+          <p:cNvCxnSpPr>
+            <a:cxnSpLocks/>
+          </p:cNvCxnSpPr>
+          <p:nvPr/>
+        </p:nvCxnSpPr>
+        <p:spPr>
+          <a:xfrm>
+            <a:off x="34200319" y="-7416800"/>
+            <a:ext cx="0" cy="56896000"/>
+          </a:xfrm>
+          <a:prstGeom prst="line">
+            <a:avLst/>
+          </a:prstGeom>
+        </p:spPr>
+        <p:style>
+          <a:lnRef idx="1">
+            <a:schemeClr val="accent1"/>
+          </a:lnRef>
+          <a:fillRef idx="0">
+            <a:schemeClr val="accent1"/>
+          </a:fillRef>
+          <a:effectRef idx="0">
+            <a:schemeClr val="accent1"/>
+          </a:effectRef>
+          <a:fontRef idx="minor">
+            <a:schemeClr val="tx1"/>
+          </a:fontRef>
+        </p:style>
+      </p:cxnSp>
+      <p:pic>
+        <p:nvPicPr>
+          <p:cNvPr id="73" name="그림 72">
+            <a:extLst>
+              <a:ext uri="{FF2B5EF4-FFF2-40B4-BE49-F238E27FC236}">
+                <a16:creationId xmlns:a16="http://schemas.microsoft.com/office/drawing/2014/main" id="{1FA468F6-F915-485C-8277-9E5B43F41EE1}"/>
+              </a:ext>
+            </a:extLst>
+          </p:cNvPr>
+          <p:cNvPicPr>
+            <a:picLocks noChangeAspect="1"/>
+          </p:cNvPicPr>
+          <p:nvPr/>
+        </p:nvPicPr>
+        <p:blipFill>
+          <a:blip r:embed="rId2">
+            <a:extLst>
+              <a:ext uri="{28A0092B-C50C-407E-A947-70E740481C1C}">
+                <a14:useLocalDpi xmlns:a14="http://schemas.microsoft.com/office/drawing/2010/main" val="0"/>
+              </a:ext>
+            </a:extLst>
+          </a:blip>
+          <a:stretch>
+            <a:fillRect/>
+          </a:stretch>
+        </p:blipFill>
+        <p:spPr>
+          <a:xfrm>
+            <a:off x="3600320" y="-39802144"/>
+            <a:ext cx="10800000" cy="10800000"/>
+          </a:xfrm>
+          <a:prstGeom prst="rect">
+            <a:avLst/>
+          </a:prstGeom>
+        </p:spPr>
+      </p:pic>
+      <p:pic>
+        <p:nvPicPr>
+          <p:cNvPr id="74" name="그림 73">
+            <a:extLst>
+              <a:ext uri="{FF2B5EF4-FFF2-40B4-BE49-F238E27FC236}">
+                <a16:creationId xmlns:a16="http://schemas.microsoft.com/office/drawing/2014/main" id="{808D43C7-148B-4E8F-97CB-2AE17CA4BA54}"/>
+              </a:ext>
+            </a:extLst>
+          </p:cNvPr>
+          <p:cNvPicPr>
+            <a:picLocks noChangeAspect="1"/>
+          </p:cNvPicPr>
+          <p:nvPr/>
+        </p:nvPicPr>
+        <p:blipFill>
+          <a:blip r:embed="rId3">
+            <a:extLst>
+              <a:ext uri="{28A0092B-C50C-407E-A947-70E740481C1C}">
+                <a14:useLocalDpi xmlns:a14="http://schemas.microsoft.com/office/drawing/2010/main" val="0"/>
+              </a:ext>
+            </a:extLst>
+          </a:blip>
+          <a:stretch>
+            <a:fillRect/>
+          </a:stretch>
+        </p:blipFill>
+        <p:spPr>
+          <a:xfrm>
+            <a:off x="16200319" y="-39802144"/>
+            <a:ext cx="10800000" cy="10800000"/>
+          </a:xfrm>
+          <a:prstGeom prst="rect">
+            <a:avLst/>
+          </a:prstGeom>
+        </p:spPr>
+      </p:pic>
+      <p:pic>
+        <p:nvPicPr>
+          <p:cNvPr id="75" name="그림 74">
+            <a:extLst>
+              <a:ext uri="{FF2B5EF4-FFF2-40B4-BE49-F238E27FC236}">
+                <a16:creationId xmlns:a16="http://schemas.microsoft.com/office/drawing/2014/main" id="{34746A2C-0070-4ABE-AC3B-B8B22B5E24A2}"/>
+              </a:ext>
+            </a:extLst>
+          </p:cNvPr>
+          <p:cNvPicPr>
+            <a:picLocks noChangeAspect="1"/>
+          </p:cNvPicPr>
+          <p:nvPr/>
+        </p:nvPicPr>
+        <p:blipFill>
+          <a:blip r:embed="rId4">
+            <a:extLst>
+              <a:ext uri="{28A0092B-C50C-407E-A947-70E740481C1C}">
+                <a14:useLocalDpi xmlns:a14="http://schemas.microsoft.com/office/drawing/2010/main" val="0"/>
+              </a:ext>
+            </a:extLst>
+          </a:blip>
+          <a:stretch>
+            <a:fillRect/>
+          </a:stretch>
+        </p:blipFill>
+        <p:spPr>
+          <a:xfrm>
+            <a:off x="28800319" y="-27202144"/>
+            <a:ext cx="10800000" cy="10800000"/>
+          </a:xfrm>
+          <a:prstGeom prst="rect">
+            <a:avLst/>
+          </a:prstGeom>
+        </p:spPr>
+      </p:pic>
+      <p:pic>
+        <p:nvPicPr>
+          <p:cNvPr id="76" name="그림 75">
+            <a:extLst>
+              <a:ext uri="{FF2B5EF4-FFF2-40B4-BE49-F238E27FC236}">
+                <a16:creationId xmlns:a16="http://schemas.microsoft.com/office/drawing/2014/main" id="{5CE2CE56-05F1-4C88-B690-5460D7A0C175}"/>
+              </a:ext>
+            </a:extLst>
+          </p:cNvPr>
+          <p:cNvPicPr>
+            <a:picLocks noChangeAspect="1"/>
+          </p:cNvPicPr>
+          <p:nvPr/>
+        </p:nvPicPr>
+        <p:blipFill>
+          <a:blip r:embed="rId5">
+            <a:extLst>
+              <a:ext uri="{28A0092B-C50C-407E-A947-70E740481C1C}">
+                <a14:useLocalDpi xmlns:a14="http://schemas.microsoft.com/office/drawing/2010/main" val="0"/>
+              </a:ext>
+            </a:extLst>
+          </a:blip>
+          <a:stretch>
+            <a:fillRect/>
+          </a:stretch>
+        </p:blipFill>
+        <p:spPr>
+          <a:xfrm>
+            <a:off x="28800319" y="-39802144"/>
+            <a:ext cx="10800000" cy="10800000"/>
+          </a:xfrm>
+          <a:prstGeom prst="rect">
+            <a:avLst/>
+          </a:prstGeom>
+        </p:spPr>
+      </p:pic>
+      <p:pic>
+        <p:nvPicPr>
+          <p:cNvPr id="77" name="그림 76">
+            <a:extLst>
+              <a:ext uri="{FF2B5EF4-FFF2-40B4-BE49-F238E27FC236}">
+                <a16:creationId xmlns:a16="http://schemas.microsoft.com/office/drawing/2014/main" id="{CC71CA33-4BE1-43FD-A563-EA0623C98CE5}"/>
+              </a:ext>
+            </a:extLst>
+          </p:cNvPr>
+          <p:cNvPicPr>
+            <a:picLocks noChangeAspect="1"/>
+          </p:cNvPicPr>
+          <p:nvPr/>
+        </p:nvPicPr>
+        <p:blipFill>
+          <a:blip r:embed="rId6">
+            <a:extLst>
+              <a:ext uri="{28A0092B-C50C-407E-A947-70E740481C1C}">
+                <a14:useLocalDpi xmlns:a14="http://schemas.microsoft.com/office/drawing/2010/main" val="0"/>
+              </a:ext>
+            </a:extLst>
+          </a:blip>
+          <a:stretch>
+            <a:fillRect/>
+          </a:stretch>
+        </p:blipFill>
+        <p:spPr>
+          <a:xfrm>
+            <a:off x="28800319" y="-14602144"/>
+            <a:ext cx="10800000" cy="10800000"/>
+          </a:xfrm>
+          <a:prstGeom prst="rect">
+            <a:avLst/>
+          </a:prstGeom>
+        </p:spPr>
+      </p:pic>
+      <p:pic>
+        <p:nvPicPr>
+          <p:cNvPr id="78" name="그림 77">
+            <a:extLst>
+              <a:ext uri="{FF2B5EF4-FFF2-40B4-BE49-F238E27FC236}">
+                <a16:creationId xmlns:a16="http://schemas.microsoft.com/office/drawing/2014/main" id="{ADBD7DA1-D891-4CA2-96B8-9AD1B4FF25F7}"/>
+              </a:ext>
+            </a:extLst>
+          </p:cNvPr>
+          <p:cNvPicPr>
+            <a:picLocks noChangeAspect="1"/>
+          </p:cNvPicPr>
+          <p:nvPr/>
+        </p:nvPicPr>
+        <p:blipFill>
+          <a:blip r:embed="rId7">
+            <a:extLst>
+              <a:ext uri="{28A0092B-C50C-407E-A947-70E740481C1C}">
+                <a14:useLocalDpi xmlns:a14="http://schemas.microsoft.com/office/drawing/2010/main" val="0"/>
+              </a:ext>
+            </a:extLst>
+          </a:blip>
+          <a:stretch>
+            <a:fillRect/>
+          </a:stretch>
+        </p:blipFill>
+        <p:spPr>
+          <a:xfrm>
+            <a:off x="16200319" y="-14602144"/>
+            <a:ext cx="10800000" cy="10800000"/>
+          </a:xfrm>
+          <a:prstGeom prst="rect">
+            <a:avLst/>
+          </a:prstGeom>
+        </p:spPr>
+      </p:pic>
+      <p:pic>
+        <p:nvPicPr>
+          <p:cNvPr id="79" name="그림 78">
+            <a:extLst>
+              <a:ext uri="{FF2B5EF4-FFF2-40B4-BE49-F238E27FC236}">
+                <a16:creationId xmlns:a16="http://schemas.microsoft.com/office/drawing/2014/main" id="{74891A88-578E-412E-93A4-FDA5A56D5368}"/>
+              </a:ext>
+            </a:extLst>
+          </p:cNvPr>
+          <p:cNvPicPr>
+            <a:picLocks noChangeAspect="1"/>
+          </p:cNvPicPr>
+          <p:nvPr/>
+        </p:nvPicPr>
+        <p:blipFill>
+          <a:blip r:embed="rId8">
+            <a:extLst>
+              <a:ext uri="{28A0092B-C50C-407E-A947-70E740481C1C}">
+                <a14:useLocalDpi xmlns:a14="http://schemas.microsoft.com/office/drawing/2010/main" val="0"/>
+              </a:ext>
+            </a:extLst>
+          </a:blip>
+          <a:stretch>
+            <a:fillRect/>
+          </a:stretch>
+        </p:blipFill>
+        <p:spPr>
+          <a:xfrm>
+            <a:off x="3600320" y="-14602144"/>
+            <a:ext cx="10800000" cy="10800000"/>
+          </a:xfrm>
+          <a:prstGeom prst="rect">
+            <a:avLst/>
+          </a:prstGeom>
+        </p:spPr>
+      </p:pic>
+      <p:pic>
+        <p:nvPicPr>
+          <p:cNvPr id="80" name="그림 79">
+            <a:extLst>
+              <a:ext uri="{FF2B5EF4-FFF2-40B4-BE49-F238E27FC236}">
+                <a16:creationId xmlns:a16="http://schemas.microsoft.com/office/drawing/2014/main" id="{7943F519-8A02-426E-ACCC-5E2E5520B0B3}"/>
+              </a:ext>
+            </a:extLst>
+          </p:cNvPr>
+          <p:cNvPicPr>
+            <a:picLocks noChangeAspect="1"/>
+          </p:cNvPicPr>
+          <p:nvPr/>
+        </p:nvPicPr>
+        <p:blipFill>
+          <a:blip r:embed="rId9">
+            <a:extLst>
+              <a:ext uri="{28A0092B-C50C-407E-A947-70E740481C1C}">
+                <a14:useLocalDpi xmlns:a14="http://schemas.microsoft.com/office/drawing/2010/main" val="0"/>
+              </a:ext>
+            </a:extLst>
+          </a:blip>
+          <a:stretch>
+            <a:fillRect/>
+          </a:stretch>
+        </p:blipFill>
+        <p:spPr>
+          <a:xfrm>
+            <a:off x="3600320" y="-27202144"/>
+            <a:ext cx="10800000" cy="10800000"/>
+          </a:xfrm>
+          <a:prstGeom prst="rect">
+            <a:avLst/>
+          </a:prstGeom>
+        </p:spPr>
+      </p:pic>
+      <p:cxnSp>
+        <p:nvCxnSpPr>
+          <p:cNvPr id="81" name="직선 연결선 80">
+            <a:extLst>
+              <a:ext uri="{FF2B5EF4-FFF2-40B4-BE49-F238E27FC236}">
+                <a16:creationId xmlns:a16="http://schemas.microsoft.com/office/drawing/2014/main" id="{5D4EFACE-9CF0-46EE-876A-E0D7C4F6CE22}"/>
+              </a:ext>
+            </a:extLst>
+          </p:cNvPr>
+          <p:cNvCxnSpPr>
+            <a:cxnSpLocks/>
+          </p:cNvCxnSpPr>
+          <p:nvPr/>
+        </p:nvCxnSpPr>
+        <p:spPr>
+          <a:xfrm>
+            <a:off x="21600319" y="42854719"/>
+            <a:ext cx="12600000" cy="0"/>
+          </a:xfrm>
+          <a:prstGeom prst="line">
+            <a:avLst/>
+          </a:prstGeom>
+          <a:ln>
+            <a:solidFill>
+              <a:srgbClr val="FF0000"/>
+            </a:solidFill>
+          </a:ln>
+        </p:spPr>
+        <p:style>
+          <a:lnRef idx="1">
+            <a:schemeClr val="accent2"/>
+          </a:lnRef>
+          <a:fillRef idx="0">
+            <a:schemeClr val="accent2"/>
+          </a:fillRef>
+          <a:effectRef idx="0">
+            <a:schemeClr val="accent2"/>
+          </a:effectRef>
+          <a:fontRef idx="minor">
+            <a:schemeClr val="tx1"/>
+          </a:fontRef>
+        </p:style>
+      </p:cxnSp>
+      <p:sp>
+        <p:nvSpPr>
+          <p:cNvPr id="82" name="TextBox 81">
+            <a:extLst>
+              <a:ext uri="{FF2B5EF4-FFF2-40B4-BE49-F238E27FC236}">
+                <a16:creationId xmlns:a16="http://schemas.microsoft.com/office/drawing/2014/main" id="{EE9FC5F3-4933-4FB2-92A5-AA9D22B59501}"/>
+              </a:ext>
+            </a:extLst>
+          </p:cNvPr>
+          <p:cNvSpPr txBox="1"/>
+          <p:nvPr/>
+        </p:nvSpPr>
+        <p:spPr>
+          <a:xfrm>
+            <a:off x="26109139" y="43184279"/>
+            <a:ext cx="3547760" cy="1446550"/>
+          </a:xfrm>
+          <a:prstGeom prst="rect">
+            <a:avLst/>
+          </a:prstGeom>
+          <a:noFill/>
+        </p:spPr>
+        <p:txBody>
+          <a:bodyPr wrap="square" rtlCol="0" anchor="ctr" anchorCtr="1">
+            <a:spAutoFit/>
+          </a:bodyPr>
+          <a:lstStyle/>
+          <a:p>
+            <a:pPr algn="ctr"/>
+            <a:r>
+              <a:rPr lang="en-US" sz="8800" dirty="0">
+                <a:latin typeface="Arial" panose="020B0604020202020204" pitchFamily="34" charset="0"/>
+              </a:rPr>
+              <a:t>35 cm</a:t>
+            </a:r>
+          </a:p>
+        </p:txBody>
+      </p:sp>
+      <p:cxnSp>
+        <p:nvCxnSpPr>
+          <p:cNvPr id="19" name="직선 연결선 18">
+            <a:extLst>
+              <a:ext uri="{FF2B5EF4-FFF2-40B4-BE49-F238E27FC236}">
+                <a16:creationId xmlns:a16="http://schemas.microsoft.com/office/drawing/2014/main" id="{D0943F2A-11E0-4CCA-A94E-91FC7CC51569}"/>
+              </a:ext>
+            </a:extLst>
+          </p:cNvPr>
+          <p:cNvCxnSpPr>
+            <a:cxnSpLocks/>
+          </p:cNvCxnSpPr>
+          <p:nvPr/>
+        </p:nvCxnSpPr>
+        <p:spPr>
+          <a:xfrm>
+            <a:off x="21600319" y="28251934"/>
+            <a:ext cx="3780000" cy="0"/>
+          </a:xfrm>
+          <a:prstGeom prst="line">
+            <a:avLst/>
+          </a:prstGeom>
+          <a:ln>
+            <a:solidFill>
+              <a:srgbClr val="FF0000"/>
+            </a:solidFill>
+          </a:ln>
+        </p:spPr>
+        <p:style>
+          <a:lnRef idx="1">
+            <a:schemeClr val="accent2"/>
+          </a:lnRef>
+          <a:fillRef idx="0">
+            <a:schemeClr val="accent2"/>
+          </a:fillRef>
+          <a:effectRef idx="0">
+            <a:schemeClr val="accent2"/>
+          </a:effectRef>
+          <a:fontRef idx="minor">
+            <a:schemeClr val="tx1"/>
+          </a:fontRef>
+        </p:style>
+      </p:cxnSp>
+      <p:cxnSp>
+        <p:nvCxnSpPr>
+          <p:cNvPr id="83" name="직선 연결선 82">
+            <a:extLst>
+              <a:ext uri="{FF2B5EF4-FFF2-40B4-BE49-F238E27FC236}">
+                <a16:creationId xmlns:a16="http://schemas.microsoft.com/office/drawing/2014/main" id="{7AD83839-C931-46A9-A4B3-DA955DD7E4C0}"/>
+              </a:ext>
+            </a:extLst>
+          </p:cNvPr>
+          <p:cNvCxnSpPr>
+            <a:cxnSpLocks/>
+          </p:cNvCxnSpPr>
+          <p:nvPr/>
+        </p:nvCxnSpPr>
+        <p:spPr>
+          <a:xfrm>
+            <a:off x="25380319" y="-7416800"/>
+            <a:ext cx="0" cy="36372800"/>
+          </a:xfrm>
+          <a:prstGeom prst="line">
+            <a:avLst/>
+          </a:prstGeom>
+        </p:spPr>
+        <p:style>
+          <a:lnRef idx="1">
+            <a:schemeClr val="accent1"/>
+          </a:lnRef>
+          <a:fillRef idx="0">
+            <a:schemeClr val="accent1"/>
+          </a:fillRef>
+          <a:effectRef idx="0">
+            <a:schemeClr val="accent1"/>
+          </a:effectRef>
+          <a:fontRef idx="minor">
+            <a:schemeClr val="tx1"/>
+          </a:fontRef>
+        </p:style>
+      </p:cxnSp>
+      <p:sp>
+        <p:nvSpPr>
+          <p:cNvPr id="85" name="TextBox 84">
+            <a:extLst>
+              <a:ext uri="{FF2B5EF4-FFF2-40B4-BE49-F238E27FC236}">
+                <a16:creationId xmlns:a16="http://schemas.microsoft.com/office/drawing/2014/main" id="{29A21561-88AD-41CD-8C01-D31708FD59D8}"/>
+              </a:ext>
+            </a:extLst>
+          </p:cNvPr>
+          <p:cNvSpPr txBox="1"/>
+          <p:nvPr/>
+        </p:nvSpPr>
+        <p:spPr>
+          <a:xfrm>
+            <a:off x="21301239" y="28305032"/>
+            <a:ext cx="4378160" cy="1446550"/>
+          </a:xfrm>
+          <a:prstGeom prst="rect">
+            <a:avLst/>
+          </a:prstGeom>
+          <a:noFill/>
+        </p:spPr>
+        <p:txBody>
+          <a:bodyPr wrap="square" rtlCol="0" anchor="ctr" anchorCtr="1">
+            <a:spAutoFit/>
+          </a:bodyPr>
+          <a:lstStyle/>
+          <a:p>
+            <a:pPr algn="ctr"/>
+            <a:r>
+              <a:rPr lang="en-US" sz="8800" dirty="0">
+                <a:latin typeface="Arial" panose="020B0604020202020204" pitchFamily="34" charset="0"/>
+              </a:rPr>
+              <a:t>10.5 cm</a:t>
+            </a:r>
+          </a:p>
+        </p:txBody>
+      </p:sp>
+    </p:spTree>
+    <p:extLst>
+      <p:ext uri="{BB962C8B-B14F-4D97-AF65-F5344CB8AC3E}">
+        <p14:creationId xmlns:p14="http://schemas.microsoft.com/office/powerpoint/2010/main" val="628793669"/>
+      </p:ext>
+    </p:extLst>
+  </p:cSld>
+  <p:clrMapOvr>
+    <a:masterClrMapping/>
+  </p:clrMapOvr>
+</p:sld>
+</file>
+
 <file path=ppt/theme/theme1.xml><?xml version="1.0" encoding="utf-8"?>
 <a:theme xmlns:a="http://schemas.openxmlformats.org/drawingml/2006/main" name="Office 테마">
   <a:themeElements>

--- a/apps/data_processing/aruco_marker/aruco_marker_creation/marker_img/integration_marker.pptx
+++ b/apps/data_processing/aruco_marker/aruco_marker_creation/marker_img/integration_marker.pptx
@@ -11,6 +11,8 @@
     <p:sldId id="259" r:id="rId5"/>
     <p:sldId id="261" r:id="rId6"/>
     <p:sldId id="260" r:id="rId7"/>
+    <p:sldId id="262" r:id="rId8"/>
+    <p:sldId id="263" r:id="rId9"/>
   </p:sldIdLst>
   <p:sldSz cx="43200638" cy="43200638"/>
   <p:notesSz cx="6858000" cy="9144000"/>
@@ -248,7 +250,7 @@
           <a:p>
             <a:fld id="{C8A4090B-3ADF-4090-9EE5-2E9D826556F2}" type="datetimeFigureOut">
               <a:rPr lang="en-US" smtClean="0"/>
-              <a:t>10/11/2021</a:t>
+              <a:t>10/13/2021</a:t>
             </a:fld>
             <a:endParaRPr lang="en-US"/>
           </a:p>
@@ -418,7 +420,7 @@
           <a:p>
             <a:fld id="{C8A4090B-3ADF-4090-9EE5-2E9D826556F2}" type="datetimeFigureOut">
               <a:rPr lang="en-US" smtClean="0"/>
-              <a:t>10/11/2021</a:t>
+              <a:t>10/13/2021</a:t>
             </a:fld>
             <a:endParaRPr lang="en-US"/>
           </a:p>
@@ -598,7 +600,7 @@
           <a:p>
             <a:fld id="{C8A4090B-3ADF-4090-9EE5-2E9D826556F2}" type="datetimeFigureOut">
               <a:rPr lang="en-US" smtClean="0"/>
-              <a:t>10/11/2021</a:t>
+              <a:t>10/13/2021</a:t>
             </a:fld>
             <a:endParaRPr lang="en-US"/>
           </a:p>
@@ -768,7 +770,7 @@
           <a:p>
             <a:fld id="{C8A4090B-3ADF-4090-9EE5-2E9D826556F2}" type="datetimeFigureOut">
               <a:rPr lang="en-US" smtClean="0"/>
-              <a:t>10/11/2021</a:t>
+              <a:t>10/13/2021</a:t>
             </a:fld>
             <a:endParaRPr lang="en-US"/>
           </a:p>
@@ -1012,7 +1014,7 @@
           <a:p>
             <a:fld id="{C8A4090B-3ADF-4090-9EE5-2E9D826556F2}" type="datetimeFigureOut">
               <a:rPr lang="en-US" smtClean="0"/>
-              <a:t>10/11/2021</a:t>
+              <a:t>10/13/2021</a:t>
             </a:fld>
             <a:endParaRPr lang="en-US"/>
           </a:p>
@@ -1244,7 +1246,7 @@
           <a:p>
             <a:fld id="{C8A4090B-3ADF-4090-9EE5-2E9D826556F2}" type="datetimeFigureOut">
               <a:rPr lang="en-US" smtClean="0"/>
-              <a:t>10/11/2021</a:t>
+              <a:t>10/13/2021</a:t>
             </a:fld>
             <a:endParaRPr lang="en-US"/>
           </a:p>
@@ -1611,7 +1613,7 @@
           <a:p>
             <a:fld id="{C8A4090B-3ADF-4090-9EE5-2E9D826556F2}" type="datetimeFigureOut">
               <a:rPr lang="en-US" smtClean="0"/>
-              <a:t>10/11/2021</a:t>
+              <a:t>10/13/2021</a:t>
             </a:fld>
             <a:endParaRPr lang="en-US"/>
           </a:p>
@@ -1729,7 +1731,7 @@
           <a:p>
             <a:fld id="{C8A4090B-3ADF-4090-9EE5-2E9D826556F2}" type="datetimeFigureOut">
               <a:rPr lang="en-US" smtClean="0"/>
-              <a:t>10/11/2021</a:t>
+              <a:t>10/13/2021</a:t>
             </a:fld>
             <a:endParaRPr lang="en-US"/>
           </a:p>
@@ -1824,7 +1826,7 @@
           <a:p>
             <a:fld id="{C8A4090B-3ADF-4090-9EE5-2E9D826556F2}" type="datetimeFigureOut">
               <a:rPr lang="en-US" smtClean="0"/>
-              <a:t>10/11/2021</a:t>
+              <a:t>10/13/2021</a:t>
             </a:fld>
             <a:endParaRPr lang="en-US"/>
           </a:p>
@@ -2101,7 +2103,7 @@
           <a:p>
             <a:fld id="{C8A4090B-3ADF-4090-9EE5-2E9D826556F2}" type="datetimeFigureOut">
               <a:rPr lang="en-US" smtClean="0"/>
-              <a:t>10/11/2021</a:t>
+              <a:t>10/13/2021</a:t>
             </a:fld>
             <a:endParaRPr lang="en-US"/>
           </a:p>
@@ -2358,7 +2360,7 @@
           <a:p>
             <a:fld id="{C8A4090B-3ADF-4090-9EE5-2E9D826556F2}" type="datetimeFigureOut">
               <a:rPr lang="en-US" smtClean="0"/>
-              <a:t>10/11/2021</a:t>
+              <a:t>10/13/2021</a:t>
             </a:fld>
             <a:endParaRPr lang="en-US"/>
           </a:p>
@@ -2571,7 +2573,7 @@
           <a:p>
             <a:fld id="{C8A4090B-3ADF-4090-9EE5-2E9D826556F2}" type="datetimeFigureOut">
               <a:rPr lang="en-US" smtClean="0"/>
-              <a:t>10/11/2021</a:t>
+              <a:t>10/13/2021</a:t>
             </a:fld>
             <a:endParaRPr lang="en-US"/>
           </a:p>
@@ -6186,10 +6188,10 @@
       </p:sp>
       <p:grpSp>
         <p:nvGrpSpPr>
-          <p:cNvPr id="7" name="그룹 6">
+          <p:cNvPr id="2" name="그룹 1">
             <a:extLst>
               <a:ext uri="{FF2B5EF4-FFF2-40B4-BE49-F238E27FC236}">
-                <a16:creationId xmlns:a16="http://schemas.microsoft.com/office/drawing/2014/main" id="{01C21C13-1343-44B7-87EC-4A4835B7449D}"/>
+                <a16:creationId xmlns:a16="http://schemas.microsoft.com/office/drawing/2014/main" id="{D0756023-577C-4B7D-AE74-150B85CB168A}"/>
               </a:ext>
             </a:extLst>
           </p:cNvPr>
@@ -6200,379 +6202,72 @@
         </p:nvGrpSpPr>
         <p:grpSpPr>
           <a:xfrm>
-            <a:off x="3600319" y="4514719"/>
-            <a:ext cx="36000000" cy="36000000"/>
-            <a:chOff x="26473126" y="4533917"/>
-            <a:chExt cx="36000000" cy="36000000"/>
+            <a:off x="1800319" y="2714719"/>
+            <a:ext cx="39600000" cy="39600000"/>
+            <a:chOff x="-1799681" y="2714719"/>
+            <a:chExt cx="39600000" cy="39600000"/>
           </a:xfrm>
         </p:grpSpPr>
-        <p:grpSp>
-          <p:nvGrpSpPr>
-            <p:cNvPr id="4" name="그룹 3">
+        <p:sp>
+          <p:nvSpPr>
+            <p:cNvPr id="26" name="직사각형 25">
               <a:extLst>
                 <a:ext uri="{FF2B5EF4-FFF2-40B4-BE49-F238E27FC236}">
-                  <a16:creationId xmlns:a16="http://schemas.microsoft.com/office/drawing/2014/main" id="{E12C1B46-A8C3-4505-8A3E-EBEB3475B7F9}"/>
+                  <a16:creationId xmlns:a16="http://schemas.microsoft.com/office/drawing/2014/main" id="{8323C497-D87D-4969-83E9-5E65B6F65E96}"/>
                 </a:ext>
               </a:extLst>
             </p:cNvPr>
-            <p:cNvGrpSpPr/>
+            <p:cNvSpPr>
+              <a:spLocks noChangeAspect="1"/>
+            </p:cNvSpPr>
             <p:nvPr/>
-          </p:nvGrpSpPr>
-          <p:grpSpPr>
+          </p:nvSpPr>
+          <p:spPr>
             <a:xfrm>
-              <a:off x="26473126" y="4533917"/>
-              <a:ext cx="36000000" cy="36000000"/>
-              <a:chOff x="3600319" y="4533917"/>
-              <a:chExt cx="36000000" cy="36000000"/>
+              <a:off x="-1799681" y="2714719"/>
+              <a:ext cx="39600000" cy="39600000"/>
             </a:xfrm>
-          </p:grpSpPr>
-          <p:sp>
-            <p:nvSpPr>
-              <p:cNvPr id="55" name="직사각형 54">
-                <a:extLst>
-                  <a:ext uri="{FF2B5EF4-FFF2-40B4-BE49-F238E27FC236}">
-                    <a16:creationId xmlns:a16="http://schemas.microsoft.com/office/drawing/2014/main" id="{8C6FC87C-902E-4E17-9D5D-F3FA89C47B02}"/>
-                  </a:ext>
-                </a:extLst>
-              </p:cNvPr>
-              <p:cNvSpPr/>
-              <p:nvPr/>
-            </p:nvSpPr>
-            <p:spPr>
-              <a:xfrm>
-                <a:off x="3600319" y="4533917"/>
-                <a:ext cx="36000000" cy="36000000"/>
-              </a:xfrm>
-              <a:prstGeom prst="rect">
-                <a:avLst/>
-              </a:prstGeom>
-              <a:solidFill>
-                <a:schemeClr val="bg1"/>
-              </a:solidFill>
-              <a:ln>
-                <a:noFill/>
-              </a:ln>
-            </p:spPr>
-            <p:style>
-              <a:lnRef idx="2">
-                <a:schemeClr val="accent1">
-                  <a:shade val="50000"/>
-                </a:schemeClr>
-              </a:lnRef>
-              <a:fillRef idx="1">
-                <a:schemeClr val="accent1"/>
-              </a:fillRef>
-              <a:effectRef idx="0">
-                <a:schemeClr val="accent1"/>
-              </a:effectRef>
-              <a:fontRef idx="minor">
-                <a:schemeClr val="lt1"/>
-              </a:fontRef>
-            </p:style>
-            <p:txBody>
-              <a:bodyPr rtlCol="0" anchor="ctr"/>
-              <a:lstStyle/>
-              <a:p>
-                <a:pPr algn="ctr"/>
-                <a:endParaRPr lang="en-US" sz="2152"/>
-              </a:p>
-            </p:txBody>
-          </p:sp>
-          <p:pic>
-            <p:nvPicPr>
-              <p:cNvPr id="21" name="그림 20">
-                <a:extLst>
-                  <a:ext uri="{FF2B5EF4-FFF2-40B4-BE49-F238E27FC236}">
-                    <a16:creationId xmlns:a16="http://schemas.microsoft.com/office/drawing/2014/main" id="{7EEB59A8-FF04-4915-9207-10A1C8FD7086}"/>
-                  </a:ext>
-                </a:extLst>
-              </p:cNvPr>
-              <p:cNvPicPr>
-                <a:picLocks noChangeAspect="1"/>
-              </p:cNvPicPr>
-              <p:nvPr/>
-            </p:nvPicPr>
-            <p:blipFill>
-              <a:blip r:embed="rId2">
-                <a:extLst>
-                  <a:ext uri="{28A0092B-C50C-407E-A947-70E740481C1C}">
-                    <a14:useLocalDpi xmlns:a14="http://schemas.microsoft.com/office/drawing/2010/main" val="0"/>
-                  </a:ext>
-                </a:extLst>
-              </a:blip>
-              <a:stretch>
-                <a:fillRect/>
-              </a:stretch>
-            </p:blipFill>
-            <p:spPr>
-              <a:xfrm>
-                <a:off x="3600320" y="4533917"/>
-                <a:ext cx="10800000" cy="10800000"/>
-              </a:xfrm>
-              <a:prstGeom prst="rect">
-                <a:avLst/>
-              </a:prstGeom>
-            </p:spPr>
-          </p:pic>
-          <p:pic>
-            <p:nvPicPr>
-              <p:cNvPr id="22" name="그림 21">
-                <a:extLst>
-                  <a:ext uri="{FF2B5EF4-FFF2-40B4-BE49-F238E27FC236}">
-                    <a16:creationId xmlns:a16="http://schemas.microsoft.com/office/drawing/2014/main" id="{7EBD7A37-8E94-40D0-A92A-1E0D3145A8A9}"/>
-                  </a:ext>
-                </a:extLst>
-              </p:cNvPr>
-              <p:cNvPicPr>
-                <a:picLocks noChangeAspect="1"/>
-              </p:cNvPicPr>
-              <p:nvPr/>
-            </p:nvPicPr>
-            <p:blipFill>
-              <a:blip r:embed="rId3">
-                <a:extLst>
-                  <a:ext uri="{28A0092B-C50C-407E-A947-70E740481C1C}">
-                    <a14:useLocalDpi xmlns:a14="http://schemas.microsoft.com/office/drawing/2010/main" val="0"/>
-                  </a:ext>
-                </a:extLst>
-              </a:blip>
-              <a:stretch>
-                <a:fillRect/>
-              </a:stretch>
-            </p:blipFill>
-            <p:spPr>
-              <a:xfrm>
-                <a:off x="16200319" y="4533917"/>
-                <a:ext cx="10800000" cy="10800000"/>
-              </a:xfrm>
-              <a:prstGeom prst="rect">
-                <a:avLst/>
-              </a:prstGeom>
-            </p:spPr>
-          </p:pic>
-          <p:pic>
-            <p:nvPicPr>
-              <p:cNvPr id="23" name="그림 22">
-                <a:extLst>
-                  <a:ext uri="{FF2B5EF4-FFF2-40B4-BE49-F238E27FC236}">
-                    <a16:creationId xmlns:a16="http://schemas.microsoft.com/office/drawing/2014/main" id="{9DA5EAAA-1DB6-4EED-85F5-77577B5263F4}"/>
-                  </a:ext>
-                </a:extLst>
-              </p:cNvPr>
-              <p:cNvPicPr>
-                <a:picLocks noChangeAspect="1"/>
-              </p:cNvPicPr>
-              <p:nvPr/>
-            </p:nvPicPr>
-            <p:blipFill>
-              <a:blip r:embed="rId4">
-                <a:extLst>
-                  <a:ext uri="{28A0092B-C50C-407E-A947-70E740481C1C}">
-                    <a14:useLocalDpi xmlns:a14="http://schemas.microsoft.com/office/drawing/2010/main" val="0"/>
-                  </a:ext>
-                </a:extLst>
-              </a:blip>
-              <a:stretch>
-                <a:fillRect/>
-              </a:stretch>
-            </p:blipFill>
-            <p:spPr>
-              <a:xfrm>
-                <a:off x="28800319" y="17133917"/>
-                <a:ext cx="10800000" cy="10800000"/>
-              </a:xfrm>
-              <a:prstGeom prst="rect">
-                <a:avLst/>
-              </a:prstGeom>
-            </p:spPr>
-          </p:pic>
-          <p:pic>
-            <p:nvPicPr>
-              <p:cNvPr id="24" name="그림 23">
-                <a:extLst>
-                  <a:ext uri="{FF2B5EF4-FFF2-40B4-BE49-F238E27FC236}">
-                    <a16:creationId xmlns:a16="http://schemas.microsoft.com/office/drawing/2014/main" id="{E0E1BF56-3BFA-4FC1-BD2F-CB012B356025}"/>
-                  </a:ext>
-                </a:extLst>
-              </p:cNvPr>
-              <p:cNvPicPr>
-                <a:picLocks noChangeAspect="1"/>
-              </p:cNvPicPr>
-              <p:nvPr/>
-            </p:nvPicPr>
-            <p:blipFill>
-              <a:blip r:embed="rId5">
-                <a:extLst>
-                  <a:ext uri="{28A0092B-C50C-407E-A947-70E740481C1C}">
-                    <a14:useLocalDpi xmlns:a14="http://schemas.microsoft.com/office/drawing/2010/main" val="0"/>
-                  </a:ext>
-                </a:extLst>
-              </a:blip>
-              <a:stretch>
-                <a:fillRect/>
-              </a:stretch>
-            </p:blipFill>
-            <p:spPr>
-              <a:xfrm>
-                <a:off x="28800319" y="4533917"/>
-                <a:ext cx="10800000" cy="10800000"/>
-              </a:xfrm>
-              <a:prstGeom prst="rect">
-                <a:avLst/>
-              </a:prstGeom>
-            </p:spPr>
-          </p:pic>
-          <p:pic>
-            <p:nvPicPr>
-              <p:cNvPr id="3" name="그림 2">
-                <a:extLst>
-                  <a:ext uri="{FF2B5EF4-FFF2-40B4-BE49-F238E27FC236}">
-                    <a16:creationId xmlns:a16="http://schemas.microsoft.com/office/drawing/2014/main" id="{DD4FA6AC-295E-4178-AD52-C9BB972BC06F}"/>
-                  </a:ext>
-                </a:extLst>
-              </p:cNvPr>
-              <p:cNvPicPr>
-                <a:picLocks noChangeAspect="1"/>
-              </p:cNvPicPr>
-              <p:nvPr/>
-            </p:nvPicPr>
-            <p:blipFill>
-              <a:blip r:embed="rId6">
-                <a:extLst>
-                  <a:ext uri="{28A0092B-C50C-407E-A947-70E740481C1C}">
-                    <a14:useLocalDpi xmlns:a14="http://schemas.microsoft.com/office/drawing/2010/main" val="0"/>
-                  </a:ext>
-                </a:extLst>
-              </a:blip>
-              <a:stretch>
-                <a:fillRect/>
-              </a:stretch>
-            </p:blipFill>
-            <p:spPr>
-              <a:xfrm>
-                <a:off x="28800319" y="29733917"/>
-                <a:ext cx="10800000" cy="10800000"/>
-              </a:xfrm>
-              <a:prstGeom prst="rect">
-                <a:avLst/>
-              </a:prstGeom>
-            </p:spPr>
-          </p:pic>
-          <p:pic>
-            <p:nvPicPr>
-              <p:cNvPr id="29" name="그림 28">
-                <a:extLst>
-                  <a:ext uri="{FF2B5EF4-FFF2-40B4-BE49-F238E27FC236}">
-                    <a16:creationId xmlns:a16="http://schemas.microsoft.com/office/drawing/2014/main" id="{982EA5FD-40E7-4D14-80DF-6624B5980BD3}"/>
-                  </a:ext>
-                </a:extLst>
-              </p:cNvPr>
-              <p:cNvPicPr>
-                <a:picLocks noChangeAspect="1"/>
-              </p:cNvPicPr>
-              <p:nvPr/>
-            </p:nvPicPr>
-            <p:blipFill>
-              <a:blip r:embed="rId7">
-                <a:extLst>
-                  <a:ext uri="{28A0092B-C50C-407E-A947-70E740481C1C}">
-                    <a14:useLocalDpi xmlns:a14="http://schemas.microsoft.com/office/drawing/2010/main" val="0"/>
-                  </a:ext>
-                </a:extLst>
-              </a:blip>
-              <a:stretch>
-                <a:fillRect/>
-              </a:stretch>
-            </p:blipFill>
-            <p:spPr>
-              <a:xfrm>
-                <a:off x="16200319" y="29733917"/>
-                <a:ext cx="10800000" cy="10800000"/>
-              </a:xfrm>
-              <a:prstGeom prst="rect">
-                <a:avLst/>
-              </a:prstGeom>
-            </p:spPr>
-          </p:pic>
-          <p:pic>
-            <p:nvPicPr>
-              <p:cNvPr id="31" name="그림 30">
-                <a:extLst>
-                  <a:ext uri="{FF2B5EF4-FFF2-40B4-BE49-F238E27FC236}">
-                    <a16:creationId xmlns:a16="http://schemas.microsoft.com/office/drawing/2014/main" id="{8E1D0A1A-9B41-441C-A8F5-E6C91F8D8C5C}"/>
-                  </a:ext>
-                </a:extLst>
-              </p:cNvPr>
-              <p:cNvPicPr>
-                <a:picLocks noChangeAspect="1"/>
-              </p:cNvPicPr>
-              <p:nvPr/>
-            </p:nvPicPr>
-            <p:blipFill>
-              <a:blip r:embed="rId8">
-                <a:extLst>
-                  <a:ext uri="{28A0092B-C50C-407E-A947-70E740481C1C}">
-                    <a14:useLocalDpi xmlns:a14="http://schemas.microsoft.com/office/drawing/2010/main" val="0"/>
-                  </a:ext>
-                </a:extLst>
-              </a:blip>
-              <a:stretch>
-                <a:fillRect/>
-              </a:stretch>
-            </p:blipFill>
-            <p:spPr>
-              <a:xfrm>
-                <a:off x="3600320" y="29733917"/>
-                <a:ext cx="10800000" cy="10800000"/>
-              </a:xfrm>
-              <a:prstGeom prst="rect">
-                <a:avLst/>
-              </a:prstGeom>
-            </p:spPr>
-          </p:pic>
-          <p:pic>
-            <p:nvPicPr>
-              <p:cNvPr id="33" name="그림 32">
-                <a:extLst>
-                  <a:ext uri="{FF2B5EF4-FFF2-40B4-BE49-F238E27FC236}">
-                    <a16:creationId xmlns:a16="http://schemas.microsoft.com/office/drawing/2014/main" id="{56370C09-F8B7-4C9C-832B-E102446AB15F}"/>
-                  </a:ext>
-                </a:extLst>
-              </p:cNvPr>
-              <p:cNvPicPr>
-                <a:picLocks noChangeAspect="1"/>
-              </p:cNvPicPr>
-              <p:nvPr/>
-            </p:nvPicPr>
-            <p:blipFill>
-              <a:blip r:embed="rId9">
-                <a:extLst>
-                  <a:ext uri="{28A0092B-C50C-407E-A947-70E740481C1C}">
-                    <a14:useLocalDpi xmlns:a14="http://schemas.microsoft.com/office/drawing/2010/main" val="0"/>
-                  </a:ext>
-                </a:extLst>
-              </a:blip>
-              <a:stretch>
-                <a:fillRect/>
-              </a:stretch>
-            </p:blipFill>
-            <p:spPr>
-              <a:xfrm>
-                <a:off x="3600320" y="17133917"/>
-                <a:ext cx="10800000" cy="10800000"/>
-              </a:xfrm>
-              <a:prstGeom prst="rect">
-                <a:avLst/>
-              </a:prstGeom>
-            </p:spPr>
-          </p:pic>
-        </p:grpSp>
+            <a:prstGeom prst="rect">
+              <a:avLst/>
+            </a:prstGeom>
+            <a:solidFill>
+              <a:schemeClr val="bg1"/>
+            </a:solidFill>
+            <a:ln>
+              <a:noFill/>
+            </a:ln>
+          </p:spPr>
+          <p:style>
+            <a:lnRef idx="2">
+              <a:schemeClr val="accent1">
+                <a:shade val="50000"/>
+              </a:schemeClr>
+            </a:lnRef>
+            <a:fillRef idx="1">
+              <a:schemeClr val="accent1"/>
+            </a:fillRef>
+            <a:effectRef idx="0">
+              <a:schemeClr val="accent1"/>
+            </a:effectRef>
+            <a:fontRef idx="minor">
+              <a:schemeClr val="lt1"/>
+            </a:fontRef>
+          </p:style>
+          <p:txBody>
+            <a:bodyPr rtlCol="0" anchor="ctr"/>
+            <a:lstStyle/>
+            <a:p>
+              <a:pPr algn="ctr"/>
+              <a:endParaRPr lang="en-US" sz="2152"/>
+            </a:p>
+          </p:txBody>
+        </p:sp>
         <p:grpSp>
           <p:nvGrpSpPr>
-            <p:cNvPr id="6" name="그룹 5">
+            <p:cNvPr id="7" name="그룹 6">
               <a:extLst>
                 <a:ext uri="{FF2B5EF4-FFF2-40B4-BE49-F238E27FC236}">
-                  <a16:creationId xmlns:a16="http://schemas.microsoft.com/office/drawing/2014/main" id="{27F75F6F-5438-4889-81EC-8627D5E22E58}"/>
+                  <a16:creationId xmlns:a16="http://schemas.microsoft.com/office/drawing/2014/main" id="{01C21C13-1343-44B7-87EC-4A4835B7449D}"/>
                 </a:ext>
               </a:extLst>
             </p:cNvPr>
@@ -6583,52 +6278,48 @@
           </p:nvGrpSpPr>
           <p:grpSpPr>
             <a:xfrm>
-              <a:off x="39073126" y="17133917"/>
-              <a:ext cx="10800001" cy="10800000"/>
-              <a:chOff x="16200318" y="17133917"/>
-              <a:chExt cx="10800001" cy="10800000"/>
+              <a:off x="319" y="4514719"/>
+              <a:ext cx="36000000" cy="36000000"/>
+              <a:chOff x="26473126" y="4533917"/>
+              <a:chExt cx="36000000" cy="36000000"/>
             </a:xfrm>
           </p:grpSpPr>
           <p:grpSp>
             <p:nvGrpSpPr>
-              <p:cNvPr id="5" name="그룹 4">
+              <p:cNvPr id="4" name="그룹 3">
                 <a:extLst>
                   <a:ext uri="{FF2B5EF4-FFF2-40B4-BE49-F238E27FC236}">
-                    <a16:creationId xmlns:a16="http://schemas.microsoft.com/office/drawing/2014/main" id="{3A5151D6-F1A8-4C68-BE1E-6D6EEFEC9678}"/>
+                    <a16:creationId xmlns:a16="http://schemas.microsoft.com/office/drawing/2014/main" id="{E12C1B46-A8C3-4505-8A3E-EBEB3475B7F9}"/>
                   </a:ext>
                 </a:extLst>
               </p:cNvPr>
-              <p:cNvGrpSpPr>
-                <a:grpSpLocks noChangeAspect="1"/>
-              </p:cNvGrpSpPr>
+              <p:cNvGrpSpPr/>
               <p:nvPr/>
             </p:nvGrpSpPr>
             <p:grpSpPr>
               <a:xfrm>
-                <a:off x="16200318" y="17133917"/>
-                <a:ext cx="10800001" cy="10800000"/>
-                <a:chOff x="16200318" y="17133917"/>
-                <a:chExt cx="10800001" cy="10800000"/>
+                <a:off x="26473126" y="4533917"/>
+                <a:ext cx="36000000" cy="36000000"/>
+                <a:chOff x="3600319" y="4533917"/>
+                <a:chExt cx="36000000" cy="36000000"/>
               </a:xfrm>
             </p:grpSpPr>
             <p:sp>
               <p:nvSpPr>
-                <p:cNvPr id="14" name="직사각형 13">
+                <p:cNvPr id="55" name="직사각형 54">
                   <a:extLst>
                     <a:ext uri="{FF2B5EF4-FFF2-40B4-BE49-F238E27FC236}">
-                      <a16:creationId xmlns:a16="http://schemas.microsoft.com/office/drawing/2014/main" id="{EB82289C-B3FF-42BF-BCD0-0E85F7901C15}"/>
+                      <a16:creationId xmlns:a16="http://schemas.microsoft.com/office/drawing/2014/main" id="{8C6FC87C-902E-4E17-9D5D-F3FA89C47B02}"/>
                     </a:ext>
                   </a:extLst>
                 </p:cNvPr>
-                <p:cNvSpPr>
-                  <a:spLocks noChangeAspect="1"/>
-                </p:cNvSpPr>
+                <p:cNvSpPr/>
                 <p:nvPr/>
               </p:nvSpPr>
               <p:spPr>
                 <a:xfrm>
-                  <a:off x="16200318" y="17133917"/>
-                  <a:ext cx="10800000" cy="10800000"/>
+                  <a:off x="3600319" y="4533917"/>
+                  <a:ext cx="36000000" cy="36000000"/>
                 </a:xfrm>
                 <a:prstGeom prst="rect">
                   <a:avLst/>
@@ -6667,10 +6358,10 @@
             </p:sp>
             <p:pic>
               <p:nvPicPr>
-                <p:cNvPr id="37" name="그림 36">
+                <p:cNvPr id="21" name="그림 20">
                   <a:extLst>
                     <a:ext uri="{FF2B5EF4-FFF2-40B4-BE49-F238E27FC236}">
-                      <a16:creationId xmlns:a16="http://schemas.microsoft.com/office/drawing/2014/main" id="{757220ED-3FB8-499F-A115-753735506A11}"/>
+                      <a16:creationId xmlns:a16="http://schemas.microsoft.com/office/drawing/2014/main" id="{7EEB59A8-FF04-4915-9207-10A1C8FD7086}"/>
                     </a:ext>
                   </a:extLst>
                 </p:cNvPr>
@@ -6680,7 +6371,7 @@
                 <p:nvPr/>
               </p:nvPicPr>
               <p:blipFill>
-                <a:blip r:embed="rId10">
+                <a:blip r:embed="rId2">
                   <a:extLst>
                     <a:ext uri="{28A0092B-C50C-407E-A947-70E740481C1C}">
                       <a14:useLocalDpi xmlns:a14="http://schemas.microsoft.com/office/drawing/2010/main" val="0"/>
@@ -6693,8 +6384,8 @@
               </p:blipFill>
               <p:spPr>
                 <a:xfrm>
-                  <a:off x="16200318" y="17133917"/>
-                  <a:ext cx="3240000" cy="3240000"/>
+                  <a:off x="3600320" y="4533917"/>
+                  <a:ext cx="10800000" cy="10800000"/>
                 </a:xfrm>
                 <a:prstGeom prst="rect">
                   <a:avLst/>
@@ -6703,10 +6394,10 @@
             </p:pic>
             <p:pic>
               <p:nvPicPr>
-                <p:cNvPr id="39" name="그림 38">
+                <p:cNvPr id="22" name="그림 21">
                   <a:extLst>
                     <a:ext uri="{FF2B5EF4-FFF2-40B4-BE49-F238E27FC236}">
-                      <a16:creationId xmlns:a16="http://schemas.microsoft.com/office/drawing/2014/main" id="{70B05AC8-BD0B-4258-BBDD-CD3E57862488}"/>
+                      <a16:creationId xmlns:a16="http://schemas.microsoft.com/office/drawing/2014/main" id="{7EBD7A37-8E94-40D0-A92A-1E0D3145A8A9}"/>
                     </a:ext>
                   </a:extLst>
                 </p:cNvPr>
@@ -6716,7 +6407,7 @@
                 <p:nvPr/>
               </p:nvPicPr>
               <p:blipFill>
-                <a:blip r:embed="rId11">
+                <a:blip r:embed="rId3">
                   <a:extLst>
                     <a:ext uri="{28A0092B-C50C-407E-A947-70E740481C1C}">
                       <a14:useLocalDpi xmlns:a14="http://schemas.microsoft.com/office/drawing/2010/main" val="0"/>
@@ -6729,8 +6420,8 @@
               </p:blipFill>
               <p:spPr>
                 <a:xfrm>
-                  <a:off x="19980318" y="17133917"/>
-                  <a:ext cx="3240000" cy="3240000"/>
+                  <a:off x="16200319" y="4533917"/>
+                  <a:ext cx="10800000" cy="10800000"/>
                 </a:xfrm>
                 <a:prstGeom prst="rect">
                   <a:avLst/>
@@ -6739,10 +6430,10 @@
             </p:pic>
             <p:pic>
               <p:nvPicPr>
-                <p:cNvPr id="41" name="그림 40">
+                <p:cNvPr id="23" name="그림 22">
                   <a:extLst>
                     <a:ext uri="{FF2B5EF4-FFF2-40B4-BE49-F238E27FC236}">
-                      <a16:creationId xmlns:a16="http://schemas.microsoft.com/office/drawing/2014/main" id="{788E18D8-CE55-4CB0-A970-AC82AC582205}"/>
+                      <a16:creationId xmlns:a16="http://schemas.microsoft.com/office/drawing/2014/main" id="{9DA5EAAA-1DB6-4EED-85F5-77577B5263F4}"/>
                     </a:ext>
                   </a:extLst>
                 </p:cNvPr>
@@ -6752,7 +6443,7 @@
                 <p:nvPr/>
               </p:nvPicPr>
               <p:blipFill>
-                <a:blip r:embed="rId12">
+                <a:blip r:embed="rId4">
                   <a:extLst>
                     <a:ext uri="{28A0092B-C50C-407E-A947-70E740481C1C}">
                       <a14:useLocalDpi xmlns:a14="http://schemas.microsoft.com/office/drawing/2010/main" val="0"/>
@@ -6765,8 +6456,8 @@
               </p:blipFill>
               <p:spPr>
                 <a:xfrm>
-                  <a:off x="23760319" y="17133917"/>
-                  <a:ext cx="3240000" cy="3240000"/>
+                  <a:off x="28800319" y="17133917"/>
+                  <a:ext cx="10800000" cy="10800000"/>
                 </a:xfrm>
                 <a:prstGeom prst="rect">
                   <a:avLst/>
@@ -6775,10 +6466,10 @@
             </p:pic>
             <p:pic>
               <p:nvPicPr>
-                <p:cNvPr id="43" name="그림 42">
+                <p:cNvPr id="24" name="그림 23">
                   <a:extLst>
                     <a:ext uri="{FF2B5EF4-FFF2-40B4-BE49-F238E27FC236}">
-                      <a16:creationId xmlns:a16="http://schemas.microsoft.com/office/drawing/2014/main" id="{2C3946A2-96D5-40E8-B70B-26D28D49FCA8}"/>
+                      <a16:creationId xmlns:a16="http://schemas.microsoft.com/office/drawing/2014/main" id="{E0E1BF56-3BFA-4FC1-BD2F-CB012B356025}"/>
                     </a:ext>
                   </a:extLst>
                 </p:cNvPr>
@@ -6788,7 +6479,7 @@
                 <p:nvPr/>
               </p:nvPicPr>
               <p:blipFill>
-                <a:blip r:embed="rId13">
+                <a:blip r:embed="rId5">
                   <a:extLst>
                     <a:ext uri="{28A0092B-C50C-407E-A947-70E740481C1C}">
                       <a14:useLocalDpi xmlns:a14="http://schemas.microsoft.com/office/drawing/2010/main" val="0"/>
@@ -6801,8 +6492,8 @@
               </p:blipFill>
               <p:spPr>
                 <a:xfrm>
-                  <a:off x="23760319" y="20913917"/>
-                  <a:ext cx="3240000" cy="3240000"/>
+                  <a:off x="28800319" y="4533917"/>
+                  <a:ext cx="10800000" cy="10800000"/>
                 </a:xfrm>
                 <a:prstGeom prst="rect">
                   <a:avLst/>
@@ -6811,10 +6502,10 @@
             </p:pic>
             <p:pic>
               <p:nvPicPr>
-                <p:cNvPr id="45" name="그림 44">
+                <p:cNvPr id="3" name="그림 2">
                   <a:extLst>
                     <a:ext uri="{FF2B5EF4-FFF2-40B4-BE49-F238E27FC236}">
-                      <a16:creationId xmlns:a16="http://schemas.microsoft.com/office/drawing/2014/main" id="{E758D147-9DE0-42E6-9AA5-053B952A7C63}"/>
+                      <a16:creationId xmlns:a16="http://schemas.microsoft.com/office/drawing/2014/main" id="{DD4FA6AC-295E-4178-AD52-C9BB972BC06F}"/>
                     </a:ext>
                   </a:extLst>
                 </p:cNvPr>
@@ -6824,7 +6515,7 @@
                 <p:nvPr/>
               </p:nvPicPr>
               <p:blipFill>
-                <a:blip r:embed="rId14">
+                <a:blip r:embed="rId6">
                   <a:extLst>
                     <a:ext uri="{28A0092B-C50C-407E-A947-70E740481C1C}">
                       <a14:useLocalDpi xmlns:a14="http://schemas.microsoft.com/office/drawing/2010/main" val="0"/>
@@ -6837,8 +6528,8 @@
               </p:blipFill>
               <p:spPr>
                 <a:xfrm>
-                  <a:off x="23760319" y="24693917"/>
-                  <a:ext cx="3240000" cy="3240000"/>
+                  <a:off x="28800319" y="29733917"/>
+                  <a:ext cx="10800000" cy="10800000"/>
                 </a:xfrm>
                 <a:prstGeom prst="rect">
                   <a:avLst/>
@@ -6847,10 +6538,10 @@
             </p:pic>
             <p:pic>
               <p:nvPicPr>
-                <p:cNvPr id="47" name="그림 46">
+                <p:cNvPr id="29" name="그림 28">
                   <a:extLst>
                     <a:ext uri="{FF2B5EF4-FFF2-40B4-BE49-F238E27FC236}">
-                      <a16:creationId xmlns:a16="http://schemas.microsoft.com/office/drawing/2014/main" id="{C59C4C96-FEB0-400B-8854-45E459D0B170}"/>
+                      <a16:creationId xmlns:a16="http://schemas.microsoft.com/office/drawing/2014/main" id="{982EA5FD-40E7-4D14-80DF-6624B5980BD3}"/>
                     </a:ext>
                   </a:extLst>
                 </p:cNvPr>
@@ -6860,7 +6551,7 @@
                 <p:nvPr/>
               </p:nvPicPr>
               <p:blipFill>
-                <a:blip r:embed="rId15">
+                <a:blip r:embed="rId7">
                   <a:extLst>
                     <a:ext uri="{28A0092B-C50C-407E-A947-70E740481C1C}">
                       <a14:useLocalDpi xmlns:a14="http://schemas.microsoft.com/office/drawing/2010/main" val="0"/>
@@ -6873,8 +6564,8 @@
               </p:blipFill>
               <p:spPr>
                 <a:xfrm>
-                  <a:off x="19980318" y="24693917"/>
-                  <a:ext cx="3240000" cy="3240000"/>
+                  <a:off x="16200319" y="29733917"/>
+                  <a:ext cx="10800000" cy="10800000"/>
                 </a:xfrm>
                 <a:prstGeom prst="rect">
                   <a:avLst/>
@@ -6883,10 +6574,10 @@
             </p:pic>
             <p:pic>
               <p:nvPicPr>
-                <p:cNvPr id="49" name="그림 48">
+                <p:cNvPr id="31" name="그림 30">
                   <a:extLst>
                     <a:ext uri="{FF2B5EF4-FFF2-40B4-BE49-F238E27FC236}">
-                      <a16:creationId xmlns:a16="http://schemas.microsoft.com/office/drawing/2014/main" id="{49ACD768-EF8D-4286-801D-56CD8C01528A}"/>
+                      <a16:creationId xmlns:a16="http://schemas.microsoft.com/office/drawing/2014/main" id="{8E1D0A1A-9B41-441C-A8F5-E6C91F8D8C5C}"/>
                     </a:ext>
                   </a:extLst>
                 </p:cNvPr>
@@ -6896,7 +6587,7 @@
                 <p:nvPr/>
               </p:nvPicPr>
               <p:blipFill>
-                <a:blip r:embed="rId16">
+                <a:blip r:embed="rId8">
                   <a:extLst>
                     <a:ext uri="{28A0092B-C50C-407E-A947-70E740481C1C}">
                       <a14:useLocalDpi xmlns:a14="http://schemas.microsoft.com/office/drawing/2010/main" val="0"/>
@@ -6909,8 +6600,8 @@
               </p:blipFill>
               <p:spPr>
                 <a:xfrm>
-                  <a:off x="16200318" y="24693917"/>
-                  <a:ext cx="3240000" cy="3240000"/>
+                  <a:off x="3600320" y="29733917"/>
+                  <a:ext cx="10800000" cy="10800000"/>
                 </a:xfrm>
                 <a:prstGeom prst="rect">
                   <a:avLst/>
@@ -6919,10 +6610,10 @@
             </p:pic>
             <p:pic>
               <p:nvPicPr>
-                <p:cNvPr id="51" name="그림 50">
+                <p:cNvPr id="33" name="그림 32">
                   <a:extLst>
                     <a:ext uri="{FF2B5EF4-FFF2-40B4-BE49-F238E27FC236}">
-                      <a16:creationId xmlns:a16="http://schemas.microsoft.com/office/drawing/2014/main" id="{C9220B98-1DC7-4808-95BA-7FF3D20473CA}"/>
+                      <a16:creationId xmlns:a16="http://schemas.microsoft.com/office/drawing/2014/main" id="{56370C09-F8B7-4C9C-832B-E102446AB15F}"/>
                     </a:ext>
                   </a:extLst>
                 </p:cNvPr>
@@ -6932,7 +6623,7 @@
                 <p:nvPr/>
               </p:nvPicPr>
               <p:blipFill>
-                <a:blip r:embed="rId17">
+                <a:blip r:embed="rId9">
                   <a:extLst>
                     <a:ext uri="{28A0092B-C50C-407E-A947-70E740481C1C}">
                       <a14:useLocalDpi xmlns:a14="http://schemas.microsoft.com/office/drawing/2010/main" val="0"/>
@@ -6945,8 +6636,8 @@
               </p:blipFill>
               <p:spPr>
                 <a:xfrm>
-                  <a:off x="16200318" y="20913917"/>
-                  <a:ext cx="3240000" cy="3240000"/>
+                  <a:off x="3600320" y="17133917"/>
+                  <a:ext cx="10800000" cy="10800000"/>
                 </a:xfrm>
                 <a:prstGeom prst="rect">
                   <a:avLst/>
@@ -6954,42 +6645,430 @@
               </p:spPr>
             </p:pic>
           </p:grpSp>
-          <p:pic>
-            <p:nvPicPr>
-              <p:cNvPr id="53" name="그림 52">
+          <p:grpSp>
+            <p:nvGrpSpPr>
+              <p:cNvPr id="6" name="그룹 5">
                 <a:extLst>
                   <a:ext uri="{FF2B5EF4-FFF2-40B4-BE49-F238E27FC236}">
-                    <a16:creationId xmlns:a16="http://schemas.microsoft.com/office/drawing/2014/main" id="{67307BCD-9054-4CC7-AA0D-84D71BE70E09}"/>
+                    <a16:creationId xmlns:a16="http://schemas.microsoft.com/office/drawing/2014/main" id="{27F75F6F-5438-4889-81EC-8627D5E22E58}"/>
                   </a:ext>
                 </a:extLst>
               </p:cNvPr>
-              <p:cNvPicPr>
-                <a:picLocks noChangeAspect="1"/>
-              </p:cNvPicPr>
+              <p:cNvGrpSpPr>
+                <a:grpSpLocks noChangeAspect="1"/>
+              </p:cNvGrpSpPr>
               <p:nvPr/>
-            </p:nvPicPr>
-            <p:blipFill>
-              <a:blip r:embed="rId18">
-                <a:extLst>
-                  <a:ext uri="{28A0092B-C50C-407E-A947-70E740481C1C}">
-                    <a14:useLocalDpi xmlns:a14="http://schemas.microsoft.com/office/drawing/2010/main" val="0"/>
-                  </a:ext>
-                </a:extLst>
-              </a:blip>
-              <a:stretch>
-                <a:fillRect/>
-              </a:stretch>
-            </p:blipFill>
-            <p:spPr>
+            </p:nvGrpSpPr>
+            <p:grpSpPr>
               <a:xfrm>
-                <a:off x="20880318" y="21813917"/>
-                <a:ext cx="1440000" cy="1440000"/>
+                <a:off x="39073126" y="17133917"/>
+                <a:ext cx="10800001" cy="10800000"/>
+                <a:chOff x="16200318" y="17133917"/>
+                <a:chExt cx="10800001" cy="10800000"/>
               </a:xfrm>
-              <a:prstGeom prst="rect">
-                <a:avLst/>
-              </a:prstGeom>
-            </p:spPr>
-          </p:pic>
+            </p:grpSpPr>
+            <p:grpSp>
+              <p:nvGrpSpPr>
+                <p:cNvPr id="5" name="그룹 4">
+                  <a:extLst>
+                    <a:ext uri="{FF2B5EF4-FFF2-40B4-BE49-F238E27FC236}">
+                      <a16:creationId xmlns:a16="http://schemas.microsoft.com/office/drawing/2014/main" id="{3A5151D6-F1A8-4C68-BE1E-6D6EEFEC9678}"/>
+                    </a:ext>
+                  </a:extLst>
+                </p:cNvPr>
+                <p:cNvGrpSpPr>
+                  <a:grpSpLocks noChangeAspect="1"/>
+                </p:cNvGrpSpPr>
+                <p:nvPr/>
+              </p:nvGrpSpPr>
+              <p:grpSpPr>
+                <a:xfrm>
+                  <a:off x="16200318" y="17133917"/>
+                  <a:ext cx="10800001" cy="10800000"/>
+                  <a:chOff x="16200318" y="17133917"/>
+                  <a:chExt cx="10800001" cy="10800000"/>
+                </a:xfrm>
+              </p:grpSpPr>
+              <p:sp>
+                <p:nvSpPr>
+                  <p:cNvPr id="14" name="직사각형 13">
+                    <a:extLst>
+                      <a:ext uri="{FF2B5EF4-FFF2-40B4-BE49-F238E27FC236}">
+                        <a16:creationId xmlns:a16="http://schemas.microsoft.com/office/drawing/2014/main" id="{EB82289C-B3FF-42BF-BCD0-0E85F7901C15}"/>
+                      </a:ext>
+                    </a:extLst>
+                  </p:cNvPr>
+                  <p:cNvSpPr>
+                    <a:spLocks noChangeAspect="1"/>
+                  </p:cNvSpPr>
+                  <p:nvPr/>
+                </p:nvSpPr>
+                <p:spPr>
+                  <a:xfrm>
+                    <a:off x="16200318" y="17133917"/>
+                    <a:ext cx="10800000" cy="10800000"/>
+                  </a:xfrm>
+                  <a:prstGeom prst="rect">
+                    <a:avLst/>
+                  </a:prstGeom>
+                  <a:solidFill>
+                    <a:schemeClr val="bg1"/>
+                  </a:solidFill>
+                  <a:ln>
+                    <a:noFill/>
+                  </a:ln>
+                </p:spPr>
+                <p:style>
+                  <a:lnRef idx="2">
+                    <a:schemeClr val="accent1">
+                      <a:shade val="50000"/>
+                    </a:schemeClr>
+                  </a:lnRef>
+                  <a:fillRef idx="1">
+                    <a:schemeClr val="accent1"/>
+                  </a:fillRef>
+                  <a:effectRef idx="0">
+                    <a:schemeClr val="accent1"/>
+                  </a:effectRef>
+                  <a:fontRef idx="minor">
+                    <a:schemeClr val="lt1"/>
+                  </a:fontRef>
+                </p:style>
+                <p:txBody>
+                  <a:bodyPr rtlCol="0" anchor="ctr"/>
+                  <a:lstStyle/>
+                  <a:p>
+                    <a:pPr algn="ctr"/>
+                    <a:endParaRPr lang="en-US" sz="2152"/>
+                  </a:p>
+                </p:txBody>
+              </p:sp>
+              <p:pic>
+                <p:nvPicPr>
+                  <p:cNvPr id="37" name="그림 36">
+                    <a:extLst>
+                      <a:ext uri="{FF2B5EF4-FFF2-40B4-BE49-F238E27FC236}">
+                        <a16:creationId xmlns:a16="http://schemas.microsoft.com/office/drawing/2014/main" id="{757220ED-3FB8-499F-A115-753735506A11}"/>
+                      </a:ext>
+                    </a:extLst>
+                  </p:cNvPr>
+                  <p:cNvPicPr>
+                    <a:picLocks noChangeAspect="1"/>
+                  </p:cNvPicPr>
+                  <p:nvPr/>
+                </p:nvPicPr>
+                <p:blipFill>
+                  <a:blip r:embed="rId10">
+                    <a:extLst>
+                      <a:ext uri="{28A0092B-C50C-407E-A947-70E740481C1C}">
+                        <a14:useLocalDpi xmlns:a14="http://schemas.microsoft.com/office/drawing/2010/main" val="0"/>
+                      </a:ext>
+                    </a:extLst>
+                  </a:blip>
+                  <a:stretch>
+                    <a:fillRect/>
+                  </a:stretch>
+                </p:blipFill>
+                <p:spPr>
+                  <a:xfrm>
+                    <a:off x="16200318" y="17133917"/>
+                    <a:ext cx="3240000" cy="3240000"/>
+                  </a:xfrm>
+                  <a:prstGeom prst="rect">
+                    <a:avLst/>
+                  </a:prstGeom>
+                </p:spPr>
+              </p:pic>
+              <p:pic>
+                <p:nvPicPr>
+                  <p:cNvPr id="39" name="그림 38">
+                    <a:extLst>
+                      <a:ext uri="{FF2B5EF4-FFF2-40B4-BE49-F238E27FC236}">
+                        <a16:creationId xmlns:a16="http://schemas.microsoft.com/office/drawing/2014/main" id="{70B05AC8-BD0B-4258-BBDD-CD3E57862488}"/>
+                      </a:ext>
+                    </a:extLst>
+                  </p:cNvPr>
+                  <p:cNvPicPr>
+                    <a:picLocks noChangeAspect="1"/>
+                  </p:cNvPicPr>
+                  <p:nvPr/>
+                </p:nvPicPr>
+                <p:blipFill>
+                  <a:blip r:embed="rId11">
+                    <a:extLst>
+                      <a:ext uri="{28A0092B-C50C-407E-A947-70E740481C1C}">
+                        <a14:useLocalDpi xmlns:a14="http://schemas.microsoft.com/office/drawing/2010/main" val="0"/>
+                      </a:ext>
+                    </a:extLst>
+                  </a:blip>
+                  <a:stretch>
+                    <a:fillRect/>
+                  </a:stretch>
+                </p:blipFill>
+                <p:spPr>
+                  <a:xfrm>
+                    <a:off x="19980318" y="17133917"/>
+                    <a:ext cx="3240000" cy="3240000"/>
+                  </a:xfrm>
+                  <a:prstGeom prst="rect">
+                    <a:avLst/>
+                  </a:prstGeom>
+                </p:spPr>
+              </p:pic>
+              <p:pic>
+                <p:nvPicPr>
+                  <p:cNvPr id="41" name="그림 40">
+                    <a:extLst>
+                      <a:ext uri="{FF2B5EF4-FFF2-40B4-BE49-F238E27FC236}">
+                        <a16:creationId xmlns:a16="http://schemas.microsoft.com/office/drawing/2014/main" id="{788E18D8-CE55-4CB0-A970-AC82AC582205}"/>
+                      </a:ext>
+                    </a:extLst>
+                  </p:cNvPr>
+                  <p:cNvPicPr>
+                    <a:picLocks noChangeAspect="1"/>
+                  </p:cNvPicPr>
+                  <p:nvPr/>
+                </p:nvPicPr>
+                <p:blipFill>
+                  <a:blip r:embed="rId12">
+                    <a:extLst>
+                      <a:ext uri="{28A0092B-C50C-407E-A947-70E740481C1C}">
+                        <a14:useLocalDpi xmlns:a14="http://schemas.microsoft.com/office/drawing/2010/main" val="0"/>
+                      </a:ext>
+                    </a:extLst>
+                  </a:blip>
+                  <a:stretch>
+                    <a:fillRect/>
+                  </a:stretch>
+                </p:blipFill>
+                <p:spPr>
+                  <a:xfrm>
+                    <a:off x="23760319" y="17133917"/>
+                    <a:ext cx="3240000" cy="3240000"/>
+                  </a:xfrm>
+                  <a:prstGeom prst="rect">
+                    <a:avLst/>
+                  </a:prstGeom>
+                </p:spPr>
+              </p:pic>
+              <p:pic>
+                <p:nvPicPr>
+                  <p:cNvPr id="43" name="그림 42">
+                    <a:extLst>
+                      <a:ext uri="{FF2B5EF4-FFF2-40B4-BE49-F238E27FC236}">
+                        <a16:creationId xmlns:a16="http://schemas.microsoft.com/office/drawing/2014/main" id="{2C3946A2-96D5-40E8-B70B-26D28D49FCA8}"/>
+                      </a:ext>
+                    </a:extLst>
+                  </p:cNvPr>
+                  <p:cNvPicPr>
+                    <a:picLocks noChangeAspect="1"/>
+                  </p:cNvPicPr>
+                  <p:nvPr/>
+                </p:nvPicPr>
+                <p:blipFill>
+                  <a:blip r:embed="rId13">
+                    <a:extLst>
+                      <a:ext uri="{28A0092B-C50C-407E-A947-70E740481C1C}">
+                        <a14:useLocalDpi xmlns:a14="http://schemas.microsoft.com/office/drawing/2010/main" val="0"/>
+                      </a:ext>
+                    </a:extLst>
+                  </a:blip>
+                  <a:stretch>
+                    <a:fillRect/>
+                  </a:stretch>
+                </p:blipFill>
+                <p:spPr>
+                  <a:xfrm>
+                    <a:off x="23760319" y="20913917"/>
+                    <a:ext cx="3240000" cy="3240000"/>
+                  </a:xfrm>
+                  <a:prstGeom prst="rect">
+                    <a:avLst/>
+                  </a:prstGeom>
+                </p:spPr>
+              </p:pic>
+              <p:pic>
+                <p:nvPicPr>
+                  <p:cNvPr id="45" name="그림 44">
+                    <a:extLst>
+                      <a:ext uri="{FF2B5EF4-FFF2-40B4-BE49-F238E27FC236}">
+                        <a16:creationId xmlns:a16="http://schemas.microsoft.com/office/drawing/2014/main" id="{E758D147-9DE0-42E6-9AA5-053B952A7C63}"/>
+                      </a:ext>
+                    </a:extLst>
+                  </p:cNvPr>
+                  <p:cNvPicPr>
+                    <a:picLocks noChangeAspect="1"/>
+                  </p:cNvPicPr>
+                  <p:nvPr/>
+                </p:nvPicPr>
+                <p:blipFill>
+                  <a:blip r:embed="rId14">
+                    <a:extLst>
+                      <a:ext uri="{28A0092B-C50C-407E-A947-70E740481C1C}">
+                        <a14:useLocalDpi xmlns:a14="http://schemas.microsoft.com/office/drawing/2010/main" val="0"/>
+                      </a:ext>
+                    </a:extLst>
+                  </a:blip>
+                  <a:stretch>
+                    <a:fillRect/>
+                  </a:stretch>
+                </p:blipFill>
+                <p:spPr>
+                  <a:xfrm>
+                    <a:off x="23760319" y="24693917"/>
+                    <a:ext cx="3240000" cy="3240000"/>
+                  </a:xfrm>
+                  <a:prstGeom prst="rect">
+                    <a:avLst/>
+                  </a:prstGeom>
+                </p:spPr>
+              </p:pic>
+              <p:pic>
+                <p:nvPicPr>
+                  <p:cNvPr id="47" name="그림 46">
+                    <a:extLst>
+                      <a:ext uri="{FF2B5EF4-FFF2-40B4-BE49-F238E27FC236}">
+                        <a16:creationId xmlns:a16="http://schemas.microsoft.com/office/drawing/2014/main" id="{C59C4C96-FEB0-400B-8854-45E459D0B170}"/>
+                      </a:ext>
+                    </a:extLst>
+                  </p:cNvPr>
+                  <p:cNvPicPr>
+                    <a:picLocks noChangeAspect="1"/>
+                  </p:cNvPicPr>
+                  <p:nvPr/>
+                </p:nvPicPr>
+                <p:blipFill>
+                  <a:blip r:embed="rId15">
+                    <a:extLst>
+                      <a:ext uri="{28A0092B-C50C-407E-A947-70E740481C1C}">
+                        <a14:useLocalDpi xmlns:a14="http://schemas.microsoft.com/office/drawing/2010/main" val="0"/>
+                      </a:ext>
+                    </a:extLst>
+                  </a:blip>
+                  <a:stretch>
+                    <a:fillRect/>
+                  </a:stretch>
+                </p:blipFill>
+                <p:spPr>
+                  <a:xfrm>
+                    <a:off x="19980318" y="24693917"/>
+                    <a:ext cx="3240000" cy="3240000"/>
+                  </a:xfrm>
+                  <a:prstGeom prst="rect">
+                    <a:avLst/>
+                  </a:prstGeom>
+                </p:spPr>
+              </p:pic>
+              <p:pic>
+                <p:nvPicPr>
+                  <p:cNvPr id="49" name="그림 48">
+                    <a:extLst>
+                      <a:ext uri="{FF2B5EF4-FFF2-40B4-BE49-F238E27FC236}">
+                        <a16:creationId xmlns:a16="http://schemas.microsoft.com/office/drawing/2014/main" id="{49ACD768-EF8D-4286-801D-56CD8C01528A}"/>
+                      </a:ext>
+                    </a:extLst>
+                  </p:cNvPr>
+                  <p:cNvPicPr>
+                    <a:picLocks noChangeAspect="1"/>
+                  </p:cNvPicPr>
+                  <p:nvPr/>
+                </p:nvPicPr>
+                <p:blipFill>
+                  <a:blip r:embed="rId16">
+                    <a:extLst>
+                      <a:ext uri="{28A0092B-C50C-407E-A947-70E740481C1C}">
+                        <a14:useLocalDpi xmlns:a14="http://schemas.microsoft.com/office/drawing/2010/main" val="0"/>
+                      </a:ext>
+                    </a:extLst>
+                  </a:blip>
+                  <a:stretch>
+                    <a:fillRect/>
+                  </a:stretch>
+                </p:blipFill>
+                <p:spPr>
+                  <a:xfrm>
+                    <a:off x="16200318" y="24693917"/>
+                    <a:ext cx="3240000" cy="3240000"/>
+                  </a:xfrm>
+                  <a:prstGeom prst="rect">
+                    <a:avLst/>
+                  </a:prstGeom>
+                </p:spPr>
+              </p:pic>
+              <p:pic>
+                <p:nvPicPr>
+                  <p:cNvPr id="51" name="그림 50">
+                    <a:extLst>
+                      <a:ext uri="{FF2B5EF4-FFF2-40B4-BE49-F238E27FC236}">
+                        <a16:creationId xmlns:a16="http://schemas.microsoft.com/office/drawing/2014/main" id="{C9220B98-1DC7-4808-95BA-7FF3D20473CA}"/>
+                      </a:ext>
+                    </a:extLst>
+                  </p:cNvPr>
+                  <p:cNvPicPr>
+                    <a:picLocks noChangeAspect="1"/>
+                  </p:cNvPicPr>
+                  <p:nvPr/>
+                </p:nvPicPr>
+                <p:blipFill>
+                  <a:blip r:embed="rId17">
+                    <a:extLst>
+                      <a:ext uri="{28A0092B-C50C-407E-A947-70E740481C1C}">
+                        <a14:useLocalDpi xmlns:a14="http://schemas.microsoft.com/office/drawing/2010/main" val="0"/>
+                      </a:ext>
+                    </a:extLst>
+                  </a:blip>
+                  <a:stretch>
+                    <a:fillRect/>
+                  </a:stretch>
+                </p:blipFill>
+                <p:spPr>
+                  <a:xfrm>
+                    <a:off x="16200318" y="20913917"/>
+                    <a:ext cx="3240000" cy="3240000"/>
+                  </a:xfrm>
+                  <a:prstGeom prst="rect">
+                    <a:avLst/>
+                  </a:prstGeom>
+                </p:spPr>
+              </p:pic>
+            </p:grpSp>
+            <p:pic>
+              <p:nvPicPr>
+                <p:cNvPr id="53" name="그림 52">
+                  <a:extLst>
+                    <a:ext uri="{FF2B5EF4-FFF2-40B4-BE49-F238E27FC236}">
+                      <a16:creationId xmlns:a16="http://schemas.microsoft.com/office/drawing/2014/main" id="{67307BCD-9054-4CC7-AA0D-84D71BE70E09}"/>
+                    </a:ext>
+                  </a:extLst>
+                </p:cNvPr>
+                <p:cNvPicPr>
+                  <a:picLocks noChangeAspect="1"/>
+                </p:cNvPicPr>
+                <p:nvPr/>
+              </p:nvPicPr>
+              <p:blipFill>
+                <a:blip r:embed="rId18">
+                  <a:extLst>
+                    <a:ext uri="{28A0092B-C50C-407E-A947-70E740481C1C}">
+                      <a14:useLocalDpi xmlns:a14="http://schemas.microsoft.com/office/drawing/2010/main" val="0"/>
+                    </a:ext>
+                  </a:extLst>
+                </a:blip>
+                <a:stretch>
+                  <a:fillRect/>
+                </a:stretch>
+              </p:blipFill>
+              <p:spPr>
+                <a:xfrm>
+                  <a:off x="20880318" y="21813917"/>
+                  <a:ext cx="1440000" cy="1440000"/>
+                </a:xfrm>
+                <a:prstGeom prst="rect">
+                  <a:avLst/>
+                </a:prstGeom>
+              </p:spPr>
+            </p:pic>
+          </p:grpSp>
         </p:grpSp>
       </p:grpSp>
     </p:spTree>
@@ -8220,294 +8299,6 @@
           </a:fontRef>
         </p:style>
       </p:cxnSp>
-      <p:pic>
-        <p:nvPicPr>
-          <p:cNvPr id="73" name="그림 72">
-            <a:extLst>
-              <a:ext uri="{FF2B5EF4-FFF2-40B4-BE49-F238E27FC236}">
-                <a16:creationId xmlns:a16="http://schemas.microsoft.com/office/drawing/2014/main" id="{1FA468F6-F915-485C-8277-9E5B43F41EE1}"/>
-              </a:ext>
-            </a:extLst>
-          </p:cNvPr>
-          <p:cNvPicPr>
-            <a:picLocks noChangeAspect="1"/>
-          </p:cNvPicPr>
-          <p:nvPr/>
-        </p:nvPicPr>
-        <p:blipFill>
-          <a:blip r:embed="rId2">
-            <a:extLst>
-              <a:ext uri="{28A0092B-C50C-407E-A947-70E740481C1C}">
-                <a14:useLocalDpi xmlns:a14="http://schemas.microsoft.com/office/drawing/2010/main" val="0"/>
-              </a:ext>
-            </a:extLst>
-          </a:blip>
-          <a:stretch>
-            <a:fillRect/>
-          </a:stretch>
-        </p:blipFill>
-        <p:spPr>
-          <a:xfrm>
-            <a:off x="3600320" y="-39802144"/>
-            <a:ext cx="10800000" cy="10800000"/>
-          </a:xfrm>
-          <a:prstGeom prst="rect">
-            <a:avLst/>
-          </a:prstGeom>
-        </p:spPr>
-      </p:pic>
-      <p:pic>
-        <p:nvPicPr>
-          <p:cNvPr id="74" name="그림 73">
-            <a:extLst>
-              <a:ext uri="{FF2B5EF4-FFF2-40B4-BE49-F238E27FC236}">
-                <a16:creationId xmlns:a16="http://schemas.microsoft.com/office/drawing/2014/main" id="{808D43C7-148B-4E8F-97CB-2AE17CA4BA54}"/>
-              </a:ext>
-            </a:extLst>
-          </p:cNvPr>
-          <p:cNvPicPr>
-            <a:picLocks noChangeAspect="1"/>
-          </p:cNvPicPr>
-          <p:nvPr/>
-        </p:nvPicPr>
-        <p:blipFill>
-          <a:blip r:embed="rId3">
-            <a:extLst>
-              <a:ext uri="{28A0092B-C50C-407E-A947-70E740481C1C}">
-                <a14:useLocalDpi xmlns:a14="http://schemas.microsoft.com/office/drawing/2010/main" val="0"/>
-              </a:ext>
-            </a:extLst>
-          </a:blip>
-          <a:stretch>
-            <a:fillRect/>
-          </a:stretch>
-        </p:blipFill>
-        <p:spPr>
-          <a:xfrm>
-            <a:off x="16200319" y="-39802144"/>
-            <a:ext cx="10800000" cy="10800000"/>
-          </a:xfrm>
-          <a:prstGeom prst="rect">
-            <a:avLst/>
-          </a:prstGeom>
-        </p:spPr>
-      </p:pic>
-      <p:pic>
-        <p:nvPicPr>
-          <p:cNvPr id="75" name="그림 74">
-            <a:extLst>
-              <a:ext uri="{FF2B5EF4-FFF2-40B4-BE49-F238E27FC236}">
-                <a16:creationId xmlns:a16="http://schemas.microsoft.com/office/drawing/2014/main" id="{34746A2C-0070-4ABE-AC3B-B8B22B5E24A2}"/>
-              </a:ext>
-            </a:extLst>
-          </p:cNvPr>
-          <p:cNvPicPr>
-            <a:picLocks noChangeAspect="1"/>
-          </p:cNvPicPr>
-          <p:nvPr/>
-        </p:nvPicPr>
-        <p:blipFill>
-          <a:blip r:embed="rId4">
-            <a:extLst>
-              <a:ext uri="{28A0092B-C50C-407E-A947-70E740481C1C}">
-                <a14:useLocalDpi xmlns:a14="http://schemas.microsoft.com/office/drawing/2010/main" val="0"/>
-              </a:ext>
-            </a:extLst>
-          </a:blip>
-          <a:stretch>
-            <a:fillRect/>
-          </a:stretch>
-        </p:blipFill>
-        <p:spPr>
-          <a:xfrm>
-            <a:off x="28800319" y="-27202144"/>
-            <a:ext cx="10800000" cy="10800000"/>
-          </a:xfrm>
-          <a:prstGeom prst="rect">
-            <a:avLst/>
-          </a:prstGeom>
-        </p:spPr>
-      </p:pic>
-      <p:pic>
-        <p:nvPicPr>
-          <p:cNvPr id="76" name="그림 75">
-            <a:extLst>
-              <a:ext uri="{FF2B5EF4-FFF2-40B4-BE49-F238E27FC236}">
-                <a16:creationId xmlns:a16="http://schemas.microsoft.com/office/drawing/2014/main" id="{5CE2CE56-05F1-4C88-B690-5460D7A0C175}"/>
-              </a:ext>
-            </a:extLst>
-          </p:cNvPr>
-          <p:cNvPicPr>
-            <a:picLocks noChangeAspect="1"/>
-          </p:cNvPicPr>
-          <p:nvPr/>
-        </p:nvPicPr>
-        <p:blipFill>
-          <a:blip r:embed="rId5">
-            <a:extLst>
-              <a:ext uri="{28A0092B-C50C-407E-A947-70E740481C1C}">
-                <a14:useLocalDpi xmlns:a14="http://schemas.microsoft.com/office/drawing/2010/main" val="0"/>
-              </a:ext>
-            </a:extLst>
-          </a:blip>
-          <a:stretch>
-            <a:fillRect/>
-          </a:stretch>
-        </p:blipFill>
-        <p:spPr>
-          <a:xfrm>
-            <a:off x="28800319" y="-39802144"/>
-            <a:ext cx="10800000" cy="10800000"/>
-          </a:xfrm>
-          <a:prstGeom prst="rect">
-            <a:avLst/>
-          </a:prstGeom>
-        </p:spPr>
-      </p:pic>
-      <p:pic>
-        <p:nvPicPr>
-          <p:cNvPr id="77" name="그림 76">
-            <a:extLst>
-              <a:ext uri="{FF2B5EF4-FFF2-40B4-BE49-F238E27FC236}">
-                <a16:creationId xmlns:a16="http://schemas.microsoft.com/office/drawing/2014/main" id="{CC71CA33-4BE1-43FD-A563-EA0623C98CE5}"/>
-              </a:ext>
-            </a:extLst>
-          </p:cNvPr>
-          <p:cNvPicPr>
-            <a:picLocks noChangeAspect="1"/>
-          </p:cNvPicPr>
-          <p:nvPr/>
-        </p:nvPicPr>
-        <p:blipFill>
-          <a:blip r:embed="rId6">
-            <a:extLst>
-              <a:ext uri="{28A0092B-C50C-407E-A947-70E740481C1C}">
-                <a14:useLocalDpi xmlns:a14="http://schemas.microsoft.com/office/drawing/2010/main" val="0"/>
-              </a:ext>
-            </a:extLst>
-          </a:blip>
-          <a:stretch>
-            <a:fillRect/>
-          </a:stretch>
-        </p:blipFill>
-        <p:spPr>
-          <a:xfrm>
-            <a:off x="28800319" y="-14602144"/>
-            <a:ext cx="10800000" cy="10800000"/>
-          </a:xfrm>
-          <a:prstGeom prst="rect">
-            <a:avLst/>
-          </a:prstGeom>
-        </p:spPr>
-      </p:pic>
-      <p:pic>
-        <p:nvPicPr>
-          <p:cNvPr id="78" name="그림 77">
-            <a:extLst>
-              <a:ext uri="{FF2B5EF4-FFF2-40B4-BE49-F238E27FC236}">
-                <a16:creationId xmlns:a16="http://schemas.microsoft.com/office/drawing/2014/main" id="{ADBD7DA1-D891-4CA2-96B8-9AD1B4FF25F7}"/>
-              </a:ext>
-            </a:extLst>
-          </p:cNvPr>
-          <p:cNvPicPr>
-            <a:picLocks noChangeAspect="1"/>
-          </p:cNvPicPr>
-          <p:nvPr/>
-        </p:nvPicPr>
-        <p:blipFill>
-          <a:blip r:embed="rId7">
-            <a:extLst>
-              <a:ext uri="{28A0092B-C50C-407E-A947-70E740481C1C}">
-                <a14:useLocalDpi xmlns:a14="http://schemas.microsoft.com/office/drawing/2010/main" val="0"/>
-              </a:ext>
-            </a:extLst>
-          </a:blip>
-          <a:stretch>
-            <a:fillRect/>
-          </a:stretch>
-        </p:blipFill>
-        <p:spPr>
-          <a:xfrm>
-            <a:off x="16200319" y="-14602144"/>
-            <a:ext cx="10800000" cy="10800000"/>
-          </a:xfrm>
-          <a:prstGeom prst="rect">
-            <a:avLst/>
-          </a:prstGeom>
-        </p:spPr>
-      </p:pic>
-      <p:pic>
-        <p:nvPicPr>
-          <p:cNvPr id="79" name="그림 78">
-            <a:extLst>
-              <a:ext uri="{FF2B5EF4-FFF2-40B4-BE49-F238E27FC236}">
-                <a16:creationId xmlns:a16="http://schemas.microsoft.com/office/drawing/2014/main" id="{74891A88-578E-412E-93A4-FDA5A56D5368}"/>
-              </a:ext>
-            </a:extLst>
-          </p:cNvPr>
-          <p:cNvPicPr>
-            <a:picLocks noChangeAspect="1"/>
-          </p:cNvPicPr>
-          <p:nvPr/>
-        </p:nvPicPr>
-        <p:blipFill>
-          <a:blip r:embed="rId8">
-            <a:extLst>
-              <a:ext uri="{28A0092B-C50C-407E-A947-70E740481C1C}">
-                <a14:useLocalDpi xmlns:a14="http://schemas.microsoft.com/office/drawing/2010/main" val="0"/>
-              </a:ext>
-            </a:extLst>
-          </a:blip>
-          <a:stretch>
-            <a:fillRect/>
-          </a:stretch>
-        </p:blipFill>
-        <p:spPr>
-          <a:xfrm>
-            <a:off x="3600320" y="-14602144"/>
-            <a:ext cx="10800000" cy="10800000"/>
-          </a:xfrm>
-          <a:prstGeom prst="rect">
-            <a:avLst/>
-          </a:prstGeom>
-        </p:spPr>
-      </p:pic>
-      <p:pic>
-        <p:nvPicPr>
-          <p:cNvPr id="80" name="그림 79">
-            <a:extLst>
-              <a:ext uri="{FF2B5EF4-FFF2-40B4-BE49-F238E27FC236}">
-                <a16:creationId xmlns:a16="http://schemas.microsoft.com/office/drawing/2014/main" id="{7943F519-8A02-426E-ACCC-5E2E5520B0B3}"/>
-              </a:ext>
-            </a:extLst>
-          </p:cNvPr>
-          <p:cNvPicPr>
-            <a:picLocks noChangeAspect="1"/>
-          </p:cNvPicPr>
-          <p:nvPr/>
-        </p:nvPicPr>
-        <p:blipFill>
-          <a:blip r:embed="rId9">
-            <a:extLst>
-              <a:ext uri="{28A0092B-C50C-407E-A947-70E740481C1C}">
-                <a14:useLocalDpi xmlns:a14="http://schemas.microsoft.com/office/drawing/2010/main" val="0"/>
-              </a:ext>
-            </a:extLst>
-          </a:blip>
-          <a:stretch>
-            <a:fillRect/>
-          </a:stretch>
-        </p:blipFill>
-        <p:spPr>
-          <a:xfrm>
-            <a:off x="3600320" y="-27202144"/>
-            <a:ext cx="10800000" cy="10800000"/>
-          </a:xfrm>
-          <a:prstGeom prst="rect">
-            <a:avLst/>
-          </a:prstGeom>
-        </p:spPr>
-      </p:pic>
       <p:cxnSp>
         <p:nvCxnSpPr>
           <p:cNvPr id="81" name="직선 연결선 80">
@@ -8712,6 +8503,6259 @@
     <p:extLst>
       <p:ext uri="{BB962C8B-B14F-4D97-AF65-F5344CB8AC3E}">
         <p14:creationId xmlns:p14="http://schemas.microsoft.com/office/powerpoint/2010/main" val="628793669"/>
+      </p:ext>
+    </p:extLst>
+  </p:cSld>
+  <p:clrMapOvr>
+    <a:masterClrMapping/>
+  </p:clrMapOvr>
+</p:sld>
+</file>
+
+<file path=ppt/slides/slide7.xml><?xml version="1.0" encoding="utf-8"?>
+<p:sld xmlns:a="http://schemas.openxmlformats.org/drawingml/2006/main" xmlns:r="http://schemas.openxmlformats.org/officeDocument/2006/relationships" xmlns:p="http://schemas.openxmlformats.org/presentationml/2006/main">
+  <p:cSld>
+    <p:spTree>
+      <p:nvGrpSpPr>
+        <p:cNvPr id="1" name=""/>
+        <p:cNvGrpSpPr/>
+        <p:nvPr/>
+      </p:nvGrpSpPr>
+      <p:grpSpPr>
+        <a:xfrm>
+          <a:off x="0" y="0"/>
+          <a:ext cx="0" cy="0"/>
+          <a:chOff x="0" y="0"/>
+          <a:chExt cx="0" cy="0"/>
+        </a:xfrm>
+      </p:grpSpPr>
+      <p:sp>
+        <p:nvSpPr>
+          <p:cNvPr id="25" name="TextBox 24">
+            <a:extLst>
+              <a:ext uri="{FF2B5EF4-FFF2-40B4-BE49-F238E27FC236}">
+                <a16:creationId xmlns:a16="http://schemas.microsoft.com/office/drawing/2014/main" id="{87900024-C425-48D4-8434-19D57474403D}"/>
+              </a:ext>
+            </a:extLst>
+          </p:cNvPr>
+          <p:cNvSpPr txBox="1"/>
+          <p:nvPr/>
+        </p:nvSpPr>
+        <p:spPr>
+          <a:xfrm>
+            <a:off x="9974380" y="425083"/>
+            <a:ext cx="23251878" cy="1878528"/>
+          </a:xfrm>
+          <a:prstGeom prst="rect">
+            <a:avLst/>
+          </a:prstGeom>
+          <a:noFill/>
+        </p:spPr>
+        <p:txBody>
+          <a:bodyPr wrap="none" rtlCol="0">
+            <a:spAutoFit/>
+          </a:bodyPr>
+          <a:lstStyle/>
+          <a:p>
+            <a:r>
+              <a:rPr lang="en-US" sz="11607" b="1" dirty="0">
+                <a:latin typeface="Arial" panose="020B0604020202020204" pitchFamily="34" charset="0"/>
+              </a:rPr>
+              <a:t>Integration marker 4 with margin</a:t>
+            </a:r>
+          </a:p>
+        </p:txBody>
+      </p:sp>
+      <p:grpSp>
+        <p:nvGrpSpPr>
+          <p:cNvPr id="27" name="그룹 26">
+            <a:extLst>
+              <a:ext uri="{FF2B5EF4-FFF2-40B4-BE49-F238E27FC236}">
+                <a16:creationId xmlns:a16="http://schemas.microsoft.com/office/drawing/2014/main" id="{EE173BCE-CE1A-4E10-84A9-8A511AA22770}"/>
+              </a:ext>
+            </a:extLst>
+          </p:cNvPr>
+          <p:cNvGrpSpPr>
+            <a:grpSpLocks noChangeAspect="1"/>
+          </p:cNvGrpSpPr>
+          <p:nvPr/>
+        </p:nvGrpSpPr>
+        <p:grpSpPr>
+          <a:xfrm>
+            <a:off x="1800319" y="2714719"/>
+            <a:ext cx="39600000" cy="39600000"/>
+            <a:chOff x="23400478" y="7214719"/>
+            <a:chExt cx="39600000" cy="39600000"/>
+          </a:xfrm>
+        </p:grpSpPr>
+        <p:sp>
+          <p:nvSpPr>
+            <p:cNvPr id="26" name="직사각형 25">
+              <a:extLst>
+                <a:ext uri="{FF2B5EF4-FFF2-40B4-BE49-F238E27FC236}">
+                  <a16:creationId xmlns:a16="http://schemas.microsoft.com/office/drawing/2014/main" id="{D0B8A266-0309-4B31-BDCC-F881D8C87450}"/>
+                </a:ext>
+              </a:extLst>
+            </p:cNvPr>
+            <p:cNvSpPr>
+              <a:spLocks noChangeAspect="1"/>
+            </p:cNvSpPr>
+            <p:nvPr/>
+          </p:nvSpPr>
+          <p:spPr>
+            <a:xfrm>
+              <a:off x="23400478" y="7214719"/>
+              <a:ext cx="39600000" cy="39600000"/>
+            </a:xfrm>
+            <a:prstGeom prst="rect">
+              <a:avLst/>
+            </a:prstGeom>
+            <a:solidFill>
+              <a:schemeClr val="bg1"/>
+            </a:solidFill>
+            <a:ln>
+              <a:noFill/>
+            </a:ln>
+          </p:spPr>
+          <p:style>
+            <a:lnRef idx="2">
+              <a:schemeClr val="accent1">
+                <a:shade val="50000"/>
+              </a:schemeClr>
+            </a:lnRef>
+            <a:fillRef idx="1">
+              <a:schemeClr val="accent1"/>
+            </a:fillRef>
+            <a:effectRef idx="0">
+              <a:schemeClr val="accent1"/>
+            </a:effectRef>
+            <a:fontRef idx="minor">
+              <a:schemeClr val="lt1"/>
+            </a:fontRef>
+          </p:style>
+          <p:txBody>
+            <a:bodyPr rtlCol="0" anchor="ctr"/>
+            <a:lstStyle/>
+            <a:p>
+              <a:pPr algn="ctr"/>
+              <a:endParaRPr lang="en-US"/>
+            </a:p>
+          </p:txBody>
+        </p:sp>
+        <p:grpSp>
+          <p:nvGrpSpPr>
+            <p:cNvPr id="20" name="그룹 19">
+              <a:extLst>
+                <a:ext uri="{FF2B5EF4-FFF2-40B4-BE49-F238E27FC236}">
+                  <a16:creationId xmlns:a16="http://schemas.microsoft.com/office/drawing/2014/main" id="{085AA4E1-3A9D-4FE9-9FCB-BB498410DD18}"/>
+                </a:ext>
+              </a:extLst>
+            </p:cNvPr>
+            <p:cNvGrpSpPr>
+              <a:grpSpLocks noChangeAspect="1"/>
+            </p:cNvGrpSpPr>
+            <p:nvPr/>
+          </p:nvGrpSpPr>
+          <p:grpSpPr>
+            <a:xfrm>
+              <a:off x="25200478" y="9014719"/>
+              <a:ext cx="36000000" cy="36000000"/>
+              <a:chOff x="3600319" y="4514719"/>
+              <a:chExt cx="36000000" cy="36000000"/>
+            </a:xfrm>
+          </p:grpSpPr>
+          <p:grpSp>
+            <p:nvGrpSpPr>
+              <p:cNvPr id="19" name="그룹 18">
+                <a:extLst>
+                  <a:ext uri="{FF2B5EF4-FFF2-40B4-BE49-F238E27FC236}">
+                    <a16:creationId xmlns:a16="http://schemas.microsoft.com/office/drawing/2014/main" id="{BB62DBF2-4C3F-454A-8347-E8531100D5C6}"/>
+                  </a:ext>
+                </a:extLst>
+              </p:cNvPr>
+              <p:cNvGrpSpPr>
+                <a:grpSpLocks noChangeAspect="1"/>
+              </p:cNvGrpSpPr>
+              <p:nvPr/>
+            </p:nvGrpSpPr>
+            <p:grpSpPr>
+              <a:xfrm>
+                <a:off x="3600319" y="4514719"/>
+                <a:ext cx="36000000" cy="36000000"/>
+                <a:chOff x="3600319" y="4514719"/>
+                <a:chExt cx="36000000" cy="36000000"/>
+              </a:xfrm>
+            </p:grpSpPr>
+            <p:sp>
+              <p:nvSpPr>
+                <p:cNvPr id="55" name="직사각형 54">
+                  <a:extLst>
+                    <a:ext uri="{FF2B5EF4-FFF2-40B4-BE49-F238E27FC236}">
+                      <a16:creationId xmlns:a16="http://schemas.microsoft.com/office/drawing/2014/main" id="{8C6FC87C-902E-4E17-9D5D-F3FA89C47B02}"/>
+                    </a:ext>
+                  </a:extLst>
+                </p:cNvPr>
+                <p:cNvSpPr/>
+                <p:nvPr/>
+              </p:nvSpPr>
+              <p:spPr>
+                <a:xfrm>
+                  <a:off x="3600319" y="4514719"/>
+                  <a:ext cx="36000000" cy="36000000"/>
+                </a:xfrm>
+                <a:prstGeom prst="rect">
+                  <a:avLst/>
+                </a:prstGeom>
+                <a:solidFill>
+                  <a:schemeClr val="bg1"/>
+                </a:solidFill>
+                <a:ln>
+                  <a:noFill/>
+                </a:ln>
+              </p:spPr>
+              <p:style>
+                <a:lnRef idx="2">
+                  <a:schemeClr val="accent1">
+                    <a:shade val="50000"/>
+                  </a:schemeClr>
+                </a:lnRef>
+                <a:fillRef idx="1">
+                  <a:schemeClr val="accent1"/>
+                </a:fillRef>
+                <a:effectRef idx="0">
+                  <a:schemeClr val="accent1"/>
+                </a:effectRef>
+                <a:fontRef idx="minor">
+                  <a:schemeClr val="lt1"/>
+                </a:fontRef>
+              </p:style>
+              <p:txBody>
+                <a:bodyPr rtlCol="0" anchor="ctr"/>
+                <a:lstStyle/>
+                <a:p>
+                  <a:pPr algn="ctr"/>
+                  <a:endParaRPr lang="en-US" sz="2152"/>
+                </a:p>
+              </p:txBody>
+            </p:sp>
+            <p:pic>
+              <p:nvPicPr>
+                <p:cNvPr id="21" name="그림 20">
+                  <a:extLst>
+                    <a:ext uri="{FF2B5EF4-FFF2-40B4-BE49-F238E27FC236}">
+                      <a16:creationId xmlns:a16="http://schemas.microsoft.com/office/drawing/2014/main" id="{7EEB59A8-FF04-4915-9207-10A1C8FD7086}"/>
+                    </a:ext>
+                  </a:extLst>
+                </p:cNvPr>
+                <p:cNvPicPr>
+                  <a:picLocks noChangeAspect="1"/>
+                </p:cNvPicPr>
+                <p:nvPr/>
+              </p:nvPicPr>
+              <p:blipFill>
+                <a:blip r:embed="rId2">
+                  <a:extLst>
+                    <a:ext uri="{28A0092B-C50C-407E-A947-70E740481C1C}">
+                      <a14:useLocalDpi xmlns:a14="http://schemas.microsoft.com/office/drawing/2010/main" val="0"/>
+                    </a:ext>
+                  </a:extLst>
+                </a:blip>
+                <a:stretch>
+                  <a:fillRect/>
+                </a:stretch>
+              </p:blipFill>
+              <p:spPr>
+                <a:xfrm>
+                  <a:off x="3600320" y="4514719"/>
+                  <a:ext cx="10800000" cy="10800000"/>
+                </a:xfrm>
+                <a:prstGeom prst="rect">
+                  <a:avLst/>
+                </a:prstGeom>
+              </p:spPr>
+            </p:pic>
+            <p:pic>
+              <p:nvPicPr>
+                <p:cNvPr id="22" name="그림 21">
+                  <a:extLst>
+                    <a:ext uri="{FF2B5EF4-FFF2-40B4-BE49-F238E27FC236}">
+                      <a16:creationId xmlns:a16="http://schemas.microsoft.com/office/drawing/2014/main" id="{7EBD7A37-8E94-40D0-A92A-1E0D3145A8A9}"/>
+                    </a:ext>
+                  </a:extLst>
+                </p:cNvPr>
+                <p:cNvPicPr>
+                  <a:picLocks noChangeAspect="1"/>
+                </p:cNvPicPr>
+                <p:nvPr/>
+              </p:nvPicPr>
+              <p:blipFill>
+                <a:blip r:embed="rId3">
+                  <a:extLst>
+                    <a:ext uri="{28A0092B-C50C-407E-A947-70E740481C1C}">
+                      <a14:useLocalDpi xmlns:a14="http://schemas.microsoft.com/office/drawing/2010/main" val="0"/>
+                    </a:ext>
+                  </a:extLst>
+                </a:blip>
+                <a:stretch>
+                  <a:fillRect/>
+                </a:stretch>
+              </p:blipFill>
+              <p:spPr>
+                <a:xfrm>
+                  <a:off x="16200319" y="4514719"/>
+                  <a:ext cx="10800000" cy="10800000"/>
+                </a:xfrm>
+                <a:prstGeom prst="rect">
+                  <a:avLst/>
+                </a:prstGeom>
+              </p:spPr>
+            </p:pic>
+            <p:pic>
+              <p:nvPicPr>
+                <p:cNvPr id="23" name="그림 22">
+                  <a:extLst>
+                    <a:ext uri="{FF2B5EF4-FFF2-40B4-BE49-F238E27FC236}">
+                      <a16:creationId xmlns:a16="http://schemas.microsoft.com/office/drawing/2014/main" id="{9DA5EAAA-1DB6-4EED-85F5-77577B5263F4}"/>
+                    </a:ext>
+                  </a:extLst>
+                </p:cNvPr>
+                <p:cNvPicPr>
+                  <a:picLocks noChangeAspect="1"/>
+                </p:cNvPicPr>
+                <p:nvPr/>
+              </p:nvPicPr>
+              <p:blipFill>
+                <a:blip r:embed="rId4">
+                  <a:extLst>
+                    <a:ext uri="{28A0092B-C50C-407E-A947-70E740481C1C}">
+                      <a14:useLocalDpi xmlns:a14="http://schemas.microsoft.com/office/drawing/2010/main" val="0"/>
+                    </a:ext>
+                  </a:extLst>
+                </a:blip>
+                <a:stretch>
+                  <a:fillRect/>
+                </a:stretch>
+              </p:blipFill>
+              <p:spPr>
+                <a:xfrm>
+                  <a:off x="28800319" y="17114719"/>
+                  <a:ext cx="10800000" cy="10800000"/>
+                </a:xfrm>
+                <a:prstGeom prst="rect">
+                  <a:avLst/>
+                </a:prstGeom>
+              </p:spPr>
+            </p:pic>
+            <p:pic>
+              <p:nvPicPr>
+                <p:cNvPr id="24" name="그림 23">
+                  <a:extLst>
+                    <a:ext uri="{FF2B5EF4-FFF2-40B4-BE49-F238E27FC236}">
+                      <a16:creationId xmlns:a16="http://schemas.microsoft.com/office/drawing/2014/main" id="{E0E1BF56-3BFA-4FC1-BD2F-CB012B356025}"/>
+                    </a:ext>
+                  </a:extLst>
+                </p:cNvPr>
+                <p:cNvPicPr>
+                  <a:picLocks noChangeAspect="1"/>
+                </p:cNvPicPr>
+                <p:nvPr/>
+              </p:nvPicPr>
+              <p:blipFill>
+                <a:blip r:embed="rId5">
+                  <a:extLst>
+                    <a:ext uri="{28A0092B-C50C-407E-A947-70E740481C1C}">
+                      <a14:useLocalDpi xmlns:a14="http://schemas.microsoft.com/office/drawing/2010/main" val="0"/>
+                    </a:ext>
+                  </a:extLst>
+                </a:blip>
+                <a:stretch>
+                  <a:fillRect/>
+                </a:stretch>
+              </p:blipFill>
+              <p:spPr>
+                <a:xfrm>
+                  <a:off x="28800319" y="4514719"/>
+                  <a:ext cx="10800000" cy="10800000"/>
+                </a:xfrm>
+                <a:prstGeom prst="rect">
+                  <a:avLst/>
+                </a:prstGeom>
+              </p:spPr>
+            </p:pic>
+            <p:pic>
+              <p:nvPicPr>
+                <p:cNvPr id="3" name="그림 2">
+                  <a:extLst>
+                    <a:ext uri="{FF2B5EF4-FFF2-40B4-BE49-F238E27FC236}">
+                      <a16:creationId xmlns:a16="http://schemas.microsoft.com/office/drawing/2014/main" id="{DD4FA6AC-295E-4178-AD52-C9BB972BC06F}"/>
+                    </a:ext>
+                  </a:extLst>
+                </p:cNvPr>
+                <p:cNvPicPr>
+                  <a:picLocks noChangeAspect="1"/>
+                </p:cNvPicPr>
+                <p:nvPr/>
+              </p:nvPicPr>
+              <p:blipFill>
+                <a:blip r:embed="rId6">
+                  <a:extLst>
+                    <a:ext uri="{28A0092B-C50C-407E-A947-70E740481C1C}">
+                      <a14:useLocalDpi xmlns:a14="http://schemas.microsoft.com/office/drawing/2010/main" val="0"/>
+                    </a:ext>
+                  </a:extLst>
+                </a:blip>
+                <a:stretch>
+                  <a:fillRect/>
+                </a:stretch>
+              </p:blipFill>
+              <p:spPr>
+                <a:xfrm>
+                  <a:off x="28800319" y="29714719"/>
+                  <a:ext cx="10800000" cy="10800000"/>
+                </a:xfrm>
+                <a:prstGeom prst="rect">
+                  <a:avLst/>
+                </a:prstGeom>
+              </p:spPr>
+            </p:pic>
+            <p:pic>
+              <p:nvPicPr>
+                <p:cNvPr id="29" name="그림 28">
+                  <a:extLst>
+                    <a:ext uri="{FF2B5EF4-FFF2-40B4-BE49-F238E27FC236}">
+                      <a16:creationId xmlns:a16="http://schemas.microsoft.com/office/drawing/2014/main" id="{982EA5FD-40E7-4D14-80DF-6624B5980BD3}"/>
+                    </a:ext>
+                  </a:extLst>
+                </p:cNvPr>
+                <p:cNvPicPr>
+                  <a:picLocks noChangeAspect="1"/>
+                </p:cNvPicPr>
+                <p:nvPr/>
+              </p:nvPicPr>
+              <p:blipFill>
+                <a:blip r:embed="rId7">
+                  <a:extLst>
+                    <a:ext uri="{28A0092B-C50C-407E-A947-70E740481C1C}">
+                      <a14:useLocalDpi xmlns:a14="http://schemas.microsoft.com/office/drawing/2010/main" val="0"/>
+                    </a:ext>
+                  </a:extLst>
+                </a:blip>
+                <a:stretch>
+                  <a:fillRect/>
+                </a:stretch>
+              </p:blipFill>
+              <p:spPr>
+                <a:xfrm>
+                  <a:off x="16200319" y="29714719"/>
+                  <a:ext cx="10800000" cy="10800000"/>
+                </a:xfrm>
+                <a:prstGeom prst="rect">
+                  <a:avLst/>
+                </a:prstGeom>
+              </p:spPr>
+            </p:pic>
+            <p:pic>
+              <p:nvPicPr>
+                <p:cNvPr id="31" name="그림 30">
+                  <a:extLst>
+                    <a:ext uri="{FF2B5EF4-FFF2-40B4-BE49-F238E27FC236}">
+                      <a16:creationId xmlns:a16="http://schemas.microsoft.com/office/drawing/2014/main" id="{8E1D0A1A-9B41-441C-A8F5-E6C91F8D8C5C}"/>
+                    </a:ext>
+                  </a:extLst>
+                </p:cNvPr>
+                <p:cNvPicPr>
+                  <a:picLocks noChangeAspect="1"/>
+                </p:cNvPicPr>
+                <p:nvPr/>
+              </p:nvPicPr>
+              <p:blipFill>
+                <a:blip r:embed="rId8">
+                  <a:extLst>
+                    <a:ext uri="{28A0092B-C50C-407E-A947-70E740481C1C}">
+                      <a14:useLocalDpi xmlns:a14="http://schemas.microsoft.com/office/drawing/2010/main" val="0"/>
+                    </a:ext>
+                  </a:extLst>
+                </a:blip>
+                <a:stretch>
+                  <a:fillRect/>
+                </a:stretch>
+              </p:blipFill>
+              <p:spPr>
+                <a:xfrm>
+                  <a:off x="3600320" y="29714719"/>
+                  <a:ext cx="10800000" cy="10800000"/>
+                </a:xfrm>
+                <a:prstGeom prst="rect">
+                  <a:avLst/>
+                </a:prstGeom>
+              </p:spPr>
+            </p:pic>
+            <p:pic>
+              <p:nvPicPr>
+                <p:cNvPr id="33" name="그림 32">
+                  <a:extLst>
+                    <a:ext uri="{FF2B5EF4-FFF2-40B4-BE49-F238E27FC236}">
+                      <a16:creationId xmlns:a16="http://schemas.microsoft.com/office/drawing/2014/main" id="{56370C09-F8B7-4C9C-832B-E102446AB15F}"/>
+                    </a:ext>
+                  </a:extLst>
+                </p:cNvPr>
+                <p:cNvPicPr>
+                  <a:picLocks noChangeAspect="1"/>
+                </p:cNvPicPr>
+                <p:nvPr/>
+              </p:nvPicPr>
+              <p:blipFill>
+                <a:blip r:embed="rId9">
+                  <a:extLst>
+                    <a:ext uri="{28A0092B-C50C-407E-A947-70E740481C1C}">
+                      <a14:useLocalDpi xmlns:a14="http://schemas.microsoft.com/office/drawing/2010/main" val="0"/>
+                    </a:ext>
+                  </a:extLst>
+                </a:blip>
+                <a:stretch>
+                  <a:fillRect/>
+                </a:stretch>
+              </p:blipFill>
+              <p:spPr>
+                <a:xfrm>
+                  <a:off x="3600320" y="17114719"/>
+                  <a:ext cx="10800000" cy="10800000"/>
+                </a:xfrm>
+                <a:prstGeom prst="rect">
+                  <a:avLst/>
+                </a:prstGeom>
+              </p:spPr>
+            </p:pic>
+          </p:grpSp>
+          <p:grpSp>
+            <p:nvGrpSpPr>
+              <p:cNvPr id="18" name="그룹 17">
+                <a:extLst>
+                  <a:ext uri="{FF2B5EF4-FFF2-40B4-BE49-F238E27FC236}">
+                    <a16:creationId xmlns:a16="http://schemas.microsoft.com/office/drawing/2014/main" id="{340F7201-7EF2-42F9-B77A-67AF1297FC73}"/>
+                  </a:ext>
+                </a:extLst>
+              </p:cNvPr>
+              <p:cNvGrpSpPr>
+                <a:grpSpLocks noChangeAspect="1"/>
+              </p:cNvGrpSpPr>
+              <p:nvPr/>
+            </p:nvGrpSpPr>
+            <p:grpSpPr>
+              <a:xfrm>
+                <a:off x="16200319" y="17114719"/>
+                <a:ext cx="10800001" cy="10800000"/>
+                <a:chOff x="16200319" y="17114719"/>
+                <a:chExt cx="10800001" cy="10800000"/>
+              </a:xfrm>
+            </p:grpSpPr>
+            <p:grpSp>
+              <p:nvGrpSpPr>
+                <p:cNvPr id="5" name="그룹 4">
+                  <a:extLst>
+                    <a:ext uri="{FF2B5EF4-FFF2-40B4-BE49-F238E27FC236}">
+                      <a16:creationId xmlns:a16="http://schemas.microsoft.com/office/drawing/2014/main" id="{3A5151D6-F1A8-4C68-BE1E-6D6EEFEC9678}"/>
+                    </a:ext>
+                  </a:extLst>
+                </p:cNvPr>
+                <p:cNvGrpSpPr>
+                  <a:grpSpLocks noChangeAspect="1"/>
+                </p:cNvGrpSpPr>
+                <p:nvPr/>
+              </p:nvGrpSpPr>
+              <p:grpSpPr>
+                <a:xfrm>
+                  <a:off x="16200319" y="17114719"/>
+                  <a:ext cx="10800001" cy="10800000"/>
+                  <a:chOff x="16200318" y="17133917"/>
+                  <a:chExt cx="10800001" cy="10800000"/>
+                </a:xfrm>
+              </p:grpSpPr>
+              <p:sp>
+                <p:nvSpPr>
+                  <p:cNvPr id="14" name="직사각형 13">
+                    <a:extLst>
+                      <a:ext uri="{FF2B5EF4-FFF2-40B4-BE49-F238E27FC236}">
+                        <a16:creationId xmlns:a16="http://schemas.microsoft.com/office/drawing/2014/main" id="{EB82289C-B3FF-42BF-BCD0-0E85F7901C15}"/>
+                      </a:ext>
+                    </a:extLst>
+                  </p:cNvPr>
+                  <p:cNvSpPr>
+                    <a:spLocks noChangeAspect="1"/>
+                  </p:cNvSpPr>
+                  <p:nvPr/>
+                </p:nvSpPr>
+                <p:spPr>
+                  <a:xfrm>
+                    <a:off x="16200318" y="17133917"/>
+                    <a:ext cx="10800000" cy="10800000"/>
+                  </a:xfrm>
+                  <a:prstGeom prst="rect">
+                    <a:avLst/>
+                  </a:prstGeom>
+                  <a:solidFill>
+                    <a:schemeClr val="bg1"/>
+                  </a:solidFill>
+                  <a:ln>
+                    <a:noFill/>
+                  </a:ln>
+                </p:spPr>
+                <p:style>
+                  <a:lnRef idx="2">
+                    <a:schemeClr val="accent1">
+                      <a:shade val="50000"/>
+                    </a:schemeClr>
+                  </a:lnRef>
+                  <a:fillRef idx="1">
+                    <a:schemeClr val="accent1"/>
+                  </a:fillRef>
+                  <a:effectRef idx="0">
+                    <a:schemeClr val="accent1"/>
+                  </a:effectRef>
+                  <a:fontRef idx="minor">
+                    <a:schemeClr val="lt1"/>
+                  </a:fontRef>
+                </p:style>
+                <p:txBody>
+                  <a:bodyPr rtlCol="0" anchor="ctr"/>
+                  <a:lstStyle/>
+                  <a:p>
+                    <a:pPr algn="ctr"/>
+                    <a:endParaRPr lang="en-US" sz="2152"/>
+                  </a:p>
+                </p:txBody>
+              </p:sp>
+              <p:pic>
+                <p:nvPicPr>
+                  <p:cNvPr id="37" name="그림 36">
+                    <a:extLst>
+                      <a:ext uri="{FF2B5EF4-FFF2-40B4-BE49-F238E27FC236}">
+                        <a16:creationId xmlns:a16="http://schemas.microsoft.com/office/drawing/2014/main" id="{757220ED-3FB8-499F-A115-753735506A11}"/>
+                      </a:ext>
+                    </a:extLst>
+                  </p:cNvPr>
+                  <p:cNvPicPr>
+                    <a:picLocks noChangeAspect="1"/>
+                  </p:cNvPicPr>
+                  <p:nvPr/>
+                </p:nvPicPr>
+                <p:blipFill>
+                  <a:blip r:embed="rId10">
+                    <a:extLst>
+                      <a:ext uri="{28A0092B-C50C-407E-A947-70E740481C1C}">
+                        <a14:useLocalDpi xmlns:a14="http://schemas.microsoft.com/office/drawing/2010/main" val="0"/>
+                      </a:ext>
+                    </a:extLst>
+                  </a:blip>
+                  <a:stretch>
+                    <a:fillRect/>
+                  </a:stretch>
+                </p:blipFill>
+                <p:spPr>
+                  <a:xfrm>
+                    <a:off x="16200318" y="17133917"/>
+                    <a:ext cx="3240000" cy="3240000"/>
+                  </a:xfrm>
+                  <a:prstGeom prst="rect">
+                    <a:avLst/>
+                  </a:prstGeom>
+                </p:spPr>
+              </p:pic>
+              <p:pic>
+                <p:nvPicPr>
+                  <p:cNvPr id="39" name="그림 38">
+                    <a:extLst>
+                      <a:ext uri="{FF2B5EF4-FFF2-40B4-BE49-F238E27FC236}">
+                        <a16:creationId xmlns:a16="http://schemas.microsoft.com/office/drawing/2014/main" id="{70B05AC8-BD0B-4258-BBDD-CD3E57862488}"/>
+                      </a:ext>
+                    </a:extLst>
+                  </p:cNvPr>
+                  <p:cNvPicPr>
+                    <a:picLocks noChangeAspect="1"/>
+                  </p:cNvPicPr>
+                  <p:nvPr/>
+                </p:nvPicPr>
+                <p:blipFill>
+                  <a:blip r:embed="rId11">
+                    <a:extLst>
+                      <a:ext uri="{28A0092B-C50C-407E-A947-70E740481C1C}">
+                        <a14:useLocalDpi xmlns:a14="http://schemas.microsoft.com/office/drawing/2010/main" val="0"/>
+                      </a:ext>
+                    </a:extLst>
+                  </a:blip>
+                  <a:stretch>
+                    <a:fillRect/>
+                  </a:stretch>
+                </p:blipFill>
+                <p:spPr>
+                  <a:xfrm>
+                    <a:off x="19980318" y="17133917"/>
+                    <a:ext cx="3240000" cy="3240000"/>
+                  </a:xfrm>
+                  <a:prstGeom prst="rect">
+                    <a:avLst/>
+                  </a:prstGeom>
+                </p:spPr>
+              </p:pic>
+              <p:pic>
+                <p:nvPicPr>
+                  <p:cNvPr id="41" name="그림 40">
+                    <a:extLst>
+                      <a:ext uri="{FF2B5EF4-FFF2-40B4-BE49-F238E27FC236}">
+                        <a16:creationId xmlns:a16="http://schemas.microsoft.com/office/drawing/2014/main" id="{788E18D8-CE55-4CB0-A970-AC82AC582205}"/>
+                      </a:ext>
+                    </a:extLst>
+                  </p:cNvPr>
+                  <p:cNvPicPr>
+                    <a:picLocks noChangeAspect="1"/>
+                  </p:cNvPicPr>
+                  <p:nvPr/>
+                </p:nvPicPr>
+                <p:blipFill>
+                  <a:blip r:embed="rId12">
+                    <a:extLst>
+                      <a:ext uri="{28A0092B-C50C-407E-A947-70E740481C1C}">
+                        <a14:useLocalDpi xmlns:a14="http://schemas.microsoft.com/office/drawing/2010/main" val="0"/>
+                      </a:ext>
+                    </a:extLst>
+                  </a:blip>
+                  <a:stretch>
+                    <a:fillRect/>
+                  </a:stretch>
+                </p:blipFill>
+                <p:spPr>
+                  <a:xfrm>
+                    <a:off x="23760319" y="17133917"/>
+                    <a:ext cx="3240000" cy="3240000"/>
+                  </a:xfrm>
+                  <a:prstGeom prst="rect">
+                    <a:avLst/>
+                  </a:prstGeom>
+                </p:spPr>
+              </p:pic>
+              <p:pic>
+                <p:nvPicPr>
+                  <p:cNvPr id="43" name="그림 42">
+                    <a:extLst>
+                      <a:ext uri="{FF2B5EF4-FFF2-40B4-BE49-F238E27FC236}">
+                        <a16:creationId xmlns:a16="http://schemas.microsoft.com/office/drawing/2014/main" id="{2C3946A2-96D5-40E8-B70B-26D28D49FCA8}"/>
+                      </a:ext>
+                    </a:extLst>
+                  </p:cNvPr>
+                  <p:cNvPicPr>
+                    <a:picLocks noChangeAspect="1"/>
+                  </p:cNvPicPr>
+                  <p:nvPr/>
+                </p:nvPicPr>
+                <p:blipFill>
+                  <a:blip r:embed="rId13">
+                    <a:extLst>
+                      <a:ext uri="{28A0092B-C50C-407E-A947-70E740481C1C}">
+                        <a14:useLocalDpi xmlns:a14="http://schemas.microsoft.com/office/drawing/2010/main" val="0"/>
+                      </a:ext>
+                    </a:extLst>
+                  </a:blip>
+                  <a:stretch>
+                    <a:fillRect/>
+                  </a:stretch>
+                </p:blipFill>
+                <p:spPr>
+                  <a:xfrm>
+                    <a:off x="23760319" y="20913917"/>
+                    <a:ext cx="3240000" cy="3240000"/>
+                  </a:xfrm>
+                  <a:prstGeom prst="rect">
+                    <a:avLst/>
+                  </a:prstGeom>
+                </p:spPr>
+              </p:pic>
+              <p:pic>
+                <p:nvPicPr>
+                  <p:cNvPr id="45" name="그림 44">
+                    <a:extLst>
+                      <a:ext uri="{FF2B5EF4-FFF2-40B4-BE49-F238E27FC236}">
+                        <a16:creationId xmlns:a16="http://schemas.microsoft.com/office/drawing/2014/main" id="{E758D147-9DE0-42E6-9AA5-053B952A7C63}"/>
+                      </a:ext>
+                    </a:extLst>
+                  </p:cNvPr>
+                  <p:cNvPicPr>
+                    <a:picLocks noChangeAspect="1"/>
+                  </p:cNvPicPr>
+                  <p:nvPr/>
+                </p:nvPicPr>
+                <p:blipFill>
+                  <a:blip r:embed="rId14">
+                    <a:extLst>
+                      <a:ext uri="{28A0092B-C50C-407E-A947-70E740481C1C}">
+                        <a14:useLocalDpi xmlns:a14="http://schemas.microsoft.com/office/drawing/2010/main" val="0"/>
+                      </a:ext>
+                    </a:extLst>
+                  </a:blip>
+                  <a:stretch>
+                    <a:fillRect/>
+                  </a:stretch>
+                </p:blipFill>
+                <p:spPr>
+                  <a:xfrm>
+                    <a:off x="23760319" y="24693917"/>
+                    <a:ext cx="3240000" cy="3240000"/>
+                  </a:xfrm>
+                  <a:prstGeom prst="rect">
+                    <a:avLst/>
+                  </a:prstGeom>
+                </p:spPr>
+              </p:pic>
+              <p:pic>
+                <p:nvPicPr>
+                  <p:cNvPr id="47" name="그림 46">
+                    <a:extLst>
+                      <a:ext uri="{FF2B5EF4-FFF2-40B4-BE49-F238E27FC236}">
+                        <a16:creationId xmlns:a16="http://schemas.microsoft.com/office/drawing/2014/main" id="{C59C4C96-FEB0-400B-8854-45E459D0B170}"/>
+                      </a:ext>
+                    </a:extLst>
+                  </p:cNvPr>
+                  <p:cNvPicPr>
+                    <a:picLocks noChangeAspect="1"/>
+                  </p:cNvPicPr>
+                  <p:nvPr/>
+                </p:nvPicPr>
+                <p:blipFill>
+                  <a:blip r:embed="rId15">
+                    <a:extLst>
+                      <a:ext uri="{28A0092B-C50C-407E-A947-70E740481C1C}">
+                        <a14:useLocalDpi xmlns:a14="http://schemas.microsoft.com/office/drawing/2010/main" val="0"/>
+                      </a:ext>
+                    </a:extLst>
+                  </a:blip>
+                  <a:stretch>
+                    <a:fillRect/>
+                  </a:stretch>
+                </p:blipFill>
+                <p:spPr>
+                  <a:xfrm>
+                    <a:off x="19980318" y="24693917"/>
+                    <a:ext cx="3240000" cy="3240000"/>
+                  </a:xfrm>
+                  <a:prstGeom prst="rect">
+                    <a:avLst/>
+                  </a:prstGeom>
+                </p:spPr>
+              </p:pic>
+              <p:pic>
+                <p:nvPicPr>
+                  <p:cNvPr id="49" name="그림 48">
+                    <a:extLst>
+                      <a:ext uri="{FF2B5EF4-FFF2-40B4-BE49-F238E27FC236}">
+                        <a16:creationId xmlns:a16="http://schemas.microsoft.com/office/drawing/2014/main" id="{49ACD768-EF8D-4286-801D-56CD8C01528A}"/>
+                      </a:ext>
+                    </a:extLst>
+                  </p:cNvPr>
+                  <p:cNvPicPr>
+                    <a:picLocks noChangeAspect="1"/>
+                  </p:cNvPicPr>
+                  <p:nvPr/>
+                </p:nvPicPr>
+                <p:blipFill>
+                  <a:blip r:embed="rId16">
+                    <a:extLst>
+                      <a:ext uri="{28A0092B-C50C-407E-A947-70E740481C1C}">
+                        <a14:useLocalDpi xmlns:a14="http://schemas.microsoft.com/office/drawing/2010/main" val="0"/>
+                      </a:ext>
+                    </a:extLst>
+                  </a:blip>
+                  <a:stretch>
+                    <a:fillRect/>
+                  </a:stretch>
+                </p:blipFill>
+                <p:spPr>
+                  <a:xfrm>
+                    <a:off x="16200318" y="24693917"/>
+                    <a:ext cx="3240000" cy="3240000"/>
+                  </a:xfrm>
+                  <a:prstGeom prst="rect">
+                    <a:avLst/>
+                  </a:prstGeom>
+                </p:spPr>
+              </p:pic>
+              <p:pic>
+                <p:nvPicPr>
+                  <p:cNvPr id="51" name="그림 50">
+                    <a:extLst>
+                      <a:ext uri="{FF2B5EF4-FFF2-40B4-BE49-F238E27FC236}">
+                        <a16:creationId xmlns:a16="http://schemas.microsoft.com/office/drawing/2014/main" id="{C9220B98-1DC7-4808-95BA-7FF3D20473CA}"/>
+                      </a:ext>
+                    </a:extLst>
+                  </p:cNvPr>
+                  <p:cNvPicPr>
+                    <a:picLocks noChangeAspect="1"/>
+                  </p:cNvPicPr>
+                  <p:nvPr/>
+                </p:nvPicPr>
+                <p:blipFill>
+                  <a:blip r:embed="rId17">
+                    <a:extLst>
+                      <a:ext uri="{28A0092B-C50C-407E-A947-70E740481C1C}">
+                        <a14:useLocalDpi xmlns:a14="http://schemas.microsoft.com/office/drawing/2010/main" val="0"/>
+                      </a:ext>
+                    </a:extLst>
+                  </a:blip>
+                  <a:stretch>
+                    <a:fillRect/>
+                  </a:stretch>
+                </p:blipFill>
+                <p:spPr>
+                  <a:xfrm>
+                    <a:off x="16200318" y="20913917"/>
+                    <a:ext cx="3240000" cy="3240000"/>
+                  </a:xfrm>
+                  <a:prstGeom prst="rect">
+                    <a:avLst/>
+                  </a:prstGeom>
+                </p:spPr>
+              </p:pic>
+            </p:grpSp>
+            <p:grpSp>
+              <p:nvGrpSpPr>
+                <p:cNvPr id="17" name="그룹 16">
+                  <a:extLst>
+                    <a:ext uri="{FF2B5EF4-FFF2-40B4-BE49-F238E27FC236}">
+                      <a16:creationId xmlns:a16="http://schemas.microsoft.com/office/drawing/2014/main" id="{9487277A-B349-40E2-8765-0C1F4B142403}"/>
+                    </a:ext>
+                  </a:extLst>
+                </p:cNvPr>
+                <p:cNvGrpSpPr>
+                  <a:grpSpLocks noChangeAspect="1"/>
+                </p:cNvGrpSpPr>
+                <p:nvPr/>
+              </p:nvGrpSpPr>
+              <p:grpSpPr>
+                <a:xfrm>
+                  <a:off x="19980319" y="20894719"/>
+                  <a:ext cx="3240000" cy="3240000"/>
+                  <a:chOff x="41986200" y="17664881"/>
+                  <a:chExt cx="3240000" cy="3240000"/>
+                </a:xfrm>
+              </p:grpSpPr>
+              <p:sp>
+                <p:nvSpPr>
+                  <p:cNvPr id="16" name="직사각형 15">
+                    <a:extLst>
+                      <a:ext uri="{FF2B5EF4-FFF2-40B4-BE49-F238E27FC236}">
+                        <a16:creationId xmlns:a16="http://schemas.microsoft.com/office/drawing/2014/main" id="{EAA80F9C-E6FF-44C8-BC18-3AD63270391B}"/>
+                      </a:ext>
+                    </a:extLst>
+                  </p:cNvPr>
+                  <p:cNvSpPr>
+                    <a:spLocks noChangeAspect="1"/>
+                  </p:cNvSpPr>
+                  <p:nvPr/>
+                </p:nvSpPr>
+                <p:spPr>
+                  <a:xfrm>
+                    <a:off x="41986200" y="17664881"/>
+                    <a:ext cx="3240000" cy="3240000"/>
+                  </a:xfrm>
+                  <a:prstGeom prst="rect">
+                    <a:avLst/>
+                  </a:prstGeom>
+                  <a:solidFill>
+                    <a:schemeClr val="bg1"/>
+                  </a:solidFill>
+                  <a:ln>
+                    <a:noFill/>
+                  </a:ln>
+                </p:spPr>
+                <p:style>
+                  <a:lnRef idx="2">
+                    <a:schemeClr val="accent1">
+                      <a:shade val="50000"/>
+                    </a:schemeClr>
+                  </a:lnRef>
+                  <a:fillRef idx="1">
+                    <a:schemeClr val="accent1"/>
+                  </a:fillRef>
+                  <a:effectRef idx="0">
+                    <a:schemeClr val="accent1"/>
+                  </a:effectRef>
+                  <a:fontRef idx="minor">
+                    <a:schemeClr val="lt1"/>
+                  </a:fontRef>
+                </p:style>
+                <p:txBody>
+                  <a:bodyPr rtlCol="0" anchor="ctr"/>
+                  <a:lstStyle/>
+                  <a:p>
+                    <a:pPr algn="ctr"/>
+                    <a:endParaRPr lang="en-US"/>
+                  </a:p>
+                </p:txBody>
+              </p:sp>
+              <p:pic>
+                <p:nvPicPr>
+                  <p:cNvPr id="8" name="그림 7">
+                    <a:extLst>
+                      <a:ext uri="{FF2B5EF4-FFF2-40B4-BE49-F238E27FC236}">
+                        <a16:creationId xmlns:a16="http://schemas.microsoft.com/office/drawing/2014/main" id="{DAF7F74D-631B-49F4-B397-1E7576285EC4}"/>
+                      </a:ext>
+                    </a:extLst>
+                  </p:cNvPr>
+                  <p:cNvPicPr>
+                    <a:picLocks noChangeAspect="1"/>
+                  </p:cNvPicPr>
+                  <p:nvPr/>
+                </p:nvPicPr>
+                <p:blipFill>
+                  <a:blip r:embed="rId18">
+                    <a:extLst>
+                      <a:ext uri="{28A0092B-C50C-407E-A947-70E740481C1C}">
+                        <a14:useLocalDpi xmlns:a14="http://schemas.microsoft.com/office/drawing/2010/main" val="0"/>
+                      </a:ext>
+                    </a:extLst>
+                  </a:blip>
+                  <a:stretch>
+                    <a:fillRect/>
+                  </a:stretch>
+                </p:blipFill>
+                <p:spPr>
+                  <a:xfrm>
+                    <a:off x="41986200" y="17664881"/>
+                    <a:ext cx="1490400" cy="1490400"/>
+                  </a:xfrm>
+                  <a:prstGeom prst="rect">
+                    <a:avLst/>
+                  </a:prstGeom>
+                </p:spPr>
+              </p:pic>
+              <p:pic>
+                <p:nvPicPr>
+                  <p:cNvPr id="10" name="그림 9">
+                    <a:extLst>
+                      <a:ext uri="{FF2B5EF4-FFF2-40B4-BE49-F238E27FC236}">
+                        <a16:creationId xmlns:a16="http://schemas.microsoft.com/office/drawing/2014/main" id="{52FF8B49-650A-4836-A356-EB9A3096DC93}"/>
+                      </a:ext>
+                    </a:extLst>
+                  </p:cNvPr>
+                  <p:cNvPicPr>
+                    <a:picLocks noChangeAspect="1"/>
+                  </p:cNvPicPr>
+                  <p:nvPr/>
+                </p:nvPicPr>
+                <p:blipFill>
+                  <a:blip r:embed="rId19">
+                    <a:extLst>
+                      <a:ext uri="{28A0092B-C50C-407E-A947-70E740481C1C}">
+                        <a14:useLocalDpi xmlns:a14="http://schemas.microsoft.com/office/drawing/2010/main" val="0"/>
+                      </a:ext>
+                    </a:extLst>
+                  </a:blip>
+                  <a:stretch>
+                    <a:fillRect/>
+                  </a:stretch>
+                </p:blipFill>
+                <p:spPr>
+                  <a:xfrm>
+                    <a:off x="43735800" y="17664881"/>
+                    <a:ext cx="1490400" cy="1490400"/>
+                  </a:xfrm>
+                  <a:prstGeom prst="rect">
+                    <a:avLst/>
+                  </a:prstGeom>
+                </p:spPr>
+              </p:pic>
+              <p:pic>
+                <p:nvPicPr>
+                  <p:cNvPr id="12" name="그림 11">
+                    <a:extLst>
+                      <a:ext uri="{FF2B5EF4-FFF2-40B4-BE49-F238E27FC236}">
+                        <a16:creationId xmlns:a16="http://schemas.microsoft.com/office/drawing/2014/main" id="{709D7C61-5DC5-4C55-B72A-2C283C19FF18}"/>
+                      </a:ext>
+                    </a:extLst>
+                  </p:cNvPr>
+                  <p:cNvPicPr>
+                    <a:picLocks noChangeAspect="1"/>
+                  </p:cNvPicPr>
+                  <p:nvPr/>
+                </p:nvPicPr>
+                <p:blipFill>
+                  <a:blip r:embed="rId20">
+                    <a:extLst>
+                      <a:ext uri="{28A0092B-C50C-407E-A947-70E740481C1C}">
+                        <a14:useLocalDpi xmlns:a14="http://schemas.microsoft.com/office/drawing/2010/main" val="0"/>
+                      </a:ext>
+                    </a:extLst>
+                  </a:blip>
+                  <a:stretch>
+                    <a:fillRect/>
+                  </a:stretch>
+                </p:blipFill>
+                <p:spPr>
+                  <a:xfrm>
+                    <a:off x="43735800" y="19414481"/>
+                    <a:ext cx="1490400" cy="1490400"/>
+                  </a:xfrm>
+                  <a:prstGeom prst="rect">
+                    <a:avLst/>
+                  </a:prstGeom>
+                </p:spPr>
+              </p:pic>
+              <p:pic>
+                <p:nvPicPr>
+                  <p:cNvPr id="15" name="그림 14">
+                    <a:extLst>
+                      <a:ext uri="{FF2B5EF4-FFF2-40B4-BE49-F238E27FC236}">
+                        <a16:creationId xmlns:a16="http://schemas.microsoft.com/office/drawing/2014/main" id="{9B5A17D3-8497-4B25-BA86-87F8BABE47A7}"/>
+                      </a:ext>
+                    </a:extLst>
+                  </p:cNvPr>
+                  <p:cNvPicPr>
+                    <a:picLocks noChangeAspect="1"/>
+                  </p:cNvPicPr>
+                  <p:nvPr/>
+                </p:nvPicPr>
+                <p:blipFill>
+                  <a:blip r:embed="rId21">
+                    <a:extLst>
+                      <a:ext uri="{28A0092B-C50C-407E-A947-70E740481C1C}">
+                        <a14:useLocalDpi xmlns:a14="http://schemas.microsoft.com/office/drawing/2010/main" val="0"/>
+                      </a:ext>
+                    </a:extLst>
+                  </a:blip>
+                  <a:stretch>
+                    <a:fillRect/>
+                  </a:stretch>
+                </p:blipFill>
+                <p:spPr>
+                  <a:xfrm>
+                    <a:off x="41986200" y="19414481"/>
+                    <a:ext cx="1490400" cy="1490400"/>
+                  </a:xfrm>
+                  <a:prstGeom prst="rect">
+                    <a:avLst/>
+                  </a:prstGeom>
+                </p:spPr>
+              </p:pic>
+            </p:grpSp>
+          </p:grpSp>
+        </p:grpSp>
+      </p:grpSp>
+    </p:spTree>
+    <p:extLst>
+      <p:ext uri="{BB962C8B-B14F-4D97-AF65-F5344CB8AC3E}">
+        <p14:creationId xmlns:p14="http://schemas.microsoft.com/office/powerpoint/2010/main" val="876708948"/>
+      </p:ext>
+    </p:extLst>
+  </p:cSld>
+  <p:clrMapOvr>
+    <a:masterClrMapping/>
+  </p:clrMapOvr>
+</p:sld>
+</file>
+
+<file path=ppt/slides/slide8.xml><?xml version="1.0" encoding="utf-8"?>
+<p:sld xmlns:a="http://schemas.openxmlformats.org/drawingml/2006/main" xmlns:r="http://schemas.openxmlformats.org/officeDocument/2006/relationships" xmlns:p="http://schemas.openxmlformats.org/presentationml/2006/main">
+  <p:cSld>
+    <p:spTree>
+      <p:nvGrpSpPr>
+        <p:cNvPr id="1" name=""/>
+        <p:cNvGrpSpPr/>
+        <p:nvPr/>
+      </p:nvGrpSpPr>
+      <p:grpSpPr>
+        <a:xfrm>
+          <a:off x="0" y="0"/>
+          <a:ext cx="0" cy="0"/>
+          <a:chOff x="0" y="0"/>
+          <a:chExt cx="0" cy="0"/>
+        </a:xfrm>
+      </p:grpSpPr>
+      <p:sp>
+        <p:nvSpPr>
+          <p:cNvPr id="25" name="TextBox 24">
+            <a:extLst>
+              <a:ext uri="{FF2B5EF4-FFF2-40B4-BE49-F238E27FC236}">
+                <a16:creationId xmlns:a16="http://schemas.microsoft.com/office/drawing/2014/main" id="{87900024-C425-48D4-8434-19D57474403D}"/>
+              </a:ext>
+            </a:extLst>
+          </p:cNvPr>
+          <p:cNvSpPr txBox="1">
+            <a:spLocks noChangeAspect="1"/>
+          </p:cNvSpPr>
+          <p:nvPr/>
+        </p:nvSpPr>
+        <p:spPr>
+          <a:xfrm>
+            <a:off x="9974380" y="425083"/>
+            <a:ext cx="23251878" cy="1878528"/>
+          </a:xfrm>
+          <a:prstGeom prst="rect">
+            <a:avLst/>
+          </a:prstGeom>
+          <a:noFill/>
+        </p:spPr>
+        <p:txBody>
+          <a:bodyPr wrap="none" rtlCol="0">
+            <a:spAutoFit/>
+          </a:bodyPr>
+          <a:lstStyle/>
+          <a:p>
+            <a:r>
+              <a:rPr lang="en-US" sz="11607" b="1" dirty="0">
+                <a:latin typeface="Arial" panose="020B0604020202020204" pitchFamily="34" charset="0"/>
+              </a:rPr>
+              <a:t>Integration marker 4 with margin</a:t>
+            </a:r>
+          </a:p>
+        </p:txBody>
+      </p:sp>
+      <p:grpSp>
+        <p:nvGrpSpPr>
+          <p:cNvPr id="6" name="그룹 5">
+            <a:extLst>
+              <a:ext uri="{FF2B5EF4-FFF2-40B4-BE49-F238E27FC236}">
+                <a16:creationId xmlns:a16="http://schemas.microsoft.com/office/drawing/2014/main" id="{751F203D-28B0-4114-B6D7-EB2B4C4793CF}"/>
+              </a:ext>
+            </a:extLst>
+          </p:cNvPr>
+          <p:cNvGrpSpPr>
+            <a:grpSpLocks noChangeAspect="1"/>
+          </p:cNvGrpSpPr>
+          <p:nvPr/>
+        </p:nvGrpSpPr>
+        <p:grpSpPr>
+          <a:xfrm>
+            <a:off x="1800319" y="2714719"/>
+            <a:ext cx="39600000" cy="39600000"/>
+            <a:chOff x="1800319" y="2714719"/>
+            <a:chExt cx="39600000" cy="39600000"/>
+          </a:xfrm>
+        </p:grpSpPr>
+        <p:sp>
+          <p:nvSpPr>
+            <p:cNvPr id="26" name="직사각형 25">
+              <a:extLst>
+                <a:ext uri="{FF2B5EF4-FFF2-40B4-BE49-F238E27FC236}">
+                  <a16:creationId xmlns:a16="http://schemas.microsoft.com/office/drawing/2014/main" id="{D0B8A266-0309-4B31-BDCC-F881D8C87450}"/>
+                </a:ext>
+              </a:extLst>
+            </p:cNvPr>
+            <p:cNvSpPr>
+              <a:spLocks noChangeAspect="1"/>
+            </p:cNvSpPr>
+            <p:nvPr/>
+          </p:nvSpPr>
+          <p:spPr>
+            <a:xfrm>
+              <a:off x="1800319" y="2714719"/>
+              <a:ext cx="39600000" cy="39600000"/>
+            </a:xfrm>
+            <a:prstGeom prst="rect">
+              <a:avLst/>
+            </a:prstGeom>
+            <a:solidFill>
+              <a:schemeClr val="bg1"/>
+            </a:solidFill>
+            <a:ln>
+              <a:noFill/>
+            </a:ln>
+          </p:spPr>
+          <p:style>
+            <a:lnRef idx="2">
+              <a:schemeClr val="accent1">
+                <a:shade val="50000"/>
+              </a:schemeClr>
+            </a:lnRef>
+            <a:fillRef idx="1">
+              <a:schemeClr val="accent1"/>
+            </a:fillRef>
+            <a:effectRef idx="0">
+              <a:schemeClr val="accent1"/>
+            </a:effectRef>
+            <a:fontRef idx="minor">
+              <a:schemeClr val="lt1"/>
+            </a:fontRef>
+          </p:style>
+          <p:txBody>
+            <a:bodyPr rtlCol="0" anchor="ctr"/>
+            <a:lstStyle/>
+            <a:p>
+              <a:pPr algn="ctr"/>
+              <a:endParaRPr lang="en-US"/>
+            </a:p>
+          </p:txBody>
+        </p:sp>
+        <p:grpSp>
+          <p:nvGrpSpPr>
+            <p:cNvPr id="20" name="그룹 19">
+              <a:extLst>
+                <a:ext uri="{FF2B5EF4-FFF2-40B4-BE49-F238E27FC236}">
+                  <a16:creationId xmlns:a16="http://schemas.microsoft.com/office/drawing/2014/main" id="{085AA4E1-3A9D-4FE9-9FCB-BB498410DD18}"/>
+                </a:ext>
+              </a:extLst>
+            </p:cNvPr>
+            <p:cNvGrpSpPr>
+              <a:grpSpLocks noChangeAspect="1"/>
+            </p:cNvGrpSpPr>
+            <p:nvPr/>
+          </p:nvGrpSpPr>
+          <p:grpSpPr>
+            <a:xfrm>
+              <a:off x="3600319" y="4514719"/>
+              <a:ext cx="36000000" cy="36000000"/>
+              <a:chOff x="3600319" y="4514719"/>
+              <a:chExt cx="36000000" cy="36000000"/>
+            </a:xfrm>
+          </p:grpSpPr>
+          <p:grpSp>
+            <p:nvGrpSpPr>
+              <p:cNvPr id="19" name="그룹 18">
+                <a:extLst>
+                  <a:ext uri="{FF2B5EF4-FFF2-40B4-BE49-F238E27FC236}">
+                    <a16:creationId xmlns:a16="http://schemas.microsoft.com/office/drawing/2014/main" id="{BB62DBF2-4C3F-454A-8347-E8531100D5C6}"/>
+                  </a:ext>
+                </a:extLst>
+              </p:cNvPr>
+              <p:cNvGrpSpPr>
+                <a:grpSpLocks noChangeAspect="1"/>
+              </p:cNvGrpSpPr>
+              <p:nvPr/>
+            </p:nvGrpSpPr>
+            <p:grpSpPr>
+              <a:xfrm>
+                <a:off x="3600319" y="4514719"/>
+                <a:ext cx="36000000" cy="36000000"/>
+                <a:chOff x="3600319" y="4514719"/>
+                <a:chExt cx="36000000" cy="36000000"/>
+              </a:xfrm>
+            </p:grpSpPr>
+            <p:sp>
+              <p:nvSpPr>
+                <p:cNvPr id="55" name="직사각형 54">
+                  <a:extLst>
+                    <a:ext uri="{FF2B5EF4-FFF2-40B4-BE49-F238E27FC236}">
+                      <a16:creationId xmlns:a16="http://schemas.microsoft.com/office/drawing/2014/main" id="{8C6FC87C-902E-4E17-9D5D-F3FA89C47B02}"/>
+                    </a:ext>
+                  </a:extLst>
+                </p:cNvPr>
+                <p:cNvSpPr/>
+                <p:nvPr/>
+              </p:nvSpPr>
+              <p:spPr>
+                <a:xfrm>
+                  <a:off x="3600319" y="4514719"/>
+                  <a:ext cx="36000000" cy="36000000"/>
+                </a:xfrm>
+                <a:prstGeom prst="rect">
+                  <a:avLst/>
+                </a:prstGeom>
+                <a:solidFill>
+                  <a:schemeClr val="bg1"/>
+                </a:solidFill>
+                <a:ln>
+                  <a:noFill/>
+                </a:ln>
+              </p:spPr>
+              <p:style>
+                <a:lnRef idx="2">
+                  <a:schemeClr val="accent1">
+                    <a:shade val="50000"/>
+                  </a:schemeClr>
+                </a:lnRef>
+                <a:fillRef idx="1">
+                  <a:schemeClr val="accent1"/>
+                </a:fillRef>
+                <a:effectRef idx="0">
+                  <a:schemeClr val="accent1"/>
+                </a:effectRef>
+                <a:fontRef idx="minor">
+                  <a:schemeClr val="lt1"/>
+                </a:fontRef>
+              </p:style>
+              <p:txBody>
+                <a:bodyPr rtlCol="0" anchor="ctr"/>
+                <a:lstStyle/>
+                <a:p>
+                  <a:pPr algn="ctr"/>
+                  <a:endParaRPr lang="en-US" sz="2152"/>
+                </a:p>
+              </p:txBody>
+            </p:sp>
+            <p:pic>
+              <p:nvPicPr>
+                <p:cNvPr id="21" name="그림 20">
+                  <a:extLst>
+                    <a:ext uri="{FF2B5EF4-FFF2-40B4-BE49-F238E27FC236}">
+                      <a16:creationId xmlns:a16="http://schemas.microsoft.com/office/drawing/2014/main" id="{7EEB59A8-FF04-4915-9207-10A1C8FD7086}"/>
+                    </a:ext>
+                  </a:extLst>
+                </p:cNvPr>
+                <p:cNvPicPr>
+                  <a:picLocks noChangeAspect="1"/>
+                </p:cNvPicPr>
+                <p:nvPr/>
+              </p:nvPicPr>
+              <p:blipFill>
+                <a:blip r:embed="rId2">
+                  <a:extLst>
+                    <a:ext uri="{28A0092B-C50C-407E-A947-70E740481C1C}">
+                      <a14:useLocalDpi xmlns:a14="http://schemas.microsoft.com/office/drawing/2010/main" val="0"/>
+                    </a:ext>
+                  </a:extLst>
+                </a:blip>
+                <a:stretch>
+                  <a:fillRect/>
+                </a:stretch>
+              </p:blipFill>
+              <p:spPr>
+                <a:xfrm>
+                  <a:off x="3600320" y="4514719"/>
+                  <a:ext cx="10800000" cy="10800000"/>
+                </a:xfrm>
+                <a:prstGeom prst="rect">
+                  <a:avLst/>
+                </a:prstGeom>
+              </p:spPr>
+            </p:pic>
+            <p:pic>
+              <p:nvPicPr>
+                <p:cNvPr id="22" name="그림 21">
+                  <a:extLst>
+                    <a:ext uri="{FF2B5EF4-FFF2-40B4-BE49-F238E27FC236}">
+                      <a16:creationId xmlns:a16="http://schemas.microsoft.com/office/drawing/2014/main" id="{7EBD7A37-8E94-40D0-A92A-1E0D3145A8A9}"/>
+                    </a:ext>
+                  </a:extLst>
+                </p:cNvPr>
+                <p:cNvPicPr>
+                  <a:picLocks noChangeAspect="1"/>
+                </p:cNvPicPr>
+                <p:nvPr/>
+              </p:nvPicPr>
+              <p:blipFill>
+                <a:blip r:embed="rId3">
+                  <a:extLst>
+                    <a:ext uri="{28A0092B-C50C-407E-A947-70E740481C1C}">
+                      <a14:useLocalDpi xmlns:a14="http://schemas.microsoft.com/office/drawing/2010/main" val="0"/>
+                    </a:ext>
+                  </a:extLst>
+                </a:blip>
+                <a:stretch>
+                  <a:fillRect/>
+                </a:stretch>
+              </p:blipFill>
+              <p:spPr>
+                <a:xfrm>
+                  <a:off x="16200319" y="4514719"/>
+                  <a:ext cx="10800000" cy="10800000"/>
+                </a:xfrm>
+                <a:prstGeom prst="rect">
+                  <a:avLst/>
+                </a:prstGeom>
+              </p:spPr>
+            </p:pic>
+            <p:pic>
+              <p:nvPicPr>
+                <p:cNvPr id="23" name="그림 22">
+                  <a:extLst>
+                    <a:ext uri="{FF2B5EF4-FFF2-40B4-BE49-F238E27FC236}">
+                      <a16:creationId xmlns:a16="http://schemas.microsoft.com/office/drawing/2014/main" id="{9DA5EAAA-1DB6-4EED-85F5-77577B5263F4}"/>
+                    </a:ext>
+                  </a:extLst>
+                </p:cNvPr>
+                <p:cNvPicPr>
+                  <a:picLocks noChangeAspect="1"/>
+                </p:cNvPicPr>
+                <p:nvPr/>
+              </p:nvPicPr>
+              <p:blipFill>
+                <a:blip r:embed="rId4">
+                  <a:extLst>
+                    <a:ext uri="{28A0092B-C50C-407E-A947-70E740481C1C}">
+                      <a14:useLocalDpi xmlns:a14="http://schemas.microsoft.com/office/drawing/2010/main" val="0"/>
+                    </a:ext>
+                  </a:extLst>
+                </a:blip>
+                <a:stretch>
+                  <a:fillRect/>
+                </a:stretch>
+              </p:blipFill>
+              <p:spPr>
+                <a:xfrm>
+                  <a:off x="28800319" y="17114719"/>
+                  <a:ext cx="10800000" cy="10800000"/>
+                </a:xfrm>
+                <a:prstGeom prst="rect">
+                  <a:avLst/>
+                </a:prstGeom>
+              </p:spPr>
+            </p:pic>
+            <p:pic>
+              <p:nvPicPr>
+                <p:cNvPr id="24" name="그림 23">
+                  <a:extLst>
+                    <a:ext uri="{FF2B5EF4-FFF2-40B4-BE49-F238E27FC236}">
+                      <a16:creationId xmlns:a16="http://schemas.microsoft.com/office/drawing/2014/main" id="{E0E1BF56-3BFA-4FC1-BD2F-CB012B356025}"/>
+                    </a:ext>
+                  </a:extLst>
+                </p:cNvPr>
+                <p:cNvPicPr>
+                  <a:picLocks noChangeAspect="1"/>
+                </p:cNvPicPr>
+                <p:nvPr/>
+              </p:nvPicPr>
+              <p:blipFill>
+                <a:blip r:embed="rId5">
+                  <a:extLst>
+                    <a:ext uri="{28A0092B-C50C-407E-A947-70E740481C1C}">
+                      <a14:useLocalDpi xmlns:a14="http://schemas.microsoft.com/office/drawing/2010/main" val="0"/>
+                    </a:ext>
+                  </a:extLst>
+                </a:blip>
+                <a:stretch>
+                  <a:fillRect/>
+                </a:stretch>
+              </p:blipFill>
+              <p:spPr>
+                <a:xfrm>
+                  <a:off x="28800319" y="4514719"/>
+                  <a:ext cx="10800000" cy="10800000"/>
+                </a:xfrm>
+                <a:prstGeom prst="rect">
+                  <a:avLst/>
+                </a:prstGeom>
+              </p:spPr>
+            </p:pic>
+            <p:pic>
+              <p:nvPicPr>
+                <p:cNvPr id="3" name="그림 2">
+                  <a:extLst>
+                    <a:ext uri="{FF2B5EF4-FFF2-40B4-BE49-F238E27FC236}">
+                      <a16:creationId xmlns:a16="http://schemas.microsoft.com/office/drawing/2014/main" id="{DD4FA6AC-295E-4178-AD52-C9BB972BC06F}"/>
+                    </a:ext>
+                  </a:extLst>
+                </p:cNvPr>
+                <p:cNvPicPr>
+                  <a:picLocks noChangeAspect="1"/>
+                </p:cNvPicPr>
+                <p:nvPr/>
+              </p:nvPicPr>
+              <p:blipFill>
+                <a:blip r:embed="rId6">
+                  <a:extLst>
+                    <a:ext uri="{28A0092B-C50C-407E-A947-70E740481C1C}">
+                      <a14:useLocalDpi xmlns:a14="http://schemas.microsoft.com/office/drawing/2010/main" val="0"/>
+                    </a:ext>
+                  </a:extLst>
+                </a:blip>
+                <a:stretch>
+                  <a:fillRect/>
+                </a:stretch>
+              </p:blipFill>
+              <p:spPr>
+                <a:xfrm>
+                  <a:off x="28800319" y="29714719"/>
+                  <a:ext cx="10800000" cy="10800000"/>
+                </a:xfrm>
+                <a:prstGeom prst="rect">
+                  <a:avLst/>
+                </a:prstGeom>
+              </p:spPr>
+            </p:pic>
+            <p:pic>
+              <p:nvPicPr>
+                <p:cNvPr id="29" name="그림 28">
+                  <a:extLst>
+                    <a:ext uri="{FF2B5EF4-FFF2-40B4-BE49-F238E27FC236}">
+                      <a16:creationId xmlns:a16="http://schemas.microsoft.com/office/drawing/2014/main" id="{982EA5FD-40E7-4D14-80DF-6624B5980BD3}"/>
+                    </a:ext>
+                  </a:extLst>
+                </p:cNvPr>
+                <p:cNvPicPr>
+                  <a:picLocks noChangeAspect="1"/>
+                </p:cNvPicPr>
+                <p:nvPr/>
+              </p:nvPicPr>
+              <p:blipFill>
+                <a:blip r:embed="rId7">
+                  <a:extLst>
+                    <a:ext uri="{28A0092B-C50C-407E-A947-70E740481C1C}">
+                      <a14:useLocalDpi xmlns:a14="http://schemas.microsoft.com/office/drawing/2010/main" val="0"/>
+                    </a:ext>
+                  </a:extLst>
+                </a:blip>
+                <a:stretch>
+                  <a:fillRect/>
+                </a:stretch>
+              </p:blipFill>
+              <p:spPr>
+                <a:xfrm>
+                  <a:off x="16200319" y="29714719"/>
+                  <a:ext cx="10800000" cy="10800000"/>
+                </a:xfrm>
+                <a:prstGeom prst="rect">
+                  <a:avLst/>
+                </a:prstGeom>
+              </p:spPr>
+            </p:pic>
+            <p:pic>
+              <p:nvPicPr>
+                <p:cNvPr id="31" name="그림 30">
+                  <a:extLst>
+                    <a:ext uri="{FF2B5EF4-FFF2-40B4-BE49-F238E27FC236}">
+                      <a16:creationId xmlns:a16="http://schemas.microsoft.com/office/drawing/2014/main" id="{8E1D0A1A-9B41-441C-A8F5-E6C91F8D8C5C}"/>
+                    </a:ext>
+                  </a:extLst>
+                </p:cNvPr>
+                <p:cNvPicPr>
+                  <a:picLocks noChangeAspect="1"/>
+                </p:cNvPicPr>
+                <p:nvPr/>
+              </p:nvPicPr>
+              <p:blipFill>
+                <a:blip r:embed="rId8">
+                  <a:extLst>
+                    <a:ext uri="{28A0092B-C50C-407E-A947-70E740481C1C}">
+                      <a14:useLocalDpi xmlns:a14="http://schemas.microsoft.com/office/drawing/2010/main" val="0"/>
+                    </a:ext>
+                  </a:extLst>
+                </a:blip>
+                <a:stretch>
+                  <a:fillRect/>
+                </a:stretch>
+              </p:blipFill>
+              <p:spPr>
+                <a:xfrm>
+                  <a:off x="3600320" y="29714719"/>
+                  <a:ext cx="10800000" cy="10800000"/>
+                </a:xfrm>
+                <a:prstGeom prst="rect">
+                  <a:avLst/>
+                </a:prstGeom>
+              </p:spPr>
+            </p:pic>
+            <p:pic>
+              <p:nvPicPr>
+                <p:cNvPr id="33" name="그림 32">
+                  <a:extLst>
+                    <a:ext uri="{FF2B5EF4-FFF2-40B4-BE49-F238E27FC236}">
+                      <a16:creationId xmlns:a16="http://schemas.microsoft.com/office/drawing/2014/main" id="{56370C09-F8B7-4C9C-832B-E102446AB15F}"/>
+                    </a:ext>
+                  </a:extLst>
+                </p:cNvPr>
+                <p:cNvPicPr>
+                  <a:picLocks noChangeAspect="1"/>
+                </p:cNvPicPr>
+                <p:nvPr/>
+              </p:nvPicPr>
+              <p:blipFill>
+                <a:blip r:embed="rId9">
+                  <a:extLst>
+                    <a:ext uri="{28A0092B-C50C-407E-A947-70E740481C1C}">
+                      <a14:useLocalDpi xmlns:a14="http://schemas.microsoft.com/office/drawing/2010/main" val="0"/>
+                    </a:ext>
+                  </a:extLst>
+                </a:blip>
+                <a:stretch>
+                  <a:fillRect/>
+                </a:stretch>
+              </p:blipFill>
+              <p:spPr>
+                <a:xfrm>
+                  <a:off x="3600320" y="17114719"/>
+                  <a:ext cx="10800000" cy="10800000"/>
+                </a:xfrm>
+                <a:prstGeom prst="rect">
+                  <a:avLst/>
+                </a:prstGeom>
+              </p:spPr>
+            </p:pic>
+          </p:grpSp>
+          <p:grpSp>
+            <p:nvGrpSpPr>
+              <p:cNvPr id="18" name="그룹 17">
+                <a:extLst>
+                  <a:ext uri="{FF2B5EF4-FFF2-40B4-BE49-F238E27FC236}">
+                    <a16:creationId xmlns:a16="http://schemas.microsoft.com/office/drawing/2014/main" id="{340F7201-7EF2-42F9-B77A-67AF1297FC73}"/>
+                  </a:ext>
+                </a:extLst>
+              </p:cNvPr>
+              <p:cNvGrpSpPr>
+                <a:grpSpLocks noChangeAspect="1"/>
+              </p:cNvGrpSpPr>
+              <p:nvPr/>
+            </p:nvGrpSpPr>
+            <p:grpSpPr>
+              <a:xfrm>
+                <a:off x="16200319" y="17114719"/>
+                <a:ext cx="10800001" cy="10800000"/>
+                <a:chOff x="16200319" y="17114719"/>
+                <a:chExt cx="10800001" cy="10800000"/>
+              </a:xfrm>
+            </p:grpSpPr>
+            <p:grpSp>
+              <p:nvGrpSpPr>
+                <p:cNvPr id="5" name="그룹 4">
+                  <a:extLst>
+                    <a:ext uri="{FF2B5EF4-FFF2-40B4-BE49-F238E27FC236}">
+                      <a16:creationId xmlns:a16="http://schemas.microsoft.com/office/drawing/2014/main" id="{3A5151D6-F1A8-4C68-BE1E-6D6EEFEC9678}"/>
+                    </a:ext>
+                  </a:extLst>
+                </p:cNvPr>
+                <p:cNvGrpSpPr>
+                  <a:grpSpLocks noChangeAspect="1"/>
+                </p:cNvGrpSpPr>
+                <p:nvPr/>
+              </p:nvGrpSpPr>
+              <p:grpSpPr>
+                <a:xfrm>
+                  <a:off x="16200319" y="17114719"/>
+                  <a:ext cx="10800001" cy="10800000"/>
+                  <a:chOff x="16200318" y="17133917"/>
+                  <a:chExt cx="10800001" cy="10800000"/>
+                </a:xfrm>
+              </p:grpSpPr>
+              <p:sp>
+                <p:nvSpPr>
+                  <p:cNvPr id="14" name="직사각형 13">
+                    <a:extLst>
+                      <a:ext uri="{FF2B5EF4-FFF2-40B4-BE49-F238E27FC236}">
+                        <a16:creationId xmlns:a16="http://schemas.microsoft.com/office/drawing/2014/main" id="{EB82289C-B3FF-42BF-BCD0-0E85F7901C15}"/>
+                      </a:ext>
+                    </a:extLst>
+                  </p:cNvPr>
+                  <p:cNvSpPr>
+                    <a:spLocks noChangeAspect="1"/>
+                  </p:cNvSpPr>
+                  <p:nvPr/>
+                </p:nvSpPr>
+                <p:spPr>
+                  <a:xfrm>
+                    <a:off x="16200318" y="17133917"/>
+                    <a:ext cx="10800000" cy="10800000"/>
+                  </a:xfrm>
+                  <a:prstGeom prst="rect">
+                    <a:avLst/>
+                  </a:prstGeom>
+                  <a:solidFill>
+                    <a:schemeClr val="bg1"/>
+                  </a:solidFill>
+                  <a:ln>
+                    <a:noFill/>
+                  </a:ln>
+                </p:spPr>
+                <p:style>
+                  <a:lnRef idx="2">
+                    <a:schemeClr val="accent1">
+                      <a:shade val="50000"/>
+                    </a:schemeClr>
+                  </a:lnRef>
+                  <a:fillRef idx="1">
+                    <a:schemeClr val="accent1"/>
+                  </a:fillRef>
+                  <a:effectRef idx="0">
+                    <a:schemeClr val="accent1"/>
+                  </a:effectRef>
+                  <a:fontRef idx="minor">
+                    <a:schemeClr val="lt1"/>
+                  </a:fontRef>
+                </p:style>
+                <p:txBody>
+                  <a:bodyPr rtlCol="0" anchor="ctr"/>
+                  <a:lstStyle/>
+                  <a:p>
+                    <a:pPr algn="ctr"/>
+                    <a:endParaRPr lang="en-US" sz="2152"/>
+                  </a:p>
+                </p:txBody>
+              </p:sp>
+              <p:pic>
+                <p:nvPicPr>
+                  <p:cNvPr id="37" name="그림 36">
+                    <a:extLst>
+                      <a:ext uri="{FF2B5EF4-FFF2-40B4-BE49-F238E27FC236}">
+                        <a16:creationId xmlns:a16="http://schemas.microsoft.com/office/drawing/2014/main" id="{757220ED-3FB8-499F-A115-753735506A11}"/>
+                      </a:ext>
+                    </a:extLst>
+                  </p:cNvPr>
+                  <p:cNvPicPr>
+                    <a:picLocks noChangeAspect="1"/>
+                  </p:cNvPicPr>
+                  <p:nvPr/>
+                </p:nvPicPr>
+                <p:blipFill>
+                  <a:blip r:embed="rId10">
+                    <a:extLst>
+                      <a:ext uri="{28A0092B-C50C-407E-A947-70E740481C1C}">
+                        <a14:useLocalDpi xmlns:a14="http://schemas.microsoft.com/office/drawing/2010/main" val="0"/>
+                      </a:ext>
+                    </a:extLst>
+                  </a:blip>
+                  <a:stretch>
+                    <a:fillRect/>
+                  </a:stretch>
+                </p:blipFill>
+                <p:spPr>
+                  <a:xfrm>
+                    <a:off x="16200318" y="17133917"/>
+                    <a:ext cx="3240000" cy="3240000"/>
+                  </a:xfrm>
+                  <a:prstGeom prst="rect">
+                    <a:avLst/>
+                  </a:prstGeom>
+                </p:spPr>
+              </p:pic>
+              <p:pic>
+                <p:nvPicPr>
+                  <p:cNvPr id="39" name="그림 38">
+                    <a:extLst>
+                      <a:ext uri="{FF2B5EF4-FFF2-40B4-BE49-F238E27FC236}">
+                        <a16:creationId xmlns:a16="http://schemas.microsoft.com/office/drawing/2014/main" id="{70B05AC8-BD0B-4258-BBDD-CD3E57862488}"/>
+                      </a:ext>
+                    </a:extLst>
+                  </p:cNvPr>
+                  <p:cNvPicPr>
+                    <a:picLocks noChangeAspect="1"/>
+                  </p:cNvPicPr>
+                  <p:nvPr/>
+                </p:nvPicPr>
+                <p:blipFill>
+                  <a:blip r:embed="rId11">
+                    <a:extLst>
+                      <a:ext uri="{28A0092B-C50C-407E-A947-70E740481C1C}">
+                        <a14:useLocalDpi xmlns:a14="http://schemas.microsoft.com/office/drawing/2010/main" val="0"/>
+                      </a:ext>
+                    </a:extLst>
+                  </a:blip>
+                  <a:stretch>
+                    <a:fillRect/>
+                  </a:stretch>
+                </p:blipFill>
+                <p:spPr>
+                  <a:xfrm>
+                    <a:off x="19980318" y="17133917"/>
+                    <a:ext cx="3240000" cy="3240000"/>
+                  </a:xfrm>
+                  <a:prstGeom prst="rect">
+                    <a:avLst/>
+                  </a:prstGeom>
+                </p:spPr>
+              </p:pic>
+              <p:pic>
+                <p:nvPicPr>
+                  <p:cNvPr id="41" name="그림 40">
+                    <a:extLst>
+                      <a:ext uri="{FF2B5EF4-FFF2-40B4-BE49-F238E27FC236}">
+                        <a16:creationId xmlns:a16="http://schemas.microsoft.com/office/drawing/2014/main" id="{788E18D8-CE55-4CB0-A970-AC82AC582205}"/>
+                      </a:ext>
+                    </a:extLst>
+                  </p:cNvPr>
+                  <p:cNvPicPr>
+                    <a:picLocks noChangeAspect="1"/>
+                  </p:cNvPicPr>
+                  <p:nvPr/>
+                </p:nvPicPr>
+                <p:blipFill>
+                  <a:blip r:embed="rId12">
+                    <a:extLst>
+                      <a:ext uri="{28A0092B-C50C-407E-A947-70E740481C1C}">
+                        <a14:useLocalDpi xmlns:a14="http://schemas.microsoft.com/office/drawing/2010/main" val="0"/>
+                      </a:ext>
+                    </a:extLst>
+                  </a:blip>
+                  <a:stretch>
+                    <a:fillRect/>
+                  </a:stretch>
+                </p:blipFill>
+                <p:spPr>
+                  <a:xfrm>
+                    <a:off x="23760319" y="17133917"/>
+                    <a:ext cx="3240000" cy="3240000"/>
+                  </a:xfrm>
+                  <a:prstGeom prst="rect">
+                    <a:avLst/>
+                  </a:prstGeom>
+                </p:spPr>
+              </p:pic>
+              <p:pic>
+                <p:nvPicPr>
+                  <p:cNvPr id="43" name="그림 42">
+                    <a:extLst>
+                      <a:ext uri="{FF2B5EF4-FFF2-40B4-BE49-F238E27FC236}">
+                        <a16:creationId xmlns:a16="http://schemas.microsoft.com/office/drawing/2014/main" id="{2C3946A2-96D5-40E8-B70B-26D28D49FCA8}"/>
+                      </a:ext>
+                    </a:extLst>
+                  </p:cNvPr>
+                  <p:cNvPicPr>
+                    <a:picLocks noChangeAspect="1"/>
+                  </p:cNvPicPr>
+                  <p:nvPr/>
+                </p:nvPicPr>
+                <p:blipFill>
+                  <a:blip r:embed="rId13">
+                    <a:extLst>
+                      <a:ext uri="{28A0092B-C50C-407E-A947-70E740481C1C}">
+                        <a14:useLocalDpi xmlns:a14="http://schemas.microsoft.com/office/drawing/2010/main" val="0"/>
+                      </a:ext>
+                    </a:extLst>
+                  </a:blip>
+                  <a:stretch>
+                    <a:fillRect/>
+                  </a:stretch>
+                </p:blipFill>
+                <p:spPr>
+                  <a:xfrm>
+                    <a:off x="23760319" y="20913917"/>
+                    <a:ext cx="3240000" cy="3240000"/>
+                  </a:xfrm>
+                  <a:prstGeom prst="rect">
+                    <a:avLst/>
+                  </a:prstGeom>
+                </p:spPr>
+              </p:pic>
+              <p:pic>
+                <p:nvPicPr>
+                  <p:cNvPr id="45" name="그림 44">
+                    <a:extLst>
+                      <a:ext uri="{FF2B5EF4-FFF2-40B4-BE49-F238E27FC236}">
+                        <a16:creationId xmlns:a16="http://schemas.microsoft.com/office/drawing/2014/main" id="{E758D147-9DE0-42E6-9AA5-053B952A7C63}"/>
+                      </a:ext>
+                    </a:extLst>
+                  </p:cNvPr>
+                  <p:cNvPicPr>
+                    <a:picLocks noChangeAspect="1"/>
+                  </p:cNvPicPr>
+                  <p:nvPr/>
+                </p:nvPicPr>
+                <p:blipFill>
+                  <a:blip r:embed="rId14">
+                    <a:extLst>
+                      <a:ext uri="{28A0092B-C50C-407E-A947-70E740481C1C}">
+                        <a14:useLocalDpi xmlns:a14="http://schemas.microsoft.com/office/drawing/2010/main" val="0"/>
+                      </a:ext>
+                    </a:extLst>
+                  </a:blip>
+                  <a:stretch>
+                    <a:fillRect/>
+                  </a:stretch>
+                </p:blipFill>
+                <p:spPr>
+                  <a:xfrm>
+                    <a:off x="23760319" y="24693917"/>
+                    <a:ext cx="3240000" cy="3240000"/>
+                  </a:xfrm>
+                  <a:prstGeom prst="rect">
+                    <a:avLst/>
+                  </a:prstGeom>
+                </p:spPr>
+              </p:pic>
+              <p:pic>
+                <p:nvPicPr>
+                  <p:cNvPr id="47" name="그림 46">
+                    <a:extLst>
+                      <a:ext uri="{FF2B5EF4-FFF2-40B4-BE49-F238E27FC236}">
+                        <a16:creationId xmlns:a16="http://schemas.microsoft.com/office/drawing/2014/main" id="{C59C4C96-FEB0-400B-8854-45E459D0B170}"/>
+                      </a:ext>
+                    </a:extLst>
+                  </p:cNvPr>
+                  <p:cNvPicPr>
+                    <a:picLocks noChangeAspect="1"/>
+                  </p:cNvPicPr>
+                  <p:nvPr/>
+                </p:nvPicPr>
+                <p:blipFill>
+                  <a:blip r:embed="rId15">
+                    <a:extLst>
+                      <a:ext uri="{28A0092B-C50C-407E-A947-70E740481C1C}">
+                        <a14:useLocalDpi xmlns:a14="http://schemas.microsoft.com/office/drawing/2010/main" val="0"/>
+                      </a:ext>
+                    </a:extLst>
+                  </a:blip>
+                  <a:stretch>
+                    <a:fillRect/>
+                  </a:stretch>
+                </p:blipFill>
+                <p:spPr>
+                  <a:xfrm>
+                    <a:off x="19980318" y="24693917"/>
+                    <a:ext cx="3240000" cy="3240000"/>
+                  </a:xfrm>
+                  <a:prstGeom prst="rect">
+                    <a:avLst/>
+                  </a:prstGeom>
+                </p:spPr>
+              </p:pic>
+              <p:pic>
+                <p:nvPicPr>
+                  <p:cNvPr id="49" name="그림 48">
+                    <a:extLst>
+                      <a:ext uri="{FF2B5EF4-FFF2-40B4-BE49-F238E27FC236}">
+                        <a16:creationId xmlns:a16="http://schemas.microsoft.com/office/drawing/2014/main" id="{49ACD768-EF8D-4286-801D-56CD8C01528A}"/>
+                      </a:ext>
+                    </a:extLst>
+                  </p:cNvPr>
+                  <p:cNvPicPr>
+                    <a:picLocks noChangeAspect="1"/>
+                  </p:cNvPicPr>
+                  <p:nvPr/>
+                </p:nvPicPr>
+                <p:blipFill>
+                  <a:blip r:embed="rId16">
+                    <a:extLst>
+                      <a:ext uri="{28A0092B-C50C-407E-A947-70E740481C1C}">
+                        <a14:useLocalDpi xmlns:a14="http://schemas.microsoft.com/office/drawing/2010/main" val="0"/>
+                      </a:ext>
+                    </a:extLst>
+                  </a:blip>
+                  <a:stretch>
+                    <a:fillRect/>
+                  </a:stretch>
+                </p:blipFill>
+                <p:spPr>
+                  <a:xfrm>
+                    <a:off x="16200318" y="24693917"/>
+                    <a:ext cx="3240000" cy="3240000"/>
+                  </a:xfrm>
+                  <a:prstGeom prst="rect">
+                    <a:avLst/>
+                  </a:prstGeom>
+                </p:spPr>
+              </p:pic>
+              <p:pic>
+                <p:nvPicPr>
+                  <p:cNvPr id="51" name="그림 50">
+                    <a:extLst>
+                      <a:ext uri="{FF2B5EF4-FFF2-40B4-BE49-F238E27FC236}">
+                        <a16:creationId xmlns:a16="http://schemas.microsoft.com/office/drawing/2014/main" id="{C9220B98-1DC7-4808-95BA-7FF3D20473CA}"/>
+                      </a:ext>
+                    </a:extLst>
+                  </p:cNvPr>
+                  <p:cNvPicPr>
+                    <a:picLocks noChangeAspect="1"/>
+                  </p:cNvPicPr>
+                  <p:nvPr/>
+                </p:nvPicPr>
+                <p:blipFill>
+                  <a:blip r:embed="rId17">
+                    <a:extLst>
+                      <a:ext uri="{28A0092B-C50C-407E-A947-70E740481C1C}">
+                        <a14:useLocalDpi xmlns:a14="http://schemas.microsoft.com/office/drawing/2010/main" val="0"/>
+                      </a:ext>
+                    </a:extLst>
+                  </a:blip>
+                  <a:stretch>
+                    <a:fillRect/>
+                  </a:stretch>
+                </p:blipFill>
+                <p:spPr>
+                  <a:xfrm>
+                    <a:off x="16200318" y="20913917"/>
+                    <a:ext cx="3240000" cy="3240000"/>
+                  </a:xfrm>
+                  <a:prstGeom prst="rect">
+                    <a:avLst/>
+                  </a:prstGeom>
+                </p:spPr>
+              </p:pic>
+            </p:grpSp>
+            <p:grpSp>
+              <p:nvGrpSpPr>
+                <p:cNvPr id="17" name="그룹 16">
+                  <a:extLst>
+                    <a:ext uri="{FF2B5EF4-FFF2-40B4-BE49-F238E27FC236}">
+                      <a16:creationId xmlns:a16="http://schemas.microsoft.com/office/drawing/2014/main" id="{9487277A-B349-40E2-8765-0C1F4B142403}"/>
+                    </a:ext>
+                  </a:extLst>
+                </p:cNvPr>
+                <p:cNvGrpSpPr>
+                  <a:grpSpLocks noChangeAspect="1"/>
+                </p:cNvGrpSpPr>
+                <p:nvPr/>
+              </p:nvGrpSpPr>
+              <p:grpSpPr>
+                <a:xfrm>
+                  <a:off x="19980319" y="20894719"/>
+                  <a:ext cx="3240000" cy="3240000"/>
+                  <a:chOff x="41986200" y="17664881"/>
+                  <a:chExt cx="3240000" cy="3240000"/>
+                </a:xfrm>
+              </p:grpSpPr>
+              <p:sp>
+                <p:nvSpPr>
+                  <p:cNvPr id="16" name="직사각형 15">
+                    <a:extLst>
+                      <a:ext uri="{FF2B5EF4-FFF2-40B4-BE49-F238E27FC236}">
+                        <a16:creationId xmlns:a16="http://schemas.microsoft.com/office/drawing/2014/main" id="{EAA80F9C-E6FF-44C8-BC18-3AD63270391B}"/>
+                      </a:ext>
+                    </a:extLst>
+                  </p:cNvPr>
+                  <p:cNvSpPr>
+                    <a:spLocks noChangeAspect="1"/>
+                  </p:cNvSpPr>
+                  <p:nvPr/>
+                </p:nvSpPr>
+                <p:spPr>
+                  <a:xfrm>
+                    <a:off x="41986200" y="17664881"/>
+                    <a:ext cx="3240000" cy="3240000"/>
+                  </a:xfrm>
+                  <a:prstGeom prst="rect">
+                    <a:avLst/>
+                  </a:prstGeom>
+                  <a:solidFill>
+                    <a:schemeClr val="bg1"/>
+                  </a:solidFill>
+                  <a:ln>
+                    <a:noFill/>
+                  </a:ln>
+                </p:spPr>
+                <p:style>
+                  <a:lnRef idx="2">
+                    <a:schemeClr val="accent1">
+                      <a:shade val="50000"/>
+                    </a:schemeClr>
+                  </a:lnRef>
+                  <a:fillRef idx="1">
+                    <a:schemeClr val="accent1"/>
+                  </a:fillRef>
+                  <a:effectRef idx="0">
+                    <a:schemeClr val="accent1"/>
+                  </a:effectRef>
+                  <a:fontRef idx="minor">
+                    <a:schemeClr val="lt1"/>
+                  </a:fontRef>
+                </p:style>
+                <p:txBody>
+                  <a:bodyPr rtlCol="0" anchor="ctr"/>
+                  <a:lstStyle/>
+                  <a:p>
+                    <a:pPr algn="ctr"/>
+                    <a:endParaRPr lang="en-US"/>
+                  </a:p>
+                </p:txBody>
+              </p:sp>
+              <p:pic>
+                <p:nvPicPr>
+                  <p:cNvPr id="8" name="그림 7">
+                    <a:extLst>
+                      <a:ext uri="{FF2B5EF4-FFF2-40B4-BE49-F238E27FC236}">
+                        <a16:creationId xmlns:a16="http://schemas.microsoft.com/office/drawing/2014/main" id="{DAF7F74D-631B-49F4-B397-1E7576285EC4}"/>
+                      </a:ext>
+                    </a:extLst>
+                  </p:cNvPr>
+                  <p:cNvPicPr>
+                    <a:picLocks noChangeAspect="1"/>
+                  </p:cNvPicPr>
+                  <p:nvPr/>
+                </p:nvPicPr>
+                <p:blipFill>
+                  <a:blip r:embed="rId18">
+                    <a:extLst>
+                      <a:ext uri="{28A0092B-C50C-407E-A947-70E740481C1C}">
+                        <a14:useLocalDpi xmlns:a14="http://schemas.microsoft.com/office/drawing/2010/main" val="0"/>
+                      </a:ext>
+                    </a:extLst>
+                  </a:blip>
+                  <a:stretch>
+                    <a:fillRect/>
+                  </a:stretch>
+                </p:blipFill>
+                <p:spPr>
+                  <a:xfrm>
+                    <a:off x="41986200" y="17664881"/>
+                    <a:ext cx="1490400" cy="1490400"/>
+                  </a:xfrm>
+                  <a:prstGeom prst="rect">
+                    <a:avLst/>
+                  </a:prstGeom>
+                </p:spPr>
+              </p:pic>
+              <p:pic>
+                <p:nvPicPr>
+                  <p:cNvPr id="10" name="그림 9">
+                    <a:extLst>
+                      <a:ext uri="{FF2B5EF4-FFF2-40B4-BE49-F238E27FC236}">
+                        <a16:creationId xmlns:a16="http://schemas.microsoft.com/office/drawing/2014/main" id="{52FF8B49-650A-4836-A356-EB9A3096DC93}"/>
+                      </a:ext>
+                    </a:extLst>
+                  </p:cNvPr>
+                  <p:cNvPicPr>
+                    <a:picLocks noChangeAspect="1"/>
+                  </p:cNvPicPr>
+                  <p:nvPr/>
+                </p:nvPicPr>
+                <p:blipFill>
+                  <a:blip r:embed="rId19">
+                    <a:extLst>
+                      <a:ext uri="{28A0092B-C50C-407E-A947-70E740481C1C}">
+                        <a14:useLocalDpi xmlns:a14="http://schemas.microsoft.com/office/drawing/2010/main" val="0"/>
+                      </a:ext>
+                    </a:extLst>
+                  </a:blip>
+                  <a:stretch>
+                    <a:fillRect/>
+                  </a:stretch>
+                </p:blipFill>
+                <p:spPr>
+                  <a:xfrm>
+                    <a:off x="43735800" y="17664881"/>
+                    <a:ext cx="1490400" cy="1490400"/>
+                  </a:xfrm>
+                  <a:prstGeom prst="rect">
+                    <a:avLst/>
+                  </a:prstGeom>
+                </p:spPr>
+              </p:pic>
+              <p:pic>
+                <p:nvPicPr>
+                  <p:cNvPr id="12" name="그림 11">
+                    <a:extLst>
+                      <a:ext uri="{FF2B5EF4-FFF2-40B4-BE49-F238E27FC236}">
+                        <a16:creationId xmlns:a16="http://schemas.microsoft.com/office/drawing/2014/main" id="{709D7C61-5DC5-4C55-B72A-2C283C19FF18}"/>
+                      </a:ext>
+                    </a:extLst>
+                  </p:cNvPr>
+                  <p:cNvPicPr>
+                    <a:picLocks noChangeAspect="1"/>
+                  </p:cNvPicPr>
+                  <p:nvPr/>
+                </p:nvPicPr>
+                <p:blipFill>
+                  <a:blip r:embed="rId20">
+                    <a:extLst>
+                      <a:ext uri="{28A0092B-C50C-407E-A947-70E740481C1C}">
+                        <a14:useLocalDpi xmlns:a14="http://schemas.microsoft.com/office/drawing/2010/main" val="0"/>
+                      </a:ext>
+                    </a:extLst>
+                  </a:blip>
+                  <a:stretch>
+                    <a:fillRect/>
+                  </a:stretch>
+                </p:blipFill>
+                <p:spPr>
+                  <a:xfrm>
+                    <a:off x="43735800" y="19414481"/>
+                    <a:ext cx="1490400" cy="1490400"/>
+                  </a:xfrm>
+                  <a:prstGeom prst="rect">
+                    <a:avLst/>
+                  </a:prstGeom>
+                </p:spPr>
+              </p:pic>
+              <p:pic>
+                <p:nvPicPr>
+                  <p:cNvPr id="15" name="그림 14">
+                    <a:extLst>
+                      <a:ext uri="{FF2B5EF4-FFF2-40B4-BE49-F238E27FC236}">
+                        <a16:creationId xmlns:a16="http://schemas.microsoft.com/office/drawing/2014/main" id="{9B5A17D3-8497-4B25-BA86-87F8BABE47A7}"/>
+                      </a:ext>
+                    </a:extLst>
+                  </p:cNvPr>
+                  <p:cNvPicPr>
+                    <a:picLocks noChangeAspect="1"/>
+                  </p:cNvPicPr>
+                  <p:nvPr/>
+                </p:nvPicPr>
+                <p:blipFill>
+                  <a:blip r:embed="rId21">
+                    <a:extLst>
+                      <a:ext uri="{28A0092B-C50C-407E-A947-70E740481C1C}">
+                        <a14:useLocalDpi xmlns:a14="http://schemas.microsoft.com/office/drawing/2010/main" val="0"/>
+                      </a:ext>
+                    </a:extLst>
+                  </a:blip>
+                  <a:stretch>
+                    <a:fillRect/>
+                  </a:stretch>
+                </p:blipFill>
+                <p:spPr>
+                  <a:xfrm>
+                    <a:off x="41986200" y="19414481"/>
+                    <a:ext cx="1490400" cy="1490400"/>
+                  </a:xfrm>
+                  <a:prstGeom prst="rect">
+                    <a:avLst/>
+                  </a:prstGeom>
+                </p:spPr>
+              </p:pic>
+            </p:grpSp>
+          </p:grpSp>
+        </p:grpSp>
+      </p:grpSp>
+      <p:cxnSp>
+        <p:nvCxnSpPr>
+          <p:cNvPr id="34" name="직선 연결선 33">
+            <a:extLst>
+              <a:ext uri="{FF2B5EF4-FFF2-40B4-BE49-F238E27FC236}">
+                <a16:creationId xmlns:a16="http://schemas.microsoft.com/office/drawing/2014/main" id="{E8B5F870-C675-4934-A64B-A2195E9E2FA6}"/>
+              </a:ext>
+            </a:extLst>
+          </p:cNvPr>
+          <p:cNvCxnSpPr>
+            <a:cxnSpLocks noChangeAspect="1"/>
+          </p:cNvCxnSpPr>
+          <p:nvPr/>
+        </p:nvCxnSpPr>
+        <p:spPr>
+          <a:xfrm>
+            <a:off x="21600319" y="58629109"/>
+            <a:ext cx="18000000" cy="0"/>
+          </a:xfrm>
+          <a:prstGeom prst="line">
+            <a:avLst/>
+          </a:prstGeom>
+          <a:ln>
+            <a:solidFill>
+              <a:srgbClr val="FF0000"/>
+            </a:solidFill>
+          </a:ln>
+        </p:spPr>
+        <p:style>
+          <a:lnRef idx="1">
+            <a:schemeClr val="accent2"/>
+          </a:lnRef>
+          <a:fillRef idx="0">
+            <a:schemeClr val="accent2"/>
+          </a:fillRef>
+          <a:effectRef idx="0">
+            <a:schemeClr val="accent2"/>
+          </a:effectRef>
+          <a:fontRef idx="minor">
+            <a:schemeClr val="tx1"/>
+          </a:fontRef>
+        </p:style>
+      </p:cxnSp>
+      <p:sp>
+        <p:nvSpPr>
+          <p:cNvPr id="35" name="TextBox 34">
+            <a:extLst>
+              <a:ext uri="{FF2B5EF4-FFF2-40B4-BE49-F238E27FC236}">
+                <a16:creationId xmlns:a16="http://schemas.microsoft.com/office/drawing/2014/main" id="{EA131250-5698-4CAA-82B5-82EF60762157}"/>
+              </a:ext>
+            </a:extLst>
+          </p:cNvPr>
+          <p:cNvSpPr txBox="1">
+            <a:spLocks noChangeAspect="1"/>
+          </p:cNvSpPr>
+          <p:nvPr/>
+        </p:nvSpPr>
+        <p:spPr>
+          <a:xfrm>
+            <a:off x="26109139" y="59022615"/>
+            <a:ext cx="8982360" cy="1446550"/>
+          </a:xfrm>
+          <a:prstGeom prst="rect">
+            <a:avLst/>
+          </a:prstGeom>
+          <a:noFill/>
+        </p:spPr>
+        <p:txBody>
+          <a:bodyPr wrap="square" rtlCol="0" anchor="ctr" anchorCtr="1">
+            <a:spAutoFit/>
+          </a:bodyPr>
+          <a:lstStyle/>
+          <a:p>
+            <a:pPr algn="ctr"/>
+            <a:r>
+              <a:rPr lang="en-US" sz="8800" dirty="0">
+                <a:latin typeface="Arial" panose="020B0604020202020204" pitchFamily="34" charset="0"/>
+              </a:rPr>
+              <a:t>50 cm</a:t>
+            </a:r>
+          </a:p>
+        </p:txBody>
+      </p:sp>
+      <p:cxnSp>
+        <p:nvCxnSpPr>
+          <p:cNvPr id="36" name="직선 연결선 35">
+            <a:extLst>
+              <a:ext uri="{FF2B5EF4-FFF2-40B4-BE49-F238E27FC236}">
+                <a16:creationId xmlns:a16="http://schemas.microsoft.com/office/drawing/2014/main" id="{51609EC0-D904-466A-BD75-D3617A92F4FA}"/>
+              </a:ext>
+            </a:extLst>
+          </p:cNvPr>
+          <p:cNvCxnSpPr>
+            <a:cxnSpLocks noChangeAspect="1"/>
+          </p:cNvCxnSpPr>
+          <p:nvPr/>
+        </p:nvCxnSpPr>
+        <p:spPr>
+          <a:xfrm>
+            <a:off x="21600319" y="4514719"/>
+            <a:ext cx="0" cy="56896000"/>
+          </a:xfrm>
+          <a:prstGeom prst="line">
+            <a:avLst/>
+          </a:prstGeom>
+        </p:spPr>
+        <p:style>
+          <a:lnRef idx="1">
+            <a:schemeClr val="accent1"/>
+          </a:lnRef>
+          <a:fillRef idx="0">
+            <a:schemeClr val="accent1"/>
+          </a:fillRef>
+          <a:effectRef idx="0">
+            <a:schemeClr val="accent1"/>
+          </a:effectRef>
+          <a:fontRef idx="minor">
+            <a:schemeClr val="tx1"/>
+          </a:fontRef>
+        </p:style>
+      </p:cxnSp>
+      <p:cxnSp>
+        <p:nvCxnSpPr>
+          <p:cNvPr id="38" name="직선 연결선 37">
+            <a:extLst>
+              <a:ext uri="{FF2B5EF4-FFF2-40B4-BE49-F238E27FC236}">
+                <a16:creationId xmlns:a16="http://schemas.microsoft.com/office/drawing/2014/main" id="{998603D2-F528-41CE-A21B-3328075055D7}"/>
+              </a:ext>
+            </a:extLst>
+          </p:cNvPr>
+          <p:cNvCxnSpPr>
+            <a:cxnSpLocks noChangeAspect="1"/>
+          </p:cNvCxnSpPr>
+          <p:nvPr/>
+        </p:nvCxnSpPr>
+        <p:spPr>
+          <a:xfrm>
+            <a:off x="39600319" y="4514719"/>
+            <a:ext cx="0" cy="56896000"/>
+          </a:xfrm>
+          <a:prstGeom prst="line">
+            <a:avLst/>
+          </a:prstGeom>
+        </p:spPr>
+        <p:style>
+          <a:lnRef idx="1">
+            <a:schemeClr val="accent1"/>
+          </a:lnRef>
+          <a:fillRef idx="0">
+            <a:schemeClr val="accent1"/>
+          </a:fillRef>
+          <a:effectRef idx="0">
+            <a:schemeClr val="accent1"/>
+          </a:effectRef>
+          <a:fontRef idx="minor">
+            <a:schemeClr val="tx1"/>
+          </a:fontRef>
+        </p:style>
+      </p:cxnSp>
+      <p:cxnSp>
+        <p:nvCxnSpPr>
+          <p:cNvPr id="40" name="직선 연결선 39">
+            <a:extLst>
+              <a:ext uri="{FF2B5EF4-FFF2-40B4-BE49-F238E27FC236}">
+                <a16:creationId xmlns:a16="http://schemas.microsoft.com/office/drawing/2014/main" id="{2FA23B63-341D-485B-A668-EBE1FAA8578B}"/>
+              </a:ext>
+            </a:extLst>
+          </p:cNvPr>
+          <p:cNvCxnSpPr>
+            <a:cxnSpLocks noChangeAspect="1"/>
+          </p:cNvCxnSpPr>
+          <p:nvPr/>
+        </p:nvCxnSpPr>
+        <p:spPr>
+          <a:xfrm>
+            <a:off x="34200319" y="55301291"/>
+            <a:ext cx="5400000" cy="0"/>
+          </a:xfrm>
+          <a:prstGeom prst="line">
+            <a:avLst/>
+          </a:prstGeom>
+          <a:ln>
+            <a:solidFill>
+              <a:srgbClr val="FF0000"/>
+            </a:solidFill>
+          </a:ln>
+        </p:spPr>
+        <p:style>
+          <a:lnRef idx="1">
+            <a:schemeClr val="accent2"/>
+          </a:lnRef>
+          <a:fillRef idx="0">
+            <a:schemeClr val="accent2"/>
+          </a:fillRef>
+          <a:effectRef idx="0">
+            <a:schemeClr val="accent2"/>
+          </a:effectRef>
+          <a:fontRef idx="minor">
+            <a:schemeClr val="tx1"/>
+          </a:fontRef>
+        </p:style>
+      </p:cxnSp>
+      <p:sp>
+        <p:nvSpPr>
+          <p:cNvPr id="42" name="TextBox 41">
+            <a:extLst>
+              <a:ext uri="{FF2B5EF4-FFF2-40B4-BE49-F238E27FC236}">
+                <a16:creationId xmlns:a16="http://schemas.microsoft.com/office/drawing/2014/main" id="{83A01A4D-90F7-4716-955E-6D5CAB5A9484}"/>
+              </a:ext>
+            </a:extLst>
+          </p:cNvPr>
+          <p:cNvSpPr txBox="1">
+            <a:spLocks noChangeAspect="1"/>
+          </p:cNvSpPr>
+          <p:nvPr/>
+        </p:nvSpPr>
+        <p:spPr>
+          <a:xfrm>
+            <a:off x="35126439" y="55630851"/>
+            <a:ext cx="3547760" cy="1446550"/>
+          </a:xfrm>
+          <a:prstGeom prst="rect">
+            <a:avLst/>
+          </a:prstGeom>
+          <a:noFill/>
+        </p:spPr>
+        <p:txBody>
+          <a:bodyPr wrap="square" rtlCol="0" anchor="ctr" anchorCtr="1">
+            <a:spAutoFit/>
+          </a:bodyPr>
+          <a:lstStyle/>
+          <a:p>
+            <a:pPr algn="ctr"/>
+            <a:r>
+              <a:rPr lang="en-US" sz="8800" dirty="0">
+                <a:latin typeface="Arial" panose="020B0604020202020204" pitchFamily="34" charset="0"/>
+              </a:rPr>
+              <a:t>15 cm</a:t>
+            </a:r>
+          </a:p>
+        </p:txBody>
+      </p:sp>
+      <p:cxnSp>
+        <p:nvCxnSpPr>
+          <p:cNvPr id="44" name="직선 연결선 43">
+            <a:extLst>
+              <a:ext uri="{FF2B5EF4-FFF2-40B4-BE49-F238E27FC236}">
+                <a16:creationId xmlns:a16="http://schemas.microsoft.com/office/drawing/2014/main" id="{7B98EEC2-560A-486B-B862-554AFC5917EA}"/>
+              </a:ext>
+            </a:extLst>
+          </p:cNvPr>
+          <p:cNvCxnSpPr>
+            <a:cxnSpLocks noChangeAspect="1"/>
+          </p:cNvCxnSpPr>
+          <p:nvPr/>
+        </p:nvCxnSpPr>
+        <p:spPr>
+          <a:xfrm>
+            <a:off x="34200319" y="4514719"/>
+            <a:ext cx="0" cy="56896000"/>
+          </a:xfrm>
+          <a:prstGeom prst="line">
+            <a:avLst/>
+          </a:prstGeom>
+        </p:spPr>
+        <p:style>
+          <a:lnRef idx="1">
+            <a:schemeClr val="accent1"/>
+          </a:lnRef>
+          <a:fillRef idx="0">
+            <a:schemeClr val="accent1"/>
+          </a:fillRef>
+          <a:effectRef idx="0">
+            <a:schemeClr val="accent1"/>
+          </a:effectRef>
+          <a:fontRef idx="minor">
+            <a:schemeClr val="tx1"/>
+          </a:fontRef>
+        </p:style>
+      </p:cxnSp>
+      <p:cxnSp>
+        <p:nvCxnSpPr>
+          <p:cNvPr id="46" name="직선 연결선 45">
+            <a:extLst>
+              <a:ext uri="{FF2B5EF4-FFF2-40B4-BE49-F238E27FC236}">
+                <a16:creationId xmlns:a16="http://schemas.microsoft.com/office/drawing/2014/main" id="{57C23214-C42A-401A-96DB-33563E60DE21}"/>
+              </a:ext>
+            </a:extLst>
+          </p:cNvPr>
+          <p:cNvCxnSpPr>
+            <a:cxnSpLocks noChangeAspect="1"/>
+          </p:cNvCxnSpPr>
+          <p:nvPr/>
+        </p:nvCxnSpPr>
+        <p:spPr>
+          <a:xfrm>
+            <a:off x="21600319" y="55301291"/>
+            <a:ext cx="12600000" cy="0"/>
+          </a:xfrm>
+          <a:prstGeom prst="line">
+            <a:avLst/>
+          </a:prstGeom>
+          <a:ln>
+            <a:solidFill>
+              <a:srgbClr val="FF0000"/>
+            </a:solidFill>
+          </a:ln>
+        </p:spPr>
+        <p:style>
+          <a:lnRef idx="1">
+            <a:schemeClr val="accent2"/>
+          </a:lnRef>
+          <a:fillRef idx="0">
+            <a:schemeClr val="accent2"/>
+          </a:fillRef>
+          <a:effectRef idx="0">
+            <a:schemeClr val="accent2"/>
+          </a:effectRef>
+          <a:fontRef idx="minor">
+            <a:schemeClr val="tx1"/>
+          </a:fontRef>
+        </p:style>
+      </p:cxnSp>
+      <p:sp>
+        <p:nvSpPr>
+          <p:cNvPr id="48" name="TextBox 47">
+            <a:extLst>
+              <a:ext uri="{FF2B5EF4-FFF2-40B4-BE49-F238E27FC236}">
+                <a16:creationId xmlns:a16="http://schemas.microsoft.com/office/drawing/2014/main" id="{F2580CB1-217C-45E8-8B66-79CE3A49A54D}"/>
+              </a:ext>
+            </a:extLst>
+          </p:cNvPr>
+          <p:cNvSpPr txBox="1">
+            <a:spLocks noChangeAspect="1"/>
+          </p:cNvSpPr>
+          <p:nvPr/>
+        </p:nvSpPr>
+        <p:spPr>
+          <a:xfrm>
+            <a:off x="26109139" y="55630851"/>
+            <a:ext cx="3547760" cy="1446550"/>
+          </a:xfrm>
+          <a:prstGeom prst="rect">
+            <a:avLst/>
+          </a:prstGeom>
+          <a:noFill/>
+        </p:spPr>
+        <p:txBody>
+          <a:bodyPr wrap="square" rtlCol="0" anchor="ctr" anchorCtr="1">
+            <a:spAutoFit/>
+          </a:bodyPr>
+          <a:lstStyle/>
+          <a:p>
+            <a:pPr algn="ctr"/>
+            <a:r>
+              <a:rPr lang="en-US" sz="8800" dirty="0">
+                <a:latin typeface="Arial" panose="020B0604020202020204" pitchFamily="34" charset="0"/>
+              </a:rPr>
+              <a:t>35 cm</a:t>
+            </a:r>
+          </a:p>
+        </p:txBody>
+      </p:sp>
+      <p:cxnSp>
+        <p:nvCxnSpPr>
+          <p:cNvPr id="50" name="직선 연결선 49">
+            <a:extLst>
+              <a:ext uri="{FF2B5EF4-FFF2-40B4-BE49-F238E27FC236}">
+                <a16:creationId xmlns:a16="http://schemas.microsoft.com/office/drawing/2014/main" id="{38821CF4-8C6A-43ED-A117-CF72F54856E0}"/>
+              </a:ext>
+            </a:extLst>
+          </p:cNvPr>
+          <p:cNvCxnSpPr>
+            <a:cxnSpLocks noChangeAspect="1"/>
+          </p:cNvCxnSpPr>
+          <p:nvPr/>
+        </p:nvCxnSpPr>
+        <p:spPr>
+          <a:xfrm>
+            <a:off x="21600319" y="49147379"/>
+            <a:ext cx="3780000" cy="0"/>
+          </a:xfrm>
+          <a:prstGeom prst="line">
+            <a:avLst/>
+          </a:prstGeom>
+          <a:ln>
+            <a:solidFill>
+              <a:srgbClr val="FF0000"/>
+            </a:solidFill>
+          </a:ln>
+        </p:spPr>
+        <p:style>
+          <a:lnRef idx="1">
+            <a:schemeClr val="accent2"/>
+          </a:lnRef>
+          <a:fillRef idx="0">
+            <a:schemeClr val="accent2"/>
+          </a:fillRef>
+          <a:effectRef idx="0">
+            <a:schemeClr val="accent2"/>
+          </a:effectRef>
+          <a:fontRef idx="minor">
+            <a:schemeClr val="tx1"/>
+          </a:fontRef>
+        </p:style>
+      </p:cxnSp>
+      <p:cxnSp>
+        <p:nvCxnSpPr>
+          <p:cNvPr id="52" name="직선 연결선 51">
+            <a:extLst>
+              <a:ext uri="{FF2B5EF4-FFF2-40B4-BE49-F238E27FC236}">
+                <a16:creationId xmlns:a16="http://schemas.microsoft.com/office/drawing/2014/main" id="{393EF490-EF25-4865-86E0-65590B19DE9E}"/>
+              </a:ext>
+            </a:extLst>
+          </p:cNvPr>
+          <p:cNvCxnSpPr>
+            <a:cxnSpLocks noChangeAspect="1"/>
+          </p:cNvCxnSpPr>
+          <p:nvPr/>
+        </p:nvCxnSpPr>
+        <p:spPr>
+          <a:xfrm>
+            <a:off x="25380319" y="4514719"/>
+            <a:ext cx="0" cy="46750675"/>
+          </a:xfrm>
+          <a:prstGeom prst="line">
+            <a:avLst/>
+          </a:prstGeom>
+        </p:spPr>
+        <p:style>
+          <a:lnRef idx="1">
+            <a:schemeClr val="accent1"/>
+          </a:lnRef>
+          <a:fillRef idx="0">
+            <a:schemeClr val="accent1"/>
+          </a:fillRef>
+          <a:effectRef idx="0">
+            <a:schemeClr val="accent1"/>
+          </a:effectRef>
+          <a:fontRef idx="minor">
+            <a:schemeClr val="tx1"/>
+          </a:fontRef>
+        </p:style>
+      </p:cxnSp>
+      <p:sp>
+        <p:nvSpPr>
+          <p:cNvPr id="53" name="TextBox 52">
+            <a:extLst>
+              <a:ext uri="{FF2B5EF4-FFF2-40B4-BE49-F238E27FC236}">
+                <a16:creationId xmlns:a16="http://schemas.microsoft.com/office/drawing/2014/main" id="{8532B797-918D-4955-B56E-08347688F928}"/>
+              </a:ext>
+            </a:extLst>
+          </p:cNvPr>
+          <p:cNvSpPr txBox="1">
+            <a:spLocks noChangeAspect="1"/>
+          </p:cNvSpPr>
+          <p:nvPr/>
+        </p:nvSpPr>
+        <p:spPr>
+          <a:xfrm>
+            <a:off x="21301239" y="49323587"/>
+            <a:ext cx="4378160" cy="1200329"/>
+          </a:xfrm>
+          <a:prstGeom prst="rect">
+            <a:avLst/>
+          </a:prstGeom>
+          <a:noFill/>
+        </p:spPr>
+        <p:txBody>
+          <a:bodyPr wrap="square" rtlCol="0" anchor="ctr" anchorCtr="1">
+            <a:spAutoFit/>
+          </a:bodyPr>
+          <a:lstStyle/>
+          <a:p>
+            <a:pPr algn="ctr"/>
+            <a:r>
+              <a:rPr lang="en-US" sz="7200" dirty="0">
+                <a:latin typeface="Arial" panose="020B0604020202020204" pitchFamily="34" charset="0"/>
+              </a:rPr>
+              <a:t>10.5 cm</a:t>
+            </a:r>
+          </a:p>
+        </p:txBody>
+      </p:sp>
+      <p:cxnSp>
+        <p:nvCxnSpPr>
+          <p:cNvPr id="85" name="직선 연결선 84">
+            <a:extLst>
+              <a:ext uri="{FF2B5EF4-FFF2-40B4-BE49-F238E27FC236}">
+                <a16:creationId xmlns:a16="http://schemas.microsoft.com/office/drawing/2014/main" id="{305CFDA5-F42A-4D27-A149-8B8BF5863807}"/>
+              </a:ext>
+            </a:extLst>
+          </p:cNvPr>
+          <p:cNvCxnSpPr>
+            <a:cxnSpLocks noChangeAspect="1"/>
+          </p:cNvCxnSpPr>
+          <p:nvPr/>
+        </p:nvCxnSpPr>
+        <p:spPr>
+          <a:xfrm>
+            <a:off x="20725519" y="4514719"/>
+            <a:ext cx="0" cy="42322881"/>
+          </a:xfrm>
+          <a:prstGeom prst="line">
+            <a:avLst/>
+          </a:prstGeom>
+        </p:spPr>
+        <p:style>
+          <a:lnRef idx="1">
+            <a:schemeClr val="accent1"/>
+          </a:lnRef>
+          <a:fillRef idx="0">
+            <a:schemeClr val="accent1"/>
+          </a:fillRef>
+          <a:effectRef idx="0">
+            <a:schemeClr val="accent1"/>
+          </a:effectRef>
+          <a:fontRef idx="minor">
+            <a:schemeClr val="tx1"/>
+          </a:fontRef>
+        </p:style>
+      </p:cxnSp>
+      <p:cxnSp>
+        <p:nvCxnSpPr>
+          <p:cNvPr id="86" name="직선 연결선 85">
+            <a:extLst>
+              <a:ext uri="{FF2B5EF4-FFF2-40B4-BE49-F238E27FC236}">
+                <a16:creationId xmlns:a16="http://schemas.microsoft.com/office/drawing/2014/main" id="{49E06C82-A551-442D-92D3-7B71A7AC41C8}"/>
+              </a:ext>
+            </a:extLst>
+          </p:cNvPr>
+          <p:cNvCxnSpPr>
+            <a:cxnSpLocks noChangeAspect="1"/>
+          </p:cNvCxnSpPr>
+          <p:nvPr/>
+        </p:nvCxnSpPr>
+        <p:spPr>
+          <a:xfrm>
+            <a:off x="20725519" y="46406398"/>
+            <a:ext cx="874800" cy="0"/>
+          </a:xfrm>
+          <a:prstGeom prst="line">
+            <a:avLst/>
+          </a:prstGeom>
+          <a:ln>
+            <a:solidFill>
+              <a:srgbClr val="FF0000"/>
+            </a:solidFill>
+          </a:ln>
+        </p:spPr>
+        <p:style>
+          <a:lnRef idx="1">
+            <a:schemeClr val="accent2"/>
+          </a:lnRef>
+          <a:fillRef idx="0">
+            <a:schemeClr val="accent2"/>
+          </a:fillRef>
+          <a:effectRef idx="0">
+            <a:schemeClr val="accent2"/>
+          </a:effectRef>
+          <a:fontRef idx="minor">
+            <a:schemeClr val="tx1"/>
+          </a:fontRef>
+        </p:style>
+      </p:cxnSp>
+      <p:sp>
+        <p:nvSpPr>
+          <p:cNvPr id="87" name="TextBox 86">
+            <a:extLst>
+              <a:ext uri="{FF2B5EF4-FFF2-40B4-BE49-F238E27FC236}">
+                <a16:creationId xmlns:a16="http://schemas.microsoft.com/office/drawing/2014/main" id="{DED11307-C452-4159-90F9-C461A64D5D6B}"/>
+              </a:ext>
+            </a:extLst>
+          </p:cNvPr>
+          <p:cNvSpPr txBox="1">
+            <a:spLocks noChangeAspect="1"/>
+          </p:cNvSpPr>
+          <p:nvPr/>
+        </p:nvSpPr>
+        <p:spPr>
+          <a:xfrm>
+            <a:off x="14327620" y="47112849"/>
+            <a:ext cx="4378160" cy="1446550"/>
+          </a:xfrm>
+          <a:prstGeom prst="rect">
+            <a:avLst/>
+          </a:prstGeom>
+          <a:noFill/>
+        </p:spPr>
+        <p:txBody>
+          <a:bodyPr wrap="square" rtlCol="0" anchor="ctr" anchorCtr="1">
+            <a:spAutoFit/>
+          </a:bodyPr>
+          <a:lstStyle/>
+          <a:p>
+            <a:pPr algn="ctr"/>
+            <a:r>
+              <a:rPr lang="en-US" sz="8800" dirty="0">
+                <a:latin typeface="Arial" panose="020B0604020202020204" pitchFamily="34" charset="0"/>
+              </a:rPr>
+              <a:t>2.43 cm</a:t>
+            </a:r>
+          </a:p>
+        </p:txBody>
+      </p:sp>
+      <p:cxnSp>
+        <p:nvCxnSpPr>
+          <p:cNvPr id="4" name="직선 화살표 연결선 3">
+            <a:extLst>
+              <a:ext uri="{FF2B5EF4-FFF2-40B4-BE49-F238E27FC236}">
+                <a16:creationId xmlns:a16="http://schemas.microsoft.com/office/drawing/2014/main" id="{F6B599BC-B155-4E26-A16A-73F1CF9B0439}"/>
+              </a:ext>
+            </a:extLst>
+          </p:cNvPr>
+          <p:cNvCxnSpPr>
+            <a:cxnSpLocks noChangeAspect="1"/>
+            <a:stCxn id="87" idx="3"/>
+          </p:cNvCxnSpPr>
+          <p:nvPr/>
+        </p:nvCxnSpPr>
+        <p:spPr>
+          <a:xfrm flipV="1">
+            <a:off x="18705780" y="46423010"/>
+            <a:ext cx="2408189" cy="1413114"/>
+          </a:xfrm>
+          <a:prstGeom prst="straightConnector1">
+            <a:avLst/>
+          </a:prstGeom>
+          <a:ln w="12700">
+            <a:solidFill>
+              <a:srgbClr val="FF0000"/>
+            </a:solidFill>
+            <a:tailEnd type="triangle"/>
+          </a:ln>
+        </p:spPr>
+        <p:style>
+          <a:lnRef idx="1">
+            <a:schemeClr val="accent1"/>
+          </a:lnRef>
+          <a:fillRef idx="0">
+            <a:schemeClr val="accent1"/>
+          </a:fillRef>
+          <a:effectRef idx="0">
+            <a:schemeClr val="accent1"/>
+          </a:effectRef>
+          <a:fontRef idx="minor">
+            <a:schemeClr val="tx1"/>
+          </a:fontRef>
+        </p:style>
+      </p:cxnSp>
+      <p:cxnSp>
+        <p:nvCxnSpPr>
+          <p:cNvPr id="88" name="직선 연결선 87">
+            <a:extLst>
+              <a:ext uri="{FF2B5EF4-FFF2-40B4-BE49-F238E27FC236}">
+                <a16:creationId xmlns:a16="http://schemas.microsoft.com/office/drawing/2014/main" id="{A0FB6325-1033-4E54-B79C-54659C80722D}"/>
+              </a:ext>
+            </a:extLst>
+          </p:cNvPr>
+          <p:cNvCxnSpPr>
+            <a:cxnSpLocks noChangeAspect="1"/>
+          </p:cNvCxnSpPr>
+          <p:nvPr/>
+        </p:nvCxnSpPr>
+        <p:spPr>
+          <a:xfrm>
+            <a:off x="27000319" y="4514719"/>
+            <a:ext cx="0" cy="49464378"/>
+          </a:xfrm>
+          <a:prstGeom prst="line">
+            <a:avLst/>
+          </a:prstGeom>
+        </p:spPr>
+        <p:style>
+          <a:lnRef idx="1">
+            <a:schemeClr val="accent1"/>
+          </a:lnRef>
+          <a:fillRef idx="0">
+            <a:schemeClr val="accent1"/>
+          </a:fillRef>
+          <a:effectRef idx="0">
+            <a:schemeClr val="accent1"/>
+          </a:effectRef>
+          <a:fontRef idx="minor">
+            <a:schemeClr val="tx1"/>
+          </a:fontRef>
+        </p:style>
+      </p:cxnSp>
+      <p:cxnSp>
+        <p:nvCxnSpPr>
+          <p:cNvPr id="119" name="직선 연결선 118">
+            <a:extLst>
+              <a:ext uri="{FF2B5EF4-FFF2-40B4-BE49-F238E27FC236}">
+                <a16:creationId xmlns:a16="http://schemas.microsoft.com/office/drawing/2014/main" id="{8AD120EB-5609-48F2-A9DE-703EF47F64AC}"/>
+              </a:ext>
+            </a:extLst>
+          </p:cNvPr>
+          <p:cNvCxnSpPr>
+            <a:cxnSpLocks noChangeAspect="1"/>
+          </p:cNvCxnSpPr>
+          <p:nvPr/>
+        </p:nvCxnSpPr>
+        <p:spPr>
+          <a:xfrm>
+            <a:off x="21600319" y="52284509"/>
+            <a:ext cx="5400000" cy="0"/>
+          </a:xfrm>
+          <a:prstGeom prst="line">
+            <a:avLst/>
+          </a:prstGeom>
+          <a:ln>
+            <a:solidFill>
+              <a:srgbClr val="FF0000"/>
+            </a:solidFill>
+          </a:ln>
+        </p:spPr>
+        <p:style>
+          <a:lnRef idx="1">
+            <a:schemeClr val="accent2"/>
+          </a:lnRef>
+          <a:fillRef idx="0">
+            <a:schemeClr val="accent2"/>
+          </a:fillRef>
+          <a:effectRef idx="0">
+            <a:schemeClr val="accent2"/>
+          </a:effectRef>
+          <a:fontRef idx="minor">
+            <a:schemeClr val="tx1"/>
+          </a:fontRef>
+        </p:style>
+      </p:cxnSp>
+      <p:sp>
+        <p:nvSpPr>
+          <p:cNvPr id="120" name="TextBox 119">
+            <a:extLst>
+              <a:ext uri="{FF2B5EF4-FFF2-40B4-BE49-F238E27FC236}">
+                <a16:creationId xmlns:a16="http://schemas.microsoft.com/office/drawing/2014/main" id="{D5356B19-566F-4735-BD71-7A6B5E67D087}"/>
+              </a:ext>
+            </a:extLst>
+          </p:cNvPr>
+          <p:cNvSpPr txBox="1">
+            <a:spLocks noChangeAspect="1"/>
+          </p:cNvSpPr>
+          <p:nvPr/>
+        </p:nvSpPr>
+        <p:spPr>
+          <a:xfrm>
+            <a:off x="22111239" y="52337607"/>
+            <a:ext cx="4378160" cy="1446550"/>
+          </a:xfrm>
+          <a:prstGeom prst="rect">
+            <a:avLst/>
+          </a:prstGeom>
+          <a:noFill/>
+        </p:spPr>
+        <p:txBody>
+          <a:bodyPr wrap="square" rtlCol="0" anchor="ctr" anchorCtr="1">
+            <a:spAutoFit/>
+          </a:bodyPr>
+          <a:lstStyle/>
+          <a:p>
+            <a:pPr algn="ctr"/>
+            <a:r>
+              <a:rPr lang="en-US" sz="8800" dirty="0">
+                <a:latin typeface="Arial" panose="020B0604020202020204" pitchFamily="34" charset="0"/>
+              </a:rPr>
+              <a:t>15 cm</a:t>
+            </a:r>
+          </a:p>
+        </p:txBody>
+      </p:sp>
+      <p:cxnSp>
+        <p:nvCxnSpPr>
+          <p:cNvPr id="121" name="직선 연결선 120">
+            <a:extLst>
+              <a:ext uri="{FF2B5EF4-FFF2-40B4-BE49-F238E27FC236}">
+                <a16:creationId xmlns:a16="http://schemas.microsoft.com/office/drawing/2014/main" id="{9CA20423-101B-4644-9EB7-6FEAE240DB37}"/>
+              </a:ext>
+            </a:extLst>
+          </p:cNvPr>
+          <p:cNvCxnSpPr>
+            <a:cxnSpLocks noChangeAspect="1"/>
+          </p:cNvCxnSpPr>
+          <p:nvPr/>
+        </p:nvCxnSpPr>
+        <p:spPr>
+          <a:xfrm>
+            <a:off x="19980319" y="4514719"/>
+            <a:ext cx="0" cy="44632660"/>
+          </a:xfrm>
+          <a:prstGeom prst="line">
+            <a:avLst/>
+          </a:prstGeom>
+        </p:spPr>
+        <p:style>
+          <a:lnRef idx="1">
+            <a:schemeClr val="accent1"/>
+          </a:lnRef>
+          <a:fillRef idx="0">
+            <a:schemeClr val="accent1"/>
+          </a:fillRef>
+          <a:effectRef idx="0">
+            <a:schemeClr val="accent1"/>
+          </a:effectRef>
+          <a:fontRef idx="minor">
+            <a:schemeClr val="tx1"/>
+          </a:fontRef>
+        </p:style>
+      </p:cxnSp>
+      <p:cxnSp>
+        <p:nvCxnSpPr>
+          <p:cNvPr id="124" name="직선 연결선 123">
+            <a:extLst>
+              <a:ext uri="{FF2B5EF4-FFF2-40B4-BE49-F238E27FC236}">
+                <a16:creationId xmlns:a16="http://schemas.microsoft.com/office/drawing/2014/main" id="{27066EBC-23F6-4A10-BBC4-2660A2188C54}"/>
+              </a:ext>
+            </a:extLst>
+          </p:cNvPr>
+          <p:cNvCxnSpPr>
+            <a:cxnSpLocks noChangeAspect="1"/>
+          </p:cNvCxnSpPr>
+          <p:nvPr/>
+        </p:nvCxnSpPr>
+        <p:spPr>
+          <a:xfrm>
+            <a:off x="19980319" y="47836124"/>
+            <a:ext cx="1620000" cy="0"/>
+          </a:xfrm>
+          <a:prstGeom prst="line">
+            <a:avLst/>
+          </a:prstGeom>
+          <a:ln>
+            <a:solidFill>
+              <a:srgbClr val="FF0000"/>
+            </a:solidFill>
+          </a:ln>
+        </p:spPr>
+        <p:style>
+          <a:lnRef idx="1">
+            <a:schemeClr val="accent2"/>
+          </a:lnRef>
+          <a:fillRef idx="0">
+            <a:schemeClr val="accent2"/>
+          </a:fillRef>
+          <a:effectRef idx="0">
+            <a:schemeClr val="accent2"/>
+          </a:effectRef>
+          <a:fontRef idx="minor">
+            <a:schemeClr val="tx1"/>
+          </a:fontRef>
+        </p:style>
+      </p:cxnSp>
+      <p:sp>
+        <p:nvSpPr>
+          <p:cNvPr id="127" name="TextBox 126">
+            <a:extLst>
+              <a:ext uri="{FF2B5EF4-FFF2-40B4-BE49-F238E27FC236}">
+                <a16:creationId xmlns:a16="http://schemas.microsoft.com/office/drawing/2014/main" id="{BBF6298B-D56E-413C-BCE6-0AF75828B9D8}"/>
+              </a:ext>
+            </a:extLst>
+          </p:cNvPr>
+          <p:cNvSpPr txBox="1">
+            <a:spLocks noChangeAspect="1"/>
+          </p:cNvSpPr>
+          <p:nvPr/>
+        </p:nvSpPr>
+        <p:spPr>
+          <a:xfrm>
+            <a:off x="14327620" y="49664442"/>
+            <a:ext cx="4378160" cy="1446550"/>
+          </a:xfrm>
+          <a:prstGeom prst="rect">
+            <a:avLst/>
+          </a:prstGeom>
+          <a:noFill/>
+        </p:spPr>
+        <p:txBody>
+          <a:bodyPr wrap="square" rtlCol="0" anchor="ctr" anchorCtr="1">
+            <a:spAutoFit/>
+          </a:bodyPr>
+          <a:lstStyle/>
+          <a:p>
+            <a:pPr algn="ctr"/>
+            <a:r>
+              <a:rPr lang="en-US" sz="8800" dirty="0">
+                <a:latin typeface="Arial" panose="020B0604020202020204" pitchFamily="34" charset="0"/>
+              </a:rPr>
+              <a:t>4.5 cm</a:t>
+            </a:r>
+          </a:p>
+        </p:txBody>
+      </p:sp>
+      <p:cxnSp>
+        <p:nvCxnSpPr>
+          <p:cNvPr id="128" name="직선 화살표 연결선 127">
+            <a:extLst>
+              <a:ext uri="{FF2B5EF4-FFF2-40B4-BE49-F238E27FC236}">
+                <a16:creationId xmlns:a16="http://schemas.microsoft.com/office/drawing/2014/main" id="{6968A970-8826-4993-981B-64DC27EEB809}"/>
+              </a:ext>
+            </a:extLst>
+          </p:cNvPr>
+          <p:cNvCxnSpPr>
+            <a:cxnSpLocks noChangeAspect="1"/>
+          </p:cNvCxnSpPr>
+          <p:nvPr/>
+        </p:nvCxnSpPr>
+        <p:spPr>
+          <a:xfrm flipV="1">
+            <a:off x="18576181" y="47872666"/>
+            <a:ext cx="1916559" cy="2548487"/>
+          </a:xfrm>
+          <a:prstGeom prst="straightConnector1">
+            <a:avLst/>
+          </a:prstGeom>
+          <a:ln w="12700">
+            <a:solidFill>
+              <a:srgbClr val="FF0000"/>
+            </a:solidFill>
+            <a:tailEnd type="triangle"/>
+          </a:ln>
+        </p:spPr>
+        <p:style>
+          <a:lnRef idx="1">
+            <a:schemeClr val="accent1"/>
+          </a:lnRef>
+          <a:fillRef idx="0">
+            <a:schemeClr val="accent1"/>
+          </a:fillRef>
+          <a:effectRef idx="0">
+            <a:schemeClr val="accent1"/>
+          </a:effectRef>
+          <a:fontRef idx="minor">
+            <a:schemeClr val="tx1"/>
+          </a:fontRef>
+        </p:style>
+      </p:cxnSp>
+      <p:grpSp>
+        <p:nvGrpSpPr>
+          <p:cNvPr id="212" name="그룹 211">
+            <a:extLst>
+              <a:ext uri="{FF2B5EF4-FFF2-40B4-BE49-F238E27FC236}">
+                <a16:creationId xmlns:a16="http://schemas.microsoft.com/office/drawing/2014/main" id="{958DFF20-F03A-462D-A65B-BEA2EDEBA32A}"/>
+              </a:ext>
+            </a:extLst>
+          </p:cNvPr>
+          <p:cNvGrpSpPr>
+            <a:grpSpLocks noChangeAspect="1"/>
+          </p:cNvGrpSpPr>
+          <p:nvPr/>
+        </p:nvGrpSpPr>
+        <p:grpSpPr>
+          <a:xfrm>
+            <a:off x="19980319" y="20651678"/>
+            <a:ext cx="3240000" cy="248400"/>
+            <a:chOff x="19980319" y="20609777"/>
+            <a:chExt cx="3240000" cy="248400"/>
+          </a:xfrm>
+        </p:grpSpPr>
+        <p:sp>
+          <p:nvSpPr>
+            <p:cNvPr id="133" name="직사각형 132">
+              <a:extLst>
+                <a:ext uri="{FF2B5EF4-FFF2-40B4-BE49-F238E27FC236}">
+                  <a16:creationId xmlns:a16="http://schemas.microsoft.com/office/drawing/2014/main" id="{BCF08718-8F2D-43CC-8469-8C97A99FE600}"/>
+                </a:ext>
+              </a:extLst>
+            </p:cNvPr>
+            <p:cNvSpPr>
+              <a:spLocks noChangeAspect="1"/>
+            </p:cNvSpPr>
+            <p:nvPr/>
+          </p:nvSpPr>
+          <p:spPr>
+            <a:xfrm>
+              <a:off x="19980319" y="20609777"/>
+              <a:ext cx="248400" cy="248400"/>
+            </a:xfrm>
+            <a:prstGeom prst="rect">
+              <a:avLst/>
+            </a:prstGeom>
+            <a:solidFill>
+              <a:schemeClr val="bg1"/>
+            </a:solidFill>
+            <a:ln>
+              <a:solidFill>
+                <a:srgbClr val="FF0000"/>
+              </a:solidFill>
+            </a:ln>
+          </p:spPr>
+          <p:style>
+            <a:lnRef idx="2">
+              <a:schemeClr val="accent1">
+                <a:shade val="50000"/>
+              </a:schemeClr>
+            </a:lnRef>
+            <a:fillRef idx="1">
+              <a:schemeClr val="accent1"/>
+            </a:fillRef>
+            <a:effectRef idx="0">
+              <a:schemeClr val="accent1"/>
+            </a:effectRef>
+            <a:fontRef idx="minor">
+              <a:schemeClr val="lt1"/>
+            </a:fontRef>
+          </p:style>
+          <p:txBody>
+            <a:bodyPr rtlCol="0" anchor="ctr"/>
+            <a:lstStyle/>
+            <a:p>
+              <a:pPr algn="ctr"/>
+              <a:endParaRPr lang="en-US"/>
+            </a:p>
+          </p:txBody>
+        </p:sp>
+        <p:sp>
+          <p:nvSpPr>
+            <p:cNvPr id="134" name="직사각형 133">
+              <a:extLst>
+                <a:ext uri="{FF2B5EF4-FFF2-40B4-BE49-F238E27FC236}">
+                  <a16:creationId xmlns:a16="http://schemas.microsoft.com/office/drawing/2014/main" id="{131F79C7-5466-4933-8812-1B2666B9FB28}"/>
+                </a:ext>
+              </a:extLst>
+            </p:cNvPr>
+            <p:cNvSpPr>
+              <a:spLocks noChangeAspect="1"/>
+            </p:cNvSpPr>
+            <p:nvPr/>
+          </p:nvSpPr>
+          <p:spPr>
+            <a:xfrm>
+              <a:off x="20228719" y="20609777"/>
+              <a:ext cx="248400" cy="248400"/>
+            </a:xfrm>
+            <a:prstGeom prst="rect">
+              <a:avLst/>
+            </a:prstGeom>
+            <a:solidFill>
+              <a:schemeClr val="bg1"/>
+            </a:solidFill>
+            <a:ln>
+              <a:solidFill>
+                <a:srgbClr val="FF0000"/>
+              </a:solidFill>
+            </a:ln>
+          </p:spPr>
+          <p:style>
+            <a:lnRef idx="2">
+              <a:schemeClr val="accent1">
+                <a:shade val="50000"/>
+              </a:schemeClr>
+            </a:lnRef>
+            <a:fillRef idx="1">
+              <a:schemeClr val="accent1"/>
+            </a:fillRef>
+            <a:effectRef idx="0">
+              <a:schemeClr val="accent1"/>
+            </a:effectRef>
+            <a:fontRef idx="minor">
+              <a:schemeClr val="lt1"/>
+            </a:fontRef>
+          </p:style>
+          <p:txBody>
+            <a:bodyPr rtlCol="0" anchor="ctr"/>
+            <a:lstStyle/>
+            <a:p>
+              <a:pPr algn="ctr"/>
+              <a:endParaRPr lang="en-US"/>
+            </a:p>
+          </p:txBody>
+        </p:sp>
+        <p:sp>
+          <p:nvSpPr>
+            <p:cNvPr id="135" name="직사각형 134">
+              <a:extLst>
+                <a:ext uri="{FF2B5EF4-FFF2-40B4-BE49-F238E27FC236}">
+                  <a16:creationId xmlns:a16="http://schemas.microsoft.com/office/drawing/2014/main" id="{65F3D4F1-5BA1-4C13-A38C-7EDCAC578235}"/>
+                </a:ext>
+              </a:extLst>
+            </p:cNvPr>
+            <p:cNvSpPr>
+              <a:spLocks noChangeAspect="1"/>
+            </p:cNvSpPr>
+            <p:nvPr/>
+          </p:nvSpPr>
+          <p:spPr>
+            <a:xfrm>
+              <a:off x="20477119" y="20609777"/>
+              <a:ext cx="248400" cy="248400"/>
+            </a:xfrm>
+            <a:prstGeom prst="rect">
+              <a:avLst/>
+            </a:prstGeom>
+            <a:solidFill>
+              <a:schemeClr val="bg1"/>
+            </a:solidFill>
+            <a:ln>
+              <a:solidFill>
+                <a:srgbClr val="FF0000"/>
+              </a:solidFill>
+            </a:ln>
+          </p:spPr>
+          <p:style>
+            <a:lnRef idx="2">
+              <a:schemeClr val="accent1">
+                <a:shade val="50000"/>
+              </a:schemeClr>
+            </a:lnRef>
+            <a:fillRef idx="1">
+              <a:schemeClr val="accent1"/>
+            </a:fillRef>
+            <a:effectRef idx="0">
+              <a:schemeClr val="accent1"/>
+            </a:effectRef>
+            <a:fontRef idx="minor">
+              <a:schemeClr val="lt1"/>
+            </a:fontRef>
+          </p:style>
+          <p:txBody>
+            <a:bodyPr rtlCol="0" anchor="ctr"/>
+            <a:lstStyle/>
+            <a:p>
+              <a:pPr algn="ctr"/>
+              <a:endParaRPr lang="en-US"/>
+            </a:p>
+          </p:txBody>
+        </p:sp>
+        <p:sp>
+          <p:nvSpPr>
+            <p:cNvPr id="136" name="직사각형 135">
+              <a:extLst>
+                <a:ext uri="{FF2B5EF4-FFF2-40B4-BE49-F238E27FC236}">
+                  <a16:creationId xmlns:a16="http://schemas.microsoft.com/office/drawing/2014/main" id="{8D633B37-1CE8-4E33-BA4A-6AF6E8E27402}"/>
+                </a:ext>
+              </a:extLst>
+            </p:cNvPr>
+            <p:cNvSpPr>
+              <a:spLocks noChangeAspect="1"/>
+            </p:cNvSpPr>
+            <p:nvPr/>
+          </p:nvSpPr>
+          <p:spPr>
+            <a:xfrm>
+              <a:off x="20725519" y="20609777"/>
+              <a:ext cx="248400" cy="248400"/>
+            </a:xfrm>
+            <a:prstGeom prst="rect">
+              <a:avLst/>
+            </a:prstGeom>
+            <a:solidFill>
+              <a:schemeClr val="bg1"/>
+            </a:solidFill>
+            <a:ln>
+              <a:solidFill>
+                <a:srgbClr val="FF0000"/>
+              </a:solidFill>
+            </a:ln>
+          </p:spPr>
+          <p:style>
+            <a:lnRef idx="2">
+              <a:schemeClr val="accent1">
+                <a:shade val="50000"/>
+              </a:schemeClr>
+            </a:lnRef>
+            <a:fillRef idx="1">
+              <a:schemeClr val="accent1"/>
+            </a:fillRef>
+            <a:effectRef idx="0">
+              <a:schemeClr val="accent1"/>
+            </a:effectRef>
+            <a:fontRef idx="minor">
+              <a:schemeClr val="lt1"/>
+            </a:fontRef>
+          </p:style>
+          <p:txBody>
+            <a:bodyPr rtlCol="0" anchor="ctr"/>
+            <a:lstStyle/>
+            <a:p>
+              <a:pPr algn="ctr"/>
+              <a:endParaRPr lang="en-US"/>
+            </a:p>
+          </p:txBody>
+        </p:sp>
+        <p:sp>
+          <p:nvSpPr>
+            <p:cNvPr id="137" name="직사각형 136">
+              <a:extLst>
+                <a:ext uri="{FF2B5EF4-FFF2-40B4-BE49-F238E27FC236}">
+                  <a16:creationId xmlns:a16="http://schemas.microsoft.com/office/drawing/2014/main" id="{7212D3AD-C69E-4EB9-B9E7-D1F14E58D1F3}"/>
+                </a:ext>
+              </a:extLst>
+            </p:cNvPr>
+            <p:cNvSpPr>
+              <a:spLocks noChangeAspect="1"/>
+            </p:cNvSpPr>
+            <p:nvPr/>
+          </p:nvSpPr>
+          <p:spPr>
+            <a:xfrm>
+              <a:off x="20973919" y="20609777"/>
+              <a:ext cx="248400" cy="248400"/>
+            </a:xfrm>
+            <a:prstGeom prst="rect">
+              <a:avLst/>
+            </a:prstGeom>
+            <a:solidFill>
+              <a:schemeClr val="bg1"/>
+            </a:solidFill>
+            <a:ln>
+              <a:solidFill>
+                <a:srgbClr val="FF0000"/>
+              </a:solidFill>
+            </a:ln>
+          </p:spPr>
+          <p:style>
+            <a:lnRef idx="2">
+              <a:schemeClr val="accent1">
+                <a:shade val="50000"/>
+              </a:schemeClr>
+            </a:lnRef>
+            <a:fillRef idx="1">
+              <a:schemeClr val="accent1"/>
+            </a:fillRef>
+            <a:effectRef idx="0">
+              <a:schemeClr val="accent1"/>
+            </a:effectRef>
+            <a:fontRef idx="minor">
+              <a:schemeClr val="lt1"/>
+            </a:fontRef>
+          </p:style>
+          <p:txBody>
+            <a:bodyPr rtlCol="0" anchor="ctr"/>
+            <a:lstStyle/>
+            <a:p>
+              <a:pPr algn="ctr"/>
+              <a:endParaRPr lang="en-US"/>
+            </a:p>
+          </p:txBody>
+        </p:sp>
+        <p:sp>
+          <p:nvSpPr>
+            <p:cNvPr id="138" name="직사각형 137">
+              <a:extLst>
+                <a:ext uri="{FF2B5EF4-FFF2-40B4-BE49-F238E27FC236}">
+                  <a16:creationId xmlns:a16="http://schemas.microsoft.com/office/drawing/2014/main" id="{C849633F-020B-4237-95AF-3CDC3F06A0EF}"/>
+                </a:ext>
+              </a:extLst>
+            </p:cNvPr>
+            <p:cNvSpPr>
+              <a:spLocks noChangeAspect="1"/>
+            </p:cNvSpPr>
+            <p:nvPr/>
+          </p:nvSpPr>
+          <p:spPr>
+            <a:xfrm>
+              <a:off x="21222319" y="20609777"/>
+              <a:ext cx="248400" cy="248400"/>
+            </a:xfrm>
+            <a:prstGeom prst="rect">
+              <a:avLst/>
+            </a:prstGeom>
+            <a:solidFill>
+              <a:schemeClr val="bg1"/>
+            </a:solidFill>
+            <a:ln>
+              <a:solidFill>
+                <a:srgbClr val="FF0000"/>
+              </a:solidFill>
+            </a:ln>
+          </p:spPr>
+          <p:style>
+            <a:lnRef idx="2">
+              <a:schemeClr val="accent1">
+                <a:shade val="50000"/>
+              </a:schemeClr>
+            </a:lnRef>
+            <a:fillRef idx="1">
+              <a:schemeClr val="accent1"/>
+            </a:fillRef>
+            <a:effectRef idx="0">
+              <a:schemeClr val="accent1"/>
+            </a:effectRef>
+            <a:fontRef idx="minor">
+              <a:schemeClr val="lt1"/>
+            </a:fontRef>
+          </p:style>
+          <p:txBody>
+            <a:bodyPr rtlCol="0" anchor="ctr"/>
+            <a:lstStyle/>
+            <a:p>
+              <a:pPr algn="ctr"/>
+              <a:endParaRPr lang="en-US"/>
+            </a:p>
+          </p:txBody>
+        </p:sp>
+        <p:sp>
+          <p:nvSpPr>
+            <p:cNvPr id="141" name="직사각형 140">
+              <a:extLst>
+                <a:ext uri="{FF2B5EF4-FFF2-40B4-BE49-F238E27FC236}">
+                  <a16:creationId xmlns:a16="http://schemas.microsoft.com/office/drawing/2014/main" id="{B8444ED3-C2D4-46A7-A76C-1F35F9A1717F}"/>
+                </a:ext>
+              </a:extLst>
+            </p:cNvPr>
+            <p:cNvSpPr>
+              <a:spLocks noChangeAspect="1"/>
+            </p:cNvSpPr>
+            <p:nvPr/>
+          </p:nvSpPr>
+          <p:spPr>
+            <a:xfrm>
+              <a:off x="21476119" y="20609777"/>
+              <a:ext cx="248400" cy="248400"/>
+            </a:xfrm>
+            <a:prstGeom prst="rect">
+              <a:avLst/>
+            </a:prstGeom>
+            <a:solidFill>
+              <a:schemeClr val="bg1"/>
+            </a:solidFill>
+            <a:ln>
+              <a:solidFill>
+                <a:srgbClr val="FF0000"/>
+              </a:solidFill>
+            </a:ln>
+          </p:spPr>
+          <p:style>
+            <a:lnRef idx="2">
+              <a:schemeClr val="accent1">
+                <a:shade val="50000"/>
+              </a:schemeClr>
+            </a:lnRef>
+            <a:fillRef idx="1">
+              <a:schemeClr val="accent1"/>
+            </a:fillRef>
+            <a:effectRef idx="0">
+              <a:schemeClr val="accent1"/>
+            </a:effectRef>
+            <a:fontRef idx="minor">
+              <a:schemeClr val="lt1"/>
+            </a:fontRef>
+          </p:style>
+          <p:txBody>
+            <a:bodyPr rtlCol="0" anchor="ctr"/>
+            <a:lstStyle/>
+            <a:p>
+              <a:pPr algn="ctr"/>
+              <a:endParaRPr lang="en-US"/>
+            </a:p>
+          </p:txBody>
+        </p:sp>
+        <p:sp>
+          <p:nvSpPr>
+            <p:cNvPr id="144" name="직사각형 143">
+              <a:extLst>
+                <a:ext uri="{FF2B5EF4-FFF2-40B4-BE49-F238E27FC236}">
+                  <a16:creationId xmlns:a16="http://schemas.microsoft.com/office/drawing/2014/main" id="{438F3230-7228-4BDD-A96F-72298DA58F39}"/>
+                </a:ext>
+              </a:extLst>
+            </p:cNvPr>
+            <p:cNvSpPr>
+              <a:spLocks noChangeAspect="1"/>
+            </p:cNvSpPr>
+            <p:nvPr/>
+          </p:nvSpPr>
+          <p:spPr>
+            <a:xfrm>
+              <a:off x="21729919" y="20609777"/>
+              <a:ext cx="248400" cy="248400"/>
+            </a:xfrm>
+            <a:prstGeom prst="rect">
+              <a:avLst/>
+            </a:prstGeom>
+            <a:solidFill>
+              <a:schemeClr val="bg1"/>
+            </a:solidFill>
+            <a:ln>
+              <a:solidFill>
+                <a:srgbClr val="FF0000"/>
+              </a:solidFill>
+            </a:ln>
+          </p:spPr>
+          <p:style>
+            <a:lnRef idx="2">
+              <a:schemeClr val="accent1">
+                <a:shade val="50000"/>
+              </a:schemeClr>
+            </a:lnRef>
+            <a:fillRef idx="1">
+              <a:schemeClr val="accent1"/>
+            </a:fillRef>
+            <a:effectRef idx="0">
+              <a:schemeClr val="accent1"/>
+            </a:effectRef>
+            <a:fontRef idx="minor">
+              <a:schemeClr val="lt1"/>
+            </a:fontRef>
+          </p:style>
+          <p:txBody>
+            <a:bodyPr rtlCol="0" anchor="ctr"/>
+            <a:lstStyle/>
+            <a:p>
+              <a:pPr algn="ctr"/>
+              <a:endParaRPr lang="en-US"/>
+            </a:p>
+          </p:txBody>
+        </p:sp>
+        <p:sp>
+          <p:nvSpPr>
+            <p:cNvPr id="145" name="직사각형 144">
+              <a:extLst>
+                <a:ext uri="{FF2B5EF4-FFF2-40B4-BE49-F238E27FC236}">
+                  <a16:creationId xmlns:a16="http://schemas.microsoft.com/office/drawing/2014/main" id="{A1FC3F26-5F5E-4387-9B66-5A8A16176845}"/>
+                </a:ext>
+              </a:extLst>
+            </p:cNvPr>
+            <p:cNvSpPr>
+              <a:spLocks noChangeAspect="1"/>
+            </p:cNvSpPr>
+            <p:nvPr/>
+          </p:nvSpPr>
+          <p:spPr>
+            <a:xfrm>
+              <a:off x="21978319" y="20609777"/>
+              <a:ext cx="248400" cy="248400"/>
+            </a:xfrm>
+            <a:prstGeom prst="rect">
+              <a:avLst/>
+            </a:prstGeom>
+            <a:solidFill>
+              <a:schemeClr val="bg1"/>
+            </a:solidFill>
+            <a:ln>
+              <a:solidFill>
+                <a:srgbClr val="FF0000"/>
+              </a:solidFill>
+            </a:ln>
+          </p:spPr>
+          <p:style>
+            <a:lnRef idx="2">
+              <a:schemeClr val="accent1">
+                <a:shade val="50000"/>
+              </a:schemeClr>
+            </a:lnRef>
+            <a:fillRef idx="1">
+              <a:schemeClr val="accent1"/>
+            </a:fillRef>
+            <a:effectRef idx="0">
+              <a:schemeClr val="accent1"/>
+            </a:effectRef>
+            <a:fontRef idx="minor">
+              <a:schemeClr val="lt1"/>
+            </a:fontRef>
+          </p:style>
+          <p:txBody>
+            <a:bodyPr rtlCol="0" anchor="ctr"/>
+            <a:lstStyle/>
+            <a:p>
+              <a:pPr algn="ctr"/>
+              <a:endParaRPr lang="en-US"/>
+            </a:p>
+          </p:txBody>
+        </p:sp>
+        <p:sp>
+          <p:nvSpPr>
+            <p:cNvPr id="146" name="직사각형 145">
+              <a:extLst>
+                <a:ext uri="{FF2B5EF4-FFF2-40B4-BE49-F238E27FC236}">
+                  <a16:creationId xmlns:a16="http://schemas.microsoft.com/office/drawing/2014/main" id="{B5AAA0DE-3B78-4260-B551-E79BBC9AA235}"/>
+                </a:ext>
+              </a:extLst>
+            </p:cNvPr>
+            <p:cNvSpPr>
+              <a:spLocks noChangeAspect="1"/>
+            </p:cNvSpPr>
+            <p:nvPr/>
+          </p:nvSpPr>
+          <p:spPr>
+            <a:xfrm>
+              <a:off x="22226719" y="20609777"/>
+              <a:ext cx="248400" cy="248400"/>
+            </a:xfrm>
+            <a:prstGeom prst="rect">
+              <a:avLst/>
+            </a:prstGeom>
+            <a:solidFill>
+              <a:schemeClr val="bg1"/>
+            </a:solidFill>
+            <a:ln>
+              <a:solidFill>
+                <a:srgbClr val="FF0000"/>
+              </a:solidFill>
+            </a:ln>
+          </p:spPr>
+          <p:style>
+            <a:lnRef idx="2">
+              <a:schemeClr val="accent1">
+                <a:shade val="50000"/>
+              </a:schemeClr>
+            </a:lnRef>
+            <a:fillRef idx="1">
+              <a:schemeClr val="accent1"/>
+            </a:fillRef>
+            <a:effectRef idx="0">
+              <a:schemeClr val="accent1"/>
+            </a:effectRef>
+            <a:fontRef idx="minor">
+              <a:schemeClr val="lt1"/>
+            </a:fontRef>
+          </p:style>
+          <p:txBody>
+            <a:bodyPr rtlCol="0" anchor="ctr"/>
+            <a:lstStyle/>
+            <a:p>
+              <a:pPr algn="ctr"/>
+              <a:endParaRPr lang="en-US"/>
+            </a:p>
+          </p:txBody>
+        </p:sp>
+        <p:sp>
+          <p:nvSpPr>
+            <p:cNvPr id="147" name="직사각형 146">
+              <a:extLst>
+                <a:ext uri="{FF2B5EF4-FFF2-40B4-BE49-F238E27FC236}">
+                  <a16:creationId xmlns:a16="http://schemas.microsoft.com/office/drawing/2014/main" id="{05DB8FF9-1886-4750-B8A3-47EA467B6665}"/>
+                </a:ext>
+              </a:extLst>
+            </p:cNvPr>
+            <p:cNvSpPr>
+              <a:spLocks noChangeAspect="1"/>
+            </p:cNvSpPr>
+            <p:nvPr/>
+          </p:nvSpPr>
+          <p:spPr>
+            <a:xfrm>
+              <a:off x="22475119" y="20609777"/>
+              <a:ext cx="248400" cy="248400"/>
+            </a:xfrm>
+            <a:prstGeom prst="rect">
+              <a:avLst/>
+            </a:prstGeom>
+            <a:solidFill>
+              <a:schemeClr val="bg1"/>
+            </a:solidFill>
+            <a:ln>
+              <a:solidFill>
+                <a:srgbClr val="FF0000"/>
+              </a:solidFill>
+            </a:ln>
+          </p:spPr>
+          <p:style>
+            <a:lnRef idx="2">
+              <a:schemeClr val="accent1">
+                <a:shade val="50000"/>
+              </a:schemeClr>
+            </a:lnRef>
+            <a:fillRef idx="1">
+              <a:schemeClr val="accent1"/>
+            </a:fillRef>
+            <a:effectRef idx="0">
+              <a:schemeClr val="accent1"/>
+            </a:effectRef>
+            <a:fontRef idx="minor">
+              <a:schemeClr val="lt1"/>
+            </a:fontRef>
+          </p:style>
+          <p:txBody>
+            <a:bodyPr rtlCol="0" anchor="ctr"/>
+            <a:lstStyle/>
+            <a:p>
+              <a:pPr algn="ctr"/>
+              <a:endParaRPr lang="en-US"/>
+            </a:p>
+          </p:txBody>
+        </p:sp>
+        <p:sp>
+          <p:nvSpPr>
+            <p:cNvPr id="148" name="직사각형 147">
+              <a:extLst>
+                <a:ext uri="{FF2B5EF4-FFF2-40B4-BE49-F238E27FC236}">
+                  <a16:creationId xmlns:a16="http://schemas.microsoft.com/office/drawing/2014/main" id="{825A2D7D-6773-442B-A2C1-6F25F4E73D7A}"/>
+                </a:ext>
+              </a:extLst>
+            </p:cNvPr>
+            <p:cNvSpPr>
+              <a:spLocks noChangeAspect="1"/>
+            </p:cNvSpPr>
+            <p:nvPr/>
+          </p:nvSpPr>
+          <p:spPr>
+            <a:xfrm>
+              <a:off x="22723519" y="20609777"/>
+              <a:ext cx="248400" cy="248400"/>
+            </a:xfrm>
+            <a:prstGeom prst="rect">
+              <a:avLst/>
+            </a:prstGeom>
+            <a:solidFill>
+              <a:schemeClr val="bg1"/>
+            </a:solidFill>
+            <a:ln>
+              <a:solidFill>
+                <a:srgbClr val="FF0000"/>
+              </a:solidFill>
+            </a:ln>
+          </p:spPr>
+          <p:style>
+            <a:lnRef idx="2">
+              <a:schemeClr val="accent1">
+                <a:shade val="50000"/>
+              </a:schemeClr>
+            </a:lnRef>
+            <a:fillRef idx="1">
+              <a:schemeClr val="accent1"/>
+            </a:fillRef>
+            <a:effectRef idx="0">
+              <a:schemeClr val="accent1"/>
+            </a:effectRef>
+            <a:fontRef idx="minor">
+              <a:schemeClr val="lt1"/>
+            </a:fontRef>
+          </p:style>
+          <p:txBody>
+            <a:bodyPr rtlCol="0" anchor="ctr"/>
+            <a:lstStyle/>
+            <a:p>
+              <a:pPr algn="ctr"/>
+              <a:endParaRPr lang="en-US"/>
+            </a:p>
+          </p:txBody>
+        </p:sp>
+        <p:sp>
+          <p:nvSpPr>
+            <p:cNvPr id="149" name="직사각형 148">
+              <a:extLst>
+                <a:ext uri="{FF2B5EF4-FFF2-40B4-BE49-F238E27FC236}">
+                  <a16:creationId xmlns:a16="http://schemas.microsoft.com/office/drawing/2014/main" id="{C10D8719-5D44-4B03-8AD6-DE7563B43DC1}"/>
+                </a:ext>
+              </a:extLst>
+            </p:cNvPr>
+            <p:cNvSpPr>
+              <a:spLocks noChangeAspect="1"/>
+            </p:cNvSpPr>
+            <p:nvPr/>
+          </p:nvSpPr>
+          <p:spPr>
+            <a:xfrm>
+              <a:off x="22971919" y="20609777"/>
+              <a:ext cx="248400" cy="248400"/>
+            </a:xfrm>
+            <a:prstGeom prst="rect">
+              <a:avLst/>
+            </a:prstGeom>
+            <a:solidFill>
+              <a:schemeClr val="bg1"/>
+            </a:solidFill>
+            <a:ln>
+              <a:solidFill>
+                <a:srgbClr val="FF0000"/>
+              </a:solidFill>
+            </a:ln>
+          </p:spPr>
+          <p:style>
+            <a:lnRef idx="2">
+              <a:schemeClr val="accent1">
+                <a:shade val="50000"/>
+              </a:schemeClr>
+            </a:lnRef>
+            <a:fillRef idx="1">
+              <a:schemeClr val="accent1"/>
+            </a:fillRef>
+            <a:effectRef idx="0">
+              <a:schemeClr val="accent1"/>
+            </a:effectRef>
+            <a:fontRef idx="minor">
+              <a:schemeClr val="lt1"/>
+            </a:fontRef>
+          </p:style>
+          <p:txBody>
+            <a:bodyPr rtlCol="0" anchor="ctr"/>
+            <a:lstStyle/>
+            <a:p>
+              <a:pPr algn="ctr"/>
+              <a:endParaRPr lang="en-US"/>
+            </a:p>
+          </p:txBody>
+        </p:sp>
+      </p:grpSp>
+      <p:grpSp>
+        <p:nvGrpSpPr>
+          <p:cNvPr id="211" name="그룹 210">
+            <a:extLst>
+              <a:ext uri="{FF2B5EF4-FFF2-40B4-BE49-F238E27FC236}">
+                <a16:creationId xmlns:a16="http://schemas.microsoft.com/office/drawing/2014/main" id="{00FB38BE-33A4-482D-A0CF-BF56A03EEA83}"/>
+              </a:ext>
+            </a:extLst>
+          </p:cNvPr>
+          <p:cNvGrpSpPr>
+            <a:grpSpLocks noChangeAspect="1"/>
+          </p:cNvGrpSpPr>
+          <p:nvPr/>
+        </p:nvGrpSpPr>
+        <p:grpSpPr>
+          <a:xfrm>
+            <a:off x="3600320" y="2688146"/>
+            <a:ext cx="35999999" cy="1800000"/>
+            <a:chOff x="3600320" y="3079411"/>
+            <a:chExt cx="35999999" cy="1800000"/>
+          </a:xfrm>
+        </p:grpSpPr>
+        <p:sp>
+          <p:nvSpPr>
+            <p:cNvPr id="155" name="직사각형 154">
+              <a:extLst>
+                <a:ext uri="{FF2B5EF4-FFF2-40B4-BE49-F238E27FC236}">
+                  <a16:creationId xmlns:a16="http://schemas.microsoft.com/office/drawing/2014/main" id="{CFC912D5-606B-4598-9C40-D868EB098486}"/>
+                </a:ext>
+              </a:extLst>
+            </p:cNvPr>
+            <p:cNvSpPr>
+              <a:spLocks noChangeAspect="1"/>
+            </p:cNvSpPr>
+            <p:nvPr/>
+          </p:nvSpPr>
+          <p:spPr>
+            <a:xfrm>
+              <a:off x="3600320" y="3079411"/>
+              <a:ext cx="1800000" cy="1800000"/>
+            </a:xfrm>
+            <a:prstGeom prst="rect">
+              <a:avLst/>
+            </a:prstGeom>
+            <a:solidFill>
+              <a:schemeClr val="bg1"/>
+            </a:solidFill>
+            <a:ln>
+              <a:solidFill>
+                <a:srgbClr val="FF0000"/>
+              </a:solidFill>
+            </a:ln>
+          </p:spPr>
+          <p:style>
+            <a:lnRef idx="2">
+              <a:schemeClr val="accent1">
+                <a:shade val="50000"/>
+              </a:schemeClr>
+            </a:lnRef>
+            <a:fillRef idx="1">
+              <a:schemeClr val="accent1"/>
+            </a:fillRef>
+            <a:effectRef idx="0">
+              <a:schemeClr val="accent1"/>
+            </a:effectRef>
+            <a:fontRef idx="minor">
+              <a:schemeClr val="lt1"/>
+            </a:fontRef>
+          </p:style>
+          <p:txBody>
+            <a:bodyPr rtlCol="0" anchor="ctr"/>
+            <a:lstStyle/>
+            <a:p>
+              <a:pPr algn="ctr"/>
+              <a:endParaRPr lang="en-US"/>
+            </a:p>
+          </p:txBody>
+        </p:sp>
+        <p:sp>
+          <p:nvSpPr>
+            <p:cNvPr id="156" name="직사각형 155">
+              <a:extLst>
+                <a:ext uri="{FF2B5EF4-FFF2-40B4-BE49-F238E27FC236}">
+                  <a16:creationId xmlns:a16="http://schemas.microsoft.com/office/drawing/2014/main" id="{C971F357-E097-4A9D-9846-0F1BDEBEB78E}"/>
+                </a:ext>
+              </a:extLst>
+            </p:cNvPr>
+            <p:cNvSpPr>
+              <a:spLocks noChangeAspect="1"/>
+            </p:cNvSpPr>
+            <p:nvPr/>
+          </p:nvSpPr>
+          <p:spPr>
+            <a:xfrm>
+              <a:off x="5400320" y="3079411"/>
+              <a:ext cx="1800000" cy="1800000"/>
+            </a:xfrm>
+            <a:prstGeom prst="rect">
+              <a:avLst/>
+            </a:prstGeom>
+            <a:solidFill>
+              <a:schemeClr val="bg1"/>
+            </a:solidFill>
+            <a:ln>
+              <a:solidFill>
+                <a:srgbClr val="FF0000"/>
+              </a:solidFill>
+            </a:ln>
+          </p:spPr>
+          <p:style>
+            <a:lnRef idx="2">
+              <a:schemeClr val="accent1">
+                <a:shade val="50000"/>
+              </a:schemeClr>
+            </a:lnRef>
+            <a:fillRef idx="1">
+              <a:schemeClr val="accent1"/>
+            </a:fillRef>
+            <a:effectRef idx="0">
+              <a:schemeClr val="accent1"/>
+            </a:effectRef>
+            <a:fontRef idx="minor">
+              <a:schemeClr val="lt1"/>
+            </a:fontRef>
+          </p:style>
+          <p:txBody>
+            <a:bodyPr rtlCol="0" anchor="ctr"/>
+            <a:lstStyle/>
+            <a:p>
+              <a:pPr algn="ctr"/>
+              <a:endParaRPr lang="en-US"/>
+            </a:p>
+          </p:txBody>
+        </p:sp>
+        <p:sp>
+          <p:nvSpPr>
+            <p:cNvPr id="157" name="직사각형 156">
+              <a:extLst>
+                <a:ext uri="{FF2B5EF4-FFF2-40B4-BE49-F238E27FC236}">
+                  <a16:creationId xmlns:a16="http://schemas.microsoft.com/office/drawing/2014/main" id="{4AD1A0DC-A6D5-4519-9639-06EEEA7F621B}"/>
+                </a:ext>
+              </a:extLst>
+            </p:cNvPr>
+            <p:cNvSpPr>
+              <a:spLocks noChangeAspect="1"/>
+            </p:cNvSpPr>
+            <p:nvPr/>
+          </p:nvSpPr>
+          <p:spPr>
+            <a:xfrm>
+              <a:off x="7200320" y="3079411"/>
+              <a:ext cx="1800000" cy="1800000"/>
+            </a:xfrm>
+            <a:prstGeom prst="rect">
+              <a:avLst/>
+            </a:prstGeom>
+            <a:solidFill>
+              <a:schemeClr val="bg1"/>
+            </a:solidFill>
+            <a:ln>
+              <a:solidFill>
+                <a:srgbClr val="FF0000"/>
+              </a:solidFill>
+            </a:ln>
+          </p:spPr>
+          <p:style>
+            <a:lnRef idx="2">
+              <a:schemeClr val="accent1">
+                <a:shade val="50000"/>
+              </a:schemeClr>
+            </a:lnRef>
+            <a:fillRef idx="1">
+              <a:schemeClr val="accent1"/>
+            </a:fillRef>
+            <a:effectRef idx="0">
+              <a:schemeClr val="accent1"/>
+            </a:effectRef>
+            <a:fontRef idx="minor">
+              <a:schemeClr val="lt1"/>
+            </a:fontRef>
+          </p:style>
+          <p:txBody>
+            <a:bodyPr rtlCol="0" anchor="ctr"/>
+            <a:lstStyle/>
+            <a:p>
+              <a:pPr algn="ctr"/>
+              <a:endParaRPr lang="en-US"/>
+            </a:p>
+          </p:txBody>
+        </p:sp>
+        <p:sp>
+          <p:nvSpPr>
+            <p:cNvPr id="158" name="직사각형 157">
+              <a:extLst>
+                <a:ext uri="{FF2B5EF4-FFF2-40B4-BE49-F238E27FC236}">
+                  <a16:creationId xmlns:a16="http://schemas.microsoft.com/office/drawing/2014/main" id="{EBF6E35D-09A1-411B-B6FB-5C5F4AD9C450}"/>
+                </a:ext>
+              </a:extLst>
+            </p:cNvPr>
+            <p:cNvSpPr>
+              <a:spLocks noChangeAspect="1"/>
+            </p:cNvSpPr>
+            <p:nvPr/>
+          </p:nvSpPr>
+          <p:spPr>
+            <a:xfrm>
+              <a:off x="9000320" y="3079411"/>
+              <a:ext cx="1800000" cy="1800000"/>
+            </a:xfrm>
+            <a:prstGeom prst="rect">
+              <a:avLst/>
+            </a:prstGeom>
+            <a:solidFill>
+              <a:schemeClr val="bg1"/>
+            </a:solidFill>
+            <a:ln>
+              <a:solidFill>
+                <a:srgbClr val="FF0000"/>
+              </a:solidFill>
+            </a:ln>
+          </p:spPr>
+          <p:style>
+            <a:lnRef idx="2">
+              <a:schemeClr val="accent1">
+                <a:shade val="50000"/>
+              </a:schemeClr>
+            </a:lnRef>
+            <a:fillRef idx="1">
+              <a:schemeClr val="accent1"/>
+            </a:fillRef>
+            <a:effectRef idx="0">
+              <a:schemeClr val="accent1"/>
+            </a:effectRef>
+            <a:fontRef idx="minor">
+              <a:schemeClr val="lt1"/>
+            </a:fontRef>
+          </p:style>
+          <p:txBody>
+            <a:bodyPr rtlCol="0" anchor="ctr"/>
+            <a:lstStyle/>
+            <a:p>
+              <a:pPr algn="ctr"/>
+              <a:endParaRPr lang="en-US"/>
+            </a:p>
+          </p:txBody>
+        </p:sp>
+        <p:sp>
+          <p:nvSpPr>
+            <p:cNvPr id="159" name="직사각형 158">
+              <a:extLst>
+                <a:ext uri="{FF2B5EF4-FFF2-40B4-BE49-F238E27FC236}">
+                  <a16:creationId xmlns:a16="http://schemas.microsoft.com/office/drawing/2014/main" id="{E3AB369C-B6F1-4634-8BDB-313315D57EE0}"/>
+                </a:ext>
+              </a:extLst>
+            </p:cNvPr>
+            <p:cNvSpPr>
+              <a:spLocks noChangeAspect="1"/>
+            </p:cNvSpPr>
+            <p:nvPr/>
+          </p:nvSpPr>
+          <p:spPr>
+            <a:xfrm>
+              <a:off x="10800320" y="3079411"/>
+              <a:ext cx="1800000" cy="1800000"/>
+            </a:xfrm>
+            <a:prstGeom prst="rect">
+              <a:avLst/>
+            </a:prstGeom>
+            <a:solidFill>
+              <a:schemeClr val="bg1"/>
+            </a:solidFill>
+            <a:ln>
+              <a:solidFill>
+                <a:srgbClr val="FF0000"/>
+              </a:solidFill>
+            </a:ln>
+          </p:spPr>
+          <p:style>
+            <a:lnRef idx="2">
+              <a:schemeClr val="accent1">
+                <a:shade val="50000"/>
+              </a:schemeClr>
+            </a:lnRef>
+            <a:fillRef idx="1">
+              <a:schemeClr val="accent1"/>
+            </a:fillRef>
+            <a:effectRef idx="0">
+              <a:schemeClr val="accent1"/>
+            </a:effectRef>
+            <a:fontRef idx="minor">
+              <a:schemeClr val="lt1"/>
+            </a:fontRef>
+          </p:style>
+          <p:txBody>
+            <a:bodyPr rtlCol="0" anchor="ctr"/>
+            <a:lstStyle/>
+            <a:p>
+              <a:pPr algn="ctr"/>
+              <a:endParaRPr lang="en-US"/>
+            </a:p>
+          </p:txBody>
+        </p:sp>
+        <p:sp>
+          <p:nvSpPr>
+            <p:cNvPr id="160" name="직사각형 159">
+              <a:extLst>
+                <a:ext uri="{FF2B5EF4-FFF2-40B4-BE49-F238E27FC236}">
+                  <a16:creationId xmlns:a16="http://schemas.microsoft.com/office/drawing/2014/main" id="{B1223497-98A6-4056-A22B-441D2671AB4F}"/>
+                </a:ext>
+              </a:extLst>
+            </p:cNvPr>
+            <p:cNvSpPr>
+              <a:spLocks noChangeAspect="1"/>
+            </p:cNvSpPr>
+            <p:nvPr/>
+          </p:nvSpPr>
+          <p:spPr>
+            <a:xfrm>
+              <a:off x="12600320" y="3079411"/>
+              <a:ext cx="1800000" cy="1800000"/>
+            </a:xfrm>
+            <a:prstGeom prst="rect">
+              <a:avLst/>
+            </a:prstGeom>
+            <a:solidFill>
+              <a:schemeClr val="bg1"/>
+            </a:solidFill>
+            <a:ln>
+              <a:solidFill>
+                <a:srgbClr val="FF0000"/>
+              </a:solidFill>
+            </a:ln>
+          </p:spPr>
+          <p:style>
+            <a:lnRef idx="2">
+              <a:schemeClr val="accent1">
+                <a:shade val="50000"/>
+              </a:schemeClr>
+            </a:lnRef>
+            <a:fillRef idx="1">
+              <a:schemeClr val="accent1"/>
+            </a:fillRef>
+            <a:effectRef idx="0">
+              <a:schemeClr val="accent1"/>
+            </a:effectRef>
+            <a:fontRef idx="minor">
+              <a:schemeClr val="lt1"/>
+            </a:fontRef>
+          </p:style>
+          <p:txBody>
+            <a:bodyPr rtlCol="0" anchor="ctr"/>
+            <a:lstStyle/>
+            <a:p>
+              <a:pPr algn="ctr"/>
+              <a:endParaRPr lang="en-US"/>
+            </a:p>
+          </p:txBody>
+        </p:sp>
+        <p:sp>
+          <p:nvSpPr>
+            <p:cNvPr id="161" name="직사각형 160">
+              <a:extLst>
+                <a:ext uri="{FF2B5EF4-FFF2-40B4-BE49-F238E27FC236}">
+                  <a16:creationId xmlns:a16="http://schemas.microsoft.com/office/drawing/2014/main" id="{E2CB0140-17AC-421C-B83B-E4E2B7F044DE}"/>
+                </a:ext>
+              </a:extLst>
+            </p:cNvPr>
+            <p:cNvSpPr>
+              <a:spLocks noChangeAspect="1"/>
+            </p:cNvSpPr>
+            <p:nvPr/>
+          </p:nvSpPr>
+          <p:spPr>
+            <a:xfrm>
+              <a:off x="14400320" y="3079411"/>
+              <a:ext cx="1800000" cy="1800000"/>
+            </a:xfrm>
+            <a:prstGeom prst="rect">
+              <a:avLst/>
+            </a:prstGeom>
+            <a:solidFill>
+              <a:schemeClr val="bg1"/>
+            </a:solidFill>
+            <a:ln>
+              <a:solidFill>
+                <a:srgbClr val="FF0000"/>
+              </a:solidFill>
+            </a:ln>
+          </p:spPr>
+          <p:style>
+            <a:lnRef idx="2">
+              <a:schemeClr val="accent1">
+                <a:shade val="50000"/>
+              </a:schemeClr>
+            </a:lnRef>
+            <a:fillRef idx="1">
+              <a:schemeClr val="accent1"/>
+            </a:fillRef>
+            <a:effectRef idx="0">
+              <a:schemeClr val="accent1"/>
+            </a:effectRef>
+            <a:fontRef idx="minor">
+              <a:schemeClr val="lt1"/>
+            </a:fontRef>
+          </p:style>
+          <p:txBody>
+            <a:bodyPr rtlCol="0" anchor="ctr"/>
+            <a:lstStyle/>
+            <a:p>
+              <a:pPr algn="ctr"/>
+              <a:endParaRPr lang="en-US"/>
+            </a:p>
+          </p:txBody>
+        </p:sp>
+        <p:sp>
+          <p:nvSpPr>
+            <p:cNvPr id="162" name="직사각형 161">
+              <a:extLst>
+                <a:ext uri="{FF2B5EF4-FFF2-40B4-BE49-F238E27FC236}">
+                  <a16:creationId xmlns:a16="http://schemas.microsoft.com/office/drawing/2014/main" id="{FBEE9EDD-BAD5-43A1-818A-7D4F52868696}"/>
+                </a:ext>
+              </a:extLst>
+            </p:cNvPr>
+            <p:cNvSpPr>
+              <a:spLocks noChangeAspect="1"/>
+            </p:cNvSpPr>
+            <p:nvPr/>
+          </p:nvSpPr>
+          <p:spPr>
+            <a:xfrm>
+              <a:off x="16200320" y="3079411"/>
+              <a:ext cx="1800000" cy="1800000"/>
+            </a:xfrm>
+            <a:prstGeom prst="rect">
+              <a:avLst/>
+            </a:prstGeom>
+            <a:solidFill>
+              <a:schemeClr val="bg1"/>
+            </a:solidFill>
+            <a:ln>
+              <a:solidFill>
+                <a:srgbClr val="FF0000"/>
+              </a:solidFill>
+            </a:ln>
+          </p:spPr>
+          <p:style>
+            <a:lnRef idx="2">
+              <a:schemeClr val="accent1">
+                <a:shade val="50000"/>
+              </a:schemeClr>
+            </a:lnRef>
+            <a:fillRef idx="1">
+              <a:schemeClr val="accent1"/>
+            </a:fillRef>
+            <a:effectRef idx="0">
+              <a:schemeClr val="accent1"/>
+            </a:effectRef>
+            <a:fontRef idx="minor">
+              <a:schemeClr val="lt1"/>
+            </a:fontRef>
+          </p:style>
+          <p:txBody>
+            <a:bodyPr rtlCol="0" anchor="ctr"/>
+            <a:lstStyle/>
+            <a:p>
+              <a:pPr algn="ctr"/>
+              <a:endParaRPr lang="en-US"/>
+            </a:p>
+          </p:txBody>
+        </p:sp>
+        <p:sp>
+          <p:nvSpPr>
+            <p:cNvPr id="163" name="직사각형 162">
+              <a:extLst>
+                <a:ext uri="{FF2B5EF4-FFF2-40B4-BE49-F238E27FC236}">
+                  <a16:creationId xmlns:a16="http://schemas.microsoft.com/office/drawing/2014/main" id="{C7503CB8-ECCC-48B4-A3C5-F2D857A1159B}"/>
+                </a:ext>
+              </a:extLst>
+            </p:cNvPr>
+            <p:cNvSpPr>
+              <a:spLocks noChangeAspect="1"/>
+            </p:cNvSpPr>
+            <p:nvPr/>
+          </p:nvSpPr>
+          <p:spPr>
+            <a:xfrm>
+              <a:off x="18000320" y="3079411"/>
+              <a:ext cx="1800000" cy="1800000"/>
+            </a:xfrm>
+            <a:prstGeom prst="rect">
+              <a:avLst/>
+            </a:prstGeom>
+            <a:solidFill>
+              <a:schemeClr val="bg1"/>
+            </a:solidFill>
+            <a:ln>
+              <a:solidFill>
+                <a:srgbClr val="FF0000"/>
+              </a:solidFill>
+            </a:ln>
+          </p:spPr>
+          <p:style>
+            <a:lnRef idx="2">
+              <a:schemeClr val="accent1">
+                <a:shade val="50000"/>
+              </a:schemeClr>
+            </a:lnRef>
+            <a:fillRef idx="1">
+              <a:schemeClr val="accent1"/>
+            </a:fillRef>
+            <a:effectRef idx="0">
+              <a:schemeClr val="accent1"/>
+            </a:effectRef>
+            <a:fontRef idx="minor">
+              <a:schemeClr val="lt1"/>
+            </a:fontRef>
+          </p:style>
+          <p:txBody>
+            <a:bodyPr rtlCol="0" anchor="ctr"/>
+            <a:lstStyle/>
+            <a:p>
+              <a:pPr algn="ctr"/>
+              <a:endParaRPr lang="en-US"/>
+            </a:p>
+          </p:txBody>
+        </p:sp>
+        <p:sp>
+          <p:nvSpPr>
+            <p:cNvPr id="164" name="직사각형 163">
+              <a:extLst>
+                <a:ext uri="{FF2B5EF4-FFF2-40B4-BE49-F238E27FC236}">
+                  <a16:creationId xmlns:a16="http://schemas.microsoft.com/office/drawing/2014/main" id="{3CC5562E-9AC1-48F8-B5F7-FC4BEA4B1446}"/>
+                </a:ext>
+              </a:extLst>
+            </p:cNvPr>
+            <p:cNvSpPr>
+              <a:spLocks noChangeAspect="1"/>
+            </p:cNvSpPr>
+            <p:nvPr/>
+          </p:nvSpPr>
+          <p:spPr>
+            <a:xfrm>
+              <a:off x="19800320" y="3079411"/>
+              <a:ext cx="1800000" cy="1800000"/>
+            </a:xfrm>
+            <a:prstGeom prst="rect">
+              <a:avLst/>
+            </a:prstGeom>
+            <a:solidFill>
+              <a:schemeClr val="bg1"/>
+            </a:solidFill>
+            <a:ln>
+              <a:solidFill>
+                <a:srgbClr val="FF0000"/>
+              </a:solidFill>
+            </a:ln>
+          </p:spPr>
+          <p:style>
+            <a:lnRef idx="2">
+              <a:schemeClr val="accent1">
+                <a:shade val="50000"/>
+              </a:schemeClr>
+            </a:lnRef>
+            <a:fillRef idx="1">
+              <a:schemeClr val="accent1"/>
+            </a:fillRef>
+            <a:effectRef idx="0">
+              <a:schemeClr val="accent1"/>
+            </a:effectRef>
+            <a:fontRef idx="minor">
+              <a:schemeClr val="lt1"/>
+            </a:fontRef>
+          </p:style>
+          <p:txBody>
+            <a:bodyPr rtlCol="0" anchor="ctr"/>
+            <a:lstStyle/>
+            <a:p>
+              <a:pPr algn="ctr"/>
+              <a:endParaRPr lang="en-US"/>
+            </a:p>
+          </p:txBody>
+        </p:sp>
+        <p:sp>
+          <p:nvSpPr>
+            <p:cNvPr id="165" name="직사각형 164">
+              <a:extLst>
+                <a:ext uri="{FF2B5EF4-FFF2-40B4-BE49-F238E27FC236}">
+                  <a16:creationId xmlns:a16="http://schemas.microsoft.com/office/drawing/2014/main" id="{9DDDD1CB-525F-4E16-8C50-4C37E737D580}"/>
+                </a:ext>
+              </a:extLst>
+            </p:cNvPr>
+            <p:cNvSpPr>
+              <a:spLocks noChangeAspect="1"/>
+            </p:cNvSpPr>
+            <p:nvPr/>
+          </p:nvSpPr>
+          <p:spPr>
+            <a:xfrm>
+              <a:off x="21600320" y="3079411"/>
+              <a:ext cx="1800000" cy="1800000"/>
+            </a:xfrm>
+            <a:prstGeom prst="rect">
+              <a:avLst/>
+            </a:prstGeom>
+            <a:solidFill>
+              <a:schemeClr val="bg1"/>
+            </a:solidFill>
+            <a:ln>
+              <a:solidFill>
+                <a:srgbClr val="FF0000"/>
+              </a:solidFill>
+            </a:ln>
+          </p:spPr>
+          <p:style>
+            <a:lnRef idx="2">
+              <a:schemeClr val="accent1">
+                <a:shade val="50000"/>
+              </a:schemeClr>
+            </a:lnRef>
+            <a:fillRef idx="1">
+              <a:schemeClr val="accent1"/>
+            </a:fillRef>
+            <a:effectRef idx="0">
+              <a:schemeClr val="accent1"/>
+            </a:effectRef>
+            <a:fontRef idx="minor">
+              <a:schemeClr val="lt1"/>
+            </a:fontRef>
+          </p:style>
+          <p:txBody>
+            <a:bodyPr rtlCol="0" anchor="ctr"/>
+            <a:lstStyle/>
+            <a:p>
+              <a:pPr algn="ctr"/>
+              <a:endParaRPr lang="en-US"/>
+            </a:p>
+          </p:txBody>
+        </p:sp>
+        <p:sp>
+          <p:nvSpPr>
+            <p:cNvPr id="166" name="직사각형 165">
+              <a:extLst>
+                <a:ext uri="{FF2B5EF4-FFF2-40B4-BE49-F238E27FC236}">
+                  <a16:creationId xmlns:a16="http://schemas.microsoft.com/office/drawing/2014/main" id="{E1CB4B09-D5AC-4F70-AD77-F62D38FFB6CE}"/>
+                </a:ext>
+              </a:extLst>
+            </p:cNvPr>
+            <p:cNvSpPr>
+              <a:spLocks noChangeAspect="1"/>
+            </p:cNvSpPr>
+            <p:nvPr/>
+          </p:nvSpPr>
+          <p:spPr>
+            <a:xfrm>
+              <a:off x="23400320" y="3079411"/>
+              <a:ext cx="1800000" cy="1800000"/>
+            </a:xfrm>
+            <a:prstGeom prst="rect">
+              <a:avLst/>
+            </a:prstGeom>
+            <a:solidFill>
+              <a:schemeClr val="bg1"/>
+            </a:solidFill>
+            <a:ln>
+              <a:solidFill>
+                <a:srgbClr val="FF0000"/>
+              </a:solidFill>
+            </a:ln>
+          </p:spPr>
+          <p:style>
+            <a:lnRef idx="2">
+              <a:schemeClr val="accent1">
+                <a:shade val="50000"/>
+              </a:schemeClr>
+            </a:lnRef>
+            <a:fillRef idx="1">
+              <a:schemeClr val="accent1"/>
+            </a:fillRef>
+            <a:effectRef idx="0">
+              <a:schemeClr val="accent1"/>
+            </a:effectRef>
+            <a:fontRef idx="minor">
+              <a:schemeClr val="lt1"/>
+            </a:fontRef>
+          </p:style>
+          <p:txBody>
+            <a:bodyPr rtlCol="0" anchor="ctr"/>
+            <a:lstStyle/>
+            <a:p>
+              <a:pPr algn="ctr"/>
+              <a:endParaRPr lang="en-US"/>
+            </a:p>
+          </p:txBody>
+        </p:sp>
+        <p:sp>
+          <p:nvSpPr>
+            <p:cNvPr id="167" name="직사각형 166">
+              <a:extLst>
+                <a:ext uri="{FF2B5EF4-FFF2-40B4-BE49-F238E27FC236}">
+                  <a16:creationId xmlns:a16="http://schemas.microsoft.com/office/drawing/2014/main" id="{1EC9BB5C-2F6E-45AC-A785-F4EEF414ECDF}"/>
+                </a:ext>
+              </a:extLst>
+            </p:cNvPr>
+            <p:cNvSpPr>
+              <a:spLocks noChangeAspect="1"/>
+            </p:cNvSpPr>
+            <p:nvPr/>
+          </p:nvSpPr>
+          <p:spPr>
+            <a:xfrm>
+              <a:off x="25200319" y="3079411"/>
+              <a:ext cx="1800000" cy="1800000"/>
+            </a:xfrm>
+            <a:prstGeom prst="rect">
+              <a:avLst/>
+            </a:prstGeom>
+            <a:solidFill>
+              <a:schemeClr val="bg1"/>
+            </a:solidFill>
+            <a:ln>
+              <a:solidFill>
+                <a:srgbClr val="FF0000"/>
+              </a:solidFill>
+            </a:ln>
+          </p:spPr>
+          <p:style>
+            <a:lnRef idx="2">
+              <a:schemeClr val="accent1">
+                <a:shade val="50000"/>
+              </a:schemeClr>
+            </a:lnRef>
+            <a:fillRef idx="1">
+              <a:schemeClr val="accent1"/>
+            </a:fillRef>
+            <a:effectRef idx="0">
+              <a:schemeClr val="accent1"/>
+            </a:effectRef>
+            <a:fontRef idx="minor">
+              <a:schemeClr val="lt1"/>
+            </a:fontRef>
+          </p:style>
+          <p:txBody>
+            <a:bodyPr rtlCol="0" anchor="ctr"/>
+            <a:lstStyle/>
+            <a:p>
+              <a:pPr algn="ctr"/>
+              <a:endParaRPr lang="en-US"/>
+            </a:p>
+          </p:txBody>
+        </p:sp>
+        <p:sp>
+          <p:nvSpPr>
+            <p:cNvPr id="189" name="직사각형 188">
+              <a:extLst>
+                <a:ext uri="{FF2B5EF4-FFF2-40B4-BE49-F238E27FC236}">
+                  <a16:creationId xmlns:a16="http://schemas.microsoft.com/office/drawing/2014/main" id="{F6B1F041-0ADB-449B-8B23-5C0106899744}"/>
+                </a:ext>
+              </a:extLst>
+            </p:cNvPr>
+            <p:cNvSpPr>
+              <a:spLocks noChangeAspect="1"/>
+            </p:cNvSpPr>
+            <p:nvPr/>
+          </p:nvSpPr>
+          <p:spPr>
+            <a:xfrm>
+              <a:off x="27000320" y="3079411"/>
+              <a:ext cx="1800000" cy="1800000"/>
+            </a:xfrm>
+            <a:prstGeom prst="rect">
+              <a:avLst/>
+            </a:prstGeom>
+            <a:solidFill>
+              <a:schemeClr val="bg1"/>
+            </a:solidFill>
+            <a:ln>
+              <a:solidFill>
+                <a:srgbClr val="FF0000"/>
+              </a:solidFill>
+            </a:ln>
+          </p:spPr>
+          <p:style>
+            <a:lnRef idx="2">
+              <a:schemeClr val="accent1">
+                <a:shade val="50000"/>
+              </a:schemeClr>
+            </a:lnRef>
+            <a:fillRef idx="1">
+              <a:schemeClr val="accent1"/>
+            </a:fillRef>
+            <a:effectRef idx="0">
+              <a:schemeClr val="accent1"/>
+            </a:effectRef>
+            <a:fontRef idx="minor">
+              <a:schemeClr val="lt1"/>
+            </a:fontRef>
+          </p:style>
+          <p:txBody>
+            <a:bodyPr rtlCol="0" anchor="ctr"/>
+            <a:lstStyle/>
+            <a:p>
+              <a:pPr algn="ctr"/>
+              <a:endParaRPr lang="en-US"/>
+            </a:p>
+          </p:txBody>
+        </p:sp>
+        <p:sp>
+          <p:nvSpPr>
+            <p:cNvPr id="190" name="직사각형 189">
+              <a:extLst>
+                <a:ext uri="{FF2B5EF4-FFF2-40B4-BE49-F238E27FC236}">
+                  <a16:creationId xmlns:a16="http://schemas.microsoft.com/office/drawing/2014/main" id="{5008450F-588C-49D3-86FE-96B551977797}"/>
+                </a:ext>
+              </a:extLst>
+            </p:cNvPr>
+            <p:cNvSpPr>
+              <a:spLocks noChangeAspect="1"/>
+            </p:cNvSpPr>
+            <p:nvPr/>
+          </p:nvSpPr>
+          <p:spPr>
+            <a:xfrm>
+              <a:off x="28800320" y="3079411"/>
+              <a:ext cx="1800000" cy="1800000"/>
+            </a:xfrm>
+            <a:prstGeom prst="rect">
+              <a:avLst/>
+            </a:prstGeom>
+            <a:solidFill>
+              <a:schemeClr val="bg1"/>
+            </a:solidFill>
+            <a:ln>
+              <a:solidFill>
+                <a:srgbClr val="FF0000"/>
+              </a:solidFill>
+            </a:ln>
+          </p:spPr>
+          <p:style>
+            <a:lnRef idx="2">
+              <a:schemeClr val="accent1">
+                <a:shade val="50000"/>
+              </a:schemeClr>
+            </a:lnRef>
+            <a:fillRef idx="1">
+              <a:schemeClr val="accent1"/>
+            </a:fillRef>
+            <a:effectRef idx="0">
+              <a:schemeClr val="accent1"/>
+            </a:effectRef>
+            <a:fontRef idx="minor">
+              <a:schemeClr val="lt1"/>
+            </a:fontRef>
+          </p:style>
+          <p:txBody>
+            <a:bodyPr rtlCol="0" anchor="ctr"/>
+            <a:lstStyle/>
+            <a:p>
+              <a:pPr algn="ctr"/>
+              <a:endParaRPr lang="en-US"/>
+            </a:p>
+          </p:txBody>
+        </p:sp>
+        <p:sp>
+          <p:nvSpPr>
+            <p:cNvPr id="191" name="직사각형 190">
+              <a:extLst>
+                <a:ext uri="{FF2B5EF4-FFF2-40B4-BE49-F238E27FC236}">
+                  <a16:creationId xmlns:a16="http://schemas.microsoft.com/office/drawing/2014/main" id="{20B0DC14-F28D-4D8D-9BF1-6F2B44E8CAB0}"/>
+                </a:ext>
+              </a:extLst>
+            </p:cNvPr>
+            <p:cNvSpPr>
+              <a:spLocks noChangeAspect="1"/>
+            </p:cNvSpPr>
+            <p:nvPr/>
+          </p:nvSpPr>
+          <p:spPr>
+            <a:xfrm>
+              <a:off x="30600320" y="3079411"/>
+              <a:ext cx="1800000" cy="1800000"/>
+            </a:xfrm>
+            <a:prstGeom prst="rect">
+              <a:avLst/>
+            </a:prstGeom>
+            <a:solidFill>
+              <a:schemeClr val="bg1"/>
+            </a:solidFill>
+            <a:ln>
+              <a:solidFill>
+                <a:srgbClr val="FF0000"/>
+              </a:solidFill>
+            </a:ln>
+          </p:spPr>
+          <p:style>
+            <a:lnRef idx="2">
+              <a:schemeClr val="accent1">
+                <a:shade val="50000"/>
+              </a:schemeClr>
+            </a:lnRef>
+            <a:fillRef idx="1">
+              <a:schemeClr val="accent1"/>
+            </a:fillRef>
+            <a:effectRef idx="0">
+              <a:schemeClr val="accent1"/>
+            </a:effectRef>
+            <a:fontRef idx="minor">
+              <a:schemeClr val="lt1"/>
+            </a:fontRef>
+          </p:style>
+          <p:txBody>
+            <a:bodyPr rtlCol="0" anchor="ctr"/>
+            <a:lstStyle/>
+            <a:p>
+              <a:pPr algn="ctr"/>
+              <a:endParaRPr lang="en-US"/>
+            </a:p>
+          </p:txBody>
+        </p:sp>
+        <p:sp>
+          <p:nvSpPr>
+            <p:cNvPr id="192" name="직사각형 191">
+              <a:extLst>
+                <a:ext uri="{FF2B5EF4-FFF2-40B4-BE49-F238E27FC236}">
+                  <a16:creationId xmlns:a16="http://schemas.microsoft.com/office/drawing/2014/main" id="{3E7CF7FE-C30B-41A9-BA0D-86429E841BB8}"/>
+                </a:ext>
+              </a:extLst>
+            </p:cNvPr>
+            <p:cNvSpPr>
+              <a:spLocks noChangeAspect="1"/>
+            </p:cNvSpPr>
+            <p:nvPr/>
+          </p:nvSpPr>
+          <p:spPr>
+            <a:xfrm>
+              <a:off x="32400320" y="3079411"/>
+              <a:ext cx="1800000" cy="1800000"/>
+            </a:xfrm>
+            <a:prstGeom prst="rect">
+              <a:avLst/>
+            </a:prstGeom>
+            <a:solidFill>
+              <a:schemeClr val="bg1"/>
+            </a:solidFill>
+            <a:ln>
+              <a:solidFill>
+                <a:srgbClr val="FF0000"/>
+              </a:solidFill>
+            </a:ln>
+          </p:spPr>
+          <p:style>
+            <a:lnRef idx="2">
+              <a:schemeClr val="accent1">
+                <a:shade val="50000"/>
+              </a:schemeClr>
+            </a:lnRef>
+            <a:fillRef idx="1">
+              <a:schemeClr val="accent1"/>
+            </a:fillRef>
+            <a:effectRef idx="0">
+              <a:schemeClr val="accent1"/>
+            </a:effectRef>
+            <a:fontRef idx="minor">
+              <a:schemeClr val="lt1"/>
+            </a:fontRef>
+          </p:style>
+          <p:txBody>
+            <a:bodyPr rtlCol="0" anchor="ctr"/>
+            <a:lstStyle/>
+            <a:p>
+              <a:pPr algn="ctr"/>
+              <a:endParaRPr lang="en-US"/>
+            </a:p>
+          </p:txBody>
+        </p:sp>
+        <p:sp>
+          <p:nvSpPr>
+            <p:cNvPr id="193" name="직사각형 192">
+              <a:extLst>
+                <a:ext uri="{FF2B5EF4-FFF2-40B4-BE49-F238E27FC236}">
+                  <a16:creationId xmlns:a16="http://schemas.microsoft.com/office/drawing/2014/main" id="{20F20CB1-FD5E-4225-B617-33DBC24BA9B0}"/>
+                </a:ext>
+              </a:extLst>
+            </p:cNvPr>
+            <p:cNvSpPr>
+              <a:spLocks noChangeAspect="1"/>
+            </p:cNvSpPr>
+            <p:nvPr/>
+          </p:nvSpPr>
+          <p:spPr>
+            <a:xfrm>
+              <a:off x="34200320" y="3079411"/>
+              <a:ext cx="1800000" cy="1800000"/>
+            </a:xfrm>
+            <a:prstGeom prst="rect">
+              <a:avLst/>
+            </a:prstGeom>
+            <a:solidFill>
+              <a:schemeClr val="bg1"/>
+            </a:solidFill>
+            <a:ln>
+              <a:solidFill>
+                <a:srgbClr val="FF0000"/>
+              </a:solidFill>
+            </a:ln>
+          </p:spPr>
+          <p:style>
+            <a:lnRef idx="2">
+              <a:schemeClr val="accent1">
+                <a:shade val="50000"/>
+              </a:schemeClr>
+            </a:lnRef>
+            <a:fillRef idx="1">
+              <a:schemeClr val="accent1"/>
+            </a:fillRef>
+            <a:effectRef idx="0">
+              <a:schemeClr val="accent1"/>
+            </a:effectRef>
+            <a:fontRef idx="minor">
+              <a:schemeClr val="lt1"/>
+            </a:fontRef>
+          </p:style>
+          <p:txBody>
+            <a:bodyPr rtlCol="0" anchor="ctr"/>
+            <a:lstStyle/>
+            <a:p>
+              <a:pPr algn="ctr"/>
+              <a:endParaRPr lang="en-US"/>
+            </a:p>
+          </p:txBody>
+        </p:sp>
+        <p:sp>
+          <p:nvSpPr>
+            <p:cNvPr id="194" name="직사각형 193">
+              <a:extLst>
+                <a:ext uri="{FF2B5EF4-FFF2-40B4-BE49-F238E27FC236}">
+                  <a16:creationId xmlns:a16="http://schemas.microsoft.com/office/drawing/2014/main" id="{ADE56936-34AE-4EAA-A557-9476D8235E46}"/>
+                </a:ext>
+              </a:extLst>
+            </p:cNvPr>
+            <p:cNvSpPr>
+              <a:spLocks noChangeAspect="1"/>
+            </p:cNvSpPr>
+            <p:nvPr/>
+          </p:nvSpPr>
+          <p:spPr>
+            <a:xfrm>
+              <a:off x="36000320" y="3079411"/>
+              <a:ext cx="1800000" cy="1800000"/>
+            </a:xfrm>
+            <a:prstGeom prst="rect">
+              <a:avLst/>
+            </a:prstGeom>
+            <a:solidFill>
+              <a:schemeClr val="bg1"/>
+            </a:solidFill>
+            <a:ln>
+              <a:solidFill>
+                <a:srgbClr val="FF0000"/>
+              </a:solidFill>
+            </a:ln>
+          </p:spPr>
+          <p:style>
+            <a:lnRef idx="2">
+              <a:schemeClr val="accent1">
+                <a:shade val="50000"/>
+              </a:schemeClr>
+            </a:lnRef>
+            <a:fillRef idx="1">
+              <a:schemeClr val="accent1"/>
+            </a:fillRef>
+            <a:effectRef idx="0">
+              <a:schemeClr val="accent1"/>
+            </a:effectRef>
+            <a:fontRef idx="minor">
+              <a:schemeClr val="lt1"/>
+            </a:fontRef>
+          </p:style>
+          <p:txBody>
+            <a:bodyPr rtlCol="0" anchor="ctr"/>
+            <a:lstStyle/>
+            <a:p>
+              <a:pPr algn="ctr"/>
+              <a:endParaRPr lang="en-US"/>
+            </a:p>
+          </p:txBody>
+        </p:sp>
+        <p:sp>
+          <p:nvSpPr>
+            <p:cNvPr id="195" name="직사각형 194">
+              <a:extLst>
+                <a:ext uri="{FF2B5EF4-FFF2-40B4-BE49-F238E27FC236}">
+                  <a16:creationId xmlns:a16="http://schemas.microsoft.com/office/drawing/2014/main" id="{528BCF3A-72E7-4B4D-9C05-C6EA496BD0E1}"/>
+                </a:ext>
+              </a:extLst>
+            </p:cNvPr>
+            <p:cNvSpPr>
+              <a:spLocks noChangeAspect="1"/>
+            </p:cNvSpPr>
+            <p:nvPr/>
+          </p:nvSpPr>
+          <p:spPr>
+            <a:xfrm>
+              <a:off x="37800319" y="3079411"/>
+              <a:ext cx="1800000" cy="1800000"/>
+            </a:xfrm>
+            <a:prstGeom prst="rect">
+              <a:avLst/>
+            </a:prstGeom>
+            <a:solidFill>
+              <a:schemeClr val="bg1"/>
+            </a:solidFill>
+            <a:ln>
+              <a:solidFill>
+                <a:srgbClr val="FF0000"/>
+              </a:solidFill>
+            </a:ln>
+          </p:spPr>
+          <p:style>
+            <a:lnRef idx="2">
+              <a:schemeClr val="accent1">
+                <a:shade val="50000"/>
+              </a:schemeClr>
+            </a:lnRef>
+            <a:fillRef idx="1">
+              <a:schemeClr val="accent1"/>
+            </a:fillRef>
+            <a:effectRef idx="0">
+              <a:schemeClr val="accent1"/>
+            </a:effectRef>
+            <a:fontRef idx="minor">
+              <a:schemeClr val="lt1"/>
+            </a:fontRef>
+          </p:style>
+          <p:txBody>
+            <a:bodyPr rtlCol="0" anchor="ctr"/>
+            <a:lstStyle/>
+            <a:p>
+              <a:pPr algn="ctr"/>
+              <a:endParaRPr lang="en-US"/>
+            </a:p>
+          </p:txBody>
+        </p:sp>
+      </p:grpSp>
+      <p:grpSp>
+        <p:nvGrpSpPr>
+          <p:cNvPr id="210" name="그룹 209">
+            <a:extLst>
+              <a:ext uri="{FF2B5EF4-FFF2-40B4-BE49-F238E27FC236}">
+                <a16:creationId xmlns:a16="http://schemas.microsoft.com/office/drawing/2014/main" id="{DD1E88B8-A6BF-4723-B464-43E110FF69F5}"/>
+              </a:ext>
+            </a:extLst>
+          </p:cNvPr>
+          <p:cNvGrpSpPr>
+            <a:grpSpLocks noChangeAspect="1"/>
+          </p:cNvGrpSpPr>
+          <p:nvPr/>
+        </p:nvGrpSpPr>
+        <p:grpSpPr>
+          <a:xfrm>
+            <a:off x="16200319" y="16574718"/>
+            <a:ext cx="10800001" cy="540000"/>
+            <a:chOff x="16200319" y="16096913"/>
+            <a:chExt cx="10800001" cy="540000"/>
+          </a:xfrm>
+        </p:grpSpPr>
+        <p:sp>
+          <p:nvSpPr>
+            <p:cNvPr id="172" name="직사각형 171">
+              <a:extLst>
+                <a:ext uri="{FF2B5EF4-FFF2-40B4-BE49-F238E27FC236}">
+                  <a16:creationId xmlns:a16="http://schemas.microsoft.com/office/drawing/2014/main" id="{47F7E73D-6F24-4439-99F6-D29CFEE944E3}"/>
+                </a:ext>
+              </a:extLst>
+            </p:cNvPr>
+            <p:cNvSpPr>
+              <a:spLocks noChangeAspect="1"/>
+            </p:cNvSpPr>
+            <p:nvPr/>
+          </p:nvSpPr>
+          <p:spPr>
+            <a:xfrm>
+              <a:off x="16740319" y="16096913"/>
+              <a:ext cx="540000" cy="540000"/>
+            </a:xfrm>
+            <a:prstGeom prst="rect">
+              <a:avLst/>
+            </a:prstGeom>
+            <a:solidFill>
+              <a:schemeClr val="bg1"/>
+            </a:solidFill>
+            <a:ln>
+              <a:solidFill>
+                <a:srgbClr val="FF0000"/>
+              </a:solidFill>
+            </a:ln>
+          </p:spPr>
+          <p:style>
+            <a:lnRef idx="2">
+              <a:schemeClr val="accent1">
+                <a:shade val="50000"/>
+              </a:schemeClr>
+            </a:lnRef>
+            <a:fillRef idx="1">
+              <a:schemeClr val="accent1"/>
+            </a:fillRef>
+            <a:effectRef idx="0">
+              <a:schemeClr val="accent1"/>
+            </a:effectRef>
+            <a:fontRef idx="minor">
+              <a:schemeClr val="lt1"/>
+            </a:fontRef>
+          </p:style>
+          <p:txBody>
+            <a:bodyPr rtlCol="0" anchor="ctr"/>
+            <a:lstStyle/>
+            <a:p>
+              <a:pPr algn="ctr"/>
+              <a:endParaRPr lang="en-US"/>
+            </a:p>
+          </p:txBody>
+        </p:sp>
+        <p:sp>
+          <p:nvSpPr>
+            <p:cNvPr id="173" name="직사각형 172">
+              <a:extLst>
+                <a:ext uri="{FF2B5EF4-FFF2-40B4-BE49-F238E27FC236}">
+                  <a16:creationId xmlns:a16="http://schemas.microsoft.com/office/drawing/2014/main" id="{937AFE90-1903-492E-A20C-1D5B2B1D4F5D}"/>
+                </a:ext>
+              </a:extLst>
+            </p:cNvPr>
+            <p:cNvSpPr>
+              <a:spLocks noChangeAspect="1"/>
+            </p:cNvSpPr>
+            <p:nvPr/>
+          </p:nvSpPr>
+          <p:spPr>
+            <a:xfrm>
+              <a:off x="18360319" y="16096913"/>
+              <a:ext cx="540000" cy="540000"/>
+            </a:xfrm>
+            <a:prstGeom prst="rect">
+              <a:avLst/>
+            </a:prstGeom>
+            <a:solidFill>
+              <a:schemeClr val="bg1"/>
+            </a:solidFill>
+            <a:ln>
+              <a:solidFill>
+                <a:srgbClr val="FF0000"/>
+              </a:solidFill>
+            </a:ln>
+          </p:spPr>
+          <p:style>
+            <a:lnRef idx="2">
+              <a:schemeClr val="accent1">
+                <a:shade val="50000"/>
+              </a:schemeClr>
+            </a:lnRef>
+            <a:fillRef idx="1">
+              <a:schemeClr val="accent1"/>
+            </a:fillRef>
+            <a:effectRef idx="0">
+              <a:schemeClr val="accent1"/>
+            </a:effectRef>
+            <a:fontRef idx="minor">
+              <a:schemeClr val="lt1"/>
+            </a:fontRef>
+          </p:style>
+          <p:txBody>
+            <a:bodyPr rtlCol="0" anchor="ctr"/>
+            <a:lstStyle/>
+            <a:p>
+              <a:pPr algn="ctr"/>
+              <a:endParaRPr lang="en-US"/>
+            </a:p>
+          </p:txBody>
+        </p:sp>
+        <p:sp>
+          <p:nvSpPr>
+            <p:cNvPr id="174" name="직사각형 173">
+              <a:extLst>
+                <a:ext uri="{FF2B5EF4-FFF2-40B4-BE49-F238E27FC236}">
+                  <a16:creationId xmlns:a16="http://schemas.microsoft.com/office/drawing/2014/main" id="{F040C291-D579-4768-B65B-73BC9621428E}"/>
+                </a:ext>
+              </a:extLst>
+            </p:cNvPr>
+            <p:cNvSpPr>
+              <a:spLocks noChangeAspect="1"/>
+            </p:cNvSpPr>
+            <p:nvPr/>
+          </p:nvSpPr>
+          <p:spPr>
+            <a:xfrm>
+              <a:off x="19980319" y="16096913"/>
+              <a:ext cx="540000" cy="540000"/>
+            </a:xfrm>
+            <a:prstGeom prst="rect">
+              <a:avLst/>
+            </a:prstGeom>
+            <a:solidFill>
+              <a:schemeClr val="bg1"/>
+            </a:solidFill>
+            <a:ln>
+              <a:solidFill>
+                <a:srgbClr val="FF0000"/>
+              </a:solidFill>
+            </a:ln>
+          </p:spPr>
+          <p:style>
+            <a:lnRef idx="2">
+              <a:schemeClr val="accent1">
+                <a:shade val="50000"/>
+              </a:schemeClr>
+            </a:lnRef>
+            <a:fillRef idx="1">
+              <a:schemeClr val="accent1"/>
+            </a:fillRef>
+            <a:effectRef idx="0">
+              <a:schemeClr val="accent1"/>
+            </a:effectRef>
+            <a:fontRef idx="minor">
+              <a:schemeClr val="lt1"/>
+            </a:fontRef>
+          </p:style>
+          <p:txBody>
+            <a:bodyPr rtlCol="0" anchor="ctr"/>
+            <a:lstStyle/>
+            <a:p>
+              <a:pPr algn="ctr"/>
+              <a:endParaRPr lang="en-US"/>
+            </a:p>
+          </p:txBody>
+        </p:sp>
+        <p:sp>
+          <p:nvSpPr>
+            <p:cNvPr id="175" name="직사각형 174">
+              <a:extLst>
+                <a:ext uri="{FF2B5EF4-FFF2-40B4-BE49-F238E27FC236}">
+                  <a16:creationId xmlns:a16="http://schemas.microsoft.com/office/drawing/2014/main" id="{2A4F212F-D64D-4043-8E8D-83A3C9189C3C}"/>
+                </a:ext>
+              </a:extLst>
+            </p:cNvPr>
+            <p:cNvSpPr>
+              <a:spLocks noChangeAspect="1"/>
+            </p:cNvSpPr>
+            <p:nvPr/>
+          </p:nvSpPr>
+          <p:spPr>
+            <a:xfrm>
+              <a:off x="22140319" y="16096913"/>
+              <a:ext cx="540000" cy="540000"/>
+            </a:xfrm>
+            <a:prstGeom prst="rect">
+              <a:avLst/>
+            </a:prstGeom>
+            <a:solidFill>
+              <a:schemeClr val="bg1"/>
+            </a:solidFill>
+            <a:ln>
+              <a:solidFill>
+                <a:srgbClr val="FF0000"/>
+              </a:solidFill>
+            </a:ln>
+          </p:spPr>
+          <p:style>
+            <a:lnRef idx="2">
+              <a:schemeClr val="accent1">
+                <a:shade val="50000"/>
+              </a:schemeClr>
+            </a:lnRef>
+            <a:fillRef idx="1">
+              <a:schemeClr val="accent1"/>
+            </a:fillRef>
+            <a:effectRef idx="0">
+              <a:schemeClr val="accent1"/>
+            </a:effectRef>
+            <a:fontRef idx="minor">
+              <a:schemeClr val="lt1"/>
+            </a:fontRef>
+          </p:style>
+          <p:txBody>
+            <a:bodyPr rtlCol="0" anchor="ctr"/>
+            <a:lstStyle/>
+            <a:p>
+              <a:pPr algn="ctr"/>
+              <a:endParaRPr lang="en-US"/>
+            </a:p>
+          </p:txBody>
+        </p:sp>
+        <p:sp>
+          <p:nvSpPr>
+            <p:cNvPr id="176" name="직사각형 175">
+              <a:extLst>
+                <a:ext uri="{FF2B5EF4-FFF2-40B4-BE49-F238E27FC236}">
+                  <a16:creationId xmlns:a16="http://schemas.microsoft.com/office/drawing/2014/main" id="{9ED2A245-4DBC-4306-BF4E-148731E94B05}"/>
+                </a:ext>
+              </a:extLst>
+            </p:cNvPr>
+            <p:cNvSpPr>
+              <a:spLocks noChangeAspect="1"/>
+            </p:cNvSpPr>
+            <p:nvPr/>
+          </p:nvSpPr>
+          <p:spPr>
+            <a:xfrm>
+              <a:off x="16200319" y="16096913"/>
+              <a:ext cx="540000" cy="540000"/>
+            </a:xfrm>
+            <a:prstGeom prst="rect">
+              <a:avLst/>
+            </a:prstGeom>
+            <a:solidFill>
+              <a:schemeClr val="bg1"/>
+            </a:solidFill>
+            <a:ln>
+              <a:solidFill>
+                <a:srgbClr val="FF0000"/>
+              </a:solidFill>
+            </a:ln>
+          </p:spPr>
+          <p:style>
+            <a:lnRef idx="2">
+              <a:schemeClr val="accent1">
+                <a:shade val="50000"/>
+              </a:schemeClr>
+            </a:lnRef>
+            <a:fillRef idx="1">
+              <a:schemeClr val="accent1"/>
+            </a:fillRef>
+            <a:effectRef idx="0">
+              <a:schemeClr val="accent1"/>
+            </a:effectRef>
+            <a:fontRef idx="minor">
+              <a:schemeClr val="lt1"/>
+            </a:fontRef>
+          </p:style>
+          <p:txBody>
+            <a:bodyPr rtlCol="0" anchor="ctr"/>
+            <a:lstStyle/>
+            <a:p>
+              <a:pPr algn="ctr"/>
+              <a:endParaRPr lang="en-US"/>
+            </a:p>
+          </p:txBody>
+        </p:sp>
+        <p:sp>
+          <p:nvSpPr>
+            <p:cNvPr id="177" name="직사각형 176">
+              <a:extLst>
+                <a:ext uri="{FF2B5EF4-FFF2-40B4-BE49-F238E27FC236}">
+                  <a16:creationId xmlns:a16="http://schemas.microsoft.com/office/drawing/2014/main" id="{589EB9D1-1BB3-4C8C-B372-9661C2225EDA}"/>
+                </a:ext>
+              </a:extLst>
+            </p:cNvPr>
+            <p:cNvSpPr>
+              <a:spLocks noChangeAspect="1"/>
+            </p:cNvSpPr>
+            <p:nvPr/>
+          </p:nvSpPr>
+          <p:spPr>
+            <a:xfrm>
+              <a:off x="17280319" y="16096913"/>
+              <a:ext cx="540000" cy="540000"/>
+            </a:xfrm>
+            <a:prstGeom prst="rect">
+              <a:avLst/>
+            </a:prstGeom>
+            <a:solidFill>
+              <a:schemeClr val="bg1"/>
+            </a:solidFill>
+            <a:ln>
+              <a:solidFill>
+                <a:srgbClr val="FF0000"/>
+              </a:solidFill>
+            </a:ln>
+          </p:spPr>
+          <p:style>
+            <a:lnRef idx="2">
+              <a:schemeClr val="accent1">
+                <a:shade val="50000"/>
+              </a:schemeClr>
+            </a:lnRef>
+            <a:fillRef idx="1">
+              <a:schemeClr val="accent1"/>
+            </a:fillRef>
+            <a:effectRef idx="0">
+              <a:schemeClr val="accent1"/>
+            </a:effectRef>
+            <a:fontRef idx="minor">
+              <a:schemeClr val="lt1"/>
+            </a:fontRef>
+          </p:style>
+          <p:txBody>
+            <a:bodyPr rtlCol="0" anchor="ctr"/>
+            <a:lstStyle/>
+            <a:p>
+              <a:pPr algn="ctr"/>
+              <a:endParaRPr lang="en-US"/>
+            </a:p>
+          </p:txBody>
+        </p:sp>
+        <p:sp>
+          <p:nvSpPr>
+            <p:cNvPr id="178" name="직사각형 177">
+              <a:extLst>
+                <a:ext uri="{FF2B5EF4-FFF2-40B4-BE49-F238E27FC236}">
+                  <a16:creationId xmlns:a16="http://schemas.microsoft.com/office/drawing/2014/main" id="{90718B96-58C5-4DEC-8BE3-A85DDE1C115F}"/>
+                </a:ext>
+              </a:extLst>
+            </p:cNvPr>
+            <p:cNvSpPr>
+              <a:spLocks noChangeAspect="1"/>
+            </p:cNvSpPr>
+            <p:nvPr/>
+          </p:nvSpPr>
+          <p:spPr>
+            <a:xfrm>
+              <a:off x="18900319" y="16096913"/>
+              <a:ext cx="540000" cy="540000"/>
+            </a:xfrm>
+            <a:prstGeom prst="rect">
+              <a:avLst/>
+            </a:prstGeom>
+            <a:solidFill>
+              <a:schemeClr val="bg1"/>
+            </a:solidFill>
+            <a:ln>
+              <a:solidFill>
+                <a:srgbClr val="FF0000"/>
+              </a:solidFill>
+            </a:ln>
+          </p:spPr>
+          <p:style>
+            <a:lnRef idx="2">
+              <a:schemeClr val="accent1">
+                <a:shade val="50000"/>
+              </a:schemeClr>
+            </a:lnRef>
+            <a:fillRef idx="1">
+              <a:schemeClr val="accent1"/>
+            </a:fillRef>
+            <a:effectRef idx="0">
+              <a:schemeClr val="accent1"/>
+            </a:effectRef>
+            <a:fontRef idx="minor">
+              <a:schemeClr val="lt1"/>
+            </a:fontRef>
+          </p:style>
+          <p:txBody>
+            <a:bodyPr rtlCol="0" anchor="ctr"/>
+            <a:lstStyle/>
+            <a:p>
+              <a:pPr algn="ctr"/>
+              <a:endParaRPr lang="en-US"/>
+            </a:p>
+          </p:txBody>
+        </p:sp>
+        <p:sp>
+          <p:nvSpPr>
+            <p:cNvPr id="179" name="직사각형 178">
+              <a:extLst>
+                <a:ext uri="{FF2B5EF4-FFF2-40B4-BE49-F238E27FC236}">
+                  <a16:creationId xmlns:a16="http://schemas.microsoft.com/office/drawing/2014/main" id="{3DC0F41B-CC9E-4DF9-ADEB-F878493EC690}"/>
+                </a:ext>
+              </a:extLst>
+            </p:cNvPr>
+            <p:cNvSpPr>
+              <a:spLocks noChangeAspect="1"/>
+            </p:cNvSpPr>
+            <p:nvPr/>
+          </p:nvSpPr>
+          <p:spPr>
+            <a:xfrm>
+              <a:off x="21060319" y="16096913"/>
+              <a:ext cx="540000" cy="540000"/>
+            </a:xfrm>
+            <a:prstGeom prst="rect">
+              <a:avLst/>
+            </a:prstGeom>
+            <a:solidFill>
+              <a:schemeClr val="bg1"/>
+            </a:solidFill>
+            <a:ln>
+              <a:solidFill>
+                <a:srgbClr val="FF0000"/>
+              </a:solidFill>
+            </a:ln>
+          </p:spPr>
+          <p:style>
+            <a:lnRef idx="2">
+              <a:schemeClr val="accent1">
+                <a:shade val="50000"/>
+              </a:schemeClr>
+            </a:lnRef>
+            <a:fillRef idx="1">
+              <a:schemeClr val="accent1"/>
+            </a:fillRef>
+            <a:effectRef idx="0">
+              <a:schemeClr val="accent1"/>
+            </a:effectRef>
+            <a:fontRef idx="minor">
+              <a:schemeClr val="lt1"/>
+            </a:fontRef>
+          </p:style>
+          <p:txBody>
+            <a:bodyPr rtlCol="0" anchor="ctr"/>
+            <a:lstStyle/>
+            <a:p>
+              <a:pPr algn="ctr"/>
+              <a:endParaRPr lang="en-US"/>
+            </a:p>
+          </p:txBody>
+        </p:sp>
+        <p:sp>
+          <p:nvSpPr>
+            <p:cNvPr id="180" name="직사각형 179">
+              <a:extLst>
+                <a:ext uri="{FF2B5EF4-FFF2-40B4-BE49-F238E27FC236}">
+                  <a16:creationId xmlns:a16="http://schemas.microsoft.com/office/drawing/2014/main" id="{766BD9F4-AB8C-4A9C-803D-A746DBA3FFF8}"/>
+                </a:ext>
+              </a:extLst>
+            </p:cNvPr>
+            <p:cNvSpPr>
+              <a:spLocks noChangeAspect="1"/>
+            </p:cNvSpPr>
+            <p:nvPr/>
+          </p:nvSpPr>
+          <p:spPr>
+            <a:xfrm>
+              <a:off x="17820319" y="16096913"/>
+              <a:ext cx="540000" cy="540000"/>
+            </a:xfrm>
+            <a:prstGeom prst="rect">
+              <a:avLst/>
+            </a:prstGeom>
+            <a:solidFill>
+              <a:schemeClr val="bg1"/>
+            </a:solidFill>
+            <a:ln>
+              <a:solidFill>
+                <a:srgbClr val="FF0000"/>
+              </a:solidFill>
+            </a:ln>
+          </p:spPr>
+          <p:style>
+            <a:lnRef idx="2">
+              <a:schemeClr val="accent1">
+                <a:shade val="50000"/>
+              </a:schemeClr>
+            </a:lnRef>
+            <a:fillRef idx="1">
+              <a:schemeClr val="accent1"/>
+            </a:fillRef>
+            <a:effectRef idx="0">
+              <a:schemeClr val="accent1"/>
+            </a:effectRef>
+            <a:fontRef idx="minor">
+              <a:schemeClr val="lt1"/>
+            </a:fontRef>
+          </p:style>
+          <p:txBody>
+            <a:bodyPr rtlCol="0" anchor="ctr"/>
+            <a:lstStyle/>
+            <a:p>
+              <a:pPr algn="ctr"/>
+              <a:endParaRPr lang="en-US"/>
+            </a:p>
+          </p:txBody>
+        </p:sp>
+        <p:sp>
+          <p:nvSpPr>
+            <p:cNvPr id="181" name="직사각형 180">
+              <a:extLst>
+                <a:ext uri="{FF2B5EF4-FFF2-40B4-BE49-F238E27FC236}">
+                  <a16:creationId xmlns:a16="http://schemas.microsoft.com/office/drawing/2014/main" id="{2136152A-91CE-4624-A4EE-F4808A083B32}"/>
+                </a:ext>
+              </a:extLst>
+            </p:cNvPr>
+            <p:cNvSpPr>
+              <a:spLocks noChangeAspect="1"/>
+            </p:cNvSpPr>
+            <p:nvPr/>
+          </p:nvSpPr>
+          <p:spPr>
+            <a:xfrm>
+              <a:off x="19440319" y="16096913"/>
+              <a:ext cx="540000" cy="540000"/>
+            </a:xfrm>
+            <a:prstGeom prst="rect">
+              <a:avLst/>
+            </a:prstGeom>
+            <a:solidFill>
+              <a:schemeClr val="bg1"/>
+            </a:solidFill>
+            <a:ln>
+              <a:solidFill>
+                <a:srgbClr val="FF0000"/>
+              </a:solidFill>
+            </a:ln>
+          </p:spPr>
+          <p:style>
+            <a:lnRef idx="2">
+              <a:schemeClr val="accent1">
+                <a:shade val="50000"/>
+              </a:schemeClr>
+            </a:lnRef>
+            <a:fillRef idx="1">
+              <a:schemeClr val="accent1"/>
+            </a:fillRef>
+            <a:effectRef idx="0">
+              <a:schemeClr val="accent1"/>
+            </a:effectRef>
+            <a:fontRef idx="minor">
+              <a:schemeClr val="lt1"/>
+            </a:fontRef>
+          </p:style>
+          <p:txBody>
+            <a:bodyPr rtlCol="0" anchor="ctr"/>
+            <a:lstStyle/>
+            <a:p>
+              <a:pPr algn="ctr"/>
+              <a:endParaRPr lang="en-US"/>
+            </a:p>
+          </p:txBody>
+        </p:sp>
+        <p:sp>
+          <p:nvSpPr>
+            <p:cNvPr id="182" name="직사각형 181">
+              <a:extLst>
+                <a:ext uri="{FF2B5EF4-FFF2-40B4-BE49-F238E27FC236}">
+                  <a16:creationId xmlns:a16="http://schemas.microsoft.com/office/drawing/2014/main" id="{B3431249-1864-4396-80A8-C5E24ED15CB5}"/>
+                </a:ext>
+              </a:extLst>
+            </p:cNvPr>
+            <p:cNvSpPr>
+              <a:spLocks noChangeAspect="1"/>
+            </p:cNvSpPr>
+            <p:nvPr/>
+          </p:nvSpPr>
+          <p:spPr>
+            <a:xfrm>
+              <a:off x="21600319" y="16096913"/>
+              <a:ext cx="540000" cy="540000"/>
+            </a:xfrm>
+            <a:prstGeom prst="rect">
+              <a:avLst/>
+            </a:prstGeom>
+            <a:solidFill>
+              <a:schemeClr val="bg1"/>
+            </a:solidFill>
+            <a:ln>
+              <a:solidFill>
+                <a:srgbClr val="FF0000"/>
+              </a:solidFill>
+            </a:ln>
+          </p:spPr>
+          <p:style>
+            <a:lnRef idx="2">
+              <a:schemeClr val="accent1">
+                <a:shade val="50000"/>
+              </a:schemeClr>
+            </a:lnRef>
+            <a:fillRef idx="1">
+              <a:schemeClr val="accent1"/>
+            </a:fillRef>
+            <a:effectRef idx="0">
+              <a:schemeClr val="accent1"/>
+            </a:effectRef>
+            <a:fontRef idx="minor">
+              <a:schemeClr val="lt1"/>
+            </a:fontRef>
+          </p:style>
+          <p:txBody>
+            <a:bodyPr rtlCol="0" anchor="ctr"/>
+            <a:lstStyle/>
+            <a:p>
+              <a:pPr algn="ctr"/>
+              <a:endParaRPr lang="en-US"/>
+            </a:p>
+          </p:txBody>
+        </p:sp>
+        <p:sp>
+          <p:nvSpPr>
+            <p:cNvPr id="183" name="직사각형 182">
+              <a:extLst>
+                <a:ext uri="{FF2B5EF4-FFF2-40B4-BE49-F238E27FC236}">
+                  <a16:creationId xmlns:a16="http://schemas.microsoft.com/office/drawing/2014/main" id="{79A02661-EF09-4BFE-87CE-40F46B3EF163}"/>
+                </a:ext>
+              </a:extLst>
+            </p:cNvPr>
+            <p:cNvSpPr>
+              <a:spLocks noChangeAspect="1"/>
+            </p:cNvSpPr>
+            <p:nvPr/>
+          </p:nvSpPr>
+          <p:spPr>
+            <a:xfrm>
+              <a:off x="20520319" y="16096913"/>
+              <a:ext cx="540000" cy="540000"/>
+            </a:xfrm>
+            <a:prstGeom prst="rect">
+              <a:avLst/>
+            </a:prstGeom>
+            <a:solidFill>
+              <a:schemeClr val="bg1"/>
+            </a:solidFill>
+            <a:ln>
+              <a:solidFill>
+                <a:srgbClr val="FF0000"/>
+              </a:solidFill>
+            </a:ln>
+          </p:spPr>
+          <p:style>
+            <a:lnRef idx="2">
+              <a:schemeClr val="accent1">
+                <a:shade val="50000"/>
+              </a:schemeClr>
+            </a:lnRef>
+            <a:fillRef idx="1">
+              <a:schemeClr val="accent1"/>
+            </a:fillRef>
+            <a:effectRef idx="0">
+              <a:schemeClr val="accent1"/>
+            </a:effectRef>
+            <a:fontRef idx="minor">
+              <a:schemeClr val="lt1"/>
+            </a:fontRef>
+          </p:style>
+          <p:txBody>
+            <a:bodyPr rtlCol="0" anchor="ctr"/>
+            <a:lstStyle/>
+            <a:p>
+              <a:pPr algn="ctr"/>
+              <a:endParaRPr lang="en-US"/>
+            </a:p>
+          </p:txBody>
+        </p:sp>
+        <p:sp>
+          <p:nvSpPr>
+            <p:cNvPr id="184" name="직사각형 183">
+              <a:extLst>
+                <a:ext uri="{FF2B5EF4-FFF2-40B4-BE49-F238E27FC236}">
+                  <a16:creationId xmlns:a16="http://schemas.microsoft.com/office/drawing/2014/main" id="{85CAB97C-0E61-48FF-A9F2-46433819C94B}"/>
+                </a:ext>
+              </a:extLst>
+            </p:cNvPr>
+            <p:cNvSpPr>
+              <a:spLocks noChangeAspect="1"/>
+            </p:cNvSpPr>
+            <p:nvPr/>
+          </p:nvSpPr>
+          <p:spPr>
+            <a:xfrm>
+              <a:off x="22680319" y="16096913"/>
+              <a:ext cx="540000" cy="540000"/>
+            </a:xfrm>
+            <a:prstGeom prst="rect">
+              <a:avLst/>
+            </a:prstGeom>
+            <a:solidFill>
+              <a:schemeClr val="bg1"/>
+            </a:solidFill>
+            <a:ln>
+              <a:solidFill>
+                <a:srgbClr val="FF0000"/>
+              </a:solidFill>
+            </a:ln>
+          </p:spPr>
+          <p:style>
+            <a:lnRef idx="2">
+              <a:schemeClr val="accent1">
+                <a:shade val="50000"/>
+              </a:schemeClr>
+            </a:lnRef>
+            <a:fillRef idx="1">
+              <a:schemeClr val="accent1"/>
+            </a:fillRef>
+            <a:effectRef idx="0">
+              <a:schemeClr val="accent1"/>
+            </a:effectRef>
+            <a:fontRef idx="minor">
+              <a:schemeClr val="lt1"/>
+            </a:fontRef>
+          </p:style>
+          <p:txBody>
+            <a:bodyPr rtlCol="0" anchor="ctr"/>
+            <a:lstStyle/>
+            <a:p>
+              <a:pPr algn="ctr"/>
+              <a:endParaRPr lang="en-US"/>
+            </a:p>
+          </p:txBody>
+        </p:sp>
+        <p:sp>
+          <p:nvSpPr>
+            <p:cNvPr id="199" name="직사각형 198">
+              <a:extLst>
+                <a:ext uri="{FF2B5EF4-FFF2-40B4-BE49-F238E27FC236}">
+                  <a16:creationId xmlns:a16="http://schemas.microsoft.com/office/drawing/2014/main" id="{D424805E-F98E-42F0-92E1-90C7523A7962}"/>
+                </a:ext>
+              </a:extLst>
+            </p:cNvPr>
+            <p:cNvSpPr>
+              <a:spLocks noChangeAspect="1"/>
+            </p:cNvSpPr>
+            <p:nvPr/>
+          </p:nvSpPr>
+          <p:spPr>
+            <a:xfrm>
+              <a:off x="23760320" y="16096913"/>
+              <a:ext cx="540000" cy="540000"/>
+            </a:xfrm>
+            <a:prstGeom prst="rect">
+              <a:avLst/>
+            </a:prstGeom>
+            <a:solidFill>
+              <a:schemeClr val="bg1"/>
+            </a:solidFill>
+            <a:ln>
+              <a:solidFill>
+                <a:srgbClr val="FF0000"/>
+              </a:solidFill>
+            </a:ln>
+          </p:spPr>
+          <p:style>
+            <a:lnRef idx="2">
+              <a:schemeClr val="accent1">
+                <a:shade val="50000"/>
+              </a:schemeClr>
+            </a:lnRef>
+            <a:fillRef idx="1">
+              <a:schemeClr val="accent1"/>
+            </a:fillRef>
+            <a:effectRef idx="0">
+              <a:schemeClr val="accent1"/>
+            </a:effectRef>
+            <a:fontRef idx="minor">
+              <a:schemeClr val="lt1"/>
+            </a:fontRef>
+          </p:style>
+          <p:txBody>
+            <a:bodyPr rtlCol="0" anchor="ctr"/>
+            <a:lstStyle/>
+            <a:p>
+              <a:pPr algn="ctr"/>
+              <a:endParaRPr lang="en-US"/>
+            </a:p>
+          </p:txBody>
+        </p:sp>
+        <p:sp>
+          <p:nvSpPr>
+            <p:cNvPr id="200" name="직사각형 199">
+              <a:extLst>
+                <a:ext uri="{FF2B5EF4-FFF2-40B4-BE49-F238E27FC236}">
+                  <a16:creationId xmlns:a16="http://schemas.microsoft.com/office/drawing/2014/main" id="{5FA32ABF-FD3B-4805-81B7-AC133474D176}"/>
+                </a:ext>
+              </a:extLst>
+            </p:cNvPr>
+            <p:cNvSpPr>
+              <a:spLocks noChangeAspect="1"/>
+            </p:cNvSpPr>
+            <p:nvPr/>
+          </p:nvSpPr>
+          <p:spPr>
+            <a:xfrm>
+              <a:off x="25920320" y="16096913"/>
+              <a:ext cx="540000" cy="540000"/>
+            </a:xfrm>
+            <a:prstGeom prst="rect">
+              <a:avLst/>
+            </a:prstGeom>
+            <a:solidFill>
+              <a:schemeClr val="bg1"/>
+            </a:solidFill>
+            <a:ln>
+              <a:solidFill>
+                <a:srgbClr val="FF0000"/>
+              </a:solidFill>
+            </a:ln>
+          </p:spPr>
+          <p:style>
+            <a:lnRef idx="2">
+              <a:schemeClr val="accent1">
+                <a:shade val="50000"/>
+              </a:schemeClr>
+            </a:lnRef>
+            <a:fillRef idx="1">
+              <a:schemeClr val="accent1"/>
+            </a:fillRef>
+            <a:effectRef idx="0">
+              <a:schemeClr val="accent1"/>
+            </a:effectRef>
+            <a:fontRef idx="minor">
+              <a:schemeClr val="lt1"/>
+            </a:fontRef>
+          </p:style>
+          <p:txBody>
+            <a:bodyPr rtlCol="0" anchor="ctr"/>
+            <a:lstStyle/>
+            <a:p>
+              <a:pPr algn="ctr"/>
+              <a:endParaRPr lang="en-US"/>
+            </a:p>
+          </p:txBody>
+        </p:sp>
+        <p:sp>
+          <p:nvSpPr>
+            <p:cNvPr id="201" name="직사각형 200">
+              <a:extLst>
+                <a:ext uri="{FF2B5EF4-FFF2-40B4-BE49-F238E27FC236}">
+                  <a16:creationId xmlns:a16="http://schemas.microsoft.com/office/drawing/2014/main" id="{A2DE6CC4-24D1-4533-A932-EAD435D251E6}"/>
+                </a:ext>
+              </a:extLst>
+            </p:cNvPr>
+            <p:cNvSpPr>
+              <a:spLocks noChangeAspect="1"/>
+            </p:cNvSpPr>
+            <p:nvPr/>
+          </p:nvSpPr>
+          <p:spPr>
+            <a:xfrm>
+              <a:off x="24840320" y="16096913"/>
+              <a:ext cx="540000" cy="540000"/>
+            </a:xfrm>
+            <a:prstGeom prst="rect">
+              <a:avLst/>
+            </a:prstGeom>
+            <a:solidFill>
+              <a:schemeClr val="bg1"/>
+            </a:solidFill>
+            <a:ln>
+              <a:solidFill>
+                <a:srgbClr val="FF0000"/>
+              </a:solidFill>
+            </a:ln>
+          </p:spPr>
+          <p:style>
+            <a:lnRef idx="2">
+              <a:schemeClr val="accent1">
+                <a:shade val="50000"/>
+              </a:schemeClr>
+            </a:lnRef>
+            <a:fillRef idx="1">
+              <a:schemeClr val="accent1"/>
+            </a:fillRef>
+            <a:effectRef idx="0">
+              <a:schemeClr val="accent1"/>
+            </a:effectRef>
+            <a:fontRef idx="minor">
+              <a:schemeClr val="lt1"/>
+            </a:fontRef>
+          </p:style>
+          <p:txBody>
+            <a:bodyPr rtlCol="0" anchor="ctr"/>
+            <a:lstStyle/>
+            <a:p>
+              <a:pPr algn="ctr"/>
+              <a:endParaRPr lang="en-US"/>
+            </a:p>
+          </p:txBody>
+        </p:sp>
+        <p:sp>
+          <p:nvSpPr>
+            <p:cNvPr id="202" name="직사각형 201">
+              <a:extLst>
+                <a:ext uri="{FF2B5EF4-FFF2-40B4-BE49-F238E27FC236}">
+                  <a16:creationId xmlns:a16="http://schemas.microsoft.com/office/drawing/2014/main" id="{941CFE10-F15B-4026-9812-727D9EFF0FBD}"/>
+                </a:ext>
+              </a:extLst>
+            </p:cNvPr>
+            <p:cNvSpPr>
+              <a:spLocks noChangeAspect="1"/>
+            </p:cNvSpPr>
+            <p:nvPr/>
+          </p:nvSpPr>
+          <p:spPr>
+            <a:xfrm>
+              <a:off x="23220320" y="16096913"/>
+              <a:ext cx="540000" cy="540000"/>
+            </a:xfrm>
+            <a:prstGeom prst="rect">
+              <a:avLst/>
+            </a:prstGeom>
+            <a:solidFill>
+              <a:schemeClr val="bg1"/>
+            </a:solidFill>
+            <a:ln>
+              <a:solidFill>
+                <a:srgbClr val="FF0000"/>
+              </a:solidFill>
+            </a:ln>
+          </p:spPr>
+          <p:style>
+            <a:lnRef idx="2">
+              <a:schemeClr val="accent1">
+                <a:shade val="50000"/>
+              </a:schemeClr>
+            </a:lnRef>
+            <a:fillRef idx="1">
+              <a:schemeClr val="accent1"/>
+            </a:fillRef>
+            <a:effectRef idx="0">
+              <a:schemeClr val="accent1"/>
+            </a:effectRef>
+            <a:fontRef idx="minor">
+              <a:schemeClr val="lt1"/>
+            </a:fontRef>
+          </p:style>
+          <p:txBody>
+            <a:bodyPr rtlCol="0" anchor="ctr"/>
+            <a:lstStyle/>
+            <a:p>
+              <a:pPr algn="ctr"/>
+              <a:endParaRPr lang="en-US"/>
+            </a:p>
+          </p:txBody>
+        </p:sp>
+        <p:sp>
+          <p:nvSpPr>
+            <p:cNvPr id="203" name="직사각형 202">
+              <a:extLst>
+                <a:ext uri="{FF2B5EF4-FFF2-40B4-BE49-F238E27FC236}">
+                  <a16:creationId xmlns:a16="http://schemas.microsoft.com/office/drawing/2014/main" id="{5EF2726A-5C33-42AC-922F-C2EB34BF2CEA}"/>
+                </a:ext>
+              </a:extLst>
+            </p:cNvPr>
+            <p:cNvSpPr>
+              <a:spLocks noChangeAspect="1"/>
+            </p:cNvSpPr>
+            <p:nvPr/>
+          </p:nvSpPr>
+          <p:spPr>
+            <a:xfrm>
+              <a:off x="25380320" y="16096913"/>
+              <a:ext cx="540000" cy="540000"/>
+            </a:xfrm>
+            <a:prstGeom prst="rect">
+              <a:avLst/>
+            </a:prstGeom>
+            <a:solidFill>
+              <a:schemeClr val="bg1"/>
+            </a:solidFill>
+            <a:ln>
+              <a:solidFill>
+                <a:srgbClr val="FF0000"/>
+              </a:solidFill>
+            </a:ln>
+          </p:spPr>
+          <p:style>
+            <a:lnRef idx="2">
+              <a:schemeClr val="accent1">
+                <a:shade val="50000"/>
+              </a:schemeClr>
+            </a:lnRef>
+            <a:fillRef idx="1">
+              <a:schemeClr val="accent1"/>
+            </a:fillRef>
+            <a:effectRef idx="0">
+              <a:schemeClr val="accent1"/>
+            </a:effectRef>
+            <a:fontRef idx="minor">
+              <a:schemeClr val="lt1"/>
+            </a:fontRef>
+          </p:style>
+          <p:txBody>
+            <a:bodyPr rtlCol="0" anchor="ctr"/>
+            <a:lstStyle/>
+            <a:p>
+              <a:pPr algn="ctr"/>
+              <a:endParaRPr lang="en-US"/>
+            </a:p>
+          </p:txBody>
+        </p:sp>
+        <p:sp>
+          <p:nvSpPr>
+            <p:cNvPr id="204" name="직사각형 203">
+              <a:extLst>
+                <a:ext uri="{FF2B5EF4-FFF2-40B4-BE49-F238E27FC236}">
+                  <a16:creationId xmlns:a16="http://schemas.microsoft.com/office/drawing/2014/main" id="{C23D1CD3-0788-4F03-BF5B-3F08E7C9EA57}"/>
+                </a:ext>
+              </a:extLst>
+            </p:cNvPr>
+            <p:cNvSpPr>
+              <a:spLocks noChangeAspect="1"/>
+            </p:cNvSpPr>
+            <p:nvPr/>
+          </p:nvSpPr>
+          <p:spPr>
+            <a:xfrm>
+              <a:off x="24300320" y="16096913"/>
+              <a:ext cx="540000" cy="540000"/>
+            </a:xfrm>
+            <a:prstGeom prst="rect">
+              <a:avLst/>
+            </a:prstGeom>
+            <a:solidFill>
+              <a:schemeClr val="bg1"/>
+            </a:solidFill>
+            <a:ln>
+              <a:solidFill>
+                <a:srgbClr val="FF0000"/>
+              </a:solidFill>
+            </a:ln>
+          </p:spPr>
+          <p:style>
+            <a:lnRef idx="2">
+              <a:schemeClr val="accent1">
+                <a:shade val="50000"/>
+              </a:schemeClr>
+            </a:lnRef>
+            <a:fillRef idx="1">
+              <a:schemeClr val="accent1"/>
+            </a:fillRef>
+            <a:effectRef idx="0">
+              <a:schemeClr val="accent1"/>
+            </a:effectRef>
+            <a:fontRef idx="minor">
+              <a:schemeClr val="lt1"/>
+            </a:fontRef>
+          </p:style>
+          <p:txBody>
+            <a:bodyPr rtlCol="0" anchor="ctr"/>
+            <a:lstStyle/>
+            <a:p>
+              <a:pPr algn="ctr"/>
+              <a:endParaRPr lang="en-US"/>
+            </a:p>
+          </p:txBody>
+        </p:sp>
+        <p:sp>
+          <p:nvSpPr>
+            <p:cNvPr id="205" name="직사각형 204">
+              <a:extLst>
+                <a:ext uri="{FF2B5EF4-FFF2-40B4-BE49-F238E27FC236}">
+                  <a16:creationId xmlns:a16="http://schemas.microsoft.com/office/drawing/2014/main" id="{409F1973-4F21-4FC3-8FFB-B7CBE24E28C3}"/>
+                </a:ext>
+              </a:extLst>
+            </p:cNvPr>
+            <p:cNvSpPr>
+              <a:spLocks noChangeAspect="1"/>
+            </p:cNvSpPr>
+            <p:nvPr/>
+          </p:nvSpPr>
+          <p:spPr>
+            <a:xfrm>
+              <a:off x="26460320" y="16096913"/>
+              <a:ext cx="540000" cy="540000"/>
+            </a:xfrm>
+            <a:prstGeom prst="rect">
+              <a:avLst/>
+            </a:prstGeom>
+            <a:solidFill>
+              <a:schemeClr val="bg1"/>
+            </a:solidFill>
+            <a:ln>
+              <a:solidFill>
+                <a:srgbClr val="FF0000"/>
+              </a:solidFill>
+            </a:ln>
+          </p:spPr>
+          <p:style>
+            <a:lnRef idx="2">
+              <a:schemeClr val="accent1">
+                <a:shade val="50000"/>
+              </a:schemeClr>
+            </a:lnRef>
+            <a:fillRef idx="1">
+              <a:schemeClr val="accent1"/>
+            </a:fillRef>
+            <a:effectRef idx="0">
+              <a:schemeClr val="accent1"/>
+            </a:effectRef>
+            <a:fontRef idx="minor">
+              <a:schemeClr val="lt1"/>
+            </a:fontRef>
+          </p:style>
+          <p:txBody>
+            <a:bodyPr rtlCol="0" anchor="ctr"/>
+            <a:lstStyle/>
+            <a:p>
+              <a:pPr algn="ctr"/>
+              <a:endParaRPr lang="en-US"/>
+            </a:p>
+          </p:txBody>
+        </p:sp>
+      </p:grpSp>
+    </p:spTree>
+    <p:extLst>
+      <p:ext uri="{BB962C8B-B14F-4D97-AF65-F5344CB8AC3E}">
+        <p14:creationId xmlns:p14="http://schemas.microsoft.com/office/powerpoint/2010/main" val="1990779318"/>
       </p:ext>
     </p:extLst>
   </p:cSld>

--- a/apps/data_processing/aruco_marker/aruco_marker_creation/marker_img/integration_marker.pptx
+++ b/apps/data_processing/aruco_marker/aruco_marker_creation/marker_img/integration_marker.pptx
@@ -13,6 +13,9 @@
     <p:sldId id="260" r:id="rId7"/>
     <p:sldId id="262" r:id="rId8"/>
     <p:sldId id="263" r:id="rId9"/>
+    <p:sldId id="265" r:id="rId10"/>
+    <p:sldId id="266" r:id="rId11"/>
+    <p:sldId id="267" r:id="rId12"/>
   </p:sldIdLst>
   <p:sldSz cx="43200638" cy="43200638"/>
   <p:notesSz cx="6858000" cy="9144000"/>
@@ -250,7 +253,7 @@
           <a:p>
             <a:fld id="{C8A4090B-3ADF-4090-9EE5-2E9D826556F2}" type="datetimeFigureOut">
               <a:rPr lang="en-US" smtClean="0"/>
-              <a:t>10/13/2021</a:t>
+              <a:t>10/18/2021</a:t>
             </a:fld>
             <a:endParaRPr lang="en-US"/>
           </a:p>
@@ -420,7 +423,7 @@
           <a:p>
             <a:fld id="{C8A4090B-3ADF-4090-9EE5-2E9D826556F2}" type="datetimeFigureOut">
               <a:rPr lang="en-US" smtClean="0"/>
-              <a:t>10/13/2021</a:t>
+              <a:t>10/18/2021</a:t>
             </a:fld>
             <a:endParaRPr lang="en-US"/>
           </a:p>
@@ -600,7 +603,7 @@
           <a:p>
             <a:fld id="{C8A4090B-3ADF-4090-9EE5-2E9D826556F2}" type="datetimeFigureOut">
               <a:rPr lang="en-US" smtClean="0"/>
-              <a:t>10/13/2021</a:t>
+              <a:t>10/18/2021</a:t>
             </a:fld>
             <a:endParaRPr lang="en-US"/>
           </a:p>
@@ -770,7 +773,7 @@
           <a:p>
             <a:fld id="{C8A4090B-3ADF-4090-9EE5-2E9D826556F2}" type="datetimeFigureOut">
               <a:rPr lang="en-US" smtClean="0"/>
-              <a:t>10/13/2021</a:t>
+              <a:t>10/18/2021</a:t>
             </a:fld>
             <a:endParaRPr lang="en-US"/>
           </a:p>
@@ -1014,7 +1017,7 @@
           <a:p>
             <a:fld id="{C8A4090B-3ADF-4090-9EE5-2E9D826556F2}" type="datetimeFigureOut">
               <a:rPr lang="en-US" smtClean="0"/>
-              <a:t>10/13/2021</a:t>
+              <a:t>10/18/2021</a:t>
             </a:fld>
             <a:endParaRPr lang="en-US"/>
           </a:p>
@@ -1246,7 +1249,7 @@
           <a:p>
             <a:fld id="{C8A4090B-3ADF-4090-9EE5-2E9D826556F2}" type="datetimeFigureOut">
               <a:rPr lang="en-US" smtClean="0"/>
-              <a:t>10/13/2021</a:t>
+              <a:t>10/18/2021</a:t>
             </a:fld>
             <a:endParaRPr lang="en-US"/>
           </a:p>
@@ -1613,7 +1616,7 @@
           <a:p>
             <a:fld id="{C8A4090B-3ADF-4090-9EE5-2E9D826556F2}" type="datetimeFigureOut">
               <a:rPr lang="en-US" smtClean="0"/>
-              <a:t>10/13/2021</a:t>
+              <a:t>10/18/2021</a:t>
             </a:fld>
             <a:endParaRPr lang="en-US"/>
           </a:p>
@@ -1731,7 +1734,7 @@
           <a:p>
             <a:fld id="{C8A4090B-3ADF-4090-9EE5-2E9D826556F2}" type="datetimeFigureOut">
               <a:rPr lang="en-US" smtClean="0"/>
-              <a:t>10/13/2021</a:t>
+              <a:t>10/18/2021</a:t>
             </a:fld>
             <a:endParaRPr lang="en-US"/>
           </a:p>
@@ -1826,7 +1829,7 @@
           <a:p>
             <a:fld id="{C8A4090B-3ADF-4090-9EE5-2E9D826556F2}" type="datetimeFigureOut">
               <a:rPr lang="en-US" smtClean="0"/>
-              <a:t>10/13/2021</a:t>
+              <a:t>10/18/2021</a:t>
             </a:fld>
             <a:endParaRPr lang="en-US"/>
           </a:p>
@@ -2103,7 +2106,7 @@
           <a:p>
             <a:fld id="{C8A4090B-3ADF-4090-9EE5-2E9D826556F2}" type="datetimeFigureOut">
               <a:rPr lang="en-US" smtClean="0"/>
-              <a:t>10/13/2021</a:t>
+              <a:t>10/18/2021</a:t>
             </a:fld>
             <a:endParaRPr lang="en-US"/>
           </a:p>
@@ -2360,7 +2363,7 @@
           <a:p>
             <a:fld id="{C8A4090B-3ADF-4090-9EE5-2E9D826556F2}" type="datetimeFigureOut">
               <a:rPr lang="en-US" smtClean="0"/>
-              <a:t>10/13/2021</a:t>
+              <a:t>10/18/2021</a:t>
             </a:fld>
             <a:endParaRPr lang="en-US"/>
           </a:p>
@@ -2573,7 +2576,7 @@
           <a:p>
             <a:fld id="{C8A4090B-3ADF-4090-9EE5-2E9D826556F2}" type="datetimeFigureOut">
               <a:rPr lang="en-US" smtClean="0"/>
-              <a:t>10/13/2021</a:t>
+              <a:t>10/18/2021</a:t>
             </a:fld>
             <a:endParaRPr lang="en-US"/>
           </a:p>
@@ -3508,6 +3511,1193 @@
     <p:extLst>
       <p:ext uri="{BB962C8B-B14F-4D97-AF65-F5344CB8AC3E}">
         <p14:creationId xmlns:p14="http://schemas.microsoft.com/office/powerpoint/2010/main" val="2087526980"/>
+      </p:ext>
+    </p:extLst>
+  </p:cSld>
+  <p:clrMapOvr>
+    <a:masterClrMapping/>
+  </p:clrMapOvr>
+</p:sld>
+</file>
+
+<file path=ppt/slides/slide10.xml><?xml version="1.0" encoding="utf-8"?>
+<p:sld xmlns:a="http://schemas.openxmlformats.org/drawingml/2006/main" xmlns:r="http://schemas.openxmlformats.org/officeDocument/2006/relationships" xmlns:p="http://schemas.openxmlformats.org/presentationml/2006/main">
+  <p:cSld>
+    <p:spTree>
+      <p:nvGrpSpPr>
+        <p:cNvPr id="1" name=""/>
+        <p:cNvGrpSpPr/>
+        <p:nvPr/>
+      </p:nvGrpSpPr>
+      <p:grpSpPr>
+        <a:xfrm>
+          <a:off x="0" y="0"/>
+          <a:ext cx="0" cy="0"/>
+          <a:chOff x="0" y="0"/>
+          <a:chExt cx="0" cy="0"/>
+        </a:xfrm>
+      </p:grpSpPr>
+      <p:sp>
+        <p:nvSpPr>
+          <p:cNvPr id="25" name="TextBox 24">
+            <a:extLst>
+              <a:ext uri="{FF2B5EF4-FFF2-40B4-BE49-F238E27FC236}">
+                <a16:creationId xmlns:a16="http://schemas.microsoft.com/office/drawing/2014/main" id="{87900024-C425-48D4-8434-19D57474403D}"/>
+              </a:ext>
+            </a:extLst>
+          </p:cNvPr>
+          <p:cNvSpPr txBox="1"/>
+          <p:nvPr/>
+        </p:nvSpPr>
+        <p:spPr>
+          <a:xfrm>
+            <a:off x="9974380" y="425083"/>
+            <a:ext cx="23251878" cy="1878528"/>
+          </a:xfrm>
+          <a:prstGeom prst="rect">
+            <a:avLst/>
+          </a:prstGeom>
+          <a:noFill/>
+        </p:spPr>
+        <p:txBody>
+          <a:bodyPr wrap="none" rtlCol="0">
+            <a:spAutoFit/>
+          </a:bodyPr>
+          <a:lstStyle/>
+          <a:p>
+            <a:r>
+              <a:rPr lang="en-US" sz="11607" b="1" dirty="0">
+                <a:latin typeface="Arial" panose="020B0604020202020204" pitchFamily="34" charset="0"/>
+              </a:rPr>
+              <a:t>Integration marker 5 with margin</a:t>
+            </a:r>
+          </a:p>
+        </p:txBody>
+      </p:sp>
+      <p:grpSp>
+        <p:nvGrpSpPr>
+          <p:cNvPr id="8" name="그룹 7">
+            <a:extLst>
+              <a:ext uri="{FF2B5EF4-FFF2-40B4-BE49-F238E27FC236}">
+                <a16:creationId xmlns:a16="http://schemas.microsoft.com/office/drawing/2014/main" id="{336CC9DA-BF21-4D2F-B0B8-4DC61C014D15}"/>
+              </a:ext>
+            </a:extLst>
+          </p:cNvPr>
+          <p:cNvGrpSpPr/>
+          <p:nvPr/>
+        </p:nvGrpSpPr>
+        <p:grpSpPr>
+          <a:xfrm>
+            <a:off x="41017665" y="3880719"/>
+            <a:ext cx="5565256" cy="55922400"/>
+            <a:chOff x="41017665" y="1543919"/>
+            <a:chExt cx="5565256" cy="55922400"/>
+          </a:xfrm>
+        </p:grpSpPr>
+        <p:cxnSp>
+          <p:nvCxnSpPr>
+            <p:cNvPr id="3" name="직선 연결선 2">
+              <a:extLst>
+                <a:ext uri="{FF2B5EF4-FFF2-40B4-BE49-F238E27FC236}">
+                  <a16:creationId xmlns:a16="http://schemas.microsoft.com/office/drawing/2014/main" id="{EEA4D954-B485-4F29-A6D8-AAD945B8B77E}"/>
+                </a:ext>
+              </a:extLst>
+            </p:cNvPr>
+            <p:cNvCxnSpPr>
+              <a:cxnSpLocks/>
+            </p:cNvCxnSpPr>
+            <p:nvPr/>
+          </p:nvCxnSpPr>
+          <p:spPr>
+            <a:xfrm>
+              <a:off x="41017665" y="1543919"/>
+              <a:ext cx="0" cy="55922400"/>
+            </a:xfrm>
+            <a:prstGeom prst="line">
+              <a:avLst/>
+            </a:prstGeom>
+          </p:spPr>
+          <p:style>
+            <a:lnRef idx="1">
+              <a:schemeClr val="accent1"/>
+            </a:lnRef>
+            <a:fillRef idx="0">
+              <a:schemeClr val="accent1"/>
+            </a:fillRef>
+            <a:effectRef idx="0">
+              <a:schemeClr val="accent1"/>
+            </a:effectRef>
+            <a:fontRef idx="minor">
+              <a:schemeClr val="tx1"/>
+            </a:fontRef>
+          </p:style>
+        </p:cxnSp>
+        <p:sp>
+          <p:nvSpPr>
+            <p:cNvPr id="20" name="TextBox 19">
+              <a:extLst>
+                <a:ext uri="{FF2B5EF4-FFF2-40B4-BE49-F238E27FC236}">
+                  <a16:creationId xmlns:a16="http://schemas.microsoft.com/office/drawing/2014/main" id="{8AAE0DB7-17CA-4E5A-8015-9F78A1342BCF}"/>
+                </a:ext>
+              </a:extLst>
+            </p:cNvPr>
+            <p:cNvSpPr txBox="1">
+              <a:spLocks noChangeAspect="1"/>
+            </p:cNvSpPr>
+            <p:nvPr/>
+          </p:nvSpPr>
+          <p:spPr>
+            <a:xfrm>
+              <a:off x="41766945" y="28235541"/>
+              <a:ext cx="4815976" cy="2539156"/>
+            </a:xfrm>
+            <a:prstGeom prst="rect">
+              <a:avLst/>
+            </a:prstGeom>
+            <a:noFill/>
+          </p:spPr>
+          <p:txBody>
+            <a:bodyPr wrap="square" rtlCol="0" anchor="ctr" anchorCtr="1">
+              <a:spAutoFit/>
+            </a:bodyPr>
+            <a:lstStyle/>
+            <a:p>
+              <a:pPr algn="ctr"/>
+              <a:r>
+                <a:rPr lang="en-US" sz="7200" dirty="0">
+                  <a:latin typeface="Arial" panose="020B0604020202020204" pitchFamily="34" charset="0"/>
+                </a:rPr>
+                <a:t>155.34 cm</a:t>
+              </a:r>
+            </a:p>
+          </p:txBody>
+        </p:sp>
+      </p:grpSp>
+      <p:grpSp>
+        <p:nvGrpSpPr>
+          <p:cNvPr id="9" name="그룹 8">
+            <a:extLst>
+              <a:ext uri="{FF2B5EF4-FFF2-40B4-BE49-F238E27FC236}">
+                <a16:creationId xmlns:a16="http://schemas.microsoft.com/office/drawing/2014/main" id="{03199B52-5FA3-4E3B-914F-2E485936E2BF}"/>
+              </a:ext>
+            </a:extLst>
+          </p:cNvPr>
+          <p:cNvGrpSpPr/>
+          <p:nvPr/>
+        </p:nvGrpSpPr>
+        <p:grpSpPr>
+          <a:xfrm>
+            <a:off x="4320319" y="61742201"/>
+            <a:ext cx="34560000" cy="1403529"/>
+            <a:chOff x="4320319" y="59405401"/>
+            <a:chExt cx="34560000" cy="1403529"/>
+          </a:xfrm>
+        </p:grpSpPr>
+        <p:cxnSp>
+          <p:nvCxnSpPr>
+            <p:cNvPr id="21" name="직선 연결선 20">
+              <a:extLst>
+                <a:ext uri="{FF2B5EF4-FFF2-40B4-BE49-F238E27FC236}">
+                  <a16:creationId xmlns:a16="http://schemas.microsoft.com/office/drawing/2014/main" id="{CDFC99E6-F541-437D-B57C-7D9342AFC62F}"/>
+                </a:ext>
+              </a:extLst>
+            </p:cNvPr>
+            <p:cNvCxnSpPr>
+              <a:cxnSpLocks/>
+            </p:cNvCxnSpPr>
+            <p:nvPr/>
+          </p:nvCxnSpPr>
+          <p:spPr>
+            <a:xfrm rot="5400000">
+              <a:off x="21600319" y="42125401"/>
+              <a:ext cx="0" cy="34560000"/>
+            </a:xfrm>
+            <a:prstGeom prst="line">
+              <a:avLst/>
+            </a:prstGeom>
+          </p:spPr>
+          <p:style>
+            <a:lnRef idx="1">
+              <a:schemeClr val="accent1"/>
+            </a:lnRef>
+            <a:fillRef idx="0">
+              <a:schemeClr val="accent1"/>
+            </a:fillRef>
+            <a:effectRef idx="0">
+              <a:schemeClr val="accent1"/>
+            </a:effectRef>
+            <a:fontRef idx="minor">
+              <a:schemeClr val="tx1"/>
+            </a:fontRef>
+          </p:style>
+        </p:cxnSp>
+        <p:sp>
+          <p:nvSpPr>
+            <p:cNvPr id="22" name="TextBox 21">
+              <a:extLst>
+                <a:ext uri="{FF2B5EF4-FFF2-40B4-BE49-F238E27FC236}">
+                  <a16:creationId xmlns:a16="http://schemas.microsoft.com/office/drawing/2014/main" id="{9CABA7DB-97C9-4A85-8B9B-7382D561E566}"/>
+                </a:ext>
+              </a:extLst>
+            </p:cNvPr>
+            <p:cNvSpPr txBox="1">
+              <a:spLocks noChangeAspect="1"/>
+            </p:cNvSpPr>
+            <p:nvPr/>
+          </p:nvSpPr>
+          <p:spPr>
+            <a:xfrm>
+              <a:off x="19411239" y="59608601"/>
+              <a:ext cx="4378160" cy="1200329"/>
+            </a:xfrm>
+            <a:prstGeom prst="rect">
+              <a:avLst/>
+            </a:prstGeom>
+            <a:noFill/>
+          </p:spPr>
+          <p:txBody>
+            <a:bodyPr wrap="square" rtlCol="0" anchor="ctr" anchorCtr="1">
+              <a:spAutoFit/>
+            </a:bodyPr>
+            <a:lstStyle/>
+            <a:p>
+              <a:pPr algn="ctr"/>
+              <a:r>
+                <a:rPr lang="en-US" sz="7200" dirty="0">
+                  <a:latin typeface="Arial" panose="020B0604020202020204" pitchFamily="34" charset="0"/>
+                </a:rPr>
+                <a:t>96 cm</a:t>
+              </a:r>
+            </a:p>
+          </p:txBody>
+        </p:sp>
+      </p:grpSp>
+      <p:grpSp>
+        <p:nvGrpSpPr>
+          <p:cNvPr id="7" name="그룹 6">
+            <a:extLst>
+              <a:ext uri="{FF2B5EF4-FFF2-40B4-BE49-F238E27FC236}">
+                <a16:creationId xmlns:a16="http://schemas.microsoft.com/office/drawing/2014/main" id="{D0454F8A-2628-457A-839E-8DF4CDC28F16}"/>
+              </a:ext>
+            </a:extLst>
+          </p:cNvPr>
+          <p:cNvGrpSpPr>
+            <a:grpSpLocks noChangeAspect="1"/>
+          </p:cNvGrpSpPr>
+          <p:nvPr/>
+        </p:nvGrpSpPr>
+        <p:grpSpPr>
+          <a:xfrm>
+            <a:off x="4320319" y="3880719"/>
+            <a:ext cx="34560000" cy="55922400"/>
+            <a:chOff x="4320319" y="1543919"/>
+            <a:chExt cx="34560000" cy="55922400"/>
+          </a:xfrm>
+        </p:grpSpPr>
+        <p:pic>
+          <p:nvPicPr>
+            <p:cNvPr id="30" name="그림 29">
+              <a:extLst>
+                <a:ext uri="{FF2B5EF4-FFF2-40B4-BE49-F238E27FC236}">
+                  <a16:creationId xmlns:a16="http://schemas.microsoft.com/office/drawing/2014/main" id="{A6AC6242-8357-4933-99E2-6C3A4142E167}"/>
+                </a:ext>
+              </a:extLst>
+            </p:cNvPr>
+            <p:cNvPicPr>
+              <a:picLocks noChangeAspect="1"/>
+            </p:cNvPicPr>
+            <p:nvPr/>
+          </p:nvPicPr>
+          <p:blipFill>
+            <a:blip r:embed="rId2">
+              <a:extLst>
+                <a:ext uri="{28A0092B-C50C-407E-A947-70E740481C1C}">
+                  <a14:useLocalDpi xmlns:a14="http://schemas.microsoft.com/office/drawing/2010/main" val="0"/>
+                </a:ext>
+              </a:extLst>
+            </a:blip>
+            <a:stretch>
+              <a:fillRect/>
+            </a:stretch>
+          </p:blipFill>
+          <p:spPr>
+            <a:xfrm>
+              <a:off x="25682717" y="14748719"/>
+              <a:ext cx="3110400" cy="3110400"/>
+            </a:xfrm>
+            <a:prstGeom prst="rect">
+              <a:avLst/>
+            </a:prstGeom>
+          </p:spPr>
+        </p:pic>
+        <p:pic>
+          <p:nvPicPr>
+            <p:cNvPr id="31" name="그림 30">
+              <a:extLst>
+                <a:ext uri="{FF2B5EF4-FFF2-40B4-BE49-F238E27FC236}">
+                  <a16:creationId xmlns:a16="http://schemas.microsoft.com/office/drawing/2014/main" id="{EB98527D-8710-4A49-9E73-8C1018B82836}"/>
+                </a:ext>
+              </a:extLst>
+            </p:cNvPr>
+            <p:cNvPicPr>
+              <a:picLocks noChangeAspect="1"/>
+            </p:cNvPicPr>
+            <p:nvPr/>
+          </p:nvPicPr>
+          <p:blipFill>
+            <a:blip r:embed="rId3">
+              <a:extLst>
+                <a:ext uri="{28A0092B-C50C-407E-A947-70E740481C1C}">
+                  <a14:useLocalDpi xmlns:a14="http://schemas.microsoft.com/office/drawing/2010/main" val="0"/>
+                </a:ext>
+              </a:extLst>
+            </a:blip>
+            <a:stretch>
+              <a:fillRect/>
+            </a:stretch>
+          </p:blipFill>
+          <p:spPr>
+            <a:xfrm>
+              <a:off x="30722719" y="14748719"/>
+              <a:ext cx="8157600" cy="8157600"/>
+            </a:xfrm>
+            <a:prstGeom prst="rect">
+              <a:avLst/>
+            </a:prstGeom>
+          </p:spPr>
+        </p:pic>
+        <p:pic>
+          <p:nvPicPr>
+            <p:cNvPr id="32" name="그림 31">
+              <a:extLst>
+                <a:ext uri="{FF2B5EF4-FFF2-40B4-BE49-F238E27FC236}">
+                  <a16:creationId xmlns:a16="http://schemas.microsoft.com/office/drawing/2014/main" id="{B6007B57-561F-4710-A096-47953688AF25}"/>
+                </a:ext>
+              </a:extLst>
+            </p:cNvPr>
+            <p:cNvPicPr>
+              <a:picLocks noChangeAspect="1"/>
+            </p:cNvPicPr>
+            <p:nvPr/>
+          </p:nvPicPr>
+          <p:blipFill>
+            <a:blip r:embed="rId4">
+              <a:extLst>
+                <a:ext uri="{28A0092B-C50C-407E-A947-70E740481C1C}">
+                  <a14:useLocalDpi xmlns:a14="http://schemas.microsoft.com/office/drawing/2010/main" val="0"/>
+                </a:ext>
+              </a:extLst>
+            </a:blip>
+            <a:stretch>
+              <a:fillRect/>
+            </a:stretch>
+          </p:blipFill>
+          <p:spPr>
+            <a:xfrm>
+              <a:off x="4320319" y="22906319"/>
+              <a:ext cx="34560000" cy="34560000"/>
+            </a:xfrm>
+            <a:prstGeom prst="rect">
+              <a:avLst/>
+            </a:prstGeom>
+          </p:spPr>
+        </p:pic>
+        <p:pic>
+          <p:nvPicPr>
+            <p:cNvPr id="33" name="그림 32">
+              <a:extLst>
+                <a:ext uri="{FF2B5EF4-FFF2-40B4-BE49-F238E27FC236}">
+                  <a16:creationId xmlns:a16="http://schemas.microsoft.com/office/drawing/2014/main" id="{BAD31C72-B690-46E3-B395-4D896F881BF8}"/>
+                </a:ext>
+              </a:extLst>
+            </p:cNvPr>
+            <p:cNvPicPr>
+              <a:picLocks noChangeAspect="1"/>
+            </p:cNvPicPr>
+            <p:nvPr/>
+          </p:nvPicPr>
+          <p:blipFill>
+            <a:blip r:embed="rId5">
+              <a:extLst>
+                <a:ext uri="{28A0092B-C50C-407E-A947-70E740481C1C}">
+                  <a14:useLocalDpi xmlns:a14="http://schemas.microsoft.com/office/drawing/2010/main" val="0"/>
+                </a:ext>
+              </a:extLst>
+            </a:blip>
+            <a:stretch>
+              <a:fillRect/>
+            </a:stretch>
+          </p:blipFill>
+          <p:spPr>
+            <a:xfrm>
+              <a:off x="4320319" y="1543919"/>
+              <a:ext cx="21362400" cy="21362400"/>
+            </a:xfrm>
+            <a:prstGeom prst="rect">
+              <a:avLst/>
+            </a:prstGeom>
+          </p:spPr>
+        </p:pic>
+        <p:pic>
+          <p:nvPicPr>
+            <p:cNvPr id="34" name="그림 33">
+              <a:extLst>
+                <a:ext uri="{FF2B5EF4-FFF2-40B4-BE49-F238E27FC236}">
+                  <a16:creationId xmlns:a16="http://schemas.microsoft.com/office/drawing/2014/main" id="{701D0A19-E8FF-411F-ACE5-48D4D710EFDE}"/>
+                </a:ext>
+              </a:extLst>
+            </p:cNvPr>
+            <p:cNvPicPr>
+              <a:picLocks noChangeAspect="1"/>
+            </p:cNvPicPr>
+            <p:nvPr/>
+          </p:nvPicPr>
+          <p:blipFill>
+            <a:blip r:embed="rId6">
+              <a:extLst>
+                <a:ext uri="{28A0092B-C50C-407E-A947-70E740481C1C}">
+                  <a14:useLocalDpi xmlns:a14="http://schemas.microsoft.com/office/drawing/2010/main" val="0"/>
+                </a:ext>
+              </a:extLst>
+            </a:blip>
+            <a:stretch>
+              <a:fillRect/>
+            </a:stretch>
+          </p:blipFill>
+          <p:spPr>
+            <a:xfrm>
+              <a:off x="25682717" y="1543919"/>
+              <a:ext cx="13197600" cy="13197600"/>
+            </a:xfrm>
+            <a:prstGeom prst="rect">
+              <a:avLst/>
+            </a:prstGeom>
+          </p:spPr>
+        </p:pic>
+        <p:pic>
+          <p:nvPicPr>
+            <p:cNvPr id="36" name="그림 35">
+              <a:extLst>
+                <a:ext uri="{FF2B5EF4-FFF2-40B4-BE49-F238E27FC236}">
+                  <a16:creationId xmlns:a16="http://schemas.microsoft.com/office/drawing/2014/main" id="{F8BAF6D3-275C-471D-9255-263BA84004AE}"/>
+                </a:ext>
+              </a:extLst>
+            </p:cNvPr>
+            <p:cNvPicPr>
+              <a:picLocks noChangeAspect="1"/>
+            </p:cNvPicPr>
+            <p:nvPr/>
+          </p:nvPicPr>
+          <p:blipFill>
+            <a:blip r:embed="rId7">
+              <a:extLst>
+                <a:ext uri="{28A0092B-C50C-407E-A947-70E740481C1C}">
+                  <a14:useLocalDpi xmlns:a14="http://schemas.microsoft.com/office/drawing/2010/main" val="0"/>
+                </a:ext>
+              </a:extLst>
+            </a:blip>
+            <a:stretch>
+              <a:fillRect/>
+            </a:stretch>
+          </p:blipFill>
+          <p:spPr>
+            <a:xfrm>
+              <a:off x="25682721" y="17866319"/>
+              <a:ext cx="5040000" cy="5040000"/>
+            </a:xfrm>
+            <a:prstGeom prst="rect">
+              <a:avLst/>
+            </a:prstGeom>
+          </p:spPr>
+        </p:pic>
+      </p:grpSp>
+    </p:spTree>
+    <p:extLst>
+      <p:ext uri="{BB962C8B-B14F-4D97-AF65-F5344CB8AC3E}">
+        <p14:creationId xmlns:p14="http://schemas.microsoft.com/office/powerpoint/2010/main" val="663679750"/>
+      </p:ext>
+    </p:extLst>
+  </p:cSld>
+  <p:clrMapOvr>
+    <a:masterClrMapping/>
+  </p:clrMapOvr>
+</p:sld>
+</file>
+
+<file path=ppt/slides/slide11.xml><?xml version="1.0" encoding="utf-8"?>
+<p:sld xmlns:a="http://schemas.openxmlformats.org/drawingml/2006/main" xmlns:r="http://schemas.openxmlformats.org/officeDocument/2006/relationships" xmlns:p="http://schemas.openxmlformats.org/presentationml/2006/main">
+  <p:cSld>
+    <p:spTree>
+      <p:nvGrpSpPr>
+        <p:cNvPr id="1" name=""/>
+        <p:cNvGrpSpPr/>
+        <p:nvPr/>
+      </p:nvGrpSpPr>
+      <p:grpSpPr>
+        <a:xfrm>
+          <a:off x="0" y="0"/>
+          <a:ext cx="0" cy="0"/>
+          <a:chOff x="0" y="0"/>
+          <a:chExt cx="0" cy="0"/>
+        </a:xfrm>
+      </p:grpSpPr>
+      <p:sp>
+        <p:nvSpPr>
+          <p:cNvPr id="25" name="TextBox 24">
+            <a:extLst>
+              <a:ext uri="{FF2B5EF4-FFF2-40B4-BE49-F238E27FC236}">
+                <a16:creationId xmlns:a16="http://schemas.microsoft.com/office/drawing/2014/main" id="{87900024-C425-48D4-8434-19D57474403D}"/>
+              </a:ext>
+            </a:extLst>
+          </p:cNvPr>
+          <p:cNvSpPr txBox="1"/>
+          <p:nvPr/>
+        </p:nvSpPr>
+        <p:spPr>
+          <a:xfrm>
+            <a:off x="9974380" y="425083"/>
+            <a:ext cx="23251878" cy="1878528"/>
+          </a:xfrm>
+          <a:prstGeom prst="rect">
+            <a:avLst/>
+          </a:prstGeom>
+          <a:noFill/>
+        </p:spPr>
+        <p:txBody>
+          <a:bodyPr wrap="none" rtlCol="0">
+            <a:spAutoFit/>
+          </a:bodyPr>
+          <a:lstStyle/>
+          <a:p>
+            <a:r>
+              <a:rPr lang="en-US" sz="11607" b="1" dirty="0">
+                <a:latin typeface="Arial" panose="020B0604020202020204" pitchFamily="34" charset="0"/>
+              </a:rPr>
+              <a:t>Integration marker 5 with margin</a:t>
+            </a:r>
+          </a:p>
+        </p:txBody>
+      </p:sp>
+      <p:grpSp>
+        <p:nvGrpSpPr>
+          <p:cNvPr id="8" name="그룹 7">
+            <a:extLst>
+              <a:ext uri="{FF2B5EF4-FFF2-40B4-BE49-F238E27FC236}">
+                <a16:creationId xmlns:a16="http://schemas.microsoft.com/office/drawing/2014/main" id="{336CC9DA-BF21-4D2F-B0B8-4DC61C014D15}"/>
+              </a:ext>
+            </a:extLst>
+          </p:cNvPr>
+          <p:cNvGrpSpPr/>
+          <p:nvPr/>
+        </p:nvGrpSpPr>
+        <p:grpSpPr>
+          <a:xfrm>
+            <a:off x="59068096" y="7358747"/>
+            <a:ext cx="5565256" cy="59522400"/>
+            <a:chOff x="41017665" y="1543919"/>
+            <a:chExt cx="5565256" cy="59522400"/>
+          </a:xfrm>
+        </p:grpSpPr>
+        <p:cxnSp>
+          <p:nvCxnSpPr>
+            <p:cNvPr id="3" name="직선 연결선 2">
+              <a:extLst>
+                <a:ext uri="{FF2B5EF4-FFF2-40B4-BE49-F238E27FC236}">
+                  <a16:creationId xmlns:a16="http://schemas.microsoft.com/office/drawing/2014/main" id="{EEA4D954-B485-4F29-A6D8-AAD945B8B77E}"/>
+                </a:ext>
+              </a:extLst>
+            </p:cNvPr>
+            <p:cNvCxnSpPr>
+              <a:cxnSpLocks/>
+            </p:cNvCxnSpPr>
+            <p:nvPr/>
+          </p:nvCxnSpPr>
+          <p:spPr>
+            <a:xfrm>
+              <a:off x="41017665" y="1543919"/>
+              <a:ext cx="0" cy="59522400"/>
+            </a:xfrm>
+            <a:prstGeom prst="line">
+              <a:avLst/>
+            </a:prstGeom>
+          </p:spPr>
+          <p:style>
+            <a:lnRef idx="1">
+              <a:schemeClr val="accent1"/>
+            </a:lnRef>
+            <a:fillRef idx="0">
+              <a:schemeClr val="accent1"/>
+            </a:fillRef>
+            <a:effectRef idx="0">
+              <a:schemeClr val="accent1"/>
+            </a:effectRef>
+            <a:fontRef idx="minor">
+              <a:schemeClr val="tx1"/>
+            </a:fontRef>
+          </p:style>
+        </p:cxnSp>
+        <p:sp>
+          <p:nvSpPr>
+            <p:cNvPr id="20" name="TextBox 19">
+              <a:extLst>
+                <a:ext uri="{FF2B5EF4-FFF2-40B4-BE49-F238E27FC236}">
+                  <a16:creationId xmlns:a16="http://schemas.microsoft.com/office/drawing/2014/main" id="{8AAE0DB7-17CA-4E5A-8015-9F78A1342BCF}"/>
+                </a:ext>
+              </a:extLst>
+            </p:cNvPr>
+            <p:cNvSpPr txBox="1">
+              <a:spLocks noChangeAspect="1"/>
+            </p:cNvSpPr>
+            <p:nvPr/>
+          </p:nvSpPr>
+          <p:spPr>
+            <a:xfrm>
+              <a:off x="41766945" y="28904954"/>
+              <a:ext cx="4815976" cy="1200329"/>
+            </a:xfrm>
+            <a:prstGeom prst="rect">
+              <a:avLst/>
+            </a:prstGeom>
+            <a:noFill/>
+          </p:spPr>
+          <p:txBody>
+            <a:bodyPr wrap="square" rtlCol="0" anchor="ctr" anchorCtr="1">
+              <a:spAutoFit/>
+            </a:bodyPr>
+            <a:lstStyle/>
+            <a:p>
+              <a:pPr algn="ctr"/>
+              <a:r>
+                <a:rPr lang="en-US" sz="7200" dirty="0">
+                  <a:latin typeface="Arial" panose="020B0604020202020204" pitchFamily="34" charset="0"/>
+                </a:rPr>
+                <a:t>165.34 cm</a:t>
+              </a:r>
+            </a:p>
+          </p:txBody>
+        </p:sp>
+      </p:grpSp>
+      <p:grpSp>
+        <p:nvGrpSpPr>
+          <p:cNvPr id="9" name="그룹 8">
+            <a:extLst>
+              <a:ext uri="{FF2B5EF4-FFF2-40B4-BE49-F238E27FC236}">
+                <a16:creationId xmlns:a16="http://schemas.microsoft.com/office/drawing/2014/main" id="{03199B52-5FA3-4E3B-914F-2E485936E2BF}"/>
+              </a:ext>
+            </a:extLst>
+          </p:cNvPr>
+          <p:cNvGrpSpPr/>
+          <p:nvPr/>
+        </p:nvGrpSpPr>
+        <p:grpSpPr>
+          <a:xfrm>
+            <a:off x="18410590" y="67736601"/>
+            <a:ext cx="38160000" cy="1403529"/>
+            <a:chOff x="720319" y="59405401"/>
+            <a:chExt cx="38160000" cy="1403529"/>
+          </a:xfrm>
+        </p:grpSpPr>
+        <p:cxnSp>
+          <p:nvCxnSpPr>
+            <p:cNvPr id="21" name="직선 연결선 20">
+              <a:extLst>
+                <a:ext uri="{FF2B5EF4-FFF2-40B4-BE49-F238E27FC236}">
+                  <a16:creationId xmlns:a16="http://schemas.microsoft.com/office/drawing/2014/main" id="{CDFC99E6-F541-437D-B57C-7D9342AFC62F}"/>
+                </a:ext>
+              </a:extLst>
+            </p:cNvPr>
+            <p:cNvCxnSpPr>
+              <a:cxnSpLocks/>
+            </p:cNvCxnSpPr>
+            <p:nvPr/>
+          </p:nvCxnSpPr>
+          <p:spPr>
+            <a:xfrm rot="5400000">
+              <a:off x="19800319" y="40325401"/>
+              <a:ext cx="0" cy="38160000"/>
+            </a:xfrm>
+            <a:prstGeom prst="line">
+              <a:avLst/>
+            </a:prstGeom>
+          </p:spPr>
+          <p:style>
+            <a:lnRef idx="1">
+              <a:schemeClr val="accent1"/>
+            </a:lnRef>
+            <a:fillRef idx="0">
+              <a:schemeClr val="accent1"/>
+            </a:fillRef>
+            <a:effectRef idx="0">
+              <a:schemeClr val="accent1"/>
+            </a:effectRef>
+            <a:fontRef idx="minor">
+              <a:schemeClr val="tx1"/>
+            </a:fontRef>
+          </p:style>
+        </p:cxnSp>
+        <p:sp>
+          <p:nvSpPr>
+            <p:cNvPr id="22" name="TextBox 21">
+              <a:extLst>
+                <a:ext uri="{FF2B5EF4-FFF2-40B4-BE49-F238E27FC236}">
+                  <a16:creationId xmlns:a16="http://schemas.microsoft.com/office/drawing/2014/main" id="{9CABA7DB-97C9-4A85-8B9B-7382D561E566}"/>
+                </a:ext>
+              </a:extLst>
+            </p:cNvPr>
+            <p:cNvSpPr txBox="1">
+              <a:spLocks noChangeAspect="1"/>
+            </p:cNvSpPr>
+            <p:nvPr/>
+          </p:nvSpPr>
+          <p:spPr>
+            <a:xfrm>
+              <a:off x="19411239" y="59608601"/>
+              <a:ext cx="4378160" cy="1200329"/>
+            </a:xfrm>
+            <a:prstGeom prst="rect">
+              <a:avLst/>
+            </a:prstGeom>
+            <a:noFill/>
+          </p:spPr>
+          <p:txBody>
+            <a:bodyPr wrap="square" rtlCol="0" anchor="ctr" anchorCtr="1">
+              <a:spAutoFit/>
+            </a:bodyPr>
+            <a:lstStyle/>
+            <a:p>
+              <a:pPr algn="ctr"/>
+              <a:r>
+                <a:rPr lang="en-US" sz="7200" dirty="0">
+                  <a:latin typeface="Arial" panose="020B0604020202020204" pitchFamily="34" charset="0"/>
+                </a:rPr>
+                <a:t>106 cm</a:t>
+              </a:r>
+            </a:p>
+          </p:txBody>
+        </p:sp>
+      </p:grpSp>
+      <p:grpSp>
+        <p:nvGrpSpPr>
+          <p:cNvPr id="2" name="그룹 1">
+            <a:extLst>
+              <a:ext uri="{FF2B5EF4-FFF2-40B4-BE49-F238E27FC236}">
+                <a16:creationId xmlns:a16="http://schemas.microsoft.com/office/drawing/2014/main" id="{6C55A87E-3812-4C43-BECC-5058B4F97CAA}"/>
+              </a:ext>
+            </a:extLst>
+          </p:cNvPr>
+          <p:cNvGrpSpPr>
+            <a:grpSpLocks noChangeAspect="1"/>
+          </p:cNvGrpSpPr>
+          <p:nvPr/>
+        </p:nvGrpSpPr>
+        <p:grpSpPr>
+          <a:xfrm>
+            <a:off x="-21432714" y="7358747"/>
+            <a:ext cx="38160000" cy="59522400"/>
+            <a:chOff x="-39951955" y="5656901"/>
+            <a:chExt cx="38160000" cy="59522400"/>
+          </a:xfrm>
+        </p:grpSpPr>
+        <p:sp>
+          <p:nvSpPr>
+            <p:cNvPr id="53" name="직사각형 52">
+              <a:extLst>
+                <a:ext uri="{FF2B5EF4-FFF2-40B4-BE49-F238E27FC236}">
+                  <a16:creationId xmlns:a16="http://schemas.microsoft.com/office/drawing/2014/main" id="{0751A23C-A996-4CFC-B25D-A8287596611E}"/>
+                </a:ext>
+              </a:extLst>
+            </p:cNvPr>
+            <p:cNvSpPr/>
+            <p:nvPr/>
+          </p:nvSpPr>
+          <p:spPr>
+            <a:xfrm>
+              <a:off x="-39951955" y="5656901"/>
+              <a:ext cx="38160000" cy="59522400"/>
+            </a:xfrm>
+            <a:prstGeom prst="rect">
+              <a:avLst/>
+            </a:prstGeom>
+            <a:solidFill>
+              <a:schemeClr val="bg1"/>
+            </a:solidFill>
+            <a:ln>
+              <a:noFill/>
+            </a:ln>
+          </p:spPr>
+          <p:style>
+            <a:lnRef idx="2">
+              <a:schemeClr val="accent1">
+                <a:shade val="50000"/>
+              </a:schemeClr>
+            </a:lnRef>
+            <a:fillRef idx="1">
+              <a:schemeClr val="accent1"/>
+            </a:fillRef>
+            <a:effectRef idx="0">
+              <a:schemeClr val="accent1"/>
+            </a:effectRef>
+            <a:fontRef idx="minor">
+              <a:schemeClr val="lt1"/>
+            </a:fontRef>
+          </p:style>
+          <p:txBody>
+            <a:bodyPr rtlCol="0" anchor="ctr"/>
+            <a:lstStyle/>
+            <a:p>
+              <a:pPr algn="ctr"/>
+              <a:endParaRPr lang="en-US"/>
+            </a:p>
+          </p:txBody>
+        </p:sp>
+        <p:grpSp>
+          <p:nvGrpSpPr>
+            <p:cNvPr id="46" name="그룹 45">
+              <a:extLst>
+                <a:ext uri="{FF2B5EF4-FFF2-40B4-BE49-F238E27FC236}">
+                  <a16:creationId xmlns:a16="http://schemas.microsoft.com/office/drawing/2014/main" id="{7FCE3BD9-C3D4-4473-8446-99DE8B83A3E0}"/>
+                </a:ext>
+              </a:extLst>
+            </p:cNvPr>
+            <p:cNvGrpSpPr>
+              <a:grpSpLocks noChangeAspect="1"/>
+            </p:cNvGrpSpPr>
+            <p:nvPr/>
+          </p:nvGrpSpPr>
+          <p:grpSpPr>
+            <a:xfrm>
+              <a:off x="-38151955" y="7456901"/>
+              <a:ext cx="34560000" cy="55922400"/>
+              <a:chOff x="4320319" y="1543919"/>
+              <a:chExt cx="34560000" cy="55922400"/>
+            </a:xfrm>
+          </p:grpSpPr>
+          <p:pic>
+            <p:nvPicPr>
+              <p:cNvPr id="47" name="그림 46">
+                <a:extLst>
+                  <a:ext uri="{FF2B5EF4-FFF2-40B4-BE49-F238E27FC236}">
+                    <a16:creationId xmlns:a16="http://schemas.microsoft.com/office/drawing/2014/main" id="{9A4502D5-7279-4DBE-B001-D1B222070C49}"/>
+                  </a:ext>
+                </a:extLst>
+              </p:cNvPr>
+              <p:cNvPicPr>
+                <a:picLocks noChangeAspect="1"/>
+              </p:cNvPicPr>
+              <p:nvPr/>
+            </p:nvPicPr>
+            <p:blipFill>
+              <a:blip r:embed="rId2">
+                <a:extLst>
+                  <a:ext uri="{28A0092B-C50C-407E-A947-70E740481C1C}">
+                    <a14:useLocalDpi xmlns:a14="http://schemas.microsoft.com/office/drawing/2010/main" val="0"/>
+                  </a:ext>
+                </a:extLst>
+              </a:blip>
+              <a:stretch>
+                <a:fillRect/>
+              </a:stretch>
+            </p:blipFill>
+            <p:spPr>
+              <a:xfrm>
+                <a:off x="25682717" y="14748719"/>
+                <a:ext cx="3110400" cy="3110400"/>
+              </a:xfrm>
+              <a:prstGeom prst="rect">
+                <a:avLst/>
+              </a:prstGeom>
+            </p:spPr>
+          </p:pic>
+          <p:pic>
+            <p:nvPicPr>
+              <p:cNvPr id="48" name="그림 47">
+                <a:extLst>
+                  <a:ext uri="{FF2B5EF4-FFF2-40B4-BE49-F238E27FC236}">
+                    <a16:creationId xmlns:a16="http://schemas.microsoft.com/office/drawing/2014/main" id="{3E342C55-1172-4585-86C8-66738D7EAE58}"/>
+                  </a:ext>
+                </a:extLst>
+              </p:cNvPr>
+              <p:cNvPicPr>
+                <a:picLocks noChangeAspect="1"/>
+              </p:cNvPicPr>
+              <p:nvPr/>
+            </p:nvPicPr>
+            <p:blipFill>
+              <a:blip r:embed="rId3">
+                <a:extLst>
+                  <a:ext uri="{28A0092B-C50C-407E-A947-70E740481C1C}">
+                    <a14:useLocalDpi xmlns:a14="http://schemas.microsoft.com/office/drawing/2010/main" val="0"/>
+                  </a:ext>
+                </a:extLst>
+              </a:blip>
+              <a:stretch>
+                <a:fillRect/>
+              </a:stretch>
+            </p:blipFill>
+            <p:spPr>
+              <a:xfrm>
+                <a:off x="30722719" y="14748719"/>
+                <a:ext cx="8157600" cy="8157600"/>
+              </a:xfrm>
+              <a:prstGeom prst="rect">
+                <a:avLst/>
+              </a:prstGeom>
+            </p:spPr>
+          </p:pic>
+          <p:pic>
+            <p:nvPicPr>
+              <p:cNvPr id="49" name="그림 48">
+                <a:extLst>
+                  <a:ext uri="{FF2B5EF4-FFF2-40B4-BE49-F238E27FC236}">
+                    <a16:creationId xmlns:a16="http://schemas.microsoft.com/office/drawing/2014/main" id="{EE57099C-071D-4D14-A2C1-108709845890}"/>
+                  </a:ext>
+                </a:extLst>
+              </p:cNvPr>
+              <p:cNvPicPr>
+                <a:picLocks noChangeAspect="1"/>
+              </p:cNvPicPr>
+              <p:nvPr/>
+            </p:nvPicPr>
+            <p:blipFill>
+              <a:blip r:embed="rId4">
+                <a:extLst>
+                  <a:ext uri="{28A0092B-C50C-407E-A947-70E740481C1C}">
+                    <a14:useLocalDpi xmlns:a14="http://schemas.microsoft.com/office/drawing/2010/main" val="0"/>
+                  </a:ext>
+                </a:extLst>
+              </a:blip>
+              <a:stretch>
+                <a:fillRect/>
+              </a:stretch>
+            </p:blipFill>
+            <p:spPr>
+              <a:xfrm>
+                <a:off x="4320319" y="22906319"/>
+                <a:ext cx="34560000" cy="34560000"/>
+              </a:xfrm>
+              <a:prstGeom prst="rect">
+                <a:avLst/>
+              </a:prstGeom>
+            </p:spPr>
+          </p:pic>
+          <p:pic>
+            <p:nvPicPr>
+              <p:cNvPr id="50" name="그림 49">
+                <a:extLst>
+                  <a:ext uri="{FF2B5EF4-FFF2-40B4-BE49-F238E27FC236}">
+                    <a16:creationId xmlns:a16="http://schemas.microsoft.com/office/drawing/2014/main" id="{97C3944C-77D4-4F7D-9238-0E4232872FC2}"/>
+                  </a:ext>
+                </a:extLst>
+              </p:cNvPr>
+              <p:cNvPicPr>
+                <a:picLocks noChangeAspect="1"/>
+              </p:cNvPicPr>
+              <p:nvPr/>
+            </p:nvPicPr>
+            <p:blipFill>
+              <a:blip r:embed="rId5">
+                <a:extLst>
+                  <a:ext uri="{28A0092B-C50C-407E-A947-70E740481C1C}">
+                    <a14:useLocalDpi xmlns:a14="http://schemas.microsoft.com/office/drawing/2010/main" val="0"/>
+                  </a:ext>
+                </a:extLst>
+              </a:blip>
+              <a:stretch>
+                <a:fillRect/>
+              </a:stretch>
+            </p:blipFill>
+            <p:spPr>
+              <a:xfrm>
+                <a:off x="4320319" y="1543919"/>
+                <a:ext cx="21362400" cy="21362400"/>
+              </a:xfrm>
+              <a:prstGeom prst="rect">
+                <a:avLst/>
+              </a:prstGeom>
+            </p:spPr>
+          </p:pic>
+          <p:pic>
+            <p:nvPicPr>
+              <p:cNvPr id="51" name="그림 50">
+                <a:extLst>
+                  <a:ext uri="{FF2B5EF4-FFF2-40B4-BE49-F238E27FC236}">
+                    <a16:creationId xmlns:a16="http://schemas.microsoft.com/office/drawing/2014/main" id="{6125A6E9-8943-44F8-8FCA-B49B0608C475}"/>
+                  </a:ext>
+                </a:extLst>
+              </p:cNvPr>
+              <p:cNvPicPr>
+                <a:picLocks noChangeAspect="1"/>
+              </p:cNvPicPr>
+              <p:nvPr/>
+            </p:nvPicPr>
+            <p:blipFill>
+              <a:blip r:embed="rId6">
+                <a:extLst>
+                  <a:ext uri="{28A0092B-C50C-407E-A947-70E740481C1C}">
+                    <a14:useLocalDpi xmlns:a14="http://schemas.microsoft.com/office/drawing/2010/main" val="0"/>
+                  </a:ext>
+                </a:extLst>
+              </a:blip>
+              <a:stretch>
+                <a:fillRect/>
+              </a:stretch>
+            </p:blipFill>
+            <p:spPr>
+              <a:xfrm>
+                <a:off x="25682717" y="1543919"/>
+                <a:ext cx="13197600" cy="13197600"/>
+              </a:xfrm>
+              <a:prstGeom prst="rect">
+                <a:avLst/>
+              </a:prstGeom>
+            </p:spPr>
+          </p:pic>
+          <p:pic>
+            <p:nvPicPr>
+              <p:cNvPr id="52" name="그림 51">
+                <a:extLst>
+                  <a:ext uri="{FF2B5EF4-FFF2-40B4-BE49-F238E27FC236}">
+                    <a16:creationId xmlns:a16="http://schemas.microsoft.com/office/drawing/2014/main" id="{193F1180-0270-41BE-A03C-3771F0C6BE4A}"/>
+                  </a:ext>
+                </a:extLst>
+              </p:cNvPr>
+              <p:cNvPicPr>
+                <a:picLocks noChangeAspect="1"/>
+              </p:cNvPicPr>
+              <p:nvPr/>
+            </p:nvPicPr>
+            <p:blipFill>
+              <a:blip r:embed="rId7">
+                <a:extLst>
+                  <a:ext uri="{28A0092B-C50C-407E-A947-70E740481C1C}">
+                    <a14:useLocalDpi xmlns:a14="http://schemas.microsoft.com/office/drawing/2010/main" val="0"/>
+                  </a:ext>
+                </a:extLst>
+              </a:blip>
+              <a:stretch>
+                <a:fillRect/>
+              </a:stretch>
+            </p:blipFill>
+            <p:spPr>
+              <a:xfrm>
+                <a:off x="25682721" y="17866319"/>
+                <a:ext cx="5040000" cy="5040000"/>
+              </a:xfrm>
+              <a:prstGeom prst="rect">
+                <a:avLst/>
+              </a:prstGeom>
+            </p:spPr>
+          </p:pic>
+        </p:grpSp>
+      </p:grpSp>
+      <p:pic>
+        <p:nvPicPr>
+          <p:cNvPr id="5" name="그림 4">
+            <a:extLst>
+              <a:ext uri="{FF2B5EF4-FFF2-40B4-BE49-F238E27FC236}">
+                <a16:creationId xmlns:a16="http://schemas.microsoft.com/office/drawing/2014/main" id="{B8C81CD1-4FDF-4332-B007-C54E5F37F854}"/>
+              </a:ext>
+            </a:extLst>
+          </p:cNvPr>
+          <p:cNvPicPr>
+            <a:picLocks noChangeAspect="1"/>
+          </p:cNvPicPr>
+          <p:nvPr/>
+        </p:nvPicPr>
+        <p:blipFill>
+          <a:blip r:embed="rId8"/>
+          <a:stretch>
+            <a:fillRect/>
+          </a:stretch>
+        </p:blipFill>
+        <p:spPr>
+          <a:xfrm>
+            <a:off x="17861882" y="7358747"/>
+            <a:ext cx="38160000" cy="59526170"/>
+          </a:xfrm>
+          <a:prstGeom prst="rect">
+            <a:avLst/>
+          </a:prstGeom>
+        </p:spPr>
+      </p:pic>
+      <p:sp>
+        <p:nvSpPr>
+          <p:cNvPr id="41" name="TextBox 40">
+            <a:extLst>
+              <a:ext uri="{FF2B5EF4-FFF2-40B4-BE49-F238E27FC236}">
+                <a16:creationId xmlns:a16="http://schemas.microsoft.com/office/drawing/2014/main" id="{8032AB47-C33B-4165-9842-FE552F8EE44A}"/>
+              </a:ext>
+            </a:extLst>
+          </p:cNvPr>
+          <p:cNvSpPr txBox="1"/>
+          <p:nvPr/>
+        </p:nvSpPr>
+        <p:spPr>
+          <a:xfrm>
+            <a:off x="25644559" y="4439356"/>
+            <a:ext cx="22594647" cy="1878528"/>
+          </a:xfrm>
+          <a:prstGeom prst="rect">
+            <a:avLst/>
+          </a:prstGeom>
+          <a:noFill/>
+        </p:spPr>
+        <p:txBody>
+          <a:bodyPr wrap="none" rtlCol="0">
+            <a:spAutoFit/>
+          </a:bodyPr>
+          <a:lstStyle/>
+          <a:p>
+            <a:r>
+              <a:rPr lang="en-US" sz="11607" b="1" dirty="0">
+                <a:latin typeface="Arial" panose="020B0604020202020204" pitchFamily="34" charset="0"/>
+              </a:rPr>
+              <a:t>Bit map image for image saving</a:t>
+            </a:r>
+          </a:p>
+        </p:txBody>
+      </p:sp>
+      <p:sp>
+        <p:nvSpPr>
+          <p:cNvPr id="42" name="TextBox 41">
+            <a:extLst>
+              <a:ext uri="{FF2B5EF4-FFF2-40B4-BE49-F238E27FC236}">
+                <a16:creationId xmlns:a16="http://schemas.microsoft.com/office/drawing/2014/main" id="{D47BA586-FA58-493E-A1C8-E85AB0E94E19}"/>
+              </a:ext>
+            </a:extLst>
+          </p:cNvPr>
+          <p:cNvSpPr txBox="1"/>
+          <p:nvPr/>
+        </p:nvSpPr>
+        <p:spPr>
+          <a:xfrm>
+            <a:off x="-6992766" y="4439356"/>
+            <a:ext cx="9280105" cy="1878528"/>
+          </a:xfrm>
+          <a:prstGeom prst="rect">
+            <a:avLst/>
+          </a:prstGeom>
+          <a:noFill/>
+        </p:spPr>
+        <p:txBody>
+          <a:bodyPr wrap="none" rtlCol="0">
+            <a:spAutoFit/>
+          </a:bodyPr>
+          <a:lstStyle/>
+          <a:p>
+            <a:r>
+              <a:rPr lang="en-US" sz="11607" b="1" dirty="0">
+                <a:latin typeface="Arial" panose="020B0604020202020204" pitchFamily="34" charset="0"/>
+              </a:rPr>
+              <a:t>Origin image</a:t>
+            </a:r>
+          </a:p>
+        </p:txBody>
+      </p:sp>
+    </p:spTree>
+    <p:extLst>
+      <p:ext uri="{BB962C8B-B14F-4D97-AF65-F5344CB8AC3E}">
+        <p14:creationId xmlns:p14="http://schemas.microsoft.com/office/powerpoint/2010/main" val="2028260539"/>
       </p:ext>
     </p:extLst>
   </p:cSld>
@@ -14765,6 +15955,891 @@
 </p:sld>
 </file>
 
+<file path=ppt/slides/slide9.xml><?xml version="1.0" encoding="utf-8"?>
+<p:sld xmlns:a="http://schemas.openxmlformats.org/drawingml/2006/main" xmlns:r="http://schemas.openxmlformats.org/officeDocument/2006/relationships" xmlns:p="http://schemas.openxmlformats.org/presentationml/2006/main">
+  <p:cSld>
+    <p:spTree>
+      <p:nvGrpSpPr>
+        <p:cNvPr id="1" name=""/>
+        <p:cNvGrpSpPr/>
+        <p:nvPr/>
+      </p:nvGrpSpPr>
+      <p:grpSpPr>
+        <a:xfrm>
+          <a:off x="0" y="0"/>
+          <a:ext cx="0" cy="0"/>
+          <a:chOff x="0" y="0"/>
+          <a:chExt cx="0" cy="0"/>
+        </a:xfrm>
+      </p:grpSpPr>
+      <p:sp>
+        <p:nvSpPr>
+          <p:cNvPr id="25" name="TextBox 24">
+            <a:extLst>
+              <a:ext uri="{FF2B5EF4-FFF2-40B4-BE49-F238E27FC236}">
+                <a16:creationId xmlns:a16="http://schemas.microsoft.com/office/drawing/2014/main" id="{87900024-C425-48D4-8434-19D57474403D}"/>
+              </a:ext>
+            </a:extLst>
+          </p:cNvPr>
+          <p:cNvSpPr txBox="1"/>
+          <p:nvPr/>
+        </p:nvSpPr>
+        <p:spPr>
+          <a:xfrm>
+            <a:off x="9974380" y="425083"/>
+            <a:ext cx="23251878" cy="1878528"/>
+          </a:xfrm>
+          <a:prstGeom prst="rect">
+            <a:avLst/>
+          </a:prstGeom>
+          <a:noFill/>
+        </p:spPr>
+        <p:txBody>
+          <a:bodyPr wrap="none" rtlCol="0">
+            <a:spAutoFit/>
+          </a:bodyPr>
+          <a:lstStyle/>
+          <a:p>
+            <a:r>
+              <a:rPr lang="en-US" sz="11607" b="1" dirty="0">
+                <a:latin typeface="Arial" panose="020B0604020202020204" pitchFamily="34" charset="0"/>
+              </a:rPr>
+              <a:t>Integration marker 5 with margin</a:t>
+            </a:r>
+          </a:p>
+        </p:txBody>
+      </p:sp>
+      <p:sp>
+        <p:nvSpPr>
+          <p:cNvPr id="35" name="직사각형 34">
+            <a:extLst>
+              <a:ext uri="{FF2B5EF4-FFF2-40B4-BE49-F238E27FC236}">
+                <a16:creationId xmlns:a16="http://schemas.microsoft.com/office/drawing/2014/main" id="{81CA3AAD-3460-49F7-A92F-1DB8E33C8797}"/>
+              </a:ext>
+            </a:extLst>
+          </p:cNvPr>
+          <p:cNvSpPr>
+            <a:spLocks noChangeAspect="1"/>
+          </p:cNvSpPr>
+          <p:nvPr/>
+        </p:nvSpPr>
+        <p:spPr>
+          <a:xfrm>
+            <a:off x="3060319" y="5105119"/>
+            <a:ext cx="17280000" cy="34560000"/>
+          </a:xfrm>
+          <a:prstGeom prst="rect">
+            <a:avLst/>
+          </a:prstGeom>
+          <a:solidFill>
+            <a:schemeClr val="bg1"/>
+          </a:solidFill>
+          <a:ln>
+            <a:solidFill>
+              <a:schemeClr val="tx1"/>
+            </a:solidFill>
+          </a:ln>
+        </p:spPr>
+        <p:style>
+          <a:lnRef idx="2">
+            <a:schemeClr val="accent1">
+              <a:shade val="50000"/>
+            </a:schemeClr>
+          </a:lnRef>
+          <a:fillRef idx="1">
+            <a:schemeClr val="accent1"/>
+          </a:fillRef>
+          <a:effectRef idx="0">
+            <a:schemeClr val="accent1"/>
+          </a:effectRef>
+          <a:fontRef idx="minor">
+            <a:schemeClr val="lt1"/>
+          </a:fontRef>
+        </p:style>
+        <p:txBody>
+          <a:bodyPr rtlCol="0" anchor="ctr"/>
+          <a:lstStyle/>
+          <a:p>
+            <a:pPr algn="ctr"/>
+            <a:endParaRPr lang="en-US"/>
+          </a:p>
+        </p:txBody>
+      </p:sp>
+      <p:pic>
+        <p:nvPicPr>
+          <p:cNvPr id="70" name="그림 69">
+            <a:extLst>
+              <a:ext uri="{FF2B5EF4-FFF2-40B4-BE49-F238E27FC236}">
+                <a16:creationId xmlns:a16="http://schemas.microsoft.com/office/drawing/2014/main" id="{63D36E5B-9B69-412A-B6EC-7C71F3A9A53A}"/>
+              </a:ext>
+            </a:extLst>
+          </p:cNvPr>
+          <p:cNvPicPr>
+            <a:picLocks noChangeAspect="1"/>
+          </p:cNvPicPr>
+          <p:nvPr/>
+        </p:nvPicPr>
+        <p:blipFill>
+          <a:blip r:embed="rId2">
+            <a:extLst>
+              <a:ext uri="{28A0092B-C50C-407E-A947-70E740481C1C}">
+                <a14:useLocalDpi xmlns:a14="http://schemas.microsoft.com/office/drawing/2010/main" val="0"/>
+              </a:ext>
+            </a:extLst>
+          </a:blip>
+          <a:stretch>
+            <a:fillRect/>
+          </a:stretch>
+        </p:blipFill>
+        <p:spPr>
+          <a:xfrm>
+            <a:off x="13741518" y="18306319"/>
+            <a:ext cx="1555200" cy="1555200"/>
+          </a:xfrm>
+          <a:prstGeom prst="rect">
+            <a:avLst/>
+          </a:prstGeom>
+        </p:spPr>
+      </p:pic>
+      <p:pic>
+        <p:nvPicPr>
+          <p:cNvPr id="67" name="그림 66">
+            <a:extLst>
+              <a:ext uri="{FF2B5EF4-FFF2-40B4-BE49-F238E27FC236}">
+                <a16:creationId xmlns:a16="http://schemas.microsoft.com/office/drawing/2014/main" id="{62884EFD-2A2F-44DA-992B-0E0B6AD5EE3E}"/>
+              </a:ext>
+            </a:extLst>
+          </p:cNvPr>
+          <p:cNvPicPr>
+            <a:picLocks noChangeAspect="1"/>
+          </p:cNvPicPr>
+          <p:nvPr/>
+        </p:nvPicPr>
+        <p:blipFill>
+          <a:blip r:embed="rId3">
+            <a:extLst>
+              <a:ext uri="{28A0092B-C50C-407E-A947-70E740481C1C}">
+                <a14:useLocalDpi xmlns:a14="http://schemas.microsoft.com/office/drawing/2010/main" val="0"/>
+              </a:ext>
+            </a:extLst>
+          </a:blip>
+          <a:stretch>
+            <a:fillRect/>
+          </a:stretch>
+        </p:blipFill>
+        <p:spPr>
+          <a:xfrm>
+            <a:off x="16261519" y="18306319"/>
+            <a:ext cx="4078800" cy="4078800"/>
+          </a:xfrm>
+          <a:prstGeom prst="rect">
+            <a:avLst/>
+          </a:prstGeom>
+        </p:spPr>
+      </p:pic>
+      <p:pic>
+        <p:nvPicPr>
+          <p:cNvPr id="4" name="그림 3">
+            <a:extLst>
+              <a:ext uri="{FF2B5EF4-FFF2-40B4-BE49-F238E27FC236}">
+                <a16:creationId xmlns:a16="http://schemas.microsoft.com/office/drawing/2014/main" id="{296ABC12-9FCB-4B3B-82AE-A9528735FC40}"/>
+              </a:ext>
+            </a:extLst>
+          </p:cNvPr>
+          <p:cNvPicPr>
+            <a:picLocks noChangeAspect="1"/>
+          </p:cNvPicPr>
+          <p:nvPr/>
+        </p:nvPicPr>
+        <p:blipFill>
+          <a:blip r:embed="rId4">
+            <a:extLst>
+              <a:ext uri="{28A0092B-C50C-407E-A947-70E740481C1C}">
+                <a14:useLocalDpi xmlns:a14="http://schemas.microsoft.com/office/drawing/2010/main" val="0"/>
+              </a:ext>
+            </a:extLst>
+          </a:blip>
+          <a:stretch>
+            <a:fillRect/>
+          </a:stretch>
+        </p:blipFill>
+        <p:spPr>
+          <a:xfrm>
+            <a:off x="3060319" y="22385119"/>
+            <a:ext cx="17280000" cy="17280000"/>
+          </a:xfrm>
+          <a:prstGeom prst="rect">
+            <a:avLst/>
+          </a:prstGeom>
+        </p:spPr>
+      </p:pic>
+      <p:pic>
+        <p:nvPicPr>
+          <p:cNvPr id="73" name="그림 72">
+            <a:extLst>
+              <a:ext uri="{FF2B5EF4-FFF2-40B4-BE49-F238E27FC236}">
+                <a16:creationId xmlns:a16="http://schemas.microsoft.com/office/drawing/2014/main" id="{52CFFC47-F443-4E9B-9D08-9481C553B9E8}"/>
+              </a:ext>
+            </a:extLst>
+          </p:cNvPr>
+          <p:cNvPicPr>
+            <a:picLocks noChangeAspect="1"/>
+          </p:cNvPicPr>
+          <p:nvPr/>
+        </p:nvPicPr>
+        <p:blipFill>
+          <a:blip r:embed="rId5">
+            <a:extLst>
+              <a:ext uri="{28A0092B-C50C-407E-A947-70E740481C1C}">
+                <a14:useLocalDpi xmlns:a14="http://schemas.microsoft.com/office/drawing/2010/main" val="0"/>
+              </a:ext>
+            </a:extLst>
+          </a:blip>
+          <a:stretch>
+            <a:fillRect/>
+          </a:stretch>
+        </p:blipFill>
+        <p:spPr>
+          <a:xfrm>
+            <a:off x="3060319" y="11703919"/>
+            <a:ext cx="10681200" cy="10681200"/>
+          </a:xfrm>
+          <a:prstGeom prst="rect">
+            <a:avLst/>
+          </a:prstGeom>
+        </p:spPr>
+      </p:pic>
+      <p:pic>
+        <p:nvPicPr>
+          <p:cNvPr id="74" name="그림 73">
+            <a:extLst>
+              <a:ext uri="{FF2B5EF4-FFF2-40B4-BE49-F238E27FC236}">
+                <a16:creationId xmlns:a16="http://schemas.microsoft.com/office/drawing/2014/main" id="{54A06517-BA3A-463D-ADF4-A62955988D78}"/>
+              </a:ext>
+            </a:extLst>
+          </p:cNvPr>
+          <p:cNvPicPr>
+            <a:picLocks noChangeAspect="1"/>
+          </p:cNvPicPr>
+          <p:nvPr/>
+        </p:nvPicPr>
+        <p:blipFill>
+          <a:blip r:embed="rId6">
+            <a:extLst>
+              <a:ext uri="{28A0092B-C50C-407E-A947-70E740481C1C}">
+                <a14:useLocalDpi xmlns:a14="http://schemas.microsoft.com/office/drawing/2010/main" val="0"/>
+              </a:ext>
+            </a:extLst>
+          </a:blip>
+          <a:stretch>
+            <a:fillRect/>
+          </a:stretch>
+        </p:blipFill>
+        <p:spPr>
+          <a:xfrm>
+            <a:off x="13741518" y="11703919"/>
+            <a:ext cx="6598800" cy="6598800"/>
+          </a:xfrm>
+          <a:prstGeom prst="rect">
+            <a:avLst/>
+          </a:prstGeom>
+        </p:spPr>
+      </p:pic>
+      <p:pic>
+        <p:nvPicPr>
+          <p:cNvPr id="69" name="그림 68">
+            <a:extLst>
+              <a:ext uri="{FF2B5EF4-FFF2-40B4-BE49-F238E27FC236}">
+                <a16:creationId xmlns:a16="http://schemas.microsoft.com/office/drawing/2014/main" id="{106536BE-4FC3-4E59-9CC6-842EFA8F5A8D}"/>
+              </a:ext>
+            </a:extLst>
+          </p:cNvPr>
+          <p:cNvPicPr>
+            <a:picLocks noChangeAspect="1"/>
+          </p:cNvPicPr>
+          <p:nvPr/>
+        </p:nvPicPr>
+        <p:blipFill>
+          <a:blip r:embed="rId7">
+            <a:extLst>
+              <a:ext uri="{28A0092B-C50C-407E-A947-70E740481C1C}">
+                <a14:useLocalDpi xmlns:a14="http://schemas.microsoft.com/office/drawing/2010/main" val="0"/>
+              </a:ext>
+            </a:extLst>
+          </a:blip>
+          <a:stretch>
+            <a:fillRect/>
+          </a:stretch>
+        </p:blipFill>
+        <p:spPr>
+          <a:xfrm>
+            <a:off x="13741520" y="19865119"/>
+            <a:ext cx="2520000" cy="2520000"/>
+          </a:xfrm>
+          <a:prstGeom prst="rect">
+            <a:avLst/>
+          </a:prstGeom>
+        </p:spPr>
+      </p:pic>
+      <p:sp>
+        <p:nvSpPr>
+          <p:cNvPr id="113" name="직사각형 112">
+            <a:extLst>
+              <a:ext uri="{FF2B5EF4-FFF2-40B4-BE49-F238E27FC236}">
+                <a16:creationId xmlns:a16="http://schemas.microsoft.com/office/drawing/2014/main" id="{123A3D88-141E-4B81-974D-FA7F6C0D03BD}"/>
+              </a:ext>
+            </a:extLst>
+          </p:cNvPr>
+          <p:cNvSpPr>
+            <a:spLocks noChangeAspect="1"/>
+          </p:cNvSpPr>
+          <p:nvPr/>
+        </p:nvSpPr>
+        <p:spPr>
+          <a:xfrm>
+            <a:off x="33541518" y="18306319"/>
+            <a:ext cx="1555200" cy="1555200"/>
+          </a:xfrm>
+          <a:prstGeom prst="rect">
+            <a:avLst/>
+          </a:prstGeom>
+          <a:solidFill>
+            <a:schemeClr val="bg1"/>
+          </a:solidFill>
+          <a:ln>
+            <a:solidFill>
+              <a:schemeClr val="tx1"/>
+            </a:solidFill>
+          </a:ln>
+        </p:spPr>
+        <p:style>
+          <a:lnRef idx="2">
+            <a:schemeClr val="accent1">
+              <a:shade val="50000"/>
+            </a:schemeClr>
+          </a:lnRef>
+          <a:fillRef idx="1">
+            <a:schemeClr val="accent1"/>
+          </a:fillRef>
+          <a:effectRef idx="0">
+            <a:schemeClr val="accent1"/>
+          </a:effectRef>
+          <a:fontRef idx="minor">
+            <a:schemeClr val="lt1"/>
+          </a:fontRef>
+        </p:style>
+        <p:txBody>
+          <a:bodyPr rtlCol="0" anchor="ctr" anchorCtr="1"/>
+          <a:lstStyle/>
+          <a:p>
+            <a:pPr algn="ctr"/>
+            <a:r>
+              <a:rPr lang="en-US" sz="9600" dirty="0">
+                <a:solidFill>
+                  <a:schemeClr val="tx1"/>
+                </a:solidFill>
+                <a:latin typeface="Arial" panose="020B0604020202020204" pitchFamily="34" charset="0"/>
+                <a:ea typeface="맑은 고딕" panose="020B0503020000020004" pitchFamily="50" charset="-127"/>
+              </a:rPr>
+              <a:t>5</a:t>
+            </a:r>
+          </a:p>
+        </p:txBody>
+      </p:sp>
+      <p:sp>
+        <p:nvSpPr>
+          <p:cNvPr id="114" name="직사각형 113">
+            <a:extLst>
+              <a:ext uri="{FF2B5EF4-FFF2-40B4-BE49-F238E27FC236}">
+                <a16:creationId xmlns:a16="http://schemas.microsoft.com/office/drawing/2014/main" id="{32C3D604-0848-4470-8A74-1842C3F9715E}"/>
+              </a:ext>
+            </a:extLst>
+          </p:cNvPr>
+          <p:cNvSpPr>
+            <a:spLocks noChangeAspect="1"/>
+          </p:cNvSpPr>
+          <p:nvPr/>
+        </p:nvSpPr>
+        <p:spPr>
+          <a:xfrm>
+            <a:off x="33541520" y="19865119"/>
+            <a:ext cx="2520000" cy="2520000"/>
+          </a:xfrm>
+          <a:prstGeom prst="rect">
+            <a:avLst/>
+          </a:prstGeom>
+          <a:solidFill>
+            <a:schemeClr val="bg1"/>
+          </a:solidFill>
+          <a:ln>
+            <a:solidFill>
+              <a:schemeClr val="tx1"/>
+            </a:solidFill>
+          </a:ln>
+        </p:spPr>
+        <p:style>
+          <a:lnRef idx="2">
+            <a:schemeClr val="accent1">
+              <a:shade val="50000"/>
+            </a:schemeClr>
+          </a:lnRef>
+          <a:fillRef idx="1">
+            <a:schemeClr val="accent1"/>
+          </a:fillRef>
+          <a:effectRef idx="0">
+            <a:schemeClr val="accent1"/>
+          </a:effectRef>
+          <a:fontRef idx="minor">
+            <a:schemeClr val="lt1"/>
+          </a:fontRef>
+        </p:style>
+        <p:txBody>
+          <a:bodyPr rtlCol="0" anchor="ctr" anchorCtr="1"/>
+          <a:lstStyle/>
+          <a:p>
+            <a:pPr algn="ctr"/>
+            <a:r>
+              <a:rPr lang="en-US" sz="9600" dirty="0">
+                <a:solidFill>
+                  <a:schemeClr val="tx1"/>
+                </a:solidFill>
+                <a:latin typeface="Arial" panose="020B0604020202020204" pitchFamily="34" charset="0"/>
+                <a:ea typeface="맑은 고딕" panose="020B0503020000020004" pitchFamily="50" charset="-127"/>
+              </a:rPr>
+              <a:t>4</a:t>
+            </a:r>
+          </a:p>
+        </p:txBody>
+      </p:sp>
+      <p:sp>
+        <p:nvSpPr>
+          <p:cNvPr id="115" name="직사각형 114">
+            <a:extLst>
+              <a:ext uri="{FF2B5EF4-FFF2-40B4-BE49-F238E27FC236}">
+                <a16:creationId xmlns:a16="http://schemas.microsoft.com/office/drawing/2014/main" id="{20C0C8E0-CCE7-4D3A-90C8-0137E23624FE}"/>
+              </a:ext>
+            </a:extLst>
+          </p:cNvPr>
+          <p:cNvSpPr>
+            <a:spLocks noChangeAspect="1"/>
+          </p:cNvSpPr>
+          <p:nvPr/>
+        </p:nvSpPr>
+        <p:spPr>
+          <a:xfrm>
+            <a:off x="36061519" y="18306319"/>
+            <a:ext cx="4078800" cy="4078800"/>
+          </a:xfrm>
+          <a:prstGeom prst="rect">
+            <a:avLst/>
+          </a:prstGeom>
+          <a:solidFill>
+            <a:schemeClr val="bg1"/>
+          </a:solidFill>
+          <a:ln>
+            <a:solidFill>
+              <a:schemeClr val="tx1"/>
+            </a:solidFill>
+          </a:ln>
+        </p:spPr>
+        <p:style>
+          <a:lnRef idx="2">
+            <a:schemeClr val="accent1">
+              <a:shade val="50000"/>
+            </a:schemeClr>
+          </a:lnRef>
+          <a:fillRef idx="1">
+            <a:schemeClr val="accent1"/>
+          </a:fillRef>
+          <a:effectRef idx="0">
+            <a:schemeClr val="accent1"/>
+          </a:effectRef>
+          <a:fontRef idx="minor">
+            <a:schemeClr val="lt1"/>
+          </a:fontRef>
+        </p:style>
+        <p:txBody>
+          <a:bodyPr rtlCol="0" anchor="ctr" anchorCtr="1"/>
+          <a:lstStyle/>
+          <a:p>
+            <a:pPr algn="ctr"/>
+            <a:r>
+              <a:rPr lang="en-US" sz="9600" dirty="0">
+                <a:solidFill>
+                  <a:schemeClr val="tx1"/>
+                </a:solidFill>
+                <a:latin typeface="Arial" panose="020B0604020202020204" pitchFamily="34" charset="0"/>
+                <a:ea typeface="맑은 고딕" panose="020B0503020000020004" pitchFamily="50" charset="-127"/>
+              </a:rPr>
+              <a:t>3</a:t>
+            </a:r>
+          </a:p>
+        </p:txBody>
+      </p:sp>
+      <p:sp>
+        <p:nvSpPr>
+          <p:cNvPr id="116" name="직사각형 115">
+            <a:extLst>
+              <a:ext uri="{FF2B5EF4-FFF2-40B4-BE49-F238E27FC236}">
+                <a16:creationId xmlns:a16="http://schemas.microsoft.com/office/drawing/2014/main" id="{F76102D0-60B6-41F9-A5E9-6D5EFE005D78}"/>
+              </a:ext>
+            </a:extLst>
+          </p:cNvPr>
+          <p:cNvSpPr>
+            <a:spLocks noChangeAspect="1"/>
+          </p:cNvSpPr>
+          <p:nvPr/>
+        </p:nvSpPr>
+        <p:spPr>
+          <a:xfrm>
+            <a:off x="33541518" y="11703919"/>
+            <a:ext cx="6598800" cy="6598800"/>
+          </a:xfrm>
+          <a:prstGeom prst="rect">
+            <a:avLst/>
+          </a:prstGeom>
+          <a:solidFill>
+            <a:schemeClr val="bg1"/>
+          </a:solidFill>
+          <a:ln>
+            <a:solidFill>
+              <a:schemeClr val="tx1"/>
+            </a:solidFill>
+          </a:ln>
+        </p:spPr>
+        <p:style>
+          <a:lnRef idx="2">
+            <a:schemeClr val="accent1">
+              <a:shade val="50000"/>
+            </a:schemeClr>
+          </a:lnRef>
+          <a:fillRef idx="1">
+            <a:schemeClr val="accent1"/>
+          </a:fillRef>
+          <a:effectRef idx="0">
+            <a:schemeClr val="accent1"/>
+          </a:effectRef>
+          <a:fontRef idx="minor">
+            <a:schemeClr val="lt1"/>
+          </a:fontRef>
+        </p:style>
+        <p:txBody>
+          <a:bodyPr rtlCol="0" anchor="ctr" anchorCtr="1"/>
+          <a:lstStyle/>
+          <a:p>
+            <a:pPr algn="ctr"/>
+            <a:r>
+              <a:rPr lang="en-US" sz="9600" dirty="0">
+                <a:solidFill>
+                  <a:schemeClr val="tx1"/>
+                </a:solidFill>
+                <a:latin typeface="Arial" panose="020B0604020202020204" pitchFamily="34" charset="0"/>
+                <a:ea typeface="맑은 고딕" panose="020B0503020000020004" pitchFamily="50" charset="-127"/>
+              </a:rPr>
+              <a:t>2</a:t>
+            </a:r>
+          </a:p>
+        </p:txBody>
+      </p:sp>
+      <p:sp>
+        <p:nvSpPr>
+          <p:cNvPr id="117" name="직사각형 116">
+            <a:extLst>
+              <a:ext uri="{FF2B5EF4-FFF2-40B4-BE49-F238E27FC236}">
+                <a16:creationId xmlns:a16="http://schemas.microsoft.com/office/drawing/2014/main" id="{F6901C27-6082-4CB3-ABF9-0B6FE7522EFD}"/>
+              </a:ext>
+            </a:extLst>
+          </p:cNvPr>
+          <p:cNvSpPr>
+            <a:spLocks noChangeAspect="1"/>
+          </p:cNvSpPr>
+          <p:nvPr/>
+        </p:nvSpPr>
+        <p:spPr>
+          <a:xfrm>
+            <a:off x="22860319" y="11703919"/>
+            <a:ext cx="10681200" cy="10681200"/>
+          </a:xfrm>
+          <a:prstGeom prst="rect">
+            <a:avLst/>
+          </a:prstGeom>
+          <a:solidFill>
+            <a:schemeClr val="bg1"/>
+          </a:solidFill>
+          <a:ln>
+            <a:solidFill>
+              <a:schemeClr val="tx1"/>
+            </a:solidFill>
+          </a:ln>
+        </p:spPr>
+        <p:style>
+          <a:lnRef idx="2">
+            <a:schemeClr val="accent1">
+              <a:shade val="50000"/>
+            </a:schemeClr>
+          </a:lnRef>
+          <a:fillRef idx="1">
+            <a:schemeClr val="accent1"/>
+          </a:fillRef>
+          <a:effectRef idx="0">
+            <a:schemeClr val="accent1"/>
+          </a:effectRef>
+          <a:fontRef idx="minor">
+            <a:schemeClr val="lt1"/>
+          </a:fontRef>
+        </p:style>
+        <p:txBody>
+          <a:bodyPr rtlCol="0" anchor="ctr" anchorCtr="1"/>
+          <a:lstStyle/>
+          <a:p>
+            <a:pPr algn="ctr"/>
+            <a:r>
+              <a:rPr lang="en-US" sz="9600" dirty="0">
+                <a:solidFill>
+                  <a:schemeClr val="tx1"/>
+                </a:solidFill>
+                <a:latin typeface="Arial" panose="020B0604020202020204" pitchFamily="34" charset="0"/>
+                <a:ea typeface="맑은 고딕" panose="020B0503020000020004" pitchFamily="50" charset="-127"/>
+              </a:rPr>
+              <a:t>1</a:t>
+            </a:r>
+          </a:p>
+        </p:txBody>
+      </p:sp>
+      <p:sp>
+        <p:nvSpPr>
+          <p:cNvPr id="118" name="직사각형 117">
+            <a:extLst>
+              <a:ext uri="{FF2B5EF4-FFF2-40B4-BE49-F238E27FC236}">
+                <a16:creationId xmlns:a16="http://schemas.microsoft.com/office/drawing/2014/main" id="{191DFA06-71A9-4BA6-8C72-7BDA9F2C7C00}"/>
+              </a:ext>
+            </a:extLst>
+          </p:cNvPr>
+          <p:cNvSpPr>
+            <a:spLocks noChangeAspect="1"/>
+          </p:cNvSpPr>
+          <p:nvPr/>
+        </p:nvSpPr>
+        <p:spPr>
+          <a:xfrm>
+            <a:off x="22860319" y="22385119"/>
+            <a:ext cx="17280000" cy="17280000"/>
+          </a:xfrm>
+          <a:prstGeom prst="rect">
+            <a:avLst/>
+          </a:prstGeom>
+          <a:solidFill>
+            <a:schemeClr val="bg1"/>
+          </a:solidFill>
+          <a:ln>
+            <a:solidFill>
+              <a:schemeClr val="tx1"/>
+            </a:solidFill>
+          </a:ln>
+        </p:spPr>
+        <p:style>
+          <a:lnRef idx="2">
+            <a:schemeClr val="accent1">
+              <a:shade val="50000"/>
+            </a:schemeClr>
+          </a:lnRef>
+          <a:fillRef idx="1">
+            <a:schemeClr val="accent1"/>
+          </a:fillRef>
+          <a:effectRef idx="0">
+            <a:schemeClr val="accent1"/>
+          </a:effectRef>
+          <a:fontRef idx="minor">
+            <a:schemeClr val="lt1"/>
+          </a:fontRef>
+        </p:style>
+        <p:txBody>
+          <a:bodyPr rtlCol="0" anchor="ctr" anchorCtr="1"/>
+          <a:lstStyle/>
+          <a:p>
+            <a:pPr algn="ctr"/>
+            <a:r>
+              <a:rPr lang="en-US" sz="9600" dirty="0">
+                <a:solidFill>
+                  <a:schemeClr val="tx1"/>
+                </a:solidFill>
+                <a:latin typeface="Arial" panose="020B0604020202020204" pitchFamily="34" charset="0"/>
+                <a:ea typeface="맑은 고딕" panose="020B0503020000020004" pitchFamily="50" charset="-127"/>
+              </a:rPr>
+              <a:t>0</a:t>
+            </a:r>
+          </a:p>
+        </p:txBody>
+      </p:sp>
+      <p:cxnSp>
+        <p:nvCxnSpPr>
+          <p:cNvPr id="3" name="직선 연결선 2">
+            <a:extLst>
+              <a:ext uri="{FF2B5EF4-FFF2-40B4-BE49-F238E27FC236}">
+                <a16:creationId xmlns:a16="http://schemas.microsoft.com/office/drawing/2014/main" id="{EEA4D954-B485-4F29-A6D8-AAD945B8B77E}"/>
+              </a:ext>
+            </a:extLst>
+          </p:cNvPr>
+          <p:cNvCxnSpPr>
+            <a:cxnSpLocks/>
+          </p:cNvCxnSpPr>
+          <p:nvPr/>
+        </p:nvCxnSpPr>
+        <p:spPr>
+          <a:xfrm>
+            <a:off x="41533205" y="11703918"/>
+            <a:ext cx="0" cy="27961200"/>
+          </a:xfrm>
+          <a:prstGeom prst="line">
+            <a:avLst/>
+          </a:prstGeom>
+        </p:spPr>
+        <p:style>
+          <a:lnRef idx="1">
+            <a:schemeClr val="accent1"/>
+          </a:lnRef>
+          <a:fillRef idx="0">
+            <a:schemeClr val="accent1"/>
+          </a:fillRef>
+          <a:effectRef idx="0">
+            <a:schemeClr val="accent1"/>
+          </a:effectRef>
+          <a:fontRef idx="minor">
+            <a:schemeClr val="tx1"/>
+          </a:fontRef>
+        </p:style>
+      </p:cxnSp>
+      <p:sp>
+        <p:nvSpPr>
+          <p:cNvPr id="20" name="TextBox 19">
+            <a:extLst>
+              <a:ext uri="{FF2B5EF4-FFF2-40B4-BE49-F238E27FC236}">
+                <a16:creationId xmlns:a16="http://schemas.microsoft.com/office/drawing/2014/main" id="{8AAE0DB7-17CA-4E5A-8015-9F78A1342BCF}"/>
+              </a:ext>
+            </a:extLst>
+          </p:cNvPr>
+          <p:cNvSpPr txBox="1">
+            <a:spLocks noChangeAspect="1"/>
+          </p:cNvSpPr>
+          <p:nvPr/>
+        </p:nvSpPr>
+        <p:spPr>
+          <a:xfrm>
+            <a:off x="42501393" y="25084354"/>
+            <a:ext cx="4378160" cy="1200329"/>
+          </a:xfrm>
+          <a:prstGeom prst="rect">
+            <a:avLst/>
+          </a:prstGeom>
+          <a:noFill/>
+        </p:spPr>
+        <p:txBody>
+          <a:bodyPr wrap="square" rtlCol="0" anchor="ctr" anchorCtr="1">
+            <a:spAutoFit/>
+          </a:bodyPr>
+          <a:lstStyle/>
+          <a:p>
+            <a:pPr algn="ctr"/>
+            <a:r>
+              <a:rPr lang="en-US" sz="7200" dirty="0">
+                <a:latin typeface="Arial" panose="020B0604020202020204" pitchFamily="34" charset="0"/>
+              </a:rPr>
+              <a:t>77.67 cm</a:t>
+            </a:r>
+          </a:p>
+        </p:txBody>
+      </p:sp>
+      <p:cxnSp>
+        <p:nvCxnSpPr>
+          <p:cNvPr id="21" name="직선 연결선 20">
+            <a:extLst>
+              <a:ext uri="{FF2B5EF4-FFF2-40B4-BE49-F238E27FC236}">
+                <a16:creationId xmlns:a16="http://schemas.microsoft.com/office/drawing/2014/main" id="{CDFC99E6-F541-437D-B57C-7D9342AFC62F}"/>
+              </a:ext>
+            </a:extLst>
+          </p:cNvPr>
+          <p:cNvCxnSpPr>
+            <a:cxnSpLocks/>
+          </p:cNvCxnSpPr>
+          <p:nvPr/>
+        </p:nvCxnSpPr>
+        <p:spPr>
+          <a:xfrm rot="5400000">
+            <a:off x="31500319" y="32477401"/>
+            <a:ext cx="0" cy="17280000"/>
+          </a:xfrm>
+          <a:prstGeom prst="line">
+            <a:avLst/>
+          </a:prstGeom>
+        </p:spPr>
+        <p:style>
+          <a:lnRef idx="1">
+            <a:schemeClr val="accent1"/>
+          </a:lnRef>
+          <a:fillRef idx="0">
+            <a:schemeClr val="accent1"/>
+          </a:fillRef>
+          <a:effectRef idx="0">
+            <a:schemeClr val="accent1"/>
+          </a:effectRef>
+          <a:fontRef idx="minor">
+            <a:schemeClr val="tx1"/>
+          </a:fontRef>
+        </p:style>
+      </p:cxnSp>
+      <p:sp>
+        <p:nvSpPr>
+          <p:cNvPr id="22" name="TextBox 21">
+            <a:extLst>
+              <a:ext uri="{FF2B5EF4-FFF2-40B4-BE49-F238E27FC236}">
+                <a16:creationId xmlns:a16="http://schemas.microsoft.com/office/drawing/2014/main" id="{9CABA7DB-97C9-4A85-8B9B-7382D561E566}"/>
+              </a:ext>
+            </a:extLst>
+          </p:cNvPr>
+          <p:cNvSpPr txBox="1">
+            <a:spLocks noChangeAspect="1"/>
+          </p:cNvSpPr>
+          <p:nvPr/>
+        </p:nvSpPr>
+        <p:spPr>
+          <a:xfrm>
+            <a:off x="29311239" y="41117401"/>
+            <a:ext cx="4378160" cy="1200329"/>
+          </a:xfrm>
+          <a:prstGeom prst="rect">
+            <a:avLst/>
+          </a:prstGeom>
+          <a:noFill/>
+        </p:spPr>
+        <p:txBody>
+          <a:bodyPr wrap="square" rtlCol="0" anchor="ctr" anchorCtr="1">
+            <a:spAutoFit/>
+          </a:bodyPr>
+          <a:lstStyle/>
+          <a:p>
+            <a:pPr algn="ctr"/>
+            <a:r>
+              <a:rPr lang="en-US" sz="7200" dirty="0">
+                <a:latin typeface="Arial" panose="020B0604020202020204" pitchFamily="34" charset="0"/>
+              </a:rPr>
+              <a:t>48 cm</a:t>
+            </a:r>
+          </a:p>
+        </p:txBody>
+      </p:sp>
+    </p:spTree>
+    <p:extLst>
+      <p:ext uri="{BB962C8B-B14F-4D97-AF65-F5344CB8AC3E}">
+        <p14:creationId xmlns:p14="http://schemas.microsoft.com/office/powerpoint/2010/main" val="3981414262"/>
+      </p:ext>
+    </p:extLst>
+  </p:cSld>
+  <p:clrMapOvr>
+    <a:masterClrMapping/>
+  </p:clrMapOvr>
+</p:sld>
+</file>
+
 <file path=ppt/theme/theme1.xml><?xml version="1.0" encoding="utf-8"?>
 <a:theme xmlns:a="http://schemas.openxmlformats.org/drawingml/2006/main" name="Office 테마">
   <a:themeElements>

--- a/apps/data_processing/aruco_marker/aruco_marker_creation/marker_img/integration_marker.pptx
+++ b/apps/data_processing/aruco_marker/aruco_marker_creation/marker_img/integration_marker.pptx
@@ -3774,10 +3774,10 @@
       </p:grpSp>
       <p:grpSp>
         <p:nvGrpSpPr>
-          <p:cNvPr id="7" name="그룹 6">
+          <p:cNvPr id="45" name="그룹 44">
             <a:extLst>
               <a:ext uri="{FF2B5EF4-FFF2-40B4-BE49-F238E27FC236}">
-                <a16:creationId xmlns:a16="http://schemas.microsoft.com/office/drawing/2014/main" id="{D0454F8A-2628-457A-839E-8DF4CDC28F16}"/>
+                <a16:creationId xmlns:a16="http://schemas.microsoft.com/office/drawing/2014/main" id="{C7D54906-1D46-49FE-8954-EC3DD0FDF3F7}"/>
               </a:ext>
             </a:extLst>
           </p:cNvPr>
@@ -3790,226 +3790,688 @@
           <a:xfrm>
             <a:off x="4320319" y="3880719"/>
             <a:ext cx="34560000" cy="55922400"/>
-            <a:chOff x="4320319" y="1543919"/>
-            <a:chExt cx="34560000" cy="55922400"/>
+            <a:chOff x="3060319" y="11703919"/>
+            <a:chExt cx="17280000" cy="27961200"/>
           </a:xfrm>
         </p:grpSpPr>
-        <p:pic>
-          <p:nvPicPr>
-            <p:cNvPr id="30" name="그림 29">
+        <p:grpSp>
+          <p:nvGrpSpPr>
+            <p:cNvPr id="46" name="그룹 45">
               <a:extLst>
                 <a:ext uri="{FF2B5EF4-FFF2-40B4-BE49-F238E27FC236}">
-                  <a16:creationId xmlns:a16="http://schemas.microsoft.com/office/drawing/2014/main" id="{A6AC6242-8357-4933-99E2-6C3A4142E167}"/>
+                  <a16:creationId xmlns:a16="http://schemas.microsoft.com/office/drawing/2014/main" id="{3EF6E67C-0F56-45B9-A3E0-7135F18939D5}"/>
                 </a:ext>
               </a:extLst>
             </p:cNvPr>
-            <p:cNvPicPr>
-              <a:picLocks noChangeAspect="1"/>
-            </p:cNvPicPr>
+            <p:cNvGrpSpPr>
+              <a:grpSpLocks noChangeAspect="1"/>
+            </p:cNvGrpSpPr>
             <p:nvPr/>
-          </p:nvPicPr>
-          <p:blipFill>
-            <a:blip r:embed="rId2">
-              <a:extLst>
-                <a:ext uri="{28A0092B-C50C-407E-A947-70E740481C1C}">
-                  <a14:useLocalDpi xmlns:a14="http://schemas.microsoft.com/office/drawing/2010/main" val="0"/>
-                </a:ext>
-              </a:extLst>
-            </a:blip>
-            <a:stretch>
-              <a:fillRect/>
-            </a:stretch>
-          </p:blipFill>
-          <p:spPr>
+          </p:nvGrpSpPr>
+          <p:grpSpPr>
             <a:xfrm>
-              <a:off x="25682717" y="14748719"/>
-              <a:ext cx="3110400" cy="3110400"/>
+              <a:off x="13741520" y="19865119"/>
+              <a:ext cx="2520000" cy="2520000"/>
+              <a:chOff x="19947575" y="23450076"/>
+              <a:chExt cx="2520000" cy="2520000"/>
             </a:xfrm>
-            <a:prstGeom prst="rect">
-              <a:avLst/>
-            </a:prstGeom>
-          </p:spPr>
-        </p:pic>
-        <p:pic>
-          <p:nvPicPr>
-            <p:cNvPr id="31" name="그림 30">
+          </p:grpSpPr>
+          <p:sp>
+            <p:nvSpPr>
+              <p:cNvPr id="62" name="직사각형 61">
+                <a:extLst>
+                  <a:ext uri="{FF2B5EF4-FFF2-40B4-BE49-F238E27FC236}">
+                    <a16:creationId xmlns:a16="http://schemas.microsoft.com/office/drawing/2014/main" id="{FFF1F042-8AE2-469E-9BB0-1D1BC0A2DB22}"/>
+                  </a:ext>
+                </a:extLst>
+              </p:cNvPr>
+              <p:cNvSpPr>
+                <a:spLocks noChangeAspect="1"/>
+              </p:cNvSpPr>
+              <p:nvPr/>
+            </p:nvSpPr>
+            <p:spPr>
+              <a:xfrm>
+                <a:off x="19947575" y="23450076"/>
+                <a:ext cx="2520000" cy="2520000"/>
+              </a:xfrm>
+              <a:prstGeom prst="rect">
+                <a:avLst/>
+              </a:prstGeom>
+              <a:solidFill>
+                <a:schemeClr val="bg1"/>
+              </a:solidFill>
+              <a:ln>
+                <a:noFill/>
+              </a:ln>
+            </p:spPr>
+            <p:style>
+              <a:lnRef idx="2">
+                <a:schemeClr val="accent1">
+                  <a:shade val="50000"/>
+                </a:schemeClr>
+              </a:lnRef>
+              <a:fillRef idx="1">
+                <a:schemeClr val="accent1"/>
+              </a:fillRef>
+              <a:effectRef idx="0">
+                <a:schemeClr val="accent1"/>
+              </a:effectRef>
+              <a:fontRef idx="minor">
+                <a:schemeClr val="lt1"/>
+              </a:fontRef>
+            </p:style>
+            <p:txBody>
+              <a:bodyPr rtlCol="0" anchor="ctr"/>
+              <a:lstStyle/>
+              <a:p>
+                <a:pPr algn="ctr"/>
+                <a:endParaRPr lang="en-US"/>
+              </a:p>
+            </p:txBody>
+          </p:sp>
+          <p:pic>
+            <p:nvPicPr>
+              <p:cNvPr id="63" name="그림 62">
+                <a:extLst>
+                  <a:ext uri="{FF2B5EF4-FFF2-40B4-BE49-F238E27FC236}">
+                    <a16:creationId xmlns:a16="http://schemas.microsoft.com/office/drawing/2014/main" id="{8EBD0D72-133A-4FA3-B642-26FE85B71D19}"/>
+                  </a:ext>
+                </a:extLst>
+              </p:cNvPr>
+              <p:cNvPicPr>
+                <a:picLocks noChangeAspect="1"/>
+              </p:cNvPicPr>
+              <p:nvPr/>
+            </p:nvPicPr>
+            <p:blipFill>
+              <a:blip r:embed="rId2">
+                <a:extLst>
+                  <a:ext uri="{28A0092B-C50C-407E-A947-70E740481C1C}">
+                    <a14:useLocalDpi xmlns:a14="http://schemas.microsoft.com/office/drawing/2010/main" val="0"/>
+                  </a:ext>
+                </a:extLst>
+              </a:blip>
+              <a:stretch>
+                <a:fillRect/>
+              </a:stretch>
+            </p:blipFill>
+            <p:spPr>
+              <a:xfrm>
+                <a:off x="20262575" y="23765076"/>
+                <a:ext cx="1890000" cy="1890000"/>
+              </a:xfrm>
+              <a:prstGeom prst="rect">
+                <a:avLst/>
+              </a:prstGeom>
+            </p:spPr>
+          </p:pic>
+        </p:grpSp>
+        <p:grpSp>
+          <p:nvGrpSpPr>
+            <p:cNvPr id="47" name="그룹 46">
               <a:extLst>
                 <a:ext uri="{FF2B5EF4-FFF2-40B4-BE49-F238E27FC236}">
-                  <a16:creationId xmlns:a16="http://schemas.microsoft.com/office/drawing/2014/main" id="{EB98527D-8710-4A49-9E73-8C1018B82836}"/>
+                  <a16:creationId xmlns:a16="http://schemas.microsoft.com/office/drawing/2014/main" id="{5A68F631-AA4C-4ABD-89DD-E1E7393A5C5D}"/>
                 </a:ext>
               </a:extLst>
             </p:cNvPr>
-            <p:cNvPicPr>
-              <a:picLocks noChangeAspect="1"/>
-            </p:cNvPicPr>
+            <p:cNvGrpSpPr>
+              <a:grpSpLocks noChangeAspect="1"/>
+            </p:cNvGrpSpPr>
             <p:nvPr/>
-          </p:nvPicPr>
-          <p:blipFill>
-            <a:blip r:embed="rId3">
-              <a:extLst>
-                <a:ext uri="{28A0092B-C50C-407E-A947-70E740481C1C}">
-                  <a14:useLocalDpi xmlns:a14="http://schemas.microsoft.com/office/drawing/2010/main" val="0"/>
-                </a:ext>
-              </a:extLst>
-            </a:blip>
-            <a:stretch>
-              <a:fillRect/>
-            </a:stretch>
-          </p:blipFill>
-          <p:spPr>
+          </p:nvGrpSpPr>
+          <p:grpSpPr>
             <a:xfrm>
-              <a:off x="30722719" y="14748719"/>
-              <a:ext cx="8157600" cy="8157600"/>
+              <a:off x="3060319" y="22385119"/>
+              <a:ext cx="17280000" cy="17280000"/>
+              <a:chOff x="-2760882" y="22385119"/>
+              <a:chExt cx="17280000" cy="17280000"/>
             </a:xfrm>
-            <a:prstGeom prst="rect">
-              <a:avLst/>
-            </a:prstGeom>
-          </p:spPr>
-        </p:pic>
-        <p:pic>
-          <p:nvPicPr>
-            <p:cNvPr id="32" name="그림 31">
+          </p:grpSpPr>
+          <p:sp>
+            <p:nvSpPr>
+              <p:cNvPr id="60" name="직사각형 59">
+                <a:extLst>
+                  <a:ext uri="{FF2B5EF4-FFF2-40B4-BE49-F238E27FC236}">
+                    <a16:creationId xmlns:a16="http://schemas.microsoft.com/office/drawing/2014/main" id="{DAAF6574-20AB-4BFA-BB3F-E18161646F95}"/>
+                  </a:ext>
+                </a:extLst>
+              </p:cNvPr>
+              <p:cNvSpPr>
+                <a:spLocks noChangeAspect="1"/>
+              </p:cNvSpPr>
+              <p:nvPr/>
+            </p:nvSpPr>
+            <p:spPr>
+              <a:xfrm>
+                <a:off x="-2760882" y="22385119"/>
+                <a:ext cx="17280000" cy="17280000"/>
+              </a:xfrm>
+              <a:prstGeom prst="rect">
+                <a:avLst/>
+              </a:prstGeom>
+              <a:solidFill>
+                <a:schemeClr val="bg1"/>
+              </a:solidFill>
+              <a:ln>
+                <a:noFill/>
+              </a:ln>
+            </p:spPr>
+            <p:style>
+              <a:lnRef idx="2">
+                <a:schemeClr val="accent1">
+                  <a:shade val="50000"/>
+                </a:schemeClr>
+              </a:lnRef>
+              <a:fillRef idx="1">
+                <a:schemeClr val="accent1"/>
+              </a:fillRef>
+              <a:effectRef idx="0">
+                <a:schemeClr val="accent1"/>
+              </a:effectRef>
+              <a:fontRef idx="minor">
+                <a:schemeClr val="lt1"/>
+              </a:fontRef>
+            </p:style>
+            <p:txBody>
+              <a:bodyPr rtlCol="0" anchor="ctr"/>
+              <a:lstStyle/>
+              <a:p>
+                <a:pPr algn="ctr"/>
+                <a:endParaRPr lang="en-US"/>
+              </a:p>
+            </p:txBody>
+          </p:sp>
+          <p:pic>
+            <p:nvPicPr>
+              <p:cNvPr id="61" name="그림 60">
+                <a:extLst>
+                  <a:ext uri="{FF2B5EF4-FFF2-40B4-BE49-F238E27FC236}">
+                    <a16:creationId xmlns:a16="http://schemas.microsoft.com/office/drawing/2014/main" id="{7526791E-ABB3-418E-A8E7-6D4E4379BD2D}"/>
+                  </a:ext>
+                </a:extLst>
+              </p:cNvPr>
+              <p:cNvPicPr>
+                <a:picLocks noChangeAspect="1"/>
+              </p:cNvPicPr>
+              <p:nvPr/>
+            </p:nvPicPr>
+            <p:blipFill>
+              <a:blip r:embed="rId3">
+                <a:extLst>
+                  <a:ext uri="{28A0092B-C50C-407E-A947-70E740481C1C}">
+                    <a14:useLocalDpi xmlns:a14="http://schemas.microsoft.com/office/drawing/2010/main" val="0"/>
+                  </a:ext>
+                </a:extLst>
+              </a:blip>
+              <a:stretch>
+                <a:fillRect/>
+              </a:stretch>
+            </p:blipFill>
+            <p:spPr>
+              <a:xfrm>
+                <a:off x="-600882" y="24545119"/>
+                <a:ext cx="12960000" cy="12960000"/>
+              </a:xfrm>
+              <a:prstGeom prst="rect">
+                <a:avLst/>
+              </a:prstGeom>
+            </p:spPr>
+          </p:pic>
+        </p:grpSp>
+        <p:grpSp>
+          <p:nvGrpSpPr>
+            <p:cNvPr id="48" name="그룹 47">
               <a:extLst>
                 <a:ext uri="{FF2B5EF4-FFF2-40B4-BE49-F238E27FC236}">
-                  <a16:creationId xmlns:a16="http://schemas.microsoft.com/office/drawing/2014/main" id="{B6007B57-561F-4710-A096-47953688AF25}"/>
+                  <a16:creationId xmlns:a16="http://schemas.microsoft.com/office/drawing/2014/main" id="{F98403FB-0C12-4706-9EB7-1C978CC44114}"/>
                 </a:ext>
               </a:extLst>
             </p:cNvPr>
-            <p:cNvPicPr>
-              <a:picLocks noChangeAspect="1"/>
-            </p:cNvPicPr>
+            <p:cNvGrpSpPr>
+              <a:grpSpLocks noChangeAspect="1"/>
+            </p:cNvGrpSpPr>
             <p:nvPr/>
-          </p:nvPicPr>
-          <p:blipFill>
-            <a:blip r:embed="rId4">
-              <a:extLst>
-                <a:ext uri="{28A0092B-C50C-407E-A947-70E740481C1C}">
-                  <a14:useLocalDpi xmlns:a14="http://schemas.microsoft.com/office/drawing/2010/main" val="0"/>
-                </a:ext>
-              </a:extLst>
-            </a:blip>
-            <a:stretch>
-              <a:fillRect/>
-            </a:stretch>
-          </p:blipFill>
-          <p:spPr>
+          </p:nvGrpSpPr>
+          <p:grpSpPr>
             <a:xfrm>
-              <a:off x="4320319" y="22906319"/>
-              <a:ext cx="34560000" cy="34560000"/>
+              <a:off x="3060319" y="11703919"/>
+              <a:ext cx="10681200" cy="10681200"/>
+              <a:chOff x="328786" y="11703919"/>
+              <a:chExt cx="10681200" cy="10681200"/>
             </a:xfrm>
-            <a:prstGeom prst="rect">
-              <a:avLst/>
-            </a:prstGeom>
-          </p:spPr>
-        </p:pic>
-        <p:pic>
-          <p:nvPicPr>
-            <p:cNvPr id="33" name="그림 32">
+          </p:grpSpPr>
+          <p:sp>
+            <p:nvSpPr>
+              <p:cNvPr id="58" name="직사각형 57">
+                <a:extLst>
+                  <a:ext uri="{FF2B5EF4-FFF2-40B4-BE49-F238E27FC236}">
+                    <a16:creationId xmlns:a16="http://schemas.microsoft.com/office/drawing/2014/main" id="{970698ED-6E4A-4EBF-937E-909C5CDD541E}"/>
+                  </a:ext>
+                </a:extLst>
+              </p:cNvPr>
+              <p:cNvSpPr>
+                <a:spLocks noChangeAspect="1"/>
+              </p:cNvSpPr>
+              <p:nvPr/>
+            </p:nvSpPr>
+            <p:spPr>
+              <a:xfrm>
+                <a:off x="328786" y="11703919"/>
+                <a:ext cx="10681200" cy="10681200"/>
+              </a:xfrm>
+              <a:prstGeom prst="rect">
+                <a:avLst/>
+              </a:prstGeom>
+              <a:solidFill>
+                <a:schemeClr val="bg1"/>
+              </a:solidFill>
+              <a:ln>
+                <a:noFill/>
+              </a:ln>
+            </p:spPr>
+            <p:style>
+              <a:lnRef idx="2">
+                <a:schemeClr val="accent1">
+                  <a:shade val="50000"/>
+                </a:schemeClr>
+              </a:lnRef>
+              <a:fillRef idx="1">
+                <a:schemeClr val="accent1"/>
+              </a:fillRef>
+              <a:effectRef idx="0">
+                <a:schemeClr val="accent1"/>
+              </a:effectRef>
+              <a:fontRef idx="minor">
+                <a:schemeClr val="lt1"/>
+              </a:fontRef>
+            </p:style>
+            <p:txBody>
+              <a:bodyPr rtlCol="0" anchor="ctr"/>
+              <a:lstStyle/>
+              <a:p>
+                <a:pPr algn="ctr"/>
+                <a:endParaRPr lang="en-US"/>
+              </a:p>
+            </p:txBody>
+          </p:sp>
+          <p:pic>
+            <p:nvPicPr>
+              <p:cNvPr id="59" name="그림 58">
+                <a:extLst>
+                  <a:ext uri="{FF2B5EF4-FFF2-40B4-BE49-F238E27FC236}">
+                    <a16:creationId xmlns:a16="http://schemas.microsoft.com/office/drawing/2014/main" id="{34553A2B-C2CE-43C0-8BC5-520D70FF2833}"/>
+                  </a:ext>
+                </a:extLst>
+              </p:cNvPr>
+              <p:cNvPicPr>
+                <a:picLocks noChangeAspect="1"/>
+              </p:cNvPicPr>
+              <p:nvPr/>
+            </p:nvPicPr>
+            <p:blipFill>
+              <a:blip r:embed="rId4">
+                <a:extLst>
+                  <a:ext uri="{28A0092B-C50C-407E-A947-70E740481C1C}">
+                    <a14:useLocalDpi xmlns:a14="http://schemas.microsoft.com/office/drawing/2010/main" val="0"/>
+                  </a:ext>
+                </a:extLst>
+              </a:blip>
+              <a:stretch>
+                <a:fillRect/>
+              </a:stretch>
+            </p:blipFill>
+            <p:spPr>
+              <a:xfrm>
+                <a:off x="1664386" y="13039519"/>
+                <a:ext cx="8010000" cy="8010000"/>
+              </a:xfrm>
+              <a:prstGeom prst="rect">
+                <a:avLst/>
+              </a:prstGeom>
+            </p:spPr>
+          </p:pic>
+        </p:grpSp>
+        <p:grpSp>
+          <p:nvGrpSpPr>
+            <p:cNvPr id="49" name="그룹 48">
               <a:extLst>
                 <a:ext uri="{FF2B5EF4-FFF2-40B4-BE49-F238E27FC236}">
-                  <a16:creationId xmlns:a16="http://schemas.microsoft.com/office/drawing/2014/main" id="{BAD31C72-B690-46E3-B395-4D896F881BF8}"/>
+                  <a16:creationId xmlns:a16="http://schemas.microsoft.com/office/drawing/2014/main" id="{D02C4EA0-2FA1-4E70-89CB-05E33538254C}"/>
                 </a:ext>
               </a:extLst>
             </p:cNvPr>
-            <p:cNvPicPr>
-              <a:picLocks noChangeAspect="1"/>
-            </p:cNvPicPr>
+            <p:cNvGrpSpPr>
+              <a:grpSpLocks noChangeAspect="1"/>
+            </p:cNvGrpSpPr>
             <p:nvPr/>
-          </p:nvPicPr>
-          <p:blipFill>
-            <a:blip r:embed="rId5">
-              <a:extLst>
-                <a:ext uri="{28A0092B-C50C-407E-A947-70E740481C1C}">
-                  <a14:useLocalDpi xmlns:a14="http://schemas.microsoft.com/office/drawing/2010/main" val="0"/>
-                </a:ext>
-              </a:extLst>
-            </a:blip>
-            <a:stretch>
-              <a:fillRect/>
-            </a:stretch>
-          </p:blipFill>
-          <p:spPr>
+          </p:nvGrpSpPr>
+          <p:grpSpPr>
             <a:xfrm>
-              <a:off x="4320319" y="1543919"/>
-              <a:ext cx="21362400" cy="21362400"/>
+              <a:off x="13741518" y="11703919"/>
+              <a:ext cx="6598800" cy="6598800"/>
+              <a:chOff x="10314342" y="13626019"/>
+              <a:chExt cx="6598800" cy="6598800"/>
             </a:xfrm>
-            <a:prstGeom prst="rect">
-              <a:avLst/>
-            </a:prstGeom>
-          </p:spPr>
-        </p:pic>
-        <p:pic>
-          <p:nvPicPr>
-            <p:cNvPr id="34" name="그림 33">
+          </p:grpSpPr>
+          <p:sp>
+            <p:nvSpPr>
+              <p:cNvPr id="56" name="직사각형 55">
+                <a:extLst>
+                  <a:ext uri="{FF2B5EF4-FFF2-40B4-BE49-F238E27FC236}">
+                    <a16:creationId xmlns:a16="http://schemas.microsoft.com/office/drawing/2014/main" id="{F912FC11-B1C0-4D53-9974-C8099961CAA8}"/>
+                  </a:ext>
+                </a:extLst>
+              </p:cNvPr>
+              <p:cNvSpPr>
+                <a:spLocks noChangeAspect="1"/>
+              </p:cNvSpPr>
+              <p:nvPr/>
+            </p:nvSpPr>
+            <p:spPr>
+              <a:xfrm>
+                <a:off x="10314342" y="13626019"/>
+                <a:ext cx="6598800" cy="6598800"/>
+              </a:xfrm>
+              <a:prstGeom prst="rect">
+                <a:avLst/>
+              </a:prstGeom>
+              <a:solidFill>
+                <a:schemeClr val="bg1"/>
+              </a:solidFill>
+              <a:ln>
+                <a:noFill/>
+              </a:ln>
+            </p:spPr>
+            <p:style>
+              <a:lnRef idx="2">
+                <a:schemeClr val="accent1">
+                  <a:shade val="50000"/>
+                </a:schemeClr>
+              </a:lnRef>
+              <a:fillRef idx="1">
+                <a:schemeClr val="accent1"/>
+              </a:fillRef>
+              <a:effectRef idx="0">
+                <a:schemeClr val="accent1"/>
+              </a:effectRef>
+              <a:fontRef idx="minor">
+                <a:schemeClr val="lt1"/>
+              </a:fontRef>
+            </p:style>
+            <p:txBody>
+              <a:bodyPr rtlCol="0" anchor="ctr"/>
+              <a:lstStyle/>
+              <a:p>
+                <a:pPr algn="ctr"/>
+                <a:endParaRPr lang="en-US"/>
+              </a:p>
+            </p:txBody>
+          </p:sp>
+          <p:pic>
+            <p:nvPicPr>
+              <p:cNvPr id="57" name="그림 56">
+                <a:extLst>
+                  <a:ext uri="{FF2B5EF4-FFF2-40B4-BE49-F238E27FC236}">
+                    <a16:creationId xmlns:a16="http://schemas.microsoft.com/office/drawing/2014/main" id="{9CDDA44B-C3E9-414B-9DEA-A131A167DB3F}"/>
+                  </a:ext>
+                </a:extLst>
+              </p:cNvPr>
+              <p:cNvPicPr>
+                <a:picLocks noChangeAspect="1"/>
+              </p:cNvPicPr>
+              <p:nvPr/>
+            </p:nvPicPr>
+            <p:blipFill>
+              <a:blip r:embed="rId5">
+                <a:extLst>
+                  <a:ext uri="{28A0092B-C50C-407E-A947-70E740481C1C}">
+                    <a14:useLocalDpi xmlns:a14="http://schemas.microsoft.com/office/drawing/2010/main" val="0"/>
+                  </a:ext>
+                </a:extLst>
+              </a:blip>
+              <a:stretch>
+                <a:fillRect/>
+              </a:stretch>
+            </p:blipFill>
+            <p:spPr>
+              <a:xfrm>
+                <a:off x="11138742" y="14450419"/>
+                <a:ext cx="4950000" cy="4950000"/>
+              </a:xfrm>
+              <a:prstGeom prst="rect">
+                <a:avLst/>
+              </a:prstGeom>
+            </p:spPr>
+          </p:pic>
+        </p:grpSp>
+        <p:grpSp>
+          <p:nvGrpSpPr>
+            <p:cNvPr id="50" name="그룹 49">
               <a:extLst>
                 <a:ext uri="{FF2B5EF4-FFF2-40B4-BE49-F238E27FC236}">
-                  <a16:creationId xmlns:a16="http://schemas.microsoft.com/office/drawing/2014/main" id="{701D0A19-E8FF-411F-ACE5-48D4D710EFDE}"/>
+                  <a16:creationId xmlns:a16="http://schemas.microsoft.com/office/drawing/2014/main" id="{BE812996-6F33-4F54-97AF-3BF5AABA3836}"/>
                 </a:ext>
               </a:extLst>
             </p:cNvPr>
-            <p:cNvPicPr>
-              <a:picLocks noChangeAspect="1"/>
-            </p:cNvPicPr>
+            <p:cNvGrpSpPr>
+              <a:grpSpLocks noChangeAspect="1"/>
+            </p:cNvGrpSpPr>
             <p:nvPr/>
-          </p:nvPicPr>
-          <p:blipFill>
-            <a:blip r:embed="rId6">
-              <a:extLst>
-                <a:ext uri="{28A0092B-C50C-407E-A947-70E740481C1C}">
-                  <a14:useLocalDpi xmlns:a14="http://schemas.microsoft.com/office/drawing/2010/main" val="0"/>
-                </a:ext>
-              </a:extLst>
-            </a:blip>
-            <a:stretch>
-              <a:fillRect/>
-            </a:stretch>
-          </p:blipFill>
-          <p:spPr>
+          </p:nvGrpSpPr>
+          <p:grpSpPr>
             <a:xfrm>
-              <a:off x="25682717" y="1543919"/>
-              <a:ext cx="13197600" cy="13197600"/>
+              <a:off x="16261519" y="18306319"/>
+              <a:ext cx="4078800" cy="4078800"/>
+              <a:chOff x="19082678" y="18936701"/>
+              <a:chExt cx="4078800" cy="4078800"/>
             </a:xfrm>
-            <a:prstGeom prst="rect">
-              <a:avLst/>
-            </a:prstGeom>
-          </p:spPr>
-        </p:pic>
-        <p:pic>
-          <p:nvPicPr>
-            <p:cNvPr id="36" name="그림 35">
+          </p:grpSpPr>
+          <p:sp>
+            <p:nvSpPr>
+              <p:cNvPr id="54" name="직사각형 53">
+                <a:extLst>
+                  <a:ext uri="{FF2B5EF4-FFF2-40B4-BE49-F238E27FC236}">
+                    <a16:creationId xmlns:a16="http://schemas.microsoft.com/office/drawing/2014/main" id="{223386DD-2EAF-4EDC-8F91-348DB50E3F1C}"/>
+                  </a:ext>
+                </a:extLst>
+              </p:cNvPr>
+              <p:cNvSpPr>
+                <a:spLocks noChangeAspect="1"/>
+              </p:cNvSpPr>
+              <p:nvPr/>
+            </p:nvSpPr>
+            <p:spPr>
+              <a:xfrm>
+                <a:off x="19082678" y="18936701"/>
+                <a:ext cx="4078800" cy="4078800"/>
+              </a:xfrm>
+              <a:prstGeom prst="rect">
+                <a:avLst/>
+              </a:prstGeom>
+              <a:solidFill>
+                <a:schemeClr val="bg1"/>
+              </a:solidFill>
+              <a:ln>
+                <a:noFill/>
+              </a:ln>
+            </p:spPr>
+            <p:style>
+              <a:lnRef idx="2">
+                <a:schemeClr val="accent1">
+                  <a:shade val="50000"/>
+                </a:schemeClr>
+              </a:lnRef>
+              <a:fillRef idx="1">
+                <a:schemeClr val="accent1"/>
+              </a:fillRef>
+              <a:effectRef idx="0">
+                <a:schemeClr val="accent1"/>
+              </a:effectRef>
+              <a:fontRef idx="minor">
+                <a:schemeClr val="lt1"/>
+              </a:fontRef>
+            </p:style>
+            <p:txBody>
+              <a:bodyPr rtlCol="0" anchor="ctr"/>
+              <a:lstStyle/>
+              <a:p>
+                <a:pPr algn="ctr"/>
+                <a:endParaRPr lang="en-US"/>
+              </a:p>
+            </p:txBody>
+          </p:sp>
+          <p:pic>
+            <p:nvPicPr>
+              <p:cNvPr id="55" name="그림 54">
+                <a:extLst>
+                  <a:ext uri="{FF2B5EF4-FFF2-40B4-BE49-F238E27FC236}">
+                    <a16:creationId xmlns:a16="http://schemas.microsoft.com/office/drawing/2014/main" id="{78B24FC9-DFA8-4E14-9438-5FE4F0D89B7E}"/>
+                  </a:ext>
+                </a:extLst>
+              </p:cNvPr>
+              <p:cNvPicPr>
+                <a:picLocks noChangeAspect="1"/>
+              </p:cNvPicPr>
+              <p:nvPr/>
+            </p:nvPicPr>
+            <p:blipFill>
+              <a:blip r:embed="rId6">
+                <a:extLst>
+                  <a:ext uri="{28A0092B-C50C-407E-A947-70E740481C1C}">
+                    <a14:useLocalDpi xmlns:a14="http://schemas.microsoft.com/office/drawing/2010/main" val="0"/>
+                  </a:ext>
+                </a:extLst>
+              </a:blip>
+              <a:stretch>
+                <a:fillRect/>
+              </a:stretch>
+            </p:blipFill>
+            <p:spPr>
+              <a:xfrm>
+                <a:off x="19592078" y="19446101"/>
+                <a:ext cx="3060000" cy="3060000"/>
+              </a:xfrm>
+              <a:prstGeom prst="rect">
+                <a:avLst/>
+              </a:prstGeom>
+            </p:spPr>
+          </p:pic>
+        </p:grpSp>
+        <p:grpSp>
+          <p:nvGrpSpPr>
+            <p:cNvPr id="51" name="그룹 50">
               <a:extLst>
                 <a:ext uri="{FF2B5EF4-FFF2-40B4-BE49-F238E27FC236}">
-                  <a16:creationId xmlns:a16="http://schemas.microsoft.com/office/drawing/2014/main" id="{F8BAF6D3-275C-471D-9255-263BA84004AE}"/>
+                  <a16:creationId xmlns:a16="http://schemas.microsoft.com/office/drawing/2014/main" id="{5E874C22-8F1B-45C0-AAE5-30A6A504AFAE}"/>
                 </a:ext>
               </a:extLst>
             </p:cNvPr>
-            <p:cNvPicPr>
-              <a:picLocks noChangeAspect="1"/>
-            </p:cNvPicPr>
+            <p:cNvGrpSpPr>
+              <a:grpSpLocks noChangeAspect="1"/>
+            </p:cNvGrpSpPr>
             <p:nvPr/>
-          </p:nvPicPr>
-          <p:blipFill>
-            <a:blip r:embed="rId7">
-              <a:extLst>
-                <a:ext uri="{28A0092B-C50C-407E-A947-70E740481C1C}">
-                  <a14:useLocalDpi xmlns:a14="http://schemas.microsoft.com/office/drawing/2010/main" val="0"/>
-                </a:ext>
-              </a:extLst>
-            </a:blip>
-            <a:stretch>
-              <a:fillRect/>
-            </a:stretch>
-          </p:blipFill>
-          <p:spPr>
+          </p:nvGrpSpPr>
+          <p:grpSpPr>
             <a:xfrm>
-              <a:off x="25682721" y="17866319"/>
-              <a:ext cx="5040000" cy="5040000"/>
+              <a:off x="13741518" y="18306319"/>
+              <a:ext cx="1555200" cy="1555200"/>
+              <a:chOff x="26644062" y="18487410"/>
+              <a:chExt cx="1555200" cy="1555200"/>
             </a:xfrm>
-            <a:prstGeom prst="rect">
-              <a:avLst/>
-            </a:prstGeom>
-          </p:spPr>
-        </p:pic>
+          </p:grpSpPr>
+          <p:sp>
+            <p:nvSpPr>
+              <p:cNvPr id="52" name="직사각형 51">
+                <a:extLst>
+                  <a:ext uri="{FF2B5EF4-FFF2-40B4-BE49-F238E27FC236}">
+                    <a16:creationId xmlns:a16="http://schemas.microsoft.com/office/drawing/2014/main" id="{CB9C401C-0931-4769-8A95-348308A066BF}"/>
+                  </a:ext>
+                </a:extLst>
+              </p:cNvPr>
+              <p:cNvSpPr>
+                <a:spLocks noChangeAspect="1"/>
+              </p:cNvSpPr>
+              <p:nvPr/>
+            </p:nvSpPr>
+            <p:spPr>
+              <a:xfrm>
+                <a:off x="26644062" y="18487410"/>
+                <a:ext cx="1555200" cy="1555200"/>
+              </a:xfrm>
+              <a:prstGeom prst="rect">
+                <a:avLst/>
+              </a:prstGeom>
+              <a:solidFill>
+                <a:schemeClr val="bg1"/>
+              </a:solidFill>
+              <a:ln>
+                <a:noFill/>
+              </a:ln>
+            </p:spPr>
+            <p:style>
+              <a:lnRef idx="2">
+                <a:schemeClr val="accent1">
+                  <a:shade val="50000"/>
+                </a:schemeClr>
+              </a:lnRef>
+              <a:fillRef idx="1">
+                <a:schemeClr val="accent1"/>
+              </a:fillRef>
+              <a:effectRef idx="0">
+                <a:schemeClr val="accent1"/>
+              </a:effectRef>
+              <a:fontRef idx="minor">
+                <a:schemeClr val="lt1"/>
+              </a:fontRef>
+            </p:style>
+            <p:txBody>
+              <a:bodyPr rtlCol="0" anchor="ctr"/>
+              <a:lstStyle/>
+              <a:p>
+                <a:pPr algn="ctr"/>
+                <a:endParaRPr lang="en-US"/>
+              </a:p>
+            </p:txBody>
+          </p:sp>
+          <p:pic>
+            <p:nvPicPr>
+              <p:cNvPr id="53" name="그림 52">
+                <a:extLst>
+                  <a:ext uri="{FF2B5EF4-FFF2-40B4-BE49-F238E27FC236}">
+                    <a16:creationId xmlns:a16="http://schemas.microsoft.com/office/drawing/2014/main" id="{98CD8542-0DAE-42EB-9266-F5EA19AB8E3E}"/>
+                  </a:ext>
+                </a:extLst>
+              </p:cNvPr>
+              <p:cNvPicPr>
+                <a:picLocks noChangeAspect="1"/>
+              </p:cNvPicPr>
+              <p:nvPr/>
+            </p:nvPicPr>
+            <p:blipFill>
+              <a:blip r:embed="rId7">
+                <a:extLst>
+                  <a:ext uri="{28A0092B-C50C-407E-A947-70E740481C1C}">
+                    <a14:useLocalDpi xmlns:a14="http://schemas.microsoft.com/office/drawing/2010/main" val="0"/>
+                  </a:ext>
+                </a:extLst>
+              </a:blip>
+              <a:stretch>
+                <a:fillRect/>
+              </a:stretch>
+            </p:blipFill>
+            <p:spPr>
+              <a:xfrm>
+                <a:off x="26838462" y="18681810"/>
+                <a:ext cx="1166400" cy="1166400"/>
+              </a:xfrm>
+              <a:prstGeom prst="rect">
+                <a:avLst/>
+              </a:prstGeom>
+            </p:spPr>
+          </p:pic>
+        </p:grpSp>
       </p:grpSp>
     </p:spTree>
     <p:extLst>
@@ -4092,10 +4554,10 @@
         </p:nvGrpSpPr>
         <p:grpSpPr>
           <a:xfrm>
-            <a:off x="59068096" y="7358747"/>
-            <a:ext cx="5565256" cy="59522400"/>
+            <a:off x="56020096" y="7358747"/>
+            <a:ext cx="5565256" cy="55922400"/>
             <a:chOff x="41017665" y="1543919"/>
-            <a:chExt cx="5565256" cy="59522400"/>
+            <a:chExt cx="5565256" cy="55922400"/>
           </a:xfrm>
         </p:grpSpPr>
         <p:cxnSp>
@@ -4115,7 +4577,7 @@
           <p:spPr>
             <a:xfrm>
               <a:off x="41017665" y="1543919"/>
-              <a:ext cx="0" cy="59522400"/>
+              <a:ext cx="0" cy="55922400"/>
             </a:xfrm>
             <a:prstGeom prst="line">
               <a:avLst/>
@@ -4152,7 +4614,7 @@
           </p:nvSpPr>
           <p:spPr>
             <a:xfrm>
-              <a:off x="41766945" y="28904954"/>
+              <a:off x="41766945" y="28904955"/>
               <a:ext cx="4815976" cy="1200329"/>
             </a:xfrm>
             <a:prstGeom prst="rect">
@@ -4171,7 +4633,7 @@
                 <a:rPr lang="en-US" sz="7200" dirty="0">
                   <a:latin typeface="Arial" panose="020B0604020202020204" pitchFamily="34" charset="0"/>
                 </a:rPr>
-                <a:t>165.34 cm</a:t>
+                <a:t>155.34 cm</a:t>
               </a:r>
             </a:p>
           </p:txBody>
@@ -4191,10 +4653,10 @@
         </p:nvGrpSpPr>
         <p:grpSpPr>
           <a:xfrm>
-            <a:off x="18410590" y="67736601"/>
-            <a:ext cx="38160000" cy="1403529"/>
-            <a:chOff x="720319" y="59405401"/>
-            <a:chExt cx="38160000" cy="1403529"/>
+            <a:off x="19661882" y="64702026"/>
+            <a:ext cx="34560000" cy="1403529"/>
+            <a:chOff x="4320319" y="59405401"/>
+            <a:chExt cx="34560000" cy="1403529"/>
           </a:xfrm>
         </p:grpSpPr>
         <p:cxnSp>
@@ -4213,8 +4675,8 @@
           </p:nvCxnSpPr>
           <p:spPr>
             <a:xfrm rot="5400000">
-              <a:off x="19800319" y="40325401"/>
-              <a:ext cx="0" cy="38160000"/>
+              <a:off x="21600319" y="42125401"/>
+              <a:ext cx="0" cy="34560000"/>
             </a:xfrm>
             <a:prstGeom prst="line">
               <a:avLst/>
@@ -4270,356 +4732,12 @@
                 <a:rPr lang="en-US" sz="7200" dirty="0">
                   <a:latin typeface="Arial" panose="020B0604020202020204" pitchFamily="34" charset="0"/>
                 </a:rPr>
-                <a:t>106 cm</a:t>
+                <a:t>96 cm</a:t>
               </a:r>
             </a:p>
           </p:txBody>
         </p:sp>
       </p:grpSp>
-      <p:grpSp>
-        <p:nvGrpSpPr>
-          <p:cNvPr id="2" name="그룹 1">
-            <a:extLst>
-              <a:ext uri="{FF2B5EF4-FFF2-40B4-BE49-F238E27FC236}">
-                <a16:creationId xmlns:a16="http://schemas.microsoft.com/office/drawing/2014/main" id="{6C55A87E-3812-4C43-BECC-5058B4F97CAA}"/>
-              </a:ext>
-            </a:extLst>
-          </p:cNvPr>
-          <p:cNvGrpSpPr>
-            <a:grpSpLocks noChangeAspect="1"/>
-          </p:cNvGrpSpPr>
-          <p:nvPr/>
-        </p:nvGrpSpPr>
-        <p:grpSpPr>
-          <a:xfrm>
-            <a:off x="-21432714" y="7358747"/>
-            <a:ext cx="38160000" cy="59522400"/>
-            <a:chOff x="-39951955" y="5656901"/>
-            <a:chExt cx="38160000" cy="59522400"/>
-          </a:xfrm>
-        </p:grpSpPr>
-        <p:sp>
-          <p:nvSpPr>
-            <p:cNvPr id="53" name="직사각형 52">
-              <a:extLst>
-                <a:ext uri="{FF2B5EF4-FFF2-40B4-BE49-F238E27FC236}">
-                  <a16:creationId xmlns:a16="http://schemas.microsoft.com/office/drawing/2014/main" id="{0751A23C-A996-4CFC-B25D-A8287596611E}"/>
-                </a:ext>
-              </a:extLst>
-            </p:cNvPr>
-            <p:cNvSpPr/>
-            <p:nvPr/>
-          </p:nvSpPr>
-          <p:spPr>
-            <a:xfrm>
-              <a:off x="-39951955" y="5656901"/>
-              <a:ext cx="38160000" cy="59522400"/>
-            </a:xfrm>
-            <a:prstGeom prst="rect">
-              <a:avLst/>
-            </a:prstGeom>
-            <a:solidFill>
-              <a:schemeClr val="bg1"/>
-            </a:solidFill>
-            <a:ln>
-              <a:noFill/>
-            </a:ln>
-          </p:spPr>
-          <p:style>
-            <a:lnRef idx="2">
-              <a:schemeClr val="accent1">
-                <a:shade val="50000"/>
-              </a:schemeClr>
-            </a:lnRef>
-            <a:fillRef idx="1">
-              <a:schemeClr val="accent1"/>
-            </a:fillRef>
-            <a:effectRef idx="0">
-              <a:schemeClr val="accent1"/>
-            </a:effectRef>
-            <a:fontRef idx="minor">
-              <a:schemeClr val="lt1"/>
-            </a:fontRef>
-          </p:style>
-          <p:txBody>
-            <a:bodyPr rtlCol="0" anchor="ctr"/>
-            <a:lstStyle/>
-            <a:p>
-              <a:pPr algn="ctr"/>
-              <a:endParaRPr lang="en-US"/>
-            </a:p>
-          </p:txBody>
-        </p:sp>
-        <p:grpSp>
-          <p:nvGrpSpPr>
-            <p:cNvPr id="46" name="그룹 45">
-              <a:extLst>
-                <a:ext uri="{FF2B5EF4-FFF2-40B4-BE49-F238E27FC236}">
-                  <a16:creationId xmlns:a16="http://schemas.microsoft.com/office/drawing/2014/main" id="{7FCE3BD9-C3D4-4473-8446-99DE8B83A3E0}"/>
-                </a:ext>
-              </a:extLst>
-            </p:cNvPr>
-            <p:cNvGrpSpPr>
-              <a:grpSpLocks noChangeAspect="1"/>
-            </p:cNvGrpSpPr>
-            <p:nvPr/>
-          </p:nvGrpSpPr>
-          <p:grpSpPr>
-            <a:xfrm>
-              <a:off x="-38151955" y="7456901"/>
-              <a:ext cx="34560000" cy="55922400"/>
-              <a:chOff x="4320319" y="1543919"/>
-              <a:chExt cx="34560000" cy="55922400"/>
-            </a:xfrm>
-          </p:grpSpPr>
-          <p:pic>
-            <p:nvPicPr>
-              <p:cNvPr id="47" name="그림 46">
-                <a:extLst>
-                  <a:ext uri="{FF2B5EF4-FFF2-40B4-BE49-F238E27FC236}">
-                    <a16:creationId xmlns:a16="http://schemas.microsoft.com/office/drawing/2014/main" id="{9A4502D5-7279-4DBE-B001-D1B222070C49}"/>
-                  </a:ext>
-                </a:extLst>
-              </p:cNvPr>
-              <p:cNvPicPr>
-                <a:picLocks noChangeAspect="1"/>
-              </p:cNvPicPr>
-              <p:nvPr/>
-            </p:nvPicPr>
-            <p:blipFill>
-              <a:blip r:embed="rId2">
-                <a:extLst>
-                  <a:ext uri="{28A0092B-C50C-407E-A947-70E740481C1C}">
-                    <a14:useLocalDpi xmlns:a14="http://schemas.microsoft.com/office/drawing/2010/main" val="0"/>
-                  </a:ext>
-                </a:extLst>
-              </a:blip>
-              <a:stretch>
-                <a:fillRect/>
-              </a:stretch>
-            </p:blipFill>
-            <p:spPr>
-              <a:xfrm>
-                <a:off x="25682717" y="14748719"/>
-                <a:ext cx="3110400" cy="3110400"/>
-              </a:xfrm>
-              <a:prstGeom prst="rect">
-                <a:avLst/>
-              </a:prstGeom>
-            </p:spPr>
-          </p:pic>
-          <p:pic>
-            <p:nvPicPr>
-              <p:cNvPr id="48" name="그림 47">
-                <a:extLst>
-                  <a:ext uri="{FF2B5EF4-FFF2-40B4-BE49-F238E27FC236}">
-                    <a16:creationId xmlns:a16="http://schemas.microsoft.com/office/drawing/2014/main" id="{3E342C55-1172-4585-86C8-66738D7EAE58}"/>
-                  </a:ext>
-                </a:extLst>
-              </p:cNvPr>
-              <p:cNvPicPr>
-                <a:picLocks noChangeAspect="1"/>
-              </p:cNvPicPr>
-              <p:nvPr/>
-            </p:nvPicPr>
-            <p:blipFill>
-              <a:blip r:embed="rId3">
-                <a:extLst>
-                  <a:ext uri="{28A0092B-C50C-407E-A947-70E740481C1C}">
-                    <a14:useLocalDpi xmlns:a14="http://schemas.microsoft.com/office/drawing/2010/main" val="0"/>
-                  </a:ext>
-                </a:extLst>
-              </a:blip>
-              <a:stretch>
-                <a:fillRect/>
-              </a:stretch>
-            </p:blipFill>
-            <p:spPr>
-              <a:xfrm>
-                <a:off x="30722719" y="14748719"/>
-                <a:ext cx="8157600" cy="8157600"/>
-              </a:xfrm>
-              <a:prstGeom prst="rect">
-                <a:avLst/>
-              </a:prstGeom>
-            </p:spPr>
-          </p:pic>
-          <p:pic>
-            <p:nvPicPr>
-              <p:cNvPr id="49" name="그림 48">
-                <a:extLst>
-                  <a:ext uri="{FF2B5EF4-FFF2-40B4-BE49-F238E27FC236}">
-                    <a16:creationId xmlns:a16="http://schemas.microsoft.com/office/drawing/2014/main" id="{EE57099C-071D-4D14-A2C1-108709845890}"/>
-                  </a:ext>
-                </a:extLst>
-              </p:cNvPr>
-              <p:cNvPicPr>
-                <a:picLocks noChangeAspect="1"/>
-              </p:cNvPicPr>
-              <p:nvPr/>
-            </p:nvPicPr>
-            <p:blipFill>
-              <a:blip r:embed="rId4">
-                <a:extLst>
-                  <a:ext uri="{28A0092B-C50C-407E-A947-70E740481C1C}">
-                    <a14:useLocalDpi xmlns:a14="http://schemas.microsoft.com/office/drawing/2010/main" val="0"/>
-                  </a:ext>
-                </a:extLst>
-              </a:blip>
-              <a:stretch>
-                <a:fillRect/>
-              </a:stretch>
-            </p:blipFill>
-            <p:spPr>
-              <a:xfrm>
-                <a:off x="4320319" y="22906319"/>
-                <a:ext cx="34560000" cy="34560000"/>
-              </a:xfrm>
-              <a:prstGeom prst="rect">
-                <a:avLst/>
-              </a:prstGeom>
-            </p:spPr>
-          </p:pic>
-          <p:pic>
-            <p:nvPicPr>
-              <p:cNvPr id="50" name="그림 49">
-                <a:extLst>
-                  <a:ext uri="{FF2B5EF4-FFF2-40B4-BE49-F238E27FC236}">
-                    <a16:creationId xmlns:a16="http://schemas.microsoft.com/office/drawing/2014/main" id="{97C3944C-77D4-4F7D-9238-0E4232872FC2}"/>
-                  </a:ext>
-                </a:extLst>
-              </p:cNvPr>
-              <p:cNvPicPr>
-                <a:picLocks noChangeAspect="1"/>
-              </p:cNvPicPr>
-              <p:nvPr/>
-            </p:nvPicPr>
-            <p:blipFill>
-              <a:blip r:embed="rId5">
-                <a:extLst>
-                  <a:ext uri="{28A0092B-C50C-407E-A947-70E740481C1C}">
-                    <a14:useLocalDpi xmlns:a14="http://schemas.microsoft.com/office/drawing/2010/main" val="0"/>
-                  </a:ext>
-                </a:extLst>
-              </a:blip>
-              <a:stretch>
-                <a:fillRect/>
-              </a:stretch>
-            </p:blipFill>
-            <p:spPr>
-              <a:xfrm>
-                <a:off x="4320319" y="1543919"/>
-                <a:ext cx="21362400" cy="21362400"/>
-              </a:xfrm>
-              <a:prstGeom prst="rect">
-                <a:avLst/>
-              </a:prstGeom>
-            </p:spPr>
-          </p:pic>
-          <p:pic>
-            <p:nvPicPr>
-              <p:cNvPr id="51" name="그림 50">
-                <a:extLst>
-                  <a:ext uri="{FF2B5EF4-FFF2-40B4-BE49-F238E27FC236}">
-                    <a16:creationId xmlns:a16="http://schemas.microsoft.com/office/drawing/2014/main" id="{6125A6E9-8943-44F8-8FCA-B49B0608C475}"/>
-                  </a:ext>
-                </a:extLst>
-              </p:cNvPr>
-              <p:cNvPicPr>
-                <a:picLocks noChangeAspect="1"/>
-              </p:cNvPicPr>
-              <p:nvPr/>
-            </p:nvPicPr>
-            <p:blipFill>
-              <a:blip r:embed="rId6">
-                <a:extLst>
-                  <a:ext uri="{28A0092B-C50C-407E-A947-70E740481C1C}">
-                    <a14:useLocalDpi xmlns:a14="http://schemas.microsoft.com/office/drawing/2010/main" val="0"/>
-                  </a:ext>
-                </a:extLst>
-              </a:blip>
-              <a:stretch>
-                <a:fillRect/>
-              </a:stretch>
-            </p:blipFill>
-            <p:spPr>
-              <a:xfrm>
-                <a:off x="25682717" y="1543919"/>
-                <a:ext cx="13197600" cy="13197600"/>
-              </a:xfrm>
-              <a:prstGeom prst="rect">
-                <a:avLst/>
-              </a:prstGeom>
-            </p:spPr>
-          </p:pic>
-          <p:pic>
-            <p:nvPicPr>
-              <p:cNvPr id="52" name="그림 51">
-                <a:extLst>
-                  <a:ext uri="{FF2B5EF4-FFF2-40B4-BE49-F238E27FC236}">
-                    <a16:creationId xmlns:a16="http://schemas.microsoft.com/office/drawing/2014/main" id="{193F1180-0270-41BE-A03C-3771F0C6BE4A}"/>
-                  </a:ext>
-                </a:extLst>
-              </p:cNvPr>
-              <p:cNvPicPr>
-                <a:picLocks noChangeAspect="1"/>
-              </p:cNvPicPr>
-              <p:nvPr/>
-            </p:nvPicPr>
-            <p:blipFill>
-              <a:blip r:embed="rId7">
-                <a:extLst>
-                  <a:ext uri="{28A0092B-C50C-407E-A947-70E740481C1C}">
-                    <a14:useLocalDpi xmlns:a14="http://schemas.microsoft.com/office/drawing/2010/main" val="0"/>
-                  </a:ext>
-                </a:extLst>
-              </a:blip>
-              <a:stretch>
-                <a:fillRect/>
-              </a:stretch>
-            </p:blipFill>
-            <p:spPr>
-              <a:xfrm>
-                <a:off x="25682721" y="17866319"/>
-                <a:ext cx="5040000" cy="5040000"/>
-              </a:xfrm>
-              <a:prstGeom prst="rect">
-                <a:avLst/>
-              </a:prstGeom>
-            </p:spPr>
-          </p:pic>
-        </p:grpSp>
-      </p:grpSp>
-      <p:pic>
-        <p:nvPicPr>
-          <p:cNvPr id="5" name="그림 4">
-            <a:extLst>
-              <a:ext uri="{FF2B5EF4-FFF2-40B4-BE49-F238E27FC236}">
-                <a16:creationId xmlns:a16="http://schemas.microsoft.com/office/drawing/2014/main" id="{B8C81CD1-4FDF-4332-B007-C54E5F37F854}"/>
-              </a:ext>
-            </a:extLst>
-          </p:cNvPr>
-          <p:cNvPicPr>
-            <a:picLocks noChangeAspect="1"/>
-          </p:cNvPicPr>
-          <p:nvPr/>
-        </p:nvPicPr>
-        <p:blipFill>
-          <a:blip r:embed="rId8"/>
-          <a:stretch>
-            <a:fillRect/>
-          </a:stretch>
-        </p:blipFill>
-        <p:spPr>
-          <a:xfrm>
-            <a:off x="17861882" y="7358747"/>
-            <a:ext cx="38160000" cy="59526170"/>
-          </a:xfrm>
-          <a:prstGeom prst="rect">
-            <a:avLst/>
-          </a:prstGeom>
-        </p:spPr>
-      </p:pic>
       <p:sp>
         <p:nvSpPr>
           <p:cNvPr id="41" name="TextBox 40">
@@ -4671,7 +4789,7 @@
         </p:nvSpPr>
         <p:spPr>
           <a:xfrm>
-            <a:off x="-6992766" y="4439356"/>
+            <a:off x="-5581277" y="4439356"/>
             <a:ext cx="9280105" cy="1878528"/>
           </a:xfrm>
           <a:prstGeom prst="rect">
@@ -4694,6 +4812,737 @@
           </a:p>
         </p:txBody>
       </p:sp>
+      <p:grpSp>
+        <p:nvGrpSpPr>
+          <p:cNvPr id="23" name="그룹 22">
+            <a:extLst>
+              <a:ext uri="{FF2B5EF4-FFF2-40B4-BE49-F238E27FC236}">
+                <a16:creationId xmlns:a16="http://schemas.microsoft.com/office/drawing/2014/main" id="{9760AF28-FD41-4DC0-9C0B-96A6D92DD10F}"/>
+              </a:ext>
+            </a:extLst>
+          </p:cNvPr>
+          <p:cNvGrpSpPr>
+            <a:grpSpLocks noChangeAspect="1"/>
+          </p:cNvGrpSpPr>
+          <p:nvPr/>
+        </p:nvGrpSpPr>
+        <p:grpSpPr>
+          <a:xfrm>
+            <a:off x="-18221225" y="7958911"/>
+            <a:ext cx="34560000" cy="55922400"/>
+            <a:chOff x="3060319" y="11703919"/>
+            <a:chExt cx="17280000" cy="27961200"/>
+          </a:xfrm>
+        </p:grpSpPr>
+        <p:grpSp>
+          <p:nvGrpSpPr>
+            <p:cNvPr id="24" name="그룹 23">
+              <a:extLst>
+                <a:ext uri="{FF2B5EF4-FFF2-40B4-BE49-F238E27FC236}">
+                  <a16:creationId xmlns:a16="http://schemas.microsoft.com/office/drawing/2014/main" id="{9992E6DB-265E-49F1-91C2-F07FD73F98B9}"/>
+                </a:ext>
+              </a:extLst>
+            </p:cNvPr>
+            <p:cNvGrpSpPr>
+              <a:grpSpLocks noChangeAspect="1"/>
+            </p:cNvGrpSpPr>
+            <p:nvPr/>
+          </p:nvGrpSpPr>
+          <p:grpSpPr>
+            <a:xfrm>
+              <a:off x="13741520" y="19865119"/>
+              <a:ext cx="2520000" cy="2520000"/>
+              <a:chOff x="19947575" y="23450076"/>
+              <a:chExt cx="2520000" cy="2520000"/>
+            </a:xfrm>
+          </p:grpSpPr>
+          <p:sp>
+            <p:nvSpPr>
+              <p:cNvPr id="43" name="직사각형 42">
+                <a:extLst>
+                  <a:ext uri="{FF2B5EF4-FFF2-40B4-BE49-F238E27FC236}">
+                    <a16:creationId xmlns:a16="http://schemas.microsoft.com/office/drawing/2014/main" id="{452520E0-8BA3-48CA-BA9F-68A7770C8A5D}"/>
+                  </a:ext>
+                </a:extLst>
+              </p:cNvPr>
+              <p:cNvSpPr>
+                <a:spLocks noChangeAspect="1"/>
+              </p:cNvSpPr>
+              <p:nvPr/>
+            </p:nvSpPr>
+            <p:spPr>
+              <a:xfrm>
+                <a:off x="19947575" y="23450076"/>
+                <a:ext cx="2520000" cy="2520000"/>
+              </a:xfrm>
+              <a:prstGeom prst="rect">
+                <a:avLst/>
+              </a:prstGeom>
+              <a:solidFill>
+                <a:schemeClr val="bg1"/>
+              </a:solidFill>
+              <a:ln>
+                <a:noFill/>
+              </a:ln>
+            </p:spPr>
+            <p:style>
+              <a:lnRef idx="2">
+                <a:schemeClr val="accent1">
+                  <a:shade val="50000"/>
+                </a:schemeClr>
+              </a:lnRef>
+              <a:fillRef idx="1">
+                <a:schemeClr val="accent1"/>
+              </a:fillRef>
+              <a:effectRef idx="0">
+                <a:schemeClr val="accent1"/>
+              </a:effectRef>
+              <a:fontRef idx="minor">
+                <a:schemeClr val="lt1"/>
+              </a:fontRef>
+            </p:style>
+            <p:txBody>
+              <a:bodyPr rtlCol="0" anchor="ctr"/>
+              <a:lstStyle/>
+              <a:p>
+                <a:pPr algn="ctr"/>
+                <a:endParaRPr lang="en-US"/>
+              </a:p>
+            </p:txBody>
+          </p:sp>
+          <p:pic>
+            <p:nvPicPr>
+              <p:cNvPr id="44" name="그림 43">
+                <a:extLst>
+                  <a:ext uri="{FF2B5EF4-FFF2-40B4-BE49-F238E27FC236}">
+                    <a16:creationId xmlns:a16="http://schemas.microsoft.com/office/drawing/2014/main" id="{8ACCF621-CA34-4378-AE70-40F1BA2F05AA}"/>
+                  </a:ext>
+                </a:extLst>
+              </p:cNvPr>
+              <p:cNvPicPr>
+                <a:picLocks noChangeAspect="1"/>
+              </p:cNvPicPr>
+              <p:nvPr/>
+            </p:nvPicPr>
+            <p:blipFill>
+              <a:blip r:embed="rId2">
+                <a:extLst>
+                  <a:ext uri="{28A0092B-C50C-407E-A947-70E740481C1C}">
+                    <a14:useLocalDpi xmlns:a14="http://schemas.microsoft.com/office/drawing/2010/main" val="0"/>
+                  </a:ext>
+                </a:extLst>
+              </a:blip>
+              <a:stretch>
+                <a:fillRect/>
+              </a:stretch>
+            </p:blipFill>
+            <p:spPr>
+              <a:xfrm>
+                <a:off x="20262575" y="23765076"/>
+                <a:ext cx="1890000" cy="1890000"/>
+              </a:xfrm>
+              <a:prstGeom prst="rect">
+                <a:avLst/>
+              </a:prstGeom>
+            </p:spPr>
+          </p:pic>
+        </p:grpSp>
+        <p:grpSp>
+          <p:nvGrpSpPr>
+            <p:cNvPr id="26" name="그룹 25">
+              <a:extLst>
+                <a:ext uri="{FF2B5EF4-FFF2-40B4-BE49-F238E27FC236}">
+                  <a16:creationId xmlns:a16="http://schemas.microsoft.com/office/drawing/2014/main" id="{5C730B9F-B1B9-46A9-A879-E591E0E253F3}"/>
+                </a:ext>
+              </a:extLst>
+            </p:cNvPr>
+            <p:cNvGrpSpPr>
+              <a:grpSpLocks noChangeAspect="1"/>
+            </p:cNvGrpSpPr>
+            <p:nvPr/>
+          </p:nvGrpSpPr>
+          <p:grpSpPr>
+            <a:xfrm>
+              <a:off x="3060319" y="22385119"/>
+              <a:ext cx="17280000" cy="17280000"/>
+              <a:chOff x="-2760882" y="22385119"/>
+              <a:chExt cx="17280000" cy="17280000"/>
+            </a:xfrm>
+          </p:grpSpPr>
+          <p:sp>
+            <p:nvSpPr>
+              <p:cNvPr id="39" name="직사각형 38">
+                <a:extLst>
+                  <a:ext uri="{FF2B5EF4-FFF2-40B4-BE49-F238E27FC236}">
+                    <a16:creationId xmlns:a16="http://schemas.microsoft.com/office/drawing/2014/main" id="{2493708D-7D40-481A-9BD6-C5EDB5C73F96}"/>
+                  </a:ext>
+                </a:extLst>
+              </p:cNvPr>
+              <p:cNvSpPr>
+                <a:spLocks noChangeAspect="1"/>
+              </p:cNvSpPr>
+              <p:nvPr/>
+            </p:nvSpPr>
+            <p:spPr>
+              <a:xfrm>
+                <a:off x="-2760882" y="22385119"/>
+                <a:ext cx="17280000" cy="17280000"/>
+              </a:xfrm>
+              <a:prstGeom prst="rect">
+                <a:avLst/>
+              </a:prstGeom>
+              <a:solidFill>
+                <a:schemeClr val="bg1"/>
+              </a:solidFill>
+              <a:ln>
+                <a:noFill/>
+              </a:ln>
+            </p:spPr>
+            <p:style>
+              <a:lnRef idx="2">
+                <a:schemeClr val="accent1">
+                  <a:shade val="50000"/>
+                </a:schemeClr>
+              </a:lnRef>
+              <a:fillRef idx="1">
+                <a:schemeClr val="accent1"/>
+              </a:fillRef>
+              <a:effectRef idx="0">
+                <a:schemeClr val="accent1"/>
+              </a:effectRef>
+              <a:fontRef idx="minor">
+                <a:schemeClr val="lt1"/>
+              </a:fontRef>
+            </p:style>
+            <p:txBody>
+              <a:bodyPr rtlCol="0" anchor="ctr"/>
+              <a:lstStyle/>
+              <a:p>
+                <a:pPr algn="ctr"/>
+                <a:endParaRPr lang="en-US"/>
+              </a:p>
+            </p:txBody>
+          </p:sp>
+          <p:pic>
+            <p:nvPicPr>
+              <p:cNvPr id="40" name="그림 39">
+                <a:extLst>
+                  <a:ext uri="{FF2B5EF4-FFF2-40B4-BE49-F238E27FC236}">
+                    <a16:creationId xmlns:a16="http://schemas.microsoft.com/office/drawing/2014/main" id="{21C49C06-46F0-4D90-B6A4-F2577C552FA6}"/>
+                  </a:ext>
+                </a:extLst>
+              </p:cNvPr>
+              <p:cNvPicPr>
+                <a:picLocks noChangeAspect="1"/>
+              </p:cNvPicPr>
+              <p:nvPr/>
+            </p:nvPicPr>
+            <p:blipFill>
+              <a:blip r:embed="rId3">
+                <a:extLst>
+                  <a:ext uri="{28A0092B-C50C-407E-A947-70E740481C1C}">
+                    <a14:useLocalDpi xmlns:a14="http://schemas.microsoft.com/office/drawing/2010/main" val="0"/>
+                  </a:ext>
+                </a:extLst>
+              </a:blip>
+              <a:stretch>
+                <a:fillRect/>
+              </a:stretch>
+            </p:blipFill>
+            <p:spPr>
+              <a:xfrm>
+                <a:off x="-600882" y="24545119"/>
+                <a:ext cx="12960000" cy="12960000"/>
+              </a:xfrm>
+              <a:prstGeom prst="rect">
+                <a:avLst/>
+              </a:prstGeom>
+            </p:spPr>
+          </p:pic>
+        </p:grpSp>
+        <p:grpSp>
+          <p:nvGrpSpPr>
+            <p:cNvPr id="27" name="그룹 26">
+              <a:extLst>
+                <a:ext uri="{FF2B5EF4-FFF2-40B4-BE49-F238E27FC236}">
+                  <a16:creationId xmlns:a16="http://schemas.microsoft.com/office/drawing/2014/main" id="{7ACF044D-5837-4F1B-848B-BD9ACA871CF0}"/>
+                </a:ext>
+              </a:extLst>
+            </p:cNvPr>
+            <p:cNvGrpSpPr>
+              <a:grpSpLocks noChangeAspect="1"/>
+            </p:cNvGrpSpPr>
+            <p:nvPr/>
+          </p:nvGrpSpPr>
+          <p:grpSpPr>
+            <a:xfrm>
+              <a:off x="3060319" y="11703919"/>
+              <a:ext cx="10681200" cy="10681200"/>
+              <a:chOff x="328786" y="11703919"/>
+              <a:chExt cx="10681200" cy="10681200"/>
+            </a:xfrm>
+          </p:grpSpPr>
+          <p:sp>
+            <p:nvSpPr>
+              <p:cNvPr id="37" name="직사각형 36">
+                <a:extLst>
+                  <a:ext uri="{FF2B5EF4-FFF2-40B4-BE49-F238E27FC236}">
+                    <a16:creationId xmlns:a16="http://schemas.microsoft.com/office/drawing/2014/main" id="{C3526A40-C3D5-42ED-81BB-B8BF1A2059C6}"/>
+                  </a:ext>
+                </a:extLst>
+              </p:cNvPr>
+              <p:cNvSpPr>
+                <a:spLocks noChangeAspect="1"/>
+              </p:cNvSpPr>
+              <p:nvPr/>
+            </p:nvSpPr>
+            <p:spPr>
+              <a:xfrm>
+                <a:off x="328786" y="11703919"/>
+                <a:ext cx="10681200" cy="10681200"/>
+              </a:xfrm>
+              <a:prstGeom prst="rect">
+                <a:avLst/>
+              </a:prstGeom>
+              <a:solidFill>
+                <a:schemeClr val="bg1"/>
+              </a:solidFill>
+              <a:ln>
+                <a:noFill/>
+              </a:ln>
+            </p:spPr>
+            <p:style>
+              <a:lnRef idx="2">
+                <a:schemeClr val="accent1">
+                  <a:shade val="50000"/>
+                </a:schemeClr>
+              </a:lnRef>
+              <a:fillRef idx="1">
+                <a:schemeClr val="accent1"/>
+              </a:fillRef>
+              <a:effectRef idx="0">
+                <a:schemeClr val="accent1"/>
+              </a:effectRef>
+              <a:fontRef idx="minor">
+                <a:schemeClr val="lt1"/>
+              </a:fontRef>
+            </p:style>
+            <p:txBody>
+              <a:bodyPr rtlCol="0" anchor="ctr"/>
+              <a:lstStyle/>
+              <a:p>
+                <a:pPr algn="ctr"/>
+                <a:endParaRPr lang="en-US"/>
+              </a:p>
+            </p:txBody>
+          </p:sp>
+          <p:pic>
+            <p:nvPicPr>
+              <p:cNvPr id="38" name="그림 37">
+                <a:extLst>
+                  <a:ext uri="{FF2B5EF4-FFF2-40B4-BE49-F238E27FC236}">
+                    <a16:creationId xmlns:a16="http://schemas.microsoft.com/office/drawing/2014/main" id="{BBF518E5-C15E-4D3F-BFC1-67106716F205}"/>
+                  </a:ext>
+                </a:extLst>
+              </p:cNvPr>
+              <p:cNvPicPr>
+                <a:picLocks noChangeAspect="1"/>
+              </p:cNvPicPr>
+              <p:nvPr/>
+            </p:nvPicPr>
+            <p:blipFill>
+              <a:blip r:embed="rId4">
+                <a:extLst>
+                  <a:ext uri="{28A0092B-C50C-407E-A947-70E740481C1C}">
+                    <a14:useLocalDpi xmlns:a14="http://schemas.microsoft.com/office/drawing/2010/main" val="0"/>
+                  </a:ext>
+                </a:extLst>
+              </a:blip>
+              <a:stretch>
+                <a:fillRect/>
+              </a:stretch>
+            </p:blipFill>
+            <p:spPr>
+              <a:xfrm>
+                <a:off x="1664386" y="13039519"/>
+                <a:ext cx="8010000" cy="8010000"/>
+              </a:xfrm>
+              <a:prstGeom prst="rect">
+                <a:avLst/>
+              </a:prstGeom>
+            </p:spPr>
+          </p:pic>
+        </p:grpSp>
+        <p:grpSp>
+          <p:nvGrpSpPr>
+            <p:cNvPr id="28" name="그룹 27">
+              <a:extLst>
+                <a:ext uri="{FF2B5EF4-FFF2-40B4-BE49-F238E27FC236}">
+                  <a16:creationId xmlns:a16="http://schemas.microsoft.com/office/drawing/2014/main" id="{26F4EB98-3DA6-485F-B268-A2CF038CFDB8}"/>
+                </a:ext>
+              </a:extLst>
+            </p:cNvPr>
+            <p:cNvGrpSpPr>
+              <a:grpSpLocks noChangeAspect="1"/>
+            </p:cNvGrpSpPr>
+            <p:nvPr/>
+          </p:nvGrpSpPr>
+          <p:grpSpPr>
+            <a:xfrm>
+              <a:off x="13741518" y="11703919"/>
+              <a:ext cx="6598800" cy="6598800"/>
+              <a:chOff x="10314342" y="13626019"/>
+              <a:chExt cx="6598800" cy="6598800"/>
+            </a:xfrm>
+          </p:grpSpPr>
+          <p:sp>
+            <p:nvSpPr>
+              <p:cNvPr id="35" name="직사각형 34">
+                <a:extLst>
+                  <a:ext uri="{FF2B5EF4-FFF2-40B4-BE49-F238E27FC236}">
+                    <a16:creationId xmlns:a16="http://schemas.microsoft.com/office/drawing/2014/main" id="{A6299B2C-5F7F-4D51-AED9-276C130008BC}"/>
+                  </a:ext>
+                </a:extLst>
+              </p:cNvPr>
+              <p:cNvSpPr>
+                <a:spLocks noChangeAspect="1"/>
+              </p:cNvSpPr>
+              <p:nvPr/>
+            </p:nvSpPr>
+            <p:spPr>
+              <a:xfrm>
+                <a:off x="10314342" y="13626019"/>
+                <a:ext cx="6598800" cy="6598800"/>
+              </a:xfrm>
+              <a:prstGeom prst="rect">
+                <a:avLst/>
+              </a:prstGeom>
+              <a:solidFill>
+                <a:schemeClr val="bg1"/>
+              </a:solidFill>
+              <a:ln>
+                <a:noFill/>
+              </a:ln>
+            </p:spPr>
+            <p:style>
+              <a:lnRef idx="2">
+                <a:schemeClr val="accent1">
+                  <a:shade val="50000"/>
+                </a:schemeClr>
+              </a:lnRef>
+              <a:fillRef idx="1">
+                <a:schemeClr val="accent1"/>
+              </a:fillRef>
+              <a:effectRef idx="0">
+                <a:schemeClr val="accent1"/>
+              </a:effectRef>
+              <a:fontRef idx="minor">
+                <a:schemeClr val="lt1"/>
+              </a:fontRef>
+            </p:style>
+            <p:txBody>
+              <a:bodyPr rtlCol="0" anchor="ctr"/>
+              <a:lstStyle/>
+              <a:p>
+                <a:pPr algn="ctr"/>
+                <a:endParaRPr lang="en-US"/>
+              </a:p>
+            </p:txBody>
+          </p:sp>
+          <p:pic>
+            <p:nvPicPr>
+              <p:cNvPr id="36" name="그림 35">
+                <a:extLst>
+                  <a:ext uri="{FF2B5EF4-FFF2-40B4-BE49-F238E27FC236}">
+                    <a16:creationId xmlns:a16="http://schemas.microsoft.com/office/drawing/2014/main" id="{4D5F4ACE-51EF-4B81-B7E6-6B3F550DF009}"/>
+                  </a:ext>
+                </a:extLst>
+              </p:cNvPr>
+              <p:cNvPicPr>
+                <a:picLocks noChangeAspect="1"/>
+              </p:cNvPicPr>
+              <p:nvPr/>
+            </p:nvPicPr>
+            <p:blipFill>
+              <a:blip r:embed="rId5">
+                <a:extLst>
+                  <a:ext uri="{28A0092B-C50C-407E-A947-70E740481C1C}">
+                    <a14:useLocalDpi xmlns:a14="http://schemas.microsoft.com/office/drawing/2010/main" val="0"/>
+                  </a:ext>
+                </a:extLst>
+              </a:blip>
+              <a:stretch>
+                <a:fillRect/>
+              </a:stretch>
+            </p:blipFill>
+            <p:spPr>
+              <a:xfrm>
+                <a:off x="11138742" y="14450419"/>
+                <a:ext cx="4950000" cy="4950000"/>
+              </a:xfrm>
+              <a:prstGeom prst="rect">
+                <a:avLst/>
+              </a:prstGeom>
+            </p:spPr>
+          </p:pic>
+        </p:grpSp>
+        <p:grpSp>
+          <p:nvGrpSpPr>
+            <p:cNvPr id="29" name="그룹 28">
+              <a:extLst>
+                <a:ext uri="{FF2B5EF4-FFF2-40B4-BE49-F238E27FC236}">
+                  <a16:creationId xmlns:a16="http://schemas.microsoft.com/office/drawing/2014/main" id="{871B9792-FF16-489C-B375-CDF8BFF11376}"/>
+                </a:ext>
+              </a:extLst>
+            </p:cNvPr>
+            <p:cNvGrpSpPr>
+              <a:grpSpLocks noChangeAspect="1"/>
+            </p:cNvGrpSpPr>
+            <p:nvPr/>
+          </p:nvGrpSpPr>
+          <p:grpSpPr>
+            <a:xfrm>
+              <a:off x="16261519" y="18306319"/>
+              <a:ext cx="4078800" cy="4078800"/>
+              <a:chOff x="19082678" y="18936701"/>
+              <a:chExt cx="4078800" cy="4078800"/>
+            </a:xfrm>
+          </p:grpSpPr>
+          <p:sp>
+            <p:nvSpPr>
+              <p:cNvPr id="33" name="직사각형 32">
+                <a:extLst>
+                  <a:ext uri="{FF2B5EF4-FFF2-40B4-BE49-F238E27FC236}">
+                    <a16:creationId xmlns:a16="http://schemas.microsoft.com/office/drawing/2014/main" id="{C458D60F-FBF9-4E8F-B8DD-BA06C6F6769E}"/>
+                  </a:ext>
+                </a:extLst>
+              </p:cNvPr>
+              <p:cNvSpPr>
+                <a:spLocks noChangeAspect="1"/>
+              </p:cNvSpPr>
+              <p:nvPr/>
+            </p:nvSpPr>
+            <p:spPr>
+              <a:xfrm>
+                <a:off x="19082678" y="18936701"/>
+                <a:ext cx="4078800" cy="4078800"/>
+              </a:xfrm>
+              <a:prstGeom prst="rect">
+                <a:avLst/>
+              </a:prstGeom>
+              <a:solidFill>
+                <a:schemeClr val="bg1"/>
+              </a:solidFill>
+              <a:ln>
+                <a:noFill/>
+              </a:ln>
+            </p:spPr>
+            <p:style>
+              <a:lnRef idx="2">
+                <a:schemeClr val="accent1">
+                  <a:shade val="50000"/>
+                </a:schemeClr>
+              </a:lnRef>
+              <a:fillRef idx="1">
+                <a:schemeClr val="accent1"/>
+              </a:fillRef>
+              <a:effectRef idx="0">
+                <a:schemeClr val="accent1"/>
+              </a:effectRef>
+              <a:fontRef idx="minor">
+                <a:schemeClr val="lt1"/>
+              </a:fontRef>
+            </p:style>
+            <p:txBody>
+              <a:bodyPr rtlCol="0" anchor="ctr"/>
+              <a:lstStyle/>
+              <a:p>
+                <a:pPr algn="ctr"/>
+                <a:endParaRPr lang="en-US"/>
+              </a:p>
+            </p:txBody>
+          </p:sp>
+          <p:pic>
+            <p:nvPicPr>
+              <p:cNvPr id="34" name="그림 33">
+                <a:extLst>
+                  <a:ext uri="{FF2B5EF4-FFF2-40B4-BE49-F238E27FC236}">
+                    <a16:creationId xmlns:a16="http://schemas.microsoft.com/office/drawing/2014/main" id="{22FF71AD-2F84-4A1A-8054-6A6DDF84BBE1}"/>
+                  </a:ext>
+                </a:extLst>
+              </p:cNvPr>
+              <p:cNvPicPr>
+                <a:picLocks noChangeAspect="1"/>
+              </p:cNvPicPr>
+              <p:nvPr/>
+            </p:nvPicPr>
+            <p:blipFill>
+              <a:blip r:embed="rId6">
+                <a:extLst>
+                  <a:ext uri="{28A0092B-C50C-407E-A947-70E740481C1C}">
+                    <a14:useLocalDpi xmlns:a14="http://schemas.microsoft.com/office/drawing/2010/main" val="0"/>
+                  </a:ext>
+                </a:extLst>
+              </a:blip>
+              <a:stretch>
+                <a:fillRect/>
+              </a:stretch>
+            </p:blipFill>
+            <p:spPr>
+              <a:xfrm>
+                <a:off x="19592078" y="19446101"/>
+                <a:ext cx="3060000" cy="3060000"/>
+              </a:xfrm>
+              <a:prstGeom prst="rect">
+                <a:avLst/>
+              </a:prstGeom>
+            </p:spPr>
+          </p:pic>
+        </p:grpSp>
+        <p:grpSp>
+          <p:nvGrpSpPr>
+            <p:cNvPr id="30" name="그룹 29">
+              <a:extLst>
+                <a:ext uri="{FF2B5EF4-FFF2-40B4-BE49-F238E27FC236}">
+                  <a16:creationId xmlns:a16="http://schemas.microsoft.com/office/drawing/2014/main" id="{48C31A3C-77BA-4E3D-B5C6-E2AEE14D7F87}"/>
+                </a:ext>
+              </a:extLst>
+            </p:cNvPr>
+            <p:cNvGrpSpPr>
+              <a:grpSpLocks noChangeAspect="1"/>
+            </p:cNvGrpSpPr>
+            <p:nvPr/>
+          </p:nvGrpSpPr>
+          <p:grpSpPr>
+            <a:xfrm>
+              <a:off x="13741518" y="18306319"/>
+              <a:ext cx="1555200" cy="1555200"/>
+              <a:chOff x="26644062" y="18487410"/>
+              <a:chExt cx="1555200" cy="1555200"/>
+            </a:xfrm>
+          </p:grpSpPr>
+          <p:sp>
+            <p:nvSpPr>
+              <p:cNvPr id="31" name="직사각형 30">
+                <a:extLst>
+                  <a:ext uri="{FF2B5EF4-FFF2-40B4-BE49-F238E27FC236}">
+                    <a16:creationId xmlns:a16="http://schemas.microsoft.com/office/drawing/2014/main" id="{7FA2CC86-19B8-49E2-B814-02739E68047D}"/>
+                  </a:ext>
+                </a:extLst>
+              </p:cNvPr>
+              <p:cNvSpPr>
+                <a:spLocks noChangeAspect="1"/>
+              </p:cNvSpPr>
+              <p:nvPr/>
+            </p:nvSpPr>
+            <p:spPr>
+              <a:xfrm>
+                <a:off x="26644062" y="18487410"/>
+                <a:ext cx="1555200" cy="1555200"/>
+              </a:xfrm>
+              <a:prstGeom prst="rect">
+                <a:avLst/>
+              </a:prstGeom>
+              <a:solidFill>
+                <a:schemeClr val="bg1"/>
+              </a:solidFill>
+              <a:ln>
+                <a:noFill/>
+              </a:ln>
+            </p:spPr>
+            <p:style>
+              <a:lnRef idx="2">
+                <a:schemeClr val="accent1">
+                  <a:shade val="50000"/>
+                </a:schemeClr>
+              </a:lnRef>
+              <a:fillRef idx="1">
+                <a:schemeClr val="accent1"/>
+              </a:fillRef>
+              <a:effectRef idx="0">
+                <a:schemeClr val="accent1"/>
+              </a:effectRef>
+              <a:fontRef idx="minor">
+                <a:schemeClr val="lt1"/>
+              </a:fontRef>
+            </p:style>
+            <p:txBody>
+              <a:bodyPr rtlCol="0" anchor="ctr"/>
+              <a:lstStyle/>
+              <a:p>
+                <a:pPr algn="ctr"/>
+                <a:endParaRPr lang="en-US"/>
+              </a:p>
+            </p:txBody>
+          </p:sp>
+          <p:pic>
+            <p:nvPicPr>
+              <p:cNvPr id="32" name="그림 31">
+                <a:extLst>
+                  <a:ext uri="{FF2B5EF4-FFF2-40B4-BE49-F238E27FC236}">
+                    <a16:creationId xmlns:a16="http://schemas.microsoft.com/office/drawing/2014/main" id="{E688D5BE-69FC-4EC4-891E-007A73005535}"/>
+                  </a:ext>
+                </a:extLst>
+              </p:cNvPr>
+              <p:cNvPicPr>
+                <a:picLocks noChangeAspect="1"/>
+              </p:cNvPicPr>
+              <p:nvPr/>
+            </p:nvPicPr>
+            <p:blipFill>
+              <a:blip r:embed="rId7">
+                <a:extLst>
+                  <a:ext uri="{28A0092B-C50C-407E-A947-70E740481C1C}">
+                    <a14:useLocalDpi xmlns:a14="http://schemas.microsoft.com/office/drawing/2010/main" val="0"/>
+                  </a:ext>
+                </a:extLst>
+              </a:blip>
+              <a:stretch>
+                <a:fillRect/>
+              </a:stretch>
+            </p:blipFill>
+            <p:spPr>
+              <a:xfrm>
+                <a:off x="26838462" y="18681810"/>
+                <a:ext cx="1166400" cy="1166400"/>
+              </a:xfrm>
+              <a:prstGeom prst="rect">
+                <a:avLst/>
+              </a:prstGeom>
+            </p:spPr>
+          </p:pic>
+        </p:grpSp>
+      </p:grpSp>
+      <p:pic>
+        <p:nvPicPr>
+          <p:cNvPr id="6" name="그림 5">
+            <a:extLst>
+              <a:ext uri="{FF2B5EF4-FFF2-40B4-BE49-F238E27FC236}">
+                <a16:creationId xmlns:a16="http://schemas.microsoft.com/office/drawing/2014/main" id="{EC4D0D03-7A9D-4074-B66A-F31FAB37EEEE}"/>
+              </a:ext>
+            </a:extLst>
+          </p:cNvPr>
+          <p:cNvPicPr>
+            <a:picLocks noChangeAspect="1"/>
+          </p:cNvPicPr>
+          <p:nvPr/>
+        </p:nvPicPr>
+        <p:blipFill>
+          <a:blip r:embed="rId8"/>
+          <a:stretch>
+            <a:fillRect/>
+          </a:stretch>
+        </p:blipFill>
+        <p:spPr>
+          <a:xfrm>
+            <a:off x="19661882" y="7358747"/>
+            <a:ext cx="34560000" cy="55926615"/>
+          </a:xfrm>
+          <a:prstGeom prst="rect">
+            <a:avLst/>
+          </a:prstGeom>
+        </p:spPr>
+      </p:pic>
     </p:spTree>
     <p:extLst>
       <p:ext uri="{BB962C8B-B14F-4D97-AF65-F5344CB8AC3E}">
@@ -16011,278 +16860,6 @@
       </p:sp>
       <p:sp>
         <p:nvSpPr>
-          <p:cNvPr id="35" name="직사각형 34">
-            <a:extLst>
-              <a:ext uri="{FF2B5EF4-FFF2-40B4-BE49-F238E27FC236}">
-                <a16:creationId xmlns:a16="http://schemas.microsoft.com/office/drawing/2014/main" id="{81CA3AAD-3460-49F7-A92F-1DB8E33C8797}"/>
-              </a:ext>
-            </a:extLst>
-          </p:cNvPr>
-          <p:cNvSpPr>
-            <a:spLocks noChangeAspect="1"/>
-          </p:cNvSpPr>
-          <p:nvPr/>
-        </p:nvSpPr>
-        <p:spPr>
-          <a:xfrm>
-            <a:off x="3060319" y="5105119"/>
-            <a:ext cx="17280000" cy="34560000"/>
-          </a:xfrm>
-          <a:prstGeom prst="rect">
-            <a:avLst/>
-          </a:prstGeom>
-          <a:solidFill>
-            <a:schemeClr val="bg1"/>
-          </a:solidFill>
-          <a:ln>
-            <a:solidFill>
-              <a:schemeClr val="tx1"/>
-            </a:solidFill>
-          </a:ln>
-        </p:spPr>
-        <p:style>
-          <a:lnRef idx="2">
-            <a:schemeClr val="accent1">
-              <a:shade val="50000"/>
-            </a:schemeClr>
-          </a:lnRef>
-          <a:fillRef idx="1">
-            <a:schemeClr val="accent1"/>
-          </a:fillRef>
-          <a:effectRef idx="0">
-            <a:schemeClr val="accent1"/>
-          </a:effectRef>
-          <a:fontRef idx="minor">
-            <a:schemeClr val="lt1"/>
-          </a:fontRef>
-        </p:style>
-        <p:txBody>
-          <a:bodyPr rtlCol="0" anchor="ctr"/>
-          <a:lstStyle/>
-          <a:p>
-            <a:pPr algn="ctr"/>
-            <a:endParaRPr lang="en-US"/>
-          </a:p>
-        </p:txBody>
-      </p:sp>
-      <p:pic>
-        <p:nvPicPr>
-          <p:cNvPr id="70" name="그림 69">
-            <a:extLst>
-              <a:ext uri="{FF2B5EF4-FFF2-40B4-BE49-F238E27FC236}">
-                <a16:creationId xmlns:a16="http://schemas.microsoft.com/office/drawing/2014/main" id="{63D36E5B-9B69-412A-B6EC-7C71F3A9A53A}"/>
-              </a:ext>
-            </a:extLst>
-          </p:cNvPr>
-          <p:cNvPicPr>
-            <a:picLocks noChangeAspect="1"/>
-          </p:cNvPicPr>
-          <p:nvPr/>
-        </p:nvPicPr>
-        <p:blipFill>
-          <a:blip r:embed="rId2">
-            <a:extLst>
-              <a:ext uri="{28A0092B-C50C-407E-A947-70E740481C1C}">
-                <a14:useLocalDpi xmlns:a14="http://schemas.microsoft.com/office/drawing/2010/main" val="0"/>
-              </a:ext>
-            </a:extLst>
-          </a:blip>
-          <a:stretch>
-            <a:fillRect/>
-          </a:stretch>
-        </p:blipFill>
-        <p:spPr>
-          <a:xfrm>
-            <a:off x="13741518" y="18306319"/>
-            <a:ext cx="1555200" cy="1555200"/>
-          </a:xfrm>
-          <a:prstGeom prst="rect">
-            <a:avLst/>
-          </a:prstGeom>
-        </p:spPr>
-      </p:pic>
-      <p:pic>
-        <p:nvPicPr>
-          <p:cNvPr id="67" name="그림 66">
-            <a:extLst>
-              <a:ext uri="{FF2B5EF4-FFF2-40B4-BE49-F238E27FC236}">
-                <a16:creationId xmlns:a16="http://schemas.microsoft.com/office/drawing/2014/main" id="{62884EFD-2A2F-44DA-992B-0E0B6AD5EE3E}"/>
-              </a:ext>
-            </a:extLst>
-          </p:cNvPr>
-          <p:cNvPicPr>
-            <a:picLocks noChangeAspect="1"/>
-          </p:cNvPicPr>
-          <p:nvPr/>
-        </p:nvPicPr>
-        <p:blipFill>
-          <a:blip r:embed="rId3">
-            <a:extLst>
-              <a:ext uri="{28A0092B-C50C-407E-A947-70E740481C1C}">
-                <a14:useLocalDpi xmlns:a14="http://schemas.microsoft.com/office/drawing/2010/main" val="0"/>
-              </a:ext>
-            </a:extLst>
-          </a:blip>
-          <a:stretch>
-            <a:fillRect/>
-          </a:stretch>
-        </p:blipFill>
-        <p:spPr>
-          <a:xfrm>
-            <a:off x="16261519" y="18306319"/>
-            <a:ext cx="4078800" cy="4078800"/>
-          </a:xfrm>
-          <a:prstGeom prst="rect">
-            <a:avLst/>
-          </a:prstGeom>
-        </p:spPr>
-      </p:pic>
-      <p:pic>
-        <p:nvPicPr>
-          <p:cNvPr id="4" name="그림 3">
-            <a:extLst>
-              <a:ext uri="{FF2B5EF4-FFF2-40B4-BE49-F238E27FC236}">
-                <a16:creationId xmlns:a16="http://schemas.microsoft.com/office/drawing/2014/main" id="{296ABC12-9FCB-4B3B-82AE-A9528735FC40}"/>
-              </a:ext>
-            </a:extLst>
-          </p:cNvPr>
-          <p:cNvPicPr>
-            <a:picLocks noChangeAspect="1"/>
-          </p:cNvPicPr>
-          <p:nvPr/>
-        </p:nvPicPr>
-        <p:blipFill>
-          <a:blip r:embed="rId4">
-            <a:extLst>
-              <a:ext uri="{28A0092B-C50C-407E-A947-70E740481C1C}">
-                <a14:useLocalDpi xmlns:a14="http://schemas.microsoft.com/office/drawing/2010/main" val="0"/>
-              </a:ext>
-            </a:extLst>
-          </a:blip>
-          <a:stretch>
-            <a:fillRect/>
-          </a:stretch>
-        </p:blipFill>
-        <p:spPr>
-          <a:xfrm>
-            <a:off x="3060319" y="22385119"/>
-            <a:ext cx="17280000" cy="17280000"/>
-          </a:xfrm>
-          <a:prstGeom prst="rect">
-            <a:avLst/>
-          </a:prstGeom>
-        </p:spPr>
-      </p:pic>
-      <p:pic>
-        <p:nvPicPr>
-          <p:cNvPr id="73" name="그림 72">
-            <a:extLst>
-              <a:ext uri="{FF2B5EF4-FFF2-40B4-BE49-F238E27FC236}">
-                <a16:creationId xmlns:a16="http://schemas.microsoft.com/office/drawing/2014/main" id="{52CFFC47-F443-4E9B-9D08-9481C553B9E8}"/>
-              </a:ext>
-            </a:extLst>
-          </p:cNvPr>
-          <p:cNvPicPr>
-            <a:picLocks noChangeAspect="1"/>
-          </p:cNvPicPr>
-          <p:nvPr/>
-        </p:nvPicPr>
-        <p:blipFill>
-          <a:blip r:embed="rId5">
-            <a:extLst>
-              <a:ext uri="{28A0092B-C50C-407E-A947-70E740481C1C}">
-                <a14:useLocalDpi xmlns:a14="http://schemas.microsoft.com/office/drawing/2010/main" val="0"/>
-              </a:ext>
-            </a:extLst>
-          </a:blip>
-          <a:stretch>
-            <a:fillRect/>
-          </a:stretch>
-        </p:blipFill>
-        <p:spPr>
-          <a:xfrm>
-            <a:off x="3060319" y="11703919"/>
-            <a:ext cx="10681200" cy="10681200"/>
-          </a:xfrm>
-          <a:prstGeom prst="rect">
-            <a:avLst/>
-          </a:prstGeom>
-        </p:spPr>
-      </p:pic>
-      <p:pic>
-        <p:nvPicPr>
-          <p:cNvPr id="74" name="그림 73">
-            <a:extLst>
-              <a:ext uri="{FF2B5EF4-FFF2-40B4-BE49-F238E27FC236}">
-                <a16:creationId xmlns:a16="http://schemas.microsoft.com/office/drawing/2014/main" id="{54A06517-BA3A-463D-ADF4-A62955988D78}"/>
-              </a:ext>
-            </a:extLst>
-          </p:cNvPr>
-          <p:cNvPicPr>
-            <a:picLocks noChangeAspect="1"/>
-          </p:cNvPicPr>
-          <p:nvPr/>
-        </p:nvPicPr>
-        <p:blipFill>
-          <a:blip r:embed="rId6">
-            <a:extLst>
-              <a:ext uri="{28A0092B-C50C-407E-A947-70E740481C1C}">
-                <a14:useLocalDpi xmlns:a14="http://schemas.microsoft.com/office/drawing/2010/main" val="0"/>
-              </a:ext>
-            </a:extLst>
-          </a:blip>
-          <a:stretch>
-            <a:fillRect/>
-          </a:stretch>
-        </p:blipFill>
-        <p:spPr>
-          <a:xfrm>
-            <a:off x="13741518" y="11703919"/>
-            <a:ext cx="6598800" cy="6598800"/>
-          </a:xfrm>
-          <a:prstGeom prst="rect">
-            <a:avLst/>
-          </a:prstGeom>
-        </p:spPr>
-      </p:pic>
-      <p:pic>
-        <p:nvPicPr>
-          <p:cNvPr id="69" name="그림 68">
-            <a:extLst>
-              <a:ext uri="{FF2B5EF4-FFF2-40B4-BE49-F238E27FC236}">
-                <a16:creationId xmlns:a16="http://schemas.microsoft.com/office/drawing/2014/main" id="{106536BE-4FC3-4E59-9CC6-842EFA8F5A8D}"/>
-              </a:ext>
-            </a:extLst>
-          </p:cNvPr>
-          <p:cNvPicPr>
-            <a:picLocks noChangeAspect="1"/>
-          </p:cNvPicPr>
-          <p:nvPr/>
-        </p:nvPicPr>
-        <p:blipFill>
-          <a:blip r:embed="rId7">
-            <a:extLst>
-              <a:ext uri="{28A0092B-C50C-407E-A947-70E740481C1C}">
-                <a14:useLocalDpi xmlns:a14="http://schemas.microsoft.com/office/drawing/2010/main" val="0"/>
-              </a:ext>
-            </a:extLst>
-          </a:blip>
-          <a:stretch>
-            <a:fillRect/>
-          </a:stretch>
-        </p:blipFill>
-        <p:spPr>
-          <a:xfrm>
-            <a:off x="13741520" y="19865119"/>
-            <a:ext cx="2520000" cy="2520000"/>
-          </a:xfrm>
-          <a:prstGeom prst="rect">
-            <a:avLst/>
-          </a:prstGeom>
-        </p:spPr>
-      </p:pic>
-      <p:sp>
-        <p:nvSpPr>
           <p:cNvPr id="113" name="직사각형 112">
             <a:extLst>
               <a:ext uri="{FF2B5EF4-FFF2-40B4-BE49-F238E27FC236}">
@@ -16827,6 +17404,2371 @@
           </a:p>
         </p:txBody>
       </p:sp>
+      <p:sp>
+        <p:nvSpPr>
+          <p:cNvPr id="23" name="직사각형 22">
+            <a:extLst>
+              <a:ext uri="{FF2B5EF4-FFF2-40B4-BE49-F238E27FC236}">
+                <a16:creationId xmlns:a16="http://schemas.microsoft.com/office/drawing/2014/main" id="{00BF5103-85C3-4144-8856-FD74CF63E5F7}"/>
+              </a:ext>
+            </a:extLst>
+          </p:cNvPr>
+          <p:cNvSpPr>
+            <a:spLocks noChangeAspect="1"/>
+          </p:cNvSpPr>
+          <p:nvPr/>
+        </p:nvSpPr>
+        <p:spPr>
+          <a:xfrm>
+            <a:off x="44832604" y="26453639"/>
+            <a:ext cx="17280000" cy="17280000"/>
+          </a:xfrm>
+          <a:prstGeom prst="rect">
+            <a:avLst/>
+          </a:prstGeom>
+          <a:solidFill>
+            <a:schemeClr val="bg1"/>
+          </a:solidFill>
+          <a:ln>
+            <a:solidFill>
+              <a:schemeClr val="tx1"/>
+            </a:solidFill>
+          </a:ln>
+        </p:spPr>
+        <p:style>
+          <a:lnRef idx="2">
+            <a:schemeClr val="accent1">
+              <a:shade val="50000"/>
+            </a:schemeClr>
+          </a:lnRef>
+          <a:fillRef idx="1">
+            <a:schemeClr val="accent1"/>
+          </a:fillRef>
+          <a:effectRef idx="0">
+            <a:schemeClr val="accent1"/>
+          </a:effectRef>
+          <a:fontRef idx="minor">
+            <a:schemeClr val="lt1"/>
+          </a:fontRef>
+        </p:style>
+        <p:txBody>
+          <a:bodyPr rtlCol="0" anchor="ctr" anchorCtr="1"/>
+          <a:lstStyle/>
+          <a:p>
+            <a:pPr algn="ctr"/>
+            <a:r>
+              <a:rPr lang="en-US" sz="9600" dirty="0">
+                <a:solidFill>
+                  <a:schemeClr val="tx1"/>
+                </a:solidFill>
+                <a:latin typeface="Arial" panose="020B0604020202020204" pitchFamily="34" charset="0"/>
+                <a:ea typeface="맑은 고딕" panose="020B0503020000020004" pitchFamily="50" charset="-127"/>
+              </a:rPr>
+              <a:t>0</a:t>
+            </a:r>
+          </a:p>
+        </p:txBody>
+      </p:sp>
+      <p:sp>
+        <p:nvSpPr>
+          <p:cNvPr id="24" name="직사각형 23">
+            <a:extLst>
+              <a:ext uri="{FF2B5EF4-FFF2-40B4-BE49-F238E27FC236}">
+                <a16:creationId xmlns:a16="http://schemas.microsoft.com/office/drawing/2014/main" id="{3D0F1C87-764B-411F-AF85-FD7E1DB4CE5D}"/>
+              </a:ext>
+            </a:extLst>
+          </p:cNvPr>
+          <p:cNvSpPr>
+            <a:spLocks noChangeAspect="1"/>
+          </p:cNvSpPr>
+          <p:nvPr/>
+        </p:nvSpPr>
+        <p:spPr>
+          <a:xfrm>
+            <a:off x="48132004" y="15772439"/>
+            <a:ext cx="10681200" cy="10681200"/>
+          </a:xfrm>
+          <a:prstGeom prst="rect">
+            <a:avLst/>
+          </a:prstGeom>
+          <a:solidFill>
+            <a:schemeClr val="bg1"/>
+          </a:solidFill>
+          <a:ln>
+            <a:solidFill>
+              <a:schemeClr val="tx1"/>
+            </a:solidFill>
+          </a:ln>
+        </p:spPr>
+        <p:style>
+          <a:lnRef idx="2">
+            <a:schemeClr val="accent1">
+              <a:shade val="50000"/>
+            </a:schemeClr>
+          </a:lnRef>
+          <a:fillRef idx="1">
+            <a:schemeClr val="accent1"/>
+          </a:fillRef>
+          <a:effectRef idx="0">
+            <a:schemeClr val="accent1"/>
+          </a:effectRef>
+          <a:fontRef idx="minor">
+            <a:schemeClr val="lt1"/>
+          </a:fontRef>
+        </p:style>
+        <p:txBody>
+          <a:bodyPr rtlCol="0" anchor="ctr" anchorCtr="1"/>
+          <a:lstStyle/>
+          <a:p>
+            <a:pPr algn="ctr"/>
+            <a:r>
+              <a:rPr lang="en-US" sz="9600" dirty="0">
+                <a:solidFill>
+                  <a:schemeClr val="tx1"/>
+                </a:solidFill>
+                <a:latin typeface="Arial" panose="020B0604020202020204" pitchFamily="34" charset="0"/>
+                <a:ea typeface="맑은 고딕" panose="020B0503020000020004" pitchFamily="50" charset="-127"/>
+              </a:rPr>
+              <a:t>1</a:t>
+            </a:r>
+          </a:p>
+        </p:txBody>
+      </p:sp>
+      <p:sp>
+        <p:nvSpPr>
+          <p:cNvPr id="26" name="직사각형 25">
+            <a:extLst>
+              <a:ext uri="{FF2B5EF4-FFF2-40B4-BE49-F238E27FC236}">
+                <a16:creationId xmlns:a16="http://schemas.microsoft.com/office/drawing/2014/main" id="{0FEC8E5A-8B2C-4567-9C04-6F1828547A79}"/>
+              </a:ext>
+            </a:extLst>
+          </p:cNvPr>
+          <p:cNvSpPr>
+            <a:spLocks noChangeAspect="1"/>
+          </p:cNvSpPr>
+          <p:nvPr/>
+        </p:nvSpPr>
+        <p:spPr>
+          <a:xfrm>
+            <a:off x="50173204" y="9173639"/>
+            <a:ext cx="6598800" cy="6598800"/>
+          </a:xfrm>
+          <a:prstGeom prst="rect">
+            <a:avLst/>
+          </a:prstGeom>
+          <a:solidFill>
+            <a:schemeClr val="bg1"/>
+          </a:solidFill>
+          <a:ln>
+            <a:solidFill>
+              <a:schemeClr val="tx1"/>
+            </a:solidFill>
+          </a:ln>
+        </p:spPr>
+        <p:style>
+          <a:lnRef idx="2">
+            <a:schemeClr val="accent1">
+              <a:shade val="50000"/>
+            </a:schemeClr>
+          </a:lnRef>
+          <a:fillRef idx="1">
+            <a:schemeClr val="accent1"/>
+          </a:fillRef>
+          <a:effectRef idx="0">
+            <a:schemeClr val="accent1"/>
+          </a:effectRef>
+          <a:fontRef idx="minor">
+            <a:schemeClr val="lt1"/>
+          </a:fontRef>
+        </p:style>
+        <p:txBody>
+          <a:bodyPr rtlCol="0" anchor="ctr" anchorCtr="1"/>
+          <a:lstStyle/>
+          <a:p>
+            <a:pPr algn="ctr"/>
+            <a:r>
+              <a:rPr lang="en-US" sz="9600" dirty="0">
+                <a:solidFill>
+                  <a:schemeClr val="tx1"/>
+                </a:solidFill>
+                <a:latin typeface="Arial" panose="020B0604020202020204" pitchFamily="34" charset="0"/>
+                <a:ea typeface="맑은 고딕" panose="020B0503020000020004" pitchFamily="50" charset="-127"/>
+              </a:rPr>
+              <a:t>2</a:t>
+            </a:r>
+          </a:p>
+        </p:txBody>
+      </p:sp>
+      <p:sp>
+        <p:nvSpPr>
+          <p:cNvPr id="27" name="직사각형 26">
+            <a:extLst>
+              <a:ext uri="{FF2B5EF4-FFF2-40B4-BE49-F238E27FC236}">
+                <a16:creationId xmlns:a16="http://schemas.microsoft.com/office/drawing/2014/main" id="{2C239DA9-5862-4AFC-AFE9-89DC72BA1917}"/>
+              </a:ext>
+            </a:extLst>
+          </p:cNvPr>
+          <p:cNvSpPr>
+            <a:spLocks noChangeAspect="1"/>
+          </p:cNvSpPr>
+          <p:nvPr/>
+        </p:nvSpPr>
+        <p:spPr>
+          <a:xfrm>
+            <a:off x="51433204" y="5105119"/>
+            <a:ext cx="4078800" cy="4078800"/>
+          </a:xfrm>
+          <a:prstGeom prst="rect">
+            <a:avLst/>
+          </a:prstGeom>
+          <a:solidFill>
+            <a:schemeClr val="bg1"/>
+          </a:solidFill>
+          <a:ln>
+            <a:solidFill>
+              <a:schemeClr val="tx1"/>
+            </a:solidFill>
+          </a:ln>
+        </p:spPr>
+        <p:style>
+          <a:lnRef idx="2">
+            <a:schemeClr val="accent1">
+              <a:shade val="50000"/>
+            </a:schemeClr>
+          </a:lnRef>
+          <a:fillRef idx="1">
+            <a:schemeClr val="accent1"/>
+          </a:fillRef>
+          <a:effectRef idx="0">
+            <a:schemeClr val="accent1"/>
+          </a:effectRef>
+          <a:fontRef idx="minor">
+            <a:schemeClr val="lt1"/>
+          </a:fontRef>
+        </p:style>
+        <p:txBody>
+          <a:bodyPr rtlCol="0" anchor="ctr" anchorCtr="1"/>
+          <a:lstStyle/>
+          <a:p>
+            <a:pPr algn="ctr"/>
+            <a:r>
+              <a:rPr lang="en-US" sz="9600" dirty="0">
+                <a:solidFill>
+                  <a:schemeClr val="tx1"/>
+                </a:solidFill>
+                <a:latin typeface="Arial" panose="020B0604020202020204" pitchFamily="34" charset="0"/>
+                <a:ea typeface="맑은 고딕" panose="020B0503020000020004" pitchFamily="50" charset="-127"/>
+              </a:rPr>
+              <a:t>3</a:t>
+            </a:r>
+          </a:p>
+        </p:txBody>
+      </p:sp>
+      <p:sp>
+        <p:nvSpPr>
+          <p:cNvPr id="28" name="직사각형 27">
+            <a:extLst>
+              <a:ext uri="{FF2B5EF4-FFF2-40B4-BE49-F238E27FC236}">
+                <a16:creationId xmlns:a16="http://schemas.microsoft.com/office/drawing/2014/main" id="{DB71A083-1FE3-4B38-B4BE-9C6CD6409ACA}"/>
+              </a:ext>
+            </a:extLst>
+          </p:cNvPr>
+          <p:cNvSpPr>
+            <a:spLocks noChangeAspect="1"/>
+          </p:cNvSpPr>
+          <p:nvPr/>
+        </p:nvSpPr>
+        <p:spPr>
+          <a:xfrm>
+            <a:off x="52212604" y="2602930"/>
+            <a:ext cx="2520000" cy="2520000"/>
+          </a:xfrm>
+          <a:prstGeom prst="rect">
+            <a:avLst/>
+          </a:prstGeom>
+          <a:solidFill>
+            <a:schemeClr val="bg1"/>
+          </a:solidFill>
+          <a:ln>
+            <a:solidFill>
+              <a:schemeClr val="tx1"/>
+            </a:solidFill>
+          </a:ln>
+        </p:spPr>
+        <p:style>
+          <a:lnRef idx="2">
+            <a:schemeClr val="accent1">
+              <a:shade val="50000"/>
+            </a:schemeClr>
+          </a:lnRef>
+          <a:fillRef idx="1">
+            <a:schemeClr val="accent1"/>
+          </a:fillRef>
+          <a:effectRef idx="0">
+            <a:schemeClr val="accent1"/>
+          </a:effectRef>
+          <a:fontRef idx="minor">
+            <a:schemeClr val="lt1"/>
+          </a:fontRef>
+        </p:style>
+        <p:txBody>
+          <a:bodyPr rtlCol="0" anchor="ctr" anchorCtr="1"/>
+          <a:lstStyle/>
+          <a:p>
+            <a:pPr algn="ctr"/>
+            <a:r>
+              <a:rPr lang="en-US" sz="9600" dirty="0">
+                <a:solidFill>
+                  <a:schemeClr val="tx1"/>
+                </a:solidFill>
+                <a:latin typeface="Arial" panose="020B0604020202020204" pitchFamily="34" charset="0"/>
+                <a:ea typeface="맑은 고딕" panose="020B0503020000020004" pitchFamily="50" charset="-127"/>
+              </a:rPr>
+              <a:t>4</a:t>
+            </a:r>
+          </a:p>
+        </p:txBody>
+      </p:sp>
+      <p:sp>
+        <p:nvSpPr>
+          <p:cNvPr id="29" name="직사각형 28">
+            <a:extLst>
+              <a:ext uri="{FF2B5EF4-FFF2-40B4-BE49-F238E27FC236}">
+                <a16:creationId xmlns:a16="http://schemas.microsoft.com/office/drawing/2014/main" id="{E5991CE1-C06A-4C4E-A069-003DA518E183}"/>
+              </a:ext>
+            </a:extLst>
+          </p:cNvPr>
+          <p:cNvSpPr>
+            <a:spLocks noChangeAspect="1"/>
+          </p:cNvSpPr>
+          <p:nvPr/>
+        </p:nvSpPr>
+        <p:spPr>
+          <a:xfrm>
+            <a:off x="52695004" y="1005759"/>
+            <a:ext cx="1555200" cy="1555200"/>
+          </a:xfrm>
+          <a:prstGeom prst="rect">
+            <a:avLst/>
+          </a:prstGeom>
+          <a:solidFill>
+            <a:schemeClr val="bg1"/>
+          </a:solidFill>
+          <a:ln>
+            <a:solidFill>
+              <a:schemeClr val="tx1"/>
+            </a:solidFill>
+          </a:ln>
+        </p:spPr>
+        <p:style>
+          <a:lnRef idx="2">
+            <a:schemeClr val="accent1">
+              <a:shade val="50000"/>
+            </a:schemeClr>
+          </a:lnRef>
+          <a:fillRef idx="1">
+            <a:schemeClr val="accent1"/>
+          </a:fillRef>
+          <a:effectRef idx="0">
+            <a:schemeClr val="accent1"/>
+          </a:effectRef>
+          <a:fontRef idx="minor">
+            <a:schemeClr val="lt1"/>
+          </a:fontRef>
+        </p:style>
+        <p:txBody>
+          <a:bodyPr rtlCol="0" anchor="ctr" anchorCtr="1"/>
+          <a:lstStyle/>
+          <a:p>
+            <a:pPr algn="ctr"/>
+            <a:r>
+              <a:rPr lang="en-US" sz="9600" dirty="0">
+                <a:solidFill>
+                  <a:schemeClr val="tx1"/>
+                </a:solidFill>
+                <a:latin typeface="Arial" panose="020B0604020202020204" pitchFamily="34" charset="0"/>
+                <a:ea typeface="맑은 고딕" panose="020B0503020000020004" pitchFamily="50" charset="-127"/>
+              </a:rPr>
+              <a:t>5</a:t>
+            </a:r>
+          </a:p>
+        </p:txBody>
+      </p:sp>
+      <p:cxnSp>
+        <p:nvCxnSpPr>
+          <p:cNvPr id="30" name="직선 연결선 29">
+            <a:extLst>
+              <a:ext uri="{FF2B5EF4-FFF2-40B4-BE49-F238E27FC236}">
+                <a16:creationId xmlns:a16="http://schemas.microsoft.com/office/drawing/2014/main" id="{B1FCCB34-AE40-4FE7-8C90-F8B5A9A2D552}"/>
+              </a:ext>
+            </a:extLst>
+          </p:cNvPr>
+          <p:cNvCxnSpPr>
+            <a:cxnSpLocks/>
+          </p:cNvCxnSpPr>
+          <p:nvPr/>
+        </p:nvCxnSpPr>
+        <p:spPr>
+          <a:xfrm>
+            <a:off x="63338993" y="26453639"/>
+            <a:ext cx="0" cy="17280000"/>
+          </a:xfrm>
+          <a:prstGeom prst="line">
+            <a:avLst/>
+          </a:prstGeom>
+        </p:spPr>
+        <p:style>
+          <a:lnRef idx="1">
+            <a:schemeClr val="accent1"/>
+          </a:lnRef>
+          <a:fillRef idx="0">
+            <a:schemeClr val="accent1"/>
+          </a:fillRef>
+          <a:effectRef idx="0">
+            <a:schemeClr val="accent1"/>
+          </a:effectRef>
+          <a:fontRef idx="minor">
+            <a:schemeClr val="tx1"/>
+          </a:fontRef>
+        </p:style>
+      </p:cxnSp>
+      <p:sp>
+        <p:nvSpPr>
+          <p:cNvPr id="31" name="TextBox 30">
+            <a:extLst>
+              <a:ext uri="{FF2B5EF4-FFF2-40B4-BE49-F238E27FC236}">
+                <a16:creationId xmlns:a16="http://schemas.microsoft.com/office/drawing/2014/main" id="{05F3ACBD-E727-4049-8BDD-758D634209AF}"/>
+              </a:ext>
+            </a:extLst>
+          </p:cNvPr>
+          <p:cNvSpPr txBox="1">
+            <a:spLocks noChangeAspect="1"/>
+          </p:cNvSpPr>
+          <p:nvPr/>
+        </p:nvSpPr>
+        <p:spPr>
+          <a:xfrm>
+            <a:off x="64307181" y="34493475"/>
+            <a:ext cx="4378160" cy="1200329"/>
+          </a:xfrm>
+          <a:prstGeom prst="rect">
+            <a:avLst/>
+          </a:prstGeom>
+          <a:noFill/>
+        </p:spPr>
+        <p:txBody>
+          <a:bodyPr wrap="square" rtlCol="0" anchor="ctr" anchorCtr="1">
+            <a:spAutoFit/>
+          </a:bodyPr>
+          <a:lstStyle/>
+          <a:p>
+            <a:pPr algn="ctr"/>
+            <a:r>
+              <a:rPr lang="en-US" sz="7200" dirty="0">
+                <a:latin typeface="Arial" panose="020B0604020202020204" pitchFamily="34" charset="0"/>
+              </a:rPr>
+              <a:t>48 cm</a:t>
+            </a:r>
+          </a:p>
+        </p:txBody>
+      </p:sp>
+      <p:cxnSp>
+        <p:nvCxnSpPr>
+          <p:cNvPr id="32" name="직선 연결선 31">
+            <a:extLst>
+              <a:ext uri="{FF2B5EF4-FFF2-40B4-BE49-F238E27FC236}">
+                <a16:creationId xmlns:a16="http://schemas.microsoft.com/office/drawing/2014/main" id="{3E5B9544-8576-4B93-9976-F1D566CD3B03}"/>
+              </a:ext>
+            </a:extLst>
+          </p:cNvPr>
+          <p:cNvCxnSpPr>
+            <a:cxnSpLocks/>
+          </p:cNvCxnSpPr>
+          <p:nvPr/>
+        </p:nvCxnSpPr>
+        <p:spPr>
+          <a:xfrm>
+            <a:off x="61120868" y="15772439"/>
+            <a:ext cx="0" cy="10681200"/>
+          </a:xfrm>
+          <a:prstGeom prst="line">
+            <a:avLst/>
+          </a:prstGeom>
+        </p:spPr>
+        <p:style>
+          <a:lnRef idx="1">
+            <a:schemeClr val="accent1"/>
+          </a:lnRef>
+          <a:fillRef idx="0">
+            <a:schemeClr val="accent1"/>
+          </a:fillRef>
+          <a:effectRef idx="0">
+            <a:schemeClr val="accent1"/>
+          </a:effectRef>
+          <a:fontRef idx="minor">
+            <a:schemeClr val="tx1"/>
+          </a:fontRef>
+        </p:style>
+      </p:cxnSp>
+      <p:sp>
+        <p:nvSpPr>
+          <p:cNvPr id="33" name="TextBox 32">
+            <a:extLst>
+              <a:ext uri="{FF2B5EF4-FFF2-40B4-BE49-F238E27FC236}">
+                <a16:creationId xmlns:a16="http://schemas.microsoft.com/office/drawing/2014/main" id="{164B6D3C-D865-4422-873A-00A22EE5F305}"/>
+              </a:ext>
+            </a:extLst>
+          </p:cNvPr>
+          <p:cNvSpPr txBox="1">
+            <a:spLocks noChangeAspect="1"/>
+          </p:cNvSpPr>
+          <p:nvPr/>
+        </p:nvSpPr>
+        <p:spPr>
+          <a:xfrm>
+            <a:off x="62089056" y="20512875"/>
+            <a:ext cx="4378160" cy="1200329"/>
+          </a:xfrm>
+          <a:prstGeom prst="rect">
+            <a:avLst/>
+          </a:prstGeom>
+          <a:noFill/>
+        </p:spPr>
+        <p:txBody>
+          <a:bodyPr wrap="square" rtlCol="0" anchor="ctr" anchorCtr="1">
+            <a:spAutoFit/>
+          </a:bodyPr>
+          <a:lstStyle/>
+          <a:p>
+            <a:pPr algn="ctr"/>
+            <a:r>
+              <a:rPr lang="en-US" sz="7200" dirty="0">
+                <a:latin typeface="Arial" panose="020B0604020202020204" pitchFamily="34" charset="0"/>
+              </a:rPr>
+              <a:t>29.67 cm</a:t>
+            </a:r>
+          </a:p>
+        </p:txBody>
+      </p:sp>
+      <p:grpSp>
+        <p:nvGrpSpPr>
+          <p:cNvPr id="2" name="그룹 1">
+            <a:extLst>
+              <a:ext uri="{FF2B5EF4-FFF2-40B4-BE49-F238E27FC236}">
+                <a16:creationId xmlns:a16="http://schemas.microsoft.com/office/drawing/2014/main" id="{02B02248-F1DC-4D0D-BB09-0CA58CEF7AD8}"/>
+              </a:ext>
+            </a:extLst>
+          </p:cNvPr>
+          <p:cNvGrpSpPr/>
+          <p:nvPr/>
+        </p:nvGrpSpPr>
+        <p:grpSpPr>
+          <a:xfrm>
+            <a:off x="59099578" y="9173639"/>
+            <a:ext cx="5346348" cy="6598800"/>
+            <a:chOff x="61120868" y="9970487"/>
+            <a:chExt cx="5346348" cy="6598800"/>
+          </a:xfrm>
+        </p:grpSpPr>
+        <p:cxnSp>
+          <p:nvCxnSpPr>
+            <p:cNvPr id="36" name="직선 연결선 35">
+              <a:extLst>
+                <a:ext uri="{FF2B5EF4-FFF2-40B4-BE49-F238E27FC236}">
+                  <a16:creationId xmlns:a16="http://schemas.microsoft.com/office/drawing/2014/main" id="{7123A322-9358-481A-A45F-F81ED5AB962D}"/>
+                </a:ext>
+              </a:extLst>
+            </p:cNvPr>
+            <p:cNvCxnSpPr>
+              <a:cxnSpLocks/>
+            </p:cNvCxnSpPr>
+            <p:nvPr/>
+          </p:nvCxnSpPr>
+          <p:spPr>
+            <a:xfrm>
+              <a:off x="61120868" y="9970487"/>
+              <a:ext cx="0" cy="6598800"/>
+            </a:xfrm>
+            <a:prstGeom prst="line">
+              <a:avLst/>
+            </a:prstGeom>
+          </p:spPr>
+          <p:style>
+            <a:lnRef idx="1">
+              <a:schemeClr val="accent1"/>
+            </a:lnRef>
+            <a:fillRef idx="0">
+              <a:schemeClr val="accent1"/>
+            </a:fillRef>
+            <a:effectRef idx="0">
+              <a:schemeClr val="accent1"/>
+            </a:effectRef>
+            <a:fontRef idx="minor">
+              <a:schemeClr val="tx1"/>
+            </a:fontRef>
+          </p:style>
+        </p:cxnSp>
+        <p:sp>
+          <p:nvSpPr>
+            <p:cNvPr id="37" name="TextBox 36">
+              <a:extLst>
+                <a:ext uri="{FF2B5EF4-FFF2-40B4-BE49-F238E27FC236}">
+                  <a16:creationId xmlns:a16="http://schemas.microsoft.com/office/drawing/2014/main" id="{9465A2C8-65CF-4996-9039-D701F811ED41}"/>
+                </a:ext>
+              </a:extLst>
+            </p:cNvPr>
+            <p:cNvSpPr txBox="1">
+              <a:spLocks noChangeAspect="1"/>
+            </p:cNvSpPr>
+            <p:nvPr/>
+          </p:nvSpPr>
+          <p:spPr>
+            <a:xfrm>
+              <a:off x="62089056" y="12669723"/>
+              <a:ext cx="4378160" cy="1200329"/>
+            </a:xfrm>
+            <a:prstGeom prst="rect">
+              <a:avLst/>
+            </a:prstGeom>
+            <a:noFill/>
+          </p:spPr>
+          <p:txBody>
+            <a:bodyPr wrap="square" rtlCol="0" anchor="ctr" anchorCtr="1">
+              <a:spAutoFit/>
+            </a:bodyPr>
+            <a:lstStyle/>
+            <a:p>
+              <a:pPr algn="ctr"/>
+              <a:r>
+                <a:rPr lang="en-US" sz="7200" dirty="0">
+                  <a:latin typeface="Arial" panose="020B0604020202020204" pitchFamily="34" charset="0"/>
+                </a:rPr>
+                <a:t>18.33 cm</a:t>
+              </a:r>
+            </a:p>
+          </p:txBody>
+        </p:sp>
+      </p:grpSp>
+      <p:grpSp>
+        <p:nvGrpSpPr>
+          <p:cNvPr id="5" name="그룹 4">
+            <a:extLst>
+              <a:ext uri="{FF2B5EF4-FFF2-40B4-BE49-F238E27FC236}">
+                <a16:creationId xmlns:a16="http://schemas.microsoft.com/office/drawing/2014/main" id="{D28FEBB1-5974-459E-AA74-2B12D4B76295}"/>
+              </a:ext>
+            </a:extLst>
+          </p:cNvPr>
+          <p:cNvGrpSpPr/>
+          <p:nvPr/>
+        </p:nvGrpSpPr>
+        <p:grpSpPr>
+          <a:xfrm>
+            <a:off x="57925164" y="5105119"/>
+            <a:ext cx="5346348" cy="4078800"/>
+            <a:chOff x="59099578" y="4169679"/>
+            <a:chExt cx="5346348" cy="4078800"/>
+          </a:xfrm>
+        </p:grpSpPr>
+        <p:cxnSp>
+          <p:nvCxnSpPr>
+            <p:cNvPr id="39" name="직선 연결선 38">
+              <a:extLst>
+                <a:ext uri="{FF2B5EF4-FFF2-40B4-BE49-F238E27FC236}">
+                  <a16:creationId xmlns:a16="http://schemas.microsoft.com/office/drawing/2014/main" id="{88445734-0E6E-4533-B66A-EEAEF61A0181}"/>
+                </a:ext>
+              </a:extLst>
+            </p:cNvPr>
+            <p:cNvCxnSpPr>
+              <a:cxnSpLocks/>
+            </p:cNvCxnSpPr>
+            <p:nvPr/>
+          </p:nvCxnSpPr>
+          <p:spPr>
+            <a:xfrm>
+              <a:off x="59099578" y="4169679"/>
+              <a:ext cx="0" cy="4078800"/>
+            </a:xfrm>
+            <a:prstGeom prst="line">
+              <a:avLst/>
+            </a:prstGeom>
+          </p:spPr>
+          <p:style>
+            <a:lnRef idx="1">
+              <a:schemeClr val="accent1"/>
+            </a:lnRef>
+            <a:fillRef idx="0">
+              <a:schemeClr val="accent1"/>
+            </a:fillRef>
+            <a:effectRef idx="0">
+              <a:schemeClr val="accent1"/>
+            </a:effectRef>
+            <a:fontRef idx="minor">
+              <a:schemeClr val="tx1"/>
+            </a:fontRef>
+          </p:style>
+        </p:cxnSp>
+        <p:sp>
+          <p:nvSpPr>
+            <p:cNvPr id="40" name="TextBox 39">
+              <a:extLst>
+                <a:ext uri="{FF2B5EF4-FFF2-40B4-BE49-F238E27FC236}">
+                  <a16:creationId xmlns:a16="http://schemas.microsoft.com/office/drawing/2014/main" id="{E268F01A-B28D-4F3C-8D56-A84161BBCB2A}"/>
+                </a:ext>
+              </a:extLst>
+            </p:cNvPr>
+            <p:cNvSpPr txBox="1">
+              <a:spLocks noChangeAspect="1"/>
+            </p:cNvSpPr>
+            <p:nvPr/>
+          </p:nvSpPr>
+          <p:spPr>
+            <a:xfrm>
+              <a:off x="60067766" y="5608915"/>
+              <a:ext cx="4378160" cy="1200329"/>
+            </a:xfrm>
+            <a:prstGeom prst="rect">
+              <a:avLst/>
+            </a:prstGeom>
+            <a:noFill/>
+          </p:spPr>
+          <p:txBody>
+            <a:bodyPr wrap="square" rtlCol="0" anchor="ctr" anchorCtr="1">
+              <a:spAutoFit/>
+            </a:bodyPr>
+            <a:lstStyle/>
+            <a:p>
+              <a:pPr algn="ctr"/>
+              <a:r>
+                <a:rPr lang="en-US" sz="7200" dirty="0">
+                  <a:latin typeface="Arial" panose="020B0604020202020204" pitchFamily="34" charset="0"/>
+                </a:rPr>
+                <a:t>11.33 cm</a:t>
+              </a:r>
+            </a:p>
+          </p:txBody>
+        </p:sp>
+      </p:grpSp>
+      <p:cxnSp>
+        <p:nvCxnSpPr>
+          <p:cNvPr id="42" name="직선 연결선 41">
+            <a:extLst>
+              <a:ext uri="{FF2B5EF4-FFF2-40B4-BE49-F238E27FC236}">
+                <a16:creationId xmlns:a16="http://schemas.microsoft.com/office/drawing/2014/main" id="{D8C94ABE-2E1F-4F07-AC21-3ACDE3F311D1}"/>
+              </a:ext>
+            </a:extLst>
+          </p:cNvPr>
+          <p:cNvCxnSpPr>
+            <a:cxnSpLocks/>
+          </p:cNvCxnSpPr>
+          <p:nvPr/>
+        </p:nvCxnSpPr>
+        <p:spPr>
+          <a:xfrm>
+            <a:off x="56952211" y="2602930"/>
+            <a:ext cx="0" cy="2520000"/>
+          </a:xfrm>
+          <a:prstGeom prst="line">
+            <a:avLst/>
+          </a:prstGeom>
+        </p:spPr>
+        <p:style>
+          <a:lnRef idx="1">
+            <a:schemeClr val="accent1"/>
+          </a:lnRef>
+          <a:fillRef idx="0">
+            <a:schemeClr val="accent1"/>
+          </a:fillRef>
+          <a:effectRef idx="0">
+            <a:schemeClr val="accent1"/>
+          </a:effectRef>
+          <a:fontRef idx="minor">
+            <a:schemeClr val="tx1"/>
+          </a:fontRef>
+        </p:style>
+      </p:cxnSp>
+      <p:sp>
+        <p:nvSpPr>
+          <p:cNvPr id="43" name="TextBox 42">
+            <a:extLst>
+              <a:ext uri="{FF2B5EF4-FFF2-40B4-BE49-F238E27FC236}">
+                <a16:creationId xmlns:a16="http://schemas.microsoft.com/office/drawing/2014/main" id="{73A3DAEF-8A38-4A78-ABDF-59266A408924}"/>
+              </a:ext>
+            </a:extLst>
+          </p:cNvPr>
+          <p:cNvSpPr txBox="1">
+            <a:spLocks noChangeAspect="1"/>
+          </p:cNvSpPr>
+          <p:nvPr/>
+        </p:nvSpPr>
+        <p:spPr>
+          <a:xfrm>
+            <a:off x="57920399" y="3262766"/>
+            <a:ext cx="4378160" cy="1200329"/>
+          </a:xfrm>
+          <a:prstGeom prst="rect">
+            <a:avLst/>
+          </a:prstGeom>
+          <a:noFill/>
+        </p:spPr>
+        <p:txBody>
+          <a:bodyPr wrap="square" rtlCol="0" anchor="ctr" anchorCtr="1">
+            <a:spAutoFit/>
+          </a:bodyPr>
+          <a:lstStyle/>
+          <a:p>
+            <a:pPr algn="ctr"/>
+            <a:r>
+              <a:rPr lang="en-US" sz="7200" dirty="0">
+                <a:latin typeface="Arial" panose="020B0604020202020204" pitchFamily="34" charset="0"/>
+              </a:rPr>
+              <a:t>7 cm</a:t>
+            </a:r>
+          </a:p>
+        </p:txBody>
+      </p:sp>
+      <p:grpSp>
+        <p:nvGrpSpPr>
+          <p:cNvPr id="6" name="그룹 5">
+            <a:extLst>
+              <a:ext uri="{FF2B5EF4-FFF2-40B4-BE49-F238E27FC236}">
+                <a16:creationId xmlns:a16="http://schemas.microsoft.com/office/drawing/2014/main" id="{85E8AC06-4026-46AC-B13B-42B2A42E82F8}"/>
+              </a:ext>
+            </a:extLst>
+          </p:cNvPr>
+          <p:cNvGrpSpPr/>
+          <p:nvPr/>
+        </p:nvGrpSpPr>
+        <p:grpSpPr>
+          <a:xfrm>
+            <a:off x="55926354" y="1005759"/>
+            <a:ext cx="5346348" cy="1555200"/>
+            <a:chOff x="56952211" y="716013"/>
+            <a:chExt cx="5346348" cy="1555200"/>
+          </a:xfrm>
+        </p:grpSpPr>
+        <p:cxnSp>
+          <p:nvCxnSpPr>
+            <p:cNvPr id="44" name="직선 연결선 43">
+              <a:extLst>
+                <a:ext uri="{FF2B5EF4-FFF2-40B4-BE49-F238E27FC236}">
+                  <a16:creationId xmlns:a16="http://schemas.microsoft.com/office/drawing/2014/main" id="{127C332C-74D8-4CE2-9DC1-E2A5CC7F3CF7}"/>
+                </a:ext>
+              </a:extLst>
+            </p:cNvPr>
+            <p:cNvCxnSpPr>
+              <a:cxnSpLocks/>
+            </p:cNvCxnSpPr>
+            <p:nvPr/>
+          </p:nvCxnSpPr>
+          <p:spPr>
+            <a:xfrm>
+              <a:off x="56952211" y="716013"/>
+              <a:ext cx="0" cy="1555200"/>
+            </a:xfrm>
+            <a:prstGeom prst="line">
+              <a:avLst/>
+            </a:prstGeom>
+          </p:spPr>
+          <p:style>
+            <a:lnRef idx="1">
+              <a:schemeClr val="accent1"/>
+            </a:lnRef>
+            <a:fillRef idx="0">
+              <a:schemeClr val="accent1"/>
+            </a:fillRef>
+            <a:effectRef idx="0">
+              <a:schemeClr val="accent1"/>
+            </a:effectRef>
+            <a:fontRef idx="minor">
+              <a:schemeClr val="tx1"/>
+            </a:fontRef>
+          </p:style>
+        </p:cxnSp>
+        <p:sp>
+          <p:nvSpPr>
+            <p:cNvPr id="45" name="TextBox 44">
+              <a:extLst>
+                <a:ext uri="{FF2B5EF4-FFF2-40B4-BE49-F238E27FC236}">
+                  <a16:creationId xmlns:a16="http://schemas.microsoft.com/office/drawing/2014/main" id="{299FF942-2D85-414A-8455-0C07C0E6BC79}"/>
+                </a:ext>
+              </a:extLst>
+            </p:cNvPr>
+            <p:cNvSpPr txBox="1">
+              <a:spLocks noChangeAspect="1"/>
+            </p:cNvSpPr>
+            <p:nvPr/>
+          </p:nvSpPr>
+          <p:spPr>
+            <a:xfrm>
+              <a:off x="57920399" y="893449"/>
+              <a:ext cx="4378160" cy="1200329"/>
+            </a:xfrm>
+            <a:prstGeom prst="rect">
+              <a:avLst/>
+            </a:prstGeom>
+            <a:noFill/>
+          </p:spPr>
+          <p:txBody>
+            <a:bodyPr wrap="square" rtlCol="0" anchor="ctr" anchorCtr="1">
+              <a:spAutoFit/>
+            </a:bodyPr>
+            <a:lstStyle/>
+            <a:p>
+              <a:pPr algn="ctr"/>
+              <a:r>
+                <a:rPr lang="en-US" sz="7200" dirty="0">
+                  <a:latin typeface="Arial" panose="020B0604020202020204" pitchFamily="34" charset="0"/>
+                </a:rPr>
+                <a:t>4.32 cm</a:t>
+              </a:r>
+            </a:p>
+          </p:txBody>
+        </p:sp>
+      </p:grpSp>
+      <p:grpSp>
+        <p:nvGrpSpPr>
+          <p:cNvPr id="91" name="그룹 90">
+            <a:extLst>
+              <a:ext uri="{FF2B5EF4-FFF2-40B4-BE49-F238E27FC236}">
+                <a16:creationId xmlns:a16="http://schemas.microsoft.com/office/drawing/2014/main" id="{D5FD2102-E60E-4424-9FFC-7A76E48DBA8A}"/>
+              </a:ext>
+            </a:extLst>
+          </p:cNvPr>
+          <p:cNvGrpSpPr>
+            <a:grpSpLocks noChangeAspect="1"/>
+          </p:cNvGrpSpPr>
+          <p:nvPr/>
+        </p:nvGrpSpPr>
+        <p:grpSpPr>
+          <a:xfrm>
+            <a:off x="3060319" y="11703919"/>
+            <a:ext cx="17280000" cy="27961200"/>
+            <a:chOff x="3060319" y="11703919"/>
+            <a:chExt cx="17280000" cy="27961200"/>
+          </a:xfrm>
+        </p:grpSpPr>
+        <p:grpSp>
+          <p:nvGrpSpPr>
+            <p:cNvPr id="92" name="그룹 91">
+              <a:extLst>
+                <a:ext uri="{FF2B5EF4-FFF2-40B4-BE49-F238E27FC236}">
+                  <a16:creationId xmlns:a16="http://schemas.microsoft.com/office/drawing/2014/main" id="{54678DDE-1C3C-4149-951D-740D8C6FC472}"/>
+                </a:ext>
+              </a:extLst>
+            </p:cNvPr>
+            <p:cNvGrpSpPr>
+              <a:grpSpLocks noChangeAspect="1"/>
+            </p:cNvGrpSpPr>
+            <p:nvPr/>
+          </p:nvGrpSpPr>
+          <p:grpSpPr>
+            <a:xfrm>
+              <a:off x="13741520" y="19865119"/>
+              <a:ext cx="2520000" cy="2520000"/>
+              <a:chOff x="19947575" y="23450076"/>
+              <a:chExt cx="2520000" cy="2520000"/>
+            </a:xfrm>
+          </p:grpSpPr>
+          <p:sp>
+            <p:nvSpPr>
+              <p:cNvPr id="108" name="직사각형 107">
+                <a:extLst>
+                  <a:ext uri="{FF2B5EF4-FFF2-40B4-BE49-F238E27FC236}">
+                    <a16:creationId xmlns:a16="http://schemas.microsoft.com/office/drawing/2014/main" id="{C66AA19F-632D-42DD-A69A-BE3E9593E2FF}"/>
+                  </a:ext>
+                </a:extLst>
+              </p:cNvPr>
+              <p:cNvSpPr>
+                <a:spLocks noChangeAspect="1"/>
+              </p:cNvSpPr>
+              <p:nvPr/>
+            </p:nvSpPr>
+            <p:spPr>
+              <a:xfrm>
+                <a:off x="19947575" y="23450076"/>
+                <a:ext cx="2520000" cy="2520000"/>
+              </a:xfrm>
+              <a:prstGeom prst="rect">
+                <a:avLst/>
+              </a:prstGeom>
+              <a:solidFill>
+                <a:schemeClr val="bg1"/>
+              </a:solidFill>
+              <a:ln>
+                <a:noFill/>
+              </a:ln>
+            </p:spPr>
+            <p:style>
+              <a:lnRef idx="2">
+                <a:schemeClr val="accent1">
+                  <a:shade val="50000"/>
+                </a:schemeClr>
+              </a:lnRef>
+              <a:fillRef idx="1">
+                <a:schemeClr val="accent1"/>
+              </a:fillRef>
+              <a:effectRef idx="0">
+                <a:schemeClr val="accent1"/>
+              </a:effectRef>
+              <a:fontRef idx="minor">
+                <a:schemeClr val="lt1"/>
+              </a:fontRef>
+            </p:style>
+            <p:txBody>
+              <a:bodyPr rtlCol="0" anchor="ctr"/>
+              <a:lstStyle/>
+              <a:p>
+                <a:pPr algn="ctr"/>
+                <a:endParaRPr lang="en-US"/>
+              </a:p>
+            </p:txBody>
+          </p:sp>
+          <p:pic>
+            <p:nvPicPr>
+              <p:cNvPr id="109" name="그림 108">
+                <a:extLst>
+                  <a:ext uri="{FF2B5EF4-FFF2-40B4-BE49-F238E27FC236}">
+                    <a16:creationId xmlns:a16="http://schemas.microsoft.com/office/drawing/2014/main" id="{D6E96417-5CD4-445F-A328-FAC4FE4EF989}"/>
+                  </a:ext>
+                </a:extLst>
+              </p:cNvPr>
+              <p:cNvPicPr>
+                <a:picLocks noChangeAspect="1"/>
+              </p:cNvPicPr>
+              <p:nvPr/>
+            </p:nvPicPr>
+            <p:blipFill>
+              <a:blip r:embed="rId2">
+                <a:extLst>
+                  <a:ext uri="{28A0092B-C50C-407E-A947-70E740481C1C}">
+                    <a14:useLocalDpi xmlns:a14="http://schemas.microsoft.com/office/drawing/2010/main" val="0"/>
+                  </a:ext>
+                </a:extLst>
+              </a:blip>
+              <a:stretch>
+                <a:fillRect/>
+              </a:stretch>
+            </p:blipFill>
+            <p:spPr>
+              <a:xfrm>
+                <a:off x="20262575" y="23765076"/>
+                <a:ext cx="1890000" cy="1890000"/>
+              </a:xfrm>
+              <a:prstGeom prst="rect">
+                <a:avLst/>
+              </a:prstGeom>
+            </p:spPr>
+          </p:pic>
+        </p:grpSp>
+        <p:grpSp>
+          <p:nvGrpSpPr>
+            <p:cNvPr id="93" name="그룹 92">
+              <a:extLst>
+                <a:ext uri="{FF2B5EF4-FFF2-40B4-BE49-F238E27FC236}">
+                  <a16:creationId xmlns:a16="http://schemas.microsoft.com/office/drawing/2014/main" id="{8E858698-AE87-4404-83EC-D3581BCD31D9}"/>
+                </a:ext>
+              </a:extLst>
+            </p:cNvPr>
+            <p:cNvGrpSpPr>
+              <a:grpSpLocks noChangeAspect="1"/>
+            </p:cNvGrpSpPr>
+            <p:nvPr/>
+          </p:nvGrpSpPr>
+          <p:grpSpPr>
+            <a:xfrm>
+              <a:off x="3060319" y="22385119"/>
+              <a:ext cx="17280000" cy="17280000"/>
+              <a:chOff x="-2760882" y="22385119"/>
+              <a:chExt cx="17280000" cy="17280000"/>
+            </a:xfrm>
+          </p:grpSpPr>
+          <p:sp>
+            <p:nvSpPr>
+              <p:cNvPr id="106" name="직사각형 105">
+                <a:extLst>
+                  <a:ext uri="{FF2B5EF4-FFF2-40B4-BE49-F238E27FC236}">
+                    <a16:creationId xmlns:a16="http://schemas.microsoft.com/office/drawing/2014/main" id="{C96585A4-B4CB-42B3-80B3-6AA0F3597001}"/>
+                  </a:ext>
+                </a:extLst>
+              </p:cNvPr>
+              <p:cNvSpPr>
+                <a:spLocks noChangeAspect="1"/>
+              </p:cNvSpPr>
+              <p:nvPr/>
+            </p:nvSpPr>
+            <p:spPr>
+              <a:xfrm>
+                <a:off x="-2760882" y="22385119"/>
+                <a:ext cx="17280000" cy="17280000"/>
+              </a:xfrm>
+              <a:prstGeom prst="rect">
+                <a:avLst/>
+              </a:prstGeom>
+              <a:solidFill>
+                <a:schemeClr val="bg1"/>
+              </a:solidFill>
+              <a:ln>
+                <a:noFill/>
+              </a:ln>
+            </p:spPr>
+            <p:style>
+              <a:lnRef idx="2">
+                <a:schemeClr val="accent1">
+                  <a:shade val="50000"/>
+                </a:schemeClr>
+              </a:lnRef>
+              <a:fillRef idx="1">
+                <a:schemeClr val="accent1"/>
+              </a:fillRef>
+              <a:effectRef idx="0">
+                <a:schemeClr val="accent1"/>
+              </a:effectRef>
+              <a:fontRef idx="minor">
+                <a:schemeClr val="lt1"/>
+              </a:fontRef>
+            </p:style>
+            <p:txBody>
+              <a:bodyPr rtlCol="0" anchor="ctr"/>
+              <a:lstStyle/>
+              <a:p>
+                <a:pPr algn="ctr"/>
+                <a:endParaRPr lang="en-US"/>
+              </a:p>
+            </p:txBody>
+          </p:sp>
+          <p:pic>
+            <p:nvPicPr>
+              <p:cNvPr id="107" name="그림 106">
+                <a:extLst>
+                  <a:ext uri="{FF2B5EF4-FFF2-40B4-BE49-F238E27FC236}">
+                    <a16:creationId xmlns:a16="http://schemas.microsoft.com/office/drawing/2014/main" id="{C65B93B3-FD39-416A-A1F5-B20AC3A0371F}"/>
+                  </a:ext>
+                </a:extLst>
+              </p:cNvPr>
+              <p:cNvPicPr>
+                <a:picLocks noChangeAspect="1"/>
+              </p:cNvPicPr>
+              <p:nvPr/>
+            </p:nvPicPr>
+            <p:blipFill>
+              <a:blip r:embed="rId3">
+                <a:extLst>
+                  <a:ext uri="{28A0092B-C50C-407E-A947-70E740481C1C}">
+                    <a14:useLocalDpi xmlns:a14="http://schemas.microsoft.com/office/drawing/2010/main" val="0"/>
+                  </a:ext>
+                </a:extLst>
+              </a:blip>
+              <a:stretch>
+                <a:fillRect/>
+              </a:stretch>
+            </p:blipFill>
+            <p:spPr>
+              <a:xfrm>
+                <a:off x="-600882" y="24545119"/>
+                <a:ext cx="12960000" cy="12960000"/>
+              </a:xfrm>
+              <a:prstGeom prst="rect">
+                <a:avLst/>
+              </a:prstGeom>
+            </p:spPr>
+          </p:pic>
+        </p:grpSp>
+        <p:grpSp>
+          <p:nvGrpSpPr>
+            <p:cNvPr id="94" name="그룹 93">
+              <a:extLst>
+                <a:ext uri="{FF2B5EF4-FFF2-40B4-BE49-F238E27FC236}">
+                  <a16:creationId xmlns:a16="http://schemas.microsoft.com/office/drawing/2014/main" id="{4D6720FD-4928-4184-93A9-6786128BBD32}"/>
+                </a:ext>
+              </a:extLst>
+            </p:cNvPr>
+            <p:cNvGrpSpPr>
+              <a:grpSpLocks noChangeAspect="1"/>
+            </p:cNvGrpSpPr>
+            <p:nvPr/>
+          </p:nvGrpSpPr>
+          <p:grpSpPr>
+            <a:xfrm>
+              <a:off x="3060319" y="11703919"/>
+              <a:ext cx="10681200" cy="10681200"/>
+              <a:chOff x="328786" y="11703919"/>
+              <a:chExt cx="10681200" cy="10681200"/>
+            </a:xfrm>
+          </p:grpSpPr>
+          <p:sp>
+            <p:nvSpPr>
+              <p:cNvPr id="104" name="직사각형 103">
+                <a:extLst>
+                  <a:ext uri="{FF2B5EF4-FFF2-40B4-BE49-F238E27FC236}">
+                    <a16:creationId xmlns:a16="http://schemas.microsoft.com/office/drawing/2014/main" id="{A62E2739-43E4-44FB-A890-B6F9B5FE4214}"/>
+                  </a:ext>
+                </a:extLst>
+              </p:cNvPr>
+              <p:cNvSpPr>
+                <a:spLocks noChangeAspect="1"/>
+              </p:cNvSpPr>
+              <p:nvPr/>
+            </p:nvSpPr>
+            <p:spPr>
+              <a:xfrm>
+                <a:off x="328786" y="11703919"/>
+                <a:ext cx="10681200" cy="10681200"/>
+              </a:xfrm>
+              <a:prstGeom prst="rect">
+                <a:avLst/>
+              </a:prstGeom>
+              <a:solidFill>
+                <a:schemeClr val="bg1"/>
+              </a:solidFill>
+              <a:ln>
+                <a:noFill/>
+              </a:ln>
+            </p:spPr>
+            <p:style>
+              <a:lnRef idx="2">
+                <a:schemeClr val="accent1">
+                  <a:shade val="50000"/>
+                </a:schemeClr>
+              </a:lnRef>
+              <a:fillRef idx="1">
+                <a:schemeClr val="accent1"/>
+              </a:fillRef>
+              <a:effectRef idx="0">
+                <a:schemeClr val="accent1"/>
+              </a:effectRef>
+              <a:fontRef idx="minor">
+                <a:schemeClr val="lt1"/>
+              </a:fontRef>
+            </p:style>
+            <p:txBody>
+              <a:bodyPr rtlCol="0" anchor="ctr"/>
+              <a:lstStyle/>
+              <a:p>
+                <a:pPr algn="ctr"/>
+                <a:endParaRPr lang="en-US"/>
+              </a:p>
+            </p:txBody>
+          </p:sp>
+          <p:pic>
+            <p:nvPicPr>
+              <p:cNvPr id="105" name="그림 104">
+                <a:extLst>
+                  <a:ext uri="{FF2B5EF4-FFF2-40B4-BE49-F238E27FC236}">
+                    <a16:creationId xmlns:a16="http://schemas.microsoft.com/office/drawing/2014/main" id="{B0567273-60C4-497E-9BF6-6010B20829C0}"/>
+                  </a:ext>
+                </a:extLst>
+              </p:cNvPr>
+              <p:cNvPicPr>
+                <a:picLocks noChangeAspect="1"/>
+              </p:cNvPicPr>
+              <p:nvPr/>
+            </p:nvPicPr>
+            <p:blipFill>
+              <a:blip r:embed="rId4">
+                <a:extLst>
+                  <a:ext uri="{28A0092B-C50C-407E-A947-70E740481C1C}">
+                    <a14:useLocalDpi xmlns:a14="http://schemas.microsoft.com/office/drawing/2010/main" val="0"/>
+                  </a:ext>
+                </a:extLst>
+              </a:blip>
+              <a:stretch>
+                <a:fillRect/>
+              </a:stretch>
+            </p:blipFill>
+            <p:spPr>
+              <a:xfrm>
+                <a:off x="1664386" y="13039519"/>
+                <a:ext cx="8010000" cy="8010000"/>
+              </a:xfrm>
+              <a:prstGeom prst="rect">
+                <a:avLst/>
+              </a:prstGeom>
+            </p:spPr>
+          </p:pic>
+        </p:grpSp>
+        <p:grpSp>
+          <p:nvGrpSpPr>
+            <p:cNvPr id="95" name="그룹 94">
+              <a:extLst>
+                <a:ext uri="{FF2B5EF4-FFF2-40B4-BE49-F238E27FC236}">
+                  <a16:creationId xmlns:a16="http://schemas.microsoft.com/office/drawing/2014/main" id="{3FD2BCE6-A294-4CDB-B34B-E8BFABD719E1}"/>
+                </a:ext>
+              </a:extLst>
+            </p:cNvPr>
+            <p:cNvGrpSpPr>
+              <a:grpSpLocks noChangeAspect="1"/>
+            </p:cNvGrpSpPr>
+            <p:nvPr/>
+          </p:nvGrpSpPr>
+          <p:grpSpPr>
+            <a:xfrm>
+              <a:off x="13741518" y="11703919"/>
+              <a:ext cx="6598800" cy="6598800"/>
+              <a:chOff x="10314342" y="13626019"/>
+              <a:chExt cx="6598800" cy="6598800"/>
+            </a:xfrm>
+          </p:grpSpPr>
+          <p:sp>
+            <p:nvSpPr>
+              <p:cNvPr id="102" name="직사각형 101">
+                <a:extLst>
+                  <a:ext uri="{FF2B5EF4-FFF2-40B4-BE49-F238E27FC236}">
+                    <a16:creationId xmlns:a16="http://schemas.microsoft.com/office/drawing/2014/main" id="{2BC29D4C-25C9-4DBF-8CE5-1B9452D68500}"/>
+                  </a:ext>
+                </a:extLst>
+              </p:cNvPr>
+              <p:cNvSpPr>
+                <a:spLocks noChangeAspect="1"/>
+              </p:cNvSpPr>
+              <p:nvPr/>
+            </p:nvSpPr>
+            <p:spPr>
+              <a:xfrm>
+                <a:off x="10314342" y="13626019"/>
+                <a:ext cx="6598800" cy="6598800"/>
+              </a:xfrm>
+              <a:prstGeom prst="rect">
+                <a:avLst/>
+              </a:prstGeom>
+              <a:solidFill>
+                <a:schemeClr val="bg1"/>
+              </a:solidFill>
+              <a:ln>
+                <a:noFill/>
+              </a:ln>
+            </p:spPr>
+            <p:style>
+              <a:lnRef idx="2">
+                <a:schemeClr val="accent1">
+                  <a:shade val="50000"/>
+                </a:schemeClr>
+              </a:lnRef>
+              <a:fillRef idx="1">
+                <a:schemeClr val="accent1"/>
+              </a:fillRef>
+              <a:effectRef idx="0">
+                <a:schemeClr val="accent1"/>
+              </a:effectRef>
+              <a:fontRef idx="minor">
+                <a:schemeClr val="lt1"/>
+              </a:fontRef>
+            </p:style>
+            <p:txBody>
+              <a:bodyPr rtlCol="0" anchor="ctr"/>
+              <a:lstStyle/>
+              <a:p>
+                <a:pPr algn="ctr"/>
+                <a:endParaRPr lang="en-US"/>
+              </a:p>
+            </p:txBody>
+          </p:sp>
+          <p:pic>
+            <p:nvPicPr>
+              <p:cNvPr id="103" name="그림 102">
+                <a:extLst>
+                  <a:ext uri="{FF2B5EF4-FFF2-40B4-BE49-F238E27FC236}">
+                    <a16:creationId xmlns:a16="http://schemas.microsoft.com/office/drawing/2014/main" id="{CD347949-2A6A-48ED-9385-7B1A1B221E72}"/>
+                  </a:ext>
+                </a:extLst>
+              </p:cNvPr>
+              <p:cNvPicPr>
+                <a:picLocks noChangeAspect="1"/>
+              </p:cNvPicPr>
+              <p:nvPr/>
+            </p:nvPicPr>
+            <p:blipFill>
+              <a:blip r:embed="rId5">
+                <a:extLst>
+                  <a:ext uri="{28A0092B-C50C-407E-A947-70E740481C1C}">
+                    <a14:useLocalDpi xmlns:a14="http://schemas.microsoft.com/office/drawing/2010/main" val="0"/>
+                  </a:ext>
+                </a:extLst>
+              </a:blip>
+              <a:stretch>
+                <a:fillRect/>
+              </a:stretch>
+            </p:blipFill>
+            <p:spPr>
+              <a:xfrm>
+                <a:off x="11138742" y="14450419"/>
+                <a:ext cx="4950000" cy="4950000"/>
+              </a:xfrm>
+              <a:prstGeom prst="rect">
+                <a:avLst/>
+              </a:prstGeom>
+            </p:spPr>
+          </p:pic>
+        </p:grpSp>
+        <p:grpSp>
+          <p:nvGrpSpPr>
+            <p:cNvPr id="96" name="그룹 95">
+              <a:extLst>
+                <a:ext uri="{FF2B5EF4-FFF2-40B4-BE49-F238E27FC236}">
+                  <a16:creationId xmlns:a16="http://schemas.microsoft.com/office/drawing/2014/main" id="{DB858790-7DDC-4254-9D4A-77124DCFBDCC}"/>
+                </a:ext>
+              </a:extLst>
+            </p:cNvPr>
+            <p:cNvGrpSpPr>
+              <a:grpSpLocks noChangeAspect="1"/>
+            </p:cNvGrpSpPr>
+            <p:nvPr/>
+          </p:nvGrpSpPr>
+          <p:grpSpPr>
+            <a:xfrm>
+              <a:off x="16261519" y="18306319"/>
+              <a:ext cx="4078800" cy="4078800"/>
+              <a:chOff x="19082678" y="18936701"/>
+              <a:chExt cx="4078800" cy="4078800"/>
+            </a:xfrm>
+          </p:grpSpPr>
+          <p:sp>
+            <p:nvSpPr>
+              <p:cNvPr id="100" name="직사각형 99">
+                <a:extLst>
+                  <a:ext uri="{FF2B5EF4-FFF2-40B4-BE49-F238E27FC236}">
+                    <a16:creationId xmlns:a16="http://schemas.microsoft.com/office/drawing/2014/main" id="{F58F11D9-BBE1-49E4-9DD8-56DCFCDD4534}"/>
+                  </a:ext>
+                </a:extLst>
+              </p:cNvPr>
+              <p:cNvSpPr>
+                <a:spLocks noChangeAspect="1"/>
+              </p:cNvSpPr>
+              <p:nvPr/>
+            </p:nvSpPr>
+            <p:spPr>
+              <a:xfrm>
+                <a:off x="19082678" y="18936701"/>
+                <a:ext cx="4078800" cy="4078800"/>
+              </a:xfrm>
+              <a:prstGeom prst="rect">
+                <a:avLst/>
+              </a:prstGeom>
+              <a:solidFill>
+                <a:schemeClr val="bg1"/>
+              </a:solidFill>
+              <a:ln>
+                <a:noFill/>
+              </a:ln>
+            </p:spPr>
+            <p:style>
+              <a:lnRef idx="2">
+                <a:schemeClr val="accent1">
+                  <a:shade val="50000"/>
+                </a:schemeClr>
+              </a:lnRef>
+              <a:fillRef idx="1">
+                <a:schemeClr val="accent1"/>
+              </a:fillRef>
+              <a:effectRef idx="0">
+                <a:schemeClr val="accent1"/>
+              </a:effectRef>
+              <a:fontRef idx="minor">
+                <a:schemeClr val="lt1"/>
+              </a:fontRef>
+            </p:style>
+            <p:txBody>
+              <a:bodyPr rtlCol="0" anchor="ctr"/>
+              <a:lstStyle/>
+              <a:p>
+                <a:pPr algn="ctr"/>
+                <a:endParaRPr lang="en-US"/>
+              </a:p>
+            </p:txBody>
+          </p:sp>
+          <p:pic>
+            <p:nvPicPr>
+              <p:cNvPr id="101" name="그림 100">
+                <a:extLst>
+                  <a:ext uri="{FF2B5EF4-FFF2-40B4-BE49-F238E27FC236}">
+                    <a16:creationId xmlns:a16="http://schemas.microsoft.com/office/drawing/2014/main" id="{E970BAE3-902E-4935-935E-F3DD20C8BD21}"/>
+                  </a:ext>
+                </a:extLst>
+              </p:cNvPr>
+              <p:cNvPicPr>
+                <a:picLocks noChangeAspect="1"/>
+              </p:cNvPicPr>
+              <p:nvPr/>
+            </p:nvPicPr>
+            <p:blipFill>
+              <a:blip r:embed="rId6">
+                <a:extLst>
+                  <a:ext uri="{28A0092B-C50C-407E-A947-70E740481C1C}">
+                    <a14:useLocalDpi xmlns:a14="http://schemas.microsoft.com/office/drawing/2010/main" val="0"/>
+                  </a:ext>
+                </a:extLst>
+              </a:blip>
+              <a:stretch>
+                <a:fillRect/>
+              </a:stretch>
+            </p:blipFill>
+            <p:spPr>
+              <a:xfrm>
+                <a:off x="19592078" y="19446101"/>
+                <a:ext cx="3060000" cy="3060000"/>
+              </a:xfrm>
+              <a:prstGeom prst="rect">
+                <a:avLst/>
+              </a:prstGeom>
+            </p:spPr>
+          </p:pic>
+        </p:grpSp>
+        <p:grpSp>
+          <p:nvGrpSpPr>
+            <p:cNvPr id="97" name="그룹 96">
+              <a:extLst>
+                <a:ext uri="{FF2B5EF4-FFF2-40B4-BE49-F238E27FC236}">
+                  <a16:creationId xmlns:a16="http://schemas.microsoft.com/office/drawing/2014/main" id="{FB52E3C6-0BEF-4A70-8525-39C7C4CA9D19}"/>
+                </a:ext>
+              </a:extLst>
+            </p:cNvPr>
+            <p:cNvGrpSpPr>
+              <a:grpSpLocks noChangeAspect="1"/>
+            </p:cNvGrpSpPr>
+            <p:nvPr/>
+          </p:nvGrpSpPr>
+          <p:grpSpPr>
+            <a:xfrm>
+              <a:off x="13741518" y="18306319"/>
+              <a:ext cx="1555200" cy="1555200"/>
+              <a:chOff x="26644062" y="18487410"/>
+              <a:chExt cx="1555200" cy="1555200"/>
+            </a:xfrm>
+          </p:grpSpPr>
+          <p:sp>
+            <p:nvSpPr>
+              <p:cNvPr id="98" name="직사각형 97">
+                <a:extLst>
+                  <a:ext uri="{FF2B5EF4-FFF2-40B4-BE49-F238E27FC236}">
+                    <a16:creationId xmlns:a16="http://schemas.microsoft.com/office/drawing/2014/main" id="{C719FF3F-181F-4C16-AA5F-0134C82FB34E}"/>
+                  </a:ext>
+                </a:extLst>
+              </p:cNvPr>
+              <p:cNvSpPr>
+                <a:spLocks noChangeAspect="1"/>
+              </p:cNvSpPr>
+              <p:nvPr/>
+            </p:nvSpPr>
+            <p:spPr>
+              <a:xfrm>
+                <a:off x="26644062" y="18487410"/>
+                <a:ext cx="1555200" cy="1555200"/>
+              </a:xfrm>
+              <a:prstGeom prst="rect">
+                <a:avLst/>
+              </a:prstGeom>
+              <a:solidFill>
+                <a:schemeClr val="bg1"/>
+              </a:solidFill>
+              <a:ln>
+                <a:noFill/>
+              </a:ln>
+            </p:spPr>
+            <p:style>
+              <a:lnRef idx="2">
+                <a:schemeClr val="accent1">
+                  <a:shade val="50000"/>
+                </a:schemeClr>
+              </a:lnRef>
+              <a:fillRef idx="1">
+                <a:schemeClr val="accent1"/>
+              </a:fillRef>
+              <a:effectRef idx="0">
+                <a:schemeClr val="accent1"/>
+              </a:effectRef>
+              <a:fontRef idx="minor">
+                <a:schemeClr val="lt1"/>
+              </a:fontRef>
+            </p:style>
+            <p:txBody>
+              <a:bodyPr rtlCol="0" anchor="ctr"/>
+              <a:lstStyle/>
+              <a:p>
+                <a:pPr algn="ctr"/>
+                <a:endParaRPr lang="en-US"/>
+              </a:p>
+            </p:txBody>
+          </p:sp>
+          <p:pic>
+            <p:nvPicPr>
+              <p:cNvPr id="99" name="그림 98">
+                <a:extLst>
+                  <a:ext uri="{FF2B5EF4-FFF2-40B4-BE49-F238E27FC236}">
+                    <a16:creationId xmlns:a16="http://schemas.microsoft.com/office/drawing/2014/main" id="{71D81C63-8DA4-4D59-AA03-D5A7C046879C}"/>
+                  </a:ext>
+                </a:extLst>
+              </p:cNvPr>
+              <p:cNvPicPr>
+                <a:picLocks noChangeAspect="1"/>
+              </p:cNvPicPr>
+              <p:nvPr/>
+            </p:nvPicPr>
+            <p:blipFill>
+              <a:blip r:embed="rId7">
+                <a:extLst>
+                  <a:ext uri="{28A0092B-C50C-407E-A947-70E740481C1C}">
+                    <a14:useLocalDpi xmlns:a14="http://schemas.microsoft.com/office/drawing/2010/main" val="0"/>
+                  </a:ext>
+                </a:extLst>
+              </a:blip>
+              <a:stretch>
+                <a:fillRect/>
+              </a:stretch>
+            </p:blipFill>
+            <p:spPr>
+              <a:xfrm>
+                <a:off x="26838462" y="18681810"/>
+                <a:ext cx="1166400" cy="1166400"/>
+              </a:xfrm>
+              <a:prstGeom prst="rect">
+                <a:avLst/>
+              </a:prstGeom>
+            </p:spPr>
+          </p:pic>
+        </p:grpSp>
+      </p:grpSp>
+      <p:grpSp>
+        <p:nvGrpSpPr>
+          <p:cNvPr id="110" name="그룹 109">
+            <a:extLst>
+              <a:ext uri="{FF2B5EF4-FFF2-40B4-BE49-F238E27FC236}">
+                <a16:creationId xmlns:a16="http://schemas.microsoft.com/office/drawing/2014/main" id="{759CE9F6-EE98-47A7-8049-945636F4D74B}"/>
+              </a:ext>
+            </a:extLst>
+          </p:cNvPr>
+          <p:cNvGrpSpPr>
+            <a:grpSpLocks noChangeAspect="1"/>
+          </p:cNvGrpSpPr>
+          <p:nvPr/>
+        </p:nvGrpSpPr>
+        <p:grpSpPr>
+          <a:xfrm>
+            <a:off x="-18260525" y="11703919"/>
+            <a:ext cx="17280000" cy="27961200"/>
+            <a:chOff x="3060319" y="11703919"/>
+            <a:chExt cx="17280000" cy="27961200"/>
+          </a:xfrm>
+        </p:grpSpPr>
+        <p:grpSp>
+          <p:nvGrpSpPr>
+            <p:cNvPr id="111" name="그룹 110">
+              <a:extLst>
+                <a:ext uri="{FF2B5EF4-FFF2-40B4-BE49-F238E27FC236}">
+                  <a16:creationId xmlns:a16="http://schemas.microsoft.com/office/drawing/2014/main" id="{AA17E872-DA70-44E2-B707-FC5B55562004}"/>
+                </a:ext>
+              </a:extLst>
+            </p:cNvPr>
+            <p:cNvGrpSpPr>
+              <a:grpSpLocks noChangeAspect="1"/>
+            </p:cNvGrpSpPr>
+            <p:nvPr/>
+          </p:nvGrpSpPr>
+          <p:grpSpPr>
+            <a:xfrm>
+              <a:off x="13741520" y="19865119"/>
+              <a:ext cx="2520000" cy="2520000"/>
+              <a:chOff x="19947575" y="23450076"/>
+              <a:chExt cx="2520000" cy="2520000"/>
+            </a:xfrm>
+          </p:grpSpPr>
+          <p:sp>
+            <p:nvSpPr>
+              <p:cNvPr id="133" name="직사각형 132">
+                <a:extLst>
+                  <a:ext uri="{FF2B5EF4-FFF2-40B4-BE49-F238E27FC236}">
+                    <a16:creationId xmlns:a16="http://schemas.microsoft.com/office/drawing/2014/main" id="{A33F922C-14B0-499B-A499-24AB27239702}"/>
+                  </a:ext>
+                </a:extLst>
+              </p:cNvPr>
+              <p:cNvSpPr>
+                <a:spLocks noChangeAspect="1"/>
+              </p:cNvSpPr>
+              <p:nvPr/>
+            </p:nvSpPr>
+            <p:spPr>
+              <a:xfrm>
+                <a:off x="19947575" y="23450076"/>
+                <a:ext cx="2520000" cy="2520000"/>
+              </a:xfrm>
+              <a:prstGeom prst="rect">
+                <a:avLst/>
+              </a:prstGeom>
+              <a:solidFill>
+                <a:schemeClr val="bg1"/>
+              </a:solidFill>
+              <a:ln>
+                <a:solidFill>
+                  <a:schemeClr val="tx1"/>
+                </a:solidFill>
+              </a:ln>
+            </p:spPr>
+            <p:style>
+              <a:lnRef idx="2">
+                <a:schemeClr val="accent1">
+                  <a:shade val="50000"/>
+                </a:schemeClr>
+              </a:lnRef>
+              <a:fillRef idx="1">
+                <a:schemeClr val="accent1"/>
+              </a:fillRef>
+              <a:effectRef idx="0">
+                <a:schemeClr val="accent1"/>
+              </a:effectRef>
+              <a:fontRef idx="minor">
+                <a:schemeClr val="lt1"/>
+              </a:fontRef>
+            </p:style>
+            <p:txBody>
+              <a:bodyPr rtlCol="0" anchor="ctr"/>
+              <a:lstStyle/>
+              <a:p>
+                <a:pPr algn="ctr"/>
+                <a:endParaRPr lang="en-US"/>
+              </a:p>
+            </p:txBody>
+          </p:sp>
+          <p:pic>
+            <p:nvPicPr>
+              <p:cNvPr id="134" name="그림 133">
+                <a:extLst>
+                  <a:ext uri="{FF2B5EF4-FFF2-40B4-BE49-F238E27FC236}">
+                    <a16:creationId xmlns:a16="http://schemas.microsoft.com/office/drawing/2014/main" id="{10EDE35F-82A8-4530-BB81-616D50A2E461}"/>
+                  </a:ext>
+                </a:extLst>
+              </p:cNvPr>
+              <p:cNvPicPr>
+                <a:picLocks noChangeAspect="1"/>
+              </p:cNvPicPr>
+              <p:nvPr/>
+            </p:nvPicPr>
+            <p:blipFill>
+              <a:blip r:embed="rId2">
+                <a:extLst>
+                  <a:ext uri="{28A0092B-C50C-407E-A947-70E740481C1C}">
+                    <a14:useLocalDpi xmlns:a14="http://schemas.microsoft.com/office/drawing/2010/main" val="0"/>
+                  </a:ext>
+                </a:extLst>
+              </a:blip>
+              <a:stretch>
+                <a:fillRect/>
+              </a:stretch>
+            </p:blipFill>
+            <p:spPr>
+              <a:xfrm>
+                <a:off x="20262575" y="23765076"/>
+                <a:ext cx="1890000" cy="1890000"/>
+              </a:xfrm>
+              <a:prstGeom prst="rect">
+                <a:avLst/>
+              </a:prstGeom>
+              <a:ln>
+                <a:solidFill>
+                  <a:schemeClr val="tx1"/>
+                </a:solidFill>
+              </a:ln>
+            </p:spPr>
+          </p:pic>
+        </p:grpSp>
+        <p:grpSp>
+          <p:nvGrpSpPr>
+            <p:cNvPr id="112" name="그룹 111">
+              <a:extLst>
+                <a:ext uri="{FF2B5EF4-FFF2-40B4-BE49-F238E27FC236}">
+                  <a16:creationId xmlns:a16="http://schemas.microsoft.com/office/drawing/2014/main" id="{646D44EB-07AF-4EBE-9643-3452D7EE1CE5}"/>
+                </a:ext>
+              </a:extLst>
+            </p:cNvPr>
+            <p:cNvGrpSpPr>
+              <a:grpSpLocks noChangeAspect="1"/>
+            </p:cNvGrpSpPr>
+            <p:nvPr/>
+          </p:nvGrpSpPr>
+          <p:grpSpPr>
+            <a:xfrm>
+              <a:off x="3060319" y="22385119"/>
+              <a:ext cx="17280000" cy="17280000"/>
+              <a:chOff x="-2760882" y="22385119"/>
+              <a:chExt cx="17280000" cy="17280000"/>
+            </a:xfrm>
+          </p:grpSpPr>
+          <p:sp>
+            <p:nvSpPr>
+              <p:cNvPr id="131" name="직사각형 130">
+                <a:extLst>
+                  <a:ext uri="{FF2B5EF4-FFF2-40B4-BE49-F238E27FC236}">
+                    <a16:creationId xmlns:a16="http://schemas.microsoft.com/office/drawing/2014/main" id="{7AEECE87-3A3D-4F73-A63E-2E6D200899B2}"/>
+                  </a:ext>
+                </a:extLst>
+              </p:cNvPr>
+              <p:cNvSpPr>
+                <a:spLocks noChangeAspect="1"/>
+              </p:cNvSpPr>
+              <p:nvPr/>
+            </p:nvSpPr>
+            <p:spPr>
+              <a:xfrm>
+                <a:off x="-2760882" y="22385119"/>
+                <a:ext cx="17280000" cy="17280000"/>
+              </a:xfrm>
+              <a:prstGeom prst="rect">
+                <a:avLst/>
+              </a:prstGeom>
+              <a:solidFill>
+                <a:schemeClr val="bg1"/>
+              </a:solidFill>
+              <a:ln>
+                <a:solidFill>
+                  <a:schemeClr val="tx1"/>
+                </a:solidFill>
+              </a:ln>
+            </p:spPr>
+            <p:style>
+              <a:lnRef idx="2">
+                <a:schemeClr val="accent1">
+                  <a:shade val="50000"/>
+                </a:schemeClr>
+              </a:lnRef>
+              <a:fillRef idx="1">
+                <a:schemeClr val="accent1"/>
+              </a:fillRef>
+              <a:effectRef idx="0">
+                <a:schemeClr val="accent1"/>
+              </a:effectRef>
+              <a:fontRef idx="minor">
+                <a:schemeClr val="lt1"/>
+              </a:fontRef>
+            </p:style>
+            <p:txBody>
+              <a:bodyPr rtlCol="0" anchor="ctr"/>
+              <a:lstStyle/>
+              <a:p>
+                <a:pPr algn="ctr"/>
+                <a:endParaRPr lang="en-US"/>
+              </a:p>
+            </p:txBody>
+          </p:sp>
+          <p:pic>
+            <p:nvPicPr>
+              <p:cNvPr id="132" name="그림 131">
+                <a:extLst>
+                  <a:ext uri="{FF2B5EF4-FFF2-40B4-BE49-F238E27FC236}">
+                    <a16:creationId xmlns:a16="http://schemas.microsoft.com/office/drawing/2014/main" id="{9F5D474D-F0EF-44D1-91CB-11516D2FC63B}"/>
+                  </a:ext>
+                </a:extLst>
+              </p:cNvPr>
+              <p:cNvPicPr>
+                <a:picLocks noChangeAspect="1"/>
+              </p:cNvPicPr>
+              <p:nvPr/>
+            </p:nvPicPr>
+            <p:blipFill>
+              <a:blip r:embed="rId3">
+                <a:extLst>
+                  <a:ext uri="{28A0092B-C50C-407E-A947-70E740481C1C}">
+                    <a14:useLocalDpi xmlns:a14="http://schemas.microsoft.com/office/drawing/2010/main" val="0"/>
+                  </a:ext>
+                </a:extLst>
+              </a:blip>
+              <a:stretch>
+                <a:fillRect/>
+              </a:stretch>
+            </p:blipFill>
+            <p:spPr>
+              <a:xfrm>
+                <a:off x="-600882" y="24545119"/>
+                <a:ext cx="12960000" cy="12960000"/>
+              </a:xfrm>
+              <a:prstGeom prst="rect">
+                <a:avLst/>
+              </a:prstGeom>
+              <a:ln>
+                <a:solidFill>
+                  <a:schemeClr val="tx1"/>
+                </a:solidFill>
+              </a:ln>
+            </p:spPr>
+          </p:pic>
+        </p:grpSp>
+        <p:grpSp>
+          <p:nvGrpSpPr>
+            <p:cNvPr id="119" name="그룹 118">
+              <a:extLst>
+                <a:ext uri="{FF2B5EF4-FFF2-40B4-BE49-F238E27FC236}">
+                  <a16:creationId xmlns:a16="http://schemas.microsoft.com/office/drawing/2014/main" id="{152A40CA-A388-4505-991E-2A5684BBC4CC}"/>
+                </a:ext>
+              </a:extLst>
+            </p:cNvPr>
+            <p:cNvGrpSpPr>
+              <a:grpSpLocks noChangeAspect="1"/>
+            </p:cNvGrpSpPr>
+            <p:nvPr/>
+          </p:nvGrpSpPr>
+          <p:grpSpPr>
+            <a:xfrm>
+              <a:off x="3060319" y="11703919"/>
+              <a:ext cx="10681200" cy="10681200"/>
+              <a:chOff x="328786" y="11703919"/>
+              <a:chExt cx="10681200" cy="10681200"/>
+            </a:xfrm>
+          </p:grpSpPr>
+          <p:sp>
+            <p:nvSpPr>
+              <p:cNvPr id="129" name="직사각형 128">
+                <a:extLst>
+                  <a:ext uri="{FF2B5EF4-FFF2-40B4-BE49-F238E27FC236}">
+                    <a16:creationId xmlns:a16="http://schemas.microsoft.com/office/drawing/2014/main" id="{7A5EDF32-BE6A-4575-8CCF-3991F30962DA}"/>
+                  </a:ext>
+                </a:extLst>
+              </p:cNvPr>
+              <p:cNvSpPr>
+                <a:spLocks noChangeAspect="1"/>
+              </p:cNvSpPr>
+              <p:nvPr/>
+            </p:nvSpPr>
+            <p:spPr>
+              <a:xfrm>
+                <a:off x="328786" y="11703919"/>
+                <a:ext cx="10681200" cy="10681200"/>
+              </a:xfrm>
+              <a:prstGeom prst="rect">
+                <a:avLst/>
+              </a:prstGeom>
+              <a:solidFill>
+                <a:schemeClr val="bg1"/>
+              </a:solidFill>
+              <a:ln>
+                <a:solidFill>
+                  <a:schemeClr val="tx1"/>
+                </a:solidFill>
+              </a:ln>
+            </p:spPr>
+            <p:style>
+              <a:lnRef idx="2">
+                <a:schemeClr val="accent1">
+                  <a:shade val="50000"/>
+                </a:schemeClr>
+              </a:lnRef>
+              <a:fillRef idx="1">
+                <a:schemeClr val="accent1"/>
+              </a:fillRef>
+              <a:effectRef idx="0">
+                <a:schemeClr val="accent1"/>
+              </a:effectRef>
+              <a:fontRef idx="minor">
+                <a:schemeClr val="lt1"/>
+              </a:fontRef>
+            </p:style>
+            <p:txBody>
+              <a:bodyPr rtlCol="0" anchor="ctr"/>
+              <a:lstStyle/>
+              <a:p>
+                <a:pPr algn="ctr"/>
+                <a:endParaRPr lang="en-US"/>
+              </a:p>
+            </p:txBody>
+          </p:sp>
+          <p:pic>
+            <p:nvPicPr>
+              <p:cNvPr id="130" name="그림 129">
+                <a:extLst>
+                  <a:ext uri="{FF2B5EF4-FFF2-40B4-BE49-F238E27FC236}">
+                    <a16:creationId xmlns:a16="http://schemas.microsoft.com/office/drawing/2014/main" id="{B4309043-6071-4481-94D5-432BDDDB0A3E}"/>
+                  </a:ext>
+                </a:extLst>
+              </p:cNvPr>
+              <p:cNvPicPr>
+                <a:picLocks noChangeAspect="1"/>
+              </p:cNvPicPr>
+              <p:nvPr/>
+            </p:nvPicPr>
+            <p:blipFill>
+              <a:blip r:embed="rId4">
+                <a:extLst>
+                  <a:ext uri="{28A0092B-C50C-407E-A947-70E740481C1C}">
+                    <a14:useLocalDpi xmlns:a14="http://schemas.microsoft.com/office/drawing/2010/main" val="0"/>
+                  </a:ext>
+                </a:extLst>
+              </a:blip>
+              <a:stretch>
+                <a:fillRect/>
+              </a:stretch>
+            </p:blipFill>
+            <p:spPr>
+              <a:xfrm>
+                <a:off x="1664386" y="13039519"/>
+                <a:ext cx="8010000" cy="8010000"/>
+              </a:xfrm>
+              <a:prstGeom prst="rect">
+                <a:avLst/>
+              </a:prstGeom>
+              <a:ln>
+                <a:solidFill>
+                  <a:schemeClr val="tx1"/>
+                </a:solidFill>
+              </a:ln>
+            </p:spPr>
+          </p:pic>
+        </p:grpSp>
+        <p:grpSp>
+          <p:nvGrpSpPr>
+            <p:cNvPr id="120" name="그룹 119">
+              <a:extLst>
+                <a:ext uri="{FF2B5EF4-FFF2-40B4-BE49-F238E27FC236}">
+                  <a16:creationId xmlns:a16="http://schemas.microsoft.com/office/drawing/2014/main" id="{8826FDBE-2F29-46AD-9812-79E7BFF5227E}"/>
+                </a:ext>
+              </a:extLst>
+            </p:cNvPr>
+            <p:cNvGrpSpPr>
+              <a:grpSpLocks noChangeAspect="1"/>
+            </p:cNvGrpSpPr>
+            <p:nvPr/>
+          </p:nvGrpSpPr>
+          <p:grpSpPr>
+            <a:xfrm>
+              <a:off x="13741518" y="11703919"/>
+              <a:ext cx="6598800" cy="6598800"/>
+              <a:chOff x="10314342" y="13626019"/>
+              <a:chExt cx="6598800" cy="6598800"/>
+            </a:xfrm>
+          </p:grpSpPr>
+          <p:sp>
+            <p:nvSpPr>
+              <p:cNvPr id="127" name="직사각형 126">
+                <a:extLst>
+                  <a:ext uri="{FF2B5EF4-FFF2-40B4-BE49-F238E27FC236}">
+                    <a16:creationId xmlns:a16="http://schemas.microsoft.com/office/drawing/2014/main" id="{0DC9F1C3-C382-497E-9952-1AF7845911D7}"/>
+                  </a:ext>
+                </a:extLst>
+              </p:cNvPr>
+              <p:cNvSpPr>
+                <a:spLocks noChangeAspect="1"/>
+              </p:cNvSpPr>
+              <p:nvPr/>
+            </p:nvSpPr>
+            <p:spPr>
+              <a:xfrm>
+                <a:off x="10314342" y="13626019"/>
+                <a:ext cx="6598800" cy="6598800"/>
+              </a:xfrm>
+              <a:prstGeom prst="rect">
+                <a:avLst/>
+              </a:prstGeom>
+              <a:solidFill>
+                <a:schemeClr val="bg1"/>
+              </a:solidFill>
+              <a:ln>
+                <a:solidFill>
+                  <a:schemeClr val="tx1"/>
+                </a:solidFill>
+              </a:ln>
+            </p:spPr>
+            <p:style>
+              <a:lnRef idx="2">
+                <a:schemeClr val="accent1">
+                  <a:shade val="50000"/>
+                </a:schemeClr>
+              </a:lnRef>
+              <a:fillRef idx="1">
+                <a:schemeClr val="accent1"/>
+              </a:fillRef>
+              <a:effectRef idx="0">
+                <a:schemeClr val="accent1"/>
+              </a:effectRef>
+              <a:fontRef idx="minor">
+                <a:schemeClr val="lt1"/>
+              </a:fontRef>
+            </p:style>
+            <p:txBody>
+              <a:bodyPr rtlCol="0" anchor="ctr"/>
+              <a:lstStyle/>
+              <a:p>
+                <a:pPr algn="ctr"/>
+                <a:endParaRPr lang="en-US"/>
+              </a:p>
+            </p:txBody>
+          </p:sp>
+          <p:pic>
+            <p:nvPicPr>
+              <p:cNvPr id="128" name="그림 127">
+                <a:extLst>
+                  <a:ext uri="{FF2B5EF4-FFF2-40B4-BE49-F238E27FC236}">
+                    <a16:creationId xmlns:a16="http://schemas.microsoft.com/office/drawing/2014/main" id="{8170F97D-8667-4A98-A7FB-F368BDF5724E}"/>
+                  </a:ext>
+                </a:extLst>
+              </p:cNvPr>
+              <p:cNvPicPr>
+                <a:picLocks noChangeAspect="1"/>
+              </p:cNvPicPr>
+              <p:nvPr/>
+            </p:nvPicPr>
+            <p:blipFill>
+              <a:blip r:embed="rId5">
+                <a:extLst>
+                  <a:ext uri="{28A0092B-C50C-407E-A947-70E740481C1C}">
+                    <a14:useLocalDpi xmlns:a14="http://schemas.microsoft.com/office/drawing/2010/main" val="0"/>
+                  </a:ext>
+                </a:extLst>
+              </a:blip>
+              <a:stretch>
+                <a:fillRect/>
+              </a:stretch>
+            </p:blipFill>
+            <p:spPr>
+              <a:xfrm>
+                <a:off x="11138742" y="14450419"/>
+                <a:ext cx="4950000" cy="4950000"/>
+              </a:xfrm>
+              <a:prstGeom prst="rect">
+                <a:avLst/>
+              </a:prstGeom>
+              <a:ln>
+                <a:solidFill>
+                  <a:schemeClr val="tx1"/>
+                </a:solidFill>
+              </a:ln>
+            </p:spPr>
+          </p:pic>
+        </p:grpSp>
+        <p:grpSp>
+          <p:nvGrpSpPr>
+            <p:cNvPr id="121" name="그룹 120">
+              <a:extLst>
+                <a:ext uri="{FF2B5EF4-FFF2-40B4-BE49-F238E27FC236}">
+                  <a16:creationId xmlns:a16="http://schemas.microsoft.com/office/drawing/2014/main" id="{B115DE13-46B8-41B1-BCD9-5D1425BFFDF8}"/>
+                </a:ext>
+              </a:extLst>
+            </p:cNvPr>
+            <p:cNvGrpSpPr>
+              <a:grpSpLocks noChangeAspect="1"/>
+            </p:cNvGrpSpPr>
+            <p:nvPr/>
+          </p:nvGrpSpPr>
+          <p:grpSpPr>
+            <a:xfrm>
+              <a:off x="16261519" y="18306319"/>
+              <a:ext cx="4078800" cy="4078800"/>
+              <a:chOff x="19082678" y="18936701"/>
+              <a:chExt cx="4078800" cy="4078800"/>
+            </a:xfrm>
+          </p:grpSpPr>
+          <p:sp>
+            <p:nvSpPr>
+              <p:cNvPr id="125" name="직사각형 124">
+                <a:extLst>
+                  <a:ext uri="{FF2B5EF4-FFF2-40B4-BE49-F238E27FC236}">
+                    <a16:creationId xmlns:a16="http://schemas.microsoft.com/office/drawing/2014/main" id="{FC01D763-7039-4E3B-ACE4-1DC437F078CA}"/>
+                  </a:ext>
+                </a:extLst>
+              </p:cNvPr>
+              <p:cNvSpPr>
+                <a:spLocks noChangeAspect="1"/>
+              </p:cNvSpPr>
+              <p:nvPr/>
+            </p:nvSpPr>
+            <p:spPr>
+              <a:xfrm>
+                <a:off x="19082678" y="18936701"/>
+                <a:ext cx="4078800" cy="4078800"/>
+              </a:xfrm>
+              <a:prstGeom prst="rect">
+                <a:avLst/>
+              </a:prstGeom>
+              <a:solidFill>
+                <a:schemeClr val="bg1"/>
+              </a:solidFill>
+              <a:ln>
+                <a:solidFill>
+                  <a:schemeClr val="tx1"/>
+                </a:solidFill>
+              </a:ln>
+            </p:spPr>
+            <p:style>
+              <a:lnRef idx="2">
+                <a:schemeClr val="accent1">
+                  <a:shade val="50000"/>
+                </a:schemeClr>
+              </a:lnRef>
+              <a:fillRef idx="1">
+                <a:schemeClr val="accent1"/>
+              </a:fillRef>
+              <a:effectRef idx="0">
+                <a:schemeClr val="accent1"/>
+              </a:effectRef>
+              <a:fontRef idx="minor">
+                <a:schemeClr val="lt1"/>
+              </a:fontRef>
+            </p:style>
+            <p:txBody>
+              <a:bodyPr rtlCol="0" anchor="ctr"/>
+              <a:lstStyle/>
+              <a:p>
+                <a:pPr algn="ctr"/>
+                <a:endParaRPr lang="en-US"/>
+              </a:p>
+            </p:txBody>
+          </p:sp>
+          <p:pic>
+            <p:nvPicPr>
+              <p:cNvPr id="126" name="그림 125">
+                <a:extLst>
+                  <a:ext uri="{FF2B5EF4-FFF2-40B4-BE49-F238E27FC236}">
+                    <a16:creationId xmlns:a16="http://schemas.microsoft.com/office/drawing/2014/main" id="{8F7D42E0-198A-4F33-AB5B-F4A56147DB1A}"/>
+                  </a:ext>
+                </a:extLst>
+              </p:cNvPr>
+              <p:cNvPicPr>
+                <a:picLocks noChangeAspect="1"/>
+              </p:cNvPicPr>
+              <p:nvPr/>
+            </p:nvPicPr>
+            <p:blipFill>
+              <a:blip r:embed="rId6">
+                <a:extLst>
+                  <a:ext uri="{28A0092B-C50C-407E-A947-70E740481C1C}">
+                    <a14:useLocalDpi xmlns:a14="http://schemas.microsoft.com/office/drawing/2010/main" val="0"/>
+                  </a:ext>
+                </a:extLst>
+              </a:blip>
+              <a:stretch>
+                <a:fillRect/>
+              </a:stretch>
+            </p:blipFill>
+            <p:spPr>
+              <a:xfrm>
+                <a:off x="19592078" y="19446101"/>
+                <a:ext cx="3060000" cy="3060000"/>
+              </a:xfrm>
+              <a:prstGeom prst="rect">
+                <a:avLst/>
+              </a:prstGeom>
+              <a:ln>
+                <a:solidFill>
+                  <a:schemeClr val="tx1"/>
+                </a:solidFill>
+              </a:ln>
+            </p:spPr>
+          </p:pic>
+        </p:grpSp>
+        <p:grpSp>
+          <p:nvGrpSpPr>
+            <p:cNvPr id="122" name="그룹 121">
+              <a:extLst>
+                <a:ext uri="{FF2B5EF4-FFF2-40B4-BE49-F238E27FC236}">
+                  <a16:creationId xmlns:a16="http://schemas.microsoft.com/office/drawing/2014/main" id="{E54C0027-68F2-4346-92DB-94617CF8B267}"/>
+                </a:ext>
+              </a:extLst>
+            </p:cNvPr>
+            <p:cNvGrpSpPr>
+              <a:grpSpLocks noChangeAspect="1"/>
+            </p:cNvGrpSpPr>
+            <p:nvPr/>
+          </p:nvGrpSpPr>
+          <p:grpSpPr>
+            <a:xfrm>
+              <a:off x="13741518" y="18306319"/>
+              <a:ext cx="1555200" cy="1555200"/>
+              <a:chOff x="26644062" y="18487410"/>
+              <a:chExt cx="1555200" cy="1555200"/>
+            </a:xfrm>
+          </p:grpSpPr>
+          <p:sp>
+            <p:nvSpPr>
+              <p:cNvPr id="123" name="직사각형 122">
+                <a:extLst>
+                  <a:ext uri="{FF2B5EF4-FFF2-40B4-BE49-F238E27FC236}">
+                    <a16:creationId xmlns:a16="http://schemas.microsoft.com/office/drawing/2014/main" id="{62AE4E21-7CB0-4A60-84AC-04E25CD40332}"/>
+                  </a:ext>
+                </a:extLst>
+              </p:cNvPr>
+              <p:cNvSpPr>
+                <a:spLocks noChangeAspect="1"/>
+              </p:cNvSpPr>
+              <p:nvPr/>
+            </p:nvSpPr>
+            <p:spPr>
+              <a:xfrm>
+                <a:off x="26644062" y="18487410"/>
+                <a:ext cx="1555200" cy="1555200"/>
+              </a:xfrm>
+              <a:prstGeom prst="rect">
+                <a:avLst/>
+              </a:prstGeom>
+              <a:solidFill>
+                <a:schemeClr val="bg1"/>
+              </a:solidFill>
+              <a:ln>
+                <a:solidFill>
+                  <a:schemeClr val="tx1"/>
+                </a:solidFill>
+              </a:ln>
+            </p:spPr>
+            <p:style>
+              <a:lnRef idx="2">
+                <a:schemeClr val="accent1">
+                  <a:shade val="50000"/>
+                </a:schemeClr>
+              </a:lnRef>
+              <a:fillRef idx="1">
+                <a:schemeClr val="accent1"/>
+              </a:fillRef>
+              <a:effectRef idx="0">
+                <a:schemeClr val="accent1"/>
+              </a:effectRef>
+              <a:fontRef idx="minor">
+                <a:schemeClr val="lt1"/>
+              </a:fontRef>
+            </p:style>
+            <p:txBody>
+              <a:bodyPr rtlCol="0" anchor="ctr"/>
+              <a:lstStyle/>
+              <a:p>
+                <a:pPr algn="ctr"/>
+                <a:endParaRPr lang="en-US"/>
+              </a:p>
+            </p:txBody>
+          </p:sp>
+          <p:pic>
+            <p:nvPicPr>
+              <p:cNvPr id="124" name="그림 123">
+                <a:extLst>
+                  <a:ext uri="{FF2B5EF4-FFF2-40B4-BE49-F238E27FC236}">
+                    <a16:creationId xmlns:a16="http://schemas.microsoft.com/office/drawing/2014/main" id="{DC5223DE-CD70-4331-B176-B043BD58281D}"/>
+                  </a:ext>
+                </a:extLst>
+              </p:cNvPr>
+              <p:cNvPicPr>
+                <a:picLocks noChangeAspect="1"/>
+              </p:cNvPicPr>
+              <p:nvPr/>
+            </p:nvPicPr>
+            <p:blipFill>
+              <a:blip r:embed="rId7">
+                <a:extLst>
+                  <a:ext uri="{28A0092B-C50C-407E-A947-70E740481C1C}">
+                    <a14:useLocalDpi xmlns:a14="http://schemas.microsoft.com/office/drawing/2010/main" val="0"/>
+                  </a:ext>
+                </a:extLst>
+              </a:blip>
+              <a:stretch>
+                <a:fillRect/>
+              </a:stretch>
+            </p:blipFill>
+            <p:spPr>
+              <a:xfrm>
+                <a:off x="26838462" y="18681810"/>
+                <a:ext cx="1166400" cy="1166400"/>
+              </a:xfrm>
+              <a:prstGeom prst="rect">
+                <a:avLst/>
+              </a:prstGeom>
+              <a:ln>
+                <a:solidFill>
+                  <a:schemeClr val="tx1"/>
+                </a:solidFill>
+              </a:ln>
+            </p:spPr>
+          </p:pic>
+        </p:grpSp>
+      </p:grpSp>
     </p:spTree>
     <p:extLst>
       <p:ext uri="{BB962C8B-B14F-4D97-AF65-F5344CB8AC3E}">

--- a/apps/data_processing/aruco_marker/aruco_marker_creation/marker_img/integration_marker.pptx
+++ b/apps/data_processing/aruco_marker/aruco_marker_creation/marker_img/integration_marker.pptx
@@ -14,7 +14,7 @@
     <p:sldId id="262" r:id="rId8"/>
     <p:sldId id="263" r:id="rId9"/>
     <p:sldId id="265" r:id="rId10"/>
-    <p:sldId id="266" r:id="rId11"/>
+    <p:sldId id="269" r:id="rId11"/>
     <p:sldId id="267" r:id="rId12"/>
   </p:sldIdLst>
   <p:sldSz cx="43200638" cy="43200638"/>
@@ -253,7 +253,7 @@
           <a:p>
             <a:fld id="{C8A4090B-3ADF-4090-9EE5-2E9D826556F2}" type="datetimeFigureOut">
               <a:rPr lang="en-US" smtClean="0"/>
-              <a:t>10/18/2021</a:t>
+              <a:t>10/23/2021</a:t>
             </a:fld>
             <a:endParaRPr lang="en-US"/>
           </a:p>
@@ -423,7 +423,7 @@
           <a:p>
             <a:fld id="{C8A4090B-3ADF-4090-9EE5-2E9D826556F2}" type="datetimeFigureOut">
               <a:rPr lang="en-US" smtClean="0"/>
-              <a:t>10/18/2021</a:t>
+              <a:t>10/23/2021</a:t>
             </a:fld>
             <a:endParaRPr lang="en-US"/>
           </a:p>
@@ -603,7 +603,7 @@
           <a:p>
             <a:fld id="{C8A4090B-3ADF-4090-9EE5-2E9D826556F2}" type="datetimeFigureOut">
               <a:rPr lang="en-US" smtClean="0"/>
-              <a:t>10/18/2021</a:t>
+              <a:t>10/23/2021</a:t>
             </a:fld>
             <a:endParaRPr lang="en-US"/>
           </a:p>
@@ -773,7 +773,7 @@
           <a:p>
             <a:fld id="{C8A4090B-3ADF-4090-9EE5-2E9D826556F2}" type="datetimeFigureOut">
               <a:rPr lang="en-US" smtClean="0"/>
-              <a:t>10/18/2021</a:t>
+              <a:t>10/23/2021</a:t>
             </a:fld>
             <a:endParaRPr lang="en-US"/>
           </a:p>
@@ -1017,7 +1017,7 @@
           <a:p>
             <a:fld id="{C8A4090B-3ADF-4090-9EE5-2E9D826556F2}" type="datetimeFigureOut">
               <a:rPr lang="en-US" smtClean="0"/>
-              <a:t>10/18/2021</a:t>
+              <a:t>10/23/2021</a:t>
             </a:fld>
             <a:endParaRPr lang="en-US"/>
           </a:p>
@@ -1249,7 +1249,7 @@
           <a:p>
             <a:fld id="{C8A4090B-3ADF-4090-9EE5-2E9D826556F2}" type="datetimeFigureOut">
               <a:rPr lang="en-US" smtClean="0"/>
-              <a:t>10/18/2021</a:t>
+              <a:t>10/23/2021</a:t>
             </a:fld>
             <a:endParaRPr lang="en-US"/>
           </a:p>
@@ -1616,7 +1616,7 @@
           <a:p>
             <a:fld id="{C8A4090B-3ADF-4090-9EE5-2E9D826556F2}" type="datetimeFigureOut">
               <a:rPr lang="en-US" smtClean="0"/>
-              <a:t>10/18/2021</a:t>
+              <a:t>10/23/2021</a:t>
             </a:fld>
             <a:endParaRPr lang="en-US"/>
           </a:p>
@@ -1734,7 +1734,7 @@
           <a:p>
             <a:fld id="{C8A4090B-3ADF-4090-9EE5-2E9D826556F2}" type="datetimeFigureOut">
               <a:rPr lang="en-US" smtClean="0"/>
-              <a:t>10/18/2021</a:t>
+              <a:t>10/23/2021</a:t>
             </a:fld>
             <a:endParaRPr lang="en-US"/>
           </a:p>
@@ -1829,7 +1829,7 @@
           <a:p>
             <a:fld id="{C8A4090B-3ADF-4090-9EE5-2E9D826556F2}" type="datetimeFigureOut">
               <a:rPr lang="en-US" smtClean="0"/>
-              <a:t>10/18/2021</a:t>
+              <a:t>10/23/2021</a:t>
             </a:fld>
             <a:endParaRPr lang="en-US"/>
           </a:p>
@@ -2106,7 +2106,7 @@
           <a:p>
             <a:fld id="{C8A4090B-3ADF-4090-9EE5-2E9D826556F2}" type="datetimeFigureOut">
               <a:rPr lang="en-US" smtClean="0"/>
-              <a:t>10/18/2021</a:t>
+              <a:t>10/23/2021</a:t>
             </a:fld>
             <a:endParaRPr lang="en-US"/>
           </a:p>
@@ -2363,7 +2363,7 @@
           <a:p>
             <a:fld id="{C8A4090B-3ADF-4090-9EE5-2E9D826556F2}" type="datetimeFigureOut">
               <a:rPr lang="en-US" smtClean="0"/>
-              <a:t>10/18/2021</a:t>
+              <a:t>10/23/2021</a:t>
             </a:fld>
             <a:endParaRPr lang="en-US"/>
           </a:p>
@@ -2576,7 +2576,7 @@
           <a:p>
             <a:fld id="{C8A4090B-3ADF-4090-9EE5-2E9D826556F2}" type="datetimeFigureOut">
               <a:rPr lang="en-US" smtClean="0"/>
-              <a:t>10/18/2021</a:t>
+              <a:t>10/23/2021</a:t>
             </a:fld>
             <a:endParaRPr lang="en-US"/>
           </a:p>
@@ -3576,10 +3576,786 @@
       </p:sp>
       <p:grpSp>
         <p:nvGrpSpPr>
-          <p:cNvPr id="8" name="그룹 7">
+          <p:cNvPr id="4" name="그룹 3">
             <a:extLst>
               <a:ext uri="{FF2B5EF4-FFF2-40B4-BE49-F238E27FC236}">
-                <a16:creationId xmlns:a16="http://schemas.microsoft.com/office/drawing/2014/main" id="{336CC9DA-BF21-4D2F-B0B8-4DC61C014D15}"/>
+                <a16:creationId xmlns:a16="http://schemas.microsoft.com/office/drawing/2014/main" id="{7FA228F1-419A-4331-BDF1-79F07B7B8E70}"/>
+              </a:ext>
+            </a:extLst>
+          </p:cNvPr>
+          <p:cNvGrpSpPr>
+            <a:grpSpLocks noChangeAspect="1"/>
+          </p:cNvGrpSpPr>
+          <p:nvPr/>
+        </p:nvGrpSpPr>
+        <p:grpSpPr>
+          <a:xfrm>
+            <a:off x="1800319" y="5554919"/>
+            <a:ext cx="39600000" cy="64800000"/>
+            <a:chOff x="22500478" y="6193019"/>
+            <a:chExt cx="39600000" cy="64800000"/>
+          </a:xfrm>
+        </p:grpSpPr>
+        <p:sp>
+          <p:nvSpPr>
+            <p:cNvPr id="2" name="직사각형 1">
+              <a:extLst>
+                <a:ext uri="{FF2B5EF4-FFF2-40B4-BE49-F238E27FC236}">
+                  <a16:creationId xmlns:a16="http://schemas.microsoft.com/office/drawing/2014/main" id="{DAB57934-61C7-46A0-A3D8-8F80CD2D062A}"/>
+                </a:ext>
+              </a:extLst>
+            </p:cNvPr>
+            <p:cNvSpPr/>
+            <p:nvPr/>
+          </p:nvSpPr>
+          <p:spPr>
+            <a:xfrm>
+              <a:off x="22500478" y="6193019"/>
+              <a:ext cx="39600000" cy="64800000"/>
+            </a:xfrm>
+            <a:prstGeom prst="rect">
+              <a:avLst/>
+            </a:prstGeom>
+            <a:solidFill>
+              <a:schemeClr val="bg1"/>
+            </a:solidFill>
+            <a:ln>
+              <a:noFill/>
+            </a:ln>
+          </p:spPr>
+          <p:style>
+            <a:lnRef idx="2">
+              <a:schemeClr val="accent1">
+                <a:shade val="50000"/>
+              </a:schemeClr>
+            </a:lnRef>
+            <a:fillRef idx="1">
+              <a:schemeClr val="accent1"/>
+            </a:fillRef>
+            <a:effectRef idx="0">
+              <a:schemeClr val="accent1"/>
+            </a:effectRef>
+            <a:fontRef idx="minor">
+              <a:schemeClr val="lt1"/>
+            </a:fontRef>
+          </p:style>
+          <p:txBody>
+            <a:bodyPr rtlCol="0" anchor="ctr"/>
+            <a:lstStyle/>
+            <a:p>
+              <a:pPr algn="ctr"/>
+              <a:endParaRPr lang="en-US"/>
+            </a:p>
+          </p:txBody>
+        </p:sp>
+        <p:grpSp>
+          <p:nvGrpSpPr>
+            <p:cNvPr id="28" name="그룹 27">
+              <a:extLst>
+                <a:ext uri="{FF2B5EF4-FFF2-40B4-BE49-F238E27FC236}">
+                  <a16:creationId xmlns:a16="http://schemas.microsoft.com/office/drawing/2014/main" id="{19AAEE7C-16CA-4AA8-B916-D8E6A048A9B8}"/>
+                </a:ext>
+              </a:extLst>
+            </p:cNvPr>
+            <p:cNvGrpSpPr>
+              <a:grpSpLocks/>
+            </p:cNvGrpSpPr>
+            <p:nvPr/>
+          </p:nvGrpSpPr>
+          <p:grpSpPr>
+            <a:xfrm>
+              <a:off x="22500478" y="6554144"/>
+              <a:ext cx="39600000" cy="64077750"/>
+              <a:chOff x="3060319" y="11703919"/>
+              <a:chExt cx="17280000" cy="27961200"/>
+            </a:xfrm>
+          </p:grpSpPr>
+          <p:grpSp>
+            <p:nvGrpSpPr>
+              <p:cNvPr id="29" name="그룹 28">
+                <a:extLst>
+                  <a:ext uri="{FF2B5EF4-FFF2-40B4-BE49-F238E27FC236}">
+                    <a16:creationId xmlns:a16="http://schemas.microsoft.com/office/drawing/2014/main" id="{39686551-3C6A-4649-B58A-74FE4D49E5D1}"/>
+                  </a:ext>
+                </a:extLst>
+              </p:cNvPr>
+              <p:cNvGrpSpPr>
+                <a:grpSpLocks noChangeAspect="1"/>
+              </p:cNvGrpSpPr>
+              <p:nvPr/>
+            </p:nvGrpSpPr>
+            <p:grpSpPr>
+              <a:xfrm>
+                <a:off x="13741520" y="19865119"/>
+                <a:ext cx="2520000" cy="2520000"/>
+                <a:chOff x="19947575" y="23450076"/>
+                <a:chExt cx="2520000" cy="2520000"/>
+              </a:xfrm>
+            </p:grpSpPr>
+            <p:sp>
+              <p:nvSpPr>
+                <p:cNvPr id="64" name="직사각형 63">
+                  <a:extLst>
+                    <a:ext uri="{FF2B5EF4-FFF2-40B4-BE49-F238E27FC236}">
+                      <a16:creationId xmlns:a16="http://schemas.microsoft.com/office/drawing/2014/main" id="{30DE9ACE-ED25-43B0-BAC2-BEA9DF26D93A}"/>
+                    </a:ext>
+                  </a:extLst>
+                </p:cNvPr>
+                <p:cNvSpPr>
+                  <a:spLocks noChangeAspect="1"/>
+                </p:cNvSpPr>
+                <p:nvPr/>
+              </p:nvSpPr>
+              <p:spPr>
+                <a:xfrm>
+                  <a:off x="19947575" y="23450076"/>
+                  <a:ext cx="2520000" cy="2520000"/>
+                </a:xfrm>
+                <a:prstGeom prst="rect">
+                  <a:avLst/>
+                </a:prstGeom>
+                <a:solidFill>
+                  <a:schemeClr val="bg1"/>
+                </a:solidFill>
+                <a:ln>
+                  <a:noFill/>
+                </a:ln>
+              </p:spPr>
+              <p:style>
+                <a:lnRef idx="2">
+                  <a:schemeClr val="accent1">
+                    <a:shade val="50000"/>
+                  </a:schemeClr>
+                </a:lnRef>
+                <a:fillRef idx="1">
+                  <a:schemeClr val="accent1"/>
+                </a:fillRef>
+                <a:effectRef idx="0">
+                  <a:schemeClr val="accent1"/>
+                </a:effectRef>
+                <a:fontRef idx="minor">
+                  <a:schemeClr val="lt1"/>
+                </a:fontRef>
+              </p:style>
+              <p:txBody>
+                <a:bodyPr rtlCol="0" anchor="ctr"/>
+                <a:lstStyle/>
+                <a:p>
+                  <a:pPr algn="ctr"/>
+                  <a:endParaRPr lang="en-US"/>
+                </a:p>
+              </p:txBody>
+            </p:sp>
+            <p:pic>
+              <p:nvPicPr>
+                <p:cNvPr id="65" name="그림 64">
+                  <a:extLst>
+                    <a:ext uri="{FF2B5EF4-FFF2-40B4-BE49-F238E27FC236}">
+                      <a16:creationId xmlns:a16="http://schemas.microsoft.com/office/drawing/2014/main" id="{A3801CE2-416C-4D0A-B8EA-803D26E53AAB}"/>
+                    </a:ext>
+                  </a:extLst>
+                </p:cNvPr>
+                <p:cNvPicPr>
+                  <a:picLocks noChangeAspect="1"/>
+                </p:cNvPicPr>
+                <p:nvPr/>
+              </p:nvPicPr>
+              <p:blipFill>
+                <a:blip r:embed="rId2">
+                  <a:extLst>
+                    <a:ext uri="{28A0092B-C50C-407E-A947-70E740481C1C}">
+                      <a14:useLocalDpi xmlns:a14="http://schemas.microsoft.com/office/drawing/2010/main" val="0"/>
+                    </a:ext>
+                  </a:extLst>
+                </a:blip>
+                <a:stretch>
+                  <a:fillRect/>
+                </a:stretch>
+              </p:blipFill>
+              <p:spPr>
+                <a:xfrm rot="16200000">
+                  <a:off x="20262575" y="23765076"/>
+                  <a:ext cx="1890000" cy="1890000"/>
+                </a:xfrm>
+                <a:prstGeom prst="rect">
+                  <a:avLst/>
+                </a:prstGeom>
+              </p:spPr>
+            </p:pic>
+          </p:grpSp>
+          <p:grpSp>
+            <p:nvGrpSpPr>
+              <p:cNvPr id="30" name="그룹 29">
+                <a:extLst>
+                  <a:ext uri="{FF2B5EF4-FFF2-40B4-BE49-F238E27FC236}">
+                    <a16:creationId xmlns:a16="http://schemas.microsoft.com/office/drawing/2014/main" id="{9B482A5D-117E-4892-B5E3-5F8A0987497D}"/>
+                  </a:ext>
+                </a:extLst>
+              </p:cNvPr>
+              <p:cNvGrpSpPr>
+                <a:grpSpLocks noChangeAspect="1"/>
+              </p:cNvGrpSpPr>
+              <p:nvPr/>
+            </p:nvGrpSpPr>
+            <p:grpSpPr>
+              <a:xfrm>
+                <a:off x="3060319" y="22385119"/>
+                <a:ext cx="17280000" cy="17280000"/>
+                <a:chOff x="-2760882" y="22385119"/>
+                <a:chExt cx="17280000" cy="17280000"/>
+              </a:xfrm>
+            </p:grpSpPr>
+            <p:sp>
+              <p:nvSpPr>
+                <p:cNvPr id="43" name="직사각형 42">
+                  <a:extLst>
+                    <a:ext uri="{FF2B5EF4-FFF2-40B4-BE49-F238E27FC236}">
+                      <a16:creationId xmlns:a16="http://schemas.microsoft.com/office/drawing/2014/main" id="{C851442C-779E-4BD1-8637-1C2882829D13}"/>
+                    </a:ext>
+                  </a:extLst>
+                </p:cNvPr>
+                <p:cNvSpPr>
+                  <a:spLocks noChangeAspect="1"/>
+                </p:cNvSpPr>
+                <p:nvPr/>
+              </p:nvSpPr>
+              <p:spPr>
+                <a:xfrm>
+                  <a:off x="-2760882" y="22385119"/>
+                  <a:ext cx="17280000" cy="17280000"/>
+                </a:xfrm>
+                <a:prstGeom prst="rect">
+                  <a:avLst/>
+                </a:prstGeom>
+                <a:solidFill>
+                  <a:schemeClr val="bg1"/>
+                </a:solidFill>
+                <a:ln>
+                  <a:noFill/>
+                </a:ln>
+              </p:spPr>
+              <p:style>
+                <a:lnRef idx="2">
+                  <a:schemeClr val="accent1">
+                    <a:shade val="50000"/>
+                  </a:schemeClr>
+                </a:lnRef>
+                <a:fillRef idx="1">
+                  <a:schemeClr val="accent1"/>
+                </a:fillRef>
+                <a:effectRef idx="0">
+                  <a:schemeClr val="accent1"/>
+                </a:effectRef>
+                <a:fontRef idx="minor">
+                  <a:schemeClr val="lt1"/>
+                </a:fontRef>
+              </p:style>
+              <p:txBody>
+                <a:bodyPr rtlCol="0" anchor="ctr"/>
+                <a:lstStyle/>
+                <a:p>
+                  <a:pPr algn="ctr"/>
+                  <a:endParaRPr lang="en-US"/>
+                </a:p>
+              </p:txBody>
+            </p:sp>
+            <p:pic>
+              <p:nvPicPr>
+                <p:cNvPr id="44" name="그림 43">
+                  <a:extLst>
+                    <a:ext uri="{FF2B5EF4-FFF2-40B4-BE49-F238E27FC236}">
+                      <a16:creationId xmlns:a16="http://schemas.microsoft.com/office/drawing/2014/main" id="{780D6A52-CE23-4993-BF12-3E9F4BC453FD}"/>
+                    </a:ext>
+                  </a:extLst>
+                </p:cNvPr>
+                <p:cNvPicPr>
+                  <a:picLocks noChangeAspect="1"/>
+                </p:cNvPicPr>
+                <p:nvPr/>
+              </p:nvPicPr>
+              <p:blipFill>
+                <a:blip r:embed="rId3">
+                  <a:extLst>
+                    <a:ext uri="{28A0092B-C50C-407E-A947-70E740481C1C}">
+                      <a14:useLocalDpi xmlns:a14="http://schemas.microsoft.com/office/drawing/2010/main" val="0"/>
+                    </a:ext>
+                  </a:extLst>
+                </a:blip>
+                <a:stretch>
+                  <a:fillRect/>
+                </a:stretch>
+              </p:blipFill>
+              <p:spPr>
+                <a:xfrm rot="16200000">
+                  <a:off x="-600882" y="24545119"/>
+                  <a:ext cx="12960000" cy="12960000"/>
+                </a:xfrm>
+                <a:prstGeom prst="rect">
+                  <a:avLst/>
+                </a:prstGeom>
+              </p:spPr>
+            </p:pic>
+          </p:grpSp>
+          <p:grpSp>
+            <p:nvGrpSpPr>
+              <p:cNvPr id="31" name="그룹 30">
+                <a:extLst>
+                  <a:ext uri="{FF2B5EF4-FFF2-40B4-BE49-F238E27FC236}">
+                    <a16:creationId xmlns:a16="http://schemas.microsoft.com/office/drawing/2014/main" id="{3B6BB0DB-070A-4E07-A099-CB6A19238BB1}"/>
+                  </a:ext>
+                </a:extLst>
+              </p:cNvPr>
+              <p:cNvGrpSpPr>
+                <a:grpSpLocks noChangeAspect="1"/>
+              </p:cNvGrpSpPr>
+              <p:nvPr/>
+            </p:nvGrpSpPr>
+            <p:grpSpPr>
+              <a:xfrm>
+                <a:off x="3060319" y="11703919"/>
+                <a:ext cx="10681200" cy="10681200"/>
+                <a:chOff x="328786" y="11703919"/>
+                <a:chExt cx="10681200" cy="10681200"/>
+              </a:xfrm>
+            </p:grpSpPr>
+            <p:sp>
+              <p:nvSpPr>
+                <p:cNvPr id="41" name="직사각형 40">
+                  <a:extLst>
+                    <a:ext uri="{FF2B5EF4-FFF2-40B4-BE49-F238E27FC236}">
+                      <a16:creationId xmlns:a16="http://schemas.microsoft.com/office/drawing/2014/main" id="{A7B7181E-0592-453B-BB74-582A9FBFBD44}"/>
+                    </a:ext>
+                  </a:extLst>
+                </p:cNvPr>
+                <p:cNvSpPr>
+                  <a:spLocks noChangeAspect="1"/>
+                </p:cNvSpPr>
+                <p:nvPr/>
+              </p:nvSpPr>
+              <p:spPr>
+                <a:xfrm>
+                  <a:off x="328786" y="11703919"/>
+                  <a:ext cx="10681200" cy="10681200"/>
+                </a:xfrm>
+                <a:prstGeom prst="rect">
+                  <a:avLst/>
+                </a:prstGeom>
+                <a:solidFill>
+                  <a:schemeClr val="bg1"/>
+                </a:solidFill>
+                <a:ln>
+                  <a:noFill/>
+                </a:ln>
+              </p:spPr>
+              <p:style>
+                <a:lnRef idx="2">
+                  <a:schemeClr val="accent1">
+                    <a:shade val="50000"/>
+                  </a:schemeClr>
+                </a:lnRef>
+                <a:fillRef idx="1">
+                  <a:schemeClr val="accent1"/>
+                </a:fillRef>
+                <a:effectRef idx="0">
+                  <a:schemeClr val="accent1"/>
+                </a:effectRef>
+                <a:fontRef idx="minor">
+                  <a:schemeClr val="lt1"/>
+                </a:fontRef>
+              </p:style>
+              <p:txBody>
+                <a:bodyPr rtlCol="0" anchor="ctr"/>
+                <a:lstStyle/>
+                <a:p>
+                  <a:pPr algn="ctr"/>
+                  <a:endParaRPr lang="en-US"/>
+                </a:p>
+              </p:txBody>
+            </p:sp>
+            <p:pic>
+              <p:nvPicPr>
+                <p:cNvPr id="42" name="그림 41">
+                  <a:extLst>
+                    <a:ext uri="{FF2B5EF4-FFF2-40B4-BE49-F238E27FC236}">
+                      <a16:creationId xmlns:a16="http://schemas.microsoft.com/office/drawing/2014/main" id="{E63CA9CF-9D15-4AC2-9ABA-534A5A52622C}"/>
+                    </a:ext>
+                  </a:extLst>
+                </p:cNvPr>
+                <p:cNvPicPr>
+                  <a:picLocks noChangeAspect="1"/>
+                </p:cNvPicPr>
+                <p:nvPr/>
+              </p:nvPicPr>
+              <p:blipFill>
+                <a:blip r:embed="rId4">
+                  <a:extLst>
+                    <a:ext uri="{28A0092B-C50C-407E-A947-70E740481C1C}">
+                      <a14:useLocalDpi xmlns:a14="http://schemas.microsoft.com/office/drawing/2010/main" val="0"/>
+                    </a:ext>
+                  </a:extLst>
+                </a:blip>
+                <a:stretch>
+                  <a:fillRect/>
+                </a:stretch>
+              </p:blipFill>
+              <p:spPr>
+                <a:xfrm rot="16200000">
+                  <a:off x="1664386" y="13039519"/>
+                  <a:ext cx="8010000" cy="8010000"/>
+                </a:xfrm>
+                <a:prstGeom prst="rect">
+                  <a:avLst/>
+                </a:prstGeom>
+              </p:spPr>
+            </p:pic>
+          </p:grpSp>
+          <p:grpSp>
+            <p:nvGrpSpPr>
+              <p:cNvPr id="32" name="그룹 31">
+                <a:extLst>
+                  <a:ext uri="{FF2B5EF4-FFF2-40B4-BE49-F238E27FC236}">
+                    <a16:creationId xmlns:a16="http://schemas.microsoft.com/office/drawing/2014/main" id="{5965E51C-07CD-4DA0-99E0-9ACE91C720B3}"/>
+                  </a:ext>
+                </a:extLst>
+              </p:cNvPr>
+              <p:cNvGrpSpPr>
+                <a:grpSpLocks noChangeAspect="1"/>
+              </p:cNvGrpSpPr>
+              <p:nvPr/>
+            </p:nvGrpSpPr>
+            <p:grpSpPr>
+              <a:xfrm>
+                <a:off x="13741518" y="11703919"/>
+                <a:ext cx="6598800" cy="6598800"/>
+                <a:chOff x="10314342" y="13626019"/>
+                <a:chExt cx="6598800" cy="6598800"/>
+              </a:xfrm>
+            </p:grpSpPr>
+            <p:sp>
+              <p:nvSpPr>
+                <p:cNvPr id="39" name="직사각형 38">
+                  <a:extLst>
+                    <a:ext uri="{FF2B5EF4-FFF2-40B4-BE49-F238E27FC236}">
+                      <a16:creationId xmlns:a16="http://schemas.microsoft.com/office/drawing/2014/main" id="{28D8AD30-8297-472D-9C54-4DC13191B9BF}"/>
+                    </a:ext>
+                  </a:extLst>
+                </p:cNvPr>
+                <p:cNvSpPr>
+                  <a:spLocks noChangeAspect="1"/>
+                </p:cNvSpPr>
+                <p:nvPr/>
+              </p:nvSpPr>
+              <p:spPr>
+                <a:xfrm>
+                  <a:off x="10314342" y="13626019"/>
+                  <a:ext cx="6598800" cy="6598800"/>
+                </a:xfrm>
+                <a:prstGeom prst="rect">
+                  <a:avLst/>
+                </a:prstGeom>
+                <a:solidFill>
+                  <a:schemeClr val="bg1"/>
+                </a:solidFill>
+                <a:ln>
+                  <a:noFill/>
+                </a:ln>
+              </p:spPr>
+              <p:style>
+                <a:lnRef idx="2">
+                  <a:schemeClr val="accent1">
+                    <a:shade val="50000"/>
+                  </a:schemeClr>
+                </a:lnRef>
+                <a:fillRef idx="1">
+                  <a:schemeClr val="accent1"/>
+                </a:fillRef>
+                <a:effectRef idx="0">
+                  <a:schemeClr val="accent1"/>
+                </a:effectRef>
+                <a:fontRef idx="minor">
+                  <a:schemeClr val="lt1"/>
+                </a:fontRef>
+              </p:style>
+              <p:txBody>
+                <a:bodyPr rtlCol="0" anchor="ctr"/>
+                <a:lstStyle/>
+                <a:p>
+                  <a:pPr algn="ctr"/>
+                  <a:endParaRPr lang="en-US"/>
+                </a:p>
+              </p:txBody>
+            </p:sp>
+            <p:pic>
+              <p:nvPicPr>
+                <p:cNvPr id="40" name="그림 39">
+                  <a:extLst>
+                    <a:ext uri="{FF2B5EF4-FFF2-40B4-BE49-F238E27FC236}">
+                      <a16:creationId xmlns:a16="http://schemas.microsoft.com/office/drawing/2014/main" id="{F369AB56-6A33-4E9C-94C2-4B5A29913FB6}"/>
+                    </a:ext>
+                  </a:extLst>
+                </p:cNvPr>
+                <p:cNvPicPr>
+                  <a:picLocks noChangeAspect="1"/>
+                </p:cNvPicPr>
+                <p:nvPr/>
+              </p:nvPicPr>
+              <p:blipFill>
+                <a:blip r:embed="rId5">
+                  <a:extLst>
+                    <a:ext uri="{28A0092B-C50C-407E-A947-70E740481C1C}">
+                      <a14:useLocalDpi xmlns:a14="http://schemas.microsoft.com/office/drawing/2010/main" val="0"/>
+                    </a:ext>
+                  </a:extLst>
+                </a:blip>
+                <a:stretch>
+                  <a:fillRect/>
+                </a:stretch>
+              </p:blipFill>
+              <p:spPr>
+                <a:xfrm rot="16200000">
+                  <a:off x="11138742" y="14450419"/>
+                  <a:ext cx="4950000" cy="4950000"/>
+                </a:xfrm>
+                <a:prstGeom prst="rect">
+                  <a:avLst/>
+                </a:prstGeom>
+              </p:spPr>
+            </p:pic>
+          </p:grpSp>
+          <p:grpSp>
+            <p:nvGrpSpPr>
+              <p:cNvPr id="33" name="그룹 32">
+                <a:extLst>
+                  <a:ext uri="{FF2B5EF4-FFF2-40B4-BE49-F238E27FC236}">
+                    <a16:creationId xmlns:a16="http://schemas.microsoft.com/office/drawing/2014/main" id="{08E0CCD9-BA54-4046-891D-9320180579D2}"/>
+                  </a:ext>
+                </a:extLst>
+              </p:cNvPr>
+              <p:cNvGrpSpPr>
+                <a:grpSpLocks noChangeAspect="1"/>
+              </p:cNvGrpSpPr>
+              <p:nvPr/>
+            </p:nvGrpSpPr>
+            <p:grpSpPr>
+              <a:xfrm>
+                <a:off x="16261519" y="18306319"/>
+                <a:ext cx="4078800" cy="4078800"/>
+                <a:chOff x="19082678" y="18936701"/>
+                <a:chExt cx="4078800" cy="4078800"/>
+              </a:xfrm>
+            </p:grpSpPr>
+            <p:sp>
+              <p:nvSpPr>
+                <p:cNvPr id="37" name="직사각형 36">
+                  <a:extLst>
+                    <a:ext uri="{FF2B5EF4-FFF2-40B4-BE49-F238E27FC236}">
+                      <a16:creationId xmlns:a16="http://schemas.microsoft.com/office/drawing/2014/main" id="{7B5241C3-A926-411F-8700-659C216FA54B}"/>
+                    </a:ext>
+                  </a:extLst>
+                </p:cNvPr>
+                <p:cNvSpPr>
+                  <a:spLocks noChangeAspect="1"/>
+                </p:cNvSpPr>
+                <p:nvPr/>
+              </p:nvSpPr>
+              <p:spPr>
+                <a:xfrm>
+                  <a:off x="19082678" y="18936701"/>
+                  <a:ext cx="4078800" cy="4078800"/>
+                </a:xfrm>
+                <a:prstGeom prst="rect">
+                  <a:avLst/>
+                </a:prstGeom>
+                <a:solidFill>
+                  <a:schemeClr val="bg1"/>
+                </a:solidFill>
+                <a:ln>
+                  <a:noFill/>
+                </a:ln>
+              </p:spPr>
+              <p:style>
+                <a:lnRef idx="2">
+                  <a:schemeClr val="accent1">
+                    <a:shade val="50000"/>
+                  </a:schemeClr>
+                </a:lnRef>
+                <a:fillRef idx="1">
+                  <a:schemeClr val="accent1"/>
+                </a:fillRef>
+                <a:effectRef idx="0">
+                  <a:schemeClr val="accent1"/>
+                </a:effectRef>
+                <a:fontRef idx="minor">
+                  <a:schemeClr val="lt1"/>
+                </a:fontRef>
+              </p:style>
+              <p:txBody>
+                <a:bodyPr rtlCol="0" anchor="ctr"/>
+                <a:lstStyle/>
+                <a:p>
+                  <a:pPr algn="ctr"/>
+                  <a:endParaRPr lang="en-US"/>
+                </a:p>
+              </p:txBody>
+            </p:sp>
+            <p:pic>
+              <p:nvPicPr>
+                <p:cNvPr id="38" name="그림 37">
+                  <a:extLst>
+                    <a:ext uri="{FF2B5EF4-FFF2-40B4-BE49-F238E27FC236}">
+                      <a16:creationId xmlns:a16="http://schemas.microsoft.com/office/drawing/2014/main" id="{9EDB7D65-EFD7-400E-BFD0-CB8432812AF9}"/>
+                    </a:ext>
+                  </a:extLst>
+                </p:cNvPr>
+                <p:cNvPicPr>
+                  <a:picLocks noChangeAspect="1"/>
+                </p:cNvPicPr>
+                <p:nvPr/>
+              </p:nvPicPr>
+              <p:blipFill>
+                <a:blip r:embed="rId6">
+                  <a:extLst>
+                    <a:ext uri="{28A0092B-C50C-407E-A947-70E740481C1C}">
+                      <a14:useLocalDpi xmlns:a14="http://schemas.microsoft.com/office/drawing/2010/main" val="0"/>
+                    </a:ext>
+                  </a:extLst>
+                </a:blip>
+                <a:stretch>
+                  <a:fillRect/>
+                </a:stretch>
+              </p:blipFill>
+              <p:spPr>
+                <a:xfrm rot="16200000">
+                  <a:off x="19592078" y="19446101"/>
+                  <a:ext cx="3060000" cy="3060000"/>
+                </a:xfrm>
+                <a:prstGeom prst="rect">
+                  <a:avLst/>
+                </a:prstGeom>
+              </p:spPr>
+            </p:pic>
+          </p:grpSp>
+          <p:grpSp>
+            <p:nvGrpSpPr>
+              <p:cNvPr id="34" name="그룹 33">
+                <a:extLst>
+                  <a:ext uri="{FF2B5EF4-FFF2-40B4-BE49-F238E27FC236}">
+                    <a16:creationId xmlns:a16="http://schemas.microsoft.com/office/drawing/2014/main" id="{1E71D156-0422-410D-B639-37378766794D}"/>
+                  </a:ext>
+                </a:extLst>
+              </p:cNvPr>
+              <p:cNvGrpSpPr>
+                <a:grpSpLocks noChangeAspect="1"/>
+              </p:cNvGrpSpPr>
+              <p:nvPr/>
+            </p:nvGrpSpPr>
+            <p:grpSpPr>
+              <a:xfrm>
+                <a:off x="13741518" y="18306319"/>
+                <a:ext cx="1555200" cy="1555200"/>
+                <a:chOff x="26644062" y="18487410"/>
+                <a:chExt cx="1555200" cy="1555200"/>
+              </a:xfrm>
+            </p:grpSpPr>
+            <p:sp>
+              <p:nvSpPr>
+                <p:cNvPr id="35" name="직사각형 34">
+                  <a:extLst>
+                    <a:ext uri="{FF2B5EF4-FFF2-40B4-BE49-F238E27FC236}">
+                      <a16:creationId xmlns:a16="http://schemas.microsoft.com/office/drawing/2014/main" id="{7FF69A9A-7D6F-4E86-ACBE-9531141F3035}"/>
+                    </a:ext>
+                  </a:extLst>
+                </p:cNvPr>
+                <p:cNvSpPr>
+                  <a:spLocks noChangeAspect="1"/>
+                </p:cNvSpPr>
+                <p:nvPr/>
+              </p:nvSpPr>
+              <p:spPr>
+                <a:xfrm>
+                  <a:off x="26644062" y="18487410"/>
+                  <a:ext cx="1555200" cy="1555200"/>
+                </a:xfrm>
+                <a:prstGeom prst="rect">
+                  <a:avLst/>
+                </a:prstGeom>
+                <a:solidFill>
+                  <a:schemeClr val="bg1"/>
+                </a:solidFill>
+                <a:ln>
+                  <a:noFill/>
+                </a:ln>
+              </p:spPr>
+              <p:style>
+                <a:lnRef idx="2">
+                  <a:schemeClr val="accent1">
+                    <a:shade val="50000"/>
+                  </a:schemeClr>
+                </a:lnRef>
+                <a:fillRef idx="1">
+                  <a:schemeClr val="accent1"/>
+                </a:fillRef>
+                <a:effectRef idx="0">
+                  <a:schemeClr val="accent1"/>
+                </a:effectRef>
+                <a:fontRef idx="minor">
+                  <a:schemeClr val="lt1"/>
+                </a:fontRef>
+              </p:style>
+              <p:txBody>
+                <a:bodyPr rtlCol="0" anchor="ctr"/>
+                <a:lstStyle/>
+                <a:p>
+                  <a:pPr algn="ctr"/>
+                  <a:endParaRPr lang="en-US"/>
+                </a:p>
+              </p:txBody>
+            </p:sp>
+            <p:pic>
+              <p:nvPicPr>
+                <p:cNvPr id="36" name="그림 35">
+                  <a:extLst>
+                    <a:ext uri="{FF2B5EF4-FFF2-40B4-BE49-F238E27FC236}">
+                      <a16:creationId xmlns:a16="http://schemas.microsoft.com/office/drawing/2014/main" id="{F2ACD3C0-3E50-46EE-A67C-8C6F41CA6C3C}"/>
+                    </a:ext>
+                  </a:extLst>
+                </p:cNvPr>
+                <p:cNvPicPr>
+                  <a:picLocks noChangeAspect="1"/>
+                </p:cNvPicPr>
+                <p:nvPr/>
+              </p:nvPicPr>
+              <p:blipFill>
+                <a:blip r:embed="rId7">
+                  <a:extLst>
+                    <a:ext uri="{28A0092B-C50C-407E-A947-70E740481C1C}">
+                      <a14:useLocalDpi xmlns:a14="http://schemas.microsoft.com/office/drawing/2010/main" val="0"/>
+                    </a:ext>
+                  </a:extLst>
+                </a:blip>
+                <a:stretch>
+                  <a:fillRect/>
+                </a:stretch>
+              </p:blipFill>
+              <p:spPr>
+                <a:xfrm rot="16200000">
+                  <a:off x="26838462" y="18681810"/>
+                  <a:ext cx="1166400" cy="1166400"/>
+                </a:xfrm>
+                <a:prstGeom prst="rect">
+                  <a:avLst/>
+                </a:prstGeom>
+              </p:spPr>
+            </p:pic>
+          </p:grpSp>
+        </p:grpSp>
+      </p:grpSp>
+      <p:grpSp>
+        <p:nvGrpSpPr>
+          <p:cNvPr id="66" name="그룹 65">
+            <a:extLst>
+              <a:ext uri="{FF2B5EF4-FFF2-40B4-BE49-F238E27FC236}">
+                <a16:creationId xmlns:a16="http://schemas.microsoft.com/office/drawing/2014/main" id="{FA76F1B6-49A2-4ADD-94D1-57B07D9FC9F8}"/>
               </a:ext>
             </a:extLst>
           </p:cNvPr>
@@ -3588,18 +4364,18 @@
         </p:nvGrpSpPr>
         <p:grpSpPr>
           <a:xfrm>
-            <a:off x="41017665" y="3880719"/>
-            <a:ext cx="5565256" cy="55922400"/>
+            <a:off x="44101328" y="5554919"/>
+            <a:ext cx="5565256" cy="64800000"/>
             <a:chOff x="41017665" y="1543919"/>
-            <a:chExt cx="5565256" cy="55922400"/>
+            <a:chExt cx="5565256" cy="64800000"/>
           </a:xfrm>
         </p:grpSpPr>
         <p:cxnSp>
           <p:nvCxnSpPr>
-            <p:cNvPr id="3" name="직선 연결선 2">
+            <p:cNvPr id="67" name="직선 연결선 66">
               <a:extLst>
                 <a:ext uri="{FF2B5EF4-FFF2-40B4-BE49-F238E27FC236}">
-                  <a16:creationId xmlns:a16="http://schemas.microsoft.com/office/drawing/2014/main" id="{EEA4D954-B485-4F29-A6D8-AAD945B8B77E}"/>
+                  <a16:creationId xmlns:a16="http://schemas.microsoft.com/office/drawing/2014/main" id="{967C1231-DDF9-41C5-8232-30DE27D3AF55}"/>
                 </a:ext>
               </a:extLst>
             </p:cNvPr>
@@ -3611,7 +4387,7 @@
           <p:spPr>
             <a:xfrm>
               <a:off x="41017665" y="1543919"/>
-              <a:ext cx="0" cy="55922400"/>
+              <a:ext cx="0" cy="64800000"/>
             </a:xfrm>
             <a:prstGeom prst="line">
               <a:avLst/>
@@ -3634,10 +4410,10 @@
         </p:cxnSp>
         <p:sp>
           <p:nvSpPr>
-            <p:cNvPr id="20" name="TextBox 19">
+            <p:cNvPr id="68" name="TextBox 67">
               <a:extLst>
                 <a:ext uri="{FF2B5EF4-FFF2-40B4-BE49-F238E27FC236}">
-                  <a16:creationId xmlns:a16="http://schemas.microsoft.com/office/drawing/2014/main" id="{8AAE0DB7-17CA-4E5A-8015-9F78A1342BCF}"/>
+                  <a16:creationId xmlns:a16="http://schemas.microsoft.com/office/drawing/2014/main" id="{142A8EA4-FD08-4565-B1FA-0FE95659B7C0}"/>
                 </a:ext>
               </a:extLst>
             </p:cNvPr>
@@ -3648,8 +4424,8 @@
           </p:nvSpPr>
           <p:spPr>
             <a:xfrm>
-              <a:off x="41766945" y="28235541"/>
-              <a:ext cx="4815976" cy="2539156"/>
+              <a:off x="41766945" y="33343755"/>
+              <a:ext cx="4815976" cy="1200329"/>
             </a:xfrm>
             <a:prstGeom prst="rect">
               <a:avLst/>
@@ -3667,7 +4443,7 @@
                 <a:rPr lang="en-US" sz="7200" dirty="0">
                   <a:latin typeface="Arial" panose="020B0604020202020204" pitchFamily="34" charset="0"/>
                 </a:rPr>
-                <a:t>155.34 cm</a:t>
+                <a:t>180 cm</a:t>
               </a:r>
             </a:p>
           </p:txBody>
@@ -3675,10 +4451,10 @@
       </p:grpSp>
       <p:grpSp>
         <p:nvGrpSpPr>
-          <p:cNvPr id="9" name="그룹 8">
+          <p:cNvPr id="69" name="그룹 68">
             <a:extLst>
               <a:ext uri="{FF2B5EF4-FFF2-40B4-BE49-F238E27FC236}">
-                <a16:creationId xmlns:a16="http://schemas.microsoft.com/office/drawing/2014/main" id="{03199B52-5FA3-4E3B-914F-2E485936E2BF}"/>
+                <a16:creationId xmlns:a16="http://schemas.microsoft.com/office/drawing/2014/main" id="{FE5F167F-F862-4491-852A-D3F8C2D62248}"/>
               </a:ext>
             </a:extLst>
           </p:cNvPr>
@@ -3687,18 +4463,18 @@
         </p:nvGrpSpPr>
         <p:grpSpPr>
           <a:xfrm>
-            <a:off x="4320319" y="61742201"/>
-            <a:ext cx="34560000" cy="1403529"/>
-            <a:chOff x="4320319" y="59405401"/>
-            <a:chExt cx="34560000" cy="1403529"/>
+            <a:off x="1800319" y="71522294"/>
+            <a:ext cx="39600000" cy="1403529"/>
+            <a:chOff x="-719681" y="59405401"/>
+            <a:chExt cx="39600000" cy="1403529"/>
           </a:xfrm>
         </p:grpSpPr>
         <p:cxnSp>
           <p:nvCxnSpPr>
-            <p:cNvPr id="21" name="직선 연결선 20">
+            <p:cNvPr id="70" name="직선 연결선 69">
               <a:extLst>
                 <a:ext uri="{FF2B5EF4-FFF2-40B4-BE49-F238E27FC236}">
-                  <a16:creationId xmlns:a16="http://schemas.microsoft.com/office/drawing/2014/main" id="{CDFC99E6-F541-437D-B57C-7D9342AFC62F}"/>
+                  <a16:creationId xmlns:a16="http://schemas.microsoft.com/office/drawing/2014/main" id="{54F90BD5-F3A3-451E-ACE9-5C6479BEEE71}"/>
                 </a:ext>
               </a:extLst>
             </p:cNvPr>
@@ -3709,8 +4485,8 @@
           </p:nvCxnSpPr>
           <p:spPr>
             <a:xfrm rot="5400000">
-              <a:off x="21600319" y="42125401"/>
-              <a:ext cx="0" cy="34560000"/>
+              <a:off x="19080319" y="39605401"/>
+              <a:ext cx="0" cy="39600000"/>
             </a:xfrm>
             <a:prstGeom prst="line">
               <a:avLst/>
@@ -3733,10 +4509,10 @@
         </p:cxnSp>
         <p:sp>
           <p:nvSpPr>
-            <p:cNvPr id="22" name="TextBox 21">
+            <p:cNvPr id="71" name="TextBox 70">
               <a:extLst>
                 <a:ext uri="{FF2B5EF4-FFF2-40B4-BE49-F238E27FC236}">
-                  <a16:creationId xmlns:a16="http://schemas.microsoft.com/office/drawing/2014/main" id="{9CABA7DB-97C9-4A85-8B9B-7382D561E566}"/>
+                  <a16:creationId xmlns:a16="http://schemas.microsoft.com/office/drawing/2014/main" id="{9EBE8B9C-03E1-4380-A555-067A695D3349}"/>
                 </a:ext>
               </a:extLst>
             </p:cNvPr>
@@ -3747,7 +4523,7 @@
           </p:nvSpPr>
           <p:spPr>
             <a:xfrm>
-              <a:off x="19411239" y="59608601"/>
+              <a:off x="16891239" y="59608601"/>
               <a:ext cx="4378160" cy="1200329"/>
             </a:xfrm>
             <a:prstGeom prst="rect">
@@ -3766,717 +4542,16 @@
                 <a:rPr lang="en-US" sz="7200" dirty="0">
                   <a:latin typeface="Arial" panose="020B0604020202020204" pitchFamily="34" charset="0"/>
                 </a:rPr>
-                <a:t>96 cm</a:t>
+                <a:t>110 cm</a:t>
               </a:r>
             </a:p>
           </p:txBody>
         </p:sp>
       </p:grpSp>
-      <p:grpSp>
-        <p:nvGrpSpPr>
-          <p:cNvPr id="45" name="그룹 44">
-            <a:extLst>
-              <a:ext uri="{FF2B5EF4-FFF2-40B4-BE49-F238E27FC236}">
-                <a16:creationId xmlns:a16="http://schemas.microsoft.com/office/drawing/2014/main" id="{C7D54906-1D46-49FE-8954-EC3DD0FDF3F7}"/>
-              </a:ext>
-            </a:extLst>
-          </p:cNvPr>
-          <p:cNvGrpSpPr>
-            <a:grpSpLocks noChangeAspect="1"/>
-          </p:cNvGrpSpPr>
-          <p:nvPr/>
-        </p:nvGrpSpPr>
-        <p:grpSpPr>
-          <a:xfrm>
-            <a:off x="4320319" y="3880719"/>
-            <a:ext cx="34560000" cy="55922400"/>
-            <a:chOff x="3060319" y="11703919"/>
-            <a:chExt cx="17280000" cy="27961200"/>
-          </a:xfrm>
-        </p:grpSpPr>
-        <p:grpSp>
-          <p:nvGrpSpPr>
-            <p:cNvPr id="46" name="그룹 45">
-              <a:extLst>
-                <a:ext uri="{FF2B5EF4-FFF2-40B4-BE49-F238E27FC236}">
-                  <a16:creationId xmlns:a16="http://schemas.microsoft.com/office/drawing/2014/main" id="{3EF6E67C-0F56-45B9-A3E0-7135F18939D5}"/>
-                </a:ext>
-              </a:extLst>
-            </p:cNvPr>
-            <p:cNvGrpSpPr>
-              <a:grpSpLocks noChangeAspect="1"/>
-            </p:cNvGrpSpPr>
-            <p:nvPr/>
-          </p:nvGrpSpPr>
-          <p:grpSpPr>
-            <a:xfrm>
-              <a:off x="13741520" y="19865119"/>
-              <a:ext cx="2520000" cy="2520000"/>
-              <a:chOff x="19947575" y="23450076"/>
-              <a:chExt cx="2520000" cy="2520000"/>
-            </a:xfrm>
-          </p:grpSpPr>
-          <p:sp>
-            <p:nvSpPr>
-              <p:cNvPr id="62" name="직사각형 61">
-                <a:extLst>
-                  <a:ext uri="{FF2B5EF4-FFF2-40B4-BE49-F238E27FC236}">
-                    <a16:creationId xmlns:a16="http://schemas.microsoft.com/office/drawing/2014/main" id="{FFF1F042-8AE2-469E-9BB0-1D1BC0A2DB22}"/>
-                  </a:ext>
-                </a:extLst>
-              </p:cNvPr>
-              <p:cNvSpPr>
-                <a:spLocks noChangeAspect="1"/>
-              </p:cNvSpPr>
-              <p:nvPr/>
-            </p:nvSpPr>
-            <p:spPr>
-              <a:xfrm>
-                <a:off x="19947575" y="23450076"/>
-                <a:ext cx="2520000" cy="2520000"/>
-              </a:xfrm>
-              <a:prstGeom prst="rect">
-                <a:avLst/>
-              </a:prstGeom>
-              <a:solidFill>
-                <a:schemeClr val="bg1"/>
-              </a:solidFill>
-              <a:ln>
-                <a:noFill/>
-              </a:ln>
-            </p:spPr>
-            <p:style>
-              <a:lnRef idx="2">
-                <a:schemeClr val="accent1">
-                  <a:shade val="50000"/>
-                </a:schemeClr>
-              </a:lnRef>
-              <a:fillRef idx="1">
-                <a:schemeClr val="accent1"/>
-              </a:fillRef>
-              <a:effectRef idx="0">
-                <a:schemeClr val="accent1"/>
-              </a:effectRef>
-              <a:fontRef idx="minor">
-                <a:schemeClr val="lt1"/>
-              </a:fontRef>
-            </p:style>
-            <p:txBody>
-              <a:bodyPr rtlCol="0" anchor="ctr"/>
-              <a:lstStyle/>
-              <a:p>
-                <a:pPr algn="ctr"/>
-                <a:endParaRPr lang="en-US"/>
-              </a:p>
-            </p:txBody>
-          </p:sp>
-          <p:pic>
-            <p:nvPicPr>
-              <p:cNvPr id="63" name="그림 62">
-                <a:extLst>
-                  <a:ext uri="{FF2B5EF4-FFF2-40B4-BE49-F238E27FC236}">
-                    <a16:creationId xmlns:a16="http://schemas.microsoft.com/office/drawing/2014/main" id="{8EBD0D72-133A-4FA3-B642-26FE85B71D19}"/>
-                  </a:ext>
-                </a:extLst>
-              </p:cNvPr>
-              <p:cNvPicPr>
-                <a:picLocks noChangeAspect="1"/>
-              </p:cNvPicPr>
-              <p:nvPr/>
-            </p:nvPicPr>
-            <p:blipFill>
-              <a:blip r:embed="rId2">
-                <a:extLst>
-                  <a:ext uri="{28A0092B-C50C-407E-A947-70E740481C1C}">
-                    <a14:useLocalDpi xmlns:a14="http://schemas.microsoft.com/office/drawing/2010/main" val="0"/>
-                  </a:ext>
-                </a:extLst>
-              </a:blip>
-              <a:stretch>
-                <a:fillRect/>
-              </a:stretch>
-            </p:blipFill>
-            <p:spPr>
-              <a:xfrm>
-                <a:off x="20262575" y="23765076"/>
-                <a:ext cx="1890000" cy="1890000"/>
-              </a:xfrm>
-              <a:prstGeom prst="rect">
-                <a:avLst/>
-              </a:prstGeom>
-            </p:spPr>
-          </p:pic>
-        </p:grpSp>
-        <p:grpSp>
-          <p:nvGrpSpPr>
-            <p:cNvPr id="47" name="그룹 46">
-              <a:extLst>
-                <a:ext uri="{FF2B5EF4-FFF2-40B4-BE49-F238E27FC236}">
-                  <a16:creationId xmlns:a16="http://schemas.microsoft.com/office/drawing/2014/main" id="{5A68F631-AA4C-4ABD-89DD-E1E7393A5C5D}"/>
-                </a:ext>
-              </a:extLst>
-            </p:cNvPr>
-            <p:cNvGrpSpPr>
-              <a:grpSpLocks noChangeAspect="1"/>
-            </p:cNvGrpSpPr>
-            <p:nvPr/>
-          </p:nvGrpSpPr>
-          <p:grpSpPr>
-            <a:xfrm>
-              <a:off x="3060319" y="22385119"/>
-              <a:ext cx="17280000" cy="17280000"/>
-              <a:chOff x="-2760882" y="22385119"/>
-              <a:chExt cx="17280000" cy="17280000"/>
-            </a:xfrm>
-          </p:grpSpPr>
-          <p:sp>
-            <p:nvSpPr>
-              <p:cNvPr id="60" name="직사각형 59">
-                <a:extLst>
-                  <a:ext uri="{FF2B5EF4-FFF2-40B4-BE49-F238E27FC236}">
-                    <a16:creationId xmlns:a16="http://schemas.microsoft.com/office/drawing/2014/main" id="{DAAF6574-20AB-4BFA-BB3F-E18161646F95}"/>
-                  </a:ext>
-                </a:extLst>
-              </p:cNvPr>
-              <p:cNvSpPr>
-                <a:spLocks noChangeAspect="1"/>
-              </p:cNvSpPr>
-              <p:nvPr/>
-            </p:nvSpPr>
-            <p:spPr>
-              <a:xfrm>
-                <a:off x="-2760882" y="22385119"/>
-                <a:ext cx="17280000" cy="17280000"/>
-              </a:xfrm>
-              <a:prstGeom prst="rect">
-                <a:avLst/>
-              </a:prstGeom>
-              <a:solidFill>
-                <a:schemeClr val="bg1"/>
-              </a:solidFill>
-              <a:ln>
-                <a:noFill/>
-              </a:ln>
-            </p:spPr>
-            <p:style>
-              <a:lnRef idx="2">
-                <a:schemeClr val="accent1">
-                  <a:shade val="50000"/>
-                </a:schemeClr>
-              </a:lnRef>
-              <a:fillRef idx="1">
-                <a:schemeClr val="accent1"/>
-              </a:fillRef>
-              <a:effectRef idx="0">
-                <a:schemeClr val="accent1"/>
-              </a:effectRef>
-              <a:fontRef idx="minor">
-                <a:schemeClr val="lt1"/>
-              </a:fontRef>
-            </p:style>
-            <p:txBody>
-              <a:bodyPr rtlCol="0" anchor="ctr"/>
-              <a:lstStyle/>
-              <a:p>
-                <a:pPr algn="ctr"/>
-                <a:endParaRPr lang="en-US"/>
-              </a:p>
-            </p:txBody>
-          </p:sp>
-          <p:pic>
-            <p:nvPicPr>
-              <p:cNvPr id="61" name="그림 60">
-                <a:extLst>
-                  <a:ext uri="{FF2B5EF4-FFF2-40B4-BE49-F238E27FC236}">
-                    <a16:creationId xmlns:a16="http://schemas.microsoft.com/office/drawing/2014/main" id="{7526791E-ABB3-418E-A8E7-6D4E4379BD2D}"/>
-                  </a:ext>
-                </a:extLst>
-              </p:cNvPr>
-              <p:cNvPicPr>
-                <a:picLocks noChangeAspect="1"/>
-              </p:cNvPicPr>
-              <p:nvPr/>
-            </p:nvPicPr>
-            <p:blipFill>
-              <a:blip r:embed="rId3">
-                <a:extLst>
-                  <a:ext uri="{28A0092B-C50C-407E-A947-70E740481C1C}">
-                    <a14:useLocalDpi xmlns:a14="http://schemas.microsoft.com/office/drawing/2010/main" val="0"/>
-                  </a:ext>
-                </a:extLst>
-              </a:blip>
-              <a:stretch>
-                <a:fillRect/>
-              </a:stretch>
-            </p:blipFill>
-            <p:spPr>
-              <a:xfrm>
-                <a:off x="-600882" y="24545119"/>
-                <a:ext cx="12960000" cy="12960000"/>
-              </a:xfrm>
-              <a:prstGeom prst="rect">
-                <a:avLst/>
-              </a:prstGeom>
-            </p:spPr>
-          </p:pic>
-        </p:grpSp>
-        <p:grpSp>
-          <p:nvGrpSpPr>
-            <p:cNvPr id="48" name="그룹 47">
-              <a:extLst>
-                <a:ext uri="{FF2B5EF4-FFF2-40B4-BE49-F238E27FC236}">
-                  <a16:creationId xmlns:a16="http://schemas.microsoft.com/office/drawing/2014/main" id="{F98403FB-0C12-4706-9EB7-1C978CC44114}"/>
-                </a:ext>
-              </a:extLst>
-            </p:cNvPr>
-            <p:cNvGrpSpPr>
-              <a:grpSpLocks noChangeAspect="1"/>
-            </p:cNvGrpSpPr>
-            <p:nvPr/>
-          </p:nvGrpSpPr>
-          <p:grpSpPr>
-            <a:xfrm>
-              <a:off x="3060319" y="11703919"/>
-              <a:ext cx="10681200" cy="10681200"/>
-              <a:chOff x="328786" y="11703919"/>
-              <a:chExt cx="10681200" cy="10681200"/>
-            </a:xfrm>
-          </p:grpSpPr>
-          <p:sp>
-            <p:nvSpPr>
-              <p:cNvPr id="58" name="직사각형 57">
-                <a:extLst>
-                  <a:ext uri="{FF2B5EF4-FFF2-40B4-BE49-F238E27FC236}">
-                    <a16:creationId xmlns:a16="http://schemas.microsoft.com/office/drawing/2014/main" id="{970698ED-6E4A-4EBF-937E-909C5CDD541E}"/>
-                  </a:ext>
-                </a:extLst>
-              </p:cNvPr>
-              <p:cNvSpPr>
-                <a:spLocks noChangeAspect="1"/>
-              </p:cNvSpPr>
-              <p:nvPr/>
-            </p:nvSpPr>
-            <p:spPr>
-              <a:xfrm>
-                <a:off x="328786" y="11703919"/>
-                <a:ext cx="10681200" cy="10681200"/>
-              </a:xfrm>
-              <a:prstGeom prst="rect">
-                <a:avLst/>
-              </a:prstGeom>
-              <a:solidFill>
-                <a:schemeClr val="bg1"/>
-              </a:solidFill>
-              <a:ln>
-                <a:noFill/>
-              </a:ln>
-            </p:spPr>
-            <p:style>
-              <a:lnRef idx="2">
-                <a:schemeClr val="accent1">
-                  <a:shade val="50000"/>
-                </a:schemeClr>
-              </a:lnRef>
-              <a:fillRef idx="1">
-                <a:schemeClr val="accent1"/>
-              </a:fillRef>
-              <a:effectRef idx="0">
-                <a:schemeClr val="accent1"/>
-              </a:effectRef>
-              <a:fontRef idx="minor">
-                <a:schemeClr val="lt1"/>
-              </a:fontRef>
-            </p:style>
-            <p:txBody>
-              <a:bodyPr rtlCol="0" anchor="ctr"/>
-              <a:lstStyle/>
-              <a:p>
-                <a:pPr algn="ctr"/>
-                <a:endParaRPr lang="en-US"/>
-              </a:p>
-            </p:txBody>
-          </p:sp>
-          <p:pic>
-            <p:nvPicPr>
-              <p:cNvPr id="59" name="그림 58">
-                <a:extLst>
-                  <a:ext uri="{FF2B5EF4-FFF2-40B4-BE49-F238E27FC236}">
-                    <a16:creationId xmlns:a16="http://schemas.microsoft.com/office/drawing/2014/main" id="{34553A2B-C2CE-43C0-8BC5-520D70FF2833}"/>
-                  </a:ext>
-                </a:extLst>
-              </p:cNvPr>
-              <p:cNvPicPr>
-                <a:picLocks noChangeAspect="1"/>
-              </p:cNvPicPr>
-              <p:nvPr/>
-            </p:nvPicPr>
-            <p:blipFill>
-              <a:blip r:embed="rId4">
-                <a:extLst>
-                  <a:ext uri="{28A0092B-C50C-407E-A947-70E740481C1C}">
-                    <a14:useLocalDpi xmlns:a14="http://schemas.microsoft.com/office/drawing/2010/main" val="0"/>
-                  </a:ext>
-                </a:extLst>
-              </a:blip>
-              <a:stretch>
-                <a:fillRect/>
-              </a:stretch>
-            </p:blipFill>
-            <p:spPr>
-              <a:xfrm>
-                <a:off x="1664386" y="13039519"/>
-                <a:ext cx="8010000" cy="8010000"/>
-              </a:xfrm>
-              <a:prstGeom prst="rect">
-                <a:avLst/>
-              </a:prstGeom>
-            </p:spPr>
-          </p:pic>
-        </p:grpSp>
-        <p:grpSp>
-          <p:nvGrpSpPr>
-            <p:cNvPr id="49" name="그룹 48">
-              <a:extLst>
-                <a:ext uri="{FF2B5EF4-FFF2-40B4-BE49-F238E27FC236}">
-                  <a16:creationId xmlns:a16="http://schemas.microsoft.com/office/drawing/2014/main" id="{D02C4EA0-2FA1-4E70-89CB-05E33538254C}"/>
-                </a:ext>
-              </a:extLst>
-            </p:cNvPr>
-            <p:cNvGrpSpPr>
-              <a:grpSpLocks noChangeAspect="1"/>
-            </p:cNvGrpSpPr>
-            <p:nvPr/>
-          </p:nvGrpSpPr>
-          <p:grpSpPr>
-            <a:xfrm>
-              <a:off x="13741518" y="11703919"/>
-              <a:ext cx="6598800" cy="6598800"/>
-              <a:chOff x="10314342" y="13626019"/>
-              <a:chExt cx="6598800" cy="6598800"/>
-            </a:xfrm>
-          </p:grpSpPr>
-          <p:sp>
-            <p:nvSpPr>
-              <p:cNvPr id="56" name="직사각형 55">
-                <a:extLst>
-                  <a:ext uri="{FF2B5EF4-FFF2-40B4-BE49-F238E27FC236}">
-                    <a16:creationId xmlns:a16="http://schemas.microsoft.com/office/drawing/2014/main" id="{F912FC11-B1C0-4D53-9974-C8099961CAA8}"/>
-                  </a:ext>
-                </a:extLst>
-              </p:cNvPr>
-              <p:cNvSpPr>
-                <a:spLocks noChangeAspect="1"/>
-              </p:cNvSpPr>
-              <p:nvPr/>
-            </p:nvSpPr>
-            <p:spPr>
-              <a:xfrm>
-                <a:off x="10314342" y="13626019"/>
-                <a:ext cx="6598800" cy="6598800"/>
-              </a:xfrm>
-              <a:prstGeom prst="rect">
-                <a:avLst/>
-              </a:prstGeom>
-              <a:solidFill>
-                <a:schemeClr val="bg1"/>
-              </a:solidFill>
-              <a:ln>
-                <a:noFill/>
-              </a:ln>
-            </p:spPr>
-            <p:style>
-              <a:lnRef idx="2">
-                <a:schemeClr val="accent1">
-                  <a:shade val="50000"/>
-                </a:schemeClr>
-              </a:lnRef>
-              <a:fillRef idx="1">
-                <a:schemeClr val="accent1"/>
-              </a:fillRef>
-              <a:effectRef idx="0">
-                <a:schemeClr val="accent1"/>
-              </a:effectRef>
-              <a:fontRef idx="minor">
-                <a:schemeClr val="lt1"/>
-              </a:fontRef>
-            </p:style>
-            <p:txBody>
-              <a:bodyPr rtlCol="0" anchor="ctr"/>
-              <a:lstStyle/>
-              <a:p>
-                <a:pPr algn="ctr"/>
-                <a:endParaRPr lang="en-US"/>
-              </a:p>
-            </p:txBody>
-          </p:sp>
-          <p:pic>
-            <p:nvPicPr>
-              <p:cNvPr id="57" name="그림 56">
-                <a:extLst>
-                  <a:ext uri="{FF2B5EF4-FFF2-40B4-BE49-F238E27FC236}">
-                    <a16:creationId xmlns:a16="http://schemas.microsoft.com/office/drawing/2014/main" id="{9CDDA44B-C3E9-414B-9DEA-A131A167DB3F}"/>
-                  </a:ext>
-                </a:extLst>
-              </p:cNvPr>
-              <p:cNvPicPr>
-                <a:picLocks noChangeAspect="1"/>
-              </p:cNvPicPr>
-              <p:nvPr/>
-            </p:nvPicPr>
-            <p:blipFill>
-              <a:blip r:embed="rId5">
-                <a:extLst>
-                  <a:ext uri="{28A0092B-C50C-407E-A947-70E740481C1C}">
-                    <a14:useLocalDpi xmlns:a14="http://schemas.microsoft.com/office/drawing/2010/main" val="0"/>
-                  </a:ext>
-                </a:extLst>
-              </a:blip>
-              <a:stretch>
-                <a:fillRect/>
-              </a:stretch>
-            </p:blipFill>
-            <p:spPr>
-              <a:xfrm>
-                <a:off x="11138742" y="14450419"/>
-                <a:ext cx="4950000" cy="4950000"/>
-              </a:xfrm>
-              <a:prstGeom prst="rect">
-                <a:avLst/>
-              </a:prstGeom>
-            </p:spPr>
-          </p:pic>
-        </p:grpSp>
-        <p:grpSp>
-          <p:nvGrpSpPr>
-            <p:cNvPr id="50" name="그룹 49">
-              <a:extLst>
-                <a:ext uri="{FF2B5EF4-FFF2-40B4-BE49-F238E27FC236}">
-                  <a16:creationId xmlns:a16="http://schemas.microsoft.com/office/drawing/2014/main" id="{BE812996-6F33-4F54-97AF-3BF5AABA3836}"/>
-                </a:ext>
-              </a:extLst>
-            </p:cNvPr>
-            <p:cNvGrpSpPr>
-              <a:grpSpLocks noChangeAspect="1"/>
-            </p:cNvGrpSpPr>
-            <p:nvPr/>
-          </p:nvGrpSpPr>
-          <p:grpSpPr>
-            <a:xfrm>
-              <a:off x="16261519" y="18306319"/>
-              <a:ext cx="4078800" cy="4078800"/>
-              <a:chOff x="19082678" y="18936701"/>
-              <a:chExt cx="4078800" cy="4078800"/>
-            </a:xfrm>
-          </p:grpSpPr>
-          <p:sp>
-            <p:nvSpPr>
-              <p:cNvPr id="54" name="직사각형 53">
-                <a:extLst>
-                  <a:ext uri="{FF2B5EF4-FFF2-40B4-BE49-F238E27FC236}">
-                    <a16:creationId xmlns:a16="http://schemas.microsoft.com/office/drawing/2014/main" id="{223386DD-2EAF-4EDC-8F91-348DB50E3F1C}"/>
-                  </a:ext>
-                </a:extLst>
-              </p:cNvPr>
-              <p:cNvSpPr>
-                <a:spLocks noChangeAspect="1"/>
-              </p:cNvSpPr>
-              <p:nvPr/>
-            </p:nvSpPr>
-            <p:spPr>
-              <a:xfrm>
-                <a:off x="19082678" y="18936701"/>
-                <a:ext cx="4078800" cy="4078800"/>
-              </a:xfrm>
-              <a:prstGeom prst="rect">
-                <a:avLst/>
-              </a:prstGeom>
-              <a:solidFill>
-                <a:schemeClr val="bg1"/>
-              </a:solidFill>
-              <a:ln>
-                <a:noFill/>
-              </a:ln>
-            </p:spPr>
-            <p:style>
-              <a:lnRef idx="2">
-                <a:schemeClr val="accent1">
-                  <a:shade val="50000"/>
-                </a:schemeClr>
-              </a:lnRef>
-              <a:fillRef idx="1">
-                <a:schemeClr val="accent1"/>
-              </a:fillRef>
-              <a:effectRef idx="0">
-                <a:schemeClr val="accent1"/>
-              </a:effectRef>
-              <a:fontRef idx="minor">
-                <a:schemeClr val="lt1"/>
-              </a:fontRef>
-            </p:style>
-            <p:txBody>
-              <a:bodyPr rtlCol="0" anchor="ctr"/>
-              <a:lstStyle/>
-              <a:p>
-                <a:pPr algn="ctr"/>
-                <a:endParaRPr lang="en-US"/>
-              </a:p>
-            </p:txBody>
-          </p:sp>
-          <p:pic>
-            <p:nvPicPr>
-              <p:cNvPr id="55" name="그림 54">
-                <a:extLst>
-                  <a:ext uri="{FF2B5EF4-FFF2-40B4-BE49-F238E27FC236}">
-                    <a16:creationId xmlns:a16="http://schemas.microsoft.com/office/drawing/2014/main" id="{78B24FC9-DFA8-4E14-9438-5FE4F0D89B7E}"/>
-                  </a:ext>
-                </a:extLst>
-              </p:cNvPr>
-              <p:cNvPicPr>
-                <a:picLocks noChangeAspect="1"/>
-              </p:cNvPicPr>
-              <p:nvPr/>
-            </p:nvPicPr>
-            <p:blipFill>
-              <a:blip r:embed="rId6">
-                <a:extLst>
-                  <a:ext uri="{28A0092B-C50C-407E-A947-70E740481C1C}">
-                    <a14:useLocalDpi xmlns:a14="http://schemas.microsoft.com/office/drawing/2010/main" val="0"/>
-                  </a:ext>
-                </a:extLst>
-              </a:blip>
-              <a:stretch>
-                <a:fillRect/>
-              </a:stretch>
-            </p:blipFill>
-            <p:spPr>
-              <a:xfrm>
-                <a:off x="19592078" y="19446101"/>
-                <a:ext cx="3060000" cy="3060000"/>
-              </a:xfrm>
-              <a:prstGeom prst="rect">
-                <a:avLst/>
-              </a:prstGeom>
-            </p:spPr>
-          </p:pic>
-        </p:grpSp>
-        <p:grpSp>
-          <p:nvGrpSpPr>
-            <p:cNvPr id="51" name="그룹 50">
-              <a:extLst>
-                <a:ext uri="{FF2B5EF4-FFF2-40B4-BE49-F238E27FC236}">
-                  <a16:creationId xmlns:a16="http://schemas.microsoft.com/office/drawing/2014/main" id="{5E874C22-8F1B-45C0-AAE5-30A6A504AFAE}"/>
-                </a:ext>
-              </a:extLst>
-            </p:cNvPr>
-            <p:cNvGrpSpPr>
-              <a:grpSpLocks noChangeAspect="1"/>
-            </p:cNvGrpSpPr>
-            <p:nvPr/>
-          </p:nvGrpSpPr>
-          <p:grpSpPr>
-            <a:xfrm>
-              <a:off x="13741518" y="18306319"/>
-              <a:ext cx="1555200" cy="1555200"/>
-              <a:chOff x="26644062" y="18487410"/>
-              <a:chExt cx="1555200" cy="1555200"/>
-            </a:xfrm>
-          </p:grpSpPr>
-          <p:sp>
-            <p:nvSpPr>
-              <p:cNvPr id="52" name="직사각형 51">
-                <a:extLst>
-                  <a:ext uri="{FF2B5EF4-FFF2-40B4-BE49-F238E27FC236}">
-                    <a16:creationId xmlns:a16="http://schemas.microsoft.com/office/drawing/2014/main" id="{CB9C401C-0931-4769-8A95-348308A066BF}"/>
-                  </a:ext>
-                </a:extLst>
-              </p:cNvPr>
-              <p:cNvSpPr>
-                <a:spLocks noChangeAspect="1"/>
-              </p:cNvSpPr>
-              <p:nvPr/>
-            </p:nvSpPr>
-            <p:spPr>
-              <a:xfrm>
-                <a:off x="26644062" y="18487410"/>
-                <a:ext cx="1555200" cy="1555200"/>
-              </a:xfrm>
-              <a:prstGeom prst="rect">
-                <a:avLst/>
-              </a:prstGeom>
-              <a:solidFill>
-                <a:schemeClr val="bg1"/>
-              </a:solidFill>
-              <a:ln>
-                <a:noFill/>
-              </a:ln>
-            </p:spPr>
-            <p:style>
-              <a:lnRef idx="2">
-                <a:schemeClr val="accent1">
-                  <a:shade val="50000"/>
-                </a:schemeClr>
-              </a:lnRef>
-              <a:fillRef idx="1">
-                <a:schemeClr val="accent1"/>
-              </a:fillRef>
-              <a:effectRef idx="0">
-                <a:schemeClr val="accent1"/>
-              </a:effectRef>
-              <a:fontRef idx="minor">
-                <a:schemeClr val="lt1"/>
-              </a:fontRef>
-            </p:style>
-            <p:txBody>
-              <a:bodyPr rtlCol="0" anchor="ctr"/>
-              <a:lstStyle/>
-              <a:p>
-                <a:pPr algn="ctr"/>
-                <a:endParaRPr lang="en-US"/>
-              </a:p>
-            </p:txBody>
-          </p:sp>
-          <p:pic>
-            <p:nvPicPr>
-              <p:cNvPr id="53" name="그림 52">
-                <a:extLst>
-                  <a:ext uri="{FF2B5EF4-FFF2-40B4-BE49-F238E27FC236}">
-                    <a16:creationId xmlns:a16="http://schemas.microsoft.com/office/drawing/2014/main" id="{98CD8542-0DAE-42EB-9266-F5EA19AB8E3E}"/>
-                  </a:ext>
-                </a:extLst>
-              </p:cNvPr>
-              <p:cNvPicPr>
-                <a:picLocks noChangeAspect="1"/>
-              </p:cNvPicPr>
-              <p:nvPr/>
-            </p:nvPicPr>
-            <p:blipFill>
-              <a:blip r:embed="rId7">
-                <a:extLst>
-                  <a:ext uri="{28A0092B-C50C-407E-A947-70E740481C1C}">
-                    <a14:useLocalDpi xmlns:a14="http://schemas.microsoft.com/office/drawing/2010/main" val="0"/>
-                  </a:ext>
-                </a:extLst>
-              </a:blip>
-              <a:stretch>
-                <a:fillRect/>
-              </a:stretch>
-            </p:blipFill>
-            <p:spPr>
-              <a:xfrm>
-                <a:off x="26838462" y="18681810"/>
-                <a:ext cx="1166400" cy="1166400"/>
-              </a:xfrm>
-              <a:prstGeom prst="rect">
-                <a:avLst/>
-              </a:prstGeom>
-            </p:spPr>
-          </p:pic>
-        </p:grpSp>
-      </p:grpSp>
     </p:spTree>
     <p:extLst>
       <p:ext uri="{BB962C8B-B14F-4D97-AF65-F5344CB8AC3E}">
-        <p14:creationId xmlns:p14="http://schemas.microsoft.com/office/powerpoint/2010/main" val="663679750"/>
+        <p14:creationId xmlns:p14="http://schemas.microsoft.com/office/powerpoint/2010/main" val="2993499665"/>
       </p:ext>
     </p:extLst>
   </p:cSld>
@@ -4540,204 +4615,6 @@
           </a:p>
         </p:txBody>
       </p:sp>
-      <p:grpSp>
-        <p:nvGrpSpPr>
-          <p:cNvPr id="8" name="그룹 7">
-            <a:extLst>
-              <a:ext uri="{FF2B5EF4-FFF2-40B4-BE49-F238E27FC236}">
-                <a16:creationId xmlns:a16="http://schemas.microsoft.com/office/drawing/2014/main" id="{336CC9DA-BF21-4D2F-B0B8-4DC61C014D15}"/>
-              </a:ext>
-            </a:extLst>
-          </p:cNvPr>
-          <p:cNvGrpSpPr/>
-          <p:nvPr/>
-        </p:nvGrpSpPr>
-        <p:grpSpPr>
-          <a:xfrm>
-            <a:off x="56020096" y="7358747"/>
-            <a:ext cx="5565256" cy="55922400"/>
-            <a:chOff x="41017665" y="1543919"/>
-            <a:chExt cx="5565256" cy="55922400"/>
-          </a:xfrm>
-        </p:grpSpPr>
-        <p:cxnSp>
-          <p:nvCxnSpPr>
-            <p:cNvPr id="3" name="직선 연결선 2">
-              <a:extLst>
-                <a:ext uri="{FF2B5EF4-FFF2-40B4-BE49-F238E27FC236}">
-                  <a16:creationId xmlns:a16="http://schemas.microsoft.com/office/drawing/2014/main" id="{EEA4D954-B485-4F29-A6D8-AAD945B8B77E}"/>
-                </a:ext>
-              </a:extLst>
-            </p:cNvPr>
-            <p:cNvCxnSpPr>
-              <a:cxnSpLocks/>
-            </p:cNvCxnSpPr>
-            <p:nvPr/>
-          </p:nvCxnSpPr>
-          <p:spPr>
-            <a:xfrm>
-              <a:off x="41017665" y="1543919"/>
-              <a:ext cx="0" cy="55922400"/>
-            </a:xfrm>
-            <a:prstGeom prst="line">
-              <a:avLst/>
-            </a:prstGeom>
-          </p:spPr>
-          <p:style>
-            <a:lnRef idx="1">
-              <a:schemeClr val="accent1"/>
-            </a:lnRef>
-            <a:fillRef idx="0">
-              <a:schemeClr val="accent1"/>
-            </a:fillRef>
-            <a:effectRef idx="0">
-              <a:schemeClr val="accent1"/>
-            </a:effectRef>
-            <a:fontRef idx="minor">
-              <a:schemeClr val="tx1"/>
-            </a:fontRef>
-          </p:style>
-        </p:cxnSp>
-        <p:sp>
-          <p:nvSpPr>
-            <p:cNvPr id="20" name="TextBox 19">
-              <a:extLst>
-                <a:ext uri="{FF2B5EF4-FFF2-40B4-BE49-F238E27FC236}">
-                  <a16:creationId xmlns:a16="http://schemas.microsoft.com/office/drawing/2014/main" id="{8AAE0DB7-17CA-4E5A-8015-9F78A1342BCF}"/>
-                </a:ext>
-              </a:extLst>
-            </p:cNvPr>
-            <p:cNvSpPr txBox="1">
-              <a:spLocks noChangeAspect="1"/>
-            </p:cNvSpPr>
-            <p:nvPr/>
-          </p:nvSpPr>
-          <p:spPr>
-            <a:xfrm>
-              <a:off x="41766945" y="28904955"/>
-              <a:ext cx="4815976" cy="1200329"/>
-            </a:xfrm>
-            <a:prstGeom prst="rect">
-              <a:avLst/>
-            </a:prstGeom>
-            <a:noFill/>
-          </p:spPr>
-          <p:txBody>
-            <a:bodyPr wrap="square" rtlCol="0" anchor="ctr" anchorCtr="1">
-              <a:spAutoFit/>
-            </a:bodyPr>
-            <a:lstStyle/>
-            <a:p>
-              <a:pPr algn="ctr"/>
-              <a:r>
-                <a:rPr lang="en-US" sz="7200" dirty="0">
-                  <a:latin typeface="Arial" panose="020B0604020202020204" pitchFamily="34" charset="0"/>
-                </a:rPr>
-                <a:t>155.34 cm</a:t>
-              </a:r>
-            </a:p>
-          </p:txBody>
-        </p:sp>
-      </p:grpSp>
-      <p:grpSp>
-        <p:nvGrpSpPr>
-          <p:cNvPr id="9" name="그룹 8">
-            <a:extLst>
-              <a:ext uri="{FF2B5EF4-FFF2-40B4-BE49-F238E27FC236}">
-                <a16:creationId xmlns:a16="http://schemas.microsoft.com/office/drawing/2014/main" id="{03199B52-5FA3-4E3B-914F-2E485936E2BF}"/>
-              </a:ext>
-            </a:extLst>
-          </p:cNvPr>
-          <p:cNvGrpSpPr/>
-          <p:nvPr/>
-        </p:nvGrpSpPr>
-        <p:grpSpPr>
-          <a:xfrm>
-            <a:off x="19661882" y="64702026"/>
-            <a:ext cx="34560000" cy="1403529"/>
-            <a:chOff x="4320319" y="59405401"/>
-            <a:chExt cx="34560000" cy="1403529"/>
-          </a:xfrm>
-        </p:grpSpPr>
-        <p:cxnSp>
-          <p:nvCxnSpPr>
-            <p:cNvPr id="21" name="직선 연결선 20">
-              <a:extLst>
-                <a:ext uri="{FF2B5EF4-FFF2-40B4-BE49-F238E27FC236}">
-                  <a16:creationId xmlns:a16="http://schemas.microsoft.com/office/drawing/2014/main" id="{CDFC99E6-F541-437D-B57C-7D9342AFC62F}"/>
-                </a:ext>
-              </a:extLst>
-            </p:cNvPr>
-            <p:cNvCxnSpPr>
-              <a:cxnSpLocks/>
-            </p:cNvCxnSpPr>
-            <p:nvPr/>
-          </p:nvCxnSpPr>
-          <p:spPr>
-            <a:xfrm rot="5400000">
-              <a:off x="21600319" y="42125401"/>
-              <a:ext cx="0" cy="34560000"/>
-            </a:xfrm>
-            <a:prstGeom prst="line">
-              <a:avLst/>
-            </a:prstGeom>
-          </p:spPr>
-          <p:style>
-            <a:lnRef idx="1">
-              <a:schemeClr val="accent1"/>
-            </a:lnRef>
-            <a:fillRef idx="0">
-              <a:schemeClr val="accent1"/>
-            </a:fillRef>
-            <a:effectRef idx="0">
-              <a:schemeClr val="accent1"/>
-            </a:effectRef>
-            <a:fontRef idx="minor">
-              <a:schemeClr val="tx1"/>
-            </a:fontRef>
-          </p:style>
-        </p:cxnSp>
-        <p:sp>
-          <p:nvSpPr>
-            <p:cNvPr id="22" name="TextBox 21">
-              <a:extLst>
-                <a:ext uri="{FF2B5EF4-FFF2-40B4-BE49-F238E27FC236}">
-                  <a16:creationId xmlns:a16="http://schemas.microsoft.com/office/drawing/2014/main" id="{9CABA7DB-97C9-4A85-8B9B-7382D561E566}"/>
-                </a:ext>
-              </a:extLst>
-            </p:cNvPr>
-            <p:cNvSpPr txBox="1">
-              <a:spLocks noChangeAspect="1"/>
-            </p:cNvSpPr>
-            <p:nvPr/>
-          </p:nvSpPr>
-          <p:spPr>
-            <a:xfrm>
-              <a:off x="19411239" y="59608601"/>
-              <a:ext cx="4378160" cy="1200329"/>
-            </a:xfrm>
-            <a:prstGeom prst="rect">
-              <a:avLst/>
-            </a:prstGeom>
-            <a:noFill/>
-          </p:spPr>
-          <p:txBody>
-            <a:bodyPr wrap="square" rtlCol="0" anchor="ctr" anchorCtr="1">
-              <a:spAutoFit/>
-            </a:bodyPr>
-            <a:lstStyle/>
-            <a:p>
-              <a:pPr algn="ctr"/>
-              <a:r>
-                <a:rPr lang="en-US" sz="7200" dirty="0">
-                  <a:latin typeface="Arial" panose="020B0604020202020204" pitchFamily="34" charset="0"/>
-                </a:rPr>
-                <a:t>96 cm</a:t>
-              </a:r>
-            </a:p>
-          </p:txBody>
-        </p:sp>
-      </p:grpSp>
       <p:sp>
         <p:nvSpPr>
           <p:cNvPr id="41" name="TextBox 40">
@@ -4752,7 +4629,7 @@
         </p:nvSpPr>
         <p:spPr>
           <a:xfrm>
-            <a:off x="25644559" y="4439356"/>
+            <a:off x="30055984" y="4439356"/>
             <a:ext cx="22594647" cy="1878528"/>
           </a:xfrm>
           <a:prstGeom prst="rect">
@@ -4789,7 +4666,7 @@
         </p:nvSpPr>
         <p:spPr>
           <a:xfrm>
-            <a:off x="-5581277" y="4439356"/>
+            <a:off x="-6410185" y="4439356"/>
             <a:ext cx="9280105" cy="1878528"/>
           </a:xfrm>
           <a:prstGeom prst="rect">
@@ -4814,10 +4691,10 @@
       </p:sp>
       <p:grpSp>
         <p:nvGrpSpPr>
-          <p:cNvPr id="23" name="그룹 22">
+          <p:cNvPr id="45" name="그룹 44">
             <a:extLst>
               <a:ext uri="{FF2B5EF4-FFF2-40B4-BE49-F238E27FC236}">
-                <a16:creationId xmlns:a16="http://schemas.microsoft.com/office/drawing/2014/main" id="{9760AF28-FD41-4DC0-9C0B-96A6D92DD10F}"/>
+                <a16:creationId xmlns:a16="http://schemas.microsoft.com/office/drawing/2014/main" id="{3832FCD4-DC67-4993-8EDF-95820AA0458A}"/>
               </a:ext>
             </a:extLst>
           </p:cNvPr>
@@ -4828,697 +4705,772 @@
         </p:nvGrpSpPr>
         <p:grpSpPr>
           <a:xfrm>
-            <a:off x="-18221225" y="7958911"/>
-            <a:ext cx="34560000" cy="55922400"/>
-            <a:chOff x="3060319" y="11703919"/>
-            <a:chExt cx="17280000" cy="27961200"/>
+            <a:off x="-21570133" y="7717712"/>
+            <a:ext cx="39600000" cy="64800000"/>
+            <a:chOff x="22500478" y="6193019"/>
+            <a:chExt cx="39600000" cy="64800000"/>
           </a:xfrm>
         </p:grpSpPr>
+        <p:sp>
+          <p:nvSpPr>
+            <p:cNvPr id="46" name="직사각형 45">
+              <a:extLst>
+                <a:ext uri="{FF2B5EF4-FFF2-40B4-BE49-F238E27FC236}">
+                  <a16:creationId xmlns:a16="http://schemas.microsoft.com/office/drawing/2014/main" id="{2858A2B7-C0FE-45B8-A797-3A46C322CC84}"/>
+                </a:ext>
+              </a:extLst>
+            </p:cNvPr>
+            <p:cNvSpPr/>
+            <p:nvPr/>
+          </p:nvSpPr>
+          <p:spPr>
+            <a:xfrm>
+              <a:off x="22500478" y="6193019"/>
+              <a:ext cx="39600000" cy="64800000"/>
+            </a:xfrm>
+            <a:prstGeom prst="rect">
+              <a:avLst/>
+            </a:prstGeom>
+            <a:solidFill>
+              <a:schemeClr val="bg1"/>
+            </a:solidFill>
+            <a:ln>
+              <a:noFill/>
+            </a:ln>
+          </p:spPr>
+          <p:style>
+            <a:lnRef idx="2">
+              <a:schemeClr val="accent1">
+                <a:shade val="50000"/>
+              </a:schemeClr>
+            </a:lnRef>
+            <a:fillRef idx="1">
+              <a:schemeClr val="accent1"/>
+            </a:fillRef>
+            <a:effectRef idx="0">
+              <a:schemeClr val="accent1"/>
+            </a:effectRef>
+            <a:fontRef idx="minor">
+              <a:schemeClr val="lt1"/>
+            </a:fontRef>
+          </p:style>
+          <p:txBody>
+            <a:bodyPr rtlCol="0" anchor="ctr"/>
+            <a:lstStyle/>
+            <a:p>
+              <a:pPr algn="ctr"/>
+              <a:endParaRPr lang="en-US"/>
+            </a:p>
+          </p:txBody>
+        </p:sp>
         <p:grpSp>
           <p:nvGrpSpPr>
-            <p:cNvPr id="24" name="그룹 23">
+            <p:cNvPr id="47" name="그룹 46">
               <a:extLst>
                 <a:ext uri="{FF2B5EF4-FFF2-40B4-BE49-F238E27FC236}">
-                  <a16:creationId xmlns:a16="http://schemas.microsoft.com/office/drawing/2014/main" id="{9992E6DB-265E-49F1-91C2-F07FD73F98B9}"/>
+                  <a16:creationId xmlns:a16="http://schemas.microsoft.com/office/drawing/2014/main" id="{D0411E4C-D2E8-455C-B12D-E189B1D1627F}"/>
                 </a:ext>
               </a:extLst>
             </p:cNvPr>
             <p:cNvGrpSpPr>
-              <a:grpSpLocks noChangeAspect="1"/>
+              <a:grpSpLocks/>
             </p:cNvGrpSpPr>
             <p:nvPr/>
           </p:nvGrpSpPr>
           <p:grpSpPr>
             <a:xfrm>
-              <a:off x="13741520" y="19865119"/>
-              <a:ext cx="2520000" cy="2520000"/>
-              <a:chOff x="19947575" y="23450076"/>
-              <a:chExt cx="2520000" cy="2520000"/>
+              <a:off x="22500478" y="6554144"/>
+              <a:ext cx="39600000" cy="64077750"/>
+              <a:chOff x="3060319" y="11703919"/>
+              <a:chExt cx="17280000" cy="27961200"/>
             </a:xfrm>
           </p:grpSpPr>
-          <p:sp>
-            <p:nvSpPr>
-              <p:cNvPr id="43" name="직사각형 42">
+          <p:grpSp>
+            <p:nvGrpSpPr>
+              <p:cNvPr id="48" name="그룹 47">
                 <a:extLst>
                   <a:ext uri="{FF2B5EF4-FFF2-40B4-BE49-F238E27FC236}">
-                    <a16:creationId xmlns:a16="http://schemas.microsoft.com/office/drawing/2014/main" id="{452520E0-8BA3-48CA-BA9F-68A7770C8A5D}"/>
+                    <a16:creationId xmlns:a16="http://schemas.microsoft.com/office/drawing/2014/main" id="{6BFD448A-1B27-4F84-8BCA-E0795AF5E237}"/>
                   </a:ext>
                 </a:extLst>
               </p:cNvPr>
-              <p:cNvSpPr>
-                <a:spLocks noChangeAspect="1"/>
-              </p:cNvSpPr>
+              <p:cNvGrpSpPr>
+                <a:grpSpLocks noChangeAspect="1"/>
+              </p:cNvGrpSpPr>
               <p:nvPr/>
-            </p:nvSpPr>
-            <p:spPr>
+            </p:nvGrpSpPr>
+            <p:grpSpPr>
               <a:xfrm>
-                <a:off x="19947575" y="23450076"/>
+                <a:off x="13741520" y="19865119"/>
                 <a:ext cx="2520000" cy="2520000"/>
+                <a:chOff x="19947575" y="23450076"/>
+                <a:chExt cx="2520000" cy="2520000"/>
               </a:xfrm>
-              <a:prstGeom prst="rect">
-                <a:avLst/>
-              </a:prstGeom>
-              <a:solidFill>
-                <a:schemeClr val="bg1"/>
-              </a:solidFill>
-              <a:ln>
-                <a:noFill/>
-              </a:ln>
-            </p:spPr>
-            <p:style>
-              <a:lnRef idx="2">
-                <a:schemeClr val="accent1">
-                  <a:shade val="50000"/>
-                </a:schemeClr>
-              </a:lnRef>
-              <a:fillRef idx="1">
-                <a:schemeClr val="accent1"/>
-              </a:fillRef>
-              <a:effectRef idx="0">
-                <a:schemeClr val="accent1"/>
-              </a:effectRef>
-              <a:fontRef idx="minor">
-                <a:schemeClr val="lt1"/>
-              </a:fontRef>
-            </p:style>
-            <p:txBody>
-              <a:bodyPr rtlCol="0" anchor="ctr"/>
-              <a:lstStyle/>
-              <a:p>
-                <a:pPr algn="ctr"/>
-                <a:endParaRPr lang="en-US"/>
-              </a:p>
-            </p:txBody>
-          </p:sp>
-          <p:pic>
-            <p:nvPicPr>
-              <p:cNvPr id="44" name="그림 43">
+            </p:grpSpPr>
+            <p:sp>
+              <p:nvSpPr>
+                <p:cNvPr id="64" name="직사각형 63">
+                  <a:extLst>
+                    <a:ext uri="{FF2B5EF4-FFF2-40B4-BE49-F238E27FC236}">
+                      <a16:creationId xmlns:a16="http://schemas.microsoft.com/office/drawing/2014/main" id="{2331C262-6921-4F38-B61B-6248B1EBF6A3}"/>
+                    </a:ext>
+                  </a:extLst>
+                </p:cNvPr>
+                <p:cNvSpPr>
+                  <a:spLocks noChangeAspect="1"/>
+                </p:cNvSpPr>
+                <p:nvPr/>
+              </p:nvSpPr>
+              <p:spPr>
+                <a:xfrm>
+                  <a:off x="19947575" y="23450076"/>
+                  <a:ext cx="2520000" cy="2520000"/>
+                </a:xfrm>
+                <a:prstGeom prst="rect">
+                  <a:avLst/>
+                </a:prstGeom>
+                <a:solidFill>
+                  <a:schemeClr val="bg1"/>
+                </a:solidFill>
+                <a:ln>
+                  <a:noFill/>
+                </a:ln>
+              </p:spPr>
+              <p:style>
+                <a:lnRef idx="2">
+                  <a:schemeClr val="accent1">
+                    <a:shade val="50000"/>
+                  </a:schemeClr>
+                </a:lnRef>
+                <a:fillRef idx="1">
+                  <a:schemeClr val="accent1"/>
+                </a:fillRef>
+                <a:effectRef idx="0">
+                  <a:schemeClr val="accent1"/>
+                </a:effectRef>
+                <a:fontRef idx="minor">
+                  <a:schemeClr val="lt1"/>
+                </a:fontRef>
+              </p:style>
+              <p:txBody>
+                <a:bodyPr rtlCol="0" anchor="ctr"/>
+                <a:lstStyle/>
+                <a:p>
+                  <a:pPr algn="ctr"/>
+                  <a:endParaRPr lang="en-US"/>
+                </a:p>
+              </p:txBody>
+            </p:sp>
+            <p:pic>
+              <p:nvPicPr>
+                <p:cNvPr id="65" name="그림 64">
+                  <a:extLst>
+                    <a:ext uri="{FF2B5EF4-FFF2-40B4-BE49-F238E27FC236}">
+                      <a16:creationId xmlns:a16="http://schemas.microsoft.com/office/drawing/2014/main" id="{B6345734-BF3D-4ABF-9683-D75414635C89}"/>
+                    </a:ext>
+                  </a:extLst>
+                </p:cNvPr>
+                <p:cNvPicPr>
+                  <a:picLocks noChangeAspect="1"/>
+                </p:cNvPicPr>
+                <p:nvPr/>
+              </p:nvPicPr>
+              <p:blipFill>
+                <a:blip r:embed="rId2">
+                  <a:extLst>
+                    <a:ext uri="{28A0092B-C50C-407E-A947-70E740481C1C}">
+                      <a14:useLocalDpi xmlns:a14="http://schemas.microsoft.com/office/drawing/2010/main" val="0"/>
+                    </a:ext>
+                  </a:extLst>
+                </a:blip>
+                <a:stretch>
+                  <a:fillRect/>
+                </a:stretch>
+              </p:blipFill>
+              <p:spPr>
+                <a:xfrm rot="16200000">
+                  <a:off x="20262575" y="23765076"/>
+                  <a:ext cx="1890000" cy="1890000"/>
+                </a:xfrm>
+                <a:prstGeom prst="rect">
+                  <a:avLst/>
+                </a:prstGeom>
+              </p:spPr>
+            </p:pic>
+          </p:grpSp>
+          <p:grpSp>
+            <p:nvGrpSpPr>
+              <p:cNvPr id="49" name="그룹 48">
                 <a:extLst>
                   <a:ext uri="{FF2B5EF4-FFF2-40B4-BE49-F238E27FC236}">
-                    <a16:creationId xmlns:a16="http://schemas.microsoft.com/office/drawing/2014/main" id="{8ACCF621-CA34-4378-AE70-40F1BA2F05AA}"/>
+                    <a16:creationId xmlns:a16="http://schemas.microsoft.com/office/drawing/2014/main" id="{B85AD2A7-AE7B-4CD2-8EA0-614F6946E322}"/>
                   </a:ext>
                 </a:extLst>
               </p:cNvPr>
-              <p:cNvPicPr>
-                <a:picLocks noChangeAspect="1"/>
-              </p:cNvPicPr>
+              <p:cNvGrpSpPr>
+                <a:grpSpLocks noChangeAspect="1"/>
+              </p:cNvGrpSpPr>
               <p:nvPr/>
-            </p:nvPicPr>
-            <p:blipFill>
-              <a:blip r:embed="rId2">
-                <a:extLst>
-                  <a:ext uri="{28A0092B-C50C-407E-A947-70E740481C1C}">
-                    <a14:useLocalDpi xmlns:a14="http://schemas.microsoft.com/office/drawing/2010/main" val="0"/>
-                  </a:ext>
-                </a:extLst>
-              </a:blip>
-              <a:stretch>
-                <a:fillRect/>
-              </a:stretch>
-            </p:blipFill>
-            <p:spPr>
+            </p:nvGrpSpPr>
+            <p:grpSpPr>
               <a:xfrm>
-                <a:off x="20262575" y="23765076"/>
-                <a:ext cx="1890000" cy="1890000"/>
+                <a:off x="3060319" y="22385119"/>
+                <a:ext cx="17280000" cy="17280000"/>
+                <a:chOff x="-2760882" y="22385119"/>
+                <a:chExt cx="17280000" cy="17280000"/>
               </a:xfrm>
-              <a:prstGeom prst="rect">
-                <a:avLst/>
-              </a:prstGeom>
-            </p:spPr>
-          </p:pic>
-        </p:grpSp>
-        <p:grpSp>
-          <p:nvGrpSpPr>
-            <p:cNvPr id="26" name="그룹 25">
-              <a:extLst>
-                <a:ext uri="{FF2B5EF4-FFF2-40B4-BE49-F238E27FC236}">
-                  <a16:creationId xmlns:a16="http://schemas.microsoft.com/office/drawing/2014/main" id="{5C730B9F-B1B9-46A9-A879-E591E0E253F3}"/>
-                </a:ext>
-              </a:extLst>
-            </p:cNvPr>
-            <p:cNvGrpSpPr>
-              <a:grpSpLocks noChangeAspect="1"/>
-            </p:cNvGrpSpPr>
-            <p:nvPr/>
-          </p:nvGrpSpPr>
-          <p:grpSpPr>
-            <a:xfrm>
-              <a:off x="3060319" y="22385119"/>
-              <a:ext cx="17280000" cy="17280000"/>
-              <a:chOff x="-2760882" y="22385119"/>
-              <a:chExt cx="17280000" cy="17280000"/>
-            </a:xfrm>
-          </p:grpSpPr>
-          <p:sp>
-            <p:nvSpPr>
-              <p:cNvPr id="39" name="직사각형 38">
+            </p:grpSpPr>
+            <p:sp>
+              <p:nvSpPr>
+                <p:cNvPr id="62" name="직사각형 61">
+                  <a:extLst>
+                    <a:ext uri="{FF2B5EF4-FFF2-40B4-BE49-F238E27FC236}">
+                      <a16:creationId xmlns:a16="http://schemas.microsoft.com/office/drawing/2014/main" id="{F5242227-0C1A-468C-A4A1-595732D22541}"/>
+                    </a:ext>
+                  </a:extLst>
+                </p:cNvPr>
+                <p:cNvSpPr>
+                  <a:spLocks noChangeAspect="1"/>
+                </p:cNvSpPr>
+                <p:nvPr/>
+              </p:nvSpPr>
+              <p:spPr>
+                <a:xfrm>
+                  <a:off x="-2760882" y="22385119"/>
+                  <a:ext cx="17280000" cy="17280000"/>
+                </a:xfrm>
+                <a:prstGeom prst="rect">
+                  <a:avLst/>
+                </a:prstGeom>
+                <a:solidFill>
+                  <a:schemeClr val="bg1"/>
+                </a:solidFill>
+                <a:ln>
+                  <a:noFill/>
+                </a:ln>
+              </p:spPr>
+              <p:style>
+                <a:lnRef idx="2">
+                  <a:schemeClr val="accent1">
+                    <a:shade val="50000"/>
+                  </a:schemeClr>
+                </a:lnRef>
+                <a:fillRef idx="1">
+                  <a:schemeClr val="accent1"/>
+                </a:fillRef>
+                <a:effectRef idx="0">
+                  <a:schemeClr val="accent1"/>
+                </a:effectRef>
+                <a:fontRef idx="minor">
+                  <a:schemeClr val="lt1"/>
+                </a:fontRef>
+              </p:style>
+              <p:txBody>
+                <a:bodyPr rtlCol="0" anchor="ctr"/>
+                <a:lstStyle/>
+                <a:p>
+                  <a:pPr algn="ctr"/>
+                  <a:endParaRPr lang="en-US"/>
+                </a:p>
+              </p:txBody>
+            </p:sp>
+            <p:pic>
+              <p:nvPicPr>
+                <p:cNvPr id="63" name="그림 62">
+                  <a:extLst>
+                    <a:ext uri="{FF2B5EF4-FFF2-40B4-BE49-F238E27FC236}">
+                      <a16:creationId xmlns:a16="http://schemas.microsoft.com/office/drawing/2014/main" id="{11397DFA-93A6-4A91-97C9-6A21750DC63F}"/>
+                    </a:ext>
+                  </a:extLst>
+                </p:cNvPr>
+                <p:cNvPicPr>
+                  <a:picLocks noChangeAspect="1"/>
+                </p:cNvPicPr>
+                <p:nvPr/>
+              </p:nvPicPr>
+              <p:blipFill>
+                <a:blip r:embed="rId3">
+                  <a:extLst>
+                    <a:ext uri="{28A0092B-C50C-407E-A947-70E740481C1C}">
+                      <a14:useLocalDpi xmlns:a14="http://schemas.microsoft.com/office/drawing/2010/main" val="0"/>
+                    </a:ext>
+                  </a:extLst>
+                </a:blip>
+                <a:stretch>
+                  <a:fillRect/>
+                </a:stretch>
+              </p:blipFill>
+              <p:spPr>
+                <a:xfrm rot="16200000">
+                  <a:off x="-600882" y="24545119"/>
+                  <a:ext cx="12960000" cy="12960000"/>
+                </a:xfrm>
+                <a:prstGeom prst="rect">
+                  <a:avLst/>
+                </a:prstGeom>
+              </p:spPr>
+            </p:pic>
+          </p:grpSp>
+          <p:grpSp>
+            <p:nvGrpSpPr>
+              <p:cNvPr id="50" name="그룹 49">
                 <a:extLst>
                   <a:ext uri="{FF2B5EF4-FFF2-40B4-BE49-F238E27FC236}">
-                    <a16:creationId xmlns:a16="http://schemas.microsoft.com/office/drawing/2014/main" id="{2493708D-7D40-481A-9BD6-C5EDB5C73F96}"/>
+                    <a16:creationId xmlns:a16="http://schemas.microsoft.com/office/drawing/2014/main" id="{22A7A917-D211-4FAF-A92A-2DE37CAC1A41}"/>
                   </a:ext>
                 </a:extLst>
               </p:cNvPr>
-              <p:cNvSpPr>
-                <a:spLocks noChangeAspect="1"/>
-              </p:cNvSpPr>
+              <p:cNvGrpSpPr>
+                <a:grpSpLocks noChangeAspect="1"/>
+              </p:cNvGrpSpPr>
               <p:nvPr/>
-            </p:nvSpPr>
-            <p:spPr>
+            </p:nvGrpSpPr>
+            <p:grpSpPr>
               <a:xfrm>
-                <a:off x="-2760882" y="22385119"/>
-                <a:ext cx="17280000" cy="17280000"/>
+                <a:off x="3060319" y="11703919"/>
+                <a:ext cx="10681200" cy="10681200"/>
+                <a:chOff x="328786" y="11703919"/>
+                <a:chExt cx="10681200" cy="10681200"/>
               </a:xfrm>
-              <a:prstGeom prst="rect">
-                <a:avLst/>
-              </a:prstGeom>
-              <a:solidFill>
-                <a:schemeClr val="bg1"/>
-              </a:solidFill>
-              <a:ln>
-                <a:noFill/>
-              </a:ln>
-            </p:spPr>
-            <p:style>
-              <a:lnRef idx="2">
-                <a:schemeClr val="accent1">
-                  <a:shade val="50000"/>
-                </a:schemeClr>
-              </a:lnRef>
-              <a:fillRef idx="1">
-                <a:schemeClr val="accent1"/>
-              </a:fillRef>
-              <a:effectRef idx="0">
-                <a:schemeClr val="accent1"/>
-              </a:effectRef>
-              <a:fontRef idx="minor">
-                <a:schemeClr val="lt1"/>
-              </a:fontRef>
-            </p:style>
-            <p:txBody>
-              <a:bodyPr rtlCol="0" anchor="ctr"/>
-              <a:lstStyle/>
-              <a:p>
-                <a:pPr algn="ctr"/>
-                <a:endParaRPr lang="en-US"/>
-              </a:p>
-            </p:txBody>
-          </p:sp>
-          <p:pic>
-            <p:nvPicPr>
-              <p:cNvPr id="40" name="그림 39">
+            </p:grpSpPr>
+            <p:sp>
+              <p:nvSpPr>
+                <p:cNvPr id="60" name="직사각형 59">
+                  <a:extLst>
+                    <a:ext uri="{FF2B5EF4-FFF2-40B4-BE49-F238E27FC236}">
+                      <a16:creationId xmlns:a16="http://schemas.microsoft.com/office/drawing/2014/main" id="{9B43325C-D7E0-4C06-9074-B6271F0C37DD}"/>
+                    </a:ext>
+                  </a:extLst>
+                </p:cNvPr>
+                <p:cNvSpPr>
+                  <a:spLocks noChangeAspect="1"/>
+                </p:cNvSpPr>
+                <p:nvPr/>
+              </p:nvSpPr>
+              <p:spPr>
+                <a:xfrm>
+                  <a:off x="328786" y="11703919"/>
+                  <a:ext cx="10681200" cy="10681200"/>
+                </a:xfrm>
+                <a:prstGeom prst="rect">
+                  <a:avLst/>
+                </a:prstGeom>
+                <a:solidFill>
+                  <a:schemeClr val="bg1"/>
+                </a:solidFill>
+                <a:ln>
+                  <a:noFill/>
+                </a:ln>
+              </p:spPr>
+              <p:style>
+                <a:lnRef idx="2">
+                  <a:schemeClr val="accent1">
+                    <a:shade val="50000"/>
+                  </a:schemeClr>
+                </a:lnRef>
+                <a:fillRef idx="1">
+                  <a:schemeClr val="accent1"/>
+                </a:fillRef>
+                <a:effectRef idx="0">
+                  <a:schemeClr val="accent1"/>
+                </a:effectRef>
+                <a:fontRef idx="minor">
+                  <a:schemeClr val="lt1"/>
+                </a:fontRef>
+              </p:style>
+              <p:txBody>
+                <a:bodyPr rtlCol="0" anchor="ctr"/>
+                <a:lstStyle/>
+                <a:p>
+                  <a:pPr algn="ctr"/>
+                  <a:endParaRPr lang="en-US"/>
+                </a:p>
+              </p:txBody>
+            </p:sp>
+            <p:pic>
+              <p:nvPicPr>
+                <p:cNvPr id="61" name="그림 60">
+                  <a:extLst>
+                    <a:ext uri="{FF2B5EF4-FFF2-40B4-BE49-F238E27FC236}">
+                      <a16:creationId xmlns:a16="http://schemas.microsoft.com/office/drawing/2014/main" id="{3CDE6C1E-65F5-4E95-9F90-1CEDC376B313}"/>
+                    </a:ext>
+                  </a:extLst>
+                </p:cNvPr>
+                <p:cNvPicPr>
+                  <a:picLocks noChangeAspect="1"/>
+                </p:cNvPicPr>
+                <p:nvPr/>
+              </p:nvPicPr>
+              <p:blipFill>
+                <a:blip r:embed="rId4">
+                  <a:extLst>
+                    <a:ext uri="{28A0092B-C50C-407E-A947-70E740481C1C}">
+                      <a14:useLocalDpi xmlns:a14="http://schemas.microsoft.com/office/drawing/2010/main" val="0"/>
+                    </a:ext>
+                  </a:extLst>
+                </a:blip>
+                <a:stretch>
+                  <a:fillRect/>
+                </a:stretch>
+              </p:blipFill>
+              <p:spPr>
+                <a:xfrm rot="16200000">
+                  <a:off x="1664386" y="13039519"/>
+                  <a:ext cx="8010000" cy="8010000"/>
+                </a:xfrm>
+                <a:prstGeom prst="rect">
+                  <a:avLst/>
+                </a:prstGeom>
+              </p:spPr>
+            </p:pic>
+          </p:grpSp>
+          <p:grpSp>
+            <p:nvGrpSpPr>
+              <p:cNvPr id="51" name="그룹 50">
                 <a:extLst>
                   <a:ext uri="{FF2B5EF4-FFF2-40B4-BE49-F238E27FC236}">
-                    <a16:creationId xmlns:a16="http://schemas.microsoft.com/office/drawing/2014/main" id="{21C49C06-46F0-4D90-B6A4-F2577C552FA6}"/>
+                    <a16:creationId xmlns:a16="http://schemas.microsoft.com/office/drawing/2014/main" id="{154F378D-8F98-45DE-9282-8BC4BA220291}"/>
                   </a:ext>
                 </a:extLst>
               </p:cNvPr>
-              <p:cNvPicPr>
-                <a:picLocks noChangeAspect="1"/>
-              </p:cNvPicPr>
+              <p:cNvGrpSpPr>
+                <a:grpSpLocks noChangeAspect="1"/>
+              </p:cNvGrpSpPr>
               <p:nvPr/>
-            </p:nvPicPr>
-            <p:blipFill>
-              <a:blip r:embed="rId3">
-                <a:extLst>
-                  <a:ext uri="{28A0092B-C50C-407E-A947-70E740481C1C}">
-                    <a14:useLocalDpi xmlns:a14="http://schemas.microsoft.com/office/drawing/2010/main" val="0"/>
-                  </a:ext>
-                </a:extLst>
-              </a:blip>
-              <a:stretch>
-                <a:fillRect/>
-              </a:stretch>
-            </p:blipFill>
-            <p:spPr>
+            </p:nvGrpSpPr>
+            <p:grpSpPr>
               <a:xfrm>
-                <a:off x="-600882" y="24545119"/>
-                <a:ext cx="12960000" cy="12960000"/>
+                <a:off x="13741518" y="11703919"/>
+                <a:ext cx="6598800" cy="6598800"/>
+                <a:chOff x="10314342" y="13626019"/>
+                <a:chExt cx="6598800" cy="6598800"/>
               </a:xfrm>
-              <a:prstGeom prst="rect">
-                <a:avLst/>
-              </a:prstGeom>
-            </p:spPr>
-          </p:pic>
-        </p:grpSp>
-        <p:grpSp>
-          <p:nvGrpSpPr>
-            <p:cNvPr id="27" name="그룹 26">
-              <a:extLst>
-                <a:ext uri="{FF2B5EF4-FFF2-40B4-BE49-F238E27FC236}">
-                  <a16:creationId xmlns:a16="http://schemas.microsoft.com/office/drawing/2014/main" id="{7ACF044D-5837-4F1B-848B-BD9ACA871CF0}"/>
-                </a:ext>
-              </a:extLst>
-            </p:cNvPr>
-            <p:cNvGrpSpPr>
-              <a:grpSpLocks noChangeAspect="1"/>
-            </p:cNvGrpSpPr>
-            <p:nvPr/>
-          </p:nvGrpSpPr>
-          <p:grpSpPr>
-            <a:xfrm>
-              <a:off x="3060319" y="11703919"/>
-              <a:ext cx="10681200" cy="10681200"/>
-              <a:chOff x="328786" y="11703919"/>
-              <a:chExt cx="10681200" cy="10681200"/>
-            </a:xfrm>
-          </p:grpSpPr>
-          <p:sp>
-            <p:nvSpPr>
-              <p:cNvPr id="37" name="직사각형 36">
+            </p:grpSpPr>
+            <p:sp>
+              <p:nvSpPr>
+                <p:cNvPr id="58" name="직사각형 57">
+                  <a:extLst>
+                    <a:ext uri="{FF2B5EF4-FFF2-40B4-BE49-F238E27FC236}">
+                      <a16:creationId xmlns:a16="http://schemas.microsoft.com/office/drawing/2014/main" id="{DBC64C2D-DFCC-4E11-80D6-3006D5C7FE28}"/>
+                    </a:ext>
+                  </a:extLst>
+                </p:cNvPr>
+                <p:cNvSpPr>
+                  <a:spLocks noChangeAspect="1"/>
+                </p:cNvSpPr>
+                <p:nvPr/>
+              </p:nvSpPr>
+              <p:spPr>
+                <a:xfrm>
+                  <a:off x="10314342" y="13626019"/>
+                  <a:ext cx="6598800" cy="6598800"/>
+                </a:xfrm>
+                <a:prstGeom prst="rect">
+                  <a:avLst/>
+                </a:prstGeom>
+                <a:solidFill>
+                  <a:schemeClr val="bg1"/>
+                </a:solidFill>
+                <a:ln>
+                  <a:noFill/>
+                </a:ln>
+              </p:spPr>
+              <p:style>
+                <a:lnRef idx="2">
+                  <a:schemeClr val="accent1">
+                    <a:shade val="50000"/>
+                  </a:schemeClr>
+                </a:lnRef>
+                <a:fillRef idx="1">
+                  <a:schemeClr val="accent1"/>
+                </a:fillRef>
+                <a:effectRef idx="0">
+                  <a:schemeClr val="accent1"/>
+                </a:effectRef>
+                <a:fontRef idx="minor">
+                  <a:schemeClr val="lt1"/>
+                </a:fontRef>
+              </p:style>
+              <p:txBody>
+                <a:bodyPr rtlCol="0" anchor="ctr"/>
+                <a:lstStyle/>
+                <a:p>
+                  <a:pPr algn="ctr"/>
+                  <a:endParaRPr lang="en-US"/>
+                </a:p>
+              </p:txBody>
+            </p:sp>
+            <p:pic>
+              <p:nvPicPr>
+                <p:cNvPr id="59" name="그림 58">
+                  <a:extLst>
+                    <a:ext uri="{FF2B5EF4-FFF2-40B4-BE49-F238E27FC236}">
+                      <a16:creationId xmlns:a16="http://schemas.microsoft.com/office/drawing/2014/main" id="{CD63A88A-07EB-4FD6-BFB1-DA1B0C2D9FD2}"/>
+                    </a:ext>
+                  </a:extLst>
+                </p:cNvPr>
+                <p:cNvPicPr>
+                  <a:picLocks noChangeAspect="1"/>
+                </p:cNvPicPr>
+                <p:nvPr/>
+              </p:nvPicPr>
+              <p:blipFill>
+                <a:blip r:embed="rId5">
+                  <a:extLst>
+                    <a:ext uri="{28A0092B-C50C-407E-A947-70E740481C1C}">
+                      <a14:useLocalDpi xmlns:a14="http://schemas.microsoft.com/office/drawing/2010/main" val="0"/>
+                    </a:ext>
+                  </a:extLst>
+                </a:blip>
+                <a:stretch>
+                  <a:fillRect/>
+                </a:stretch>
+              </p:blipFill>
+              <p:spPr>
+                <a:xfrm rot="16200000">
+                  <a:off x="11138742" y="14450419"/>
+                  <a:ext cx="4950000" cy="4950000"/>
+                </a:xfrm>
+                <a:prstGeom prst="rect">
+                  <a:avLst/>
+                </a:prstGeom>
+              </p:spPr>
+            </p:pic>
+          </p:grpSp>
+          <p:grpSp>
+            <p:nvGrpSpPr>
+              <p:cNvPr id="52" name="그룹 51">
                 <a:extLst>
                   <a:ext uri="{FF2B5EF4-FFF2-40B4-BE49-F238E27FC236}">
-                    <a16:creationId xmlns:a16="http://schemas.microsoft.com/office/drawing/2014/main" id="{C3526A40-C3D5-42ED-81BB-B8BF1A2059C6}"/>
+                    <a16:creationId xmlns:a16="http://schemas.microsoft.com/office/drawing/2014/main" id="{568E9A91-2958-46A1-8F2D-340BB3D6F332}"/>
                   </a:ext>
                 </a:extLst>
               </p:cNvPr>
-              <p:cNvSpPr>
-                <a:spLocks noChangeAspect="1"/>
-              </p:cNvSpPr>
+              <p:cNvGrpSpPr>
+                <a:grpSpLocks noChangeAspect="1"/>
+              </p:cNvGrpSpPr>
               <p:nvPr/>
-            </p:nvSpPr>
-            <p:spPr>
+            </p:nvGrpSpPr>
+            <p:grpSpPr>
               <a:xfrm>
-                <a:off x="328786" y="11703919"/>
-                <a:ext cx="10681200" cy="10681200"/>
+                <a:off x="16261519" y="18306319"/>
+                <a:ext cx="4078800" cy="4078800"/>
+                <a:chOff x="19082678" y="18936701"/>
+                <a:chExt cx="4078800" cy="4078800"/>
               </a:xfrm>
-              <a:prstGeom prst="rect">
-                <a:avLst/>
-              </a:prstGeom>
-              <a:solidFill>
-                <a:schemeClr val="bg1"/>
-              </a:solidFill>
-              <a:ln>
-                <a:noFill/>
-              </a:ln>
-            </p:spPr>
-            <p:style>
-              <a:lnRef idx="2">
-                <a:schemeClr val="accent1">
-                  <a:shade val="50000"/>
-                </a:schemeClr>
-              </a:lnRef>
-              <a:fillRef idx="1">
-                <a:schemeClr val="accent1"/>
-              </a:fillRef>
-              <a:effectRef idx="0">
-                <a:schemeClr val="accent1"/>
-              </a:effectRef>
-              <a:fontRef idx="minor">
-                <a:schemeClr val="lt1"/>
-              </a:fontRef>
-            </p:style>
-            <p:txBody>
-              <a:bodyPr rtlCol="0" anchor="ctr"/>
-              <a:lstStyle/>
-              <a:p>
-                <a:pPr algn="ctr"/>
-                <a:endParaRPr lang="en-US"/>
-              </a:p>
-            </p:txBody>
-          </p:sp>
-          <p:pic>
-            <p:nvPicPr>
-              <p:cNvPr id="38" name="그림 37">
+            </p:grpSpPr>
+            <p:sp>
+              <p:nvSpPr>
+                <p:cNvPr id="56" name="직사각형 55">
+                  <a:extLst>
+                    <a:ext uri="{FF2B5EF4-FFF2-40B4-BE49-F238E27FC236}">
+                      <a16:creationId xmlns:a16="http://schemas.microsoft.com/office/drawing/2014/main" id="{E4C7A390-A70D-4C73-BB56-1C9F188AC3D8}"/>
+                    </a:ext>
+                  </a:extLst>
+                </p:cNvPr>
+                <p:cNvSpPr>
+                  <a:spLocks noChangeAspect="1"/>
+                </p:cNvSpPr>
+                <p:nvPr/>
+              </p:nvSpPr>
+              <p:spPr>
+                <a:xfrm>
+                  <a:off x="19082678" y="18936701"/>
+                  <a:ext cx="4078800" cy="4078800"/>
+                </a:xfrm>
+                <a:prstGeom prst="rect">
+                  <a:avLst/>
+                </a:prstGeom>
+                <a:solidFill>
+                  <a:schemeClr val="bg1"/>
+                </a:solidFill>
+                <a:ln>
+                  <a:noFill/>
+                </a:ln>
+              </p:spPr>
+              <p:style>
+                <a:lnRef idx="2">
+                  <a:schemeClr val="accent1">
+                    <a:shade val="50000"/>
+                  </a:schemeClr>
+                </a:lnRef>
+                <a:fillRef idx="1">
+                  <a:schemeClr val="accent1"/>
+                </a:fillRef>
+                <a:effectRef idx="0">
+                  <a:schemeClr val="accent1"/>
+                </a:effectRef>
+                <a:fontRef idx="minor">
+                  <a:schemeClr val="lt1"/>
+                </a:fontRef>
+              </p:style>
+              <p:txBody>
+                <a:bodyPr rtlCol="0" anchor="ctr"/>
+                <a:lstStyle/>
+                <a:p>
+                  <a:pPr algn="ctr"/>
+                  <a:endParaRPr lang="en-US"/>
+                </a:p>
+              </p:txBody>
+            </p:sp>
+            <p:pic>
+              <p:nvPicPr>
+                <p:cNvPr id="57" name="그림 56">
+                  <a:extLst>
+                    <a:ext uri="{FF2B5EF4-FFF2-40B4-BE49-F238E27FC236}">
+                      <a16:creationId xmlns:a16="http://schemas.microsoft.com/office/drawing/2014/main" id="{95108B12-90D9-463D-B6F4-6D6F956DA23A}"/>
+                    </a:ext>
+                  </a:extLst>
+                </p:cNvPr>
+                <p:cNvPicPr>
+                  <a:picLocks noChangeAspect="1"/>
+                </p:cNvPicPr>
+                <p:nvPr/>
+              </p:nvPicPr>
+              <p:blipFill>
+                <a:blip r:embed="rId6">
+                  <a:extLst>
+                    <a:ext uri="{28A0092B-C50C-407E-A947-70E740481C1C}">
+                      <a14:useLocalDpi xmlns:a14="http://schemas.microsoft.com/office/drawing/2010/main" val="0"/>
+                    </a:ext>
+                  </a:extLst>
+                </a:blip>
+                <a:stretch>
+                  <a:fillRect/>
+                </a:stretch>
+              </p:blipFill>
+              <p:spPr>
+                <a:xfrm rot="16200000">
+                  <a:off x="19592078" y="19446101"/>
+                  <a:ext cx="3060000" cy="3060000"/>
+                </a:xfrm>
+                <a:prstGeom prst="rect">
+                  <a:avLst/>
+                </a:prstGeom>
+              </p:spPr>
+            </p:pic>
+          </p:grpSp>
+          <p:grpSp>
+            <p:nvGrpSpPr>
+              <p:cNvPr id="53" name="그룹 52">
                 <a:extLst>
                   <a:ext uri="{FF2B5EF4-FFF2-40B4-BE49-F238E27FC236}">
-                    <a16:creationId xmlns:a16="http://schemas.microsoft.com/office/drawing/2014/main" id="{BBF518E5-C15E-4D3F-BFC1-67106716F205}"/>
+                    <a16:creationId xmlns:a16="http://schemas.microsoft.com/office/drawing/2014/main" id="{E187536D-04AD-42E3-A239-BEDAEEE78B3A}"/>
                   </a:ext>
                 </a:extLst>
               </p:cNvPr>
-              <p:cNvPicPr>
-                <a:picLocks noChangeAspect="1"/>
-              </p:cNvPicPr>
+              <p:cNvGrpSpPr>
+                <a:grpSpLocks noChangeAspect="1"/>
+              </p:cNvGrpSpPr>
               <p:nvPr/>
-            </p:nvPicPr>
-            <p:blipFill>
-              <a:blip r:embed="rId4">
-                <a:extLst>
-                  <a:ext uri="{28A0092B-C50C-407E-A947-70E740481C1C}">
-                    <a14:useLocalDpi xmlns:a14="http://schemas.microsoft.com/office/drawing/2010/main" val="0"/>
-                  </a:ext>
-                </a:extLst>
-              </a:blip>
-              <a:stretch>
-                <a:fillRect/>
-              </a:stretch>
-            </p:blipFill>
-            <p:spPr>
+            </p:nvGrpSpPr>
+            <p:grpSpPr>
               <a:xfrm>
-                <a:off x="1664386" y="13039519"/>
-                <a:ext cx="8010000" cy="8010000"/>
+                <a:off x="13741518" y="18306319"/>
+                <a:ext cx="1555200" cy="1555200"/>
+                <a:chOff x="26644062" y="18487410"/>
+                <a:chExt cx="1555200" cy="1555200"/>
               </a:xfrm>
-              <a:prstGeom prst="rect">
-                <a:avLst/>
-              </a:prstGeom>
-            </p:spPr>
-          </p:pic>
-        </p:grpSp>
-        <p:grpSp>
-          <p:nvGrpSpPr>
-            <p:cNvPr id="28" name="그룹 27">
-              <a:extLst>
-                <a:ext uri="{FF2B5EF4-FFF2-40B4-BE49-F238E27FC236}">
-                  <a16:creationId xmlns:a16="http://schemas.microsoft.com/office/drawing/2014/main" id="{26F4EB98-3DA6-485F-B268-A2CF038CFDB8}"/>
-                </a:ext>
-              </a:extLst>
-            </p:cNvPr>
-            <p:cNvGrpSpPr>
-              <a:grpSpLocks noChangeAspect="1"/>
-            </p:cNvGrpSpPr>
-            <p:nvPr/>
-          </p:nvGrpSpPr>
-          <p:grpSpPr>
-            <a:xfrm>
-              <a:off x="13741518" y="11703919"/>
-              <a:ext cx="6598800" cy="6598800"/>
-              <a:chOff x="10314342" y="13626019"/>
-              <a:chExt cx="6598800" cy="6598800"/>
-            </a:xfrm>
-          </p:grpSpPr>
-          <p:sp>
-            <p:nvSpPr>
-              <p:cNvPr id="35" name="직사각형 34">
-                <a:extLst>
-                  <a:ext uri="{FF2B5EF4-FFF2-40B4-BE49-F238E27FC236}">
-                    <a16:creationId xmlns:a16="http://schemas.microsoft.com/office/drawing/2014/main" id="{A6299B2C-5F7F-4D51-AED9-276C130008BC}"/>
-                  </a:ext>
-                </a:extLst>
-              </p:cNvPr>
-              <p:cNvSpPr>
-                <a:spLocks noChangeAspect="1"/>
-              </p:cNvSpPr>
-              <p:nvPr/>
-            </p:nvSpPr>
-            <p:spPr>
-              <a:xfrm>
-                <a:off x="10314342" y="13626019"/>
-                <a:ext cx="6598800" cy="6598800"/>
-              </a:xfrm>
-              <a:prstGeom prst="rect">
-                <a:avLst/>
-              </a:prstGeom>
-              <a:solidFill>
-                <a:schemeClr val="bg1"/>
-              </a:solidFill>
-              <a:ln>
-                <a:noFill/>
-              </a:ln>
-            </p:spPr>
-            <p:style>
-              <a:lnRef idx="2">
-                <a:schemeClr val="accent1">
-                  <a:shade val="50000"/>
-                </a:schemeClr>
-              </a:lnRef>
-              <a:fillRef idx="1">
-                <a:schemeClr val="accent1"/>
-              </a:fillRef>
-              <a:effectRef idx="0">
-                <a:schemeClr val="accent1"/>
-              </a:effectRef>
-              <a:fontRef idx="minor">
-                <a:schemeClr val="lt1"/>
-              </a:fontRef>
-            </p:style>
-            <p:txBody>
-              <a:bodyPr rtlCol="0" anchor="ctr"/>
-              <a:lstStyle/>
-              <a:p>
-                <a:pPr algn="ctr"/>
-                <a:endParaRPr lang="en-US"/>
-              </a:p>
-            </p:txBody>
-          </p:sp>
-          <p:pic>
-            <p:nvPicPr>
-              <p:cNvPr id="36" name="그림 35">
-                <a:extLst>
-                  <a:ext uri="{FF2B5EF4-FFF2-40B4-BE49-F238E27FC236}">
-                    <a16:creationId xmlns:a16="http://schemas.microsoft.com/office/drawing/2014/main" id="{4D5F4ACE-51EF-4B81-B7E6-6B3F550DF009}"/>
-                  </a:ext>
-                </a:extLst>
-              </p:cNvPr>
-              <p:cNvPicPr>
-                <a:picLocks noChangeAspect="1"/>
-              </p:cNvPicPr>
-              <p:nvPr/>
-            </p:nvPicPr>
-            <p:blipFill>
-              <a:blip r:embed="rId5">
-                <a:extLst>
-                  <a:ext uri="{28A0092B-C50C-407E-A947-70E740481C1C}">
-                    <a14:useLocalDpi xmlns:a14="http://schemas.microsoft.com/office/drawing/2010/main" val="0"/>
-                  </a:ext>
-                </a:extLst>
-              </a:blip>
-              <a:stretch>
-                <a:fillRect/>
-              </a:stretch>
-            </p:blipFill>
-            <p:spPr>
-              <a:xfrm>
-                <a:off x="11138742" y="14450419"/>
-                <a:ext cx="4950000" cy="4950000"/>
-              </a:xfrm>
-              <a:prstGeom prst="rect">
-                <a:avLst/>
-              </a:prstGeom>
-            </p:spPr>
-          </p:pic>
-        </p:grpSp>
-        <p:grpSp>
-          <p:nvGrpSpPr>
-            <p:cNvPr id="29" name="그룹 28">
-              <a:extLst>
-                <a:ext uri="{FF2B5EF4-FFF2-40B4-BE49-F238E27FC236}">
-                  <a16:creationId xmlns:a16="http://schemas.microsoft.com/office/drawing/2014/main" id="{871B9792-FF16-489C-B375-CDF8BFF11376}"/>
-                </a:ext>
-              </a:extLst>
-            </p:cNvPr>
-            <p:cNvGrpSpPr>
-              <a:grpSpLocks noChangeAspect="1"/>
-            </p:cNvGrpSpPr>
-            <p:nvPr/>
-          </p:nvGrpSpPr>
-          <p:grpSpPr>
-            <a:xfrm>
-              <a:off x="16261519" y="18306319"/>
-              <a:ext cx="4078800" cy="4078800"/>
-              <a:chOff x="19082678" y="18936701"/>
-              <a:chExt cx="4078800" cy="4078800"/>
-            </a:xfrm>
-          </p:grpSpPr>
-          <p:sp>
-            <p:nvSpPr>
-              <p:cNvPr id="33" name="직사각형 32">
-                <a:extLst>
-                  <a:ext uri="{FF2B5EF4-FFF2-40B4-BE49-F238E27FC236}">
-                    <a16:creationId xmlns:a16="http://schemas.microsoft.com/office/drawing/2014/main" id="{C458D60F-FBF9-4E8F-B8DD-BA06C6F6769E}"/>
-                  </a:ext>
-                </a:extLst>
-              </p:cNvPr>
-              <p:cNvSpPr>
-                <a:spLocks noChangeAspect="1"/>
-              </p:cNvSpPr>
-              <p:nvPr/>
-            </p:nvSpPr>
-            <p:spPr>
-              <a:xfrm>
-                <a:off x="19082678" y="18936701"/>
-                <a:ext cx="4078800" cy="4078800"/>
-              </a:xfrm>
-              <a:prstGeom prst="rect">
-                <a:avLst/>
-              </a:prstGeom>
-              <a:solidFill>
-                <a:schemeClr val="bg1"/>
-              </a:solidFill>
-              <a:ln>
-                <a:noFill/>
-              </a:ln>
-            </p:spPr>
-            <p:style>
-              <a:lnRef idx="2">
-                <a:schemeClr val="accent1">
-                  <a:shade val="50000"/>
-                </a:schemeClr>
-              </a:lnRef>
-              <a:fillRef idx="1">
-                <a:schemeClr val="accent1"/>
-              </a:fillRef>
-              <a:effectRef idx="0">
-                <a:schemeClr val="accent1"/>
-              </a:effectRef>
-              <a:fontRef idx="minor">
-                <a:schemeClr val="lt1"/>
-              </a:fontRef>
-            </p:style>
-            <p:txBody>
-              <a:bodyPr rtlCol="0" anchor="ctr"/>
-              <a:lstStyle/>
-              <a:p>
-                <a:pPr algn="ctr"/>
-                <a:endParaRPr lang="en-US"/>
-              </a:p>
-            </p:txBody>
-          </p:sp>
-          <p:pic>
-            <p:nvPicPr>
-              <p:cNvPr id="34" name="그림 33">
-                <a:extLst>
-                  <a:ext uri="{FF2B5EF4-FFF2-40B4-BE49-F238E27FC236}">
-                    <a16:creationId xmlns:a16="http://schemas.microsoft.com/office/drawing/2014/main" id="{22FF71AD-2F84-4A1A-8054-6A6DDF84BBE1}"/>
-                  </a:ext>
-                </a:extLst>
-              </p:cNvPr>
-              <p:cNvPicPr>
-                <a:picLocks noChangeAspect="1"/>
-              </p:cNvPicPr>
-              <p:nvPr/>
-            </p:nvPicPr>
-            <p:blipFill>
-              <a:blip r:embed="rId6">
-                <a:extLst>
-                  <a:ext uri="{28A0092B-C50C-407E-A947-70E740481C1C}">
-                    <a14:useLocalDpi xmlns:a14="http://schemas.microsoft.com/office/drawing/2010/main" val="0"/>
-                  </a:ext>
-                </a:extLst>
-              </a:blip>
-              <a:stretch>
-                <a:fillRect/>
-              </a:stretch>
-            </p:blipFill>
-            <p:spPr>
-              <a:xfrm>
-                <a:off x="19592078" y="19446101"/>
-                <a:ext cx="3060000" cy="3060000"/>
-              </a:xfrm>
-              <a:prstGeom prst="rect">
-                <a:avLst/>
-              </a:prstGeom>
-            </p:spPr>
-          </p:pic>
-        </p:grpSp>
-        <p:grpSp>
-          <p:nvGrpSpPr>
-            <p:cNvPr id="30" name="그룹 29">
-              <a:extLst>
-                <a:ext uri="{FF2B5EF4-FFF2-40B4-BE49-F238E27FC236}">
-                  <a16:creationId xmlns:a16="http://schemas.microsoft.com/office/drawing/2014/main" id="{48C31A3C-77BA-4E3D-B5C6-E2AEE14D7F87}"/>
-                </a:ext>
-              </a:extLst>
-            </p:cNvPr>
-            <p:cNvGrpSpPr>
-              <a:grpSpLocks noChangeAspect="1"/>
-            </p:cNvGrpSpPr>
-            <p:nvPr/>
-          </p:nvGrpSpPr>
-          <p:grpSpPr>
-            <a:xfrm>
-              <a:off x="13741518" y="18306319"/>
-              <a:ext cx="1555200" cy="1555200"/>
-              <a:chOff x="26644062" y="18487410"/>
-              <a:chExt cx="1555200" cy="1555200"/>
-            </a:xfrm>
-          </p:grpSpPr>
-          <p:sp>
-            <p:nvSpPr>
-              <p:cNvPr id="31" name="직사각형 30">
-                <a:extLst>
-                  <a:ext uri="{FF2B5EF4-FFF2-40B4-BE49-F238E27FC236}">
-                    <a16:creationId xmlns:a16="http://schemas.microsoft.com/office/drawing/2014/main" id="{7FA2CC86-19B8-49E2-B814-02739E68047D}"/>
-                  </a:ext>
-                </a:extLst>
-              </p:cNvPr>
-              <p:cNvSpPr>
-                <a:spLocks noChangeAspect="1"/>
-              </p:cNvSpPr>
-              <p:nvPr/>
-            </p:nvSpPr>
-            <p:spPr>
-              <a:xfrm>
-                <a:off x="26644062" y="18487410"/>
-                <a:ext cx="1555200" cy="1555200"/>
-              </a:xfrm>
-              <a:prstGeom prst="rect">
-                <a:avLst/>
-              </a:prstGeom>
-              <a:solidFill>
-                <a:schemeClr val="bg1"/>
-              </a:solidFill>
-              <a:ln>
-                <a:noFill/>
-              </a:ln>
-            </p:spPr>
-            <p:style>
-              <a:lnRef idx="2">
-                <a:schemeClr val="accent1">
-                  <a:shade val="50000"/>
-                </a:schemeClr>
-              </a:lnRef>
-              <a:fillRef idx="1">
-                <a:schemeClr val="accent1"/>
-              </a:fillRef>
-              <a:effectRef idx="0">
-                <a:schemeClr val="accent1"/>
-              </a:effectRef>
-              <a:fontRef idx="minor">
-                <a:schemeClr val="lt1"/>
-              </a:fontRef>
-            </p:style>
-            <p:txBody>
-              <a:bodyPr rtlCol="0" anchor="ctr"/>
-              <a:lstStyle/>
-              <a:p>
-                <a:pPr algn="ctr"/>
-                <a:endParaRPr lang="en-US"/>
-              </a:p>
-            </p:txBody>
-          </p:sp>
-          <p:pic>
-            <p:nvPicPr>
-              <p:cNvPr id="32" name="그림 31">
-                <a:extLst>
-                  <a:ext uri="{FF2B5EF4-FFF2-40B4-BE49-F238E27FC236}">
-                    <a16:creationId xmlns:a16="http://schemas.microsoft.com/office/drawing/2014/main" id="{E688D5BE-69FC-4EC4-891E-007A73005535}"/>
-                  </a:ext>
-                </a:extLst>
-              </p:cNvPr>
-              <p:cNvPicPr>
-                <a:picLocks noChangeAspect="1"/>
-              </p:cNvPicPr>
-              <p:nvPr/>
-            </p:nvPicPr>
-            <p:blipFill>
-              <a:blip r:embed="rId7">
-                <a:extLst>
-                  <a:ext uri="{28A0092B-C50C-407E-A947-70E740481C1C}">
-                    <a14:useLocalDpi xmlns:a14="http://schemas.microsoft.com/office/drawing/2010/main" val="0"/>
-                  </a:ext>
-                </a:extLst>
-              </a:blip>
-              <a:stretch>
-                <a:fillRect/>
-              </a:stretch>
-            </p:blipFill>
-            <p:spPr>
-              <a:xfrm>
-                <a:off x="26838462" y="18681810"/>
-                <a:ext cx="1166400" cy="1166400"/>
-              </a:xfrm>
-              <a:prstGeom prst="rect">
-                <a:avLst/>
-              </a:prstGeom>
-            </p:spPr>
-          </p:pic>
+            </p:grpSpPr>
+            <p:sp>
+              <p:nvSpPr>
+                <p:cNvPr id="54" name="직사각형 53">
+                  <a:extLst>
+                    <a:ext uri="{FF2B5EF4-FFF2-40B4-BE49-F238E27FC236}">
+                      <a16:creationId xmlns:a16="http://schemas.microsoft.com/office/drawing/2014/main" id="{580E96B9-975B-4F9A-8CB1-9F271E2594EB}"/>
+                    </a:ext>
+                  </a:extLst>
+                </p:cNvPr>
+                <p:cNvSpPr>
+                  <a:spLocks noChangeAspect="1"/>
+                </p:cNvSpPr>
+                <p:nvPr/>
+              </p:nvSpPr>
+              <p:spPr>
+                <a:xfrm>
+                  <a:off x="26644062" y="18487410"/>
+                  <a:ext cx="1555200" cy="1555200"/>
+                </a:xfrm>
+                <a:prstGeom prst="rect">
+                  <a:avLst/>
+                </a:prstGeom>
+                <a:solidFill>
+                  <a:schemeClr val="bg1"/>
+                </a:solidFill>
+                <a:ln>
+                  <a:noFill/>
+                </a:ln>
+              </p:spPr>
+              <p:style>
+                <a:lnRef idx="2">
+                  <a:schemeClr val="accent1">
+                    <a:shade val="50000"/>
+                  </a:schemeClr>
+                </a:lnRef>
+                <a:fillRef idx="1">
+                  <a:schemeClr val="accent1"/>
+                </a:fillRef>
+                <a:effectRef idx="0">
+                  <a:schemeClr val="accent1"/>
+                </a:effectRef>
+                <a:fontRef idx="minor">
+                  <a:schemeClr val="lt1"/>
+                </a:fontRef>
+              </p:style>
+              <p:txBody>
+                <a:bodyPr rtlCol="0" anchor="ctr"/>
+                <a:lstStyle/>
+                <a:p>
+                  <a:pPr algn="ctr"/>
+                  <a:endParaRPr lang="en-US"/>
+                </a:p>
+              </p:txBody>
+            </p:sp>
+            <p:pic>
+              <p:nvPicPr>
+                <p:cNvPr id="55" name="그림 54">
+                  <a:extLst>
+                    <a:ext uri="{FF2B5EF4-FFF2-40B4-BE49-F238E27FC236}">
+                      <a16:creationId xmlns:a16="http://schemas.microsoft.com/office/drawing/2014/main" id="{4ED97261-5E4C-4CE1-8ACD-2CB728D2DA21}"/>
+                    </a:ext>
+                  </a:extLst>
+                </p:cNvPr>
+                <p:cNvPicPr>
+                  <a:picLocks noChangeAspect="1"/>
+                </p:cNvPicPr>
+                <p:nvPr/>
+              </p:nvPicPr>
+              <p:blipFill>
+                <a:blip r:embed="rId7">
+                  <a:extLst>
+                    <a:ext uri="{28A0092B-C50C-407E-A947-70E740481C1C}">
+                      <a14:useLocalDpi xmlns:a14="http://schemas.microsoft.com/office/drawing/2010/main" val="0"/>
+                    </a:ext>
+                  </a:extLst>
+                </a:blip>
+                <a:stretch>
+                  <a:fillRect/>
+                </a:stretch>
+              </p:blipFill>
+              <p:spPr>
+                <a:xfrm rot="16200000">
+                  <a:off x="26838462" y="18681810"/>
+                  <a:ext cx="1166400" cy="1166400"/>
+                </a:xfrm>
+                <a:prstGeom prst="rect">
+                  <a:avLst/>
+                </a:prstGeom>
+              </p:spPr>
+            </p:pic>
+          </p:grpSp>
         </p:grpSp>
       </p:grpSp>
       <p:pic>
         <p:nvPicPr>
-          <p:cNvPr id="6" name="그림 5">
+          <p:cNvPr id="2" name="그림 1">
             <a:extLst>
               <a:ext uri="{FF2B5EF4-FFF2-40B4-BE49-F238E27FC236}">
-                <a16:creationId xmlns:a16="http://schemas.microsoft.com/office/drawing/2014/main" id="{EC4D0D03-7A9D-4074-B66A-F31FAB37EEEE}"/>
+                <a16:creationId xmlns:a16="http://schemas.microsoft.com/office/drawing/2014/main" id="{21C36412-8C5E-47F1-8F34-0D62D77D6657}"/>
               </a:ext>
             </a:extLst>
           </p:cNvPr>
@@ -5535,14 +5487,212 @@
         </p:blipFill>
         <p:spPr>
           <a:xfrm>
-            <a:off x="19661882" y="7358747"/>
-            <a:ext cx="34560000" cy="55926615"/>
+            <a:off x="21553307" y="7717712"/>
+            <a:ext cx="39600000" cy="64800000"/>
           </a:xfrm>
           <a:prstGeom prst="rect">
             <a:avLst/>
           </a:prstGeom>
         </p:spPr>
       </p:pic>
+      <p:grpSp>
+        <p:nvGrpSpPr>
+          <p:cNvPr id="66" name="그룹 65">
+            <a:extLst>
+              <a:ext uri="{FF2B5EF4-FFF2-40B4-BE49-F238E27FC236}">
+                <a16:creationId xmlns:a16="http://schemas.microsoft.com/office/drawing/2014/main" id="{08CF4D9C-89BD-44C1-ABF3-9282FB2C0F27}"/>
+              </a:ext>
+            </a:extLst>
+          </p:cNvPr>
+          <p:cNvGrpSpPr/>
+          <p:nvPr/>
+        </p:nvGrpSpPr>
+        <p:grpSpPr>
+          <a:xfrm>
+            <a:off x="63854316" y="7717712"/>
+            <a:ext cx="5565256" cy="64800000"/>
+            <a:chOff x="41017665" y="1543919"/>
+            <a:chExt cx="5565256" cy="64800000"/>
+          </a:xfrm>
+        </p:grpSpPr>
+        <p:cxnSp>
+          <p:nvCxnSpPr>
+            <p:cNvPr id="67" name="직선 연결선 66">
+              <a:extLst>
+                <a:ext uri="{FF2B5EF4-FFF2-40B4-BE49-F238E27FC236}">
+                  <a16:creationId xmlns:a16="http://schemas.microsoft.com/office/drawing/2014/main" id="{4061CE85-D414-4A81-849C-C01EDD83F7A8}"/>
+                </a:ext>
+              </a:extLst>
+            </p:cNvPr>
+            <p:cNvCxnSpPr>
+              <a:cxnSpLocks/>
+            </p:cNvCxnSpPr>
+            <p:nvPr/>
+          </p:nvCxnSpPr>
+          <p:spPr>
+            <a:xfrm>
+              <a:off x="41017665" y="1543919"/>
+              <a:ext cx="0" cy="64800000"/>
+            </a:xfrm>
+            <a:prstGeom prst="line">
+              <a:avLst/>
+            </a:prstGeom>
+          </p:spPr>
+          <p:style>
+            <a:lnRef idx="1">
+              <a:schemeClr val="accent1"/>
+            </a:lnRef>
+            <a:fillRef idx="0">
+              <a:schemeClr val="accent1"/>
+            </a:fillRef>
+            <a:effectRef idx="0">
+              <a:schemeClr val="accent1"/>
+            </a:effectRef>
+            <a:fontRef idx="minor">
+              <a:schemeClr val="tx1"/>
+            </a:fontRef>
+          </p:style>
+        </p:cxnSp>
+        <p:sp>
+          <p:nvSpPr>
+            <p:cNvPr id="68" name="TextBox 67">
+              <a:extLst>
+                <a:ext uri="{FF2B5EF4-FFF2-40B4-BE49-F238E27FC236}">
+                  <a16:creationId xmlns:a16="http://schemas.microsoft.com/office/drawing/2014/main" id="{B92FEC7C-49D0-497B-9E76-CB94656916E7}"/>
+                </a:ext>
+              </a:extLst>
+            </p:cNvPr>
+            <p:cNvSpPr txBox="1">
+              <a:spLocks noChangeAspect="1"/>
+            </p:cNvSpPr>
+            <p:nvPr/>
+          </p:nvSpPr>
+          <p:spPr>
+            <a:xfrm>
+              <a:off x="41766945" y="33343755"/>
+              <a:ext cx="4815976" cy="1200329"/>
+            </a:xfrm>
+            <a:prstGeom prst="rect">
+              <a:avLst/>
+            </a:prstGeom>
+            <a:noFill/>
+          </p:spPr>
+          <p:txBody>
+            <a:bodyPr wrap="square" rtlCol="0" anchor="ctr" anchorCtr="1">
+              <a:spAutoFit/>
+            </a:bodyPr>
+            <a:lstStyle/>
+            <a:p>
+              <a:pPr algn="ctr"/>
+              <a:r>
+                <a:rPr lang="en-US" sz="7200" dirty="0">
+                  <a:latin typeface="Arial" panose="020B0604020202020204" pitchFamily="34" charset="0"/>
+                </a:rPr>
+                <a:t>180 cm</a:t>
+              </a:r>
+            </a:p>
+          </p:txBody>
+        </p:sp>
+      </p:grpSp>
+      <p:grpSp>
+        <p:nvGrpSpPr>
+          <p:cNvPr id="69" name="그룹 68">
+            <a:extLst>
+              <a:ext uri="{FF2B5EF4-FFF2-40B4-BE49-F238E27FC236}">
+                <a16:creationId xmlns:a16="http://schemas.microsoft.com/office/drawing/2014/main" id="{0EFDF002-D5AE-4D5A-8944-511D606ED67D}"/>
+              </a:ext>
+            </a:extLst>
+          </p:cNvPr>
+          <p:cNvGrpSpPr/>
+          <p:nvPr/>
+        </p:nvGrpSpPr>
+        <p:grpSpPr>
+          <a:xfrm>
+            <a:off x="21553307" y="73685087"/>
+            <a:ext cx="39600000" cy="1403529"/>
+            <a:chOff x="-719681" y="59405401"/>
+            <a:chExt cx="39600000" cy="1403529"/>
+          </a:xfrm>
+        </p:grpSpPr>
+        <p:cxnSp>
+          <p:nvCxnSpPr>
+            <p:cNvPr id="70" name="직선 연결선 69">
+              <a:extLst>
+                <a:ext uri="{FF2B5EF4-FFF2-40B4-BE49-F238E27FC236}">
+                  <a16:creationId xmlns:a16="http://schemas.microsoft.com/office/drawing/2014/main" id="{A4EACEFF-A4DC-45F1-82C4-733E7FA55B18}"/>
+                </a:ext>
+              </a:extLst>
+            </p:cNvPr>
+            <p:cNvCxnSpPr>
+              <a:cxnSpLocks/>
+            </p:cNvCxnSpPr>
+            <p:nvPr/>
+          </p:nvCxnSpPr>
+          <p:spPr>
+            <a:xfrm rot="5400000">
+              <a:off x="19080319" y="39605401"/>
+              <a:ext cx="0" cy="39600000"/>
+            </a:xfrm>
+            <a:prstGeom prst="line">
+              <a:avLst/>
+            </a:prstGeom>
+          </p:spPr>
+          <p:style>
+            <a:lnRef idx="1">
+              <a:schemeClr val="accent1"/>
+            </a:lnRef>
+            <a:fillRef idx="0">
+              <a:schemeClr val="accent1"/>
+            </a:fillRef>
+            <a:effectRef idx="0">
+              <a:schemeClr val="accent1"/>
+            </a:effectRef>
+            <a:fontRef idx="minor">
+              <a:schemeClr val="tx1"/>
+            </a:fontRef>
+          </p:style>
+        </p:cxnSp>
+        <p:sp>
+          <p:nvSpPr>
+            <p:cNvPr id="71" name="TextBox 70">
+              <a:extLst>
+                <a:ext uri="{FF2B5EF4-FFF2-40B4-BE49-F238E27FC236}">
+                  <a16:creationId xmlns:a16="http://schemas.microsoft.com/office/drawing/2014/main" id="{BEC86029-F0E5-4582-9A84-A2D126B2C157}"/>
+                </a:ext>
+              </a:extLst>
+            </p:cNvPr>
+            <p:cNvSpPr txBox="1">
+              <a:spLocks noChangeAspect="1"/>
+            </p:cNvSpPr>
+            <p:nvPr/>
+          </p:nvSpPr>
+          <p:spPr>
+            <a:xfrm>
+              <a:off x="16891239" y="59608601"/>
+              <a:ext cx="4378160" cy="1200329"/>
+            </a:xfrm>
+            <a:prstGeom prst="rect">
+              <a:avLst/>
+            </a:prstGeom>
+            <a:noFill/>
+          </p:spPr>
+          <p:txBody>
+            <a:bodyPr wrap="square" rtlCol="0" anchor="ctr" anchorCtr="1">
+              <a:spAutoFit/>
+            </a:bodyPr>
+            <a:lstStyle/>
+            <a:p>
+              <a:pPr algn="ctr"/>
+              <a:r>
+                <a:rPr lang="en-US" sz="7200" dirty="0">
+                  <a:latin typeface="Arial" panose="020B0604020202020204" pitchFamily="34" charset="0"/>
+                </a:rPr>
+                <a:t>110 cm</a:t>
+              </a:r>
+            </a:p>
+          </p:txBody>
+        </p:sp>
+      </p:grpSp>
     </p:spTree>
     <p:extLst>
       <p:ext uri="{BB962C8B-B14F-4D97-AF65-F5344CB8AC3E}">
@@ -17302,8 +17452,8 @@
         </p:nvSpPr>
         <p:spPr>
           <a:xfrm>
-            <a:off x="42501393" y="25084354"/>
-            <a:ext cx="4378160" cy="1200329"/>
+            <a:off x="42282485" y="24414941"/>
+            <a:ext cx="4815976" cy="2539156"/>
           </a:xfrm>
           <a:prstGeom prst="rect">
             <a:avLst/>
@@ -17321,7 +17471,7 @@
               <a:rPr lang="en-US" sz="7200" dirty="0">
                 <a:latin typeface="Arial" panose="020B0604020202020204" pitchFamily="34" charset="0"/>
               </a:rPr>
-              <a:t>77.67 cm</a:t>
+              <a:t>155.34 cm</a:t>
             </a:r>
           </a:p>
         </p:txBody>
@@ -17399,7 +17549,7 @@
               <a:rPr lang="en-US" sz="7200" dirty="0">
                 <a:latin typeface="Arial" panose="020B0604020202020204" pitchFamily="34" charset="0"/>
               </a:rPr>
-              <a:t>48 cm</a:t>
+              <a:t>96 cm</a:t>
             </a:r>
           </a:p>
         </p:txBody>
@@ -17420,7 +17570,7 @@
         </p:nvSpPr>
         <p:spPr>
           <a:xfrm>
-            <a:off x="44832604" y="26453639"/>
+            <a:off x="47847740" y="26453639"/>
             <a:ext cx="17280000" cy="17280000"/>
           </a:xfrm>
           <a:prstGeom prst="rect">
@@ -17485,7 +17635,7 @@
         </p:nvSpPr>
         <p:spPr>
           <a:xfrm>
-            <a:off x="48132004" y="15772439"/>
+            <a:off x="51147140" y="15772439"/>
             <a:ext cx="10681200" cy="10681200"/>
           </a:xfrm>
           <a:prstGeom prst="rect">
@@ -17550,7 +17700,7 @@
         </p:nvSpPr>
         <p:spPr>
           <a:xfrm>
-            <a:off x="50173204" y="9173639"/>
+            <a:off x="53188340" y="9173639"/>
             <a:ext cx="6598800" cy="6598800"/>
           </a:xfrm>
           <a:prstGeom prst="rect">
@@ -17615,7 +17765,7 @@
         </p:nvSpPr>
         <p:spPr>
           <a:xfrm>
-            <a:off x="51433204" y="5105119"/>
+            <a:off x="54448340" y="5105119"/>
             <a:ext cx="4078800" cy="4078800"/>
           </a:xfrm>
           <a:prstGeom prst="rect">
@@ -17680,7 +17830,7 @@
         </p:nvSpPr>
         <p:spPr>
           <a:xfrm>
-            <a:off x="52212604" y="2602930"/>
+            <a:off x="55227740" y="2602930"/>
             <a:ext cx="2520000" cy="2520000"/>
           </a:xfrm>
           <a:prstGeom prst="rect">
@@ -17745,7 +17895,7 @@
         </p:nvSpPr>
         <p:spPr>
           <a:xfrm>
-            <a:off x="52695004" y="1005759"/>
+            <a:off x="55710140" y="1005759"/>
             <a:ext cx="1555200" cy="1555200"/>
           </a:xfrm>
           <a:prstGeom prst="rect">
@@ -17810,7 +17960,7 @@
         </p:nvCxnSpPr>
         <p:spPr>
           <a:xfrm>
-            <a:off x="63338993" y="26453639"/>
+            <a:off x="66354129" y="26453639"/>
             <a:ext cx="0" cy="17280000"/>
           </a:xfrm>
           <a:prstGeom prst="line">
@@ -17848,7 +17998,7 @@
         </p:nvSpPr>
         <p:spPr>
           <a:xfrm>
-            <a:off x="64307181" y="34493475"/>
+            <a:off x="67322317" y="34493475"/>
             <a:ext cx="4378160" cy="1200329"/>
           </a:xfrm>
           <a:prstGeom prst="rect">
@@ -17867,7 +18017,7 @@
               <a:rPr lang="en-US" sz="7200" dirty="0">
                 <a:latin typeface="Arial" panose="020B0604020202020204" pitchFamily="34" charset="0"/>
               </a:rPr>
-              <a:t>48 cm</a:t>
+              <a:t>72 cm</a:t>
             </a:r>
           </a:p>
         </p:txBody>
@@ -17888,7 +18038,7 @@
         </p:nvCxnSpPr>
         <p:spPr>
           <a:xfrm>
-            <a:off x="61120868" y="15772439"/>
+            <a:off x="64136004" y="15772439"/>
             <a:ext cx="0" cy="10681200"/>
           </a:xfrm>
           <a:prstGeom prst="line">
@@ -17926,7 +18076,7 @@
         </p:nvSpPr>
         <p:spPr>
           <a:xfrm>
-            <a:off x="62089056" y="20512875"/>
+            <a:off x="65104192" y="20512875"/>
             <a:ext cx="4378160" cy="1200329"/>
           </a:xfrm>
           <a:prstGeom prst="rect">
@@ -17945,7 +18095,7 @@
               <a:rPr lang="en-US" sz="7200" dirty="0">
                 <a:latin typeface="Arial" panose="020B0604020202020204" pitchFamily="34" charset="0"/>
               </a:rPr>
-              <a:t>29.67 cm</a:t>
+              <a:t>44.5 cm</a:t>
             </a:r>
           </a:p>
         </p:txBody>
@@ -17964,7 +18114,7 @@
         </p:nvGrpSpPr>
         <p:grpSpPr>
           <a:xfrm>
-            <a:off x="59099578" y="9173639"/>
+            <a:off x="62114714" y="9173639"/>
             <a:ext cx="5346348" cy="6598800"/>
             <a:chOff x="61120868" y="9970487"/>
             <a:chExt cx="5346348" cy="6598800"/>
@@ -18043,7 +18193,7 @@
                 <a:rPr lang="en-US" sz="7200" dirty="0">
                   <a:latin typeface="Arial" panose="020B0604020202020204" pitchFamily="34" charset="0"/>
                 </a:rPr>
-                <a:t>18.33 cm</a:t>
+                <a:t>27.5 cm</a:t>
               </a:r>
             </a:p>
           </p:txBody>
@@ -18063,7 +18213,7 @@
         </p:nvGrpSpPr>
         <p:grpSpPr>
           <a:xfrm>
-            <a:off x="57925164" y="5105119"/>
+            <a:off x="60940300" y="5105119"/>
             <a:ext cx="5346348" cy="4078800"/>
             <a:chOff x="59099578" y="4169679"/>
             <a:chExt cx="5346348" cy="4078800"/>
@@ -18142,7 +18292,7 @@
                 <a:rPr lang="en-US" sz="7200" dirty="0">
                   <a:latin typeface="Arial" panose="020B0604020202020204" pitchFamily="34" charset="0"/>
                 </a:rPr>
-                <a:t>11.33 cm</a:t>
+                <a:t>17 cm</a:t>
               </a:r>
             </a:p>
           </p:txBody>
@@ -18164,7 +18314,7 @@
         </p:nvCxnSpPr>
         <p:spPr>
           <a:xfrm>
-            <a:off x="56952211" y="2602930"/>
+            <a:off x="59967347" y="2602930"/>
             <a:ext cx="0" cy="2520000"/>
           </a:xfrm>
           <a:prstGeom prst="line">
@@ -18202,7 +18352,7 @@
         </p:nvSpPr>
         <p:spPr>
           <a:xfrm>
-            <a:off x="57920399" y="3262766"/>
+            <a:off x="60935535" y="3262766"/>
             <a:ext cx="4378160" cy="1200329"/>
           </a:xfrm>
           <a:prstGeom prst="rect">
@@ -18221,7 +18371,7 @@
               <a:rPr lang="en-US" sz="7200" dirty="0">
                 <a:latin typeface="Arial" panose="020B0604020202020204" pitchFamily="34" charset="0"/>
               </a:rPr>
-              <a:t>7 cm</a:t>
+              <a:t>10.5 cm</a:t>
             </a:r>
           </a:p>
         </p:txBody>
@@ -18240,7 +18390,7 @@
         </p:nvGrpSpPr>
         <p:grpSpPr>
           <a:xfrm>
-            <a:off x="55926354" y="1005759"/>
+            <a:off x="58941490" y="1005759"/>
             <a:ext cx="5346348" cy="1555200"/>
             <a:chOff x="56952211" y="716013"/>
             <a:chExt cx="5346348" cy="1555200"/>
@@ -18319,7 +18469,7 @@
                 <a:rPr lang="en-US" sz="7200" dirty="0">
                   <a:latin typeface="Arial" panose="020B0604020202020204" pitchFamily="34" charset="0"/>
                 </a:rPr>
-                <a:t>4.32 cm</a:t>
+                <a:t>6.48 cm</a:t>
               </a:r>
             </a:p>
           </p:txBody>
